--- a/Gramener_Case_Study_Presentation_SS.pptx
+++ b/Gramener_Case_Study_Presentation_SS.pptx
@@ -113,10 +113,10 @@
   </p:defaultTextStyle>
   <p:extLst>
     <p:ext uri="{EFAFB233-063F-42B5-8137-9DF3F51BA10A}">
-      <p15:sldGuideLst xmlns="" xmlns:p15="http://schemas.microsoft.com/office/powerpoint/2012/main"/>
+      <p15:sldGuideLst xmlns:p15="http://schemas.microsoft.com/office/powerpoint/2012/main" xmlns=""/>
     </p:ext>
     <p:ext uri="{2D200454-40CA-4A62-9FC3-DE9A4176ACB9}">
-      <p15:notesGuideLst xmlns="" xmlns:p15="http://schemas.microsoft.com/office/powerpoint/2012/main"/>
+      <p15:notesGuideLst xmlns:p15="http://schemas.microsoft.com/office/powerpoint/2012/main" xmlns=""/>
     </p:ext>
   </p:extLst>
 </p:presentation>
@@ -576,11 +576,11 @@
           <c:showBubbleSize val="0"/>
         </c:dLbls>
         <c:gapWidth val="150"/>
-        <c:axId val="39316480"/>
-        <c:axId val="88602112"/>
+        <c:axId val="40994688"/>
+        <c:axId val="40996224"/>
       </c:barChart>
       <c:catAx>
-        <c:axId val="39316480"/>
+        <c:axId val="40994688"/>
         <c:scaling>
           <c:orientation val="minMax"/>
         </c:scaling>
@@ -602,7 +602,7 @@
             <a:endParaRPr lang="en-US"/>
           </a:p>
         </c:txPr>
-        <c:crossAx val="88602112"/>
+        <c:crossAx val="40996224"/>
         <c:crosses val="autoZero"/>
         <c:auto val="1"/>
         <c:lblAlgn val="ctr"/>
@@ -610,7 +610,7 @@
         <c:noMultiLvlLbl val="0"/>
       </c:catAx>
       <c:valAx>
-        <c:axId val="88602112"/>
+        <c:axId val="40996224"/>
         <c:scaling>
           <c:orientation val="minMax"/>
         </c:scaling>
@@ -620,7 +620,7 @@
         <c:majorTickMark val="out"/>
         <c:minorTickMark val="none"/>
         <c:tickLblPos val="nextTo"/>
-        <c:crossAx val="39316480"/>
+        <c:crossAx val="40994688"/>
         <c:crosses val="autoZero"/>
         <c:crossBetween val="between"/>
       </c:valAx>
@@ -847,11 +847,11 @@
         </c:dLbls>
         <c:marker val="1"/>
         <c:smooth val="0"/>
-        <c:axId val="89400448"/>
-        <c:axId val="89424256"/>
+        <c:axId val="41055744"/>
+        <c:axId val="41057280"/>
       </c:lineChart>
       <c:catAx>
-        <c:axId val="89400448"/>
+        <c:axId val="41055744"/>
         <c:scaling>
           <c:orientation val="minMax"/>
         </c:scaling>
@@ -860,7 +860,20 @@
         <c:majorTickMark val="out"/>
         <c:minorTickMark val="none"/>
         <c:tickLblPos val="nextTo"/>
-        <c:crossAx val="89424256"/>
+        <c:txPr>
+          <a:bodyPr/>
+          <a:lstStyle/>
+          <a:p>
+            <a:pPr>
+              <a:defRPr>
+                <a:latin typeface="Times New Roman" panose="02020603050405020304" pitchFamily="18" charset="0"/>
+                <a:cs typeface="Times New Roman" panose="02020603050405020304" pitchFamily="18" charset="0"/>
+              </a:defRPr>
+            </a:pPr>
+            <a:endParaRPr lang="en-US"/>
+          </a:p>
+        </c:txPr>
+        <c:crossAx val="41057280"/>
         <c:crosses val="autoZero"/>
         <c:auto val="1"/>
         <c:lblAlgn val="ctr"/>
@@ -868,7 +881,7 @@
         <c:noMultiLvlLbl val="0"/>
       </c:catAx>
       <c:valAx>
-        <c:axId val="89424256"/>
+        <c:axId val="41057280"/>
         <c:scaling>
           <c:orientation val="minMax"/>
         </c:scaling>
@@ -878,7 +891,7 @@
         <c:majorTickMark val="out"/>
         <c:minorTickMark val="none"/>
         <c:tickLblPos val="nextTo"/>
-        <c:crossAx val="89400448"/>
+        <c:crossAx val="41055744"/>
         <c:crosses val="autoZero"/>
         <c:crossBetween val="between"/>
       </c:valAx>
@@ -1828,14 +1841,7 @@
               <a:latin typeface="Times New Roman" panose="02020603050405020304" pitchFamily="18" charset="0"/>
               <a:cs typeface="Times New Roman" panose="02020603050405020304" pitchFamily="18" charset="0"/>
             </a:rPr>
-            <a:t>through derived </a:t>
-          </a:r>
-          <a:r>
-            <a:rPr lang="en-US" sz="2400" i="1" dirty="0" smtClean="0">
-              <a:latin typeface="Times New Roman" panose="02020603050405020304" pitchFamily="18" charset="0"/>
-              <a:cs typeface="Times New Roman" panose="02020603050405020304" pitchFamily="18" charset="0"/>
-            </a:rPr>
-            <a:t>measures</a:t>
+            <a:t>through derived measures</a:t>
           </a:r>
           <a:endParaRPr lang="en-US" sz="2400" i="1" dirty="0">
             <a:latin typeface="Times New Roman" panose="02020603050405020304" pitchFamily="18" charset="0"/>
@@ -2057,15 +2063,15 @@
   <dgm:cxnLst>
     <dgm:cxn modelId="{1680E744-5265-470F-BE1B-12E6AA6D7669}" type="presOf" srcId="{86DE8BBC-E3CE-4A85-820C-696DACFB63B6}" destId="{AB6CA672-39C8-45F7-9C81-266760D7C2D8}" srcOrd="1" destOrd="0" presId="urn:microsoft.com/office/officeart/2005/8/layout/target3"/>
     <dgm:cxn modelId="{C61FA682-ED01-4423-BE74-85C798EAE548}" srcId="{AEE7D2E5-9016-462D-9B6C-58E43CD5BDB2}" destId="{A5FC859D-554D-45DC-9CB7-B4AB9803FBCB}" srcOrd="0" destOrd="0" parTransId="{8D7ED301-8293-428C-A25C-8C5CB5D1A613}" sibTransId="{47848E53-F015-4D22-AFE1-B3C4AB9C18EC}"/>
-    <dgm:cxn modelId="{E78C2C92-9521-47B2-92E3-5112F608FBEB}" srcId="{86DE8BBC-E3CE-4A85-820C-696DACFB63B6}" destId="{29D945ED-DC1D-41DC-AB0C-1006677B2901}" srcOrd="0" destOrd="0" parTransId="{228B3E99-81FA-443A-B310-EF60C09F2B99}" sibTransId="{08E166E6-9710-48AD-B10E-293338D324AA}"/>
     <dgm:cxn modelId="{DFD175DE-426C-44D6-A1B6-62633C0DE624}" srcId="{6F589F8F-1785-4106-AC02-391775110445}" destId="{86DE8BBC-E3CE-4A85-820C-696DACFB63B6}" srcOrd="0" destOrd="0" parTransId="{01E6FF83-29E2-4B56-B581-53218406081C}" sibTransId="{5F402E03-95A5-45CE-81F2-10474023C175}"/>
+    <dgm:cxn modelId="{267EA731-519C-40B4-B4D7-93EFB436593D}" srcId="{6F589F8F-1785-4106-AC02-391775110445}" destId="{AEE7D2E5-9016-462D-9B6C-58E43CD5BDB2}" srcOrd="1" destOrd="0" parTransId="{4963B9B0-FFE7-4517-BB10-344838722CFE}" sibTransId="{448CF754-5473-4941-953D-31D98D142890}"/>
+    <dgm:cxn modelId="{36A15AEE-15EF-416B-9C34-700B373F5BCB}" type="presOf" srcId="{6F589F8F-1785-4106-AC02-391775110445}" destId="{6510B431-562D-4B3D-AE15-E52019F6A2D8}" srcOrd="0" destOrd="0" presId="urn:microsoft.com/office/officeart/2005/8/layout/target3"/>
+    <dgm:cxn modelId="{67A98DA0-A20B-49A5-8378-402C84D9717B}" type="presOf" srcId="{AEE7D2E5-9016-462D-9B6C-58E43CD5BDB2}" destId="{AD4E8905-E19D-4F60-A942-73AE66F446B9}" srcOrd="0" destOrd="0" presId="urn:microsoft.com/office/officeart/2005/8/layout/target3"/>
     <dgm:cxn modelId="{02E6475D-F4DF-432C-812B-D25C22F2FDE6}" type="presOf" srcId="{86DE8BBC-E3CE-4A85-820C-696DACFB63B6}" destId="{4B7119F6-AAFD-4BC6-8527-44D58A51B5E0}" srcOrd="0" destOrd="0" presId="urn:microsoft.com/office/officeart/2005/8/layout/target3"/>
     <dgm:cxn modelId="{2862A079-ED7E-421C-82C1-B9EEB024F4BB}" type="presOf" srcId="{A5FC859D-554D-45DC-9CB7-B4AB9803FBCB}" destId="{A99E1E49-8363-44FD-BE99-F1B0BE099D6E}" srcOrd="0" destOrd="0" presId="urn:microsoft.com/office/officeart/2005/8/layout/target3"/>
-    <dgm:cxn modelId="{267EA731-519C-40B4-B4D7-93EFB436593D}" srcId="{6F589F8F-1785-4106-AC02-391775110445}" destId="{AEE7D2E5-9016-462D-9B6C-58E43CD5BDB2}" srcOrd="1" destOrd="0" parTransId="{4963B9B0-FFE7-4517-BB10-344838722CFE}" sibTransId="{448CF754-5473-4941-953D-31D98D142890}"/>
-    <dgm:cxn modelId="{36A15AEE-15EF-416B-9C34-700B373F5BCB}" type="presOf" srcId="{6F589F8F-1785-4106-AC02-391775110445}" destId="{6510B431-562D-4B3D-AE15-E52019F6A2D8}" srcOrd="0" destOrd="0" presId="urn:microsoft.com/office/officeart/2005/8/layout/target3"/>
+    <dgm:cxn modelId="{DFDCF90C-5815-400E-9788-A95631B40FEC}" type="presOf" srcId="{AEE7D2E5-9016-462D-9B6C-58E43CD5BDB2}" destId="{A4F88B3B-D596-43AD-8944-0CFE64B460BF}" srcOrd="1" destOrd="0" presId="urn:microsoft.com/office/officeart/2005/8/layout/target3"/>
+    <dgm:cxn modelId="{E78C2C92-9521-47B2-92E3-5112F608FBEB}" srcId="{86DE8BBC-E3CE-4A85-820C-696DACFB63B6}" destId="{29D945ED-DC1D-41DC-AB0C-1006677B2901}" srcOrd="0" destOrd="0" parTransId="{228B3E99-81FA-443A-B310-EF60C09F2B99}" sibTransId="{08E166E6-9710-48AD-B10E-293338D324AA}"/>
     <dgm:cxn modelId="{BF4C2F30-2A35-4EFF-8D35-84855B08B38D}" type="presOf" srcId="{29D945ED-DC1D-41DC-AB0C-1006677B2901}" destId="{C751CA39-3178-4EA2-9008-3FE77AD28E16}" srcOrd="0" destOrd="0" presId="urn:microsoft.com/office/officeart/2005/8/layout/target3"/>
-    <dgm:cxn modelId="{67A98DA0-A20B-49A5-8378-402C84D9717B}" type="presOf" srcId="{AEE7D2E5-9016-462D-9B6C-58E43CD5BDB2}" destId="{AD4E8905-E19D-4F60-A942-73AE66F446B9}" srcOrd="0" destOrd="0" presId="urn:microsoft.com/office/officeart/2005/8/layout/target3"/>
-    <dgm:cxn modelId="{DFDCF90C-5815-400E-9788-A95631B40FEC}" type="presOf" srcId="{AEE7D2E5-9016-462D-9B6C-58E43CD5BDB2}" destId="{A4F88B3B-D596-43AD-8944-0CFE64B460BF}" srcOrd="1" destOrd="0" presId="urn:microsoft.com/office/officeart/2005/8/layout/target3"/>
     <dgm:cxn modelId="{07FA95C8-9A2C-481D-AE06-C6C5CEDC952C}" type="presParOf" srcId="{6510B431-562D-4B3D-AE15-E52019F6A2D8}" destId="{A8ABB8C7-CD77-4BB1-B2F9-B9DCC21B9C14}" srcOrd="0" destOrd="0" presId="urn:microsoft.com/office/officeart/2005/8/layout/target3"/>
     <dgm:cxn modelId="{730F3AEB-D3F7-4B0E-BA0A-964A8200873E}" type="presParOf" srcId="{6510B431-562D-4B3D-AE15-E52019F6A2D8}" destId="{AB548295-2D5D-4C56-99FB-7C86E3CE787D}" srcOrd="1" destOrd="0" presId="urn:microsoft.com/office/officeart/2005/8/layout/target3"/>
     <dgm:cxn modelId="{ED2A23D4-F59A-4F43-B2D2-7472A5B3475E}" type="presParOf" srcId="{6510B431-562D-4B3D-AE15-E52019F6A2D8}" destId="{4B7119F6-AAFD-4BC6-8527-44D58A51B5E0}" srcOrd="2" destOrd="0" presId="urn:microsoft.com/office/officeart/2005/8/layout/target3"/>
@@ -2387,14 +2393,7 @@
               <a:latin typeface="Times New Roman" panose="02020603050405020304" pitchFamily="18" charset="0"/>
               <a:cs typeface="Times New Roman" panose="02020603050405020304" pitchFamily="18" charset="0"/>
             </a:rPr>
-            <a:t>through derived </a:t>
-          </a:r>
-          <a:r>
-            <a:rPr lang="en-US" sz="2400" i="1" kern="1200" dirty="0" smtClean="0">
-              <a:latin typeface="Times New Roman" panose="02020603050405020304" pitchFamily="18" charset="0"/>
-              <a:cs typeface="Times New Roman" panose="02020603050405020304" pitchFamily="18" charset="0"/>
-            </a:rPr>
-            <a:t>measures</a:t>
+            <a:t>through derived measures</a:t>
           </a:r>
           <a:endParaRPr lang="en-US" sz="2400" i="1" kern="1200" dirty="0">
             <a:latin typeface="Times New Roman" panose="02020603050405020304" pitchFamily="18" charset="0"/>
@@ -11910,7 +11909,7 @@
           <p:nvPr>
             <p:extLst>
               <p:ext uri="{D42A27DB-BD31-4B8C-83A1-F6EECF244321}">
-                <p14:modId xmlns:p14="http://schemas.microsoft.com/office/powerpoint/2010/main" val="138019731"/>
+                <p14:modId xmlns:p14="http://schemas.microsoft.com/office/powerpoint/2010/main" val="1112735152"/>
               </p:ext>
             </p:extLst>
           </p:nvPr>
@@ -12328,7 +12327,7 @@
   <a:extraClrSchemeLst/>
   <a:extLst>
     <a:ext uri="{05A4C25C-085E-4340-85A3-A5531E510DB2}">
-      <thm15:themeFamily xmlns="" xmlns:thm15="http://schemas.microsoft.com/office/thememl/2012/main" name="Office Theme" id="{62F939B6-93AF-4DB8-9C6B-D6C7DFDC589F}" vid="{4A3C46E8-61CC-4603-A589-7422A47A8E4A}"/>
+      <thm15:themeFamily xmlns:thm15="http://schemas.microsoft.com/office/thememl/2012/main" xmlns="" name="Office Theme" id="{62F939B6-93AF-4DB8-9C6B-D6C7DFDC589F}" vid="{4A3C46E8-61CC-4603-A589-7422A47A8E4A}"/>
     </a:ext>
   </a:extLst>
 </a:theme>
@@ -12623,7 +12622,7 @@
   <a:extraClrSchemeLst/>
   <a:extLst>
     <a:ext uri="{05A4C25C-085E-4340-85A3-A5531E510DB2}">
-      <thm15:themeFamily xmlns="" xmlns:thm15="http://schemas.microsoft.com/office/thememl/2012/main" name="Office Theme" id="{62F939B6-93AF-4DB8-9C6B-D6C7DFDC589F}" vid="{4A3C46E8-61CC-4603-A589-7422A47A8E4A}"/>
+      <thm15:themeFamily xmlns:thm15="http://schemas.microsoft.com/office/thememl/2012/main" xmlns="" name="Office Theme" id="{62F939B6-93AF-4DB8-9C6B-D6C7DFDC589F}" vid="{4A3C46E8-61CC-4603-A589-7422A47A8E4A}"/>
     </a:ext>
   </a:extLst>
 </a:theme>

--- a/Gramener_Case_Study_Presentation_SS.pptx
+++ b/Gramener_Case_Study_Presentation_SS.pptx
@@ -5,7 +5,7 @@
     <p:sldMasterId id="2147483660" r:id="rId1"/>
   </p:sldMasterIdLst>
   <p:notesMasterIdLst>
-    <p:notesMasterId r:id="rId7"/>
+    <p:notesMasterId r:id="rId8"/>
   </p:notesMasterIdLst>
   <p:sldIdLst>
     <p:sldId id="256" r:id="rId2"/>
@@ -13,6 +13,7 @@
     <p:sldId id="258" r:id="rId4"/>
     <p:sldId id="267" r:id="rId5"/>
     <p:sldId id="268" r:id="rId6"/>
+    <p:sldId id="269" r:id="rId7"/>
   </p:sldIdLst>
   <p:sldSz cx="12192000" cy="6858000"/>
   <p:notesSz cx="6858000" cy="9144000"/>
@@ -113,10 +114,10 @@
   </p:defaultTextStyle>
   <p:extLst>
     <p:ext uri="{EFAFB233-063F-42B5-8137-9DF3F51BA10A}">
-      <p15:sldGuideLst xmlns:p15="http://schemas.microsoft.com/office/powerpoint/2012/main" xmlns=""/>
+      <p15:sldGuideLst xmlns="" xmlns:p15="http://schemas.microsoft.com/office/powerpoint/2012/main"/>
     </p:ext>
     <p:ext uri="{2D200454-40CA-4A62-9FC3-DE9A4176ACB9}">
-      <p15:notesGuideLst xmlns:p15="http://schemas.microsoft.com/office/powerpoint/2012/main" xmlns=""/>
+      <p15:notesGuideLst xmlns="" xmlns:p15="http://schemas.microsoft.com/office/powerpoint/2012/main"/>
     </p:ext>
   </p:extLst>
 </p:presentation>
@@ -576,11 +577,11 @@
           <c:showBubbleSize val="0"/>
         </c:dLbls>
         <c:gapWidth val="150"/>
-        <c:axId val="40994688"/>
-        <c:axId val="40996224"/>
+        <c:axId val="39597184"/>
+        <c:axId val="39598720"/>
       </c:barChart>
       <c:catAx>
-        <c:axId val="40994688"/>
+        <c:axId val="39597184"/>
         <c:scaling>
           <c:orientation val="minMax"/>
         </c:scaling>
@@ -602,7 +603,7 @@
             <a:endParaRPr lang="en-US"/>
           </a:p>
         </c:txPr>
-        <c:crossAx val="40996224"/>
+        <c:crossAx val="39598720"/>
         <c:crosses val="autoZero"/>
         <c:auto val="1"/>
         <c:lblAlgn val="ctr"/>
@@ -610,7 +611,7 @@
         <c:noMultiLvlLbl val="0"/>
       </c:catAx>
       <c:valAx>
-        <c:axId val="40996224"/>
+        <c:axId val="39598720"/>
         <c:scaling>
           <c:orientation val="minMax"/>
         </c:scaling>
@@ -620,7 +621,7 @@
         <c:majorTickMark val="out"/>
         <c:minorTickMark val="none"/>
         <c:tickLblPos val="nextTo"/>
-        <c:crossAx val="40994688"/>
+        <c:crossAx val="39597184"/>
         <c:crosses val="autoZero"/>
         <c:crossBetween val="between"/>
       </c:valAx>
@@ -666,16 +667,16 @@
           <a:lstStyle/>
           <a:p>
             <a:pPr>
-              <a:defRPr/>
+              <a:defRPr b="1"/>
             </a:pPr>
             <a:r>
-              <a:rPr lang="en-US" sz="1100" dirty="0" smtClean="0">
+              <a:rPr lang="en-US" sz="1100" b="1" dirty="0" smtClean="0">
                 <a:latin typeface="Times New Roman" panose="02020603050405020304" pitchFamily="18" charset="0"/>
                 <a:cs typeface="Times New Roman" panose="02020603050405020304" pitchFamily="18" charset="0"/>
               </a:rPr>
               <a:t>Monthly Volume of Charged Offs </a:t>
             </a:r>
-            <a:endParaRPr lang="en-US" sz="1100" dirty="0">
+            <a:endParaRPr lang="en-US" sz="1100" b="1" dirty="0">
               <a:latin typeface="Times New Roman" panose="02020603050405020304" pitchFamily="18" charset="0"/>
               <a:cs typeface="Times New Roman" panose="02020603050405020304" pitchFamily="18" charset="0"/>
             </a:endParaRPr>
@@ -687,7 +688,17 @@
     </c:title>
     <c:autoTitleDeleted val="0"/>
     <c:plotArea>
-      <c:layout/>
+      <c:layout>
+        <c:manualLayout>
+          <c:layoutTarget val="inner"/>
+          <c:xMode val="edge"/>
+          <c:yMode val="edge"/>
+          <c:x val="3.010948472477086E-2"/>
+          <c:y val="1.0068546541121745E-3"/>
+          <c:w val="0.93978103055045825"/>
+          <c:h val="0.88526427286269804"/>
+        </c:manualLayout>
+      </c:layout>
       <c:lineChart>
         <c:grouping val="standard"/>
         <c:varyColors val="0"/>
@@ -700,7 +711,7 @@
               <c:strCache>
                 <c:ptCount val="1"/>
                 <c:pt idx="0">
-                  <c:v>Volume of Charged Offs</c:v>
+                  <c:v>2009</c:v>
                 </c:pt>
               </c:strCache>
             </c:strRef>
@@ -708,13 +719,16 @@
           <c:spPr>
             <a:ln>
               <a:solidFill>
-                <a:schemeClr val="tx2"/>
+                <a:schemeClr val="tx2">
+                  <a:lumMod val="40000"/>
+                  <a:lumOff val="60000"/>
+                </a:schemeClr>
               </a:solidFill>
             </a:ln>
           </c:spPr>
           <c:marker>
             <c:symbol val="circle"/>
-            <c:size val="10"/>
+            <c:size val="7"/>
             <c:spPr>
               <a:solidFill>
                 <a:schemeClr val="tx2"/>
@@ -726,18 +740,264 @@
               </a:ln>
             </c:spPr>
           </c:marker>
+          <c:cat>
+            <c:strRef>
+              <c:f>Sheet1!$A$2:$A$13</c:f>
+              <c:strCache>
+                <c:ptCount val="12"/>
+                <c:pt idx="0">
+                  <c:v>Jan</c:v>
+                </c:pt>
+                <c:pt idx="1">
+                  <c:v>Feb</c:v>
+                </c:pt>
+                <c:pt idx="2">
+                  <c:v>Mar</c:v>
+                </c:pt>
+                <c:pt idx="3">
+                  <c:v>Apr</c:v>
+                </c:pt>
+                <c:pt idx="4">
+                  <c:v>May</c:v>
+                </c:pt>
+                <c:pt idx="5">
+                  <c:v>Jun</c:v>
+                </c:pt>
+                <c:pt idx="6">
+                  <c:v>Jul</c:v>
+                </c:pt>
+                <c:pt idx="7">
+                  <c:v>Aug</c:v>
+                </c:pt>
+                <c:pt idx="8">
+                  <c:v>Sep</c:v>
+                </c:pt>
+                <c:pt idx="9">
+                  <c:v>Oct</c:v>
+                </c:pt>
+                <c:pt idx="10">
+                  <c:v>Nov</c:v>
+                </c:pt>
+                <c:pt idx="11">
+                  <c:v>Dec</c:v>
+                </c:pt>
+              </c:strCache>
+            </c:strRef>
+          </c:cat>
+          <c:val>
+            <c:numRef>
+              <c:f>Sheet1!$B$2:$B$13</c:f>
+              <c:numCache>
+                <c:formatCode>General</c:formatCode>
+                <c:ptCount val="12"/>
+                <c:pt idx="0">
+                  <c:v>28</c:v>
+                </c:pt>
+                <c:pt idx="1">
+                  <c:v>34</c:v>
+                </c:pt>
+                <c:pt idx="2">
+                  <c:v>31</c:v>
+                </c:pt>
+                <c:pt idx="3">
+                  <c:v>40</c:v>
+                </c:pt>
+                <c:pt idx="4">
+                  <c:v>42</c:v>
+                </c:pt>
+                <c:pt idx="5">
+                  <c:v>43</c:v>
+                </c:pt>
+                <c:pt idx="6">
+                  <c:v>47</c:v>
+                </c:pt>
+                <c:pt idx="7">
+                  <c:v>40</c:v>
+                </c:pt>
+                <c:pt idx="8">
+                  <c:v>57</c:v>
+                </c:pt>
+                <c:pt idx="9">
+                  <c:v>87</c:v>
+                </c:pt>
+                <c:pt idx="10">
+                  <c:v>83</c:v>
+                </c:pt>
+                <c:pt idx="11">
+                  <c:v>62</c:v>
+                </c:pt>
+              </c:numCache>
+            </c:numRef>
+          </c:val>
+          <c:smooth val="0"/>
+        </c:ser>
+        <c:ser>
+          <c:idx val="1"/>
+          <c:order val="1"/>
+          <c:tx>
+            <c:strRef>
+              <c:f>Sheet1!$C$1</c:f>
+              <c:strCache>
+                <c:ptCount val="1"/>
+                <c:pt idx="0">
+                  <c:v>2010</c:v>
+                </c:pt>
+              </c:strCache>
+            </c:strRef>
+          </c:tx>
+          <c:spPr>
+            <a:ln>
+              <a:solidFill>
+                <a:schemeClr val="accent2">
+                  <a:lumMod val="40000"/>
+                  <a:lumOff val="60000"/>
+                </a:schemeClr>
+              </a:solidFill>
+            </a:ln>
+          </c:spPr>
+          <c:marker>
+            <c:symbol val="circle"/>
+            <c:size val="7"/>
+          </c:marker>
+          <c:cat>
+            <c:strRef>
+              <c:f>Sheet1!$A$2:$A$13</c:f>
+              <c:strCache>
+                <c:ptCount val="12"/>
+                <c:pt idx="0">
+                  <c:v>Jan</c:v>
+                </c:pt>
+                <c:pt idx="1">
+                  <c:v>Feb</c:v>
+                </c:pt>
+                <c:pt idx="2">
+                  <c:v>Mar</c:v>
+                </c:pt>
+                <c:pt idx="3">
+                  <c:v>Apr</c:v>
+                </c:pt>
+                <c:pt idx="4">
+                  <c:v>May</c:v>
+                </c:pt>
+                <c:pt idx="5">
+                  <c:v>Jun</c:v>
+                </c:pt>
+                <c:pt idx="6">
+                  <c:v>Jul</c:v>
+                </c:pt>
+                <c:pt idx="7">
+                  <c:v>Aug</c:v>
+                </c:pt>
+                <c:pt idx="8">
+                  <c:v>Sep</c:v>
+                </c:pt>
+                <c:pt idx="9">
+                  <c:v>Oct</c:v>
+                </c:pt>
+                <c:pt idx="10">
+                  <c:v>Nov</c:v>
+                </c:pt>
+                <c:pt idx="11">
+                  <c:v>Dec</c:v>
+                </c:pt>
+              </c:strCache>
+            </c:strRef>
+          </c:cat>
+          <c:val>
+            <c:numRef>
+              <c:f>Sheet1!$C$2:$C$13</c:f>
+              <c:numCache>
+                <c:formatCode>General</c:formatCode>
+                <c:ptCount val="12"/>
+                <c:pt idx="0">
+                  <c:v>76</c:v>
+                </c:pt>
+                <c:pt idx="1">
+                  <c:v>63</c:v>
+                </c:pt>
+                <c:pt idx="2">
+                  <c:v>69</c:v>
+                </c:pt>
+                <c:pt idx="3">
+                  <c:v>82</c:v>
+                </c:pt>
+                <c:pt idx="4">
+                  <c:v>125</c:v>
+                </c:pt>
+                <c:pt idx="5">
+                  <c:v>166</c:v>
+                </c:pt>
+                <c:pt idx="6">
+                  <c:v>137</c:v>
+                </c:pt>
+                <c:pt idx="7">
+                  <c:v>148</c:v>
+                </c:pt>
+                <c:pt idx="8">
+                  <c:v>175</c:v>
+                </c:pt>
+                <c:pt idx="9">
+                  <c:v>160</c:v>
+                </c:pt>
+                <c:pt idx="10">
+                  <c:v>142</c:v>
+                </c:pt>
+                <c:pt idx="11">
+                  <c:v>142</c:v>
+                </c:pt>
+              </c:numCache>
+            </c:numRef>
+          </c:val>
+          <c:smooth val="0"/>
+        </c:ser>
+        <c:ser>
+          <c:idx val="2"/>
+          <c:order val="2"/>
+          <c:tx>
+            <c:strRef>
+              <c:f>Sheet1!$D$1</c:f>
+              <c:strCache>
+                <c:ptCount val="1"/>
+                <c:pt idx="0">
+                  <c:v>2011</c:v>
+                </c:pt>
+              </c:strCache>
+            </c:strRef>
+          </c:tx>
+          <c:spPr>
+            <a:ln>
+              <a:solidFill>
+                <a:schemeClr val="accent4">
+                  <a:lumMod val="40000"/>
+                  <a:lumOff val="60000"/>
+                </a:schemeClr>
+              </a:solidFill>
+            </a:ln>
+          </c:spPr>
+          <c:marker>
+            <c:symbol val="circle"/>
+            <c:size val="7"/>
+            <c:spPr>
+              <a:solidFill>
+                <a:srgbClr val="FFC000"/>
+              </a:solidFill>
+              <a:ln>
+                <a:noFill/>
+              </a:ln>
+            </c:spPr>
+          </c:marker>
           <c:dLbls>
             <c:txPr>
               <a:bodyPr/>
               <a:lstStyle/>
               <a:p>
                 <a:pPr>
-                  <a:defRPr sz="800"/>
+                  <a:defRPr sz="600"/>
                 </a:pPr>
                 <a:endParaRPr lang="en-US"/>
               </a:p>
             </c:txPr>
-            <c:dLblPos val="b"/>
+            <c:dLblPos val="t"/>
             <c:showLegendKey val="0"/>
             <c:showVal val="1"/>
             <c:showCatName val="0"/>
@@ -792,45 +1052,45 @@
           </c:cat>
           <c:val>
             <c:numRef>
-              <c:f>Sheet1!$B$2:$B$13</c:f>
+              <c:f>Sheet1!$D$2:$D$13</c:f>
               <c:numCache>
                 <c:formatCode>General</c:formatCode>
                 <c:ptCount val="12"/>
                 <c:pt idx="0">
-                  <c:v>321</c:v>
+                  <c:v>186</c:v>
                 </c:pt>
                 <c:pt idx="1">
-                  <c:v>290</c:v>
+                  <c:v>168</c:v>
                 </c:pt>
                 <c:pt idx="2">
-                  <c:v>347</c:v>
+                  <c:v>207</c:v>
                 </c:pt>
                 <c:pt idx="3">
-                  <c:v>370</c:v>
+                  <c:v>221</c:v>
                 </c:pt>
                 <c:pt idx="4">
-                  <c:v>466</c:v>
+                  <c:v>289</c:v>
                 </c:pt>
                 <c:pt idx="5">
-                  <c:v>483</c:v>
+                  <c:v>267</c:v>
                 </c:pt>
                 <c:pt idx="6">
-                  <c:v>479</c:v>
+                  <c:v>278</c:v>
                 </c:pt>
                 <c:pt idx="7">
-                  <c:v>468</c:v>
+                  <c:v>267</c:v>
                 </c:pt>
                 <c:pt idx="8">
-                  <c:v>547</c:v>
+                  <c:v>307</c:v>
                 </c:pt>
                 <c:pt idx="9">
-                  <c:v>580</c:v>
+                  <c:v>308</c:v>
                 </c:pt>
                 <c:pt idx="10">
-                  <c:v>598</c:v>
+                  <c:v>335</c:v>
                 </c:pt>
                 <c:pt idx="11">
-                  <c:v>678</c:v>
+                  <c:v>423</c:v>
                 </c:pt>
               </c:numCache>
             </c:numRef>
@@ -847,11 +1107,11 @@
         </c:dLbls>
         <c:marker val="1"/>
         <c:smooth val="0"/>
-        <c:axId val="41055744"/>
-        <c:axId val="41057280"/>
+        <c:axId val="39619200"/>
+        <c:axId val="39629184"/>
       </c:lineChart>
       <c:catAx>
-        <c:axId val="41055744"/>
+        <c:axId val="39619200"/>
         <c:scaling>
           <c:orientation val="minMax"/>
         </c:scaling>
@@ -865,7 +1125,7 @@
           <a:lstStyle/>
           <a:p>
             <a:pPr>
-              <a:defRPr>
+              <a:defRPr sz="1000">
                 <a:latin typeface="Times New Roman" panose="02020603050405020304" pitchFamily="18" charset="0"/>
                 <a:cs typeface="Times New Roman" panose="02020603050405020304" pitchFamily="18" charset="0"/>
               </a:defRPr>
@@ -873,7 +1133,7 @@
             <a:endParaRPr lang="en-US"/>
           </a:p>
         </c:txPr>
-        <c:crossAx val="41057280"/>
+        <c:crossAx val="39629184"/>
         <c:crosses val="autoZero"/>
         <c:auto val="1"/>
         <c:lblAlgn val="ctr"/>
@@ -881,7 +1141,7 @@
         <c:noMultiLvlLbl val="0"/>
       </c:catAx>
       <c:valAx>
-        <c:axId val="41057280"/>
+        <c:axId val="39629184"/>
         <c:scaling>
           <c:orientation val="minMax"/>
         </c:scaling>
@@ -891,11 +1151,29 @@
         <c:majorTickMark val="out"/>
         <c:minorTickMark val="none"/>
         <c:tickLblPos val="nextTo"/>
-        <c:crossAx val="41055744"/>
+        <c:crossAx val="39619200"/>
         <c:crosses val="autoZero"/>
         <c:crossBetween val="between"/>
       </c:valAx>
     </c:plotArea>
+    <c:legend>
+      <c:legendPos val="t"/>
+      <c:layout/>
+      <c:overlay val="0"/>
+      <c:txPr>
+        <a:bodyPr/>
+        <a:lstStyle/>
+        <a:p>
+          <a:pPr>
+            <a:defRPr sz="1000">
+              <a:latin typeface="Times New Roman" panose="02020603050405020304" pitchFamily="18" charset="0"/>
+              <a:cs typeface="Times New Roman" panose="02020603050405020304" pitchFamily="18" charset="0"/>
+            </a:defRPr>
+          </a:pPr>
+          <a:endParaRPr lang="en-US"/>
+        </a:p>
+      </c:txPr>
+    </c:legend>
     <c:plotVisOnly val="1"/>
     <c:dispBlanksAs val="gap"/>
     <c:showDLblsOverMax val="0"/>
@@ -11541,19 +11819,29 @@
                 <a:latin typeface="Times New Roman" panose="02020603050405020304" pitchFamily="18" charset="0"/>
                 <a:cs typeface="Times New Roman" panose="02020603050405020304" pitchFamily="18" charset="0"/>
               </a:rPr>
-              <a:t>and the Loans issued for </a:t>
-            </a:r>
-            <a:r>
-              <a:rPr lang="en-US" b="1" dirty="0" smtClean="0">
+              <a:t>and the Loans issued </a:t>
+            </a:r>
+            <a:r>
+              <a:rPr lang="en-US" dirty="0" smtClean="0">
                 <a:solidFill>
                   <a:schemeClr val="bg1"/>
                 </a:solidFill>
                 <a:latin typeface="Times New Roman" panose="02020603050405020304" pitchFamily="18" charset="0"/>
                 <a:cs typeface="Times New Roman" panose="02020603050405020304" pitchFamily="18" charset="0"/>
               </a:rPr>
-              <a:t>2018</a:t>
-            </a:r>
-            <a:endParaRPr lang="en-US" b="1" dirty="0">
+              <a:t>from 2007-</a:t>
+            </a:r>
+            <a:r>
+              <a:rPr lang="en-US" dirty="0" smtClean="0">
+                <a:solidFill>
+                  <a:schemeClr val="bg1"/>
+                </a:solidFill>
+                <a:latin typeface="Times New Roman" panose="02020603050405020304" pitchFamily="18" charset="0"/>
+                <a:cs typeface="Times New Roman" panose="02020603050405020304" pitchFamily="18" charset="0"/>
+              </a:rPr>
+              <a:t>2011</a:t>
+            </a:r>
+            <a:endParaRPr lang="en-US" dirty="0" smtClean="0">
               <a:solidFill>
                 <a:schemeClr val="bg1"/>
               </a:solidFill>
@@ -11717,7 +12005,7 @@
         <p:spPr>
           <a:xfrm>
             <a:off x="4529664" y="2683953"/>
-            <a:ext cx="1549400" cy="523220"/>
+            <a:ext cx="1549400" cy="738664"/>
           </a:xfrm>
           <a:prstGeom prst="rect">
             <a:avLst/>
@@ -11735,12 +12023,29 @@
                 <a:latin typeface="Times New Roman" panose="02020603050405020304" pitchFamily="18" charset="0"/>
                 <a:cs typeface="Times New Roman" panose="02020603050405020304" pitchFamily="18" charset="0"/>
               </a:rPr>
-              <a:t>Volume of Loans issued in 2018</a:t>
-            </a:r>
-            <a:endParaRPr lang="en-US" sz="1400" b="1" dirty="0">
-              <a:latin typeface="Times New Roman" panose="02020603050405020304" pitchFamily="18" charset="0"/>
-              <a:cs typeface="Times New Roman" panose="02020603050405020304" pitchFamily="18" charset="0"/>
-            </a:endParaRPr>
+              <a:t>Volume of Loans issued </a:t>
+            </a:r>
+            <a:r>
+              <a:rPr lang="en-US" sz="1400" b="1" dirty="0" smtClean="0">
+                <a:latin typeface="Times New Roman" panose="02020603050405020304" pitchFamily="18" charset="0"/>
+                <a:cs typeface="Times New Roman" panose="02020603050405020304" pitchFamily="18" charset="0"/>
+              </a:rPr>
+              <a:t>across 2007 –</a:t>
+            </a:r>
+            <a:r>
+              <a:rPr lang="en-US" sz="1400" b="1" dirty="0">
+                <a:latin typeface="Times New Roman" panose="02020603050405020304" pitchFamily="18" charset="0"/>
+                <a:cs typeface="Times New Roman" panose="02020603050405020304" pitchFamily="18" charset="0"/>
+              </a:rPr>
+              <a:t> </a:t>
+            </a:r>
+            <a:r>
+              <a:rPr lang="en-US" sz="1400" b="1" dirty="0" smtClean="0">
+                <a:latin typeface="Times New Roman" panose="02020603050405020304" pitchFamily="18" charset="0"/>
+                <a:cs typeface="Times New Roman" panose="02020603050405020304" pitchFamily="18" charset="0"/>
+              </a:rPr>
+              <a:t>2011</a:t>
+            </a:r>
           </a:p>
         </p:txBody>
       </p:sp>
@@ -11835,8 +12140,8 @@
         </p:nvSpPr>
         <p:spPr>
           <a:xfrm>
-            <a:off x="6580170" y="1845380"/>
-            <a:ext cx="4697421" cy="1200329"/>
+            <a:off x="6580170" y="1803045"/>
+            <a:ext cx="4570417" cy="738664"/>
           </a:xfrm>
           <a:prstGeom prst="rect">
             <a:avLst/>
@@ -11854,48 +12159,41 @@
               <a:buChar char="•"/>
             </a:pPr>
             <a:r>
-              <a:rPr lang="en-US" dirty="0" smtClean="0">
+              <a:rPr lang="en-US" sz="1400" dirty="0" smtClean="0">
                 <a:latin typeface="Times New Roman" panose="02020603050405020304" pitchFamily="18" charset="0"/>
                 <a:cs typeface="Times New Roman" panose="02020603050405020304" pitchFamily="18" charset="0"/>
               </a:rPr>
-              <a:t>In </a:t>
-            </a:r>
-            <a:r>
-              <a:rPr lang="en-US" b="1" dirty="0" smtClean="0">
+              <a:t>Across all </a:t>
+            </a:r>
+            <a:r>
+              <a:rPr lang="en-US" sz="1400" dirty="0" smtClean="0">
                 <a:latin typeface="Times New Roman" panose="02020603050405020304" pitchFamily="18" charset="0"/>
                 <a:cs typeface="Times New Roman" panose="02020603050405020304" pitchFamily="18" charset="0"/>
               </a:rPr>
-              <a:t>2018 </a:t>
-            </a:r>
-            <a:r>
-              <a:rPr lang="en-US" dirty="0" smtClean="0">
-                <a:latin typeface="Times New Roman" panose="02020603050405020304" pitchFamily="18" charset="0"/>
-                <a:cs typeface="Times New Roman" panose="02020603050405020304" pitchFamily="18" charset="0"/>
-              </a:rPr>
-              <a:t>out of all the Loans issued by the Consumer Finance Company, </a:t>
-            </a:r>
-            <a:r>
-              <a:rPr lang="en-US" b="1" dirty="0" smtClean="0">
+              <a:t>the Loans issued by the Consumer Finance Company, </a:t>
+            </a:r>
+            <a:r>
+              <a:rPr lang="en-US" sz="1400" b="1" dirty="0" smtClean="0">
                 <a:latin typeface="Times New Roman" panose="02020603050405020304" pitchFamily="18" charset="0"/>
                 <a:cs typeface="Times New Roman" panose="02020603050405020304" pitchFamily="18" charset="0"/>
               </a:rPr>
               <a:t>14% </a:t>
             </a:r>
             <a:r>
-              <a:rPr lang="en-US" dirty="0" smtClean="0">
+              <a:rPr lang="en-US" sz="1400" dirty="0" smtClean="0">
                 <a:latin typeface="Times New Roman" panose="02020603050405020304" pitchFamily="18" charset="0"/>
                 <a:cs typeface="Times New Roman" panose="02020603050405020304" pitchFamily="18" charset="0"/>
               </a:rPr>
               <a:t>Loans were categorized as Default whose Loan Amount equivalent to </a:t>
             </a:r>
             <a:r>
-              <a:rPr lang="en-US" b="1" dirty="0" smtClean="0">
+              <a:rPr lang="en-US" sz="1400" b="1" dirty="0" smtClean="0">
                 <a:latin typeface="Times New Roman" panose="02020603050405020304" pitchFamily="18" charset="0"/>
                 <a:cs typeface="Times New Roman" panose="02020603050405020304" pitchFamily="18" charset="0"/>
               </a:rPr>
               <a:t>~68 MM</a:t>
             </a:r>
-            <a:endParaRPr lang="en-US" b="1" dirty="0">
+            <a:endParaRPr lang="en-US" sz="1400" b="1" dirty="0">
               <a:latin typeface="Times New Roman" panose="02020603050405020304" pitchFamily="18" charset="0"/>
               <a:cs typeface="Times New Roman" panose="02020603050405020304" pitchFamily="18" charset="0"/>
             </a:endParaRPr>
@@ -11909,14 +12207,14 @@
           <p:nvPr>
             <p:extLst>
               <p:ext uri="{D42A27DB-BD31-4B8C-83A1-F6EECF244321}">
-                <p14:modId xmlns:p14="http://schemas.microsoft.com/office/powerpoint/2010/main" val="1112735152"/>
+                <p14:modId xmlns:p14="http://schemas.microsoft.com/office/powerpoint/2010/main" val="3853313112"/>
               </p:ext>
             </p:extLst>
           </p:nvPr>
         </p:nvGraphicFramePr>
         <p:xfrm>
-          <a:off x="6510857" y="3207173"/>
-          <a:ext cx="4639734" cy="1939704"/>
+          <a:off x="6510857" y="2647760"/>
+          <a:ext cx="4639734" cy="2271359"/>
         </p:xfrm>
         <a:graphic>
           <a:graphicData uri="http://schemas.openxmlformats.org/drawingml/2006/chart">
@@ -11932,8 +12230,8 @@
         </p:nvSpPr>
         <p:spPr>
           <a:xfrm>
-            <a:off x="6580170" y="5198194"/>
-            <a:ext cx="4697421" cy="646331"/>
+            <a:off x="6580170" y="5037321"/>
+            <a:ext cx="4697421" cy="738664"/>
           </a:xfrm>
           <a:prstGeom prst="rect">
             <a:avLst/>
@@ -11951,27 +12249,72 @@
               <a:buChar char="•"/>
             </a:pPr>
             <a:r>
-              <a:rPr lang="en-US" dirty="0" smtClean="0">
+              <a:rPr lang="en-US" sz="1400" dirty="0" smtClean="0">
                 <a:latin typeface="Times New Roman" panose="02020603050405020304" pitchFamily="18" charset="0"/>
                 <a:cs typeface="Times New Roman" panose="02020603050405020304" pitchFamily="18" charset="0"/>
               </a:rPr>
               <a:t>There has been an increasing trend in the </a:t>
             </a:r>
             <a:r>
-              <a:rPr lang="en-US" b="1" dirty="0" smtClean="0">
+              <a:rPr lang="en-US" sz="1400" b="1" dirty="0" smtClean="0">
                 <a:latin typeface="Times New Roman" panose="02020603050405020304" pitchFamily="18" charset="0"/>
                 <a:cs typeface="Times New Roman" panose="02020603050405020304" pitchFamily="18" charset="0"/>
               </a:rPr>
               <a:t>Charged offs</a:t>
             </a:r>
             <a:r>
-              <a:rPr lang="en-US" dirty="0" smtClean="0">
+              <a:rPr lang="en-US" sz="1400" dirty="0" smtClean="0">
                 <a:latin typeface="Times New Roman" panose="02020603050405020304" pitchFamily="18" charset="0"/>
                 <a:cs typeface="Times New Roman" panose="02020603050405020304" pitchFamily="18" charset="0"/>
               </a:rPr>
-              <a:t> observed in the recent months</a:t>
-            </a:r>
-            <a:endParaRPr lang="en-US" b="1" dirty="0">
+              <a:t> observed in the recent </a:t>
+            </a:r>
+            <a:r>
+              <a:rPr lang="en-US" sz="1400" dirty="0" smtClean="0">
+                <a:latin typeface="Times New Roman" panose="02020603050405020304" pitchFamily="18" charset="0"/>
+                <a:cs typeface="Times New Roman" panose="02020603050405020304" pitchFamily="18" charset="0"/>
+              </a:rPr>
+              <a:t>years</a:t>
+            </a:r>
+          </a:p>
+          <a:p>
+            <a:pPr algn="ctr"/>
+            <a:r>
+              <a:rPr lang="en-US" sz="1400" b="1" dirty="0" smtClean="0">
+                <a:latin typeface="Times New Roman" panose="02020603050405020304" pitchFamily="18" charset="0"/>
+                <a:cs typeface="Times New Roman" panose="02020603050405020304" pitchFamily="18" charset="0"/>
+              </a:rPr>
+              <a:t>[</a:t>
+            </a:r>
+            <a:r>
+              <a:rPr lang="en-US" sz="1400" dirty="0" smtClean="0">
+                <a:latin typeface="Times New Roman" panose="02020603050405020304" pitchFamily="18" charset="0"/>
+                <a:cs typeface="Times New Roman" panose="02020603050405020304" pitchFamily="18" charset="0"/>
+              </a:rPr>
+              <a:t>YoY increase counts to </a:t>
+            </a:r>
+            <a:r>
+              <a:rPr lang="en-US" sz="1400" b="1" dirty="0" smtClean="0">
+                <a:latin typeface="Times New Roman" panose="02020603050405020304" pitchFamily="18" charset="0"/>
+                <a:cs typeface="Times New Roman" panose="02020603050405020304" pitchFamily="18" charset="0"/>
+              </a:rPr>
+              <a:t>119%</a:t>
+            </a:r>
+            <a:r>
+              <a:rPr lang="en-US" sz="1400" dirty="0" smtClean="0">
+                <a:latin typeface="Times New Roman" panose="02020603050405020304" pitchFamily="18" charset="0"/>
+                <a:cs typeface="Times New Roman" panose="02020603050405020304" pitchFamily="18" charset="0"/>
+              </a:rPr>
+              <a:t> for the most recent year</a:t>
+            </a:r>
+            <a:r>
+              <a:rPr lang="en-US" sz="1400" b="1" dirty="0" smtClean="0">
+                <a:latin typeface="Times New Roman" panose="02020603050405020304" pitchFamily="18" charset="0"/>
+                <a:cs typeface="Times New Roman" panose="02020603050405020304" pitchFamily="18" charset="0"/>
+              </a:rPr>
+              <a:t>]</a:t>
+            </a:r>
+            <a:endParaRPr lang="en-US" sz="1400" b="1" dirty="0">
               <a:latin typeface="Times New Roman" panose="02020603050405020304" pitchFamily="18" charset="0"/>
               <a:cs typeface="Times New Roman" panose="02020603050405020304" pitchFamily="18" charset="0"/>
             </a:endParaRPr>
@@ -11999,7 +12342,7 @@
 </file>
 
 <file path=ppt/slides/slide5.xml><?xml version="1.0" encoding="utf-8"?>
-<p:sld xmlns:a="http://schemas.openxmlformats.org/drawingml/2006/main" xmlns:r="http://schemas.openxmlformats.org/officeDocument/2006/relationships" xmlns:p="http://schemas.openxmlformats.org/presentationml/2006/main">
+<p:sld xmlns:a="http://schemas.openxmlformats.org/drawingml/2006/main" xmlns:r="http://schemas.openxmlformats.org/officeDocument/2006/relationships" xmlns:p="http://schemas.openxmlformats.org/presentationml/2006/main" show="0">
   <p:cSld>
     <p:spTree>
       <p:nvGrpSpPr>
@@ -12062,6 +12405,286 @@
   <p:clrMapOvr>
     <a:masterClrMapping/>
   </p:clrMapOvr>
+  <mc:AlternateContent xmlns:mc="http://schemas.openxmlformats.org/markup-compatibility/2006">
+    <mc:Choice xmlns:p14="http://schemas.microsoft.com/office/powerpoint/2010/main" Requires="p14">
+      <p:transition spd="slow" p14:dur="2000"/>
+    </mc:Choice>
+    <mc:Fallback>
+      <p:transition spd="slow"/>
+    </mc:Fallback>
+  </mc:AlternateContent>
+  <p:timing>
+    <p:tnLst>
+      <p:par>
+        <p:cTn id="1" dur="indefinite" restart="never" nodeType="tmRoot"/>
+      </p:par>
+    </p:tnLst>
+  </p:timing>
+</p:sld>
+</file>
+
+<file path=ppt/slides/slide6.xml><?xml version="1.0" encoding="utf-8"?>
+<p:sld xmlns:a="http://schemas.openxmlformats.org/drawingml/2006/main" xmlns:r="http://schemas.openxmlformats.org/officeDocument/2006/relationships" xmlns:p="http://schemas.openxmlformats.org/presentationml/2006/main" show="0">
+  <p:cSld>
+    <p:spTree>
+      <p:nvGrpSpPr>
+        <p:cNvPr id="1" name=""/>
+        <p:cNvGrpSpPr/>
+        <p:nvPr/>
+      </p:nvGrpSpPr>
+      <p:grpSpPr>
+        <a:xfrm>
+          <a:off x="0" y="0"/>
+          <a:ext cx="0" cy="0"/>
+          <a:chOff x="0" y="0"/>
+          <a:chExt cx="0" cy="0"/>
+        </a:xfrm>
+      </p:grpSpPr>
+      <p:sp>
+        <p:nvSpPr>
+          <p:cNvPr id="5" name="Title 1"/>
+          <p:cNvSpPr>
+            <a:spLocks noGrp="1"/>
+          </p:cNvSpPr>
+          <p:nvPr>
+            <p:ph type="title"/>
+          </p:nvPr>
+        </p:nvSpPr>
+        <p:spPr>
+          <a:xfrm>
+            <a:off x="1136469" y="640080"/>
+            <a:ext cx="9313817" cy="856138"/>
+          </a:xfrm>
+        </p:spPr>
+        <p:txBody>
+          <a:bodyPr>
+            <a:normAutofit fontScale="90000"/>
+          </a:bodyPr>
+          <a:lstStyle/>
+          <a:p>
+            <a:r>
+              <a:rPr lang="en-IN" b="1" dirty="0" smtClean="0"/>
+              <a:t>Driver </a:t>
+            </a:r>
+            <a:r>
+              <a:rPr lang="en-IN" b="1" dirty="0"/>
+              <a:t>Analysis</a:t>
+            </a:r>
+            <a:br>
+              <a:rPr lang="en-IN" b="1" dirty="0"/>
+            </a:br>
+            <a:r>
+              <a:rPr lang="en-IN" sz="3100" i="1" dirty="0" smtClean="0"/>
+              <a:t>Continuous </a:t>
+            </a:r>
+            <a:r>
+              <a:rPr lang="en-IN" sz="3100" i="1" dirty="0" smtClean="0"/>
+              <a:t>Variables</a:t>
+            </a:r>
+            <a:endParaRPr lang="en-IN" sz="3600" i="1" dirty="0"/>
+          </a:p>
+        </p:txBody>
+      </p:sp>
+      <p:pic>
+        <p:nvPicPr>
+          <p:cNvPr id="1026" name="Picture 2" descr="C:\Users\ssen1005\Desktop\PGDML\107\loan\corr_matrix.png"/>
+          <p:cNvPicPr>
+            <a:picLocks noChangeAspect="1" noChangeArrowheads="1"/>
+          </p:cNvPicPr>
+          <p:nvPr/>
+        </p:nvPicPr>
+        <p:blipFill>
+          <a:blip r:embed="rId2">
+            <a:extLst>
+              <a:ext uri="{28A0092B-C50C-407E-A947-70E740481C1C}">
+                <a14:useLocalDpi xmlns:a14="http://schemas.microsoft.com/office/drawing/2010/main" val="0"/>
+              </a:ext>
+            </a:extLst>
+          </a:blip>
+          <a:srcRect/>
+          <a:stretch>
+            <a:fillRect/>
+          </a:stretch>
+        </p:blipFill>
+        <p:spPr bwMode="auto">
+          <a:xfrm>
+            <a:off x="1158036" y="1922397"/>
+            <a:ext cx="4661525" cy="3467915"/>
+          </a:xfrm>
+          <a:prstGeom prst="rect">
+            <a:avLst/>
+          </a:prstGeom>
+          <a:noFill/>
+          <a:extLst>
+            <a:ext uri="{909E8E84-426E-40DD-AFC4-6F175D3DCCD1}">
+              <a14:hiddenFill xmlns:a14="http://schemas.microsoft.com/office/drawing/2010/main">
+                <a:solidFill>
+                  <a:srgbClr val="FFFFFF"/>
+                </a:solidFill>
+              </a14:hiddenFill>
+            </a:ext>
+          </a:extLst>
+        </p:spPr>
+      </p:pic>
+      <p:sp>
+        <p:nvSpPr>
+          <p:cNvPr id="2" name="Rounded Rectangle 1"/>
+          <p:cNvSpPr/>
+          <p:nvPr/>
+        </p:nvSpPr>
+        <p:spPr>
+          <a:xfrm>
+            <a:off x="1030019" y="1566333"/>
+            <a:ext cx="10687848" cy="4847899"/>
+          </a:xfrm>
+          <a:prstGeom prst="roundRect">
+            <a:avLst/>
+          </a:prstGeom>
+          <a:noFill/>
+          <a:ln>
+            <a:solidFill>
+              <a:schemeClr val="tx2"/>
+            </a:solidFill>
+            <a:prstDash val="lgDash"/>
+          </a:ln>
+        </p:spPr>
+        <p:style>
+          <a:lnRef idx="2">
+            <a:schemeClr val="accent1">
+              <a:shade val="50000"/>
+            </a:schemeClr>
+          </a:lnRef>
+          <a:fillRef idx="1">
+            <a:schemeClr val="accent1"/>
+          </a:fillRef>
+          <a:effectRef idx="0">
+            <a:schemeClr val="accent1"/>
+          </a:effectRef>
+          <a:fontRef idx="minor">
+            <a:schemeClr val="lt1"/>
+          </a:fontRef>
+        </p:style>
+        <p:txBody>
+          <a:bodyPr rtlCol="0" anchor="ctr"/>
+          <a:lstStyle/>
+          <a:p>
+            <a:pPr algn="ctr"/>
+            <a:endParaRPr lang="en-US"/>
+          </a:p>
+        </p:txBody>
+      </p:sp>
+      <p:sp>
+        <p:nvSpPr>
+          <p:cNvPr id="3" name="TextBox 2"/>
+          <p:cNvSpPr txBox="1"/>
+          <p:nvPr/>
+        </p:nvSpPr>
+        <p:spPr>
+          <a:xfrm>
+            <a:off x="2591889" y="1595262"/>
+            <a:ext cx="1648455" cy="307777"/>
+          </a:xfrm>
+          <a:prstGeom prst="rect">
+            <a:avLst/>
+          </a:prstGeom>
+          <a:noFill/>
+        </p:spPr>
+        <p:txBody>
+          <a:bodyPr wrap="square" rtlCol="0">
+            <a:spAutoFit/>
+          </a:bodyPr>
+          <a:lstStyle/>
+          <a:p>
+            <a:pPr algn="ctr"/>
+            <a:r>
+              <a:rPr lang="en-US" sz="1400" b="1" dirty="0" smtClean="0">
+                <a:latin typeface="Times New Roman" panose="02020603050405020304" pitchFamily="18" charset="0"/>
+                <a:cs typeface="Times New Roman" panose="02020603050405020304" pitchFamily="18" charset="0"/>
+              </a:rPr>
+              <a:t>Correlation Matrix</a:t>
+            </a:r>
+            <a:endParaRPr lang="en-US" sz="1400" b="1" dirty="0">
+              <a:latin typeface="Times New Roman" panose="02020603050405020304" pitchFamily="18" charset="0"/>
+              <a:cs typeface="Times New Roman" panose="02020603050405020304" pitchFamily="18" charset="0"/>
+            </a:endParaRPr>
+          </a:p>
+        </p:txBody>
+      </p:sp>
+      <p:sp>
+        <p:nvSpPr>
+          <p:cNvPr id="6" name="TextBox 5"/>
+          <p:cNvSpPr txBox="1"/>
+          <p:nvPr/>
+        </p:nvSpPr>
+        <p:spPr>
+          <a:xfrm>
+            <a:off x="1106717" y="5525784"/>
+            <a:ext cx="4978520" cy="923330"/>
+          </a:xfrm>
+          <a:prstGeom prst="rect">
+            <a:avLst/>
+          </a:prstGeom>
+          <a:noFill/>
+        </p:spPr>
+        <p:txBody>
+          <a:bodyPr wrap="square" rtlCol="0">
+            <a:spAutoFit/>
+          </a:bodyPr>
+          <a:lstStyle/>
+          <a:p>
+            <a:pPr marL="285750" indent="-285750">
+              <a:buFont typeface="Arial" panose="020B0604020202020204" pitchFamily="34" charset="0"/>
+              <a:buChar char="•"/>
+            </a:pPr>
+            <a:r>
+              <a:rPr lang="en-US" dirty="0" smtClean="0">
+                <a:latin typeface="Times New Roman" panose="02020603050405020304" pitchFamily="18" charset="0"/>
+                <a:cs typeface="Times New Roman" panose="02020603050405020304" pitchFamily="18" charset="0"/>
+              </a:rPr>
+              <a:t>Two clusters which are highly correlated among each other – </a:t>
+            </a:r>
+            <a:r>
+              <a:rPr lang="en-US" b="1" dirty="0" smtClean="0">
+                <a:latin typeface="Times New Roman" panose="02020603050405020304" pitchFamily="18" charset="0"/>
+                <a:cs typeface="Times New Roman" panose="02020603050405020304" pitchFamily="18" charset="0"/>
+              </a:rPr>
+              <a:t>Loan Fund </a:t>
+            </a:r>
+            <a:r>
+              <a:rPr lang="en-US" dirty="0" smtClean="0">
+                <a:latin typeface="Times New Roman" panose="02020603050405020304" pitchFamily="18" charset="0"/>
+                <a:cs typeface="Times New Roman" panose="02020603050405020304" pitchFamily="18" charset="0"/>
+              </a:rPr>
+              <a:t>vs</a:t>
+            </a:r>
+            <a:r>
+              <a:rPr lang="en-US" b="1" dirty="0" smtClean="0">
+                <a:latin typeface="Times New Roman" panose="02020603050405020304" pitchFamily="18" charset="0"/>
+                <a:cs typeface="Times New Roman" panose="02020603050405020304" pitchFamily="18" charset="0"/>
+              </a:rPr>
+              <a:t> Total Payment</a:t>
+            </a:r>
+          </a:p>
+        </p:txBody>
+      </p:sp>
+    </p:spTree>
+    <p:extLst>
+      <p:ext uri="{BB962C8B-B14F-4D97-AF65-F5344CB8AC3E}">
+        <p14:creationId xmlns:p14="http://schemas.microsoft.com/office/powerpoint/2010/main" val="119368667"/>
+      </p:ext>
+    </p:extLst>
+  </p:cSld>
+  <p:clrMapOvr>
+    <a:masterClrMapping/>
+  </p:clrMapOvr>
+  <mc:AlternateContent xmlns:mc="http://schemas.openxmlformats.org/markup-compatibility/2006">
+    <mc:Choice xmlns:p14="http://schemas.microsoft.com/office/powerpoint/2010/main" Requires="p14">
+      <p:transition spd="slow" p14:dur="2000"/>
+    </mc:Choice>
+    <mc:Fallback>
+      <p:transition spd="slow"/>
+    </mc:Fallback>
+  </mc:AlternateContent>
   <p:timing>
     <p:tnLst>
       <p:par>
@@ -12327,7 +12950,7 @@
   <a:extraClrSchemeLst/>
   <a:extLst>
     <a:ext uri="{05A4C25C-085E-4340-85A3-A5531E510DB2}">
-      <thm15:themeFamily xmlns:thm15="http://schemas.microsoft.com/office/thememl/2012/main" xmlns="" name="Office Theme" id="{62F939B6-93AF-4DB8-9C6B-D6C7DFDC589F}" vid="{4A3C46E8-61CC-4603-A589-7422A47A8E4A}"/>
+      <thm15:themeFamily xmlns="" xmlns:thm15="http://schemas.microsoft.com/office/thememl/2012/main" name="Office Theme" id="{62F939B6-93AF-4DB8-9C6B-D6C7DFDC589F}" vid="{4A3C46E8-61CC-4603-A589-7422A47A8E4A}"/>
     </a:ext>
   </a:extLst>
 </a:theme>
@@ -12622,7 +13245,7 @@
   <a:extraClrSchemeLst/>
   <a:extLst>
     <a:ext uri="{05A4C25C-085E-4340-85A3-A5531E510DB2}">
-      <thm15:themeFamily xmlns:thm15="http://schemas.microsoft.com/office/thememl/2012/main" xmlns="" name="Office Theme" id="{62F939B6-93AF-4DB8-9C6B-D6C7DFDC589F}" vid="{4A3C46E8-61CC-4603-A589-7422A47A8E4A}"/>
+      <thm15:themeFamily xmlns="" xmlns:thm15="http://schemas.microsoft.com/office/thememl/2012/main" name="Office Theme" id="{62F939B6-93AF-4DB8-9C6B-D6C7DFDC589F}" vid="{4A3C46E8-61CC-4603-A589-7422A47A8E4A}"/>
     </a:ext>
   </a:extLst>
 </a:theme>

--- a/Gramener_Case_Study_Presentation_SS.pptx
+++ b/Gramener_Case_Study_Presentation_SS.pptx
@@ -5,7 +5,7 @@
     <p:sldMasterId id="2147483660" r:id="rId1"/>
   </p:sldMasterIdLst>
   <p:notesMasterIdLst>
-    <p:notesMasterId r:id="rId8"/>
+    <p:notesMasterId r:id="rId13"/>
   </p:notesMasterIdLst>
   <p:sldIdLst>
     <p:sldId id="256" r:id="rId2"/>
@@ -13,7 +13,12 @@
     <p:sldId id="258" r:id="rId4"/>
     <p:sldId id="267" r:id="rId5"/>
     <p:sldId id="268" r:id="rId6"/>
-    <p:sldId id="269" r:id="rId7"/>
+    <p:sldId id="271" r:id="rId7"/>
+    <p:sldId id="272" r:id="rId8"/>
+    <p:sldId id="273" r:id="rId9"/>
+    <p:sldId id="269" r:id="rId10"/>
+    <p:sldId id="275" r:id="rId11"/>
+    <p:sldId id="274" r:id="rId12"/>
   </p:sldIdLst>
   <p:sldSz cx="12192000" cy="6858000"/>
   <p:notesSz cx="6858000" cy="9144000"/>
@@ -114,10 +119,10 @@
   </p:defaultTextStyle>
   <p:extLst>
     <p:ext uri="{EFAFB233-063F-42B5-8137-9DF3F51BA10A}">
-      <p15:sldGuideLst xmlns="" xmlns:p15="http://schemas.microsoft.com/office/powerpoint/2012/main"/>
+      <p15:sldGuideLst xmlns:p15="http://schemas.microsoft.com/office/powerpoint/2012/main" xmlns=""/>
     </p:ext>
     <p:ext uri="{2D200454-40CA-4A62-9FC3-DE9A4176ACB9}">
-      <p15:notesGuideLst xmlns="" xmlns:p15="http://schemas.microsoft.com/office/powerpoint/2012/main"/>
+      <p15:notesGuideLst xmlns:p15="http://schemas.microsoft.com/office/powerpoint/2012/main" xmlns=""/>
     </p:ext>
   </p:extLst>
 </p:presentation>
@@ -303,6 +308,1029 @@
 </c:chartSpace>
 </file>
 
+<file path=ppt/charts/chart10.xml><?xml version="1.0" encoding="utf-8"?>
+<c:chartSpace xmlns:c="http://schemas.openxmlformats.org/drawingml/2006/chart" xmlns:a="http://schemas.openxmlformats.org/drawingml/2006/main" xmlns:r="http://schemas.openxmlformats.org/officeDocument/2006/relationships">
+  <c:date1904 val="0"/>
+  <c:lang val="en-US"/>
+  <c:roundedCorners val="0"/>
+  <mc:AlternateContent xmlns:mc="http://schemas.openxmlformats.org/markup-compatibility/2006">
+    <mc:Choice xmlns:c14="http://schemas.microsoft.com/office/drawing/2007/8/2/chart" Requires="c14">
+      <c14:style val="102"/>
+    </mc:Choice>
+    <mc:Fallback>
+      <c:style val="2"/>
+    </mc:Fallback>
+  </mc:AlternateContent>
+  <c:chart>
+    <c:autoTitleDeleted val="1"/>
+    <c:plotArea>
+      <c:layout>
+        <c:manualLayout>
+          <c:layoutTarget val="inner"/>
+          <c:xMode val="edge"/>
+          <c:yMode val="edge"/>
+          <c:x val="8.8890338912460384E-2"/>
+          <c:y val="0.12205713369006782"/>
+          <c:w val="0.90913412967255003"/>
+          <c:h val="0.45454358137332351"/>
+        </c:manualLayout>
+      </c:layout>
+      <c:barChart>
+        <c:barDir val="col"/>
+        <c:grouping val="stacked"/>
+        <c:varyColors val="0"/>
+        <c:ser>
+          <c:idx val="0"/>
+          <c:order val="0"/>
+          <c:tx>
+            <c:strRef>
+              <c:f>Sheet1!$B$1</c:f>
+              <c:strCache>
+                <c:ptCount val="1"/>
+                <c:pt idx="0">
+                  <c:v>36 Months</c:v>
+                </c:pt>
+              </c:strCache>
+            </c:strRef>
+          </c:tx>
+          <c:spPr>
+            <a:solidFill>
+              <a:schemeClr val="tx2">
+                <a:lumMod val="60000"/>
+                <a:lumOff val="40000"/>
+              </a:schemeClr>
+            </a:solidFill>
+          </c:spPr>
+          <c:invertIfNegative val="0"/>
+          <c:dLbls>
+            <c:delete val="1"/>
+          </c:dLbls>
+          <c:cat>
+            <c:strRef>
+              <c:f>Sheet1!$A$2:$A$8</c:f>
+              <c:strCache>
+                <c:ptCount val="7"/>
+                <c:pt idx="0">
+                  <c:v>credit_card</c:v>
+                </c:pt>
+                <c:pt idx="1">
+                  <c:v>debt_consolidation</c:v>
+                </c:pt>
+                <c:pt idx="2">
+                  <c:v>home_improvement</c:v>
+                </c:pt>
+                <c:pt idx="3">
+                  <c:v>major_purchase</c:v>
+                </c:pt>
+                <c:pt idx="4">
+                  <c:v>other</c:v>
+                </c:pt>
+                <c:pt idx="5">
+                  <c:v>small_business</c:v>
+                </c:pt>
+                <c:pt idx="6">
+                  <c:v>other purpose</c:v>
+                </c:pt>
+              </c:strCache>
+            </c:strRef>
+          </c:cat>
+          <c:val>
+            <c:numRef>
+              <c:f>Sheet1!$B$2:$B$8</c:f>
+              <c:numCache>
+                <c:formatCode>General</c:formatCode>
+                <c:ptCount val="7"/>
+                <c:pt idx="0">
+                  <c:v>3773</c:v>
+                </c:pt>
+                <c:pt idx="1">
+                  <c:v>11662</c:v>
+                </c:pt>
+                <c:pt idx="2">
+                  <c:v>1874</c:v>
+                </c:pt>
+                <c:pt idx="3">
+                  <c:v>1587</c:v>
+                </c:pt>
+                <c:pt idx="4">
+                  <c:v>2724</c:v>
+                </c:pt>
+                <c:pt idx="5">
+                  <c:v>970</c:v>
+                </c:pt>
+                <c:pt idx="6">
+                  <c:v>3279</c:v>
+                </c:pt>
+              </c:numCache>
+            </c:numRef>
+          </c:val>
+        </c:ser>
+        <c:ser>
+          <c:idx val="1"/>
+          <c:order val="1"/>
+          <c:tx>
+            <c:strRef>
+              <c:f>Sheet1!$C$1</c:f>
+              <c:strCache>
+                <c:ptCount val="1"/>
+                <c:pt idx="0">
+                  <c:v>60 Months</c:v>
+                </c:pt>
+              </c:strCache>
+            </c:strRef>
+          </c:tx>
+          <c:spPr>
+            <a:solidFill>
+              <a:schemeClr val="tx2"/>
+            </a:solidFill>
+          </c:spPr>
+          <c:invertIfNegative val="0"/>
+          <c:dLbls>
+            <c:delete val="1"/>
+          </c:dLbls>
+          <c:cat>
+            <c:strRef>
+              <c:f>Sheet1!$A$2:$A$8</c:f>
+              <c:strCache>
+                <c:ptCount val="7"/>
+                <c:pt idx="0">
+                  <c:v>credit_card</c:v>
+                </c:pt>
+                <c:pt idx="1">
+                  <c:v>debt_consolidation</c:v>
+                </c:pt>
+                <c:pt idx="2">
+                  <c:v>home_improvement</c:v>
+                </c:pt>
+                <c:pt idx="3">
+                  <c:v>major_purchase</c:v>
+                </c:pt>
+                <c:pt idx="4">
+                  <c:v>other</c:v>
+                </c:pt>
+                <c:pt idx="5">
+                  <c:v>small_business</c:v>
+                </c:pt>
+                <c:pt idx="6">
+                  <c:v>other purpose</c:v>
+                </c:pt>
+              </c:strCache>
+            </c:strRef>
+          </c:cat>
+          <c:val>
+            <c:numRef>
+              <c:f>Sheet1!$C$2:$C$8</c:f>
+              <c:numCache>
+                <c:formatCode>General</c:formatCode>
+                <c:ptCount val="7"/>
+                <c:pt idx="0">
+                  <c:v>712</c:v>
+                </c:pt>
+                <c:pt idx="1">
+                  <c:v>3626</c:v>
+                </c:pt>
+                <c:pt idx="2">
+                  <c:v>654</c:v>
+                </c:pt>
+                <c:pt idx="3">
+                  <c:v>341</c:v>
+                </c:pt>
+                <c:pt idx="4">
+                  <c:v>508</c:v>
+                </c:pt>
+                <c:pt idx="5">
+                  <c:v>309</c:v>
+                </c:pt>
+                <c:pt idx="6">
+                  <c:v>931</c:v>
+                </c:pt>
+              </c:numCache>
+            </c:numRef>
+          </c:val>
+        </c:ser>
+        <c:dLbls>
+          <c:showLegendKey val="0"/>
+          <c:showVal val="1"/>
+          <c:showCatName val="0"/>
+          <c:showSerName val="0"/>
+          <c:showPercent val="0"/>
+          <c:showBubbleSize val="0"/>
+        </c:dLbls>
+        <c:gapWidth val="95"/>
+        <c:overlap val="100"/>
+        <c:axId val="50717056"/>
+        <c:axId val="50718592"/>
+      </c:barChart>
+      <c:catAx>
+        <c:axId val="50717056"/>
+        <c:scaling>
+          <c:orientation val="minMax"/>
+        </c:scaling>
+        <c:delete val="0"/>
+        <c:axPos val="b"/>
+        <c:majorTickMark val="none"/>
+        <c:minorTickMark val="none"/>
+        <c:tickLblPos val="none"/>
+        <c:txPr>
+          <a:bodyPr/>
+          <a:lstStyle/>
+          <a:p>
+            <a:pPr>
+              <a:defRPr sz="700"/>
+            </a:pPr>
+            <a:endParaRPr lang="en-US"/>
+          </a:p>
+        </c:txPr>
+        <c:crossAx val="50718592"/>
+        <c:crosses val="autoZero"/>
+        <c:auto val="1"/>
+        <c:lblAlgn val="ctr"/>
+        <c:lblOffset val="100"/>
+        <c:noMultiLvlLbl val="0"/>
+      </c:catAx>
+      <c:valAx>
+        <c:axId val="50718592"/>
+        <c:scaling>
+          <c:orientation val="minMax"/>
+        </c:scaling>
+        <c:delete val="1"/>
+        <c:axPos val="l"/>
+        <c:numFmt formatCode="General" sourceLinked="1"/>
+        <c:majorTickMark val="out"/>
+        <c:minorTickMark val="none"/>
+        <c:tickLblPos val="nextTo"/>
+        <c:crossAx val="50717056"/>
+        <c:crosses val="autoZero"/>
+        <c:crossBetween val="between"/>
+      </c:valAx>
+      <c:spPr>
+        <a:noFill/>
+        <a:ln w="25400">
+          <a:noFill/>
+        </a:ln>
+      </c:spPr>
+    </c:plotArea>
+    <c:plotVisOnly val="1"/>
+    <c:dispBlanksAs val="gap"/>
+    <c:showDLblsOverMax val="0"/>
+  </c:chart>
+  <c:txPr>
+    <a:bodyPr/>
+    <a:lstStyle/>
+    <a:p>
+      <a:pPr>
+        <a:defRPr sz="1800"/>
+      </a:pPr>
+      <a:endParaRPr lang="en-US"/>
+    </a:p>
+  </c:txPr>
+  <c:externalData r:id="rId1">
+    <c:autoUpdate val="0"/>
+  </c:externalData>
+</c:chartSpace>
+</file>
+
+<file path=ppt/charts/chart11.xml><?xml version="1.0" encoding="utf-8"?>
+<c:chartSpace xmlns:c="http://schemas.openxmlformats.org/drawingml/2006/chart" xmlns:a="http://schemas.openxmlformats.org/drawingml/2006/main" xmlns:r="http://schemas.openxmlformats.org/officeDocument/2006/relationships">
+  <c:date1904 val="0"/>
+  <c:lang val="en-US"/>
+  <c:roundedCorners val="0"/>
+  <mc:AlternateContent xmlns:mc="http://schemas.openxmlformats.org/markup-compatibility/2006">
+    <mc:Choice xmlns:c14="http://schemas.microsoft.com/office/drawing/2007/8/2/chart" Requires="c14">
+      <c14:style val="102"/>
+    </mc:Choice>
+    <mc:Fallback>
+      <c:style val="2"/>
+    </mc:Fallback>
+  </mc:AlternateContent>
+  <c:chart>
+    <c:autoTitleDeleted val="1"/>
+    <c:plotArea>
+      <c:layout>
+        <c:manualLayout>
+          <c:layoutTarget val="inner"/>
+          <c:xMode val="edge"/>
+          <c:yMode val="edge"/>
+          <c:x val="8.8890338912460384E-2"/>
+          <c:y val="0.12205713369006782"/>
+          <c:w val="0.90913412967255003"/>
+          <c:h val="0.3577692973344706"/>
+        </c:manualLayout>
+      </c:layout>
+      <c:barChart>
+        <c:barDir val="col"/>
+        <c:grouping val="stacked"/>
+        <c:varyColors val="0"/>
+        <c:ser>
+          <c:idx val="0"/>
+          <c:order val="0"/>
+          <c:tx>
+            <c:strRef>
+              <c:f>Sheet1!$B$1</c:f>
+              <c:strCache>
+                <c:ptCount val="1"/>
+                <c:pt idx="0">
+                  <c:v>36 Months</c:v>
+                </c:pt>
+              </c:strCache>
+            </c:strRef>
+          </c:tx>
+          <c:spPr>
+            <a:solidFill>
+              <a:schemeClr val="accent4">
+                <a:lumMod val="40000"/>
+                <a:lumOff val="60000"/>
+              </a:schemeClr>
+            </a:solidFill>
+          </c:spPr>
+          <c:invertIfNegative val="0"/>
+          <c:dLbls>
+            <c:delete val="1"/>
+          </c:dLbls>
+          <c:cat>
+            <c:strRef>
+              <c:f>Sheet1!$A$2:$A$8</c:f>
+              <c:strCache>
+                <c:ptCount val="7"/>
+                <c:pt idx="0">
+                  <c:v>credit_card</c:v>
+                </c:pt>
+                <c:pt idx="1">
+                  <c:v>debt_consolidation</c:v>
+                </c:pt>
+                <c:pt idx="2">
+                  <c:v>home_improvement</c:v>
+                </c:pt>
+                <c:pt idx="3">
+                  <c:v>major_purchase</c:v>
+                </c:pt>
+                <c:pt idx="4">
+                  <c:v>other</c:v>
+                </c:pt>
+                <c:pt idx="5">
+                  <c:v>other purpose</c:v>
+                </c:pt>
+                <c:pt idx="6">
+                  <c:v>small_business</c:v>
+                </c:pt>
+              </c:strCache>
+            </c:strRef>
+          </c:cat>
+          <c:val>
+            <c:numRef>
+              <c:f>Sheet1!$B$2:$B$8</c:f>
+              <c:numCache>
+                <c:formatCode>General</c:formatCode>
+                <c:ptCount val="7"/>
+                <c:pt idx="0">
+                  <c:v>318</c:v>
+                </c:pt>
+                <c:pt idx="1">
+                  <c:v>1469</c:v>
+                </c:pt>
+                <c:pt idx="2">
+                  <c:v>205</c:v>
+                </c:pt>
+                <c:pt idx="3">
+                  <c:v>137</c:v>
+                </c:pt>
+                <c:pt idx="4">
+                  <c:v>414</c:v>
+                </c:pt>
+                <c:pt idx="5">
+                  <c:v>415</c:v>
+                </c:pt>
+                <c:pt idx="6">
+                  <c:v>269</c:v>
+                </c:pt>
+              </c:numCache>
+            </c:numRef>
+          </c:val>
+        </c:ser>
+        <c:ser>
+          <c:idx val="1"/>
+          <c:order val="1"/>
+          <c:tx>
+            <c:strRef>
+              <c:f>Sheet1!$C$1</c:f>
+              <c:strCache>
+                <c:ptCount val="1"/>
+                <c:pt idx="0">
+                  <c:v>60 Months</c:v>
+                </c:pt>
+              </c:strCache>
+            </c:strRef>
+          </c:tx>
+          <c:spPr>
+            <a:solidFill>
+              <a:schemeClr val="accent4"/>
+            </a:solidFill>
+          </c:spPr>
+          <c:invertIfNegative val="0"/>
+          <c:dLbls>
+            <c:delete val="1"/>
+          </c:dLbls>
+          <c:cat>
+            <c:strRef>
+              <c:f>Sheet1!$A$2:$A$8</c:f>
+              <c:strCache>
+                <c:ptCount val="7"/>
+                <c:pt idx="0">
+                  <c:v>credit_card</c:v>
+                </c:pt>
+                <c:pt idx="1">
+                  <c:v>debt_consolidation</c:v>
+                </c:pt>
+                <c:pt idx="2">
+                  <c:v>home_improvement</c:v>
+                </c:pt>
+                <c:pt idx="3">
+                  <c:v>major_purchase</c:v>
+                </c:pt>
+                <c:pt idx="4">
+                  <c:v>other</c:v>
+                </c:pt>
+                <c:pt idx="5">
+                  <c:v>other purpose</c:v>
+                </c:pt>
+                <c:pt idx="6">
+                  <c:v>small_business</c:v>
+                </c:pt>
+              </c:strCache>
+            </c:strRef>
+          </c:cat>
+          <c:val>
+            <c:numRef>
+              <c:f>Sheet1!$C$2:$C$8</c:f>
+              <c:numCache>
+                <c:formatCode>General</c:formatCode>
+                <c:ptCount val="7"/>
+                <c:pt idx="0">
+                  <c:v>224</c:v>
+                </c:pt>
+                <c:pt idx="1">
+                  <c:v>1298</c:v>
+                </c:pt>
+                <c:pt idx="2">
+                  <c:v>142</c:v>
+                </c:pt>
+                <c:pt idx="3">
+                  <c:v>85</c:v>
+                </c:pt>
+                <c:pt idx="4">
+                  <c:v>219</c:v>
+                </c:pt>
+                <c:pt idx="5">
+                  <c:v>226</c:v>
+                </c:pt>
+                <c:pt idx="6">
+                  <c:v>206</c:v>
+                </c:pt>
+              </c:numCache>
+            </c:numRef>
+          </c:val>
+        </c:ser>
+        <c:dLbls>
+          <c:showLegendKey val="0"/>
+          <c:showVal val="1"/>
+          <c:showCatName val="0"/>
+          <c:showSerName val="0"/>
+          <c:showPercent val="0"/>
+          <c:showBubbleSize val="0"/>
+        </c:dLbls>
+        <c:gapWidth val="95"/>
+        <c:overlap val="100"/>
+        <c:axId val="50796416"/>
+        <c:axId val="50797952"/>
+      </c:barChart>
+      <c:catAx>
+        <c:axId val="50796416"/>
+        <c:scaling>
+          <c:orientation val="minMax"/>
+        </c:scaling>
+        <c:delete val="0"/>
+        <c:axPos val="b"/>
+        <c:numFmt formatCode="General" sourceLinked="1"/>
+        <c:majorTickMark val="none"/>
+        <c:minorTickMark val="none"/>
+        <c:tickLblPos val="none"/>
+        <c:crossAx val="50797952"/>
+        <c:crosses val="autoZero"/>
+        <c:auto val="1"/>
+        <c:lblAlgn val="ctr"/>
+        <c:lblOffset val="100"/>
+        <c:noMultiLvlLbl val="0"/>
+      </c:catAx>
+      <c:valAx>
+        <c:axId val="50797952"/>
+        <c:scaling>
+          <c:orientation val="minMax"/>
+        </c:scaling>
+        <c:delete val="1"/>
+        <c:axPos val="l"/>
+        <c:numFmt formatCode="General" sourceLinked="1"/>
+        <c:majorTickMark val="out"/>
+        <c:minorTickMark val="none"/>
+        <c:tickLblPos val="nextTo"/>
+        <c:crossAx val="50796416"/>
+        <c:crosses val="autoZero"/>
+        <c:crossBetween val="between"/>
+      </c:valAx>
+      <c:spPr>
+        <a:noFill/>
+        <a:ln w="25400">
+          <a:noFill/>
+        </a:ln>
+      </c:spPr>
+    </c:plotArea>
+    <c:plotVisOnly val="1"/>
+    <c:dispBlanksAs val="gap"/>
+    <c:showDLblsOverMax val="0"/>
+  </c:chart>
+  <c:txPr>
+    <a:bodyPr/>
+    <a:lstStyle/>
+    <a:p>
+      <a:pPr>
+        <a:defRPr sz="1800"/>
+      </a:pPr>
+      <a:endParaRPr lang="en-US"/>
+    </a:p>
+  </c:txPr>
+  <c:externalData r:id="rId1">
+    <c:autoUpdate val="0"/>
+  </c:externalData>
+</c:chartSpace>
+</file>
+
+<file path=ppt/charts/chart12.xml><?xml version="1.0" encoding="utf-8"?>
+<c:chartSpace xmlns:c="http://schemas.openxmlformats.org/drawingml/2006/chart" xmlns:a="http://schemas.openxmlformats.org/drawingml/2006/main" xmlns:r="http://schemas.openxmlformats.org/officeDocument/2006/relationships">
+  <c:date1904 val="0"/>
+  <c:lang val="en-US"/>
+  <c:roundedCorners val="0"/>
+  <mc:AlternateContent xmlns:mc="http://schemas.openxmlformats.org/markup-compatibility/2006">
+    <mc:Choice xmlns:c14="http://schemas.microsoft.com/office/drawing/2007/8/2/chart" Requires="c14">
+      <c14:style val="102"/>
+    </mc:Choice>
+    <mc:Fallback>
+      <c:style val="2"/>
+    </mc:Fallback>
+  </mc:AlternateContent>
+  <c:chart>
+    <c:autoTitleDeleted val="1"/>
+    <c:plotArea>
+      <c:layout>
+        <c:manualLayout>
+          <c:layoutTarget val="inner"/>
+          <c:xMode val="edge"/>
+          <c:yMode val="edge"/>
+          <c:x val="8.8890338912460384E-2"/>
+          <c:y val="0.12205713369006782"/>
+          <c:w val="0.90913412967255003"/>
+          <c:h val="0.70268607301478148"/>
+        </c:manualLayout>
+      </c:layout>
+      <c:barChart>
+        <c:barDir val="col"/>
+        <c:grouping val="stacked"/>
+        <c:varyColors val="0"/>
+        <c:ser>
+          <c:idx val="0"/>
+          <c:order val="0"/>
+          <c:tx>
+            <c:strRef>
+              <c:f>Sheet1!$B$1</c:f>
+              <c:strCache>
+                <c:ptCount val="1"/>
+                <c:pt idx="0">
+                  <c:v> 36 months</c:v>
+                </c:pt>
+              </c:strCache>
+            </c:strRef>
+          </c:tx>
+          <c:spPr>
+            <a:solidFill>
+              <a:schemeClr val="accent4">
+                <a:lumMod val="40000"/>
+                <a:lumOff val="60000"/>
+              </a:schemeClr>
+            </a:solidFill>
+          </c:spPr>
+          <c:invertIfNegative val="0"/>
+          <c:dLbls>
+            <c:delete val="1"/>
+          </c:dLbls>
+          <c:cat>
+            <c:strRef>
+              <c:f>Sheet1!$A$2:$A$4</c:f>
+              <c:strCache>
+                <c:ptCount val="3"/>
+                <c:pt idx="0">
+                  <c:v>Not Verified</c:v>
+                </c:pt>
+                <c:pt idx="1">
+                  <c:v>Source Verified</c:v>
+                </c:pt>
+                <c:pt idx="2">
+                  <c:v>Verified</c:v>
+                </c:pt>
+              </c:strCache>
+            </c:strRef>
+          </c:cat>
+          <c:val>
+            <c:numRef>
+              <c:f>Sheet1!$B$2:$B$4</c:f>
+              <c:numCache>
+                <c:formatCode>General</c:formatCode>
+                <c:ptCount val="3"/>
+                <c:pt idx="0">
+                  <c:v>1652</c:v>
+                </c:pt>
+                <c:pt idx="1">
+                  <c:v>715</c:v>
+                </c:pt>
+                <c:pt idx="2">
+                  <c:v>860</c:v>
+                </c:pt>
+              </c:numCache>
+            </c:numRef>
+          </c:val>
+        </c:ser>
+        <c:ser>
+          <c:idx val="1"/>
+          <c:order val="1"/>
+          <c:tx>
+            <c:strRef>
+              <c:f>Sheet1!$C$1</c:f>
+              <c:strCache>
+                <c:ptCount val="1"/>
+                <c:pt idx="0">
+                  <c:v> 60 months</c:v>
+                </c:pt>
+              </c:strCache>
+            </c:strRef>
+          </c:tx>
+          <c:spPr>
+            <a:solidFill>
+              <a:schemeClr val="accent4"/>
+            </a:solidFill>
+          </c:spPr>
+          <c:invertIfNegative val="0"/>
+          <c:dLbls>
+            <c:delete val="1"/>
+          </c:dLbls>
+          <c:cat>
+            <c:strRef>
+              <c:f>Sheet1!$A$2:$A$4</c:f>
+              <c:strCache>
+                <c:ptCount val="3"/>
+                <c:pt idx="0">
+                  <c:v>Not Verified</c:v>
+                </c:pt>
+                <c:pt idx="1">
+                  <c:v>Source Verified</c:v>
+                </c:pt>
+                <c:pt idx="2">
+                  <c:v>Verified</c:v>
+                </c:pt>
+              </c:strCache>
+            </c:strRef>
+          </c:cat>
+          <c:val>
+            <c:numRef>
+              <c:f>Sheet1!$C$2:$C$4</c:f>
+              <c:numCache>
+                <c:formatCode>General</c:formatCode>
+                <c:ptCount val="3"/>
+                <c:pt idx="0">
+                  <c:v>490</c:v>
+                </c:pt>
+                <c:pt idx="1">
+                  <c:v>719</c:v>
+                </c:pt>
+                <c:pt idx="2">
+                  <c:v>1191</c:v>
+                </c:pt>
+              </c:numCache>
+            </c:numRef>
+          </c:val>
+        </c:ser>
+        <c:dLbls>
+          <c:showLegendKey val="0"/>
+          <c:showVal val="1"/>
+          <c:showCatName val="0"/>
+          <c:showSerName val="0"/>
+          <c:showPercent val="0"/>
+          <c:showBubbleSize val="0"/>
+        </c:dLbls>
+        <c:gapWidth val="95"/>
+        <c:overlap val="100"/>
+        <c:axId val="50870912"/>
+        <c:axId val="50880896"/>
+      </c:barChart>
+      <c:catAx>
+        <c:axId val="50870912"/>
+        <c:scaling>
+          <c:orientation val="minMax"/>
+        </c:scaling>
+        <c:delete val="0"/>
+        <c:axPos val="b"/>
+        <c:majorTickMark val="none"/>
+        <c:minorTickMark val="none"/>
+        <c:tickLblPos val="none"/>
+        <c:txPr>
+          <a:bodyPr/>
+          <a:lstStyle/>
+          <a:p>
+            <a:pPr>
+              <a:defRPr sz="700"/>
+            </a:pPr>
+            <a:endParaRPr lang="en-US"/>
+          </a:p>
+        </c:txPr>
+        <c:crossAx val="50880896"/>
+        <c:crosses val="autoZero"/>
+        <c:auto val="1"/>
+        <c:lblAlgn val="ctr"/>
+        <c:lblOffset val="100"/>
+        <c:noMultiLvlLbl val="0"/>
+      </c:catAx>
+      <c:valAx>
+        <c:axId val="50880896"/>
+        <c:scaling>
+          <c:orientation val="minMax"/>
+        </c:scaling>
+        <c:delete val="1"/>
+        <c:axPos val="l"/>
+        <c:numFmt formatCode="General" sourceLinked="1"/>
+        <c:majorTickMark val="out"/>
+        <c:minorTickMark val="none"/>
+        <c:tickLblPos val="nextTo"/>
+        <c:crossAx val="50870912"/>
+        <c:crosses val="autoZero"/>
+        <c:crossBetween val="between"/>
+      </c:valAx>
+      <c:spPr>
+        <a:noFill/>
+        <a:ln w="25400">
+          <a:noFill/>
+        </a:ln>
+      </c:spPr>
+    </c:plotArea>
+    <c:plotVisOnly val="1"/>
+    <c:dispBlanksAs val="gap"/>
+    <c:showDLblsOverMax val="0"/>
+  </c:chart>
+  <c:txPr>
+    <a:bodyPr/>
+    <a:lstStyle/>
+    <a:p>
+      <a:pPr>
+        <a:defRPr sz="1800"/>
+      </a:pPr>
+      <a:endParaRPr lang="en-US"/>
+    </a:p>
+  </c:txPr>
+  <c:externalData r:id="rId1">
+    <c:autoUpdate val="0"/>
+  </c:externalData>
+</c:chartSpace>
+</file>
+
+<file path=ppt/charts/chart13.xml><?xml version="1.0" encoding="utf-8"?>
+<c:chartSpace xmlns:c="http://schemas.openxmlformats.org/drawingml/2006/chart" xmlns:a="http://schemas.openxmlformats.org/drawingml/2006/main" xmlns:r="http://schemas.openxmlformats.org/officeDocument/2006/relationships">
+  <c:date1904 val="0"/>
+  <c:lang val="en-US"/>
+  <c:roundedCorners val="0"/>
+  <mc:AlternateContent xmlns:mc="http://schemas.openxmlformats.org/markup-compatibility/2006">
+    <mc:Choice xmlns:c14="http://schemas.microsoft.com/office/drawing/2007/8/2/chart" Requires="c14">
+      <c14:style val="102"/>
+    </mc:Choice>
+    <mc:Fallback>
+      <c:style val="2"/>
+    </mc:Fallback>
+  </mc:AlternateContent>
+  <c:chart>
+    <c:autoTitleDeleted val="1"/>
+    <c:plotArea>
+      <c:layout>
+        <c:manualLayout>
+          <c:layoutTarget val="inner"/>
+          <c:xMode val="edge"/>
+          <c:yMode val="edge"/>
+          <c:x val="8.8890338912460384E-2"/>
+          <c:y val="6.3723728681869402E-2"/>
+          <c:w val="0.90913412967255003"/>
+          <c:h val="0.90202279437473287"/>
+        </c:manualLayout>
+      </c:layout>
+      <c:barChart>
+        <c:barDir val="col"/>
+        <c:grouping val="stacked"/>
+        <c:varyColors val="0"/>
+        <c:ser>
+          <c:idx val="0"/>
+          <c:order val="0"/>
+          <c:tx>
+            <c:strRef>
+              <c:f>Sheet1!$B$1</c:f>
+              <c:strCache>
+                <c:ptCount val="1"/>
+                <c:pt idx="0">
+                  <c:v> 36 months</c:v>
+                </c:pt>
+              </c:strCache>
+            </c:strRef>
+          </c:tx>
+          <c:spPr>
+            <a:solidFill>
+              <a:schemeClr val="tx2">
+                <a:lumMod val="40000"/>
+                <a:lumOff val="60000"/>
+              </a:schemeClr>
+            </a:solidFill>
+          </c:spPr>
+          <c:invertIfNegative val="0"/>
+          <c:dLbls>
+            <c:delete val="1"/>
+          </c:dLbls>
+          <c:cat>
+            <c:strRef>
+              <c:f>Sheet1!$A$2:$A$4</c:f>
+              <c:strCache>
+                <c:ptCount val="3"/>
+                <c:pt idx="0">
+                  <c:v>Not Verified</c:v>
+                </c:pt>
+                <c:pt idx="1">
+                  <c:v>Source Verified</c:v>
+                </c:pt>
+                <c:pt idx="2">
+                  <c:v>Verified</c:v>
+                </c:pt>
+              </c:strCache>
+            </c:strRef>
+          </c:cat>
+          <c:val>
+            <c:numRef>
+              <c:f>Sheet1!$B$2:$B$4</c:f>
+              <c:numCache>
+                <c:formatCode>General</c:formatCode>
+                <c:ptCount val="3"/>
+                <c:pt idx="0">
+                  <c:v>12866</c:v>
+                </c:pt>
+                <c:pt idx="1">
+                  <c:v>6245</c:v>
+                </c:pt>
+                <c:pt idx="2">
+                  <c:v>6758</c:v>
+                </c:pt>
+              </c:numCache>
+            </c:numRef>
+          </c:val>
+        </c:ser>
+        <c:ser>
+          <c:idx val="1"/>
+          <c:order val="1"/>
+          <c:tx>
+            <c:strRef>
+              <c:f>Sheet1!$C$1</c:f>
+              <c:strCache>
+                <c:ptCount val="1"/>
+                <c:pt idx="0">
+                  <c:v> 60 months</c:v>
+                </c:pt>
+              </c:strCache>
+            </c:strRef>
+          </c:tx>
+          <c:spPr>
+            <a:solidFill>
+              <a:schemeClr val="tx2"/>
+            </a:solidFill>
+          </c:spPr>
+          <c:invertIfNegative val="0"/>
+          <c:dLbls>
+            <c:delete val="1"/>
+          </c:dLbls>
+          <c:cat>
+            <c:strRef>
+              <c:f>Sheet1!$A$2:$A$4</c:f>
+              <c:strCache>
+                <c:ptCount val="3"/>
+                <c:pt idx="0">
+                  <c:v>Not Verified</c:v>
+                </c:pt>
+                <c:pt idx="1">
+                  <c:v>Source Verified</c:v>
+                </c:pt>
+                <c:pt idx="2">
+                  <c:v>Verified</c:v>
+                </c:pt>
+              </c:strCache>
+            </c:strRef>
+          </c:cat>
+          <c:val>
+            <c:numRef>
+              <c:f>Sheet1!$C$2:$C$4</c:f>
+              <c:numCache>
+                <c:formatCode>General</c:formatCode>
+                <c:ptCount val="3"/>
+                <c:pt idx="0">
+                  <c:v>1686</c:v>
+                </c:pt>
+                <c:pt idx="1">
+                  <c:v>1998</c:v>
+                </c:pt>
+                <c:pt idx="2">
+                  <c:v>3397</c:v>
+                </c:pt>
+              </c:numCache>
+            </c:numRef>
+          </c:val>
+        </c:ser>
+        <c:dLbls>
+          <c:showLegendKey val="0"/>
+          <c:showVal val="1"/>
+          <c:showCatName val="0"/>
+          <c:showSerName val="0"/>
+          <c:showPercent val="0"/>
+          <c:showBubbleSize val="0"/>
+        </c:dLbls>
+        <c:gapWidth val="95"/>
+        <c:overlap val="100"/>
+        <c:axId val="50844032"/>
+        <c:axId val="50845568"/>
+      </c:barChart>
+      <c:catAx>
+        <c:axId val="50844032"/>
+        <c:scaling>
+          <c:orientation val="minMax"/>
+        </c:scaling>
+        <c:delete val="0"/>
+        <c:axPos val="b"/>
+        <c:majorTickMark val="none"/>
+        <c:minorTickMark val="none"/>
+        <c:tickLblPos val="none"/>
+        <c:txPr>
+          <a:bodyPr/>
+          <a:lstStyle/>
+          <a:p>
+            <a:pPr>
+              <a:defRPr sz="700"/>
+            </a:pPr>
+            <a:endParaRPr lang="en-US"/>
+          </a:p>
+        </c:txPr>
+        <c:crossAx val="50845568"/>
+        <c:crosses val="autoZero"/>
+        <c:auto val="1"/>
+        <c:lblAlgn val="ctr"/>
+        <c:lblOffset val="100"/>
+        <c:noMultiLvlLbl val="0"/>
+      </c:catAx>
+      <c:valAx>
+        <c:axId val="50845568"/>
+        <c:scaling>
+          <c:orientation val="minMax"/>
+        </c:scaling>
+        <c:delete val="1"/>
+        <c:axPos val="l"/>
+        <c:numFmt formatCode="General" sourceLinked="1"/>
+        <c:majorTickMark val="out"/>
+        <c:minorTickMark val="none"/>
+        <c:tickLblPos val="nextTo"/>
+        <c:crossAx val="50844032"/>
+        <c:crosses val="autoZero"/>
+        <c:crossBetween val="between"/>
+      </c:valAx>
+      <c:spPr>
+        <a:noFill/>
+        <a:ln w="25400">
+          <a:noFill/>
+        </a:ln>
+      </c:spPr>
+    </c:plotArea>
+    <c:plotVisOnly val="1"/>
+    <c:dispBlanksAs val="gap"/>
+    <c:showDLblsOverMax val="0"/>
+  </c:chart>
+  <c:txPr>
+    <a:bodyPr/>
+    <a:lstStyle/>
+    <a:p>
+      <a:pPr>
+        <a:defRPr sz="1800"/>
+      </a:pPr>
+      <a:endParaRPr lang="en-US"/>
+    </a:p>
+  </c:txPr>
+  <c:externalData r:id="rId1">
+    <c:autoUpdate val="0"/>
+  </c:externalData>
+</c:chartSpace>
+</file>
+
 <file path=ppt/charts/chart2.xml><?xml version="1.0" encoding="utf-8"?>
 <c:chartSpace xmlns:c="http://schemas.openxmlformats.org/drawingml/2006/chart" xmlns:a="http://schemas.openxmlformats.org/drawingml/2006/main" xmlns:r="http://schemas.openxmlformats.org/officeDocument/2006/relationships">
   <c:date1904 val="0"/>
@@ -577,11 +1605,11 @@
           <c:showBubbleSize val="0"/>
         </c:dLbls>
         <c:gapWidth val="150"/>
-        <c:axId val="39597184"/>
-        <c:axId val="39598720"/>
+        <c:axId val="40141568"/>
+        <c:axId val="40143104"/>
       </c:barChart>
       <c:catAx>
-        <c:axId val="39597184"/>
+        <c:axId val="40141568"/>
         <c:scaling>
           <c:orientation val="minMax"/>
         </c:scaling>
@@ -603,7 +1631,7 @@
             <a:endParaRPr lang="en-US"/>
           </a:p>
         </c:txPr>
-        <c:crossAx val="39598720"/>
+        <c:crossAx val="40143104"/>
         <c:crosses val="autoZero"/>
         <c:auto val="1"/>
         <c:lblAlgn val="ctr"/>
@@ -611,7 +1639,7 @@
         <c:noMultiLvlLbl val="0"/>
       </c:catAx>
       <c:valAx>
-        <c:axId val="39598720"/>
+        <c:axId val="40143104"/>
         <c:scaling>
           <c:orientation val="minMax"/>
         </c:scaling>
@@ -621,7 +1649,7 @@
         <c:majorTickMark val="out"/>
         <c:minorTickMark val="none"/>
         <c:tickLblPos val="nextTo"/>
-        <c:crossAx val="39597184"/>
+        <c:crossAx val="40141568"/>
         <c:crosses val="autoZero"/>
         <c:crossBetween val="between"/>
       </c:valAx>
@@ -674,7 +1702,7 @@
                 <a:latin typeface="Times New Roman" panose="02020603050405020304" pitchFamily="18" charset="0"/>
                 <a:cs typeface="Times New Roman" panose="02020603050405020304" pitchFamily="18" charset="0"/>
               </a:rPr>
-              <a:t>Monthly Volume of Charged Offs </a:t>
+              <a:t>Volume of Charged Offs basis Issue Date</a:t>
             </a:r>
             <a:endParaRPr lang="en-US" sz="1100" b="1" dirty="0">
               <a:latin typeface="Times New Roman" panose="02020603050405020304" pitchFamily="18" charset="0"/>
@@ -1107,11 +2135,11 @@
         </c:dLbls>
         <c:marker val="1"/>
         <c:smooth val="0"/>
-        <c:axId val="39619200"/>
-        <c:axId val="39629184"/>
+        <c:axId val="46923776"/>
+        <c:axId val="46925312"/>
       </c:lineChart>
       <c:catAx>
-        <c:axId val="39619200"/>
+        <c:axId val="46923776"/>
         <c:scaling>
           <c:orientation val="minMax"/>
         </c:scaling>
@@ -1133,7 +2161,7 @@
             <a:endParaRPr lang="en-US"/>
           </a:p>
         </c:txPr>
-        <c:crossAx val="39629184"/>
+        <c:crossAx val="46925312"/>
         <c:crosses val="autoZero"/>
         <c:auto val="1"/>
         <c:lblAlgn val="ctr"/>
@@ -1141,7 +2169,7 @@
         <c:noMultiLvlLbl val="0"/>
       </c:catAx>
       <c:valAx>
-        <c:axId val="39629184"/>
+        <c:axId val="46925312"/>
         <c:scaling>
           <c:orientation val="minMax"/>
         </c:scaling>
@@ -1151,7 +2179,7 @@
         <c:majorTickMark val="out"/>
         <c:minorTickMark val="none"/>
         <c:tickLblPos val="nextTo"/>
-        <c:crossAx val="39619200"/>
+        <c:crossAx val="46923776"/>
         <c:crosses val="autoZero"/>
         <c:crossBetween val="between"/>
       </c:valAx>
@@ -1184,6 +2212,1597 @@
     <a:p>
       <a:pPr>
         <a:defRPr sz="1200"/>
+      </a:pPr>
+      <a:endParaRPr lang="en-US"/>
+    </a:p>
+  </c:txPr>
+  <c:externalData r:id="rId1">
+    <c:autoUpdate val="0"/>
+  </c:externalData>
+</c:chartSpace>
+</file>
+
+<file path=ppt/charts/chart4.xml><?xml version="1.0" encoding="utf-8"?>
+<c:chartSpace xmlns:c="http://schemas.openxmlformats.org/drawingml/2006/chart" xmlns:a="http://schemas.openxmlformats.org/drawingml/2006/main" xmlns:r="http://schemas.openxmlformats.org/officeDocument/2006/relationships">
+  <c:date1904 val="0"/>
+  <c:lang val="en-US"/>
+  <c:roundedCorners val="0"/>
+  <mc:AlternateContent xmlns:mc="http://schemas.openxmlformats.org/markup-compatibility/2006">
+    <mc:Choice xmlns:c14="http://schemas.microsoft.com/office/drawing/2007/8/2/chart" Requires="c14">
+      <c14:style val="102"/>
+    </mc:Choice>
+    <mc:Fallback>
+      <c:style val="2"/>
+    </mc:Fallback>
+  </mc:AlternateContent>
+  <c:chart>
+    <c:autoTitleDeleted val="0"/>
+    <c:plotArea>
+      <c:layout>
+        <c:manualLayout>
+          <c:layoutTarget val="inner"/>
+          <c:xMode val="edge"/>
+          <c:yMode val="edge"/>
+          <c:x val="2.7317879014061179E-2"/>
+          <c:y val="0.2688681242520608"/>
+          <c:w val="0.94536424197187763"/>
+          <c:h val="0.54066003614621616"/>
+        </c:manualLayout>
+      </c:layout>
+      <c:barChart>
+        <c:barDir val="col"/>
+        <c:grouping val="clustered"/>
+        <c:varyColors val="0"/>
+        <c:ser>
+          <c:idx val="0"/>
+          <c:order val="0"/>
+          <c:tx>
+            <c:strRef>
+              <c:f>Sheet1!$B$1</c:f>
+              <c:strCache>
+                <c:ptCount val="1"/>
+                <c:pt idx="0">
+                  <c:v>Charged Off</c:v>
+                </c:pt>
+              </c:strCache>
+            </c:strRef>
+          </c:tx>
+          <c:spPr>
+            <a:solidFill>
+              <a:schemeClr val="accent4"/>
+            </a:solidFill>
+          </c:spPr>
+          <c:invertIfNegative val="0"/>
+          <c:dLbls>
+            <c:dLbl>
+              <c:idx val="0"/>
+              <c:layout>
+                <c:manualLayout>
+                  <c:x val="4.9668870934656689E-3"/>
+                  <c:y val="-2.8301907816006399E-2"/>
+                </c:manualLayout>
+              </c:layout>
+              <c:showLegendKey val="0"/>
+              <c:showVal val="1"/>
+              <c:showCatName val="0"/>
+              <c:showSerName val="0"/>
+              <c:showPercent val="0"/>
+              <c:showBubbleSize val="0"/>
+            </c:dLbl>
+            <c:numFmt formatCode="0%" sourceLinked="0"/>
+            <c:txPr>
+              <a:bodyPr/>
+              <a:lstStyle/>
+              <a:p>
+                <a:pPr>
+                  <a:defRPr sz="1100"/>
+                </a:pPr>
+                <a:endParaRPr lang="en-US"/>
+              </a:p>
+            </c:txPr>
+            <c:showLegendKey val="0"/>
+            <c:showVal val="1"/>
+            <c:showCatName val="0"/>
+            <c:showSerName val="0"/>
+            <c:showPercent val="0"/>
+            <c:showBubbleSize val="0"/>
+            <c:showLeaderLines val="0"/>
+          </c:dLbls>
+          <c:cat>
+            <c:strRef>
+              <c:f>Sheet1!$A$2:$A$3</c:f>
+              <c:strCache>
+                <c:ptCount val="2"/>
+                <c:pt idx="0">
+                  <c:v>36 Months</c:v>
+                </c:pt>
+                <c:pt idx="1">
+                  <c:v>60 Months</c:v>
+                </c:pt>
+              </c:strCache>
+            </c:strRef>
+          </c:cat>
+          <c:val>
+            <c:numRef>
+              <c:f>Sheet1!$B$2:$B$3</c:f>
+              <c:numCache>
+                <c:formatCode>0%</c:formatCode>
+                <c:ptCount val="2"/>
+                <c:pt idx="0">
+                  <c:v>0.11090871597470443</c:v>
+                </c:pt>
+                <c:pt idx="1">
+                  <c:v>0.25313785465668176</c:v>
+                </c:pt>
+              </c:numCache>
+            </c:numRef>
+          </c:val>
+        </c:ser>
+        <c:ser>
+          <c:idx val="1"/>
+          <c:order val="1"/>
+          <c:tx>
+            <c:strRef>
+              <c:f>Sheet1!$C$1</c:f>
+              <c:strCache>
+                <c:ptCount val="1"/>
+                <c:pt idx="0">
+                  <c:v>Fully Paid</c:v>
+                </c:pt>
+              </c:strCache>
+            </c:strRef>
+          </c:tx>
+          <c:spPr>
+            <a:solidFill>
+              <a:schemeClr val="tx2"/>
+            </a:solidFill>
+          </c:spPr>
+          <c:invertIfNegative val="0"/>
+          <c:dLbls>
+            <c:txPr>
+              <a:bodyPr/>
+              <a:lstStyle/>
+              <a:p>
+                <a:pPr>
+                  <a:defRPr sz="1100"/>
+                </a:pPr>
+                <a:endParaRPr lang="en-US"/>
+              </a:p>
+            </c:txPr>
+            <c:showLegendKey val="0"/>
+            <c:showVal val="1"/>
+            <c:showCatName val="0"/>
+            <c:showSerName val="0"/>
+            <c:showPercent val="0"/>
+            <c:showBubbleSize val="0"/>
+            <c:showLeaderLines val="0"/>
+          </c:dLbls>
+          <c:cat>
+            <c:strRef>
+              <c:f>Sheet1!$A$2:$A$3</c:f>
+              <c:strCache>
+                <c:ptCount val="2"/>
+                <c:pt idx="0">
+                  <c:v>36 Months</c:v>
+                </c:pt>
+                <c:pt idx="1">
+                  <c:v>60 Months</c:v>
+                </c:pt>
+              </c:strCache>
+            </c:strRef>
+          </c:cat>
+          <c:val>
+            <c:numRef>
+              <c:f>Sheet1!$C$2:$C$3</c:f>
+              <c:numCache>
+                <c:formatCode>0%</c:formatCode>
+                <c:ptCount val="2"/>
+                <c:pt idx="0">
+                  <c:v>0.88909128402529558</c:v>
+                </c:pt>
+                <c:pt idx="1">
+                  <c:v>0.74686214534331818</c:v>
+                </c:pt>
+              </c:numCache>
+            </c:numRef>
+          </c:val>
+        </c:ser>
+        <c:dLbls>
+          <c:showLegendKey val="0"/>
+          <c:showVal val="0"/>
+          <c:showCatName val="0"/>
+          <c:showSerName val="0"/>
+          <c:showPercent val="0"/>
+          <c:showBubbleSize val="0"/>
+        </c:dLbls>
+        <c:gapWidth val="150"/>
+        <c:axId val="47528576"/>
+        <c:axId val="47546752"/>
+      </c:barChart>
+      <c:catAx>
+        <c:axId val="47528576"/>
+        <c:scaling>
+          <c:orientation val="minMax"/>
+        </c:scaling>
+        <c:delete val="0"/>
+        <c:axPos val="b"/>
+        <c:majorTickMark val="out"/>
+        <c:minorTickMark val="none"/>
+        <c:tickLblPos val="nextTo"/>
+        <c:txPr>
+          <a:bodyPr/>
+          <a:lstStyle/>
+          <a:p>
+            <a:pPr>
+              <a:defRPr sz="1200"/>
+            </a:pPr>
+            <a:endParaRPr lang="en-US"/>
+          </a:p>
+        </c:txPr>
+        <c:crossAx val="47546752"/>
+        <c:crosses val="autoZero"/>
+        <c:auto val="1"/>
+        <c:lblAlgn val="ctr"/>
+        <c:lblOffset val="100"/>
+        <c:noMultiLvlLbl val="0"/>
+      </c:catAx>
+      <c:valAx>
+        <c:axId val="47546752"/>
+        <c:scaling>
+          <c:orientation val="minMax"/>
+        </c:scaling>
+        <c:delete val="1"/>
+        <c:axPos val="l"/>
+        <c:numFmt formatCode="0%" sourceLinked="1"/>
+        <c:majorTickMark val="out"/>
+        <c:minorTickMark val="none"/>
+        <c:tickLblPos val="nextTo"/>
+        <c:crossAx val="47528576"/>
+        <c:crosses val="autoZero"/>
+        <c:crossBetween val="between"/>
+      </c:valAx>
+    </c:plotArea>
+    <c:plotVisOnly val="1"/>
+    <c:dispBlanksAs val="gap"/>
+    <c:showDLblsOverMax val="0"/>
+  </c:chart>
+  <c:txPr>
+    <a:bodyPr/>
+    <a:lstStyle/>
+    <a:p>
+      <a:pPr>
+        <a:defRPr sz="1800">
+          <a:latin typeface="Times New Roman" panose="02020603050405020304" pitchFamily="18" charset="0"/>
+          <a:cs typeface="Times New Roman" panose="02020603050405020304" pitchFamily="18" charset="0"/>
+        </a:defRPr>
+      </a:pPr>
+      <a:endParaRPr lang="en-US"/>
+    </a:p>
+  </c:txPr>
+  <c:externalData r:id="rId1">
+    <c:autoUpdate val="0"/>
+  </c:externalData>
+</c:chartSpace>
+</file>
+
+<file path=ppt/charts/chart5.xml><?xml version="1.0" encoding="utf-8"?>
+<c:chartSpace xmlns:c="http://schemas.openxmlformats.org/drawingml/2006/chart" xmlns:a="http://schemas.openxmlformats.org/drawingml/2006/main" xmlns:r="http://schemas.openxmlformats.org/officeDocument/2006/relationships">
+  <c:date1904 val="0"/>
+  <c:lang val="en-US"/>
+  <c:roundedCorners val="0"/>
+  <mc:AlternateContent xmlns:mc="http://schemas.openxmlformats.org/markup-compatibility/2006">
+    <mc:Choice xmlns:c14="http://schemas.microsoft.com/office/drawing/2007/8/2/chart" Requires="c14">
+      <c14:style val="102"/>
+    </mc:Choice>
+    <mc:Fallback>
+      <c:style val="2"/>
+    </mc:Fallback>
+  </mc:AlternateContent>
+  <c:chart>
+    <c:autoTitleDeleted val="0"/>
+    <c:plotArea>
+      <c:layout>
+        <c:manualLayout>
+          <c:layoutTarget val="inner"/>
+          <c:xMode val="edge"/>
+          <c:yMode val="edge"/>
+          <c:x val="2.7317879014061179E-2"/>
+          <c:y val="0.16981144689603841"/>
+          <c:w val="0.94536424197187763"/>
+          <c:h val="0.63971671350223858"/>
+        </c:manualLayout>
+      </c:layout>
+      <c:barChart>
+        <c:barDir val="col"/>
+        <c:grouping val="clustered"/>
+        <c:varyColors val="0"/>
+        <c:ser>
+          <c:idx val="0"/>
+          <c:order val="0"/>
+          <c:tx>
+            <c:strRef>
+              <c:f>Sheet1!$B$1</c:f>
+              <c:strCache>
+                <c:ptCount val="1"/>
+                <c:pt idx="0">
+                  <c:v>Charged Off</c:v>
+                </c:pt>
+              </c:strCache>
+            </c:strRef>
+          </c:tx>
+          <c:spPr>
+            <a:solidFill>
+              <a:schemeClr val="accent4"/>
+            </a:solidFill>
+          </c:spPr>
+          <c:invertIfNegative val="0"/>
+          <c:dLbls>
+            <c:dLbl>
+              <c:idx val="0"/>
+              <c:layout>
+                <c:manualLayout>
+                  <c:x val="4.9668870934656689E-3"/>
+                  <c:y val="-2.8301907816006399E-2"/>
+                </c:manualLayout>
+              </c:layout>
+              <c:showLegendKey val="0"/>
+              <c:showVal val="1"/>
+              <c:showCatName val="0"/>
+              <c:showSerName val="0"/>
+              <c:showPercent val="0"/>
+              <c:showBubbleSize val="0"/>
+            </c:dLbl>
+            <c:numFmt formatCode="0%" sourceLinked="0"/>
+            <c:txPr>
+              <a:bodyPr/>
+              <a:lstStyle/>
+              <a:p>
+                <a:pPr>
+                  <a:defRPr sz="1100"/>
+                </a:pPr>
+                <a:endParaRPr lang="en-US"/>
+              </a:p>
+            </c:txPr>
+            <c:showLegendKey val="0"/>
+            <c:showVal val="1"/>
+            <c:showCatName val="0"/>
+            <c:showSerName val="0"/>
+            <c:showPercent val="0"/>
+            <c:showBubbleSize val="0"/>
+            <c:showLeaderLines val="0"/>
+          </c:dLbls>
+          <c:trendline>
+            <c:spPr>
+              <a:ln w="28575" cap="sq" cmpd="thinThick">
+                <a:solidFill>
+                  <a:srgbClr val="A73719">
+                    <a:alpha val="79000"/>
+                  </a:srgbClr>
+                </a:solidFill>
+                <a:prstDash val="sysDash"/>
+                <a:round/>
+                <a:headEnd type="oval" w="lg" len="lg"/>
+                <a:tailEnd type="oval" w="lg" len="lg"/>
+              </a:ln>
+            </c:spPr>
+            <c:trendlineType val="linear"/>
+            <c:dispRSqr val="0"/>
+            <c:dispEq val="0"/>
+          </c:trendline>
+          <c:cat>
+            <c:strRef>
+              <c:f>Sheet1!$A$2:$A$5</c:f>
+              <c:strCache>
+                <c:ptCount val="4"/>
+                <c:pt idx="0">
+                  <c:v>6%-9%</c:v>
+                </c:pt>
+                <c:pt idx="1">
+                  <c:v>10%-12%</c:v>
+                </c:pt>
+                <c:pt idx="2">
+                  <c:v>12%-15%</c:v>
+                </c:pt>
+                <c:pt idx="3">
+                  <c:v>15%+</c:v>
+                </c:pt>
+              </c:strCache>
+            </c:strRef>
+          </c:cat>
+          <c:val>
+            <c:numRef>
+              <c:f>Sheet1!$B$2:$B$5</c:f>
+              <c:numCache>
+                <c:formatCode>0%</c:formatCode>
+                <c:ptCount val="4"/>
+                <c:pt idx="0">
+                  <c:v>5.9645187601957583E-2</c:v>
+                </c:pt>
+                <c:pt idx="1">
+                  <c:v>0.12079609324610707</c:v>
+                </c:pt>
+                <c:pt idx="2">
+                  <c:v>0.1654233870967742</c:v>
+                </c:pt>
+                <c:pt idx="3">
+                  <c:v>0.26138069034517258</c:v>
+                </c:pt>
+              </c:numCache>
+            </c:numRef>
+          </c:val>
+        </c:ser>
+        <c:ser>
+          <c:idx val="1"/>
+          <c:order val="1"/>
+          <c:tx>
+            <c:strRef>
+              <c:f>Sheet1!$C$1</c:f>
+              <c:strCache>
+                <c:ptCount val="1"/>
+                <c:pt idx="0">
+                  <c:v>Fully Paid</c:v>
+                </c:pt>
+              </c:strCache>
+            </c:strRef>
+          </c:tx>
+          <c:spPr>
+            <a:solidFill>
+              <a:schemeClr val="tx2"/>
+            </a:solidFill>
+          </c:spPr>
+          <c:invertIfNegative val="0"/>
+          <c:dLbls>
+            <c:txPr>
+              <a:bodyPr/>
+              <a:lstStyle/>
+              <a:p>
+                <a:pPr>
+                  <a:defRPr sz="1100"/>
+                </a:pPr>
+                <a:endParaRPr lang="en-US"/>
+              </a:p>
+            </c:txPr>
+            <c:showLegendKey val="0"/>
+            <c:showVal val="1"/>
+            <c:showCatName val="0"/>
+            <c:showSerName val="0"/>
+            <c:showPercent val="0"/>
+            <c:showBubbleSize val="0"/>
+            <c:showLeaderLines val="0"/>
+          </c:dLbls>
+          <c:cat>
+            <c:strRef>
+              <c:f>Sheet1!$A$2:$A$5</c:f>
+              <c:strCache>
+                <c:ptCount val="4"/>
+                <c:pt idx="0">
+                  <c:v>6%-9%</c:v>
+                </c:pt>
+                <c:pt idx="1">
+                  <c:v>10%-12%</c:v>
+                </c:pt>
+                <c:pt idx="2">
+                  <c:v>12%-15%</c:v>
+                </c:pt>
+                <c:pt idx="3">
+                  <c:v>15%+</c:v>
+                </c:pt>
+              </c:strCache>
+            </c:strRef>
+          </c:cat>
+          <c:val>
+            <c:numRef>
+              <c:f>Sheet1!$C$2:$C$5</c:f>
+              <c:numCache>
+                <c:formatCode>0%</c:formatCode>
+                <c:ptCount val="4"/>
+                <c:pt idx="0">
+                  <c:v>0.94035481239804242</c:v>
+                </c:pt>
+                <c:pt idx="1">
+                  <c:v>0.87920390675389293</c:v>
+                </c:pt>
+                <c:pt idx="2">
+                  <c:v>0.83457661290322582</c:v>
+                </c:pt>
+                <c:pt idx="3">
+                  <c:v>0.73861930965482736</c:v>
+                </c:pt>
+              </c:numCache>
+            </c:numRef>
+          </c:val>
+        </c:ser>
+        <c:dLbls>
+          <c:showLegendKey val="0"/>
+          <c:showVal val="0"/>
+          <c:showCatName val="0"/>
+          <c:showSerName val="0"/>
+          <c:showPercent val="0"/>
+          <c:showBubbleSize val="0"/>
+        </c:dLbls>
+        <c:gapWidth val="150"/>
+        <c:axId val="56979456"/>
+        <c:axId val="56980992"/>
+      </c:barChart>
+      <c:catAx>
+        <c:axId val="56979456"/>
+        <c:scaling>
+          <c:orientation val="minMax"/>
+        </c:scaling>
+        <c:delete val="0"/>
+        <c:axPos val="b"/>
+        <c:majorTickMark val="out"/>
+        <c:minorTickMark val="none"/>
+        <c:tickLblPos val="nextTo"/>
+        <c:txPr>
+          <a:bodyPr/>
+          <a:lstStyle/>
+          <a:p>
+            <a:pPr>
+              <a:defRPr sz="1200"/>
+            </a:pPr>
+            <a:endParaRPr lang="en-US"/>
+          </a:p>
+        </c:txPr>
+        <c:crossAx val="56980992"/>
+        <c:crosses val="autoZero"/>
+        <c:auto val="1"/>
+        <c:lblAlgn val="ctr"/>
+        <c:lblOffset val="100"/>
+        <c:noMultiLvlLbl val="0"/>
+      </c:catAx>
+      <c:valAx>
+        <c:axId val="56980992"/>
+        <c:scaling>
+          <c:orientation val="minMax"/>
+        </c:scaling>
+        <c:delete val="1"/>
+        <c:axPos val="l"/>
+        <c:numFmt formatCode="0%" sourceLinked="1"/>
+        <c:majorTickMark val="out"/>
+        <c:minorTickMark val="none"/>
+        <c:tickLblPos val="nextTo"/>
+        <c:crossAx val="56979456"/>
+        <c:crosses val="autoZero"/>
+        <c:crossBetween val="between"/>
+      </c:valAx>
+    </c:plotArea>
+    <c:plotVisOnly val="1"/>
+    <c:dispBlanksAs val="gap"/>
+    <c:showDLblsOverMax val="0"/>
+  </c:chart>
+  <c:txPr>
+    <a:bodyPr/>
+    <a:lstStyle/>
+    <a:p>
+      <a:pPr>
+        <a:defRPr sz="1800">
+          <a:latin typeface="Times New Roman" panose="02020603050405020304" pitchFamily="18" charset="0"/>
+          <a:cs typeface="Times New Roman" panose="02020603050405020304" pitchFamily="18" charset="0"/>
+        </a:defRPr>
+      </a:pPr>
+      <a:endParaRPr lang="en-US"/>
+    </a:p>
+  </c:txPr>
+  <c:externalData r:id="rId1">
+    <c:autoUpdate val="0"/>
+  </c:externalData>
+</c:chartSpace>
+</file>
+
+<file path=ppt/charts/chart6.xml><?xml version="1.0" encoding="utf-8"?>
+<c:chartSpace xmlns:c="http://schemas.openxmlformats.org/drawingml/2006/chart" xmlns:a="http://schemas.openxmlformats.org/drawingml/2006/main" xmlns:r="http://schemas.openxmlformats.org/officeDocument/2006/relationships">
+  <c:date1904 val="0"/>
+  <c:lang val="en-US"/>
+  <c:roundedCorners val="0"/>
+  <mc:AlternateContent xmlns:mc="http://schemas.openxmlformats.org/markup-compatibility/2006">
+    <mc:Choice xmlns:c14="http://schemas.microsoft.com/office/drawing/2007/8/2/chart" Requires="c14">
+      <c14:style val="102"/>
+    </mc:Choice>
+    <mc:Fallback>
+      <c:style val="2"/>
+    </mc:Fallback>
+  </mc:AlternateContent>
+  <c:chart>
+    <c:autoTitleDeleted val="1"/>
+    <c:plotArea>
+      <c:layout>
+        <c:manualLayout>
+          <c:layoutTarget val="inner"/>
+          <c:xMode val="edge"/>
+          <c:yMode val="edge"/>
+          <c:x val="8.8890338912460384E-2"/>
+          <c:y val="0.12205713369006782"/>
+          <c:w val="0.90913412967255003"/>
+          <c:h val="0.45454358137332351"/>
+        </c:manualLayout>
+      </c:layout>
+      <c:barChart>
+        <c:barDir val="col"/>
+        <c:grouping val="stacked"/>
+        <c:varyColors val="0"/>
+        <c:ser>
+          <c:idx val="0"/>
+          <c:order val="0"/>
+          <c:tx>
+            <c:strRef>
+              <c:f>Sheet1!$B$1</c:f>
+              <c:strCache>
+                <c:ptCount val="1"/>
+                <c:pt idx="0">
+                  <c:v>36 Months</c:v>
+                </c:pt>
+              </c:strCache>
+            </c:strRef>
+          </c:tx>
+          <c:spPr>
+            <a:solidFill>
+              <a:schemeClr val="tx2">
+                <a:lumMod val="60000"/>
+                <a:lumOff val="40000"/>
+              </a:schemeClr>
+            </a:solidFill>
+          </c:spPr>
+          <c:invertIfNegative val="0"/>
+          <c:dLbls>
+            <c:delete val="1"/>
+          </c:dLbls>
+          <c:cat>
+            <c:strRef>
+              <c:f>Sheet1!$A$2:$A$8</c:f>
+              <c:strCache>
+                <c:ptCount val="7"/>
+                <c:pt idx="0">
+                  <c:v>credit_card</c:v>
+                </c:pt>
+                <c:pt idx="1">
+                  <c:v>debt_consolidation</c:v>
+                </c:pt>
+                <c:pt idx="2">
+                  <c:v>home_improvement</c:v>
+                </c:pt>
+                <c:pt idx="3">
+                  <c:v>major_purchase</c:v>
+                </c:pt>
+                <c:pt idx="4">
+                  <c:v>other</c:v>
+                </c:pt>
+                <c:pt idx="5">
+                  <c:v>small_business</c:v>
+                </c:pt>
+                <c:pt idx="6">
+                  <c:v>other purpose</c:v>
+                </c:pt>
+              </c:strCache>
+            </c:strRef>
+          </c:cat>
+          <c:val>
+            <c:numRef>
+              <c:f>Sheet1!$B$2:$B$8</c:f>
+              <c:numCache>
+                <c:formatCode>General</c:formatCode>
+                <c:ptCount val="7"/>
+                <c:pt idx="0">
+                  <c:v>3773</c:v>
+                </c:pt>
+                <c:pt idx="1">
+                  <c:v>11662</c:v>
+                </c:pt>
+                <c:pt idx="2">
+                  <c:v>1874</c:v>
+                </c:pt>
+                <c:pt idx="3">
+                  <c:v>1587</c:v>
+                </c:pt>
+                <c:pt idx="4">
+                  <c:v>2724</c:v>
+                </c:pt>
+                <c:pt idx="5">
+                  <c:v>970</c:v>
+                </c:pt>
+                <c:pt idx="6">
+                  <c:v>3279</c:v>
+                </c:pt>
+              </c:numCache>
+            </c:numRef>
+          </c:val>
+        </c:ser>
+        <c:ser>
+          <c:idx val="1"/>
+          <c:order val="1"/>
+          <c:tx>
+            <c:strRef>
+              <c:f>Sheet1!$C$1</c:f>
+              <c:strCache>
+                <c:ptCount val="1"/>
+                <c:pt idx="0">
+                  <c:v>60 Months</c:v>
+                </c:pt>
+              </c:strCache>
+            </c:strRef>
+          </c:tx>
+          <c:spPr>
+            <a:solidFill>
+              <a:schemeClr val="tx2"/>
+            </a:solidFill>
+          </c:spPr>
+          <c:invertIfNegative val="0"/>
+          <c:dLbls>
+            <c:delete val="1"/>
+          </c:dLbls>
+          <c:cat>
+            <c:strRef>
+              <c:f>Sheet1!$A$2:$A$8</c:f>
+              <c:strCache>
+                <c:ptCount val="7"/>
+                <c:pt idx="0">
+                  <c:v>credit_card</c:v>
+                </c:pt>
+                <c:pt idx="1">
+                  <c:v>debt_consolidation</c:v>
+                </c:pt>
+                <c:pt idx="2">
+                  <c:v>home_improvement</c:v>
+                </c:pt>
+                <c:pt idx="3">
+                  <c:v>major_purchase</c:v>
+                </c:pt>
+                <c:pt idx="4">
+                  <c:v>other</c:v>
+                </c:pt>
+                <c:pt idx="5">
+                  <c:v>small_business</c:v>
+                </c:pt>
+                <c:pt idx="6">
+                  <c:v>other purpose</c:v>
+                </c:pt>
+              </c:strCache>
+            </c:strRef>
+          </c:cat>
+          <c:val>
+            <c:numRef>
+              <c:f>Sheet1!$C$2:$C$8</c:f>
+              <c:numCache>
+                <c:formatCode>General</c:formatCode>
+                <c:ptCount val="7"/>
+                <c:pt idx="0">
+                  <c:v>712</c:v>
+                </c:pt>
+                <c:pt idx="1">
+                  <c:v>3626</c:v>
+                </c:pt>
+                <c:pt idx="2">
+                  <c:v>654</c:v>
+                </c:pt>
+                <c:pt idx="3">
+                  <c:v>341</c:v>
+                </c:pt>
+                <c:pt idx="4">
+                  <c:v>508</c:v>
+                </c:pt>
+                <c:pt idx="5">
+                  <c:v>309</c:v>
+                </c:pt>
+                <c:pt idx="6">
+                  <c:v>931</c:v>
+                </c:pt>
+              </c:numCache>
+            </c:numRef>
+          </c:val>
+        </c:ser>
+        <c:dLbls>
+          <c:showLegendKey val="0"/>
+          <c:showVal val="1"/>
+          <c:showCatName val="0"/>
+          <c:showSerName val="0"/>
+          <c:showPercent val="0"/>
+          <c:showBubbleSize val="0"/>
+        </c:dLbls>
+        <c:gapWidth val="95"/>
+        <c:overlap val="100"/>
+        <c:axId val="39652736"/>
+        <c:axId val="39666816"/>
+      </c:barChart>
+      <c:catAx>
+        <c:axId val="39652736"/>
+        <c:scaling>
+          <c:orientation val="minMax"/>
+        </c:scaling>
+        <c:delete val="0"/>
+        <c:axPos val="b"/>
+        <c:majorTickMark val="none"/>
+        <c:minorTickMark val="none"/>
+        <c:tickLblPos val="none"/>
+        <c:txPr>
+          <a:bodyPr/>
+          <a:lstStyle/>
+          <a:p>
+            <a:pPr>
+              <a:defRPr sz="700"/>
+            </a:pPr>
+            <a:endParaRPr lang="en-US"/>
+          </a:p>
+        </c:txPr>
+        <c:crossAx val="39666816"/>
+        <c:crosses val="autoZero"/>
+        <c:auto val="1"/>
+        <c:lblAlgn val="ctr"/>
+        <c:lblOffset val="100"/>
+        <c:noMultiLvlLbl val="0"/>
+      </c:catAx>
+      <c:valAx>
+        <c:axId val="39666816"/>
+        <c:scaling>
+          <c:orientation val="minMax"/>
+        </c:scaling>
+        <c:delete val="1"/>
+        <c:axPos val="l"/>
+        <c:numFmt formatCode="General" sourceLinked="1"/>
+        <c:majorTickMark val="out"/>
+        <c:minorTickMark val="none"/>
+        <c:tickLblPos val="nextTo"/>
+        <c:crossAx val="39652736"/>
+        <c:crosses val="autoZero"/>
+        <c:crossBetween val="between"/>
+      </c:valAx>
+      <c:spPr>
+        <a:noFill/>
+        <a:ln w="25400">
+          <a:noFill/>
+        </a:ln>
+      </c:spPr>
+    </c:plotArea>
+    <c:plotVisOnly val="1"/>
+    <c:dispBlanksAs val="gap"/>
+    <c:showDLblsOverMax val="0"/>
+  </c:chart>
+  <c:txPr>
+    <a:bodyPr/>
+    <a:lstStyle/>
+    <a:p>
+      <a:pPr>
+        <a:defRPr sz="1800"/>
+      </a:pPr>
+      <a:endParaRPr lang="en-US"/>
+    </a:p>
+  </c:txPr>
+  <c:externalData r:id="rId1">
+    <c:autoUpdate val="0"/>
+  </c:externalData>
+</c:chartSpace>
+</file>
+
+<file path=ppt/charts/chart7.xml><?xml version="1.0" encoding="utf-8"?>
+<c:chartSpace xmlns:c="http://schemas.openxmlformats.org/drawingml/2006/chart" xmlns:a="http://schemas.openxmlformats.org/drawingml/2006/main" xmlns:r="http://schemas.openxmlformats.org/officeDocument/2006/relationships">
+  <c:date1904 val="0"/>
+  <c:lang val="en-US"/>
+  <c:roundedCorners val="0"/>
+  <mc:AlternateContent xmlns:mc="http://schemas.openxmlformats.org/markup-compatibility/2006">
+    <mc:Choice xmlns:c14="http://schemas.microsoft.com/office/drawing/2007/8/2/chart" Requires="c14">
+      <c14:style val="102"/>
+    </mc:Choice>
+    <mc:Fallback>
+      <c:style val="2"/>
+    </mc:Fallback>
+  </mc:AlternateContent>
+  <c:chart>
+    <c:autoTitleDeleted val="1"/>
+    <c:plotArea>
+      <c:layout>
+        <c:manualLayout>
+          <c:layoutTarget val="inner"/>
+          <c:xMode val="edge"/>
+          <c:yMode val="edge"/>
+          <c:x val="8.8890338912460384E-2"/>
+          <c:y val="0.12205713369006782"/>
+          <c:w val="0.90913412967255003"/>
+          <c:h val="0.3577692973344706"/>
+        </c:manualLayout>
+      </c:layout>
+      <c:barChart>
+        <c:barDir val="col"/>
+        <c:grouping val="stacked"/>
+        <c:varyColors val="0"/>
+        <c:ser>
+          <c:idx val="0"/>
+          <c:order val="0"/>
+          <c:tx>
+            <c:strRef>
+              <c:f>Sheet1!$B$1</c:f>
+              <c:strCache>
+                <c:ptCount val="1"/>
+                <c:pt idx="0">
+                  <c:v>36 Months</c:v>
+                </c:pt>
+              </c:strCache>
+            </c:strRef>
+          </c:tx>
+          <c:spPr>
+            <a:solidFill>
+              <a:schemeClr val="accent4">
+                <a:lumMod val="40000"/>
+                <a:lumOff val="60000"/>
+              </a:schemeClr>
+            </a:solidFill>
+          </c:spPr>
+          <c:invertIfNegative val="0"/>
+          <c:dLbls>
+            <c:delete val="1"/>
+          </c:dLbls>
+          <c:cat>
+            <c:strRef>
+              <c:f>Sheet1!$A$2:$A$8</c:f>
+              <c:strCache>
+                <c:ptCount val="7"/>
+                <c:pt idx="0">
+                  <c:v>credit_card</c:v>
+                </c:pt>
+                <c:pt idx="1">
+                  <c:v>debt_consolidation</c:v>
+                </c:pt>
+                <c:pt idx="2">
+                  <c:v>home_improvement</c:v>
+                </c:pt>
+                <c:pt idx="3">
+                  <c:v>major_purchase</c:v>
+                </c:pt>
+                <c:pt idx="4">
+                  <c:v>other</c:v>
+                </c:pt>
+                <c:pt idx="5">
+                  <c:v>other purpose</c:v>
+                </c:pt>
+                <c:pt idx="6">
+                  <c:v>small_business</c:v>
+                </c:pt>
+              </c:strCache>
+            </c:strRef>
+          </c:cat>
+          <c:val>
+            <c:numRef>
+              <c:f>Sheet1!$B$2:$B$8</c:f>
+              <c:numCache>
+                <c:formatCode>General</c:formatCode>
+                <c:ptCount val="7"/>
+                <c:pt idx="0">
+                  <c:v>318</c:v>
+                </c:pt>
+                <c:pt idx="1">
+                  <c:v>1469</c:v>
+                </c:pt>
+                <c:pt idx="2">
+                  <c:v>205</c:v>
+                </c:pt>
+                <c:pt idx="3">
+                  <c:v>137</c:v>
+                </c:pt>
+                <c:pt idx="4">
+                  <c:v>414</c:v>
+                </c:pt>
+                <c:pt idx="5">
+                  <c:v>415</c:v>
+                </c:pt>
+                <c:pt idx="6">
+                  <c:v>269</c:v>
+                </c:pt>
+              </c:numCache>
+            </c:numRef>
+          </c:val>
+        </c:ser>
+        <c:ser>
+          <c:idx val="1"/>
+          <c:order val="1"/>
+          <c:tx>
+            <c:strRef>
+              <c:f>Sheet1!$C$1</c:f>
+              <c:strCache>
+                <c:ptCount val="1"/>
+                <c:pt idx="0">
+                  <c:v>60 Months</c:v>
+                </c:pt>
+              </c:strCache>
+            </c:strRef>
+          </c:tx>
+          <c:spPr>
+            <a:solidFill>
+              <a:schemeClr val="accent4"/>
+            </a:solidFill>
+          </c:spPr>
+          <c:invertIfNegative val="0"/>
+          <c:dLbls>
+            <c:delete val="1"/>
+          </c:dLbls>
+          <c:cat>
+            <c:strRef>
+              <c:f>Sheet1!$A$2:$A$8</c:f>
+              <c:strCache>
+                <c:ptCount val="7"/>
+                <c:pt idx="0">
+                  <c:v>credit_card</c:v>
+                </c:pt>
+                <c:pt idx="1">
+                  <c:v>debt_consolidation</c:v>
+                </c:pt>
+                <c:pt idx="2">
+                  <c:v>home_improvement</c:v>
+                </c:pt>
+                <c:pt idx="3">
+                  <c:v>major_purchase</c:v>
+                </c:pt>
+                <c:pt idx="4">
+                  <c:v>other</c:v>
+                </c:pt>
+                <c:pt idx="5">
+                  <c:v>other purpose</c:v>
+                </c:pt>
+                <c:pt idx="6">
+                  <c:v>small_business</c:v>
+                </c:pt>
+              </c:strCache>
+            </c:strRef>
+          </c:cat>
+          <c:val>
+            <c:numRef>
+              <c:f>Sheet1!$C$2:$C$8</c:f>
+              <c:numCache>
+                <c:formatCode>General</c:formatCode>
+                <c:ptCount val="7"/>
+                <c:pt idx="0">
+                  <c:v>224</c:v>
+                </c:pt>
+                <c:pt idx="1">
+                  <c:v>1298</c:v>
+                </c:pt>
+                <c:pt idx="2">
+                  <c:v>142</c:v>
+                </c:pt>
+                <c:pt idx="3">
+                  <c:v>85</c:v>
+                </c:pt>
+                <c:pt idx="4">
+                  <c:v>219</c:v>
+                </c:pt>
+                <c:pt idx="5">
+                  <c:v>226</c:v>
+                </c:pt>
+                <c:pt idx="6">
+                  <c:v>206</c:v>
+                </c:pt>
+              </c:numCache>
+            </c:numRef>
+          </c:val>
+        </c:ser>
+        <c:dLbls>
+          <c:showLegendKey val="0"/>
+          <c:showVal val="1"/>
+          <c:showCatName val="0"/>
+          <c:showSerName val="0"/>
+          <c:showPercent val="0"/>
+          <c:showBubbleSize val="0"/>
+        </c:dLbls>
+        <c:gapWidth val="95"/>
+        <c:overlap val="100"/>
+        <c:axId val="39716352"/>
+        <c:axId val="39717888"/>
+      </c:barChart>
+      <c:catAx>
+        <c:axId val="39716352"/>
+        <c:scaling>
+          <c:orientation val="minMax"/>
+        </c:scaling>
+        <c:delete val="0"/>
+        <c:axPos val="b"/>
+        <c:numFmt formatCode="General" sourceLinked="1"/>
+        <c:majorTickMark val="none"/>
+        <c:minorTickMark val="none"/>
+        <c:tickLblPos val="none"/>
+        <c:crossAx val="39717888"/>
+        <c:crosses val="autoZero"/>
+        <c:auto val="1"/>
+        <c:lblAlgn val="ctr"/>
+        <c:lblOffset val="100"/>
+        <c:noMultiLvlLbl val="0"/>
+      </c:catAx>
+      <c:valAx>
+        <c:axId val="39717888"/>
+        <c:scaling>
+          <c:orientation val="minMax"/>
+        </c:scaling>
+        <c:delete val="1"/>
+        <c:axPos val="l"/>
+        <c:numFmt formatCode="General" sourceLinked="1"/>
+        <c:majorTickMark val="out"/>
+        <c:minorTickMark val="none"/>
+        <c:tickLblPos val="nextTo"/>
+        <c:crossAx val="39716352"/>
+        <c:crosses val="autoZero"/>
+        <c:crossBetween val="between"/>
+      </c:valAx>
+      <c:spPr>
+        <a:noFill/>
+        <a:ln w="25400">
+          <a:noFill/>
+        </a:ln>
+      </c:spPr>
+    </c:plotArea>
+    <c:plotVisOnly val="1"/>
+    <c:dispBlanksAs val="gap"/>
+    <c:showDLblsOverMax val="0"/>
+  </c:chart>
+  <c:txPr>
+    <a:bodyPr/>
+    <a:lstStyle/>
+    <a:p>
+      <a:pPr>
+        <a:defRPr sz="1800"/>
+      </a:pPr>
+      <a:endParaRPr lang="en-US"/>
+    </a:p>
+  </c:txPr>
+  <c:externalData r:id="rId1">
+    <c:autoUpdate val="0"/>
+  </c:externalData>
+</c:chartSpace>
+</file>
+
+<file path=ppt/charts/chart8.xml><?xml version="1.0" encoding="utf-8"?>
+<c:chartSpace xmlns:c="http://schemas.openxmlformats.org/drawingml/2006/chart" xmlns:a="http://schemas.openxmlformats.org/drawingml/2006/main" xmlns:r="http://schemas.openxmlformats.org/officeDocument/2006/relationships">
+  <c:date1904 val="0"/>
+  <c:lang val="en-US"/>
+  <c:roundedCorners val="0"/>
+  <mc:AlternateContent xmlns:mc="http://schemas.openxmlformats.org/markup-compatibility/2006">
+    <mc:Choice xmlns:c14="http://schemas.microsoft.com/office/drawing/2007/8/2/chart" Requires="c14">
+      <c14:style val="102"/>
+    </mc:Choice>
+    <mc:Fallback>
+      <c:style val="2"/>
+    </mc:Fallback>
+  </mc:AlternateContent>
+  <c:chart>
+    <c:autoTitleDeleted val="1"/>
+    <c:plotArea>
+      <c:layout>
+        <c:manualLayout>
+          <c:layoutTarget val="inner"/>
+          <c:xMode val="edge"/>
+          <c:yMode val="edge"/>
+          <c:x val="8.8890338912460384E-2"/>
+          <c:y val="0.12205713369006782"/>
+          <c:w val="0.90913412967255003"/>
+          <c:h val="0.70268607301478148"/>
+        </c:manualLayout>
+      </c:layout>
+      <c:barChart>
+        <c:barDir val="col"/>
+        <c:grouping val="stacked"/>
+        <c:varyColors val="0"/>
+        <c:ser>
+          <c:idx val="0"/>
+          <c:order val="0"/>
+          <c:tx>
+            <c:strRef>
+              <c:f>Sheet1!$B$1</c:f>
+              <c:strCache>
+                <c:ptCount val="1"/>
+                <c:pt idx="0">
+                  <c:v> 36 months</c:v>
+                </c:pt>
+              </c:strCache>
+            </c:strRef>
+          </c:tx>
+          <c:spPr>
+            <a:solidFill>
+              <a:schemeClr val="accent4">
+                <a:lumMod val="40000"/>
+                <a:lumOff val="60000"/>
+              </a:schemeClr>
+            </a:solidFill>
+          </c:spPr>
+          <c:invertIfNegative val="0"/>
+          <c:dLbls>
+            <c:delete val="1"/>
+          </c:dLbls>
+          <c:cat>
+            <c:strRef>
+              <c:f>Sheet1!$A$2:$A$4</c:f>
+              <c:strCache>
+                <c:ptCount val="3"/>
+                <c:pt idx="0">
+                  <c:v>Not Verified</c:v>
+                </c:pt>
+                <c:pt idx="1">
+                  <c:v>Source Verified</c:v>
+                </c:pt>
+                <c:pt idx="2">
+                  <c:v>Verified</c:v>
+                </c:pt>
+              </c:strCache>
+            </c:strRef>
+          </c:cat>
+          <c:val>
+            <c:numRef>
+              <c:f>Sheet1!$B$2:$B$4</c:f>
+              <c:numCache>
+                <c:formatCode>General</c:formatCode>
+                <c:ptCount val="3"/>
+                <c:pt idx="0">
+                  <c:v>1652</c:v>
+                </c:pt>
+                <c:pt idx="1">
+                  <c:v>715</c:v>
+                </c:pt>
+                <c:pt idx="2">
+                  <c:v>860</c:v>
+                </c:pt>
+              </c:numCache>
+            </c:numRef>
+          </c:val>
+        </c:ser>
+        <c:ser>
+          <c:idx val="1"/>
+          <c:order val="1"/>
+          <c:tx>
+            <c:strRef>
+              <c:f>Sheet1!$C$1</c:f>
+              <c:strCache>
+                <c:ptCount val="1"/>
+                <c:pt idx="0">
+                  <c:v> 60 months</c:v>
+                </c:pt>
+              </c:strCache>
+            </c:strRef>
+          </c:tx>
+          <c:spPr>
+            <a:solidFill>
+              <a:schemeClr val="accent4"/>
+            </a:solidFill>
+          </c:spPr>
+          <c:invertIfNegative val="0"/>
+          <c:dLbls>
+            <c:delete val="1"/>
+          </c:dLbls>
+          <c:cat>
+            <c:strRef>
+              <c:f>Sheet1!$A$2:$A$4</c:f>
+              <c:strCache>
+                <c:ptCount val="3"/>
+                <c:pt idx="0">
+                  <c:v>Not Verified</c:v>
+                </c:pt>
+                <c:pt idx="1">
+                  <c:v>Source Verified</c:v>
+                </c:pt>
+                <c:pt idx="2">
+                  <c:v>Verified</c:v>
+                </c:pt>
+              </c:strCache>
+            </c:strRef>
+          </c:cat>
+          <c:val>
+            <c:numRef>
+              <c:f>Sheet1!$C$2:$C$4</c:f>
+              <c:numCache>
+                <c:formatCode>General</c:formatCode>
+                <c:ptCount val="3"/>
+                <c:pt idx="0">
+                  <c:v>490</c:v>
+                </c:pt>
+                <c:pt idx="1">
+                  <c:v>719</c:v>
+                </c:pt>
+                <c:pt idx="2">
+                  <c:v>1191</c:v>
+                </c:pt>
+              </c:numCache>
+            </c:numRef>
+          </c:val>
+        </c:ser>
+        <c:dLbls>
+          <c:showLegendKey val="0"/>
+          <c:showVal val="1"/>
+          <c:showCatName val="0"/>
+          <c:showSerName val="0"/>
+          <c:showPercent val="0"/>
+          <c:showBubbleSize val="0"/>
+        </c:dLbls>
+        <c:gapWidth val="95"/>
+        <c:overlap val="100"/>
+        <c:axId val="39578240"/>
+        <c:axId val="39580032"/>
+      </c:barChart>
+      <c:catAx>
+        <c:axId val="39578240"/>
+        <c:scaling>
+          <c:orientation val="minMax"/>
+        </c:scaling>
+        <c:delete val="0"/>
+        <c:axPos val="b"/>
+        <c:majorTickMark val="none"/>
+        <c:minorTickMark val="none"/>
+        <c:tickLblPos val="none"/>
+        <c:txPr>
+          <a:bodyPr/>
+          <a:lstStyle/>
+          <a:p>
+            <a:pPr>
+              <a:defRPr sz="700"/>
+            </a:pPr>
+            <a:endParaRPr lang="en-US"/>
+          </a:p>
+        </c:txPr>
+        <c:crossAx val="39580032"/>
+        <c:crosses val="autoZero"/>
+        <c:auto val="1"/>
+        <c:lblAlgn val="ctr"/>
+        <c:lblOffset val="100"/>
+        <c:noMultiLvlLbl val="0"/>
+      </c:catAx>
+      <c:valAx>
+        <c:axId val="39580032"/>
+        <c:scaling>
+          <c:orientation val="minMax"/>
+        </c:scaling>
+        <c:delete val="1"/>
+        <c:axPos val="l"/>
+        <c:numFmt formatCode="General" sourceLinked="1"/>
+        <c:majorTickMark val="out"/>
+        <c:minorTickMark val="none"/>
+        <c:tickLblPos val="nextTo"/>
+        <c:crossAx val="39578240"/>
+        <c:crosses val="autoZero"/>
+        <c:crossBetween val="between"/>
+      </c:valAx>
+      <c:spPr>
+        <a:noFill/>
+        <a:ln w="25400">
+          <a:noFill/>
+        </a:ln>
+      </c:spPr>
+    </c:plotArea>
+    <c:plotVisOnly val="1"/>
+    <c:dispBlanksAs val="gap"/>
+    <c:showDLblsOverMax val="0"/>
+  </c:chart>
+  <c:txPr>
+    <a:bodyPr/>
+    <a:lstStyle/>
+    <a:p>
+      <a:pPr>
+        <a:defRPr sz="1800"/>
+      </a:pPr>
+      <a:endParaRPr lang="en-US"/>
+    </a:p>
+  </c:txPr>
+  <c:externalData r:id="rId1">
+    <c:autoUpdate val="0"/>
+  </c:externalData>
+</c:chartSpace>
+</file>
+
+<file path=ppt/charts/chart9.xml><?xml version="1.0" encoding="utf-8"?>
+<c:chartSpace xmlns:c="http://schemas.openxmlformats.org/drawingml/2006/chart" xmlns:a="http://schemas.openxmlformats.org/drawingml/2006/main" xmlns:r="http://schemas.openxmlformats.org/officeDocument/2006/relationships">
+  <c:date1904 val="0"/>
+  <c:lang val="en-US"/>
+  <c:roundedCorners val="0"/>
+  <mc:AlternateContent xmlns:mc="http://schemas.openxmlformats.org/markup-compatibility/2006">
+    <mc:Choice xmlns:c14="http://schemas.microsoft.com/office/drawing/2007/8/2/chart" Requires="c14">
+      <c14:style val="102"/>
+    </mc:Choice>
+    <mc:Fallback>
+      <c:style val="2"/>
+    </mc:Fallback>
+  </mc:AlternateContent>
+  <c:chart>
+    <c:autoTitleDeleted val="1"/>
+    <c:plotArea>
+      <c:layout>
+        <c:manualLayout>
+          <c:layoutTarget val="inner"/>
+          <c:xMode val="edge"/>
+          <c:yMode val="edge"/>
+          <c:x val="8.8890338912460384E-2"/>
+          <c:y val="6.3723728681869402E-2"/>
+          <c:w val="0.90913412967255003"/>
+          <c:h val="0.90202279437473287"/>
+        </c:manualLayout>
+      </c:layout>
+      <c:barChart>
+        <c:barDir val="col"/>
+        <c:grouping val="stacked"/>
+        <c:varyColors val="0"/>
+        <c:ser>
+          <c:idx val="0"/>
+          <c:order val="0"/>
+          <c:tx>
+            <c:strRef>
+              <c:f>Sheet1!$B$1</c:f>
+              <c:strCache>
+                <c:ptCount val="1"/>
+                <c:pt idx="0">
+                  <c:v> 36 months</c:v>
+                </c:pt>
+              </c:strCache>
+            </c:strRef>
+          </c:tx>
+          <c:spPr>
+            <a:solidFill>
+              <a:schemeClr val="tx2">
+                <a:lumMod val="40000"/>
+                <a:lumOff val="60000"/>
+              </a:schemeClr>
+            </a:solidFill>
+          </c:spPr>
+          <c:invertIfNegative val="0"/>
+          <c:dLbls>
+            <c:delete val="1"/>
+          </c:dLbls>
+          <c:cat>
+            <c:strRef>
+              <c:f>Sheet1!$A$2:$A$4</c:f>
+              <c:strCache>
+                <c:ptCount val="3"/>
+                <c:pt idx="0">
+                  <c:v>Not Verified</c:v>
+                </c:pt>
+                <c:pt idx="1">
+                  <c:v>Source Verified</c:v>
+                </c:pt>
+                <c:pt idx="2">
+                  <c:v>Verified</c:v>
+                </c:pt>
+              </c:strCache>
+            </c:strRef>
+          </c:cat>
+          <c:val>
+            <c:numRef>
+              <c:f>Sheet1!$B$2:$B$4</c:f>
+              <c:numCache>
+                <c:formatCode>General</c:formatCode>
+                <c:ptCount val="3"/>
+                <c:pt idx="0">
+                  <c:v>12866</c:v>
+                </c:pt>
+                <c:pt idx="1">
+                  <c:v>6245</c:v>
+                </c:pt>
+                <c:pt idx="2">
+                  <c:v>6758</c:v>
+                </c:pt>
+              </c:numCache>
+            </c:numRef>
+          </c:val>
+        </c:ser>
+        <c:ser>
+          <c:idx val="1"/>
+          <c:order val="1"/>
+          <c:tx>
+            <c:strRef>
+              <c:f>Sheet1!$C$1</c:f>
+              <c:strCache>
+                <c:ptCount val="1"/>
+                <c:pt idx="0">
+                  <c:v> 60 months</c:v>
+                </c:pt>
+              </c:strCache>
+            </c:strRef>
+          </c:tx>
+          <c:spPr>
+            <a:solidFill>
+              <a:schemeClr val="tx2"/>
+            </a:solidFill>
+          </c:spPr>
+          <c:invertIfNegative val="0"/>
+          <c:dLbls>
+            <c:delete val="1"/>
+          </c:dLbls>
+          <c:cat>
+            <c:strRef>
+              <c:f>Sheet1!$A$2:$A$4</c:f>
+              <c:strCache>
+                <c:ptCount val="3"/>
+                <c:pt idx="0">
+                  <c:v>Not Verified</c:v>
+                </c:pt>
+                <c:pt idx="1">
+                  <c:v>Source Verified</c:v>
+                </c:pt>
+                <c:pt idx="2">
+                  <c:v>Verified</c:v>
+                </c:pt>
+              </c:strCache>
+            </c:strRef>
+          </c:cat>
+          <c:val>
+            <c:numRef>
+              <c:f>Sheet1!$C$2:$C$4</c:f>
+              <c:numCache>
+                <c:formatCode>General</c:formatCode>
+                <c:ptCount val="3"/>
+                <c:pt idx="0">
+                  <c:v>1686</c:v>
+                </c:pt>
+                <c:pt idx="1">
+                  <c:v>1998</c:v>
+                </c:pt>
+                <c:pt idx="2">
+                  <c:v>3397</c:v>
+                </c:pt>
+              </c:numCache>
+            </c:numRef>
+          </c:val>
+        </c:ser>
+        <c:dLbls>
+          <c:showLegendKey val="0"/>
+          <c:showVal val="1"/>
+          <c:showCatName val="0"/>
+          <c:showSerName val="0"/>
+          <c:showPercent val="0"/>
+          <c:showBubbleSize val="0"/>
+        </c:dLbls>
+        <c:gapWidth val="95"/>
+        <c:overlap val="100"/>
+        <c:axId val="39630720"/>
+        <c:axId val="39632256"/>
+      </c:barChart>
+      <c:catAx>
+        <c:axId val="39630720"/>
+        <c:scaling>
+          <c:orientation val="minMax"/>
+        </c:scaling>
+        <c:delete val="0"/>
+        <c:axPos val="b"/>
+        <c:majorTickMark val="none"/>
+        <c:minorTickMark val="none"/>
+        <c:tickLblPos val="none"/>
+        <c:txPr>
+          <a:bodyPr/>
+          <a:lstStyle/>
+          <a:p>
+            <a:pPr>
+              <a:defRPr sz="700"/>
+            </a:pPr>
+            <a:endParaRPr lang="en-US"/>
+          </a:p>
+        </c:txPr>
+        <c:crossAx val="39632256"/>
+        <c:crosses val="autoZero"/>
+        <c:auto val="1"/>
+        <c:lblAlgn val="ctr"/>
+        <c:lblOffset val="100"/>
+        <c:noMultiLvlLbl val="0"/>
+      </c:catAx>
+      <c:valAx>
+        <c:axId val="39632256"/>
+        <c:scaling>
+          <c:orientation val="minMax"/>
+        </c:scaling>
+        <c:delete val="1"/>
+        <c:axPos val="l"/>
+        <c:numFmt formatCode="General" sourceLinked="1"/>
+        <c:majorTickMark val="out"/>
+        <c:minorTickMark val="none"/>
+        <c:tickLblPos val="nextTo"/>
+        <c:crossAx val="39630720"/>
+        <c:crosses val="autoZero"/>
+        <c:crossBetween val="between"/>
+      </c:valAx>
+      <c:spPr>
+        <a:noFill/>
+        <a:ln w="25400">
+          <a:noFill/>
+        </a:ln>
+      </c:spPr>
+    </c:plotArea>
+    <c:plotVisOnly val="1"/>
+    <c:dispBlanksAs val="gap"/>
+    <c:showDLblsOverMax val="0"/>
+  </c:chart>
+  <c:txPr>
+    <a:bodyPr/>
+    <a:lstStyle/>
+    <a:p>
+      <a:pPr>
+        <a:defRPr sz="1800"/>
       </a:pPr>
       <a:endParaRPr lang="en-US"/>
     </a:p>
@@ -6466,7 +9085,7 @@
             </a:lvl1pPr>
           </a:lstStyle>
           <a:p>
-            <a:endParaRPr lang="en-IN"/>
+            <a:endParaRPr lang="en-IN" dirty="0"/>
           </a:p>
         </p:txBody>
       </p:sp>
@@ -6499,9 +9118,9 @@
           <a:p>
             <a:fld id="{2E309023-AF2B-4043-B228-F191CADC9BB1}" type="datetimeFigureOut">
               <a:rPr lang="en-IN" smtClean="0"/>
-              <a:t>28-07-2018</a:t>
+              <a:t>29-07-2018</a:t>
             </a:fld>
-            <a:endParaRPr lang="en-IN"/>
+            <a:endParaRPr lang="en-IN" dirty="0"/>
           </a:p>
         </p:txBody>
       </p:sp>
@@ -6534,7 +9153,7 @@
           <a:bodyPr vert="horz" lIns="91440" tIns="45720" rIns="91440" bIns="45720" rtlCol="0" anchor="ctr"/>
           <a:lstStyle/>
           <a:p>
-            <a:endParaRPr lang="en-IN"/>
+            <a:endParaRPr lang="en-IN" dirty="0"/>
           </a:p>
         </p:txBody>
       </p:sp>
@@ -6625,7 +9244,7 @@
             </a:lvl1pPr>
           </a:lstStyle>
           <a:p>
-            <a:endParaRPr lang="en-IN"/>
+            <a:endParaRPr lang="en-IN" dirty="0"/>
           </a:p>
         </p:txBody>
       </p:sp>
@@ -6660,7 +9279,7 @@
               <a:rPr lang="en-IN" smtClean="0"/>
               <a:t>‹#›</a:t>
             </a:fld>
-            <a:endParaRPr lang="en-IN"/>
+            <a:endParaRPr lang="en-IN" dirty="0"/>
           </a:p>
         </p:txBody>
       </p:sp>
@@ -6898,9 +9517,9 @@
           <a:p>
             <a:fld id="{70C018FE-C8D6-4A9C-A702-41F1E0C1C452}" type="datetimeFigureOut">
               <a:rPr lang="en-IN" smtClean="0"/>
-              <a:t>28-07-2018</a:t>
+              <a:t>29-07-2018</a:t>
             </a:fld>
-            <a:endParaRPr lang="en-IN"/>
+            <a:endParaRPr lang="en-IN" dirty="0"/>
           </a:p>
         </p:txBody>
       </p:sp>
@@ -6919,7 +9538,7 @@
           <a:bodyPr/>
           <a:lstStyle/>
           <a:p>
-            <a:endParaRPr lang="en-IN"/>
+            <a:endParaRPr lang="en-IN" dirty="0"/>
           </a:p>
         </p:txBody>
       </p:sp>
@@ -6942,7 +9561,7 @@
               <a:rPr lang="en-IN" smtClean="0"/>
               <a:t>‹#›</a:t>
             </a:fld>
-            <a:endParaRPr lang="en-IN"/>
+            <a:endParaRPr lang="en-IN" dirty="0"/>
           </a:p>
         </p:txBody>
       </p:sp>
@@ -7068,9 +9687,9 @@
           <a:p>
             <a:fld id="{70C018FE-C8D6-4A9C-A702-41F1E0C1C452}" type="datetimeFigureOut">
               <a:rPr lang="en-IN" smtClean="0"/>
-              <a:t>28-07-2018</a:t>
+              <a:t>29-07-2018</a:t>
             </a:fld>
-            <a:endParaRPr lang="en-IN"/>
+            <a:endParaRPr lang="en-IN" dirty="0"/>
           </a:p>
         </p:txBody>
       </p:sp>
@@ -7089,7 +9708,7 @@
           <a:bodyPr/>
           <a:lstStyle/>
           <a:p>
-            <a:endParaRPr lang="en-IN"/>
+            <a:endParaRPr lang="en-IN" dirty="0"/>
           </a:p>
         </p:txBody>
       </p:sp>
@@ -7112,7 +9731,7 @@
               <a:rPr lang="en-IN" smtClean="0"/>
               <a:t>‹#›</a:t>
             </a:fld>
-            <a:endParaRPr lang="en-IN"/>
+            <a:endParaRPr lang="en-IN" dirty="0"/>
           </a:p>
         </p:txBody>
       </p:sp>
@@ -7248,9 +9867,9 @@
           <a:p>
             <a:fld id="{70C018FE-C8D6-4A9C-A702-41F1E0C1C452}" type="datetimeFigureOut">
               <a:rPr lang="en-IN" smtClean="0"/>
-              <a:t>28-07-2018</a:t>
+              <a:t>29-07-2018</a:t>
             </a:fld>
-            <a:endParaRPr lang="en-IN"/>
+            <a:endParaRPr lang="en-IN" dirty="0"/>
           </a:p>
         </p:txBody>
       </p:sp>
@@ -7269,7 +9888,7 @@
           <a:bodyPr/>
           <a:lstStyle/>
           <a:p>
-            <a:endParaRPr lang="en-IN"/>
+            <a:endParaRPr lang="en-IN" dirty="0"/>
           </a:p>
         </p:txBody>
       </p:sp>
@@ -7292,7 +9911,7 @@
               <a:rPr lang="en-IN" smtClean="0"/>
               <a:t>‹#›</a:t>
             </a:fld>
-            <a:endParaRPr lang="en-IN"/>
+            <a:endParaRPr lang="en-IN" dirty="0"/>
           </a:p>
         </p:txBody>
       </p:sp>
@@ -7429,10 +10048,9 @@
           <a:lstStyle/>
           <a:p>
             <a:r>
-              <a:rPr lang="en-IN"/>
+              <a:rPr lang="en-IN" dirty="0"/>
               <a:t>09-06-2016</a:t>
             </a:r>
-            <a:endParaRPr lang="en-IN" dirty="0"/>
           </a:p>
         </p:txBody>
       </p:sp>
@@ -7452,10 +10070,9 @@
           <a:lstStyle/>
           <a:p>
             <a:r>
-              <a:rPr lang="en-IN"/>
+              <a:rPr lang="en-IN" dirty="0"/>
               <a:t>Investment Case Study</a:t>
             </a:r>
-            <a:endParaRPr lang="en-IN" dirty="0"/>
           </a:p>
         </p:txBody>
       </p:sp>
@@ -7475,10 +10092,9 @@
           <a:lstStyle/>
           <a:p>
             <a:r>
-              <a:rPr lang="en-IN"/>
+              <a:rPr lang="en-IN" dirty="0"/>
               <a:t>1</a:t>
             </a:r>
-            <a:endParaRPr lang="en-IN" dirty="0"/>
           </a:p>
         </p:txBody>
       </p:sp>
@@ -7680,9 +10296,9 @@
           <a:p>
             <a:fld id="{70C018FE-C8D6-4A9C-A702-41F1E0C1C452}" type="datetimeFigureOut">
               <a:rPr lang="en-IN" smtClean="0"/>
-              <a:t>28-07-2018</a:t>
+              <a:t>29-07-2018</a:t>
             </a:fld>
-            <a:endParaRPr lang="en-IN"/>
+            <a:endParaRPr lang="en-IN" dirty="0"/>
           </a:p>
         </p:txBody>
       </p:sp>
@@ -7701,7 +10317,7 @@
           <a:bodyPr/>
           <a:lstStyle/>
           <a:p>
-            <a:endParaRPr lang="en-IN"/>
+            <a:endParaRPr lang="en-IN" dirty="0"/>
           </a:p>
         </p:txBody>
       </p:sp>
@@ -7724,7 +10340,7 @@
               <a:rPr lang="en-IN" smtClean="0"/>
               <a:t>‹#›</a:t>
             </a:fld>
-            <a:endParaRPr lang="en-IN"/>
+            <a:endParaRPr lang="en-IN" dirty="0"/>
           </a:p>
         </p:txBody>
       </p:sp>
@@ -7912,9 +10528,9 @@
           <a:p>
             <a:fld id="{70C018FE-C8D6-4A9C-A702-41F1E0C1C452}" type="datetimeFigureOut">
               <a:rPr lang="en-IN" smtClean="0"/>
-              <a:t>28-07-2018</a:t>
+              <a:t>29-07-2018</a:t>
             </a:fld>
-            <a:endParaRPr lang="en-IN"/>
+            <a:endParaRPr lang="en-IN" dirty="0"/>
           </a:p>
         </p:txBody>
       </p:sp>
@@ -7933,7 +10549,7 @@
           <a:bodyPr/>
           <a:lstStyle/>
           <a:p>
-            <a:endParaRPr lang="en-IN"/>
+            <a:endParaRPr lang="en-IN" dirty="0"/>
           </a:p>
         </p:txBody>
       </p:sp>
@@ -7956,7 +10572,7 @@
               <a:rPr lang="en-IN" smtClean="0"/>
               <a:t>‹#›</a:t>
             </a:fld>
-            <a:endParaRPr lang="en-IN"/>
+            <a:endParaRPr lang="en-IN" dirty="0"/>
           </a:p>
         </p:txBody>
       </p:sp>
@@ -8279,9 +10895,9 @@
           <a:p>
             <a:fld id="{70C018FE-C8D6-4A9C-A702-41F1E0C1C452}" type="datetimeFigureOut">
               <a:rPr lang="en-IN" smtClean="0"/>
-              <a:t>28-07-2018</a:t>
+              <a:t>29-07-2018</a:t>
             </a:fld>
-            <a:endParaRPr lang="en-IN"/>
+            <a:endParaRPr lang="en-IN" dirty="0"/>
           </a:p>
         </p:txBody>
       </p:sp>
@@ -8300,7 +10916,7 @@
           <a:bodyPr/>
           <a:lstStyle/>
           <a:p>
-            <a:endParaRPr lang="en-IN"/>
+            <a:endParaRPr lang="en-IN" dirty="0"/>
           </a:p>
         </p:txBody>
       </p:sp>
@@ -8323,7 +10939,7 @@
               <a:rPr lang="en-IN" smtClean="0"/>
               <a:t>‹#›</a:t>
             </a:fld>
-            <a:endParaRPr lang="en-IN"/>
+            <a:endParaRPr lang="en-IN" dirty="0"/>
           </a:p>
         </p:txBody>
       </p:sp>
@@ -8397,9 +11013,9 @@
           <a:p>
             <a:fld id="{70C018FE-C8D6-4A9C-A702-41F1E0C1C452}" type="datetimeFigureOut">
               <a:rPr lang="en-IN" smtClean="0"/>
-              <a:t>28-07-2018</a:t>
+              <a:t>29-07-2018</a:t>
             </a:fld>
-            <a:endParaRPr lang="en-IN"/>
+            <a:endParaRPr lang="en-IN" dirty="0"/>
           </a:p>
         </p:txBody>
       </p:sp>
@@ -8418,7 +11034,7 @@
           <a:bodyPr/>
           <a:lstStyle/>
           <a:p>
-            <a:endParaRPr lang="en-IN"/>
+            <a:endParaRPr lang="en-IN" dirty="0"/>
           </a:p>
         </p:txBody>
       </p:sp>
@@ -8441,7 +11057,7 @@
               <a:rPr lang="en-IN" smtClean="0"/>
               <a:t>‹#›</a:t>
             </a:fld>
-            <a:endParaRPr lang="en-IN"/>
+            <a:endParaRPr lang="en-IN" dirty="0"/>
           </a:p>
         </p:txBody>
       </p:sp>
@@ -8492,9 +11108,9 @@
           <a:p>
             <a:fld id="{70C018FE-C8D6-4A9C-A702-41F1E0C1C452}" type="datetimeFigureOut">
               <a:rPr lang="en-IN" smtClean="0"/>
-              <a:t>28-07-2018</a:t>
+              <a:t>29-07-2018</a:t>
             </a:fld>
-            <a:endParaRPr lang="en-IN"/>
+            <a:endParaRPr lang="en-IN" dirty="0"/>
           </a:p>
         </p:txBody>
       </p:sp>
@@ -8513,7 +11129,7 @@
           <a:bodyPr/>
           <a:lstStyle/>
           <a:p>
-            <a:endParaRPr lang="en-IN"/>
+            <a:endParaRPr lang="en-IN" dirty="0"/>
           </a:p>
         </p:txBody>
       </p:sp>
@@ -8536,7 +11152,7 @@
               <a:rPr lang="en-IN" smtClean="0"/>
               <a:t>‹#›</a:t>
             </a:fld>
-            <a:endParaRPr lang="en-IN"/>
+            <a:endParaRPr lang="en-IN" dirty="0"/>
           </a:p>
         </p:txBody>
       </p:sp>
@@ -8768,9 +11384,9 @@
           <a:p>
             <a:fld id="{70C018FE-C8D6-4A9C-A702-41F1E0C1C452}" type="datetimeFigureOut">
               <a:rPr lang="en-IN" smtClean="0"/>
-              <a:t>28-07-2018</a:t>
+              <a:t>29-07-2018</a:t>
             </a:fld>
-            <a:endParaRPr lang="en-IN"/>
+            <a:endParaRPr lang="en-IN" dirty="0"/>
           </a:p>
         </p:txBody>
       </p:sp>
@@ -8789,7 +11405,7 @@
           <a:bodyPr/>
           <a:lstStyle/>
           <a:p>
-            <a:endParaRPr lang="en-IN"/>
+            <a:endParaRPr lang="en-IN" dirty="0"/>
           </a:p>
         </p:txBody>
       </p:sp>
@@ -8812,7 +11428,7 @@
               <a:rPr lang="en-IN" smtClean="0"/>
               <a:t>‹#›</a:t>
             </a:fld>
-            <a:endParaRPr lang="en-IN"/>
+            <a:endParaRPr lang="en-IN" dirty="0"/>
           </a:p>
         </p:txBody>
       </p:sp>
@@ -8936,10 +11552,9 @@
           </a:lstStyle>
           <a:p>
             <a:r>
-              <a:rPr lang="en-US"/>
+              <a:rPr lang="en-US" dirty="0"/>
               <a:t>Click icon to add picture</a:t>
             </a:r>
-            <a:endParaRPr lang="en-US" dirty="0"/>
           </a:p>
         </p:txBody>
       </p:sp>
@@ -9025,9 +11640,9 @@
           <a:p>
             <a:fld id="{70C018FE-C8D6-4A9C-A702-41F1E0C1C452}" type="datetimeFigureOut">
               <a:rPr lang="en-IN" smtClean="0"/>
-              <a:t>28-07-2018</a:t>
+              <a:t>29-07-2018</a:t>
             </a:fld>
-            <a:endParaRPr lang="en-IN"/>
+            <a:endParaRPr lang="en-IN" dirty="0"/>
           </a:p>
         </p:txBody>
       </p:sp>
@@ -9046,7 +11661,7 @@
           <a:bodyPr/>
           <a:lstStyle/>
           <a:p>
-            <a:endParaRPr lang="en-IN"/>
+            <a:endParaRPr lang="en-IN" dirty="0"/>
           </a:p>
         </p:txBody>
       </p:sp>
@@ -9069,7 +11684,7 @@
               <a:rPr lang="en-IN" smtClean="0"/>
               <a:t>‹#›</a:t>
             </a:fld>
-            <a:endParaRPr lang="en-IN"/>
+            <a:endParaRPr lang="en-IN" dirty="0"/>
           </a:p>
         </p:txBody>
       </p:sp>
@@ -9236,7 +11851,7 @@
           <a:p>
             <a:fld id="{70C018FE-C8D6-4A9C-A702-41F1E0C1C452}" type="datetimeFigureOut">
               <a:rPr lang="en-IN" smtClean="0"/>
-              <a:t>28-07-2018</a:t>
+              <a:t>29-07-2018</a:t>
             </a:fld>
             <a:endParaRPr lang="en-IN" dirty="0"/>
           </a:p>
@@ -9852,6 +12467,291 @@
   <p:clrMapOvr>
     <a:masterClrMapping/>
   </p:clrMapOvr>
+  <p:timing>
+    <p:tnLst>
+      <p:par>
+        <p:cTn id="1" dur="indefinite" restart="never" nodeType="tmRoot"/>
+      </p:par>
+    </p:tnLst>
+  </p:timing>
+</p:sld>
+</file>
+
+<file path=ppt/slides/slide10.xml><?xml version="1.0" encoding="utf-8"?>
+<p:sld xmlns:a="http://schemas.openxmlformats.org/drawingml/2006/main" xmlns:r="http://schemas.openxmlformats.org/officeDocument/2006/relationships" xmlns:p="http://schemas.openxmlformats.org/presentationml/2006/main">
+  <p:cSld>
+    <p:spTree>
+      <p:nvGrpSpPr>
+        <p:cNvPr id="1" name=""/>
+        <p:cNvGrpSpPr/>
+        <p:nvPr/>
+      </p:nvGrpSpPr>
+      <p:grpSpPr>
+        <a:xfrm>
+          <a:off x="0" y="0"/>
+          <a:ext cx="0" cy="0"/>
+          <a:chOff x="0" y="0"/>
+          <a:chExt cx="0" cy="0"/>
+        </a:xfrm>
+      </p:grpSpPr>
+      <p:sp>
+        <p:nvSpPr>
+          <p:cNvPr id="5" name="Title 1"/>
+          <p:cNvSpPr>
+            <a:spLocks noGrp="1"/>
+          </p:cNvSpPr>
+          <p:nvPr>
+            <p:ph type="title"/>
+          </p:nvPr>
+        </p:nvSpPr>
+        <p:spPr>
+          <a:xfrm>
+            <a:off x="1111069" y="3146213"/>
+            <a:ext cx="9313817" cy="856138"/>
+          </a:xfrm>
+        </p:spPr>
+        <p:txBody>
+          <a:bodyPr>
+            <a:normAutofit fontScale="90000"/>
+          </a:bodyPr>
+          <a:lstStyle/>
+          <a:p>
+            <a:pPr lvl="0"/>
+            <a:r>
+              <a:rPr lang="en-IN" b="1" dirty="0" smtClean="0"/>
+              <a:t>Driver Analysis </a:t>
+            </a:r>
+            <a:r>
+              <a:rPr lang="en-IN" i="1" dirty="0" smtClean="0"/>
+              <a:t>by Categories</a:t>
+            </a:r>
+            <a:r>
+              <a:rPr lang="en-IN" b="1" i="1" dirty="0" smtClean="0"/>
+              <a:t/>
+            </a:r>
+            <a:br>
+              <a:rPr lang="en-IN" b="1" i="1" dirty="0" smtClean="0"/>
+            </a:br>
+            <a:r>
+              <a:rPr lang="en-IN" sz="3100" dirty="0" smtClean="0"/>
+              <a:t>[</a:t>
+            </a:r>
+            <a:r>
+              <a:rPr lang="en-US" sz="3200" dirty="0"/>
+              <a:t>through </a:t>
+            </a:r>
+            <a:r>
+              <a:rPr lang="en-US" sz="3200" dirty="0" smtClean="0"/>
+              <a:t>derived metrics]</a:t>
+            </a:r>
+            <a:endParaRPr lang="en-US" sz="3200" dirty="0"/>
+          </a:p>
+        </p:txBody>
+      </p:sp>
+      <p:sp>
+        <p:nvSpPr>
+          <p:cNvPr id="6" name="Title 1"/>
+          <p:cNvSpPr txBox="1">
+            <a:spLocks/>
+          </p:cNvSpPr>
+          <p:nvPr/>
+        </p:nvSpPr>
+        <p:spPr>
+          <a:xfrm>
+            <a:off x="1178802" y="4153746"/>
+            <a:ext cx="9313817" cy="856138"/>
+          </a:xfrm>
+          <a:prstGeom prst="rect">
+            <a:avLst/>
+          </a:prstGeom>
+        </p:spPr>
+        <p:txBody>
+          <a:bodyPr vert="horz" lIns="91440" tIns="45720" rIns="91440" bIns="45720" rtlCol="0" anchor="ctr">
+            <a:noAutofit/>
+          </a:bodyPr>
+          <a:lstStyle>
+            <a:lvl1pPr algn="l" defTabSz="914400" rtl="0" eaLnBrk="1" latinLnBrk="0" hangingPunct="1">
+              <a:lnSpc>
+                <a:spcPct val="90000"/>
+              </a:lnSpc>
+              <a:spcBef>
+                <a:spcPct val="0"/>
+              </a:spcBef>
+              <a:buNone/>
+              <a:defRPr sz="4000" kern="1200">
+                <a:solidFill>
+                  <a:schemeClr val="tx1"/>
+                </a:solidFill>
+                <a:latin typeface="Times New Roman" panose="02020603050405020304" pitchFamily="18" charset="0"/>
+                <a:ea typeface="+mj-ea"/>
+                <a:cs typeface="Times New Roman" panose="02020603050405020304" pitchFamily="18" charset="0"/>
+              </a:defRPr>
+            </a:lvl1pPr>
+          </a:lstStyle>
+          <a:p>
+            <a:r>
+              <a:rPr lang="en-US" sz="1800" dirty="0" smtClean="0"/>
+              <a:t>Objective around doing Driver Analysis is to create multiple hypotheses around the </a:t>
+            </a:r>
+            <a:r>
+              <a:rPr lang="en-US" sz="1800" dirty="0" smtClean="0"/>
+              <a:t>derived metrics created using available </a:t>
+            </a:r>
+            <a:r>
+              <a:rPr lang="en-US" sz="1800" dirty="0" smtClean="0"/>
+              <a:t>data; to see what factors having a significant impact on the Loan default</a:t>
+            </a:r>
+            <a:endParaRPr lang="en-US" sz="1600" dirty="0"/>
+          </a:p>
+        </p:txBody>
+      </p:sp>
+    </p:spTree>
+    <p:extLst>
+      <p:ext uri="{BB962C8B-B14F-4D97-AF65-F5344CB8AC3E}">
+        <p14:creationId xmlns:p14="http://schemas.microsoft.com/office/powerpoint/2010/main" val="4165915122"/>
+      </p:ext>
+    </p:extLst>
+  </p:cSld>
+  <p:clrMapOvr>
+    <a:masterClrMapping/>
+  </p:clrMapOvr>
+  <mc:AlternateContent xmlns:mc="http://schemas.openxmlformats.org/markup-compatibility/2006" xmlns:p14="http://schemas.microsoft.com/office/powerpoint/2010/main">
+    <mc:Choice Requires="p14">
+      <p:transition spd="slow" p14:dur="2000"/>
+    </mc:Choice>
+    <mc:Fallback xmlns="">
+      <p:transition spd="slow"/>
+    </mc:Fallback>
+  </mc:AlternateContent>
+  <p:timing>
+    <p:tnLst>
+      <p:par>
+        <p:cTn id="1" dur="indefinite" restart="never" nodeType="tmRoot"/>
+      </p:par>
+    </p:tnLst>
+  </p:timing>
+</p:sld>
+</file>
+
+<file path=ppt/slides/slide11.xml><?xml version="1.0" encoding="utf-8"?>
+<p:sld xmlns:a="http://schemas.openxmlformats.org/drawingml/2006/main" xmlns:r="http://schemas.openxmlformats.org/officeDocument/2006/relationships" xmlns:p="http://schemas.openxmlformats.org/presentationml/2006/main">
+  <p:cSld>
+    <p:spTree>
+      <p:nvGrpSpPr>
+        <p:cNvPr id="1" name=""/>
+        <p:cNvGrpSpPr/>
+        <p:nvPr/>
+      </p:nvGrpSpPr>
+      <p:grpSpPr>
+        <a:xfrm>
+          <a:off x="0" y="0"/>
+          <a:ext cx="0" cy="0"/>
+          <a:chOff x="0" y="0"/>
+          <a:chExt cx="0" cy="0"/>
+        </a:xfrm>
+      </p:grpSpPr>
+      <p:sp>
+        <p:nvSpPr>
+          <p:cNvPr id="5" name="Title 1"/>
+          <p:cNvSpPr>
+            <a:spLocks noGrp="1"/>
+          </p:cNvSpPr>
+          <p:nvPr>
+            <p:ph type="title"/>
+          </p:nvPr>
+        </p:nvSpPr>
+        <p:spPr>
+          <a:xfrm>
+            <a:off x="1136469" y="640080"/>
+            <a:ext cx="9313817" cy="856138"/>
+          </a:xfrm>
+        </p:spPr>
+        <p:txBody>
+          <a:bodyPr>
+            <a:normAutofit fontScale="90000"/>
+          </a:bodyPr>
+          <a:lstStyle/>
+          <a:p>
+            <a:r>
+              <a:rPr lang="en-IN" b="1" dirty="0" smtClean="0"/>
+              <a:t>Summarizing the findings</a:t>
+            </a:r>
+            <a:br>
+              <a:rPr lang="en-IN" b="1" dirty="0" smtClean="0"/>
+            </a:br>
+            <a:r>
+              <a:rPr lang="en-IN" sz="3100" i="1" dirty="0" smtClean="0"/>
+              <a:t>Recommendations</a:t>
+            </a:r>
+            <a:endParaRPr lang="en-IN" sz="3600" i="1" dirty="0"/>
+          </a:p>
+        </p:txBody>
+      </p:sp>
+      <p:sp>
+        <p:nvSpPr>
+          <p:cNvPr id="2" name="Rounded Rectangle 1"/>
+          <p:cNvSpPr/>
+          <p:nvPr/>
+        </p:nvSpPr>
+        <p:spPr>
+          <a:xfrm>
+            <a:off x="1030019" y="1566333"/>
+            <a:ext cx="10687848" cy="4847899"/>
+          </a:xfrm>
+          <a:prstGeom prst="roundRect">
+            <a:avLst/>
+          </a:prstGeom>
+          <a:noFill/>
+          <a:ln>
+            <a:solidFill>
+              <a:schemeClr val="tx2"/>
+            </a:solidFill>
+            <a:prstDash val="lgDash"/>
+          </a:ln>
+        </p:spPr>
+        <p:style>
+          <a:lnRef idx="2">
+            <a:schemeClr val="accent1">
+              <a:shade val="50000"/>
+            </a:schemeClr>
+          </a:lnRef>
+          <a:fillRef idx="1">
+            <a:schemeClr val="accent1"/>
+          </a:fillRef>
+          <a:effectRef idx="0">
+            <a:schemeClr val="accent1"/>
+          </a:effectRef>
+          <a:fontRef idx="minor">
+            <a:schemeClr val="lt1"/>
+          </a:fontRef>
+        </p:style>
+        <p:txBody>
+          <a:bodyPr rtlCol="0" anchor="ctr"/>
+          <a:lstStyle/>
+          <a:p>
+            <a:pPr algn="ctr"/>
+            <a:endParaRPr lang="en-US" dirty="0"/>
+          </a:p>
+        </p:txBody>
+      </p:sp>
+    </p:spTree>
+    <p:extLst>
+      <p:ext uri="{BB962C8B-B14F-4D97-AF65-F5344CB8AC3E}">
+        <p14:creationId xmlns:p14="http://schemas.microsoft.com/office/powerpoint/2010/main" val="113034934"/>
+      </p:ext>
+    </p:extLst>
+  </p:cSld>
+  <p:clrMapOvr>
+    <a:masterClrMapping/>
+  </p:clrMapOvr>
+  <mc:AlternateContent xmlns:mc="http://schemas.openxmlformats.org/markup-compatibility/2006" xmlns:p14="http://schemas.microsoft.com/office/powerpoint/2010/main">
+    <mc:Choice Requires="p14">
+      <p:transition spd="slow" p14:dur="2000"/>
+    </mc:Choice>
+    <mc:Fallback xmlns="">
+      <p:transition spd="slow"/>
+    </mc:Fallback>
+  </mc:AlternateContent>
   <p:timing>
     <p:tnLst>
       <p:par>
@@ -11211,7 +14111,7 @@
             <a:lstStyle/>
             <a:p>
               <a:pPr algn="ctr"/>
-              <a:endParaRPr lang="en-US"/>
+              <a:endParaRPr lang="en-US" dirty="0"/>
             </a:p>
           </p:txBody>
         </p:sp>
@@ -11257,7 +14157,7 @@
             <a:lstStyle/>
             <a:p>
               <a:pPr algn="ctr"/>
-              <a:endParaRPr lang="en-US"/>
+              <a:endParaRPr lang="en-US" dirty="0"/>
             </a:p>
           </p:txBody>
         </p:sp>
@@ -11819,35 +14719,8 @@
                 <a:latin typeface="Times New Roman" panose="02020603050405020304" pitchFamily="18" charset="0"/>
                 <a:cs typeface="Times New Roman" panose="02020603050405020304" pitchFamily="18" charset="0"/>
               </a:rPr>
-              <a:t>and the Loans issued </a:t>
-            </a:r>
-            <a:r>
-              <a:rPr lang="en-US" dirty="0" smtClean="0">
-                <a:solidFill>
-                  <a:schemeClr val="bg1"/>
-                </a:solidFill>
-                <a:latin typeface="Times New Roman" panose="02020603050405020304" pitchFamily="18" charset="0"/>
-                <a:cs typeface="Times New Roman" panose="02020603050405020304" pitchFamily="18" charset="0"/>
-              </a:rPr>
-              <a:t>from 2007-</a:t>
-            </a:r>
-            <a:r>
-              <a:rPr lang="en-US" dirty="0" smtClean="0">
-                <a:solidFill>
-                  <a:schemeClr val="bg1"/>
-                </a:solidFill>
-                <a:latin typeface="Times New Roman" panose="02020603050405020304" pitchFamily="18" charset="0"/>
-                <a:cs typeface="Times New Roman" panose="02020603050405020304" pitchFamily="18" charset="0"/>
-              </a:rPr>
-              <a:t>2011</a:t>
-            </a:r>
-            <a:endParaRPr lang="en-US" dirty="0" smtClean="0">
-              <a:solidFill>
-                <a:schemeClr val="bg1"/>
-              </a:solidFill>
-              <a:latin typeface="Times New Roman" panose="02020603050405020304" pitchFamily="18" charset="0"/>
-              <a:cs typeface="Times New Roman" panose="02020603050405020304" pitchFamily="18" charset="0"/>
-            </a:endParaRPr>
+              <a:t>and the Loans issued from 2007-2011</a:t>
+            </a:r>
           </a:p>
         </p:txBody>
       </p:sp>
@@ -11938,7 +14811,7 @@
           <a:lstStyle/>
           <a:p>
             <a:pPr algn="ctr"/>
-            <a:endParaRPr lang="en-US"/>
+            <a:endParaRPr lang="en-US" dirty="0"/>
           </a:p>
         </p:txBody>
       </p:sp>
@@ -12023,14 +14896,7 @@
                 <a:latin typeface="Times New Roman" panose="02020603050405020304" pitchFamily="18" charset="0"/>
                 <a:cs typeface="Times New Roman" panose="02020603050405020304" pitchFamily="18" charset="0"/>
               </a:rPr>
-              <a:t>Volume of Loans issued </a:t>
-            </a:r>
-            <a:r>
-              <a:rPr lang="en-US" sz="1400" b="1" dirty="0" smtClean="0">
-                <a:latin typeface="Times New Roman" panose="02020603050405020304" pitchFamily="18" charset="0"/>
-                <a:cs typeface="Times New Roman" panose="02020603050405020304" pitchFamily="18" charset="0"/>
-              </a:rPr>
-              <a:t>across 2007 –</a:t>
+              <a:t>Volume of Loans issued across 2007 –</a:t>
             </a:r>
             <a:r>
               <a:rPr lang="en-US" sz="1400" b="1" dirty="0">
@@ -12057,8 +14923,8 @@
         </p:nvSpPr>
         <p:spPr>
           <a:xfrm>
-            <a:off x="1235520" y="3837936"/>
-            <a:ext cx="5229113" cy="357367"/>
+            <a:off x="1697753" y="3829469"/>
+            <a:ext cx="4321581" cy="276999"/>
           </a:xfrm>
           <a:prstGeom prst="rect">
             <a:avLst/>
@@ -12072,13 +14938,13 @@
           <a:lstStyle/>
           <a:p>
             <a:r>
-              <a:rPr lang="en-US" sz="1400" b="1" dirty="0" smtClean="0">
+              <a:rPr lang="en-US" sz="1200" dirty="0" smtClean="0">
                 <a:latin typeface="Times New Roman" panose="02020603050405020304" pitchFamily="18" charset="0"/>
                 <a:cs typeface="Times New Roman" panose="02020603050405020304" pitchFamily="18" charset="0"/>
               </a:rPr>
               <a:t>Transaction Amount of Loans across different metrics (in MM)</a:t>
             </a:r>
-            <a:endParaRPr lang="en-US" sz="1400" b="1" dirty="0">
+            <a:endParaRPr lang="en-US" sz="1200" dirty="0">
               <a:latin typeface="Times New Roman" panose="02020603050405020304" pitchFamily="18" charset="0"/>
               <a:cs typeface="Times New Roman" panose="02020603050405020304" pitchFamily="18" charset="0"/>
             </a:endParaRPr>
@@ -12128,7 +14994,7 @@
           <a:lstStyle/>
           <a:p>
             <a:pPr algn="ctr"/>
-            <a:endParaRPr lang="en-US"/>
+            <a:endParaRPr lang="en-US" dirty="0"/>
           </a:p>
         </p:txBody>
       </p:sp>
@@ -12163,14 +15029,7 @@
                 <a:latin typeface="Times New Roman" panose="02020603050405020304" pitchFamily="18" charset="0"/>
                 <a:cs typeface="Times New Roman" panose="02020603050405020304" pitchFamily="18" charset="0"/>
               </a:rPr>
-              <a:t>Across all </a:t>
-            </a:r>
-            <a:r>
-              <a:rPr lang="en-US" sz="1400" dirty="0" smtClean="0">
-                <a:latin typeface="Times New Roman" panose="02020603050405020304" pitchFamily="18" charset="0"/>
-                <a:cs typeface="Times New Roman" panose="02020603050405020304" pitchFamily="18" charset="0"/>
-              </a:rPr>
-              <a:t>the Loans issued by the Consumer Finance Company, </a:t>
+              <a:t>Across all the Loans issued by the Consumer Finance Company, </a:t>
             </a:r>
             <a:r>
               <a:rPr lang="en-US" sz="1400" b="1" dirty="0" smtClean="0">
@@ -12207,7 +15066,7 @@
           <p:nvPr>
             <p:extLst>
               <p:ext uri="{D42A27DB-BD31-4B8C-83A1-F6EECF244321}">
-                <p14:modId xmlns:p14="http://schemas.microsoft.com/office/powerpoint/2010/main" val="3853313112"/>
+                <p14:modId xmlns:p14="http://schemas.microsoft.com/office/powerpoint/2010/main" val="2471459353"/>
               </p:ext>
             </p:extLst>
           </p:nvPr>
@@ -12267,14 +15126,7 @@
                 <a:latin typeface="Times New Roman" panose="02020603050405020304" pitchFamily="18" charset="0"/>
                 <a:cs typeface="Times New Roman" panose="02020603050405020304" pitchFamily="18" charset="0"/>
               </a:rPr>
-              <a:t> observed in the recent </a:t>
-            </a:r>
-            <a:r>
-              <a:rPr lang="en-US" sz="1400" dirty="0" smtClean="0">
-                <a:latin typeface="Times New Roman" panose="02020603050405020304" pitchFamily="18" charset="0"/>
-                <a:cs typeface="Times New Roman" panose="02020603050405020304" pitchFamily="18" charset="0"/>
-              </a:rPr>
-              <a:t>years</a:t>
+              <a:t> observed in the recent years</a:t>
             </a:r>
           </a:p>
           <a:p>
@@ -12291,7 +15143,7 @@
                 <a:latin typeface="Times New Roman" panose="02020603050405020304" pitchFamily="18" charset="0"/>
                 <a:cs typeface="Times New Roman" panose="02020603050405020304" pitchFamily="18" charset="0"/>
               </a:rPr>
-              <a:t>YoY increase counts to </a:t>
+              <a:t>YoY %increase counts to </a:t>
             </a:r>
             <a:r>
               <a:rPr lang="en-US" sz="1400" b="1" dirty="0" smtClean="0">
@@ -12342,7 +15194,3444 @@
 </file>
 
 <file path=ppt/slides/slide5.xml><?xml version="1.0" encoding="utf-8"?>
-<p:sld xmlns:a="http://schemas.openxmlformats.org/drawingml/2006/main" xmlns:r="http://schemas.openxmlformats.org/officeDocument/2006/relationships" xmlns:p="http://schemas.openxmlformats.org/presentationml/2006/main" show="0">
+<p:sld xmlns:a="http://schemas.openxmlformats.org/drawingml/2006/main" xmlns:r="http://schemas.openxmlformats.org/officeDocument/2006/relationships" xmlns:p="http://schemas.openxmlformats.org/presentationml/2006/main">
+  <p:cSld>
+    <p:spTree>
+      <p:nvGrpSpPr>
+        <p:cNvPr id="1" name=""/>
+        <p:cNvGrpSpPr/>
+        <p:nvPr/>
+      </p:nvGrpSpPr>
+      <p:grpSpPr>
+        <a:xfrm>
+          <a:off x="0" y="0"/>
+          <a:ext cx="0" cy="0"/>
+          <a:chOff x="0" y="0"/>
+          <a:chExt cx="0" cy="0"/>
+        </a:xfrm>
+      </p:grpSpPr>
+      <p:sp>
+        <p:nvSpPr>
+          <p:cNvPr id="5" name="Title 1"/>
+          <p:cNvSpPr>
+            <a:spLocks noGrp="1"/>
+          </p:cNvSpPr>
+          <p:nvPr>
+            <p:ph type="title"/>
+          </p:nvPr>
+        </p:nvSpPr>
+        <p:spPr>
+          <a:xfrm>
+            <a:off x="1111069" y="3146213"/>
+            <a:ext cx="9313817" cy="856138"/>
+          </a:xfrm>
+        </p:spPr>
+        <p:txBody>
+          <a:bodyPr>
+            <a:normAutofit fontScale="90000"/>
+          </a:bodyPr>
+          <a:lstStyle/>
+          <a:p>
+            <a:pPr lvl="0"/>
+            <a:r>
+              <a:rPr lang="en-IN" b="1" dirty="0" smtClean="0"/>
+              <a:t>Driver Analysis </a:t>
+            </a:r>
+            <a:r>
+              <a:rPr lang="en-IN" i="1" dirty="0" smtClean="0"/>
+              <a:t>by Categories</a:t>
+            </a:r>
+            <a:r>
+              <a:rPr lang="en-IN" b="1" i="1" dirty="0" smtClean="0"/>
+              <a:t/>
+            </a:r>
+            <a:br>
+              <a:rPr lang="en-IN" b="1" i="1" dirty="0" smtClean="0"/>
+            </a:br>
+            <a:r>
+              <a:rPr lang="en-IN" sz="3100" dirty="0" smtClean="0"/>
+              <a:t>[</a:t>
+            </a:r>
+            <a:r>
+              <a:rPr lang="en-US" sz="3200" dirty="0"/>
+              <a:t>through available </a:t>
+            </a:r>
+            <a:r>
+              <a:rPr lang="en-US" sz="3200" dirty="0" smtClean="0"/>
+              <a:t>sources]</a:t>
+            </a:r>
+            <a:endParaRPr lang="en-US" sz="3200" dirty="0"/>
+          </a:p>
+        </p:txBody>
+      </p:sp>
+      <p:sp>
+        <p:nvSpPr>
+          <p:cNvPr id="6" name="Title 1"/>
+          <p:cNvSpPr txBox="1">
+            <a:spLocks/>
+          </p:cNvSpPr>
+          <p:nvPr/>
+        </p:nvSpPr>
+        <p:spPr>
+          <a:xfrm>
+            <a:off x="1178802" y="4153746"/>
+            <a:ext cx="9313817" cy="856138"/>
+          </a:xfrm>
+          <a:prstGeom prst="rect">
+            <a:avLst/>
+          </a:prstGeom>
+        </p:spPr>
+        <p:txBody>
+          <a:bodyPr vert="horz" lIns="91440" tIns="45720" rIns="91440" bIns="45720" rtlCol="0" anchor="ctr">
+            <a:noAutofit/>
+          </a:bodyPr>
+          <a:lstStyle>
+            <a:lvl1pPr algn="l" defTabSz="914400" rtl="0" eaLnBrk="1" latinLnBrk="0" hangingPunct="1">
+              <a:lnSpc>
+                <a:spcPct val="90000"/>
+              </a:lnSpc>
+              <a:spcBef>
+                <a:spcPct val="0"/>
+              </a:spcBef>
+              <a:buNone/>
+              <a:defRPr sz="4000" kern="1200">
+                <a:solidFill>
+                  <a:schemeClr val="tx1"/>
+                </a:solidFill>
+                <a:latin typeface="Times New Roman" panose="02020603050405020304" pitchFamily="18" charset="0"/>
+                <a:ea typeface="+mj-ea"/>
+                <a:cs typeface="Times New Roman" panose="02020603050405020304" pitchFamily="18" charset="0"/>
+              </a:defRPr>
+            </a:lvl1pPr>
+          </a:lstStyle>
+          <a:p>
+            <a:r>
+              <a:rPr lang="en-US" sz="1800" dirty="0" smtClean="0"/>
+              <a:t>Objective around doing Driver Analysis is to create multiple hypotheses around the available data; to see what factors having a significant impact on the Loan default</a:t>
+            </a:r>
+            <a:endParaRPr lang="en-US" sz="1600" dirty="0"/>
+          </a:p>
+        </p:txBody>
+      </p:sp>
+    </p:spTree>
+    <p:extLst>
+      <p:ext uri="{BB962C8B-B14F-4D97-AF65-F5344CB8AC3E}">
+        <p14:creationId xmlns:p14="http://schemas.microsoft.com/office/powerpoint/2010/main" val="2684977747"/>
+      </p:ext>
+    </p:extLst>
+  </p:cSld>
+  <p:clrMapOvr>
+    <a:masterClrMapping/>
+  </p:clrMapOvr>
+  <mc:AlternateContent xmlns:mc="http://schemas.openxmlformats.org/markup-compatibility/2006" xmlns:p14="http://schemas.microsoft.com/office/powerpoint/2010/main">
+    <mc:Choice Requires="p14">
+      <p:transition spd="slow" p14:dur="2000"/>
+    </mc:Choice>
+    <mc:Fallback xmlns="">
+      <p:transition spd="slow"/>
+    </mc:Fallback>
+  </mc:AlternateContent>
+  <p:timing>
+    <p:tnLst>
+      <p:par>
+        <p:cTn id="1" dur="indefinite" restart="never" nodeType="tmRoot"/>
+      </p:par>
+    </p:tnLst>
+  </p:timing>
+</p:sld>
+</file>
+
+<file path=ppt/slides/slide6.xml><?xml version="1.0" encoding="utf-8"?>
+<p:sld xmlns:a="http://schemas.openxmlformats.org/drawingml/2006/main" xmlns:r="http://schemas.openxmlformats.org/officeDocument/2006/relationships" xmlns:p="http://schemas.openxmlformats.org/presentationml/2006/main">
+  <p:cSld>
+    <p:spTree>
+      <p:nvGrpSpPr>
+        <p:cNvPr id="1" name=""/>
+        <p:cNvGrpSpPr/>
+        <p:nvPr/>
+      </p:nvGrpSpPr>
+      <p:grpSpPr>
+        <a:xfrm>
+          <a:off x="0" y="0"/>
+          <a:ext cx="0" cy="0"/>
+          <a:chOff x="0" y="0"/>
+          <a:chExt cx="0" cy="0"/>
+        </a:xfrm>
+      </p:grpSpPr>
+      <p:sp>
+        <p:nvSpPr>
+          <p:cNvPr id="4" name="Title 1"/>
+          <p:cNvSpPr>
+            <a:spLocks noGrp="1"/>
+          </p:cNvSpPr>
+          <p:nvPr>
+            <p:ph type="title"/>
+          </p:nvPr>
+        </p:nvSpPr>
+        <p:spPr>
+          <a:xfrm>
+            <a:off x="1136469" y="640080"/>
+            <a:ext cx="9313817" cy="856138"/>
+          </a:xfrm>
+        </p:spPr>
+        <p:txBody>
+          <a:bodyPr>
+            <a:normAutofit fontScale="90000"/>
+          </a:bodyPr>
+          <a:lstStyle/>
+          <a:p>
+            <a:r>
+              <a:rPr lang="en-IN" b="1" dirty="0" smtClean="0"/>
+              <a:t>Hypothesis – I</a:t>
+            </a:r>
+            <a:br>
+              <a:rPr lang="en-IN" b="1" dirty="0" smtClean="0"/>
+            </a:br>
+            <a:r>
+              <a:rPr lang="en-IN" sz="3100" i="1" dirty="0" smtClean="0"/>
+              <a:t>Is there any pattern around the Loan Term?</a:t>
+            </a:r>
+            <a:endParaRPr lang="en-IN" sz="3100" i="1" dirty="0"/>
+          </a:p>
+        </p:txBody>
+      </p:sp>
+      <p:sp>
+        <p:nvSpPr>
+          <p:cNvPr id="6" name="Rectangle 5"/>
+          <p:cNvSpPr/>
+          <p:nvPr/>
+        </p:nvSpPr>
+        <p:spPr>
+          <a:xfrm>
+            <a:off x="1836624" y="6045208"/>
+            <a:ext cx="9381711" cy="660393"/>
+          </a:xfrm>
+          <a:prstGeom prst="rect">
+            <a:avLst/>
+          </a:prstGeom>
+          <a:noFill/>
+          <a:ln>
+            <a:noFill/>
+          </a:ln>
+        </p:spPr>
+        <p:style>
+          <a:lnRef idx="1">
+            <a:schemeClr val="accent5"/>
+          </a:lnRef>
+          <a:fillRef idx="2">
+            <a:schemeClr val="accent5"/>
+          </a:fillRef>
+          <a:effectRef idx="1">
+            <a:schemeClr val="accent5"/>
+          </a:effectRef>
+          <a:fontRef idx="minor">
+            <a:schemeClr val="dk1"/>
+          </a:fontRef>
+        </p:style>
+        <p:txBody>
+          <a:bodyPr rtlCol="0" anchor="t"/>
+          <a:lstStyle/>
+          <a:p>
+            <a:r>
+              <a:rPr lang="en-US" sz="1200" dirty="0" smtClean="0">
+                <a:solidFill>
+                  <a:schemeClr val="tx1"/>
+                </a:solidFill>
+                <a:latin typeface="Times New Roman" panose="02020603050405020304" pitchFamily="18" charset="0"/>
+                <a:cs typeface="Times New Roman" panose="02020603050405020304" pitchFamily="18" charset="0"/>
+              </a:rPr>
+              <a:t>“</a:t>
+            </a:r>
+            <a:r>
+              <a:rPr lang="en-US" sz="1200" i="1" dirty="0" smtClean="0">
+                <a:solidFill>
+                  <a:schemeClr val="tx1"/>
+                </a:solidFill>
+                <a:latin typeface="Times New Roman" panose="02020603050405020304" pitchFamily="18" charset="0"/>
+                <a:cs typeface="Times New Roman" panose="02020603050405020304" pitchFamily="18" charset="0"/>
+              </a:rPr>
+              <a:t>With the Increase in Interest rate, the chances of default increases as a Loan with Higher Interest rate generally goes for a longer term.</a:t>
+            </a:r>
+          </a:p>
+          <a:p>
+            <a:r>
+              <a:rPr lang="en-US" sz="1200" b="1" i="1" dirty="0" smtClean="0">
+                <a:solidFill>
+                  <a:schemeClr val="tx1"/>
+                </a:solidFill>
+                <a:latin typeface="Times New Roman" panose="02020603050405020304" pitchFamily="18" charset="0"/>
+                <a:cs typeface="Times New Roman" panose="02020603050405020304" pitchFamily="18" charset="0"/>
+              </a:rPr>
+              <a:t>Consumer Finance Company</a:t>
+            </a:r>
+            <a:r>
+              <a:rPr lang="en-US" sz="1200" i="1" dirty="0" smtClean="0">
+                <a:solidFill>
+                  <a:schemeClr val="tx1"/>
+                </a:solidFill>
+                <a:latin typeface="Times New Roman" panose="02020603050405020304" pitchFamily="18" charset="0"/>
+                <a:cs typeface="Times New Roman" panose="02020603050405020304" pitchFamily="18" charset="0"/>
+              </a:rPr>
+              <a:t> can take a look at optimizing the Interest rates across types to reduce the proportion of Charge Offs as the Applicants’ Income stability might vary across years.</a:t>
+            </a:r>
+            <a:r>
+              <a:rPr lang="en-US" sz="1200" dirty="0" smtClean="0">
+                <a:solidFill>
+                  <a:schemeClr val="tx1"/>
+                </a:solidFill>
+                <a:latin typeface="Times New Roman" panose="02020603050405020304" pitchFamily="18" charset="0"/>
+                <a:cs typeface="Times New Roman" panose="02020603050405020304" pitchFamily="18" charset="0"/>
+              </a:rPr>
+              <a:t>”</a:t>
+            </a:r>
+          </a:p>
+        </p:txBody>
+      </p:sp>
+      <p:graphicFrame>
+        <p:nvGraphicFramePr>
+          <p:cNvPr id="7" name="Chart 6"/>
+          <p:cNvGraphicFramePr/>
+          <p:nvPr>
+            <p:extLst>
+              <p:ext uri="{D42A27DB-BD31-4B8C-83A1-F6EECF244321}">
+                <p14:modId xmlns:p14="http://schemas.microsoft.com/office/powerpoint/2010/main" val="3781911215"/>
+              </p:ext>
+            </p:extLst>
+          </p:nvPr>
+        </p:nvGraphicFramePr>
+        <p:xfrm>
+          <a:off x="1397000" y="1981198"/>
+          <a:ext cx="5113867" cy="1794932"/>
+        </p:xfrm>
+        <a:graphic>
+          <a:graphicData uri="http://schemas.openxmlformats.org/drawingml/2006/chart">
+            <c:chart xmlns:c="http://schemas.openxmlformats.org/drawingml/2006/chart" xmlns:r="http://schemas.openxmlformats.org/officeDocument/2006/relationships" r:id="rId2"/>
+          </a:graphicData>
+        </a:graphic>
+      </p:graphicFrame>
+      <p:sp>
+        <p:nvSpPr>
+          <p:cNvPr id="10" name="Rounded Rectangle 9"/>
+          <p:cNvSpPr/>
+          <p:nvPr/>
+        </p:nvSpPr>
+        <p:spPr>
+          <a:xfrm>
+            <a:off x="1015994" y="1650999"/>
+            <a:ext cx="10532533" cy="5122333"/>
+          </a:xfrm>
+          <a:prstGeom prst="roundRect">
+            <a:avLst/>
+          </a:prstGeom>
+          <a:noFill/>
+          <a:ln>
+            <a:solidFill>
+              <a:schemeClr val="tx2"/>
+            </a:solidFill>
+            <a:prstDash val="lgDash"/>
+          </a:ln>
+        </p:spPr>
+        <p:style>
+          <a:lnRef idx="2">
+            <a:schemeClr val="accent1">
+              <a:shade val="50000"/>
+            </a:schemeClr>
+          </a:lnRef>
+          <a:fillRef idx="1">
+            <a:schemeClr val="accent1"/>
+          </a:fillRef>
+          <a:effectRef idx="0">
+            <a:schemeClr val="accent1"/>
+          </a:effectRef>
+          <a:fontRef idx="minor">
+            <a:schemeClr val="lt1"/>
+          </a:fontRef>
+        </p:style>
+        <p:txBody>
+          <a:bodyPr rtlCol="0" anchor="ctr"/>
+          <a:lstStyle/>
+          <a:p>
+            <a:pPr algn="ctr"/>
+            <a:endParaRPr lang="en-US" dirty="0"/>
+          </a:p>
+        </p:txBody>
+      </p:sp>
+      <p:sp>
+        <p:nvSpPr>
+          <p:cNvPr id="11" name="TextBox 10"/>
+          <p:cNvSpPr txBox="1"/>
+          <p:nvPr/>
+        </p:nvSpPr>
+        <p:spPr>
+          <a:xfrm>
+            <a:off x="6798733" y="1998550"/>
+            <a:ext cx="4216400" cy="923330"/>
+          </a:xfrm>
+          <a:prstGeom prst="rect">
+            <a:avLst/>
+          </a:prstGeom>
+          <a:noFill/>
+        </p:spPr>
+        <p:txBody>
+          <a:bodyPr wrap="square" rtlCol="0">
+            <a:spAutoFit/>
+          </a:bodyPr>
+          <a:lstStyle/>
+          <a:p>
+            <a:pPr marL="285750" indent="-285750">
+              <a:buFont typeface="Arial" panose="020B0604020202020204" pitchFamily="34" charset="0"/>
+              <a:buChar char="•"/>
+            </a:pPr>
+            <a:r>
+              <a:rPr lang="en-US" dirty="0" smtClean="0">
+                <a:latin typeface="Times New Roman" panose="02020603050405020304" pitchFamily="18" charset="0"/>
+                <a:cs typeface="Times New Roman" panose="02020603050405020304" pitchFamily="18" charset="0"/>
+              </a:rPr>
+              <a:t>It was observed that Applicants with a </a:t>
+            </a:r>
+            <a:r>
+              <a:rPr lang="en-US" b="1" dirty="0" smtClean="0">
+                <a:latin typeface="Times New Roman" panose="02020603050405020304" pitchFamily="18" charset="0"/>
+                <a:cs typeface="Times New Roman" panose="02020603050405020304" pitchFamily="18" charset="0"/>
+              </a:rPr>
+              <a:t>longer</a:t>
+            </a:r>
+            <a:r>
+              <a:rPr lang="en-US" dirty="0" smtClean="0">
+                <a:latin typeface="Times New Roman" panose="02020603050405020304" pitchFamily="18" charset="0"/>
+                <a:cs typeface="Times New Roman" panose="02020603050405020304" pitchFamily="18" charset="0"/>
+              </a:rPr>
+              <a:t> Loan Term tends to </a:t>
+            </a:r>
+            <a:r>
+              <a:rPr lang="en-US" b="1" dirty="0" smtClean="0">
+                <a:latin typeface="Times New Roman" panose="02020603050405020304" pitchFamily="18" charset="0"/>
+                <a:cs typeface="Times New Roman" panose="02020603050405020304" pitchFamily="18" charset="0"/>
+              </a:rPr>
+              <a:t>default more</a:t>
+            </a:r>
+            <a:r>
+              <a:rPr lang="en-US" dirty="0" smtClean="0">
+                <a:latin typeface="Times New Roman" panose="02020603050405020304" pitchFamily="18" charset="0"/>
+                <a:cs typeface="Times New Roman" panose="02020603050405020304" pitchFamily="18" charset="0"/>
+              </a:rPr>
+              <a:t> than shorter ones</a:t>
+            </a:r>
+            <a:endParaRPr lang="en-US" dirty="0">
+              <a:latin typeface="Times New Roman" panose="02020603050405020304" pitchFamily="18" charset="0"/>
+              <a:cs typeface="Times New Roman" panose="02020603050405020304" pitchFamily="18" charset="0"/>
+            </a:endParaRPr>
+          </a:p>
+        </p:txBody>
+      </p:sp>
+      <p:graphicFrame>
+        <p:nvGraphicFramePr>
+          <p:cNvPr id="12" name="Chart 11"/>
+          <p:cNvGraphicFramePr/>
+          <p:nvPr>
+            <p:extLst>
+              <p:ext uri="{D42A27DB-BD31-4B8C-83A1-F6EECF244321}">
+                <p14:modId xmlns:p14="http://schemas.microsoft.com/office/powerpoint/2010/main" val="3590600808"/>
+              </p:ext>
+            </p:extLst>
+          </p:nvPr>
+        </p:nvGraphicFramePr>
+        <p:xfrm>
+          <a:off x="1439334" y="3911594"/>
+          <a:ext cx="5113867" cy="1794932"/>
+        </p:xfrm>
+        <a:graphic>
+          <a:graphicData uri="http://schemas.openxmlformats.org/drawingml/2006/chart">
+            <c:chart xmlns:c="http://schemas.openxmlformats.org/drawingml/2006/chart" xmlns:r="http://schemas.openxmlformats.org/officeDocument/2006/relationships" r:id="rId3"/>
+          </a:graphicData>
+        </a:graphic>
+      </p:graphicFrame>
+      <p:sp>
+        <p:nvSpPr>
+          <p:cNvPr id="13" name="TextBox 12"/>
+          <p:cNvSpPr txBox="1"/>
+          <p:nvPr/>
+        </p:nvSpPr>
+        <p:spPr>
+          <a:xfrm>
+            <a:off x="6798733" y="3903126"/>
+            <a:ext cx="4216400" cy="1477328"/>
+          </a:xfrm>
+          <a:prstGeom prst="rect">
+            <a:avLst/>
+          </a:prstGeom>
+          <a:noFill/>
+        </p:spPr>
+        <p:txBody>
+          <a:bodyPr wrap="square" rtlCol="0">
+            <a:spAutoFit/>
+          </a:bodyPr>
+          <a:lstStyle/>
+          <a:p>
+            <a:pPr marL="285750" indent="-285750">
+              <a:buFont typeface="Arial" panose="020B0604020202020204" pitchFamily="34" charset="0"/>
+              <a:buChar char="•"/>
+            </a:pPr>
+            <a:r>
+              <a:rPr lang="en-US" dirty="0" smtClean="0">
+                <a:latin typeface="Times New Roman" panose="02020603050405020304" pitchFamily="18" charset="0"/>
+                <a:cs typeface="Times New Roman" panose="02020603050405020304" pitchFamily="18" charset="0"/>
+              </a:rPr>
+              <a:t>To address the above cause, we looked into the Interest Rates for the Applicants and observed that with the </a:t>
+            </a:r>
+            <a:r>
+              <a:rPr lang="en-US" b="1" dirty="0" smtClean="0">
+                <a:latin typeface="Times New Roman" panose="02020603050405020304" pitchFamily="18" charset="0"/>
+                <a:cs typeface="Times New Roman" panose="02020603050405020304" pitchFamily="18" charset="0"/>
+              </a:rPr>
+              <a:t>increase</a:t>
+            </a:r>
+            <a:r>
+              <a:rPr lang="en-US" dirty="0" smtClean="0">
+                <a:latin typeface="Times New Roman" panose="02020603050405020304" pitchFamily="18" charset="0"/>
+                <a:cs typeface="Times New Roman" panose="02020603050405020304" pitchFamily="18" charset="0"/>
+              </a:rPr>
+              <a:t> in </a:t>
+            </a:r>
+            <a:r>
+              <a:rPr lang="en-US" b="1" dirty="0" smtClean="0">
+                <a:latin typeface="Times New Roman" panose="02020603050405020304" pitchFamily="18" charset="0"/>
+                <a:cs typeface="Times New Roman" panose="02020603050405020304" pitchFamily="18" charset="0"/>
+              </a:rPr>
+              <a:t>Interest Rates</a:t>
+            </a:r>
+            <a:r>
+              <a:rPr lang="en-US" dirty="0" smtClean="0">
+                <a:latin typeface="Times New Roman" panose="02020603050405020304" pitchFamily="18" charset="0"/>
+                <a:cs typeface="Times New Roman" panose="02020603050405020304" pitchFamily="18" charset="0"/>
+              </a:rPr>
+              <a:t>, the chances of </a:t>
+            </a:r>
+            <a:r>
+              <a:rPr lang="en-US" b="1" dirty="0" smtClean="0">
+                <a:latin typeface="Times New Roman" panose="02020603050405020304" pitchFamily="18" charset="0"/>
+                <a:cs typeface="Times New Roman" panose="02020603050405020304" pitchFamily="18" charset="0"/>
+              </a:rPr>
+              <a:t>getting default</a:t>
+            </a:r>
+            <a:r>
+              <a:rPr lang="en-US" dirty="0" smtClean="0">
+                <a:latin typeface="Times New Roman" panose="02020603050405020304" pitchFamily="18" charset="0"/>
+                <a:cs typeface="Times New Roman" panose="02020603050405020304" pitchFamily="18" charset="0"/>
+              </a:rPr>
+              <a:t> also </a:t>
+            </a:r>
+            <a:r>
+              <a:rPr lang="en-US" b="1" dirty="0" smtClean="0">
+                <a:latin typeface="Times New Roman" panose="02020603050405020304" pitchFamily="18" charset="0"/>
+                <a:cs typeface="Times New Roman" panose="02020603050405020304" pitchFamily="18" charset="0"/>
+              </a:rPr>
+              <a:t>increases</a:t>
+            </a:r>
+            <a:r>
+              <a:rPr lang="en-US" dirty="0" smtClean="0">
+                <a:latin typeface="Times New Roman" panose="02020603050405020304" pitchFamily="18" charset="0"/>
+                <a:cs typeface="Times New Roman" panose="02020603050405020304" pitchFamily="18" charset="0"/>
+              </a:rPr>
+              <a:t>. </a:t>
+            </a:r>
+            <a:endParaRPr lang="en-US" b="1" dirty="0">
+              <a:latin typeface="Times New Roman" panose="02020603050405020304" pitchFamily="18" charset="0"/>
+              <a:cs typeface="Times New Roman" panose="02020603050405020304" pitchFamily="18" charset="0"/>
+            </a:endParaRPr>
+          </a:p>
+        </p:txBody>
+      </p:sp>
+      <p:pic>
+        <p:nvPicPr>
+          <p:cNvPr id="2050" name="Picture 2"/>
+          <p:cNvPicPr>
+            <a:picLocks noChangeAspect="1" noChangeArrowheads="1"/>
+          </p:cNvPicPr>
+          <p:nvPr/>
+        </p:nvPicPr>
+        <p:blipFill>
+          <a:blip r:embed="rId4">
+            <a:extLst>
+              <a:ext uri="{28A0092B-C50C-407E-A947-70E740481C1C}">
+                <a14:useLocalDpi xmlns:a14="http://schemas.microsoft.com/office/drawing/2010/main" val="0"/>
+              </a:ext>
+            </a:extLst>
+          </a:blip>
+          <a:srcRect/>
+          <a:stretch>
+            <a:fillRect/>
+          </a:stretch>
+        </p:blipFill>
+        <p:spPr bwMode="auto">
+          <a:xfrm>
+            <a:off x="3292642" y="1799744"/>
+            <a:ext cx="1881385" cy="228285"/>
+          </a:xfrm>
+          <a:prstGeom prst="rect">
+            <a:avLst/>
+          </a:prstGeom>
+          <a:noFill/>
+          <a:ln>
+            <a:noFill/>
+          </a:ln>
+          <a:extLst>
+            <a:ext uri="{909E8E84-426E-40DD-AFC4-6F175D3DCCD1}">
+              <a14:hiddenFill xmlns:a14="http://schemas.microsoft.com/office/drawing/2010/main">
+                <a:solidFill>
+                  <a:schemeClr val="accent1"/>
+                </a:solidFill>
+              </a14:hiddenFill>
+            </a:ext>
+            <a:ext uri="{91240B29-F687-4F45-9708-019B960494DF}">
+              <a14:hiddenLine xmlns:a14="http://schemas.microsoft.com/office/drawing/2010/main" w="9525">
+                <a:solidFill>
+                  <a:schemeClr val="tx1"/>
+                </a:solidFill>
+                <a:miter lim="800000"/>
+                <a:headEnd/>
+                <a:tailEnd/>
+              </a14:hiddenLine>
+            </a:ext>
+          </a:extLst>
+        </p:spPr>
+      </p:pic>
+      <p:pic>
+        <p:nvPicPr>
+          <p:cNvPr id="2052" name="Picture 4"/>
+          <p:cNvPicPr>
+            <a:picLocks noChangeAspect="1" noChangeArrowheads="1"/>
+          </p:cNvPicPr>
+          <p:nvPr/>
+        </p:nvPicPr>
+        <p:blipFill>
+          <a:blip r:embed="rId5" cstate="print">
+            <a:extLst>
+              <a:ext uri="{28A0092B-C50C-407E-A947-70E740481C1C}">
+                <a14:useLocalDpi xmlns:a14="http://schemas.microsoft.com/office/drawing/2010/main" val="0"/>
+              </a:ext>
+            </a:extLst>
+          </a:blip>
+          <a:srcRect/>
+          <a:stretch>
+            <a:fillRect/>
+          </a:stretch>
+        </p:blipFill>
+        <p:spPr bwMode="auto">
+          <a:xfrm>
+            <a:off x="1376252" y="6075004"/>
+            <a:ext cx="477398" cy="507445"/>
+          </a:xfrm>
+          <a:prstGeom prst="rect">
+            <a:avLst/>
+          </a:prstGeom>
+          <a:noFill/>
+          <a:ln>
+            <a:noFill/>
+          </a:ln>
+          <a:extLst>
+            <a:ext uri="{909E8E84-426E-40DD-AFC4-6F175D3DCCD1}">
+              <a14:hiddenFill xmlns:a14="http://schemas.microsoft.com/office/drawing/2010/main">
+                <a:solidFill>
+                  <a:schemeClr val="accent1"/>
+                </a:solidFill>
+              </a14:hiddenFill>
+            </a:ext>
+            <a:ext uri="{91240B29-F687-4F45-9708-019B960494DF}">
+              <a14:hiddenLine xmlns:a14="http://schemas.microsoft.com/office/drawing/2010/main" w="9525">
+                <a:solidFill>
+                  <a:schemeClr val="tx1"/>
+                </a:solidFill>
+                <a:miter lim="800000"/>
+                <a:headEnd/>
+                <a:tailEnd/>
+              </a14:hiddenLine>
+            </a:ext>
+          </a:extLst>
+        </p:spPr>
+      </p:pic>
+      <p:cxnSp>
+        <p:nvCxnSpPr>
+          <p:cNvPr id="15" name="Straight Connector 14"/>
+          <p:cNvCxnSpPr/>
+          <p:nvPr/>
+        </p:nvCxnSpPr>
+        <p:spPr>
+          <a:xfrm>
+            <a:off x="1015994" y="5943605"/>
+            <a:ext cx="10532533" cy="0"/>
+          </a:xfrm>
+          <a:prstGeom prst="line">
+            <a:avLst/>
+          </a:prstGeom>
+          <a:ln w="19050">
+            <a:solidFill>
+              <a:schemeClr val="tx2"/>
+            </a:solidFill>
+            <a:prstDash val="solid"/>
+          </a:ln>
+        </p:spPr>
+        <p:style>
+          <a:lnRef idx="1">
+            <a:schemeClr val="accent1"/>
+          </a:lnRef>
+          <a:fillRef idx="0">
+            <a:schemeClr val="accent1"/>
+          </a:fillRef>
+          <a:effectRef idx="0">
+            <a:schemeClr val="accent1"/>
+          </a:effectRef>
+          <a:fontRef idx="minor">
+            <a:schemeClr val="tx1"/>
+          </a:fontRef>
+        </p:style>
+      </p:cxnSp>
+      <p:sp>
+        <p:nvSpPr>
+          <p:cNvPr id="22" name="TextBox 21"/>
+          <p:cNvSpPr txBox="1"/>
+          <p:nvPr/>
+        </p:nvSpPr>
+        <p:spPr>
+          <a:xfrm>
+            <a:off x="2638712" y="2043719"/>
+            <a:ext cx="3126177" cy="286657"/>
+          </a:xfrm>
+          <a:prstGeom prst="rect">
+            <a:avLst/>
+          </a:prstGeom>
+          <a:noFill/>
+        </p:spPr>
+        <p:txBody>
+          <a:bodyPr wrap="square" rtlCol="0">
+            <a:spAutoFit/>
+          </a:bodyPr>
+          <a:lstStyle/>
+          <a:p>
+            <a:r>
+              <a:rPr lang="en-US" sz="1200" dirty="0" smtClean="0">
+                <a:latin typeface="Times New Roman" panose="02020603050405020304" pitchFamily="18" charset="0"/>
+                <a:cs typeface="Times New Roman" panose="02020603050405020304" pitchFamily="18" charset="0"/>
+              </a:rPr>
+              <a:t>Distribution of Loan Term across Loan Status</a:t>
+            </a:r>
+            <a:endParaRPr lang="en-US" sz="1200" dirty="0">
+              <a:latin typeface="Times New Roman" panose="02020603050405020304" pitchFamily="18" charset="0"/>
+              <a:cs typeface="Times New Roman" panose="02020603050405020304" pitchFamily="18" charset="0"/>
+            </a:endParaRPr>
+          </a:p>
+        </p:txBody>
+      </p:sp>
+      <p:sp>
+        <p:nvSpPr>
+          <p:cNvPr id="23" name="TextBox 22"/>
+          <p:cNvSpPr txBox="1"/>
+          <p:nvPr/>
+        </p:nvSpPr>
+        <p:spPr>
+          <a:xfrm>
+            <a:off x="2651746" y="3791392"/>
+            <a:ext cx="3265550" cy="276999"/>
+          </a:xfrm>
+          <a:prstGeom prst="rect">
+            <a:avLst/>
+          </a:prstGeom>
+          <a:noFill/>
+        </p:spPr>
+        <p:txBody>
+          <a:bodyPr wrap="square" rtlCol="0">
+            <a:spAutoFit/>
+          </a:bodyPr>
+          <a:lstStyle/>
+          <a:p>
+            <a:r>
+              <a:rPr lang="en-US" sz="1200" dirty="0" smtClean="0">
+                <a:latin typeface="Times New Roman" panose="02020603050405020304" pitchFamily="18" charset="0"/>
+                <a:cs typeface="Times New Roman" panose="02020603050405020304" pitchFamily="18" charset="0"/>
+              </a:rPr>
+              <a:t>Distribution of Interest Rates across Loan Status</a:t>
+            </a:r>
+            <a:endParaRPr lang="en-US" sz="1200" dirty="0">
+              <a:latin typeface="Times New Roman" panose="02020603050405020304" pitchFamily="18" charset="0"/>
+              <a:cs typeface="Times New Roman" panose="02020603050405020304" pitchFamily="18" charset="0"/>
+            </a:endParaRPr>
+          </a:p>
+        </p:txBody>
+      </p:sp>
+    </p:spTree>
+    <p:extLst>
+      <p:ext uri="{BB962C8B-B14F-4D97-AF65-F5344CB8AC3E}">
+        <p14:creationId xmlns:p14="http://schemas.microsoft.com/office/powerpoint/2010/main" val="579953595"/>
+      </p:ext>
+    </p:extLst>
+  </p:cSld>
+  <p:clrMapOvr>
+    <a:masterClrMapping/>
+  </p:clrMapOvr>
+  <p:timing>
+    <p:tnLst>
+      <p:par>
+        <p:cTn id="1" dur="indefinite" restart="never" nodeType="tmRoot"/>
+      </p:par>
+    </p:tnLst>
+  </p:timing>
+</p:sld>
+</file>
+
+<file path=ppt/slides/slide7.xml><?xml version="1.0" encoding="utf-8"?>
+<p:sld xmlns:a="http://schemas.openxmlformats.org/drawingml/2006/main" xmlns:r="http://schemas.openxmlformats.org/officeDocument/2006/relationships" xmlns:p="http://schemas.openxmlformats.org/presentationml/2006/main">
+  <p:cSld>
+    <p:spTree>
+      <p:nvGrpSpPr>
+        <p:cNvPr id="1" name=""/>
+        <p:cNvGrpSpPr/>
+        <p:nvPr/>
+      </p:nvGrpSpPr>
+      <p:grpSpPr>
+        <a:xfrm>
+          <a:off x="0" y="0"/>
+          <a:ext cx="0" cy="0"/>
+          <a:chOff x="0" y="0"/>
+          <a:chExt cx="0" cy="0"/>
+        </a:xfrm>
+      </p:grpSpPr>
+      <p:graphicFrame>
+        <p:nvGraphicFramePr>
+          <p:cNvPr id="3" name="Chart 2"/>
+          <p:cNvGraphicFramePr/>
+          <p:nvPr>
+            <p:extLst>
+              <p:ext uri="{D42A27DB-BD31-4B8C-83A1-F6EECF244321}">
+                <p14:modId xmlns:p14="http://schemas.microsoft.com/office/powerpoint/2010/main" val="650515289"/>
+              </p:ext>
+            </p:extLst>
+          </p:nvPr>
+        </p:nvGraphicFramePr>
+        <p:xfrm>
+          <a:off x="1401653" y="1663657"/>
+          <a:ext cx="5447881" cy="2218295"/>
+        </p:xfrm>
+        <a:graphic>
+          <a:graphicData uri="http://schemas.openxmlformats.org/drawingml/2006/chart">
+            <c:chart xmlns:c="http://schemas.openxmlformats.org/drawingml/2006/chart" xmlns:r="http://schemas.openxmlformats.org/officeDocument/2006/relationships" r:id="rId2"/>
+          </a:graphicData>
+        </a:graphic>
+      </p:graphicFrame>
+      <p:graphicFrame>
+        <p:nvGraphicFramePr>
+          <p:cNvPr id="20" name="Chart 19"/>
+          <p:cNvGraphicFramePr/>
+          <p:nvPr>
+            <p:extLst>
+              <p:ext uri="{D42A27DB-BD31-4B8C-83A1-F6EECF244321}">
+                <p14:modId xmlns:p14="http://schemas.microsoft.com/office/powerpoint/2010/main" val="1947933191"/>
+              </p:ext>
+            </p:extLst>
+          </p:nvPr>
+        </p:nvGraphicFramePr>
+        <p:xfrm>
+          <a:off x="1410120" y="2777055"/>
+          <a:ext cx="5439415" cy="1769541"/>
+        </p:xfrm>
+        <a:graphic>
+          <a:graphicData uri="http://schemas.openxmlformats.org/drawingml/2006/chart">
+            <c:chart xmlns:c="http://schemas.openxmlformats.org/drawingml/2006/chart" xmlns:r="http://schemas.openxmlformats.org/officeDocument/2006/relationships" r:id="rId3"/>
+          </a:graphicData>
+        </a:graphic>
+      </p:graphicFrame>
+      <p:sp>
+        <p:nvSpPr>
+          <p:cNvPr id="4" name="Title 1"/>
+          <p:cNvSpPr>
+            <a:spLocks noGrp="1"/>
+          </p:cNvSpPr>
+          <p:nvPr>
+            <p:ph type="title"/>
+          </p:nvPr>
+        </p:nvSpPr>
+        <p:spPr>
+          <a:xfrm>
+            <a:off x="1136469" y="640080"/>
+            <a:ext cx="9313817" cy="856138"/>
+          </a:xfrm>
+        </p:spPr>
+        <p:txBody>
+          <a:bodyPr>
+            <a:normAutofit fontScale="90000"/>
+          </a:bodyPr>
+          <a:lstStyle/>
+          <a:p>
+            <a:r>
+              <a:rPr lang="en-IN" b="1" dirty="0" smtClean="0"/>
+              <a:t>Hypothesis – II</a:t>
+            </a:r>
+            <a:br>
+              <a:rPr lang="en-IN" b="1" dirty="0" smtClean="0"/>
+            </a:br>
+            <a:r>
+              <a:rPr lang="en-IN" sz="3100" i="1" dirty="0" smtClean="0"/>
+              <a:t>Does Loan Term also affect other factors?</a:t>
+            </a:r>
+            <a:endParaRPr lang="en-IN" sz="3100" i="1" dirty="0"/>
+          </a:p>
+        </p:txBody>
+      </p:sp>
+      <p:sp>
+        <p:nvSpPr>
+          <p:cNvPr id="6" name="Rectangle 5"/>
+          <p:cNvSpPr/>
+          <p:nvPr/>
+        </p:nvSpPr>
+        <p:spPr>
+          <a:xfrm>
+            <a:off x="1836624" y="6045208"/>
+            <a:ext cx="9381711" cy="660393"/>
+          </a:xfrm>
+          <a:prstGeom prst="rect">
+            <a:avLst/>
+          </a:prstGeom>
+          <a:noFill/>
+          <a:ln>
+            <a:noFill/>
+          </a:ln>
+        </p:spPr>
+        <p:style>
+          <a:lnRef idx="1">
+            <a:schemeClr val="accent5"/>
+          </a:lnRef>
+          <a:fillRef idx="2">
+            <a:schemeClr val="accent5"/>
+          </a:fillRef>
+          <a:effectRef idx="1">
+            <a:schemeClr val="accent5"/>
+          </a:effectRef>
+          <a:fontRef idx="minor">
+            <a:schemeClr val="dk1"/>
+          </a:fontRef>
+        </p:style>
+        <p:txBody>
+          <a:bodyPr rtlCol="0" anchor="t"/>
+          <a:lstStyle/>
+          <a:p>
+            <a:r>
+              <a:rPr lang="en-US" sz="1200" dirty="0" smtClean="0">
+                <a:solidFill>
+                  <a:schemeClr val="tx1"/>
+                </a:solidFill>
+                <a:latin typeface="Times New Roman" panose="02020603050405020304" pitchFamily="18" charset="0"/>
+                <a:cs typeface="Times New Roman" panose="02020603050405020304" pitchFamily="18" charset="0"/>
+              </a:rPr>
+              <a:t>“</a:t>
+            </a:r>
+            <a:r>
+              <a:rPr lang="en-US" sz="1200" i="1" dirty="0" smtClean="0">
+                <a:solidFill>
+                  <a:schemeClr val="tx1"/>
+                </a:solidFill>
+                <a:latin typeface="Times New Roman" panose="02020603050405020304" pitchFamily="18" charset="0"/>
+                <a:cs typeface="Times New Roman" panose="02020603050405020304" pitchFamily="18" charset="0"/>
+              </a:rPr>
+              <a:t>Debt Consolidation </a:t>
+            </a:r>
+            <a:r>
+              <a:rPr lang="en-US" sz="1200" i="1" dirty="0" smtClean="0">
+                <a:solidFill>
+                  <a:schemeClr val="tx1"/>
+                </a:solidFill>
+                <a:latin typeface="Times New Roman" panose="02020603050405020304" pitchFamily="18" charset="0"/>
+                <a:cs typeface="Times New Roman" panose="02020603050405020304" pitchFamily="18" charset="0"/>
+              </a:rPr>
+              <a:t>captured to be a </a:t>
+            </a:r>
+            <a:r>
+              <a:rPr lang="en-US" sz="1200" i="1" dirty="0" smtClean="0">
+                <a:solidFill>
+                  <a:schemeClr val="tx1"/>
+                </a:solidFill>
+                <a:latin typeface="Times New Roman" panose="02020603050405020304" pitchFamily="18" charset="0"/>
+                <a:cs typeface="Times New Roman" panose="02020603050405020304" pitchFamily="18" charset="0"/>
+              </a:rPr>
+              <a:t>very common purpose for </a:t>
+            </a:r>
+            <a:r>
+              <a:rPr lang="en-US" sz="1200" i="1" dirty="0" smtClean="0">
+                <a:solidFill>
+                  <a:schemeClr val="tx1"/>
+                </a:solidFill>
+                <a:latin typeface="Times New Roman" panose="02020603050405020304" pitchFamily="18" charset="0"/>
+                <a:cs typeface="Times New Roman" panose="02020603050405020304" pitchFamily="18" charset="0"/>
+              </a:rPr>
+              <a:t>Loan Application</a:t>
+            </a:r>
+            <a:r>
+              <a:rPr lang="en-US" sz="1200" i="1" dirty="0" smtClean="0">
+                <a:solidFill>
+                  <a:schemeClr val="tx1"/>
+                </a:solidFill>
+                <a:latin typeface="Times New Roman" panose="02020603050405020304" pitchFamily="18" charset="0"/>
+                <a:cs typeface="Times New Roman" panose="02020603050405020304" pitchFamily="18" charset="0"/>
+              </a:rPr>
+              <a:t>. </a:t>
+            </a:r>
+            <a:r>
+              <a:rPr lang="en-US" sz="1200" i="1" dirty="0" smtClean="0">
+                <a:solidFill>
+                  <a:schemeClr val="tx1"/>
+                </a:solidFill>
+                <a:latin typeface="Times New Roman" panose="02020603050405020304" pitchFamily="18" charset="0"/>
+                <a:cs typeface="Times New Roman" panose="02020603050405020304" pitchFamily="18" charset="0"/>
+              </a:rPr>
+              <a:t>However, applicants opting for a Loan Term of </a:t>
+            </a:r>
+            <a:r>
+              <a:rPr lang="en-US" sz="1200" b="1" i="1" dirty="0" smtClean="0">
+                <a:solidFill>
+                  <a:schemeClr val="tx1"/>
+                </a:solidFill>
+                <a:latin typeface="Times New Roman" panose="02020603050405020304" pitchFamily="18" charset="0"/>
+                <a:cs typeface="Times New Roman" panose="02020603050405020304" pitchFamily="18" charset="0"/>
+              </a:rPr>
+              <a:t>60 Months </a:t>
+            </a:r>
+            <a:r>
+              <a:rPr lang="en-US" sz="1200" i="1" dirty="0" smtClean="0">
+                <a:solidFill>
+                  <a:schemeClr val="tx1"/>
+                </a:solidFill>
+                <a:latin typeface="Times New Roman" panose="02020603050405020304" pitchFamily="18" charset="0"/>
+                <a:cs typeface="Times New Roman" panose="02020603050405020304" pitchFamily="18" charset="0"/>
+              </a:rPr>
+              <a:t>have higher chances </a:t>
+            </a:r>
+            <a:r>
+              <a:rPr lang="en-US" sz="1200" i="1" dirty="0" smtClean="0">
+                <a:solidFill>
+                  <a:schemeClr val="tx1"/>
+                </a:solidFill>
+                <a:latin typeface="Times New Roman" panose="02020603050405020304" pitchFamily="18" charset="0"/>
+                <a:cs typeface="Times New Roman" panose="02020603050405020304" pitchFamily="18" charset="0"/>
+              </a:rPr>
+              <a:t>of getting at </a:t>
+            </a:r>
+            <a:r>
+              <a:rPr lang="en-US" sz="1200" i="1" dirty="0" smtClean="0">
+                <a:solidFill>
+                  <a:schemeClr val="tx1"/>
+                </a:solidFill>
+                <a:latin typeface="Times New Roman" panose="02020603050405020304" pitchFamily="18" charset="0"/>
+                <a:cs typeface="Times New Roman" panose="02020603050405020304" pitchFamily="18" charset="0"/>
+              </a:rPr>
+              <a:t>default. Also, when looked at the Verification Status, majority of the Applicant were found Verified for the same term. </a:t>
+            </a:r>
+            <a:r>
+              <a:rPr lang="en-US" sz="1200" b="1" i="1" dirty="0">
+                <a:solidFill>
+                  <a:schemeClr val="tx1"/>
+                </a:solidFill>
+                <a:latin typeface="Times New Roman" panose="02020603050405020304" pitchFamily="18" charset="0"/>
+                <a:cs typeface="Times New Roman" panose="02020603050405020304" pitchFamily="18" charset="0"/>
+              </a:rPr>
+              <a:t>Consumer Finance </a:t>
+            </a:r>
+            <a:r>
+              <a:rPr lang="en-US" sz="1200" b="1" i="1" dirty="0" smtClean="0">
+                <a:solidFill>
+                  <a:schemeClr val="tx1"/>
+                </a:solidFill>
+                <a:latin typeface="Times New Roman" panose="02020603050405020304" pitchFamily="18" charset="0"/>
+                <a:cs typeface="Times New Roman" panose="02020603050405020304" pitchFamily="18" charset="0"/>
+              </a:rPr>
+              <a:t>Company </a:t>
+            </a:r>
+            <a:r>
+              <a:rPr lang="en-US" sz="1200" i="1" dirty="0" smtClean="0">
+                <a:solidFill>
+                  <a:schemeClr val="tx1"/>
+                </a:solidFill>
+                <a:latin typeface="Times New Roman" panose="02020603050405020304" pitchFamily="18" charset="0"/>
+                <a:cs typeface="Times New Roman" panose="02020603050405020304" pitchFamily="18" charset="0"/>
+              </a:rPr>
+              <a:t>can scrutinize the verification process to understand specific trait of Borrower’s at default.”</a:t>
+            </a:r>
+            <a:endParaRPr lang="en-US" sz="1200" i="1" dirty="0" smtClean="0">
+              <a:solidFill>
+                <a:schemeClr val="tx1"/>
+              </a:solidFill>
+              <a:latin typeface="Times New Roman" panose="02020603050405020304" pitchFamily="18" charset="0"/>
+              <a:cs typeface="Times New Roman" panose="02020603050405020304" pitchFamily="18" charset="0"/>
+            </a:endParaRPr>
+          </a:p>
+          <a:p>
+            <a:r>
+              <a:rPr lang="en-US" sz="1200" dirty="0" smtClean="0">
+                <a:solidFill>
+                  <a:schemeClr val="tx1"/>
+                </a:solidFill>
+                <a:latin typeface="Times New Roman" panose="02020603050405020304" pitchFamily="18" charset="0"/>
+                <a:cs typeface="Times New Roman" panose="02020603050405020304" pitchFamily="18" charset="0"/>
+              </a:rPr>
+              <a:t>”</a:t>
+            </a:r>
+            <a:endParaRPr lang="en-US" sz="1200" dirty="0" smtClean="0">
+              <a:solidFill>
+                <a:schemeClr val="tx1"/>
+              </a:solidFill>
+              <a:latin typeface="Times New Roman" panose="02020603050405020304" pitchFamily="18" charset="0"/>
+              <a:cs typeface="Times New Roman" panose="02020603050405020304" pitchFamily="18" charset="0"/>
+            </a:endParaRPr>
+          </a:p>
+        </p:txBody>
+      </p:sp>
+      <p:sp>
+        <p:nvSpPr>
+          <p:cNvPr id="10" name="Rounded Rectangle 9"/>
+          <p:cNvSpPr/>
+          <p:nvPr/>
+        </p:nvSpPr>
+        <p:spPr>
+          <a:xfrm>
+            <a:off x="1015994" y="1650999"/>
+            <a:ext cx="10532533" cy="5122333"/>
+          </a:xfrm>
+          <a:prstGeom prst="roundRect">
+            <a:avLst/>
+          </a:prstGeom>
+          <a:noFill/>
+          <a:ln>
+            <a:solidFill>
+              <a:schemeClr val="tx2"/>
+            </a:solidFill>
+            <a:prstDash val="lgDash"/>
+          </a:ln>
+        </p:spPr>
+        <p:style>
+          <a:lnRef idx="2">
+            <a:schemeClr val="accent1">
+              <a:shade val="50000"/>
+            </a:schemeClr>
+          </a:lnRef>
+          <a:fillRef idx="1">
+            <a:schemeClr val="accent1"/>
+          </a:fillRef>
+          <a:effectRef idx="0">
+            <a:schemeClr val="accent1"/>
+          </a:effectRef>
+          <a:fontRef idx="minor">
+            <a:schemeClr val="lt1"/>
+          </a:fontRef>
+        </p:style>
+        <p:txBody>
+          <a:bodyPr rtlCol="0" anchor="ctr"/>
+          <a:lstStyle/>
+          <a:p>
+            <a:pPr algn="ctr"/>
+            <a:endParaRPr lang="en-US" dirty="0"/>
+          </a:p>
+        </p:txBody>
+      </p:sp>
+      <p:sp>
+        <p:nvSpPr>
+          <p:cNvPr id="11" name="TextBox 10"/>
+          <p:cNvSpPr txBox="1"/>
+          <p:nvPr/>
+        </p:nvSpPr>
+        <p:spPr>
+          <a:xfrm>
+            <a:off x="7061210" y="2066286"/>
+            <a:ext cx="4487334" cy="1200329"/>
+          </a:xfrm>
+          <a:prstGeom prst="rect">
+            <a:avLst/>
+          </a:prstGeom>
+          <a:noFill/>
+        </p:spPr>
+        <p:txBody>
+          <a:bodyPr wrap="square" rtlCol="0">
+            <a:spAutoFit/>
+          </a:bodyPr>
+          <a:lstStyle/>
+          <a:p>
+            <a:pPr marL="285750" indent="-285750">
+              <a:buFont typeface="Arial" panose="020B0604020202020204" pitchFamily="34" charset="0"/>
+              <a:buChar char="•"/>
+            </a:pPr>
+            <a:r>
+              <a:rPr lang="en-US" dirty="0" smtClean="0">
+                <a:latin typeface="Times New Roman" panose="02020603050405020304" pitchFamily="18" charset="0"/>
+                <a:cs typeface="Times New Roman" panose="02020603050405020304" pitchFamily="18" charset="0"/>
+              </a:rPr>
+              <a:t>It was observed that Applicants having </a:t>
+            </a:r>
+            <a:r>
+              <a:rPr lang="en-US" b="1" dirty="0" smtClean="0">
+                <a:latin typeface="Times New Roman" panose="02020603050405020304" pitchFamily="18" charset="0"/>
+                <a:cs typeface="Times New Roman" panose="02020603050405020304" pitchFamily="18" charset="0"/>
+              </a:rPr>
+              <a:t>Debt Consolidation</a:t>
+            </a:r>
+            <a:r>
+              <a:rPr lang="en-US" dirty="0" smtClean="0">
+                <a:latin typeface="Times New Roman" panose="02020603050405020304" pitchFamily="18" charset="0"/>
+                <a:cs typeface="Times New Roman" panose="02020603050405020304" pitchFamily="18" charset="0"/>
+              </a:rPr>
+              <a:t> as the purpose of Loan tends to default with a higher chance over a Loan Term of </a:t>
+            </a:r>
+            <a:r>
+              <a:rPr lang="en-US" b="1" dirty="0" smtClean="0">
+                <a:latin typeface="Times New Roman" panose="02020603050405020304" pitchFamily="18" charset="0"/>
+                <a:cs typeface="Times New Roman" panose="02020603050405020304" pitchFamily="18" charset="0"/>
+              </a:rPr>
+              <a:t>60 Months</a:t>
+            </a:r>
+          </a:p>
+        </p:txBody>
+      </p:sp>
+      <p:pic>
+        <p:nvPicPr>
+          <p:cNvPr id="2050" name="Picture 2"/>
+          <p:cNvPicPr>
+            <a:picLocks noChangeAspect="1" noChangeArrowheads="1"/>
+          </p:cNvPicPr>
+          <p:nvPr/>
+        </p:nvPicPr>
+        <p:blipFill>
+          <a:blip r:embed="rId4">
+            <a:extLst>
+              <a:ext uri="{28A0092B-C50C-407E-A947-70E740481C1C}">
+                <a14:useLocalDpi xmlns:a14="http://schemas.microsoft.com/office/drawing/2010/main" val="0"/>
+              </a:ext>
+            </a:extLst>
+          </a:blip>
+          <a:srcRect/>
+          <a:stretch>
+            <a:fillRect/>
+          </a:stretch>
+        </p:blipFill>
+        <p:spPr bwMode="auto">
+          <a:xfrm>
+            <a:off x="3402713" y="1681206"/>
+            <a:ext cx="1881385" cy="228285"/>
+          </a:xfrm>
+          <a:prstGeom prst="rect">
+            <a:avLst/>
+          </a:prstGeom>
+          <a:noFill/>
+          <a:ln>
+            <a:noFill/>
+          </a:ln>
+          <a:extLst>
+            <a:ext uri="{909E8E84-426E-40DD-AFC4-6F175D3DCCD1}">
+              <a14:hiddenFill xmlns:a14="http://schemas.microsoft.com/office/drawing/2010/main">
+                <a:solidFill>
+                  <a:schemeClr val="accent1"/>
+                </a:solidFill>
+              </a14:hiddenFill>
+            </a:ext>
+            <a:ext uri="{91240B29-F687-4F45-9708-019B960494DF}">
+              <a14:hiddenLine xmlns:a14="http://schemas.microsoft.com/office/drawing/2010/main" w="9525">
+                <a:solidFill>
+                  <a:schemeClr val="tx1"/>
+                </a:solidFill>
+                <a:miter lim="800000"/>
+                <a:headEnd/>
+                <a:tailEnd/>
+              </a14:hiddenLine>
+            </a:ext>
+          </a:extLst>
+        </p:spPr>
+      </p:pic>
+      <p:pic>
+        <p:nvPicPr>
+          <p:cNvPr id="2052" name="Picture 4"/>
+          <p:cNvPicPr>
+            <a:picLocks noChangeAspect="1" noChangeArrowheads="1"/>
+          </p:cNvPicPr>
+          <p:nvPr/>
+        </p:nvPicPr>
+        <p:blipFill>
+          <a:blip r:embed="rId5" cstate="print">
+            <a:extLst>
+              <a:ext uri="{28A0092B-C50C-407E-A947-70E740481C1C}">
+                <a14:useLocalDpi xmlns:a14="http://schemas.microsoft.com/office/drawing/2010/main" val="0"/>
+              </a:ext>
+            </a:extLst>
+          </a:blip>
+          <a:srcRect/>
+          <a:stretch>
+            <a:fillRect/>
+          </a:stretch>
+        </p:blipFill>
+        <p:spPr bwMode="auto">
+          <a:xfrm>
+            <a:off x="1376252" y="6075004"/>
+            <a:ext cx="477398" cy="507445"/>
+          </a:xfrm>
+          <a:prstGeom prst="rect">
+            <a:avLst/>
+          </a:prstGeom>
+          <a:noFill/>
+          <a:ln>
+            <a:noFill/>
+          </a:ln>
+          <a:extLst>
+            <a:ext uri="{909E8E84-426E-40DD-AFC4-6F175D3DCCD1}">
+              <a14:hiddenFill xmlns:a14="http://schemas.microsoft.com/office/drawing/2010/main">
+                <a:solidFill>
+                  <a:schemeClr val="accent1"/>
+                </a:solidFill>
+              </a14:hiddenFill>
+            </a:ext>
+            <a:ext uri="{91240B29-F687-4F45-9708-019B960494DF}">
+              <a14:hiddenLine xmlns:a14="http://schemas.microsoft.com/office/drawing/2010/main" w="9525">
+                <a:solidFill>
+                  <a:schemeClr val="tx1"/>
+                </a:solidFill>
+                <a:miter lim="800000"/>
+                <a:headEnd/>
+                <a:tailEnd/>
+              </a14:hiddenLine>
+            </a:ext>
+          </a:extLst>
+        </p:spPr>
+      </p:pic>
+      <p:cxnSp>
+        <p:nvCxnSpPr>
+          <p:cNvPr id="15" name="Straight Connector 14"/>
+          <p:cNvCxnSpPr/>
+          <p:nvPr/>
+        </p:nvCxnSpPr>
+        <p:spPr>
+          <a:xfrm>
+            <a:off x="1015994" y="5943605"/>
+            <a:ext cx="10532533" cy="0"/>
+          </a:xfrm>
+          <a:prstGeom prst="line">
+            <a:avLst/>
+          </a:prstGeom>
+          <a:ln w="19050">
+            <a:solidFill>
+              <a:schemeClr val="tx2"/>
+            </a:solidFill>
+            <a:prstDash val="solid"/>
+          </a:ln>
+        </p:spPr>
+        <p:style>
+          <a:lnRef idx="1">
+            <a:schemeClr val="accent1"/>
+          </a:lnRef>
+          <a:fillRef idx="0">
+            <a:schemeClr val="accent1"/>
+          </a:fillRef>
+          <a:effectRef idx="0">
+            <a:schemeClr val="accent1"/>
+          </a:effectRef>
+          <a:fontRef idx="minor">
+            <a:schemeClr val="tx1"/>
+          </a:fontRef>
+        </p:style>
+      </p:cxnSp>
+      <p:sp>
+        <p:nvSpPr>
+          <p:cNvPr id="22" name="TextBox 21"/>
+          <p:cNvSpPr txBox="1"/>
+          <p:nvPr/>
+        </p:nvSpPr>
+        <p:spPr>
+          <a:xfrm>
+            <a:off x="2257467" y="1865912"/>
+            <a:ext cx="4269671" cy="461665"/>
+          </a:xfrm>
+          <a:prstGeom prst="rect">
+            <a:avLst/>
+          </a:prstGeom>
+          <a:noFill/>
+        </p:spPr>
+        <p:txBody>
+          <a:bodyPr wrap="square" rtlCol="0">
+            <a:spAutoFit/>
+          </a:bodyPr>
+          <a:lstStyle/>
+          <a:p>
+            <a:pPr algn="ctr"/>
+            <a:r>
+              <a:rPr lang="en-US" sz="1200" b="1" dirty="0" smtClean="0">
+                <a:latin typeface="Times New Roman" panose="02020603050405020304" pitchFamily="18" charset="0"/>
+                <a:cs typeface="Times New Roman" panose="02020603050405020304" pitchFamily="18" charset="0"/>
+              </a:rPr>
+              <a:t>Distribution of Loan Term across Top 6 Purpose Categories</a:t>
+            </a:r>
+            <a:endParaRPr lang="en-US" sz="1200" b="1" dirty="0">
+              <a:latin typeface="Times New Roman" panose="02020603050405020304" pitchFamily="18" charset="0"/>
+              <a:cs typeface="Times New Roman" panose="02020603050405020304" pitchFamily="18" charset="0"/>
+            </a:endParaRPr>
+          </a:p>
+        </p:txBody>
+      </p:sp>
+      <p:graphicFrame>
+        <p:nvGraphicFramePr>
+          <p:cNvPr id="24" name="Chart 23"/>
+          <p:cNvGraphicFramePr/>
+          <p:nvPr>
+            <p:extLst>
+              <p:ext uri="{D42A27DB-BD31-4B8C-83A1-F6EECF244321}">
+                <p14:modId xmlns:p14="http://schemas.microsoft.com/office/powerpoint/2010/main" val="1524968709"/>
+              </p:ext>
+            </p:extLst>
+          </p:nvPr>
+        </p:nvGraphicFramePr>
+        <p:xfrm>
+          <a:off x="1376252" y="4715933"/>
+          <a:ext cx="5642615" cy="1049897"/>
+        </p:xfrm>
+        <a:graphic>
+          <a:graphicData uri="http://schemas.openxmlformats.org/drawingml/2006/chart">
+            <c:chart xmlns:c="http://schemas.openxmlformats.org/drawingml/2006/chart" xmlns:r="http://schemas.openxmlformats.org/officeDocument/2006/relationships" r:id="rId6"/>
+          </a:graphicData>
+        </a:graphic>
+      </p:graphicFrame>
+      <p:graphicFrame>
+        <p:nvGraphicFramePr>
+          <p:cNvPr id="27" name="Chart 26"/>
+          <p:cNvGraphicFramePr/>
+          <p:nvPr>
+            <p:extLst>
+              <p:ext uri="{D42A27DB-BD31-4B8C-83A1-F6EECF244321}">
+                <p14:modId xmlns:p14="http://schemas.microsoft.com/office/powerpoint/2010/main" val="399298857"/>
+              </p:ext>
+            </p:extLst>
+          </p:nvPr>
+        </p:nvGraphicFramePr>
+        <p:xfrm>
+          <a:off x="1376252" y="4292175"/>
+          <a:ext cx="5642615" cy="743701"/>
+        </p:xfrm>
+        <a:graphic>
+          <a:graphicData uri="http://schemas.openxmlformats.org/drawingml/2006/chart">
+            <c:chart xmlns:c="http://schemas.openxmlformats.org/drawingml/2006/chart" xmlns:r="http://schemas.openxmlformats.org/officeDocument/2006/relationships" r:id="rId7"/>
+          </a:graphicData>
+        </a:graphic>
+      </p:graphicFrame>
+      <p:sp>
+        <p:nvSpPr>
+          <p:cNvPr id="28" name="TextBox 27"/>
+          <p:cNvSpPr txBox="1"/>
+          <p:nvPr/>
+        </p:nvSpPr>
+        <p:spPr>
+          <a:xfrm>
+            <a:off x="2632209" y="4199673"/>
+            <a:ext cx="3782675" cy="461665"/>
+          </a:xfrm>
+          <a:prstGeom prst="rect">
+            <a:avLst/>
+          </a:prstGeom>
+          <a:noFill/>
+        </p:spPr>
+        <p:txBody>
+          <a:bodyPr wrap="square" rtlCol="0">
+            <a:spAutoFit/>
+          </a:bodyPr>
+          <a:lstStyle/>
+          <a:p>
+            <a:r>
+              <a:rPr lang="en-US" sz="1200" b="1" dirty="0" smtClean="0">
+                <a:latin typeface="Times New Roman" panose="02020603050405020304" pitchFamily="18" charset="0"/>
+                <a:cs typeface="Times New Roman" panose="02020603050405020304" pitchFamily="18" charset="0"/>
+              </a:rPr>
+              <a:t>Distribution of Loan Term across Verification Status</a:t>
+            </a:r>
+            <a:endParaRPr lang="en-US" sz="1200" b="1" dirty="0">
+              <a:latin typeface="Times New Roman" panose="02020603050405020304" pitchFamily="18" charset="0"/>
+              <a:cs typeface="Times New Roman" panose="02020603050405020304" pitchFamily="18" charset="0"/>
+            </a:endParaRPr>
+          </a:p>
+        </p:txBody>
+      </p:sp>
+      <p:sp>
+        <p:nvSpPr>
+          <p:cNvPr id="29" name="TextBox 28"/>
+          <p:cNvSpPr txBox="1"/>
+          <p:nvPr/>
+        </p:nvSpPr>
+        <p:spPr>
+          <a:xfrm>
+            <a:off x="1961482" y="3746986"/>
+            <a:ext cx="547626" cy="400110"/>
+          </a:xfrm>
+          <a:prstGeom prst="rect">
+            <a:avLst/>
+          </a:prstGeom>
+          <a:noFill/>
+        </p:spPr>
+        <p:txBody>
+          <a:bodyPr wrap="square" rtlCol="0">
+            <a:spAutoFit/>
+          </a:bodyPr>
+          <a:lstStyle/>
+          <a:p>
+            <a:pPr algn="ctr"/>
+            <a:r>
+              <a:rPr lang="en-US" sz="1000" dirty="0" smtClean="0">
+                <a:latin typeface="Times New Roman" panose="02020603050405020304" pitchFamily="18" charset="0"/>
+                <a:cs typeface="Times New Roman" panose="02020603050405020304" pitchFamily="18" charset="0"/>
+              </a:rPr>
+              <a:t>Credit Card</a:t>
+            </a:r>
+            <a:endParaRPr lang="en-US" sz="1000" dirty="0">
+              <a:latin typeface="Times New Roman" panose="02020603050405020304" pitchFamily="18" charset="0"/>
+              <a:cs typeface="Times New Roman" panose="02020603050405020304" pitchFamily="18" charset="0"/>
+            </a:endParaRPr>
+          </a:p>
+        </p:txBody>
+      </p:sp>
+      <p:sp>
+        <p:nvSpPr>
+          <p:cNvPr id="31" name="TextBox 30"/>
+          <p:cNvSpPr txBox="1"/>
+          <p:nvPr/>
+        </p:nvSpPr>
+        <p:spPr>
+          <a:xfrm>
+            <a:off x="2450250" y="3756603"/>
+            <a:ext cx="970154" cy="416227"/>
+          </a:xfrm>
+          <a:prstGeom prst="rect">
+            <a:avLst/>
+          </a:prstGeom>
+          <a:noFill/>
+        </p:spPr>
+        <p:txBody>
+          <a:bodyPr wrap="square" rtlCol="0">
+            <a:spAutoFit/>
+          </a:bodyPr>
+          <a:lstStyle/>
+          <a:p>
+            <a:pPr algn="ctr"/>
+            <a:r>
+              <a:rPr lang="en-US" sz="1000" dirty="0" smtClean="0">
+                <a:latin typeface="Times New Roman" panose="02020603050405020304" pitchFamily="18" charset="0"/>
+                <a:cs typeface="Times New Roman" panose="02020603050405020304" pitchFamily="18" charset="0"/>
+              </a:rPr>
+              <a:t>Debt Consolidation</a:t>
+            </a:r>
+            <a:endParaRPr lang="en-US" sz="1000" dirty="0">
+              <a:latin typeface="Times New Roman" panose="02020603050405020304" pitchFamily="18" charset="0"/>
+              <a:cs typeface="Times New Roman" panose="02020603050405020304" pitchFamily="18" charset="0"/>
+            </a:endParaRPr>
+          </a:p>
+        </p:txBody>
+      </p:sp>
+      <p:sp>
+        <p:nvSpPr>
+          <p:cNvPr id="32" name="TextBox 31"/>
+          <p:cNvSpPr txBox="1"/>
+          <p:nvPr/>
+        </p:nvSpPr>
+        <p:spPr>
+          <a:xfrm>
+            <a:off x="3223174" y="3753540"/>
+            <a:ext cx="891624" cy="400110"/>
+          </a:xfrm>
+          <a:prstGeom prst="rect">
+            <a:avLst/>
+          </a:prstGeom>
+          <a:noFill/>
+        </p:spPr>
+        <p:txBody>
+          <a:bodyPr wrap="square" rtlCol="0">
+            <a:spAutoFit/>
+          </a:bodyPr>
+          <a:lstStyle/>
+          <a:p>
+            <a:pPr algn="ctr"/>
+            <a:r>
+              <a:rPr lang="en-US" sz="1000" dirty="0" smtClean="0">
+                <a:latin typeface="Times New Roman" panose="02020603050405020304" pitchFamily="18" charset="0"/>
+                <a:cs typeface="Times New Roman" panose="02020603050405020304" pitchFamily="18" charset="0"/>
+              </a:rPr>
+              <a:t>Home Improvement</a:t>
+            </a:r>
+            <a:endParaRPr lang="en-US" sz="1000" dirty="0">
+              <a:latin typeface="Times New Roman" panose="02020603050405020304" pitchFamily="18" charset="0"/>
+              <a:cs typeface="Times New Roman" panose="02020603050405020304" pitchFamily="18" charset="0"/>
+            </a:endParaRPr>
+          </a:p>
+        </p:txBody>
+      </p:sp>
+      <p:sp>
+        <p:nvSpPr>
+          <p:cNvPr id="33" name="TextBox 32"/>
+          <p:cNvSpPr txBox="1"/>
+          <p:nvPr/>
+        </p:nvSpPr>
+        <p:spPr>
+          <a:xfrm>
+            <a:off x="4018465" y="3745326"/>
+            <a:ext cx="773667" cy="400110"/>
+          </a:xfrm>
+          <a:prstGeom prst="rect">
+            <a:avLst/>
+          </a:prstGeom>
+          <a:noFill/>
+        </p:spPr>
+        <p:txBody>
+          <a:bodyPr wrap="square" rtlCol="0">
+            <a:spAutoFit/>
+          </a:bodyPr>
+          <a:lstStyle/>
+          <a:p>
+            <a:pPr algn="ctr"/>
+            <a:r>
+              <a:rPr lang="en-US" sz="1000" dirty="0" smtClean="0">
+                <a:latin typeface="Times New Roman" panose="02020603050405020304" pitchFamily="18" charset="0"/>
+                <a:cs typeface="Times New Roman" panose="02020603050405020304" pitchFamily="18" charset="0"/>
+              </a:rPr>
+              <a:t>Major Purchase</a:t>
+            </a:r>
+            <a:endParaRPr lang="en-US" sz="1000" dirty="0">
+              <a:latin typeface="Times New Roman" panose="02020603050405020304" pitchFamily="18" charset="0"/>
+              <a:cs typeface="Times New Roman" panose="02020603050405020304" pitchFamily="18" charset="0"/>
+            </a:endParaRPr>
+          </a:p>
+        </p:txBody>
+      </p:sp>
+      <p:sp>
+        <p:nvSpPr>
+          <p:cNvPr id="34" name="TextBox 33"/>
+          <p:cNvSpPr txBox="1"/>
+          <p:nvPr/>
+        </p:nvSpPr>
+        <p:spPr>
+          <a:xfrm>
+            <a:off x="4809954" y="3762260"/>
+            <a:ext cx="528425" cy="246221"/>
+          </a:xfrm>
+          <a:prstGeom prst="rect">
+            <a:avLst/>
+          </a:prstGeom>
+          <a:noFill/>
+        </p:spPr>
+        <p:txBody>
+          <a:bodyPr wrap="square" rtlCol="0">
+            <a:spAutoFit/>
+          </a:bodyPr>
+          <a:lstStyle/>
+          <a:p>
+            <a:pPr algn="ctr"/>
+            <a:r>
+              <a:rPr lang="en-US" sz="1000" dirty="0" smtClean="0">
+                <a:latin typeface="Times New Roman" panose="02020603050405020304" pitchFamily="18" charset="0"/>
+                <a:cs typeface="Times New Roman" panose="02020603050405020304" pitchFamily="18" charset="0"/>
+              </a:rPr>
+              <a:t>Other</a:t>
+            </a:r>
+            <a:endParaRPr lang="en-US" sz="1000" dirty="0">
+              <a:latin typeface="Times New Roman" panose="02020603050405020304" pitchFamily="18" charset="0"/>
+              <a:cs typeface="Times New Roman" panose="02020603050405020304" pitchFamily="18" charset="0"/>
+            </a:endParaRPr>
+          </a:p>
+        </p:txBody>
+      </p:sp>
+      <p:sp>
+        <p:nvSpPr>
+          <p:cNvPr id="35" name="TextBox 34"/>
+          <p:cNvSpPr txBox="1"/>
+          <p:nvPr/>
+        </p:nvSpPr>
+        <p:spPr>
+          <a:xfrm>
+            <a:off x="5404535" y="3753793"/>
+            <a:ext cx="771418" cy="400110"/>
+          </a:xfrm>
+          <a:prstGeom prst="rect">
+            <a:avLst/>
+          </a:prstGeom>
+          <a:noFill/>
+        </p:spPr>
+        <p:txBody>
+          <a:bodyPr wrap="square" rtlCol="0">
+            <a:spAutoFit/>
+          </a:bodyPr>
+          <a:lstStyle/>
+          <a:p>
+            <a:pPr algn="ctr"/>
+            <a:r>
+              <a:rPr lang="en-US" sz="1000" dirty="0" smtClean="0">
+                <a:latin typeface="Times New Roman" panose="02020603050405020304" pitchFamily="18" charset="0"/>
+                <a:cs typeface="Times New Roman" panose="02020603050405020304" pitchFamily="18" charset="0"/>
+              </a:rPr>
+              <a:t>Other Categories</a:t>
+            </a:r>
+            <a:endParaRPr lang="en-US" sz="1000" dirty="0">
+              <a:latin typeface="Times New Roman" panose="02020603050405020304" pitchFamily="18" charset="0"/>
+              <a:cs typeface="Times New Roman" panose="02020603050405020304" pitchFamily="18" charset="0"/>
+            </a:endParaRPr>
+          </a:p>
+        </p:txBody>
+      </p:sp>
+      <p:sp>
+        <p:nvSpPr>
+          <p:cNvPr id="36" name="TextBox 35"/>
+          <p:cNvSpPr txBox="1"/>
+          <p:nvPr/>
+        </p:nvSpPr>
+        <p:spPr>
+          <a:xfrm>
+            <a:off x="6133303" y="3763920"/>
+            <a:ext cx="771418" cy="400110"/>
+          </a:xfrm>
+          <a:prstGeom prst="rect">
+            <a:avLst/>
+          </a:prstGeom>
+          <a:noFill/>
+        </p:spPr>
+        <p:txBody>
+          <a:bodyPr wrap="square" rtlCol="0">
+            <a:spAutoFit/>
+          </a:bodyPr>
+          <a:lstStyle/>
+          <a:p>
+            <a:pPr algn="ctr"/>
+            <a:r>
+              <a:rPr lang="en-US" sz="1000" dirty="0" smtClean="0">
+                <a:latin typeface="Times New Roman" panose="02020603050405020304" pitchFamily="18" charset="0"/>
+                <a:cs typeface="Times New Roman" panose="02020603050405020304" pitchFamily="18" charset="0"/>
+              </a:rPr>
+              <a:t>Small Business</a:t>
+            </a:r>
+            <a:endParaRPr lang="en-US" sz="1000" dirty="0">
+              <a:latin typeface="Times New Roman" panose="02020603050405020304" pitchFamily="18" charset="0"/>
+              <a:cs typeface="Times New Roman" panose="02020603050405020304" pitchFamily="18" charset="0"/>
+            </a:endParaRPr>
+          </a:p>
+        </p:txBody>
+      </p:sp>
+      <p:pic>
+        <p:nvPicPr>
+          <p:cNvPr id="3074" name="Picture 2"/>
+          <p:cNvPicPr>
+            <a:picLocks noChangeAspect="1" noChangeArrowheads="1"/>
+          </p:cNvPicPr>
+          <p:nvPr/>
+        </p:nvPicPr>
+        <p:blipFill>
+          <a:blip r:embed="rId8">
+            <a:extLst>
+              <a:ext uri="{28A0092B-C50C-407E-A947-70E740481C1C}">
+                <a14:useLocalDpi xmlns:a14="http://schemas.microsoft.com/office/drawing/2010/main" val="0"/>
+              </a:ext>
+            </a:extLst>
+          </a:blip>
+          <a:srcRect/>
+          <a:stretch>
+            <a:fillRect/>
+          </a:stretch>
+        </p:blipFill>
+        <p:spPr bwMode="auto">
+          <a:xfrm>
+            <a:off x="1136311" y="4025586"/>
+            <a:ext cx="701315" cy="393595"/>
+          </a:xfrm>
+          <a:prstGeom prst="rect">
+            <a:avLst/>
+          </a:prstGeom>
+          <a:noFill/>
+          <a:ln>
+            <a:noFill/>
+          </a:ln>
+          <a:extLst>
+            <a:ext uri="{909E8E84-426E-40DD-AFC4-6F175D3DCCD1}">
+              <a14:hiddenFill xmlns:a14="http://schemas.microsoft.com/office/drawing/2010/main">
+                <a:solidFill>
+                  <a:schemeClr val="accent1"/>
+                </a:solidFill>
+              </a14:hiddenFill>
+            </a:ext>
+            <a:ext uri="{91240B29-F687-4F45-9708-019B960494DF}">
+              <a14:hiddenLine xmlns:a14="http://schemas.microsoft.com/office/drawing/2010/main" w="9525">
+                <a:solidFill>
+                  <a:schemeClr val="tx1"/>
+                </a:solidFill>
+                <a:miter lim="800000"/>
+                <a:headEnd/>
+                <a:tailEnd/>
+              </a14:hiddenLine>
+            </a:ext>
+          </a:extLst>
+        </p:spPr>
+      </p:pic>
+      <p:pic>
+        <p:nvPicPr>
+          <p:cNvPr id="3075" name="Picture 3"/>
+          <p:cNvPicPr>
+            <a:picLocks noChangeAspect="1" noChangeArrowheads="1"/>
+          </p:cNvPicPr>
+          <p:nvPr/>
+        </p:nvPicPr>
+        <p:blipFill>
+          <a:blip r:embed="rId9">
+            <a:extLst>
+              <a:ext uri="{28A0092B-C50C-407E-A947-70E740481C1C}">
+                <a14:useLocalDpi xmlns:a14="http://schemas.microsoft.com/office/drawing/2010/main" val="0"/>
+              </a:ext>
+            </a:extLst>
+          </a:blip>
+          <a:srcRect/>
+          <a:stretch>
+            <a:fillRect/>
+          </a:stretch>
+        </p:blipFill>
+        <p:spPr bwMode="auto">
+          <a:xfrm>
+            <a:off x="1143417" y="3508338"/>
+            <a:ext cx="744252" cy="379283"/>
+          </a:xfrm>
+          <a:prstGeom prst="rect">
+            <a:avLst/>
+          </a:prstGeom>
+          <a:noFill/>
+          <a:ln>
+            <a:noFill/>
+          </a:ln>
+          <a:extLst>
+            <a:ext uri="{909E8E84-426E-40DD-AFC4-6F175D3DCCD1}">
+              <a14:hiddenFill xmlns:a14="http://schemas.microsoft.com/office/drawing/2010/main">
+                <a:solidFill>
+                  <a:schemeClr val="accent1"/>
+                </a:solidFill>
+              </a14:hiddenFill>
+            </a:ext>
+            <a:ext uri="{91240B29-F687-4F45-9708-019B960494DF}">
+              <a14:hiddenLine xmlns:a14="http://schemas.microsoft.com/office/drawing/2010/main" w="9525">
+                <a:solidFill>
+                  <a:schemeClr val="tx1"/>
+                </a:solidFill>
+                <a:miter lim="800000"/>
+                <a:headEnd/>
+                <a:tailEnd/>
+              </a14:hiddenLine>
+            </a:ext>
+          </a:extLst>
+        </p:spPr>
+      </p:pic>
+      <p:sp>
+        <p:nvSpPr>
+          <p:cNvPr id="25" name="Rounded Rectangle 24"/>
+          <p:cNvSpPr/>
+          <p:nvPr/>
+        </p:nvSpPr>
+        <p:spPr>
+          <a:xfrm>
+            <a:off x="5562600" y="4514996"/>
+            <a:ext cx="1244600" cy="1124193"/>
+          </a:xfrm>
+          <a:prstGeom prst="roundRect">
+            <a:avLst/>
+          </a:prstGeom>
+          <a:noFill/>
+          <a:ln w="19050">
+            <a:solidFill>
+              <a:srgbClr val="A73719"/>
+            </a:solidFill>
+            <a:prstDash val="sysDash"/>
+          </a:ln>
+        </p:spPr>
+        <p:style>
+          <a:lnRef idx="2">
+            <a:schemeClr val="accent6">
+              <a:shade val="50000"/>
+            </a:schemeClr>
+          </a:lnRef>
+          <a:fillRef idx="1">
+            <a:schemeClr val="accent6"/>
+          </a:fillRef>
+          <a:effectRef idx="0">
+            <a:schemeClr val="accent6"/>
+          </a:effectRef>
+          <a:fontRef idx="minor">
+            <a:schemeClr val="lt1"/>
+          </a:fontRef>
+        </p:style>
+        <p:txBody>
+          <a:bodyPr rtlCol="0" anchor="ctr"/>
+          <a:lstStyle/>
+          <a:p>
+            <a:pPr algn="ctr"/>
+            <a:endParaRPr lang="en-US" dirty="0"/>
+          </a:p>
+        </p:txBody>
+      </p:sp>
+      <p:sp>
+        <p:nvSpPr>
+          <p:cNvPr id="30" name="TextBox 29"/>
+          <p:cNvSpPr txBox="1"/>
+          <p:nvPr/>
+        </p:nvSpPr>
+        <p:spPr>
+          <a:xfrm>
+            <a:off x="3864340" y="5637935"/>
+            <a:ext cx="1132726" cy="205319"/>
+          </a:xfrm>
+          <a:prstGeom prst="rect">
+            <a:avLst/>
+          </a:prstGeom>
+          <a:noFill/>
+        </p:spPr>
+        <p:txBody>
+          <a:bodyPr wrap="square" rtlCol="0">
+            <a:spAutoFit/>
+          </a:bodyPr>
+          <a:lstStyle/>
+          <a:p>
+            <a:pPr algn="ctr"/>
+            <a:r>
+              <a:rPr lang="en-US" sz="1000" dirty="0" smtClean="0">
+                <a:latin typeface="Times New Roman" panose="02020603050405020304" pitchFamily="18" charset="0"/>
+                <a:cs typeface="Times New Roman" panose="02020603050405020304" pitchFamily="18" charset="0"/>
+              </a:rPr>
+              <a:t>Source Verified</a:t>
+            </a:r>
+            <a:endParaRPr lang="en-US" sz="1000" dirty="0">
+              <a:latin typeface="Times New Roman" panose="02020603050405020304" pitchFamily="18" charset="0"/>
+              <a:cs typeface="Times New Roman" panose="02020603050405020304" pitchFamily="18" charset="0"/>
+            </a:endParaRPr>
+          </a:p>
+        </p:txBody>
+      </p:sp>
+      <p:sp>
+        <p:nvSpPr>
+          <p:cNvPr id="37" name="TextBox 36"/>
+          <p:cNvSpPr txBox="1"/>
+          <p:nvPr/>
+        </p:nvSpPr>
+        <p:spPr>
+          <a:xfrm>
+            <a:off x="2267533" y="5639189"/>
+            <a:ext cx="936137" cy="246221"/>
+          </a:xfrm>
+          <a:prstGeom prst="rect">
+            <a:avLst/>
+          </a:prstGeom>
+          <a:noFill/>
+        </p:spPr>
+        <p:txBody>
+          <a:bodyPr wrap="square" rtlCol="0">
+            <a:spAutoFit/>
+          </a:bodyPr>
+          <a:lstStyle/>
+          <a:p>
+            <a:pPr algn="ctr"/>
+            <a:r>
+              <a:rPr lang="en-US" sz="1000" dirty="0" smtClean="0">
+                <a:latin typeface="Times New Roman" panose="02020603050405020304" pitchFamily="18" charset="0"/>
+                <a:cs typeface="Times New Roman" panose="02020603050405020304" pitchFamily="18" charset="0"/>
+              </a:rPr>
+              <a:t>Not Verified</a:t>
+            </a:r>
+            <a:endParaRPr lang="en-US" sz="1000" dirty="0">
+              <a:latin typeface="Times New Roman" panose="02020603050405020304" pitchFamily="18" charset="0"/>
+              <a:cs typeface="Times New Roman" panose="02020603050405020304" pitchFamily="18" charset="0"/>
+            </a:endParaRPr>
+          </a:p>
+        </p:txBody>
+      </p:sp>
+      <p:sp>
+        <p:nvSpPr>
+          <p:cNvPr id="38" name="TextBox 37"/>
+          <p:cNvSpPr txBox="1"/>
+          <p:nvPr/>
+        </p:nvSpPr>
+        <p:spPr>
+          <a:xfrm>
+            <a:off x="5800845" y="5637934"/>
+            <a:ext cx="703334" cy="246221"/>
+          </a:xfrm>
+          <a:prstGeom prst="rect">
+            <a:avLst/>
+          </a:prstGeom>
+          <a:noFill/>
+        </p:spPr>
+        <p:txBody>
+          <a:bodyPr wrap="square" rtlCol="0">
+            <a:spAutoFit/>
+          </a:bodyPr>
+          <a:lstStyle/>
+          <a:p>
+            <a:pPr algn="ctr"/>
+            <a:r>
+              <a:rPr lang="en-US" sz="1000" dirty="0" smtClean="0">
+                <a:latin typeface="Times New Roman" panose="02020603050405020304" pitchFamily="18" charset="0"/>
+                <a:cs typeface="Times New Roman" panose="02020603050405020304" pitchFamily="18" charset="0"/>
+              </a:rPr>
+              <a:t>Verified</a:t>
+            </a:r>
+            <a:endParaRPr lang="en-US" sz="1000" dirty="0">
+              <a:latin typeface="Times New Roman" panose="02020603050405020304" pitchFamily="18" charset="0"/>
+              <a:cs typeface="Times New Roman" panose="02020603050405020304" pitchFamily="18" charset="0"/>
+            </a:endParaRPr>
+          </a:p>
+        </p:txBody>
+      </p:sp>
+      <p:sp>
+        <p:nvSpPr>
+          <p:cNvPr id="39" name="Rounded Rectangle 38"/>
+          <p:cNvSpPr/>
+          <p:nvPr/>
+        </p:nvSpPr>
+        <p:spPr>
+          <a:xfrm>
+            <a:off x="2615989" y="2097494"/>
+            <a:ext cx="638676" cy="1645930"/>
+          </a:xfrm>
+          <a:prstGeom prst="roundRect">
+            <a:avLst/>
+          </a:prstGeom>
+          <a:noFill/>
+          <a:ln w="19050">
+            <a:solidFill>
+              <a:srgbClr val="A73719"/>
+            </a:solidFill>
+            <a:prstDash val="sysDash"/>
+          </a:ln>
+        </p:spPr>
+        <p:style>
+          <a:lnRef idx="2">
+            <a:schemeClr val="accent6">
+              <a:shade val="50000"/>
+            </a:schemeClr>
+          </a:lnRef>
+          <a:fillRef idx="1">
+            <a:schemeClr val="accent6"/>
+          </a:fillRef>
+          <a:effectRef idx="0">
+            <a:schemeClr val="accent6"/>
+          </a:effectRef>
+          <a:fontRef idx="minor">
+            <a:schemeClr val="lt1"/>
+          </a:fontRef>
+        </p:style>
+        <p:txBody>
+          <a:bodyPr rtlCol="0" anchor="ctr"/>
+          <a:lstStyle/>
+          <a:p>
+            <a:pPr algn="ctr"/>
+            <a:endParaRPr lang="en-US" dirty="0"/>
+          </a:p>
+        </p:txBody>
+      </p:sp>
+      <p:sp>
+        <p:nvSpPr>
+          <p:cNvPr id="40" name="TextBox 39"/>
+          <p:cNvSpPr txBox="1"/>
+          <p:nvPr/>
+        </p:nvSpPr>
+        <p:spPr>
+          <a:xfrm>
+            <a:off x="7027257" y="4430652"/>
+            <a:ext cx="4191078" cy="1200329"/>
+          </a:xfrm>
+          <a:prstGeom prst="rect">
+            <a:avLst/>
+          </a:prstGeom>
+          <a:noFill/>
+        </p:spPr>
+        <p:txBody>
+          <a:bodyPr wrap="square" rtlCol="0">
+            <a:spAutoFit/>
+          </a:bodyPr>
+          <a:lstStyle/>
+          <a:p>
+            <a:pPr marL="285750" indent="-285750">
+              <a:buFont typeface="Arial" panose="020B0604020202020204" pitchFamily="34" charset="0"/>
+              <a:buChar char="•"/>
+            </a:pPr>
+            <a:r>
+              <a:rPr lang="en-US" dirty="0" smtClean="0">
+                <a:latin typeface="Times New Roman" panose="02020603050405020304" pitchFamily="18" charset="0"/>
+                <a:cs typeface="Times New Roman" panose="02020603050405020304" pitchFamily="18" charset="0"/>
+              </a:rPr>
+              <a:t>Applicants whose Verification Status showed </a:t>
+            </a:r>
+            <a:r>
+              <a:rPr lang="en-US" b="1" dirty="0" smtClean="0">
+                <a:latin typeface="Times New Roman" panose="02020603050405020304" pitchFamily="18" charset="0"/>
+                <a:cs typeface="Times New Roman" panose="02020603050405020304" pitchFamily="18" charset="0"/>
+              </a:rPr>
+              <a:t>Verified </a:t>
+            </a:r>
+            <a:r>
+              <a:rPr lang="en-US" dirty="0" smtClean="0">
+                <a:latin typeface="Times New Roman" panose="02020603050405020304" pitchFamily="18" charset="0"/>
+                <a:cs typeface="Times New Roman" panose="02020603050405020304" pitchFamily="18" charset="0"/>
+              </a:rPr>
+              <a:t>were captured more in the Charged off list for the Loan Term of </a:t>
+            </a:r>
+            <a:r>
+              <a:rPr lang="en-US" b="1" dirty="0" smtClean="0">
+                <a:latin typeface="Times New Roman" panose="02020603050405020304" pitchFamily="18" charset="0"/>
+                <a:cs typeface="Times New Roman" panose="02020603050405020304" pitchFamily="18" charset="0"/>
+              </a:rPr>
+              <a:t>60 Months</a:t>
+            </a:r>
+            <a:endParaRPr lang="en-US" b="1" dirty="0" smtClean="0">
+              <a:latin typeface="Times New Roman" panose="02020603050405020304" pitchFamily="18" charset="0"/>
+              <a:cs typeface="Times New Roman" panose="02020603050405020304" pitchFamily="18" charset="0"/>
+            </a:endParaRPr>
+          </a:p>
+        </p:txBody>
+      </p:sp>
+    </p:spTree>
+    <p:extLst>
+      <p:ext uri="{BB962C8B-B14F-4D97-AF65-F5344CB8AC3E}">
+        <p14:creationId xmlns:p14="http://schemas.microsoft.com/office/powerpoint/2010/main" val="4046850959"/>
+      </p:ext>
+    </p:extLst>
+  </p:cSld>
+  <p:clrMapOvr>
+    <a:masterClrMapping/>
+  </p:clrMapOvr>
+  <p:timing>
+    <p:tnLst>
+      <p:par>
+        <p:cTn id="1" dur="indefinite" restart="never" nodeType="tmRoot"/>
+      </p:par>
+    </p:tnLst>
+  </p:timing>
+</p:sld>
+</file>
+
+<file path=ppt/slides/slide8.xml><?xml version="1.0" encoding="utf-8"?>
+<p:sld xmlns:a="http://schemas.openxmlformats.org/drawingml/2006/main" xmlns:r="http://schemas.openxmlformats.org/officeDocument/2006/relationships" xmlns:p="http://schemas.openxmlformats.org/presentationml/2006/main">
+  <p:cSld>
+    <p:spTree>
+      <p:nvGrpSpPr>
+        <p:cNvPr id="1" name=""/>
+        <p:cNvGrpSpPr/>
+        <p:nvPr/>
+      </p:nvGrpSpPr>
+      <p:grpSpPr>
+        <a:xfrm>
+          <a:off x="0" y="0"/>
+          <a:ext cx="0" cy="0"/>
+          <a:chOff x="0" y="0"/>
+          <a:chExt cx="0" cy="0"/>
+        </a:xfrm>
+      </p:grpSpPr>
+      <p:graphicFrame>
+        <p:nvGraphicFramePr>
+          <p:cNvPr id="3" name="Chart 2"/>
+          <p:cNvGraphicFramePr/>
+          <p:nvPr>
+            <p:extLst>
+              <p:ext uri="{D42A27DB-BD31-4B8C-83A1-F6EECF244321}">
+                <p14:modId xmlns:p14="http://schemas.microsoft.com/office/powerpoint/2010/main" val="1256043303"/>
+              </p:ext>
+            </p:extLst>
+          </p:nvPr>
+        </p:nvGraphicFramePr>
+        <p:xfrm>
+          <a:off x="1401653" y="1663657"/>
+          <a:ext cx="5447881" cy="2218295"/>
+        </p:xfrm>
+        <a:graphic>
+          <a:graphicData uri="http://schemas.openxmlformats.org/drawingml/2006/chart">
+            <c:chart xmlns:c="http://schemas.openxmlformats.org/drawingml/2006/chart" xmlns:r="http://schemas.openxmlformats.org/officeDocument/2006/relationships" r:id="rId2"/>
+          </a:graphicData>
+        </a:graphic>
+      </p:graphicFrame>
+      <p:graphicFrame>
+        <p:nvGraphicFramePr>
+          <p:cNvPr id="20" name="Chart 19"/>
+          <p:cNvGraphicFramePr/>
+          <p:nvPr>
+            <p:extLst>
+              <p:ext uri="{D42A27DB-BD31-4B8C-83A1-F6EECF244321}">
+                <p14:modId xmlns:p14="http://schemas.microsoft.com/office/powerpoint/2010/main" val="1108150868"/>
+              </p:ext>
+            </p:extLst>
+          </p:nvPr>
+        </p:nvGraphicFramePr>
+        <p:xfrm>
+          <a:off x="1410120" y="2777055"/>
+          <a:ext cx="5439415" cy="1769541"/>
+        </p:xfrm>
+        <a:graphic>
+          <a:graphicData uri="http://schemas.openxmlformats.org/drawingml/2006/chart">
+            <c:chart xmlns:c="http://schemas.openxmlformats.org/drawingml/2006/chart" xmlns:r="http://schemas.openxmlformats.org/officeDocument/2006/relationships" r:id="rId3"/>
+          </a:graphicData>
+        </a:graphic>
+      </p:graphicFrame>
+      <p:sp>
+        <p:nvSpPr>
+          <p:cNvPr id="4" name="Title 1"/>
+          <p:cNvSpPr>
+            <a:spLocks noGrp="1"/>
+          </p:cNvSpPr>
+          <p:nvPr>
+            <p:ph type="title"/>
+          </p:nvPr>
+        </p:nvSpPr>
+        <p:spPr>
+          <a:xfrm>
+            <a:off x="1136469" y="640080"/>
+            <a:ext cx="9313817" cy="856138"/>
+          </a:xfrm>
+        </p:spPr>
+        <p:txBody>
+          <a:bodyPr>
+            <a:normAutofit fontScale="90000"/>
+          </a:bodyPr>
+          <a:lstStyle/>
+          <a:p>
+            <a:r>
+              <a:rPr lang="en-IN" b="1" dirty="0" smtClean="0"/>
+              <a:t>Hypothesis – </a:t>
+            </a:r>
+            <a:r>
+              <a:rPr lang="en-IN" b="1" dirty="0" smtClean="0"/>
+              <a:t>III</a:t>
+            </a:r>
+            <a:r>
+              <a:rPr lang="en-IN" b="1" dirty="0" smtClean="0"/>
+              <a:t/>
+            </a:r>
+            <a:br>
+              <a:rPr lang="en-IN" b="1" dirty="0" smtClean="0"/>
+            </a:br>
+            <a:r>
+              <a:rPr lang="en-IN" sz="3100" i="1" dirty="0" smtClean="0"/>
+              <a:t>Does Grades impact the Loan Status?</a:t>
+            </a:r>
+            <a:endParaRPr lang="en-IN" sz="3100" i="1" dirty="0"/>
+          </a:p>
+        </p:txBody>
+      </p:sp>
+      <p:sp>
+        <p:nvSpPr>
+          <p:cNvPr id="6" name="Rectangle 5"/>
+          <p:cNvSpPr/>
+          <p:nvPr/>
+        </p:nvSpPr>
+        <p:spPr>
+          <a:xfrm>
+            <a:off x="1836624" y="6045208"/>
+            <a:ext cx="9381711" cy="660393"/>
+          </a:xfrm>
+          <a:prstGeom prst="rect">
+            <a:avLst/>
+          </a:prstGeom>
+          <a:noFill/>
+          <a:ln>
+            <a:noFill/>
+          </a:ln>
+        </p:spPr>
+        <p:style>
+          <a:lnRef idx="1">
+            <a:schemeClr val="accent5"/>
+          </a:lnRef>
+          <a:fillRef idx="2">
+            <a:schemeClr val="accent5"/>
+          </a:fillRef>
+          <a:effectRef idx="1">
+            <a:schemeClr val="accent5"/>
+          </a:effectRef>
+          <a:fontRef idx="minor">
+            <a:schemeClr val="dk1"/>
+          </a:fontRef>
+        </p:style>
+        <p:txBody>
+          <a:bodyPr rtlCol="0" anchor="t"/>
+          <a:lstStyle/>
+          <a:p>
+            <a:r>
+              <a:rPr lang="en-US" sz="1200" dirty="0" smtClean="0">
+                <a:solidFill>
+                  <a:schemeClr val="tx1"/>
+                </a:solidFill>
+                <a:latin typeface="Times New Roman" panose="02020603050405020304" pitchFamily="18" charset="0"/>
+                <a:cs typeface="Times New Roman" panose="02020603050405020304" pitchFamily="18" charset="0"/>
+              </a:rPr>
+              <a:t>“</a:t>
+            </a:r>
+            <a:r>
+              <a:rPr lang="en-US" sz="1200" i="1" dirty="0" smtClean="0">
+                <a:solidFill>
+                  <a:schemeClr val="tx1"/>
+                </a:solidFill>
+                <a:latin typeface="Times New Roman" panose="02020603050405020304" pitchFamily="18" charset="0"/>
+                <a:cs typeface="Times New Roman" panose="02020603050405020304" pitchFamily="18" charset="0"/>
+              </a:rPr>
+              <a:t>Debt Consolidation </a:t>
+            </a:r>
+            <a:r>
+              <a:rPr lang="en-US" sz="1200" i="1" dirty="0" smtClean="0">
+                <a:solidFill>
+                  <a:schemeClr val="tx1"/>
+                </a:solidFill>
+                <a:latin typeface="Times New Roman" panose="02020603050405020304" pitchFamily="18" charset="0"/>
+                <a:cs typeface="Times New Roman" panose="02020603050405020304" pitchFamily="18" charset="0"/>
+              </a:rPr>
+              <a:t>captured to be a </a:t>
+            </a:r>
+            <a:r>
+              <a:rPr lang="en-US" sz="1200" i="1" dirty="0" smtClean="0">
+                <a:solidFill>
+                  <a:schemeClr val="tx1"/>
+                </a:solidFill>
+                <a:latin typeface="Times New Roman" panose="02020603050405020304" pitchFamily="18" charset="0"/>
+                <a:cs typeface="Times New Roman" panose="02020603050405020304" pitchFamily="18" charset="0"/>
+              </a:rPr>
+              <a:t>very common purpose for </a:t>
+            </a:r>
+            <a:r>
+              <a:rPr lang="en-US" sz="1200" i="1" dirty="0" smtClean="0">
+                <a:solidFill>
+                  <a:schemeClr val="tx1"/>
+                </a:solidFill>
+                <a:latin typeface="Times New Roman" panose="02020603050405020304" pitchFamily="18" charset="0"/>
+                <a:cs typeface="Times New Roman" panose="02020603050405020304" pitchFamily="18" charset="0"/>
+              </a:rPr>
+              <a:t>Loan Application</a:t>
+            </a:r>
+            <a:r>
+              <a:rPr lang="en-US" sz="1200" i="1" dirty="0" smtClean="0">
+                <a:solidFill>
+                  <a:schemeClr val="tx1"/>
+                </a:solidFill>
+                <a:latin typeface="Times New Roman" panose="02020603050405020304" pitchFamily="18" charset="0"/>
+                <a:cs typeface="Times New Roman" panose="02020603050405020304" pitchFamily="18" charset="0"/>
+              </a:rPr>
+              <a:t>. </a:t>
+            </a:r>
+            <a:r>
+              <a:rPr lang="en-US" sz="1200" i="1" dirty="0" smtClean="0">
+                <a:solidFill>
+                  <a:schemeClr val="tx1"/>
+                </a:solidFill>
+                <a:latin typeface="Times New Roman" panose="02020603050405020304" pitchFamily="18" charset="0"/>
+                <a:cs typeface="Times New Roman" panose="02020603050405020304" pitchFamily="18" charset="0"/>
+              </a:rPr>
+              <a:t>However, applicants opting for a Loan Term of </a:t>
+            </a:r>
+            <a:r>
+              <a:rPr lang="en-US" sz="1200" b="1" i="1" dirty="0" smtClean="0">
+                <a:solidFill>
+                  <a:schemeClr val="tx1"/>
+                </a:solidFill>
+                <a:latin typeface="Times New Roman" panose="02020603050405020304" pitchFamily="18" charset="0"/>
+                <a:cs typeface="Times New Roman" panose="02020603050405020304" pitchFamily="18" charset="0"/>
+              </a:rPr>
+              <a:t>60 Months </a:t>
+            </a:r>
+            <a:r>
+              <a:rPr lang="en-US" sz="1200" i="1" dirty="0" smtClean="0">
+                <a:solidFill>
+                  <a:schemeClr val="tx1"/>
+                </a:solidFill>
+                <a:latin typeface="Times New Roman" panose="02020603050405020304" pitchFamily="18" charset="0"/>
+                <a:cs typeface="Times New Roman" panose="02020603050405020304" pitchFamily="18" charset="0"/>
+              </a:rPr>
+              <a:t>have higher chances </a:t>
+            </a:r>
+            <a:r>
+              <a:rPr lang="en-US" sz="1200" i="1" dirty="0" smtClean="0">
+                <a:solidFill>
+                  <a:schemeClr val="tx1"/>
+                </a:solidFill>
+                <a:latin typeface="Times New Roman" panose="02020603050405020304" pitchFamily="18" charset="0"/>
+                <a:cs typeface="Times New Roman" panose="02020603050405020304" pitchFamily="18" charset="0"/>
+              </a:rPr>
+              <a:t>of getting at </a:t>
+            </a:r>
+            <a:r>
+              <a:rPr lang="en-US" sz="1200" i="1" dirty="0" smtClean="0">
+                <a:solidFill>
+                  <a:schemeClr val="tx1"/>
+                </a:solidFill>
+                <a:latin typeface="Times New Roman" panose="02020603050405020304" pitchFamily="18" charset="0"/>
+                <a:cs typeface="Times New Roman" panose="02020603050405020304" pitchFamily="18" charset="0"/>
+              </a:rPr>
+              <a:t>default. Also, when looked at the Verification Status, majority of the Applicant were found Verified for the same term. </a:t>
+            </a:r>
+            <a:r>
+              <a:rPr lang="en-US" sz="1200" b="1" i="1" dirty="0">
+                <a:solidFill>
+                  <a:schemeClr val="tx1"/>
+                </a:solidFill>
+                <a:latin typeface="Times New Roman" panose="02020603050405020304" pitchFamily="18" charset="0"/>
+                <a:cs typeface="Times New Roman" panose="02020603050405020304" pitchFamily="18" charset="0"/>
+              </a:rPr>
+              <a:t>Consumer Finance </a:t>
+            </a:r>
+            <a:r>
+              <a:rPr lang="en-US" sz="1200" b="1" i="1" dirty="0" smtClean="0">
+                <a:solidFill>
+                  <a:schemeClr val="tx1"/>
+                </a:solidFill>
+                <a:latin typeface="Times New Roman" panose="02020603050405020304" pitchFamily="18" charset="0"/>
+                <a:cs typeface="Times New Roman" panose="02020603050405020304" pitchFamily="18" charset="0"/>
+              </a:rPr>
+              <a:t>Company </a:t>
+            </a:r>
+            <a:r>
+              <a:rPr lang="en-US" sz="1200" i="1" dirty="0" smtClean="0">
+                <a:solidFill>
+                  <a:schemeClr val="tx1"/>
+                </a:solidFill>
+                <a:latin typeface="Times New Roman" panose="02020603050405020304" pitchFamily="18" charset="0"/>
+                <a:cs typeface="Times New Roman" panose="02020603050405020304" pitchFamily="18" charset="0"/>
+              </a:rPr>
+              <a:t>can scrutinize the verification process to understand specific trait of Borrower’s at default.”</a:t>
+            </a:r>
+            <a:endParaRPr lang="en-US" sz="1200" i="1" dirty="0" smtClean="0">
+              <a:solidFill>
+                <a:schemeClr val="tx1"/>
+              </a:solidFill>
+              <a:latin typeface="Times New Roman" panose="02020603050405020304" pitchFamily="18" charset="0"/>
+              <a:cs typeface="Times New Roman" panose="02020603050405020304" pitchFamily="18" charset="0"/>
+            </a:endParaRPr>
+          </a:p>
+          <a:p>
+            <a:r>
+              <a:rPr lang="en-US" sz="1200" dirty="0" smtClean="0">
+                <a:solidFill>
+                  <a:schemeClr val="tx1"/>
+                </a:solidFill>
+                <a:latin typeface="Times New Roman" panose="02020603050405020304" pitchFamily="18" charset="0"/>
+                <a:cs typeface="Times New Roman" panose="02020603050405020304" pitchFamily="18" charset="0"/>
+              </a:rPr>
+              <a:t>”</a:t>
+            </a:r>
+            <a:endParaRPr lang="en-US" sz="1200" dirty="0" smtClean="0">
+              <a:solidFill>
+                <a:schemeClr val="tx1"/>
+              </a:solidFill>
+              <a:latin typeface="Times New Roman" panose="02020603050405020304" pitchFamily="18" charset="0"/>
+              <a:cs typeface="Times New Roman" panose="02020603050405020304" pitchFamily="18" charset="0"/>
+            </a:endParaRPr>
+          </a:p>
+        </p:txBody>
+      </p:sp>
+      <p:sp>
+        <p:nvSpPr>
+          <p:cNvPr id="10" name="Rounded Rectangle 9"/>
+          <p:cNvSpPr/>
+          <p:nvPr/>
+        </p:nvSpPr>
+        <p:spPr>
+          <a:xfrm>
+            <a:off x="1015994" y="1650999"/>
+            <a:ext cx="10532533" cy="5122333"/>
+          </a:xfrm>
+          <a:prstGeom prst="roundRect">
+            <a:avLst/>
+          </a:prstGeom>
+          <a:noFill/>
+          <a:ln>
+            <a:solidFill>
+              <a:schemeClr val="tx2"/>
+            </a:solidFill>
+            <a:prstDash val="lgDash"/>
+          </a:ln>
+        </p:spPr>
+        <p:style>
+          <a:lnRef idx="2">
+            <a:schemeClr val="accent1">
+              <a:shade val="50000"/>
+            </a:schemeClr>
+          </a:lnRef>
+          <a:fillRef idx="1">
+            <a:schemeClr val="accent1"/>
+          </a:fillRef>
+          <a:effectRef idx="0">
+            <a:schemeClr val="accent1"/>
+          </a:effectRef>
+          <a:fontRef idx="minor">
+            <a:schemeClr val="lt1"/>
+          </a:fontRef>
+        </p:style>
+        <p:txBody>
+          <a:bodyPr rtlCol="0" anchor="ctr"/>
+          <a:lstStyle/>
+          <a:p>
+            <a:pPr algn="ctr"/>
+            <a:endParaRPr lang="en-US" dirty="0"/>
+          </a:p>
+        </p:txBody>
+      </p:sp>
+      <p:sp>
+        <p:nvSpPr>
+          <p:cNvPr id="11" name="TextBox 10"/>
+          <p:cNvSpPr txBox="1"/>
+          <p:nvPr/>
+        </p:nvSpPr>
+        <p:spPr>
+          <a:xfrm>
+            <a:off x="7061210" y="2066286"/>
+            <a:ext cx="4487334" cy="1200329"/>
+          </a:xfrm>
+          <a:prstGeom prst="rect">
+            <a:avLst/>
+          </a:prstGeom>
+          <a:noFill/>
+        </p:spPr>
+        <p:txBody>
+          <a:bodyPr wrap="square" rtlCol="0">
+            <a:spAutoFit/>
+          </a:bodyPr>
+          <a:lstStyle/>
+          <a:p>
+            <a:pPr marL="285750" indent="-285750">
+              <a:buFont typeface="Arial" panose="020B0604020202020204" pitchFamily="34" charset="0"/>
+              <a:buChar char="•"/>
+            </a:pPr>
+            <a:r>
+              <a:rPr lang="en-US" dirty="0" smtClean="0">
+                <a:latin typeface="Times New Roman" panose="02020603050405020304" pitchFamily="18" charset="0"/>
+                <a:cs typeface="Times New Roman" panose="02020603050405020304" pitchFamily="18" charset="0"/>
+              </a:rPr>
+              <a:t>It was observed that Applicants having </a:t>
+            </a:r>
+            <a:r>
+              <a:rPr lang="en-US" b="1" dirty="0" smtClean="0">
+                <a:latin typeface="Times New Roman" panose="02020603050405020304" pitchFamily="18" charset="0"/>
+                <a:cs typeface="Times New Roman" panose="02020603050405020304" pitchFamily="18" charset="0"/>
+              </a:rPr>
+              <a:t>Debt Consolidation</a:t>
+            </a:r>
+            <a:r>
+              <a:rPr lang="en-US" dirty="0" smtClean="0">
+                <a:latin typeface="Times New Roman" panose="02020603050405020304" pitchFamily="18" charset="0"/>
+                <a:cs typeface="Times New Roman" panose="02020603050405020304" pitchFamily="18" charset="0"/>
+              </a:rPr>
+              <a:t> as the purpose of Loan tends to default with a higher chance over a Loan Term of </a:t>
+            </a:r>
+            <a:r>
+              <a:rPr lang="en-US" b="1" dirty="0" smtClean="0">
+                <a:latin typeface="Times New Roman" panose="02020603050405020304" pitchFamily="18" charset="0"/>
+                <a:cs typeface="Times New Roman" panose="02020603050405020304" pitchFamily="18" charset="0"/>
+              </a:rPr>
+              <a:t>60 Months</a:t>
+            </a:r>
+          </a:p>
+        </p:txBody>
+      </p:sp>
+      <p:pic>
+        <p:nvPicPr>
+          <p:cNvPr id="2050" name="Picture 2"/>
+          <p:cNvPicPr>
+            <a:picLocks noChangeAspect="1" noChangeArrowheads="1"/>
+          </p:cNvPicPr>
+          <p:nvPr/>
+        </p:nvPicPr>
+        <p:blipFill>
+          <a:blip r:embed="rId4">
+            <a:extLst>
+              <a:ext uri="{28A0092B-C50C-407E-A947-70E740481C1C}">
+                <a14:useLocalDpi xmlns:a14="http://schemas.microsoft.com/office/drawing/2010/main" val="0"/>
+              </a:ext>
+            </a:extLst>
+          </a:blip>
+          <a:srcRect/>
+          <a:stretch>
+            <a:fillRect/>
+          </a:stretch>
+        </p:blipFill>
+        <p:spPr bwMode="auto">
+          <a:xfrm>
+            <a:off x="3402713" y="1681206"/>
+            <a:ext cx="1881385" cy="228285"/>
+          </a:xfrm>
+          <a:prstGeom prst="rect">
+            <a:avLst/>
+          </a:prstGeom>
+          <a:noFill/>
+          <a:ln>
+            <a:noFill/>
+          </a:ln>
+          <a:extLst>
+            <a:ext uri="{909E8E84-426E-40DD-AFC4-6F175D3DCCD1}">
+              <a14:hiddenFill xmlns:a14="http://schemas.microsoft.com/office/drawing/2010/main">
+                <a:solidFill>
+                  <a:schemeClr val="accent1"/>
+                </a:solidFill>
+              </a14:hiddenFill>
+            </a:ext>
+            <a:ext uri="{91240B29-F687-4F45-9708-019B960494DF}">
+              <a14:hiddenLine xmlns:a14="http://schemas.microsoft.com/office/drawing/2010/main" w="9525">
+                <a:solidFill>
+                  <a:schemeClr val="tx1"/>
+                </a:solidFill>
+                <a:miter lim="800000"/>
+                <a:headEnd/>
+                <a:tailEnd/>
+              </a14:hiddenLine>
+            </a:ext>
+          </a:extLst>
+        </p:spPr>
+      </p:pic>
+      <p:pic>
+        <p:nvPicPr>
+          <p:cNvPr id="2052" name="Picture 4"/>
+          <p:cNvPicPr>
+            <a:picLocks noChangeAspect="1" noChangeArrowheads="1"/>
+          </p:cNvPicPr>
+          <p:nvPr/>
+        </p:nvPicPr>
+        <p:blipFill>
+          <a:blip r:embed="rId5" cstate="print">
+            <a:extLst>
+              <a:ext uri="{28A0092B-C50C-407E-A947-70E740481C1C}">
+                <a14:useLocalDpi xmlns:a14="http://schemas.microsoft.com/office/drawing/2010/main" val="0"/>
+              </a:ext>
+            </a:extLst>
+          </a:blip>
+          <a:srcRect/>
+          <a:stretch>
+            <a:fillRect/>
+          </a:stretch>
+        </p:blipFill>
+        <p:spPr bwMode="auto">
+          <a:xfrm>
+            <a:off x="1376252" y="6075004"/>
+            <a:ext cx="477398" cy="507445"/>
+          </a:xfrm>
+          <a:prstGeom prst="rect">
+            <a:avLst/>
+          </a:prstGeom>
+          <a:noFill/>
+          <a:ln>
+            <a:noFill/>
+          </a:ln>
+          <a:extLst>
+            <a:ext uri="{909E8E84-426E-40DD-AFC4-6F175D3DCCD1}">
+              <a14:hiddenFill xmlns:a14="http://schemas.microsoft.com/office/drawing/2010/main">
+                <a:solidFill>
+                  <a:schemeClr val="accent1"/>
+                </a:solidFill>
+              </a14:hiddenFill>
+            </a:ext>
+            <a:ext uri="{91240B29-F687-4F45-9708-019B960494DF}">
+              <a14:hiddenLine xmlns:a14="http://schemas.microsoft.com/office/drawing/2010/main" w="9525">
+                <a:solidFill>
+                  <a:schemeClr val="tx1"/>
+                </a:solidFill>
+                <a:miter lim="800000"/>
+                <a:headEnd/>
+                <a:tailEnd/>
+              </a14:hiddenLine>
+            </a:ext>
+          </a:extLst>
+        </p:spPr>
+      </p:pic>
+      <p:cxnSp>
+        <p:nvCxnSpPr>
+          <p:cNvPr id="15" name="Straight Connector 14"/>
+          <p:cNvCxnSpPr/>
+          <p:nvPr/>
+        </p:nvCxnSpPr>
+        <p:spPr>
+          <a:xfrm>
+            <a:off x="1015994" y="5943605"/>
+            <a:ext cx="10532533" cy="0"/>
+          </a:xfrm>
+          <a:prstGeom prst="line">
+            <a:avLst/>
+          </a:prstGeom>
+          <a:ln w="19050">
+            <a:solidFill>
+              <a:schemeClr val="tx2"/>
+            </a:solidFill>
+            <a:prstDash val="solid"/>
+          </a:ln>
+        </p:spPr>
+        <p:style>
+          <a:lnRef idx="1">
+            <a:schemeClr val="accent1"/>
+          </a:lnRef>
+          <a:fillRef idx="0">
+            <a:schemeClr val="accent1"/>
+          </a:fillRef>
+          <a:effectRef idx="0">
+            <a:schemeClr val="accent1"/>
+          </a:effectRef>
+          <a:fontRef idx="minor">
+            <a:schemeClr val="tx1"/>
+          </a:fontRef>
+        </p:style>
+      </p:cxnSp>
+      <p:sp>
+        <p:nvSpPr>
+          <p:cNvPr id="22" name="TextBox 21"/>
+          <p:cNvSpPr txBox="1"/>
+          <p:nvPr/>
+        </p:nvSpPr>
+        <p:spPr>
+          <a:xfrm>
+            <a:off x="2257467" y="1865912"/>
+            <a:ext cx="4269671" cy="461665"/>
+          </a:xfrm>
+          <a:prstGeom prst="rect">
+            <a:avLst/>
+          </a:prstGeom>
+          <a:noFill/>
+        </p:spPr>
+        <p:txBody>
+          <a:bodyPr wrap="square" rtlCol="0">
+            <a:spAutoFit/>
+          </a:bodyPr>
+          <a:lstStyle/>
+          <a:p>
+            <a:pPr algn="ctr"/>
+            <a:r>
+              <a:rPr lang="en-US" sz="1200" b="1" dirty="0" smtClean="0">
+                <a:latin typeface="Times New Roman" panose="02020603050405020304" pitchFamily="18" charset="0"/>
+                <a:cs typeface="Times New Roman" panose="02020603050405020304" pitchFamily="18" charset="0"/>
+              </a:rPr>
+              <a:t>Distribution of Loan Term across Top 6 Purpose Categories</a:t>
+            </a:r>
+            <a:endParaRPr lang="en-US" sz="1200" b="1" dirty="0">
+              <a:latin typeface="Times New Roman" panose="02020603050405020304" pitchFamily="18" charset="0"/>
+              <a:cs typeface="Times New Roman" panose="02020603050405020304" pitchFamily="18" charset="0"/>
+            </a:endParaRPr>
+          </a:p>
+        </p:txBody>
+      </p:sp>
+      <p:graphicFrame>
+        <p:nvGraphicFramePr>
+          <p:cNvPr id="24" name="Chart 23"/>
+          <p:cNvGraphicFramePr/>
+          <p:nvPr>
+            <p:extLst>
+              <p:ext uri="{D42A27DB-BD31-4B8C-83A1-F6EECF244321}">
+                <p14:modId xmlns:p14="http://schemas.microsoft.com/office/powerpoint/2010/main" val="1800359518"/>
+              </p:ext>
+            </p:extLst>
+          </p:nvPr>
+        </p:nvGraphicFramePr>
+        <p:xfrm>
+          <a:off x="1376252" y="4715933"/>
+          <a:ext cx="5642615" cy="1049897"/>
+        </p:xfrm>
+        <a:graphic>
+          <a:graphicData uri="http://schemas.openxmlformats.org/drawingml/2006/chart">
+            <c:chart xmlns:c="http://schemas.openxmlformats.org/drawingml/2006/chart" xmlns:r="http://schemas.openxmlformats.org/officeDocument/2006/relationships" r:id="rId6"/>
+          </a:graphicData>
+        </a:graphic>
+      </p:graphicFrame>
+      <p:graphicFrame>
+        <p:nvGraphicFramePr>
+          <p:cNvPr id="27" name="Chart 26"/>
+          <p:cNvGraphicFramePr/>
+          <p:nvPr>
+            <p:extLst>
+              <p:ext uri="{D42A27DB-BD31-4B8C-83A1-F6EECF244321}">
+                <p14:modId xmlns:p14="http://schemas.microsoft.com/office/powerpoint/2010/main" val="703216518"/>
+              </p:ext>
+            </p:extLst>
+          </p:nvPr>
+        </p:nvGraphicFramePr>
+        <p:xfrm>
+          <a:off x="1376252" y="4292175"/>
+          <a:ext cx="5642615" cy="743701"/>
+        </p:xfrm>
+        <a:graphic>
+          <a:graphicData uri="http://schemas.openxmlformats.org/drawingml/2006/chart">
+            <c:chart xmlns:c="http://schemas.openxmlformats.org/drawingml/2006/chart" xmlns:r="http://schemas.openxmlformats.org/officeDocument/2006/relationships" r:id="rId7"/>
+          </a:graphicData>
+        </a:graphic>
+      </p:graphicFrame>
+      <p:sp>
+        <p:nvSpPr>
+          <p:cNvPr id="28" name="TextBox 27"/>
+          <p:cNvSpPr txBox="1"/>
+          <p:nvPr/>
+        </p:nvSpPr>
+        <p:spPr>
+          <a:xfrm>
+            <a:off x="2632209" y="4199673"/>
+            <a:ext cx="3782675" cy="461665"/>
+          </a:xfrm>
+          <a:prstGeom prst="rect">
+            <a:avLst/>
+          </a:prstGeom>
+          <a:noFill/>
+        </p:spPr>
+        <p:txBody>
+          <a:bodyPr wrap="square" rtlCol="0">
+            <a:spAutoFit/>
+          </a:bodyPr>
+          <a:lstStyle/>
+          <a:p>
+            <a:r>
+              <a:rPr lang="en-US" sz="1200" b="1" dirty="0" smtClean="0">
+                <a:latin typeface="Times New Roman" panose="02020603050405020304" pitchFamily="18" charset="0"/>
+                <a:cs typeface="Times New Roman" panose="02020603050405020304" pitchFamily="18" charset="0"/>
+              </a:rPr>
+              <a:t>Distribution of Loan Term across Verification Status</a:t>
+            </a:r>
+            <a:endParaRPr lang="en-US" sz="1200" b="1" dirty="0">
+              <a:latin typeface="Times New Roman" panose="02020603050405020304" pitchFamily="18" charset="0"/>
+              <a:cs typeface="Times New Roman" panose="02020603050405020304" pitchFamily="18" charset="0"/>
+            </a:endParaRPr>
+          </a:p>
+        </p:txBody>
+      </p:sp>
+      <p:sp>
+        <p:nvSpPr>
+          <p:cNvPr id="29" name="TextBox 28"/>
+          <p:cNvSpPr txBox="1"/>
+          <p:nvPr/>
+        </p:nvSpPr>
+        <p:spPr>
+          <a:xfrm>
+            <a:off x="1961482" y="3746986"/>
+            <a:ext cx="547626" cy="400110"/>
+          </a:xfrm>
+          <a:prstGeom prst="rect">
+            <a:avLst/>
+          </a:prstGeom>
+          <a:noFill/>
+        </p:spPr>
+        <p:txBody>
+          <a:bodyPr wrap="square" rtlCol="0">
+            <a:spAutoFit/>
+          </a:bodyPr>
+          <a:lstStyle/>
+          <a:p>
+            <a:pPr algn="ctr"/>
+            <a:r>
+              <a:rPr lang="en-US" sz="1000" dirty="0" smtClean="0">
+                <a:latin typeface="Times New Roman" panose="02020603050405020304" pitchFamily="18" charset="0"/>
+                <a:cs typeface="Times New Roman" panose="02020603050405020304" pitchFamily="18" charset="0"/>
+              </a:rPr>
+              <a:t>Credit Card</a:t>
+            </a:r>
+            <a:endParaRPr lang="en-US" sz="1000" dirty="0">
+              <a:latin typeface="Times New Roman" panose="02020603050405020304" pitchFamily="18" charset="0"/>
+              <a:cs typeface="Times New Roman" panose="02020603050405020304" pitchFamily="18" charset="0"/>
+            </a:endParaRPr>
+          </a:p>
+        </p:txBody>
+      </p:sp>
+      <p:sp>
+        <p:nvSpPr>
+          <p:cNvPr id="31" name="TextBox 30"/>
+          <p:cNvSpPr txBox="1"/>
+          <p:nvPr/>
+        </p:nvSpPr>
+        <p:spPr>
+          <a:xfrm>
+            <a:off x="2450250" y="3756603"/>
+            <a:ext cx="970154" cy="416227"/>
+          </a:xfrm>
+          <a:prstGeom prst="rect">
+            <a:avLst/>
+          </a:prstGeom>
+          <a:noFill/>
+        </p:spPr>
+        <p:txBody>
+          <a:bodyPr wrap="square" rtlCol="0">
+            <a:spAutoFit/>
+          </a:bodyPr>
+          <a:lstStyle/>
+          <a:p>
+            <a:pPr algn="ctr"/>
+            <a:r>
+              <a:rPr lang="en-US" sz="1000" dirty="0" smtClean="0">
+                <a:latin typeface="Times New Roman" panose="02020603050405020304" pitchFamily="18" charset="0"/>
+                <a:cs typeface="Times New Roman" panose="02020603050405020304" pitchFamily="18" charset="0"/>
+              </a:rPr>
+              <a:t>Debt Consolidation</a:t>
+            </a:r>
+            <a:endParaRPr lang="en-US" sz="1000" dirty="0">
+              <a:latin typeface="Times New Roman" panose="02020603050405020304" pitchFamily="18" charset="0"/>
+              <a:cs typeface="Times New Roman" panose="02020603050405020304" pitchFamily="18" charset="0"/>
+            </a:endParaRPr>
+          </a:p>
+        </p:txBody>
+      </p:sp>
+      <p:sp>
+        <p:nvSpPr>
+          <p:cNvPr id="32" name="TextBox 31"/>
+          <p:cNvSpPr txBox="1"/>
+          <p:nvPr/>
+        </p:nvSpPr>
+        <p:spPr>
+          <a:xfrm>
+            <a:off x="3223174" y="3753540"/>
+            <a:ext cx="891624" cy="400110"/>
+          </a:xfrm>
+          <a:prstGeom prst="rect">
+            <a:avLst/>
+          </a:prstGeom>
+          <a:noFill/>
+        </p:spPr>
+        <p:txBody>
+          <a:bodyPr wrap="square" rtlCol="0">
+            <a:spAutoFit/>
+          </a:bodyPr>
+          <a:lstStyle/>
+          <a:p>
+            <a:pPr algn="ctr"/>
+            <a:r>
+              <a:rPr lang="en-US" sz="1000" dirty="0" smtClean="0">
+                <a:latin typeface="Times New Roman" panose="02020603050405020304" pitchFamily="18" charset="0"/>
+                <a:cs typeface="Times New Roman" panose="02020603050405020304" pitchFamily="18" charset="0"/>
+              </a:rPr>
+              <a:t>Home Improvement</a:t>
+            </a:r>
+            <a:endParaRPr lang="en-US" sz="1000" dirty="0">
+              <a:latin typeface="Times New Roman" panose="02020603050405020304" pitchFamily="18" charset="0"/>
+              <a:cs typeface="Times New Roman" panose="02020603050405020304" pitchFamily="18" charset="0"/>
+            </a:endParaRPr>
+          </a:p>
+        </p:txBody>
+      </p:sp>
+      <p:sp>
+        <p:nvSpPr>
+          <p:cNvPr id="33" name="TextBox 32"/>
+          <p:cNvSpPr txBox="1"/>
+          <p:nvPr/>
+        </p:nvSpPr>
+        <p:spPr>
+          <a:xfrm>
+            <a:off x="4018465" y="3745326"/>
+            <a:ext cx="773667" cy="400110"/>
+          </a:xfrm>
+          <a:prstGeom prst="rect">
+            <a:avLst/>
+          </a:prstGeom>
+          <a:noFill/>
+        </p:spPr>
+        <p:txBody>
+          <a:bodyPr wrap="square" rtlCol="0">
+            <a:spAutoFit/>
+          </a:bodyPr>
+          <a:lstStyle/>
+          <a:p>
+            <a:pPr algn="ctr"/>
+            <a:r>
+              <a:rPr lang="en-US" sz="1000" dirty="0" smtClean="0">
+                <a:latin typeface="Times New Roman" panose="02020603050405020304" pitchFamily="18" charset="0"/>
+                <a:cs typeface="Times New Roman" panose="02020603050405020304" pitchFamily="18" charset="0"/>
+              </a:rPr>
+              <a:t>Major Purchase</a:t>
+            </a:r>
+            <a:endParaRPr lang="en-US" sz="1000" dirty="0">
+              <a:latin typeface="Times New Roman" panose="02020603050405020304" pitchFamily="18" charset="0"/>
+              <a:cs typeface="Times New Roman" panose="02020603050405020304" pitchFamily="18" charset="0"/>
+            </a:endParaRPr>
+          </a:p>
+        </p:txBody>
+      </p:sp>
+      <p:sp>
+        <p:nvSpPr>
+          <p:cNvPr id="34" name="TextBox 33"/>
+          <p:cNvSpPr txBox="1"/>
+          <p:nvPr/>
+        </p:nvSpPr>
+        <p:spPr>
+          <a:xfrm>
+            <a:off x="4809954" y="3762260"/>
+            <a:ext cx="528425" cy="246221"/>
+          </a:xfrm>
+          <a:prstGeom prst="rect">
+            <a:avLst/>
+          </a:prstGeom>
+          <a:noFill/>
+        </p:spPr>
+        <p:txBody>
+          <a:bodyPr wrap="square" rtlCol="0">
+            <a:spAutoFit/>
+          </a:bodyPr>
+          <a:lstStyle/>
+          <a:p>
+            <a:pPr algn="ctr"/>
+            <a:r>
+              <a:rPr lang="en-US" sz="1000" dirty="0" smtClean="0">
+                <a:latin typeface="Times New Roman" panose="02020603050405020304" pitchFamily="18" charset="0"/>
+                <a:cs typeface="Times New Roman" panose="02020603050405020304" pitchFamily="18" charset="0"/>
+              </a:rPr>
+              <a:t>Other</a:t>
+            </a:r>
+            <a:endParaRPr lang="en-US" sz="1000" dirty="0">
+              <a:latin typeface="Times New Roman" panose="02020603050405020304" pitchFamily="18" charset="0"/>
+              <a:cs typeface="Times New Roman" panose="02020603050405020304" pitchFamily="18" charset="0"/>
+            </a:endParaRPr>
+          </a:p>
+        </p:txBody>
+      </p:sp>
+      <p:sp>
+        <p:nvSpPr>
+          <p:cNvPr id="35" name="TextBox 34"/>
+          <p:cNvSpPr txBox="1"/>
+          <p:nvPr/>
+        </p:nvSpPr>
+        <p:spPr>
+          <a:xfrm>
+            <a:off x="5404535" y="3753793"/>
+            <a:ext cx="771418" cy="400110"/>
+          </a:xfrm>
+          <a:prstGeom prst="rect">
+            <a:avLst/>
+          </a:prstGeom>
+          <a:noFill/>
+        </p:spPr>
+        <p:txBody>
+          <a:bodyPr wrap="square" rtlCol="0">
+            <a:spAutoFit/>
+          </a:bodyPr>
+          <a:lstStyle/>
+          <a:p>
+            <a:pPr algn="ctr"/>
+            <a:r>
+              <a:rPr lang="en-US" sz="1000" dirty="0" smtClean="0">
+                <a:latin typeface="Times New Roman" panose="02020603050405020304" pitchFamily="18" charset="0"/>
+                <a:cs typeface="Times New Roman" panose="02020603050405020304" pitchFamily="18" charset="0"/>
+              </a:rPr>
+              <a:t>Other Categories</a:t>
+            </a:r>
+            <a:endParaRPr lang="en-US" sz="1000" dirty="0">
+              <a:latin typeface="Times New Roman" panose="02020603050405020304" pitchFamily="18" charset="0"/>
+              <a:cs typeface="Times New Roman" panose="02020603050405020304" pitchFamily="18" charset="0"/>
+            </a:endParaRPr>
+          </a:p>
+        </p:txBody>
+      </p:sp>
+      <p:sp>
+        <p:nvSpPr>
+          <p:cNvPr id="36" name="TextBox 35"/>
+          <p:cNvSpPr txBox="1"/>
+          <p:nvPr/>
+        </p:nvSpPr>
+        <p:spPr>
+          <a:xfrm>
+            <a:off x="6133303" y="3763920"/>
+            <a:ext cx="771418" cy="400110"/>
+          </a:xfrm>
+          <a:prstGeom prst="rect">
+            <a:avLst/>
+          </a:prstGeom>
+          <a:noFill/>
+        </p:spPr>
+        <p:txBody>
+          <a:bodyPr wrap="square" rtlCol="0">
+            <a:spAutoFit/>
+          </a:bodyPr>
+          <a:lstStyle/>
+          <a:p>
+            <a:pPr algn="ctr"/>
+            <a:r>
+              <a:rPr lang="en-US" sz="1000" dirty="0" smtClean="0">
+                <a:latin typeface="Times New Roman" panose="02020603050405020304" pitchFamily="18" charset="0"/>
+                <a:cs typeface="Times New Roman" panose="02020603050405020304" pitchFamily="18" charset="0"/>
+              </a:rPr>
+              <a:t>Small Business</a:t>
+            </a:r>
+            <a:endParaRPr lang="en-US" sz="1000" dirty="0">
+              <a:latin typeface="Times New Roman" panose="02020603050405020304" pitchFamily="18" charset="0"/>
+              <a:cs typeface="Times New Roman" panose="02020603050405020304" pitchFamily="18" charset="0"/>
+            </a:endParaRPr>
+          </a:p>
+        </p:txBody>
+      </p:sp>
+      <p:pic>
+        <p:nvPicPr>
+          <p:cNvPr id="3074" name="Picture 2"/>
+          <p:cNvPicPr>
+            <a:picLocks noChangeAspect="1" noChangeArrowheads="1"/>
+          </p:cNvPicPr>
+          <p:nvPr/>
+        </p:nvPicPr>
+        <p:blipFill>
+          <a:blip r:embed="rId8">
+            <a:extLst>
+              <a:ext uri="{28A0092B-C50C-407E-A947-70E740481C1C}">
+                <a14:useLocalDpi xmlns:a14="http://schemas.microsoft.com/office/drawing/2010/main" val="0"/>
+              </a:ext>
+            </a:extLst>
+          </a:blip>
+          <a:srcRect/>
+          <a:stretch>
+            <a:fillRect/>
+          </a:stretch>
+        </p:blipFill>
+        <p:spPr bwMode="auto">
+          <a:xfrm>
+            <a:off x="1136311" y="4025586"/>
+            <a:ext cx="701315" cy="393595"/>
+          </a:xfrm>
+          <a:prstGeom prst="rect">
+            <a:avLst/>
+          </a:prstGeom>
+          <a:noFill/>
+          <a:ln>
+            <a:noFill/>
+          </a:ln>
+          <a:extLst>
+            <a:ext uri="{909E8E84-426E-40DD-AFC4-6F175D3DCCD1}">
+              <a14:hiddenFill xmlns:a14="http://schemas.microsoft.com/office/drawing/2010/main">
+                <a:solidFill>
+                  <a:schemeClr val="accent1"/>
+                </a:solidFill>
+              </a14:hiddenFill>
+            </a:ext>
+            <a:ext uri="{91240B29-F687-4F45-9708-019B960494DF}">
+              <a14:hiddenLine xmlns:a14="http://schemas.microsoft.com/office/drawing/2010/main" w="9525">
+                <a:solidFill>
+                  <a:schemeClr val="tx1"/>
+                </a:solidFill>
+                <a:miter lim="800000"/>
+                <a:headEnd/>
+                <a:tailEnd/>
+              </a14:hiddenLine>
+            </a:ext>
+          </a:extLst>
+        </p:spPr>
+      </p:pic>
+      <p:pic>
+        <p:nvPicPr>
+          <p:cNvPr id="3075" name="Picture 3"/>
+          <p:cNvPicPr>
+            <a:picLocks noChangeAspect="1" noChangeArrowheads="1"/>
+          </p:cNvPicPr>
+          <p:nvPr/>
+        </p:nvPicPr>
+        <p:blipFill>
+          <a:blip r:embed="rId9">
+            <a:extLst>
+              <a:ext uri="{28A0092B-C50C-407E-A947-70E740481C1C}">
+                <a14:useLocalDpi xmlns:a14="http://schemas.microsoft.com/office/drawing/2010/main" val="0"/>
+              </a:ext>
+            </a:extLst>
+          </a:blip>
+          <a:srcRect/>
+          <a:stretch>
+            <a:fillRect/>
+          </a:stretch>
+        </p:blipFill>
+        <p:spPr bwMode="auto">
+          <a:xfrm>
+            <a:off x="1143417" y="3508338"/>
+            <a:ext cx="744252" cy="379283"/>
+          </a:xfrm>
+          <a:prstGeom prst="rect">
+            <a:avLst/>
+          </a:prstGeom>
+          <a:noFill/>
+          <a:ln>
+            <a:noFill/>
+          </a:ln>
+          <a:extLst>
+            <a:ext uri="{909E8E84-426E-40DD-AFC4-6F175D3DCCD1}">
+              <a14:hiddenFill xmlns:a14="http://schemas.microsoft.com/office/drawing/2010/main">
+                <a:solidFill>
+                  <a:schemeClr val="accent1"/>
+                </a:solidFill>
+              </a14:hiddenFill>
+            </a:ext>
+            <a:ext uri="{91240B29-F687-4F45-9708-019B960494DF}">
+              <a14:hiddenLine xmlns:a14="http://schemas.microsoft.com/office/drawing/2010/main" w="9525">
+                <a:solidFill>
+                  <a:schemeClr val="tx1"/>
+                </a:solidFill>
+                <a:miter lim="800000"/>
+                <a:headEnd/>
+                <a:tailEnd/>
+              </a14:hiddenLine>
+            </a:ext>
+          </a:extLst>
+        </p:spPr>
+      </p:pic>
+      <p:sp>
+        <p:nvSpPr>
+          <p:cNvPr id="25" name="Rounded Rectangle 24"/>
+          <p:cNvSpPr/>
+          <p:nvPr/>
+        </p:nvSpPr>
+        <p:spPr>
+          <a:xfrm>
+            <a:off x="5562600" y="4514996"/>
+            <a:ext cx="1244600" cy="1124193"/>
+          </a:xfrm>
+          <a:prstGeom prst="roundRect">
+            <a:avLst/>
+          </a:prstGeom>
+          <a:noFill/>
+          <a:ln w="19050">
+            <a:solidFill>
+              <a:srgbClr val="A73719"/>
+            </a:solidFill>
+            <a:prstDash val="sysDash"/>
+          </a:ln>
+        </p:spPr>
+        <p:style>
+          <a:lnRef idx="2">
+            <a:schemeClr val="accent6">
+              <a:shade val="50000"/>
+            </a:schemeClr>
+          </a:lnRef>
+          <a:fillRef idx="1">
+            <a:schemeClr val="accent6"/>
+          </a:fillRef>
+          <a:effectRef idx="0">
+            <a:schemeClr val="accent6"/>
+          </a:effectRef>
+          <a:fontRef idx="minor">
+            <a:schemeClr val="lt1"/>
+          </a:fontRef>
+        </p:style>
+        <p:txBody>
+          <a:bodyPr rtlCol="0" anchor="ctr"/>
+          <a:lstStyle/>
+          <a:p>
+            <a:pPr algn="ctr"/>
+            <a:endParaRPr lang="en-US" dirty="0"/>
+          </a:p>
+        </p:txBody>
+      </p:sp>
+      <p:sp>
+        <p:nvSpPr>
+          <p:cNvPr id="30" name="TextBox 29"/>
+          <p:cNvSpPr txBox="1"/>
+          <p:nvPr/>
+        </p:nvSpPr>
+        <p:spPr>
+          <a:xfrm>
+            <a:off x="3864340" y="5637935"/>
+            <a:ext cx="1132726" cy="205319"/>
+          </a:xfrm>
+          <a:prstGeom prst="rect">
+            <a:avLst/>
+          </a:prstGeom>
+          <a:noFill/>
+        </p:spPr>
+        <p:txBody>
+          <a:bodyPr wrap="square" rtlCol="0">
+            <a:spAutoFit/>
+          </a:bodyPr>
+          <a:lstStyle/>
+          <a:p>
+            <a:pPr algn="ctr"/>
+            <a:r>
+              <a:rPr lang="en-US" sz="1000" dirty="0" smtClean="0">
+                <a:latin typeface="Times New Roman" panose="02020603050405020304" pitchFamily="18" charset="0"/>
+                <a:cs typeface="Times New Roman" panose="02020603050405020304" pitchFamily="18" charset="0"/>
+              </a:rPr>
+              <a:t>Source Verified</a:t>
+            </a:r>
+            <a:endParaRPr lang="en-US" sz="1000" dirty="0">
+              <a:latin typeface="Times New Roman" panose="02020603050405020304" pitchFamily="18" charset="0"/>
+              <a:cs typeface="Times New Roman" panose="02020603050405020304" pitchFamily="18" charset="0"/>
+            </a:endParaRPr>
+          </a:p>
+        </p:txBody>
+      </p:sp>
+      <p:sp>
+        <p:nvSpPr>
+          <p:cNvPr id="37" name="TextBox 36"/>
+          <p:cNvSpPr txBox="1"/>
+          <p:nvPr/>
+        </p:nvSpPr>
+        <p:spPr>
+          <a:xfrm>
+            <a:off x="2267533" y="5639189"/>
+            <a:ext cx="936137" cy="246221"/>
+          </a:xfrm>
+          <a:prstGeom prst="rect">
+            <a:avLst/>
+          </a:prstGeom>
+          <a:noFill/>
+        </p:spPr>
+        <p:txBody>
+          <a:bodyPr wrap="square" rtlCol="0">
+            <a:spAutoFit/>
+          </a:bodyPr>
+          <a:lstStyle/>
+          <a:p>
+            <a:pPr algn="ctr"/>
+            <a:r>
+              <a:rPr lang="en-US" sz="1000" dirty="0" smtClean="0">
+                <a:latin typeface="Times New Roman" panose="02020603050405020304" pitchFamily="18" charset="0"/>
+                <a:cs typeface="Times New Roman" panose="02020603050405020304" pitchFamily="18" charset="0"/>
+              </a:rPr>
+              <a:t>Not Verified</a:t>
+            </a:r>
+            <a:endParaRPr lang="en-US" sz="1000" dirty="0">
+              <a:latin typeface="Times New Roman" panose="02020603050405020304" pitchFamily="18" charset="0"/>
+              <a:cs typeface="Times New Roman" panose="02020603050405020304" pitchFamily="18" charset="0"/>
+            </a:endParaRPr>
+          </a:p>
+        </p:txBody>
+      </p:sp>
+      <p:sp>
+        <p:nvSpPr>
+          <p:cNvPr id="38" name="TextBox 37"/>
+          <p:cNvSpPr txBox="1"/>
+          <p:nvPr/>
+        </p:nvSpPr>
+        <p:spPr>
+          <a:xfrm>
+            <a:off x="5800845" y="5637934"/>
+            <a:ext cx="703334" cy="246221"/>
+          </a:xfrm>
+          <a:prstGeom prst="rect">
+            <a:avLst/>
+          </a:prstGeom>
+          <a:noFill/>
+        </p:spPr>
+        <p:txBody>
+          <a:bodyPr wrap="square" rtlCol="0">
+            <a:spAutoFit/>
+          </a:bodyPr>
+          <a:lstStyle/>
+          <a:p>
+            <a:pPr algn="ctr"/>
+            <a:r>
+              <a:rPr lang="en-US" sz="1000" dirty="0" smtClean="0">
+                <a:latin typeface="Times New Roman" panose="02020603050405020304" pitchFamily="18" charset="0"/>
+                <a:cs typeface="Times New Roman" panose="02020603050405020304" pitchFamily="18" charset="0"/>
+              </a:rPr>
+              <a:t>Verified</a:t>
+            </a:r>
+            <a:endParaRPr lang="en-US" sz="1000" dirty="0">
+              <a:latin typeface="Times New Roman" panose="02020603050405020304" pitchFamily="18" charset="0"/>
+              <a:cs typeface="Times New Roman" panose="02020603050405020304" pitchFamily="18" charset="0"/>
+            </a:endParaRPr>
+          </a:p>
+        </p:txBody>
+      </p:sp>
+      <p:sp>
+        <p:nvSpPr>
+          <p:cNvPr id="39" name="Rounded Rectangle 38"/>
+          <p:cNvSpPr/>
+          <p:nvPr/>
+        </p:nvSpPr>
+        <p:spPr>
+          <a:xfrm>
+            <a:off x="2615989" y="2097494"/>
+            <a:ext cx="638676" cy="1645930"/>
+          </a:xfrm>
+          <a:prstGeom prst="roundRect">
+            <a:avLst/>
+          </a:prstGeom>
+          <a:noFill/>
+          <a:ln w="19050">
+            <a:solidFill>
+              <a:srgbClr val="A73719"/>
+            </a:solidFill>
+            <a:prstDash val="sysDash"/>
+          </a:ln>
+        </p:spPr>
+        <p:style>
+          <a:lnRef idx="2">
+            <a:schemeClr val="accent6">
+              <a:shade val="50000"/>
+            </a:schemeClr>
+          </a:lnRef>
+          <a:fillRef idx="1">
+            <a:schemeClr val="accent6"/>
+          </a:fillRef>
+          <a:effectRef idx="0">
+            <a:schemeClr val="accent6"/>
+          </a:effectRef>
+          <a:fontRef idx="minor">
+            <a:schemeClr val="lt1"/>
+          </a:fontRef>
+        </p:style>
+        <p:txBody>
+          <a:bodyPr rtlCol="0" anchor="ctr"/>
+          <a:lstStyle/>
+          <a:p>
+            <a:pPr algn="ctr"/>
+            <a:endParaRPr lang="en-US" dirty="0"/>
+          </a:p>
+        </p:txBody>
+      </p:sp>
+      <p:sp>
+        <p:nvSpPr>
+          <p:cNvPr id="40" name="TextBox 39"/>
+          <p:cNvSpPr txBox="1"/>
+          <p:nvPr/>
+        </p:nvSpPr>
+        <p:spPr>
+          <a:xfrm>
+            <a:off x="7027257" y="4430652"/>
+            <a:ext cx="4191078" cy="1200329"/>
+          </a:xfrm>
+          <a:prstGeom prst="rect">
+            <a:avLst/>
+          </a:prstGeom>
+          <a:noFill/>
+        </p:spPr>
+        <p:txBody>
+          <a:bodyPr wrap="square" rtlCol="0">
+            <a:spAutoFit/>
+          </a:bodyPr>
+          <a:lstStyle/>
+          <a:p>
+            <a:pPr marL="285750" indent="-285750">
+              <a:buFont typeface="Arial" panose="020B0604020202020204" pitchFamily="34" charset="0"/>
+              <a:buChar char="•"/>
+            </a:pPr>
+            <a:r>
+              <a:rPr lang="en-US" dirty="0" smtClean="0">
+                <a:latin typeface="Times New Roman" panose="02020603050405020304" pitchFamily="18" charset="0"/>
+                <a:cs typeface="Times New Roman" panose="02020603050405020304" pitchFamily="18" charset="0"/>
+              </a:rPr>
+              <a:t>Applicants whose Verification Status showed </a:t>
+            </a:r>
+            <a:r>
+              <a:rPr lang="en-US" b="1" dirty="0" smtClean="0">
+                <a:latin typeface="Times New Roman" panose="02020603050405020304" pitchFamily="18" charset="0"/>
+                <a:cs typeface="Times New Roman" panose="02020603050405020304" pitchFamily="18" charset="0"/>
+              </a:rPr>
+              <a:t>Verified </a:t>
+            </a:r>
+            <a:r>
+              <a:rPr lang="en-US" dirty="0" smtClean="0">
+                <a:latin typeface="Times New Roman" panose="02020603050405020304" pitchFamily="18" charset="0"/>
+                <a:cs typeface="Times New Roman" panose="02020603050405020304" pitchFamily="18" charset="0"/>
+              </a:rPr>
+              <a:t>were captured more in the Charged off list for the Loan Term of </a:t>
+            </a:r>
+            <a:r>
+              <a:rPr lang="en-US" b="1" dirty="0" smtClean="0">
+                <a:latin typeface="Times New Roman" panose="02020603050405020304" pitchFamily="18" charset="0"/>
+                <a:cs typeface="Times New Roman" panose="02020603050405020304" pitchFamily="18" charset="0"/>
+              </a:rPr>
+              <a:t>60 Months</a:t>
+            </a:r>
+            <a:endParaRPr lang="en-US" b="1" dirty="0" smtClean="0">
+              <a:latin typeface="Times New Roman" panose="02020603050405020304" pitchFamily="18" charset="0"/>
+              <a:cs typeface="Times New Roman" panose="02020603050405020304" pitchFamily="18" charset="0"/>
+            </a:endParaRPr>
+          </a:p>
+        </p:txBody>
+      </p:sp>
+    </p:spTree>
+    <p:extLst>
+      <p:ext uri="{BB962C8B-B14F-4D97-AF65-F5344CB8AC3E}">
+        <p14:creationId xmlns:p14="http://schemas.microsoft.com/office/powerpoint/2010/main" val="2046758156"/>
+      </p:ext>
+    </p:extLst>
+  </p:cSld>
+  <p:clrMapOvr>
+    <a:masterClrMapping/>
+  </p:clrMapOvr>
+  <p:timing>
+    <p:tnLst>
+      <p:par>
+        <p:cTn id="1" dur="indefinite" restart="never" nodeType="tmRoot"/>
+      </p:par>
+    </p:tnLst>
+  </p:timing>
+</p:sld>
+</file>
+
+<file path=ppt/slides/slide9.xml><?xml version="1.0" encoding="utf-8"?>
+<p:sld xmlns:a="http://schemas.openxmlformats.org/drawingml/2006/main" xmlns:r="http://schemas.openxmlformats.org/officeDocument/2006/relationships" xmlns:p="http://schemas.openxmlformats.org/presentationml/2006/main">
   <p:cSld>
     <p:spTree>
       <p:nvGrpSpPr>
@@ -12382,88 +18671,6 @@
           <a:p>
             <a:r>
               <a:rPr lang="en-IN" b="1" dirty="0" smtClean="0"/>
-              <a:t>Driver Analysis</a:t>
-            </a:r>
-            <a:br>
-              <a:rPr lang="en-IN" b="1" dirty="0" smtClean="0"/>
-            </a:br>
-            <a:r>
-              <a:rPr lang="en-IN" sz="3100" i="1" dirty="0" smtClean="0"/>
-              <a:t>Overall Categories</a:t>
-            </a:r>
-            <a:endParaRPr lang="en-IN" sz="3600" i="1" dirty="0"/>
-          </a:p>
-        </p:txBody>
-      </p:sp>
-    </p:spTree>
-    <p:extLst>
-      <p:ext uri="{BB962C8B-B14F-4D97-AF65-F5344CB8AC3E}">
-        <p14:creationId xmlns:p14="http://schemas.microsoft.com/office/powerpoint/2010/main" val="2684977747"/>
-      </p:ext>
-    </p:extLst>
-  </p:cSld>
-  <p:clrMapOvr>
-    <a:masterClrMapping/>
-  </p:clrMapOvr>
-  <mc:AlternateContent xmlns:mc="http://schemas.openxmlformats.org/markup-compatibility/2006">
-    <mc:Choice xmlns:p14="http://schemas.microsoft.com/office/powerpoint/2010/main" Requires="p14">
-      <p:transition spd="slow" p14:dur="2000"/>
-    </mc:Choice>
-    <mc:Fallback>
-      <p:transition spd="slow"/>
-    </mc:Fallback>
-  </mc:AlternateContent>
-  <p:timing>
-    <p:tnLst>
-      <p:par>
-        <p:cTn id="1" dur="indefinite" restart="never" nodeType="tmRoot"/>
-      </p:par>
-    </p:tnLst>
-  </p:timing>
-</p:sld>
-</file>
-
-<file path=ppt/slides/slide6.xml><?xml version="1.0" encoding="utf-8"?>
-<p:sld xmlns:a="http://schemas.openxmlformats.org/drawingml/2006/main" xmlns:r="http://schemas.openxmlformats.org/officeDocument/2006/relationships" xmlns:p="http://schemas.openxmlformats.org/presentationml/2006/main" show="0">
-  <p:cSld>
-    <p:spTree>
-      <p:nvGrpSpPr>
-        <p:cNvPr id="1" name=""/>
-        <p:cNvGrpSpPr/>
-        <p:nvPr/>
-      </p:nvGrpSpPr>
-      <p:grpSpPr>
-        <a:xfrm>
-          <a:off x="0" y="0"/>
-          <a:ext cx="0" cy="0"/>
-          <a:chOff x="0" y="0"/>
-          <a:chExt cx="0" cy="0"/>
-        </a:xfrm>
-      </p:grpSpPr>
-      <p:sp>
-        <p:nvSpPr>
-          <p:cNvPr id="5" name="Title 1"/>
-          <p:cNvSpPr>
-            <a:spLocks noGrp="1"/>
-          </p:cNvSpPr>
-          <p:nvPr>
-            <p:ph type="title"/>
-          </p:nvPr>
-        </p:nvSpPr>
-        <p:spPr>
-          <a:xfrm>
-            <a:off x="1136469" y="640080"/>
-            <a:ext cx="9313817" cy="856138"/>
-          </a:xfrm>
-        </p:spPr>
-        <p:txBody>
-          <a:bodyPr>
-            <a:normAutofit fontScale="90000"/>
-          </a:bodyPr>
-          <a:lstStyle/>
-          <a:p>
-            <a:r>
-              <a:rPr lang="en-IN" b="1" dirty="0" smtClean="0"/>
               <a:t>Driver </a:t>
             </a:r>
             <a:r>
@@ -12475,11 +18682,7 @@
             </a:br>
             <a:r>
               <a:rPr lang="en-IN" sz="3100" i="1" dirty="0" smtClean="0"/>
-              <a:t>Continuous </a:t>
-            </a:r>
-            <a:r>
-              <a:rPr lang="en-IN" sz="3100" i="1" dirty="0" smtClean="0"/>
-              <a:t>Variables</a:t>
+              <a:t>Continuous Variables</a:t>
             </a:r>
             <a:endParaRPr lang="en-IN" sz="3600" i="1" dirty="0"/>
           </a:p>
@@ -12569,7 +18772,7 @@
           <a:lstStyle/>
           <a:p>
             <a:pPr algn="ctr"/>
-            <a:endParaRPr lang="en-US"/>
+            <a:endParaRPr lang="en-US" dirty="0"/>
           </a:p>
         </p:txBody>
       </p:sp>
@@ -12677,11 +18880,11 @@
   <p:clrMapOvr>
     <a:masterClrMapping/>
   </p:clrMapOvr>
-  <mc:AlternateContent xmlns:mc="http://schemas.openxmlformats.org/markup-compatibility/2006">
-    <mc:Choice xmlns:p14="http://schemas.microsoft.com/office/powerpoint/2010/main" Requires="p14">
+  <mc:AlternateContent xmlns:mc="http://schemas.openxmlformats.org/markup-compatibility/2006" xmlns:p14="http://schemas.microsoft.com/office/powerpoint/2010/main">
+    <mc:Choice Requires="p14">
       <p:transition spd="slow" p14:dur="2000"/>
     </mc:Choice>
-    <mc:Fallback>
+    <mc:Fallback xmlns="">
       <p:transition spd="slow"/>
     </mc:Fallback>
   </mc:AlternateContent>
@@ -12950,7 +19153,7 @@
   <a:extraClrSchemeLst/>
   <a:extLst>
     <a:ext uri="{05A4C25C-085E-4340-85A3-A5531E510DB2}">
-      <thm15:themeFamily xmlns="" xmlns:thm15="http://schemas.microsoft.com/office/thememl/2012/main" name="Office Theme" id="{62F939B6-93AF-4DB8-9C6B-D6C7DFDC589F}" vid="{4A3C46E8-61CC-4603-A589-7422A47A8E4A}"/>
+      <thm15:themeFamily xmlns:thm15="http://schemas.microsoft.com/office/thememl/2012/main" xmlns="" name="Office Theme" id="{62F939B6-93AF-4DB8-9C6B-D6C7DFDC589F}" vid="{4A3C46E8-61CC-4603-A589-7422A47A8E4A}"/>
     </a:ext>
   </a:extLst>
 </a:theme>
@@ -13245,7 +19448,7 @@
   <a:extraClrSchemeLst/>
   <a:extLst>
     <a:ext uri="{05A4C25C-085E-4340-85A3-A5531E510DB2}">
-      <thm15:themeFamily xmlns="" xmlns:thm15="http://schemas.microsoft.com/office/thememl/2012/main" name="Office Theme" id="{62F939B6-93AF-4DB8-9C6B-D6C7DFDC589F}" vid="{4A3C46E8-61CC-4603-A589-7422A47A8E4A}"/>
+      <thm15:themeFamily xmlns:thm15="http://schemas.microsoft.com/office/thememl/2012/main" xmlns="" name="Office Theme" id="{62F939B6-93AF-4DB8-9C6B-D6C7DFDC589F}" vid="{4A3C46E8-61CC-4603-A589-7422A47A8E4A}"/>
     </a:ext>
   </a:extLst>
 </a:theme>

--- a/Gramener_Case_Study_Presentation_SS.pptx
+++ b/Gramener_Case_Study_Presentation_SS.pptx
@@ -298,1029 +298,6 @@
           <a:latin typeface="Times New Roman" panose="02020603050405020304" pitchFamily="18" charset="0"/>
           <a:cs typeface="Times New Roman" panose="02020603050405020304" pitchFamily="18" charset="0"/>
         </a:defRPr>
-      </a:pPr>
-      <a:endParaRPr lang="en-US"/>
-    </a:p>
-  </c:txPr>
-  <c:externalData r:id="rId1">
-    <c:autoUpdate val="0"/>
-  </c:externalData>
-</c:chartSpace>
-</file>
-
-<file path=ppt/charts/chart10.xml><?xml version="1.0" encoding="utf-8"?>
-<c:chartSpace xmlns:c="http://schemas.openxmlformats.org/drawingml/2006/chart" xmlns:a="http://schemas.openxmlformats.org/drawingml/2006/main" xmlns:r="http://schemas.openxmlformats.org/officeDocument/2006/relationships">
-  <c:date1904 val="0"/>
-  <c:lang val="en-US"/>
-  <c:roundedCorners val="0"/>
-  <mc:AlternateContent xmlns:mc="http://schemas.openxmlformats.org/markup-compatibility/2006">
-    <mc:Choice xmlns:c14="http://schemas.microsoft.com/office/drawing/2007/8/2/chart" Requires="c14">
-      <c14:style val="102"/>
-    </mc:Choice>
-    <mc:Fallback>
-      <c:style val="2"/>
-    </mc:Fallback>
-  </mc:AlternateContent>
-  <c:chart>
-    <c:autoTitleDeleted val="1"/>
-    <c:plotArea>
-      <c:layout>
-        <c:manualLayout>
-          <c:layoutTarget val="inner"/>
-          <c:xMode val="edge"/>
-          <c:yMode val="edge"/>
-          <c:x val="8.8890338912460384E-2"/>
-          <c:y val="0.12205713369006782"/>
-          <c:w val="0.90913412967255003"/>
-          <c:h val="0.45454358137332351"/>
-        </c:manualLayout>
-      </c:layout>
-      <c:barChart>
-        <c:barDir val="col"/>
-        <c:grouping val="stacked"/>
-        <c:varyColors val="0"/>
-        <c:ser>
-          <c:idx val="0"/>
-          <c:order val="0"/>
-          <c:tx>
-            <c:strRef>
-              <c:f>Sheet1!$B$1</c:f>
-              <c:strCache>
-                <c:ptCount val="1"/>
-                <c:pt idx="0">
-                  <c:v>36 Months</c:v>
-                </c:pt>
-              </c:strCache>
-            </c:strRef>
-          </c:tx>
-          <c:spPr>
-            <a:solidFill>
-              <a:schemeClr val="tx2">
-                <a:lumMod val="60000"/>
-                <a:lumOff val="40000"/>
-              </a:schemeClr>
-            </a:solidFill>
-          </c:spPr>
-          <c:invertIfNegative val="0"/>
-          <c:dLbls>
-            <c:delete val="1"/>
-          </c:dLbls>
-          <c:cat>
-            <c:strRef>
-              <c:f>Sheet1!$A$2:$A$8</c:f>
-              <c:strCache>
-                <c:ptCount val="7"/>
-                <c:pt idx="0">
-                  <c:v>credit_card</c:v>
-                </c:pt>
-                <c:pt idx="1">
-                  <c:v>debt_consolidation</c:v>
-                </c:pt>
-                <c:pt idx="2">
-                  <c:v>home_improvement</c:v>
-                </c:pt>
-                <c:pt idx="3">
-                  <c:v>major_purchase</c:v>
-                </c:pt>
-                <c:pt idx="4">
-                  <c:v>other</c:v>
-                </c:pt>
-                <c:pt idx="5">
-                  <c:v>small_business</c:v>
-                </c:pt>
-                <c:pt idx="6">
-                  <c:v>other purpose</c:v>
-                </c:pt>
-              </c:strCache>
-            </c:strRef>
-          </c:cat>
-          <c:val>
-            <c:numRef>
-              <c:f>Sheet1!$B$2:$B$8</c:f>
-              <c:numCache>
-                <c:formatCode>General</c:formatCode>
-                <c:ptCount val="7"/>
-                <c:pt idx="0">
-                  <c:v>3773</c:v>
-                </c:pt>
-                <c:pt idx="1">
-                  <c:v>11662</c:v>
-                </c:pt>
-                <c:pt idx="2">
-                  <c:v>1874</c:v>
-                </c:pt>
-                <c:pt idx="3">
-                  <c:v>1587</c:v>
-                </c:pt>
-                <c:pt idx="4">
-                  <c:v>2724</c:v>
-                </c:pt>
-                <c:pt idx="5">
-                  <c:v>970</c:v>
-                </c:pt>
-                <c:pt idx="6">
-                  <c:v>3279</c:v>
-                </c:pt>
-              </c:numCache>
-            </c:numRef>
-          </c:val>
-        </c:ser>
-        <c:ser>
-          <c:idx val="1"/>
-          <c:order val="1"/>
-          <c:tx>
-            <c:strRef>
-              <c:f>Sheet1!$C$1</c:f>
-              <c:strCache>
-                <c:ptCount val="1"/>
-                <c:pt idx="0">
-                  <c:v>60 Months</c:v>
-                </c:pt>
-              </c:strCache>
-            </c:strRef>
-          </c:tx>
-          <c:spPr>
-            <a:solidFill>
-              <a:schemeClr val="tx2"/>
-            </a:solidFill>
-          </c:spPr>
-          <c:invertIfNegative val="0"/>
-          <c:dLbls>
-            <c:delete val="1"/>
-          </c:dLbls>
-          <c:cat>
-            <c:strRef>
-              <c:f>Sheet1!$A$2:$A$8</c:f>
-              <c:strCache>
-                <c:ptCount val="7"/>
-                <c:pt idx="0">
-                  <c:v>credit_card</c:v>
-                </c:pt>
-                <c:pt idx="1">
-                  <c:v>debt_consolidation</c:v>
-                </c:pt>
-                <c:pt idx="2">
-                  <c:v>home_improvement</c:v>
-                </c:pt>
-                <c:pt idx="3">
-                  <c:v>major_purchase</c:v>
-                </c:pt>
-                <c:pt idx="4">
-                  <c:v>other</c:v>
-                </c:pt>
-                <c:pt idx="5">
-                  <c:v>small_business</c:v>
-                </c:pt>
-                <c:pt idx="6">
-                  <c:v>other purpose</c:v>
-                </c:pt>
-              </c:strCache>
-            </c:strRef>
-          </c:cat>
-          <c:val>
-            <c:numRef>
-              <c:f>Sheet1!$C$2:$C$8</c:f>
-              <c:numCache>
-                <c:formatCode>General</c:formatCode>
-                <c:ptCount val="7"/>
-                <c:pt idx="0">
-                  <c:v>712</c:v>
-                </c:pt>
-                <c:pt idx="1">
-                  <c:v>3626</c:v>
-                </c:pt>
-                <c:pt idx="2">
-                  <c:v>654</c:v>
-                </c:pt>
-                <c:pt idx="3">
-                  <c:v>341</c:v>
-                </c:pt>
-                <c:pt idx="4">
-                  <c:v>508</c:v>
-                </c:pt>
-                <c:pt idx="5">
-                  <c:v>309</c:v>
-                </c:pt>
-                <c:pt idx="6">
-                  <c:v>931</c:v>
-                </c:pt>
-              </c:numCache>
-            </c:numRef>
-          </c:val>
-        </c:ser>
-        <c:dLbls>
-          <c:showLegendKey val="0"/>
-          <c:showVal val="1"/>
-          <c:showCatName val="0"/>
-          <c:showSerName val="0"/>
-          <c:showPercent val="0"/>
-          <c:showBubbleSize val="0"/>
-        </c:dLbls>
-        <c:gapWidth val="95"/>
-        <c:overlap val="100"/>
-        <c:axId val="50717056"/>
-        <c:axId val="50718592"/>
-      </c:barChart>
-      <c:catAx>
-        <c:axId val="50717056"/>
-        <c:scaling>
-          <c:orientation val="minMax"/>
-        </c:scaling>
-        <c:delete val="0"/>
-        <c:axPos val="b"/>
-        <c:majorTickMark val="none"/>
-        <c:minorTickMark val="none"/>
-        <c:tickLblPos val="none"/>
-        <c:txPr>
-          <a:bodyPr/>
-          <a:lstStyle/>
-          <a:p>
-            <a:pPr>
-              <a:defRPr sz="700"/>
-            </a:pPr>
-            <a:endParaRPr lang="en-US"/>
-          </a:p>
-        </c:txPr>
-        <c:crossAx val="50718592"/>
-        <c:crosses val="autoZero"/>
-        <c:auto val="1"/>
-        <c:lblAlgn val="ctr"/>
-        <c:lblOffset val="100"/>
-        <c:noMultiLvlLbl val="0"/>
-      </c:catAx>
-      <c:valAx>
-        <c:axId val="50718592"/>
-        <c:scaling>
-          <c:orientation val="minMax"/>
-        </c:scaling>
-        <c:delete val="1"/>
-        <c:axPos val="l"/>
-        <c:numFmt formatCode="General" sourceLinked="1"/>
-        <c:majorTickMark val="out"/>
-        <c:minorTickMark val="none"/>
-        <c:tickLblPos val="nextTo"/>
-        <c:crossAx val="50717056"/>
-        <c:crosses val="autoZero"/>
-        <c:crossBetween val="between"/>
-      </c:valAx>
-      <c:spPr>
-        <a:noFill/>
-        <a:ln w="25400">
-          <a:noFill/>
-        </a:ln>
-      </c:spPr>
-    </c:plotArea>
-    <c:plotVisOnly val="1"/>
-    <c:dispBlanksAs val="gap"/>
-    <c:showDLblsOverMax val="0"/>
-  </c:chart>
-  <c:txPr>
-    <a:bodyPr/>
-    <a:lstStyle/>
-    <a:p>
-      <a:pPr>
-        <a:defRPr sz="1800"/>
-      </a:pPr>
-      <a:endParaRPr lang="en-US"/>
-    </a:p>
-  </c:txPr>
-  <c:externalData r:id="rId1">
-    <c:autoUpdate val="0"/>
-  </c:externalData>
-</c:chartSpace>
-</file>
-
-<file path=ppt/charts/chart11.xml><?xml version="1.0" encoding="utf-8"?>
-<c:chartSpace xmlns:c="http://schemas.openxmlformats.org/drawingml/2006/chart" xmlns:a="http://schemas.openxmlformats.org/drawingml/2006/main" xmlns:r="http://schemas.openxmlformats.org/officeDocument/2006/relationships">
-  <c:date1904 val="0"/>
-  <c:lang val="en-US"/>
-  <c:roundedCorners val="0"/>
-  <mc:AlternateContent xmlns:mc="http://schemas.openxmlformats.org/markup-compatibility/2006">
-    <mc:Choice xmlns:c14="http://schemas.microsoft.com/office/drawing/2007/8/2/chart" Requires="c14">
-      <c14:style val="102"/>
-    </mc:Choice>
-    <mc:Fallback>
-      <c:style val="2"/>
-    </mc:Fallback>
-  </mc:AlternateContent>
-  <c:chart>
-    <c:autoTitleDeleted val="1"/>
-    <c:plotArea>
-      <c:layout>
-        <c:manualLayout>
-          <c:layoutTarget val="inner"/>
-          <c:xMode val="edge"/>
-          <c:yMode val="edge"/>
-          <c:x val="8.8890338912460384E-2"/>
-          <c:y val="0.12205713369006782"/>
-          <c:w val="0.90913412967255003"/>
-          <c:h val="0.3577692973344706"/>
-        </c:manualLayout>
-      </c:layout>
-      <c:barChart>
-        <c:barDir val="col"/>
-        <c:grouping val="stacked"/>
-        <c:varyColors val="0"/>
-        <c:ser>
-          <c:idx val="0"/>
-          <c:order val="0"/>
-          <c:tx>
-            <c:strRef>
-              <c:f>Sheet1!$B$1</c:f>
-              <c:strCache>
-                <c:ptCount val="1"/>
-                <c:pt idx="0">
-                  <c:v>36 Months</c:v>
-                </c:pt>
-              </c:strCache>
-            </c:strRef>
-          </c:tx>
-          <c:spPr>
-            <a:solidFill>
-              <a:schemeClr val="accent4">
-                <a:lumMod val="40000"/>
-                <a:lumOff val="60000"/>
-              </a:schemeClr>
-            </a:solidFill>
-          </c:spPr>
-          <c:invertIfNegative val="0"/>
-          <c:dLbls>
-            <c:delete val="1"/>
-          </c:dLbls>
-          <c:cat>
-            <c:strRef>
-              <c:f>Sheet1!$A$2:$A$8</c:f>
-              <c:strCache>
-                <c:ptCount val="7"/>
-                <c:pt idx="0">
-                  <c:v>credit_card</c:v>
-                </c:pt>
-                <c:pt idx="1">
-                  <c:v>debt_consolidation</c:v>
-                </c:pt>
-                <c:pt idx="2">
-                  <c:v>home_improvement</c:v>
-                </c:pt>
-                <c:pt idx="3">
-                  <c:v>major_purchase</c:v>
-                </c:pt>
-                <c:pt idx="4">
-                  <c:v>other</c:v>
-                </c:pt>
-                <c:pt idx="5">
-                  <c:v>other purpose</c:v>
-                </c:pt>
-                <c:pt idx="6">
-                  <c:v>small_business</c:v>
-                </c:pt>
-              </c:strCache>
-            </c:strRef>
-          </c:cat>
-          <c:val>
-            <c:numRef>
-              <c:f>Sheet1!$B$2:$B$8</c:f>
-              <c:numCache>
-                <c:formatCode>General</c:formatCode>
-                <c:ptCount val="7"/>
-                <c:pt idx="0">
-                  <c:v>318</c:v>
-                </c:pt>
-                <c:pt idx="1">
-                  <c:v>1469</c:v>
-                </c:pt>
-                <c:pt idx="2">
-                  <c:v>205</c:v>
-                </c:pt>
-                <c:pt idx="3">
-                  <c:v>137</c:v>
-                </c:pt>
-                <c:pt idx="4">
-                  <c:v>414</c:v>
-                </c:pt>
-                <c:pt idx="5">
-                  <c:v>415</c:v>
-                </c:pt>
-                <c:pt idx="6">
-                  <c:v>269</c:v>
-                </c:pt>
-              </c:numCache>
-            </c:numRef>
-          </c:val>
-        </c:ser>
-        <c:ser>
-          <c:idx val="1"/>
-          <c:order val="1"/>
-          <c:tx>
-            <c:strRef>
-              <c:f>Sheet1!$C$1</c:f>
-              <c:strCache>
-                <c:ptCount val="1"/>
-                <c:pt idx="0">
-                  <c:v>60 Months</c:v>
-                </c:pt>
-              </c:strCache>
-            </c:strRef>
-          </c:tx>
-          <c:spPr>
-            <a:solidFill>
-              <a:schemeClr val="accent4"/>
-            </a:solidFill>
-          </c:spPr>
-          <c:invertIfNegative val="0"/>
-          <c:dLbls>
-            <c:delete val="1"/>
-          </c:dLbls>
-          <c:cat>
-            <c:strRef>
-              <c:f>Sheet1!$A$2:$A$8</c:f>
-              <c:strCache>
-                <c:ptCount val="7"/>
-                <c:pt idx="0">
-                  <c:v>credit_card</c:v>
-                </c:pt>
-                <c:pt idx="1">
-                  <c:v>debt_consolidation</c:v>
-                </c:pt>
-                <c:pt idx="2">
-                  <c:v>home_improvement</c:v>
-                </c:pt>
-                <c:pt idx="3">
-                  <c:v>major_purchase</c:v>
-                </c:pt>
-                <c:pt idx="4">
-                  <c:v>other</c:v>
-                </c:pt>
-                <c:pt idx="5">
-                  <c:v>other purpose</c:v>
-                </c:pt>
-                <c:pt idx="6">
-                  <c:v>small_business</c:v>
-                </c:pt>
-              </c:strCache>
-            </c:strRef>
-          </c:cat>
-          <c:val>
-            <c:numRef>
-              <c:f>Sheet1!$C$2:$C$8</c:f>
-              <c:numCache>
-                <c:formatCode>General</c:formatCode>
-                <c:ptCount val="7"/>
-                <c:pt idx="0">
-                  <c:v>224</c:v>
-                </c:pt>
-                <c:pt idx="1">
-                  <c:v>1298</c:v>
-                </c:pt>
-                <c:pt idx="2">
-                  <c:v>142</c:v>
-                </c:pt>
-                <c:pt idx="3">
-                  <c:v>85</c:v>
-                </c:pt>
-                <c:pt idx="4">
-                  <c:v>219</c:v>
-                </c:pt>
-                <c:pt idx="5">
-                  <c:v>226</c:v>
-                </c:pt>
-                <c:pt idx="6">
-                  <c:v>206</c:v>
-                </c:pt>
-              </c:numCache>
-            </c:numRef>
-          </c:val>
-        </c:ser>
-        <c:dLbls>
-          <c:showLegendKey val="0"/>
-          <c:showVal val="1"/>
-          <c:showCatName val="0"/>
-          <c:showSerName val="0"/>
-          <c:showPercent val="0"/>
-          <c:showBubbleSize val="0"/>
-        </c:dLbls>
-        <c:gapWidth val="95"/>
-        <c:overlap val="100"/>
-        <c:axId val="50796416"/>
-        <c:axId val="50797952"/>
-      </c:barChart>
-      <c:catAx>
-        <c:axId val="50796416"/>
-        <c:scaling>
-          <c:orientation val="minMax"/>
-        </c:scaling>
-        <c:delete val="0"/>
-        <c:axPos val="b"/>
-        <c:numFmt formatCode="General" sourceLinked="1"/>
-        <c:majorTickMark val="none"/>
-        <c:minorTickMark val="none"/>
-        <c:tickLblPos val="none"/>
-        <c:crossAx val="50797952"/>
-        <c:crosses val="autoZero"/>
-        <c:auto val="1"/>
-        <c:lblAlgn val="ctr"/>
-        <c:lblOffset val="100"/>
-        <c:noMultiLvlLbl val="0"/>
-      </c:catAx>
-      <c:valAx>
-        <c:axId val="50797952"/>
-        <c:scaling>
-          <c:orientation val="minMax"/>
-        </c:scaling>
-        <c:delete val="1"/>
-        <c:axPos val="l"/>
-        <c:numFmt formatCode="General" sourceLinked="1"/>
-        <c:majorTickMark val="out"/>
-        <c:minorTickMark val="none"/>
-        <c:tickLblPos val="nextTo"/>
-        <c:crossAx val="50796416"/>
-        <c:crosses val="autoZero"/>
-        <c:crossBetween val="between"/>
-      </c:valAx>
-      <c:spPr>
-        <a:noFill/>
-        <a:ln w="25400">
-          <a:noFill/>
-        </a:ln>
-      </c:spPr>
-    </c:plotArea>
-    <c:plotVisOnly val="1"/>
-    <c:dispBlanksAs val="gap"/>
-    <c:showDLblsOverMax val="0"/>
-  </c:chart>
-  <c:txPr>
-    <a:bodyPr/>
-    <a:lstStyle/>
-    <a:p>
-      <a:pPr>
-        <a:defRPr sz="1800"/>
-      </a:pPr>
-      <a:endParaRPr lang="en-US"/>
-    </a:p>
-  </c:txPr>
-  <c:externalData r:id="rId1">
-    <c:autoUpdate val="0"/>
-  </c:externalData>
-</c:chartSpace>
-</file>
-
-<file path=ppt/charts/chart12.xml><?xml version="1.0" encoding="utf-8"?>
-<c:chartSpace xmlns:c="http://schemas.openxmlformats.org/drawingml/2006/chart" xmlns:a="http://schemas.openxmlformats.org/drawingml/2006/main" xmlns:r="http://schemas.openxmlformats.org/officeDocument/2006/relationships">
-  <c:date1904 val="0"/>
-  <c:lang val="en-US"/>
-  <c:roundedCorners val="0"/>
-  <mc:AlternateContent xmlns:mc="http://schemas.openxmlformats.org/markup-compatibility/2006">
-    <mc:Choice xmlns:c14="http://schemas.microsoft.com/office/drawing/2007/8/2/chart" Requires="c14">
-      <c14:style val="102"/>
-    </mc:Choice>
-    <mc:Fallback>
-      <c:style val="2"/>
-    </mc:Fallback>
-  </mc:AlternateContent>
-  <c:chart>
-    <c:autoTitleDeleted val="1"/>
-    <c:plotArea>
-      <c:layout>
-        <c:manualLayout>
-          <c:layoutTarget val="inner"/>
-          <c:xMode val="edge"/>
-          <c:yMode val="edge"/>
-          <c:x val="8.8890338912460384E-2"/>
-          <c:y val="0.12205713369006782"/>
-          <c:w val="0.90913412967255003"/>
-          <c:h val="0.70268607301478148"/>
-        </c:manualLayout>
-      </c:layout>
-      <c:barChart>
-        <c:barDir val="col"/>
-        <c:grouping val="stacked"/>
-        <c:varyColors val="0"/>
-        <c:ser>
-          <c:idx val="0"/>
-          <c:order val="0"/>
-          <c:tx>
-            <c:strRef>
-              <c:f>Sheet1!$B$1</c:f>
-              <c:strCache>
-                <c:ptCount val="1"/>
-                <c:pt idx="0">
-                  <c:v> 36 months</c:v>
-                </c:pt>
-              </c:strCache>
-            </c:strRef>
-          </c:tx>
-          <c:spPr>
-            <a:solidFill>
-              <a:schemeClr val="accent4">
-                <a:lumMod val="40000"/>
-                <a:lumOff val="60000"/>
-              </a:schemeClr>
-            </a:solidFill>
-          </c:spPr>
-          <c:invertIfNegative val="0"/>
-          <c:dLbls>
-            <c:delete val="1"/>
-          </c:dLbls>
-          <c:cat>
-            <c:strRef>
-              <c:f>Sheet1!$A$2:$A$4</c:f>
-              <c:strCache>
-                <c:ptCount val="3"/>
-                <c:pt idx="0">
-                  <c:v>Not Verified</c:v>
-                </c:pt>
-                <c:pt idx="1">
-                  <c:v>Source Verified</c:v>
-                </c:pt>
-                <c:pt idx="2">
-                  <c:v>Verified</c:v>
-                </c:pt>
-              </c:strCache>
-            </c:strRef>
-          </c:cat>
-          <c:val>
-            <c:numRef>
-              <c:f>Sheet1!$B$2:$B$4</c:f>
-              <c:numCache>
-                <c:formatCode>General</c:formatCode>
-                <c:ptCount val="3"/>
-                <c:pt idx="0">
-                  <c:v>1652</c:v>
-                </c:pt>
-                <c:pt idx="1">
-                  <c:v>715</c:v>
-                </c:pt>
-                <c:pt idx="2">
-                  <c:v>860</c:v>
-                </c:pt>
-              </c:numCache>
-            </c:numRef>
-          </c:val>
-        </c:ser>
-        <c:ser>
-          <c:idx val="1"/>
-          <c:order val="1"/>
-          <c:tx>
-            <c:strRef>
-              <c:f>Sheet1!$C$1</c:f>
-              <c:strCache>
-                <c:ptCount val="1"/>
-                <c:pt idx="0">
-                  <c:v> 60 months</c:v>
-                </c:pt>
-              </c:strCache>
-            </c:strRef>
-          </c:tx>
-          <c:spPr>
-            <a:solidFill>
-              <a:schemeClr val="accent4"/>
-            </a:solidFill>
-          </c:spPr>
-          <c:invertIfNegative val="0"/>
-          <c:dLbls>
-            <c:delete val="1"/>
-          </c:dLbls>
-          <c:cat>
-            <c:strRef>
-              <c:f>Sheet1!$A$2:$A$4</c:f>
-              <c:strCache>
-                <c:ptCount val="3"/>
-                <c:pt idx="0">
-                  <c:v>Not Verified</c:v>
-                </c:pt>
-                <c:pt idx="1">
-                  <c:v>Source Verified</c:v>
-                </c:pt>
-                <c:pt idx="2">
-                  <c:v>Verified</c:v>
-                </c:pt>
-              </c:strCache>
-            </c:strRef>
-          </c:cat>
-          <c:val>
-            <c:numRef>
-              <c:f>Sheet1!$C$2:$C$4</c:f>
-              <c:numCache>
-                <c:formatCode>General</c:formatCode>
-                <c:ptCount val="3"/>
-                <c:pt idx="0">
-                  <c:v>490</c:v>
-                </c:pt>
-                <c:pt idx="1">
-                  <c:v>719</c:v>
-                </c:pt>
-                <c:pt idx="2">
-                  <c:v>1191</c:v>
-                </c:pt>
-              </c:numCache>
-            </c:numRef>
-          </c:val>
-        </c:ser>
-        <c:dLbls>
-          <c:showLegendKey val="0"/>
-          <c:showVal val="1"/>
-          <c:showCatName val="0"/>
-          <c:showSerName val="0"/>
-          <c:showPercent val="0"/>
-          <c:showBubbleSize val="0"/>
-        </c:dLbls>
-        <c:gapWidth val="95"/>
-        <c:overlap val="100"/>
-        <c:axId val="50870912"/>
-        <c:axId val="50880896"/>
-      </c:barChart>
-      <c:catAx>
-        <c:axId val="50870912"/>
-        <c:scaling>
-          <c:orientation val="minMax"/>
-        </c:scaling>
-        <c:delete val="0"/>
-        <c:axPos val="b"/>
-        <c:majorTickMark val="none"/>
-        <c:minorTickMark val="none"/>
-        <c:tickLblPos val="none"/>
-        <c:txPr>
-          <a:bodyPr/>
-          <a:lstStyle/>
-          <a:p>
-            <a:pPr>
-              <a:defRPr sz="700"/>
-            </a:pPr>
-            <a:endParaRPr lang="en-US"/>
-          </a:p>
-        </c:txPr>
-        <c:crossAx val="50880896"/>
-        <c:crosses val="autoZero"/>
-        <c:auto val="1"/>
-        <c:lblAlgn val="ctr"/>
-        <c:lblOffset val="100"/>
-        <c:noMultiLvlLbl val="0"/>
-      </c:catAx>
-      <c:valAx>
-        <c:axId val="50880896"/>
-        <c:scaling>
-          <c:orientation val="minMax"/>
-        </c:scaling>
-        <c:delete val="1"/>
-        <c:axPos val="l"/>
-        <c:numFmt formatCode="General" sourceLinked="1"/>
-        <c:majorTickMark val="out"/>
-        <c:minorTickMark val="none"/>
-        <c:tickLblPos val="nextTo"/>
-        <c:crossAx val="50870912"/>
-        <c:crosses val="autoZero"/>
-        <c:crossBetween val="between"/>
-      </c:valAx>
-      <c:spPr>
-        <a:noFill/>
-        <a:ln w="25400">
-          <a:noFill/>
-        </a:ln>
-      </c:spPr>
-    </c:plotArea>
-    <c:plotVisOnly val="1"/>
-    <c:dispBlanksAs val="gap"/>
-    <c:showDLblsOverMax val="0"/>
-  </c:chart>
-  <c:txPr>
-    <a:bodyPr/>
-    <a:lstStyle/>
-    <a:p>
-      <a:pPr>
-        <a:defRPr sz="1800"/>
-      </a:pPr>
-      <a:endParaRPr lang="en-US"/>
-    </a:p>
-  </c:txPr>
-  <c:externalData r:id="rId1">
-    <c:autoUpdate val="0"/>
-  </c:externalData>
-</c:chartSpace>
-</file>
-
-<file path=ppt/charts/chart13.xml><?xml version="1.0" encoding="utf-8"?>
-<c:chartSpace xmlns:c="http://schemas.openxmlformats.org/drawingml/2006/chart" xmlns:a="http://schemas.openxmlformats.org/drawingml/2006/main" xmlns:r="http://schemas.openxmlformats.org/officeDocument/2006/relationships">
-  <c:date1904 val="0"/>
-  <c:lang val="en-US"/>
-  <c:roundedCorners val="0"/>
-  <mc:AlternateContent xmlns:mc="http://schemas.openxmlformats.org/markup-compatibility/2006">
-    <mc:Choice xmlns:c14="http://schemas.microsoft.com/office/drawing/2007/8/2/chart" Requires="c14">
-      <c14:style val="102"/>
-    </mc:Choice>
-    <mc:Fallback>
-      <c:style val="2"/>
-    </mc:Fallback>
-  </mc:AlternateContent>
-  <c:chart>
-    <c:autoTitleDeleted val="1"/>
-    <c:plotArea>
-      <c:layout>
-        <c:manualLayout>
-          <c:layoutTarget val="inner"/>
-          <c:xMode val="edge"/>
-          <c:yMode val="edge"/>
-          <c:x val="8.8890338912460384E-2"/>
-          <c:y val="6.3723728681869402E-2"/>
-          <c:w val="0.90913412967255003"/>
-          <c:h val="0.90202279437473287"/>
-        </c:manualLayout>
-      </c:layout>
-      <c:barChart>
-        <c:barDir val="col"/>
-        <c:grouping val="stacked"/>
-        <c:varyColors val="0"/>
-        <c:ser>
-          <c:idx val="0"/>
-          <c:order val="0"/>
-          <c:tx>
-            <c:strRef>
-              <c:f>Sheet1!$B$1</c:f>
-              <c:strCache>
-                <c:ptCount val="1"/>
-                <c:pt idx="0">
-                  <c:v> 36 months</c:v>
-                </c:pt>
-              </c:strCache>
-            </c:strRef>
-          </c:tx>
-          <c:spPr>
-            <a:solidFill>
-              <a:schemeClr val="tx2">
-                <a:lumMod val="40000"/>
-                <a:lumOff val="60000"/>
-              </a:schemeClr>
-            </a:solidFill>
-          </c:spPr>
-          <c:invertIfNegative val="0"/>
-          <c:dLbls>
-            <c:delete val="1"/>
-          </c:dLbls>
-          <c:cat>
-            <c:strRef>
-              <c:f>Sheet1!$A$2:$A$4</c:f>
-              <c:strCache>
-                <c:ptCount val="3"/>
-                <c:pt idx="0">
-                  <c:v>Not Verified</c:v>
-                </c:pt>
-                <c:pt idx="1">
-                  <c:v>Source Verified</c:v>
-                </c:pt>
-                <c:pt idx="2">
-                  <c:v>Verified</c:v>
-                </c:pt>
-              </c:strCache>
-            </c:strRef>
-          </c:cat>
-          <c:val>
-            <c:numRef>
-              <c:f>Sheet1!$B$2:$B$4</c:f>
-              <c:numCache>
-                <c:formatCode>General</c:formatCode>
-                <c:ptCount val="3"/>
-                <c:pt idx="0">
-                  <c:v>12866</c:v>
-                </c:pt>
-                <c:pt idx="1">
-                  <c:v>6245</c:v>
-                </c:pt>
-                <c:pt idx="2">
-                  <c:v>6758</c:v>
-                </c:pt>
-              </c:numCache>
-            </c:numRef>
-          </c:val>
-        </c:ser>
-        <c:ser>
-          <c:idx val="1"/>
-          <c:order val="1"/>
-          <c:tx>
-            <c:strRef>
-              <c:f>Sheet1!$C$1</c:f>
-              <c:strCache>
-                <c:ptCount val="1"/>
-                <c:pt idx="0">
-                  <c:v> 60 months</c:v>
-                </c:pt>
-              </c:strCache>
-            </c:strRef>
-          </c:tx>
-          <c:spPr>
-            <a:solidFill>
-              <a:schemeClr val="tx2"/>
-            </a:solidFill>
-          </c:spPr>
-          <c:invertIfNegative val="0"/>
-          <c:dLbls>
-            <c:delete val="1"/>
-          </c:dLbls>
-          <c:cat>
-            <c:strRef>
-              <c:f>Sheet1!$A$2:$A$4</c:f>
-              <c:strCache>
-                <c:ptCount val="3"/>
-                <c:pt idx="0">
-                  <c:v>Not Verified</c:v>
-                </c:pt>
-                <c:pt idx="1">
-                  <c:v>Source Verified</c:v>
-                </c:pt>
-                <c:pt idx="2">
-                  <c:v>Verified</c:v>
-                </c:pt>
-              </c:strCache>
-            </c:strRef>
-          </c:cat>
-          <c:val>
-            <c:numRef>
-              <c:f>Sheet1!$C$2:$C$4</c:f>
-              <c:numCache>
-                <c:formatCode>General</c:formatCode>
-                <c:ptCount val="3"/>
-                <c:pt idx="0">
-                  <c:v>1686</c:v>
-                </c:pt>
-                <c:pt idx="1">
-                  <c:v>1998</c:v>
-                </c:pt>
-                <c:pt idx="2">
-                  <c:v>3397</c:v>
-                </c:pt>
-              </c:numCache>
-            </c:numRef>
-          </c:val>
-        </c:ser>
-        <c:dLbls>
-          <c:showLegendKey val="0"/>
-          <c:showVal val="1"/>
-          <c:showCatName val="0"/>
-          <c:showSerName val="0"/>
-          <c:showPercent val="0"/>
-          <c:showBubbleSize val="0"/>
-        </c:dLbls>
-        <c:gapWidth val="95"/>
-        <c:overlap val="100"/>
-        <c:axId val="50844032"/>
-        <c:axId val="50845568"/>
-      </c:barChart>
-      <c:catAx>
-        <c:axId val="50844032"/>
-        <c:scaling>
-          <c:orientation val="minMax"/>
-        </c:scaling>
-        <c:delete val="0"/>
-        <c:axPos val="b"/>
-        <c:majorTickMark val="none"/>
-        <c:minorTickMark val="none"/>
-        <c:tickLblPos val="none"/>
-        <c:txPr>
-          <a:bodyPr/>
-          <a:lstStyle/>
-          <a:p>
-            <a:pPr>
-              <a:defRPr sz="700"/>
-            </a:pPr>
-            <a:endParaRPr lang="en-US"/>
-          </a:p>
-        </c:txPr>
-        <c:crossAx val="50845568"/>
-        <c:crosses val="autoZero"/>
-        <c:auto val="1"/>
-        <c:lblAlgn val="ctr"/>
-        <c:lblOffset val="100"/>
-        <c:noMultiLvlLbl val="0"/>
-      </c:catAx>
-      <c:valAx>
-        <c:axId val="50845568"/>
-        <c:scaling>
-          <c:orientation val="minMax"/>
-        </c:scaling>
-        <c:delete val="1"/>
-        <c:axPos val="l"/>
-        <c:numFmt formatCode="General" sourceLinked="1"/>
-        <c:majorTickMark val="out"/>
-        <c:minorTickMark val="none"/>
-        <c:tickLblPos val="nextTo"/>
-        <c:crossAx val="50844032"/>
-        <c:crosses val="autoZero"/>
-        <c:crossBetween val="between"/>
-      </c:valAx>
-      <c:spPr>
-        <a:noFill/>
-        <a:ln w="25400">
-          <a:noFill/>
-        </a:ln>
-      </c:spPr>
-    </c:plotArea>
-    <c:plotVisOnly val="1"/>
-    <c:dispBlanksAs val="gap"/>
-    <c:showDLblsOverMax val="0"/>
-  </c:chart>
-  <c:txPr>
-    <a:bodyPr/>
-    <a:lstStyle/>
-    <a:p>
-      <a:pPr>
-        <a:defRPr sz="1800"/>
       </a:pPr>
       <a:endParaRPr lang="en-US"/>
     </a:p>
@@ -16261,25 +15238,6 @@
               <a:cs typeface="Times New Roman" panose="02020603050405020304" pitchFamily="18" charset="0"/>
             </a:endParaRPr>
           </a:p>
-          <a:p>
-            <a:r>
-              <a:rPr lang="en-US" sz="1200" dirty="0" smtClean="0">
-                <a:solidFill>
-                  <a:schemeClr val="tx1"/>
-                </a:solidFill>
-                <a:latin typeface="Times New Roman" panose="02020603050405020304" pitchFamily="18" charset="0"/>
-                <a:cs typeface="Times New Roman" panose="02020603050405020304" pitchFamily="18" charset="0"/>
-              </a:rPr>
-              <a:t>”</a:t>
-            </a:r>
-            <a:endParaRPr lang="en-US" sz="1200" dirty="0" smtClean="0">
-              <a:solidFill>
-                <a:schemeClr val="tx1"/>
-              </a:solidFill>
-              <a:latin typeface="Times New Roman" panose="02020603050405020304" pitchFamily="18" charset="0"/>
-              <a:cs typeface="Times New Roman" panose="02020603050405020304" pitchFamily="18" charset="0"/>
-            </a:endParaRPr>
-          </a:p>
         </p:txBody>
       </p:sp>
       <p:sp>
@@ -17317,50 +16275,6 @@
           <a:chExt cx="0" cy="0"/>
         </a:xfrm>
       </p:grpSpPr>
-      <p:graphicFrame>
-        <p:nvGraphicFramePr>
-          <p:cNvPr id="3" name="Chart 2"/>
-          <p:cNvGraphicFramePr/>
-          <p:nvPr>
-            <p:extLst>
-              <p:ext uri="{D42A27DB-BD31-4B8C-83A1-F6EECF244321}">
-                <p14:modId xmlns:p14="http://schemas.microsoft.com/office/powerpoint/2010/main" val="1256043303"/>
-              </p:ext>
-            </p:extLst>
-          </p:nvPr>
-        </p:nvGraphicFramePr>
-        <p:xfrm>
-          <a:off x="1401653" y="1663657"/>
-          <a:ext cx="5447881" cy="2218295"/>
-        </p:xfrm>
-        <a:graphic>
-          <a:graphicData uri="http://schemas.openxmlformats.org/drawingml/2006/chart">
-            <c:chart xmlns:c="http://schemas.openxmlformats.org/drawingml/2006/chart" xmlns:r="http://schemas.openxmlformats.org/officeDocument/2006/relationships" r:id="rId2"/>
-          </a:graphicData>
-        </a:graphic>
-      </p:graphicFrame>
-      <p:graphicFrame>
-        <p:nvGraphicFramePr>
-          <p:cNvPr id="20" name="Chart 19"/>
-          <p:cNvGraphicFramePr/>
-          <p:nvPr>
-            <p:extLst>
-              <p:ext uri="{D42A27DB-BD31-4B8C-83A1-F6EECF244321}">
-                <p14:modId xmlns:p14="http://schemas.microsoft.com/office/powerpoint/2010/main" val="1108150868"/>
-              </p:ext>
-            </p:extLst>
-          </p:nvPr>
-        </p:nvGraphicFramePr>
-        <p:xfrm>
-          <a:off x="1410120" y="2777055"/>
-          <a:ext cx="5439415" cy="1769541"/>
-        </p:xfrm>
-        <a:graphic>
-          <a:graphicData uri="http://schemas.openxmlformats.org/drawingml/2006/chart">
-            <c:chart xmlns:c="http://schemas.openxmlformats.org/drawingml/2006/chart" xmlns:r="http://schemas.openxmlformats.org/officeDocument/2006/relationships" r:id="rId3"/>
-          </a:graphicData>
-        </a:graphic>
-      </p:graphicFrame>
       <p:sp>
         <p:nvSpPr>
           <p:cNvPr id="4" name="Title 1"/>
@@ -17452,155 +16366,6 @@
                 <a:cs typeface="Times New Roman" panose="02020603050405020304" pitchFamily="18" charset="0"/>
               </a:rPr>
               <a:t>“</a:t>
-            </a:r>
-            <a:r>
-              <a:rPr lang="en-US" sz="1200" i="1" dirty="0" smtClean="0">
-                <a:solidFill>
-                  <a:schemeClr val="tx1"/>
-                </a:solidFill>
-                <a:latin typeface="Times New Roman" panose="02020603050405020304" pitchFamily="18" charset="0"/>
-                <a:cs typeface="Times New Roman" panose="02020603050405020304" pitchFamily="18" charset="0"/>
-              </a:rPr>
-              <a:t>Debt Consolidation </a:t>
-            </a:r>
-            <a:r>
-              <a:rPr lang="en-US" sz="1200" i="1" dirty="0" smtClean="0">
-                <a:solidFill>
-                  <a:schemeClr val="tx1"/>
-                </a:solidFill>
-                <a:latin typeface="Times New Roman" panose="02020603050405020304" pitchFamily="18" charset="0"/>
-                <a:cs typeface="Times New Roman" panose="02020603050405020304" pitchFamily="18" charset="0"/>
-              </a:rPr>
-              <a:t>captured to be a </a:t>
-            </a:r>
-            <a:r>
-              <a:rPr lang="en-US" sz="1200" i="1" dirty="0" smtClean="0">
-                <a:solidFill>
-                  <a:schemeClr val="tx1"/>
-                </a:solidFill>
-                <a:latin typeface="Times New Roman" panose="02020603050405020304" pitchFamily="18" charset="0"/>
-                <a:cs typeface="Times New Roman" panose="02020603050405020304" pitchFamily="18" charset="0"/>
-              </a:rPr>
-              <a:t>very common purpose for </a:t>
-            </a:r>
-            <a:r>
-              <a:rPr lang="en-US" sz="1200" i="1" dirty="0" smtClean="0">
-                <a:solidFill>
-                  <a:schemeClr val="tx1"/>
-                </a:solidFill>
-                <a:latin typeface="Times New Roman" panose="02020603050405020304" pitchFamily="18" charset="0"/>
-                <a:cs typeface="Times New Roman" panose="02020603050405020304" pitchFamily="18" charset="0"/>
-              </a:rPr>
-              <a:t>Loan Application</a:t>
-            </a:r>
-            <a:r>
-              <a:rPr lang="en-US" sz="1200" i="1" dirty="0" smtClean="0">
-                <a:solidFill>
-                  <a:schemeClr val="tx1"/>
-                </a:solidFill>
-                <a:latin typeface="Times New Roman" panose="02020603050405020304" pitchFamily="18" charset="0"/>
-                <a:cs typeface="Times New Roman" panose="02020603050405020304" pitchFamily="18" charset="0"/>
-              </a:rPr>
-              <a:t>. </a:t>
-            </a:r>
-            <a:r>
-              <a:rPr lang="en-US" sz="1200" i="1" dirty="0" smtClean="0">
-                <a:solidFill>
-                  <a:schemeClr val="tx1"/>
-                </a:solidFill>
-                <a:latin typeface="Times New Roman" panose="02020603050405020304" pitchFamily="18" charset="0"/>
-                <a:cs typeface="Times New Roman" panose="02020603050405020304" pitchFamily="18" charset="0"/>
-              </a:rPr>
-              <a:t>However, applicants opting for a Loan Term of </a:t>
-            </a:r>
-            <a:r>
-              <a:rPr lang="en-US" sz="1200" b="1" i="1" dirty="0" smtClean="0">
-                <a:solidFill>
-                  <a:schemeClr val="tx1"/>
-                </a:solidFill>
-                <a:latin typeface="Times New Roman" panose="02020603050405020304" pitchFamily="18" charset="0"/>
-                <a:cs typeface="Times New Roman" panose="02020603050405020304" pitchFamily="18" charset="0"/>
-              </a:rPr>
-              <a:t>60 Months </a:t>
-            </a:r>
-            <a:r>
-              <a:rPr lang="en-US" sz="1200" i="1" dirty="0" smtClean="0">
-                <a:solidFill>
-                  <a:schemeClr val="tx1"/>
-                </a:solidFill>
-                <a:latin typeface="Times New Roman" panose="02020603050405020304" pitchFamily="18" charset="0"/>
-                <a:cs typeface="Times New Roman" panose="02020603050405020304" pitchFamily="18" charset="0"/>
-              </a:rPr>
-              <a:t>have higher chances </a:t>
-            </a:r>
-            <a:r>
-              <a:rPr lang="en-US" sz="1200" i="1" dirty="0" smtClean="0">
-                <a:solidFill>
-                  <a:schemeClr val="tx1"/>
-                </a:solidFill>
-                <a:latin typeface="Times New Roman" panose="02020603050405020304" pitchFamily="18" charset="0"/>
-                <a:cs typeface="Times New Roman" panose="02020603050405020304" pitchFamily="18" charset="0"/>
-              </a:rPr>
-              <a:t>of getting at </a:t>
-            </a:r>
-            <a:r>
-              <a:rPr lang="en-US" sz="1200" i="1" dirty="0" smtClean="0">
-                <a:solidFill>
-                  <a:schemeClr val="tx1"/>
-                </a:solidFill>
-                <a:latin typeface="Times New Roman" panose="02020603050405020304" pitchFamily="18" charset="0"/>
-                <a:cs typeface="Times New Roman" panose="02020603050405020304" pitchFamily="18" charset="0"/>
-              </a:rPr>
-              <a:t>default. Also, when looked at the Verification Status, majority of the Applicant were found Verified for the same term. </a:t>
-            </a:r>
-            <a:r>
-              <a:rPr lang="en-US" sz="1200" b="1" i="1" dirty="0">
-                <a:solidFill>
-                  <a:schemeClr val="tx1"/>
-                </a:solidFill>
-                <a:latin typeface="Times New Roman" panose="02020603050405020304" pitchFamily="18" charset="0"/>
-                <a:cs typeface="Times New Roman" panose="02020603050405020304" pitchFamily="18" charset="0"/>
-              </a:rPr>
-              <a:t>Consumer Finance </a:t>
-            </a:r>
-            <a:r>
-              <a:rPr lang="en-US" sz="1200" b="1" i="1" dirty="0" smtClean="0">
-                <a:solidFill>
-                  <a:schemeClr val="tx1"/>
-                </a:solidFill>
-                <a:latin typeface="Times New Roman" panose="02020603050405020304" pitchFamily="18" charset="0"/>
-                <a:cs typeface="Times New Roman" panose="02020603050405020304" pitchFamily="18" charset="0"/>
-              </a:rPr>
-              <a:t>Company </a:t>
-            </a:r>
-            <a:r>
-              <a:rPr lang="en-US" sz="1200" i="1" dirty="0" smtClean="0">
-                <a:solidFill>
-                  <a:schemeClr val="tx1"/>
-                </a:solidFill>
-                <a:latin typeface="Times New Roman" panose="02020603050405020304" pitchFamily="18" charset="0"/>
-                <a:cs typeface="Times New Roman" panose="02020603050405020304" pitchFamily="18" charset="0"/>
-              </a:rPr>
-              <a:t>can scrutinize the verification process to understand specific trait of Borrower’s at default.”</a:t>
-            </a:r>
-            <a:endParaRPr lang="en-US" sz="1200" i="1" dirty="0" smtClean="0">
-              <a:solidFill>
-                <a:schemeClr val="tx1"/>
-              </a:solidFill>
-              <a:latin typeface="Times New Roman" panose="02020603050405020304" pitchFamily="18" charset="0"/>
-              <a:cs typeface="Times New Roman" panose="02020603050405020304" pitchFamily="18" charset="0"/>
-            </a:endParaRPr>
-          </a:p>
-          <a:p>
-            <a:r>
-              <a:rPr lang="en-US" sz="1200" dirty="0" smtClean="0">
-                <a:solidFill>
-                  <a:schemeClr val="tx1"/>
-                </a:solidFill>
-                <a:latin typeface="Times New Roman" panose="02020603050405020304" pitchFamily="18" charset="0"/>
-                <a:cs typeface="Times New Roman" panose="02020603050405020304" pitchFamily="18" charset="0"/>
-              </a:rPr>
-              <a:t>”</a:t>
             </a:r>
             <a:endParaRPr lang="en-US" sz="1200" dirty="0" smtClean="0">
               <a:solidFill>
@@ -17659,117 +16424,6 @@
           </a:p>
         </p:txBody>
       </p:sp>
-      <p:sp>
-        <p:nvSpPr>
-          <p:cNvPr id="11" name="TextBox 10"/>
-          <p:cNvSpPr txBox="1"/>
-          <p:nvPr/>
-        </p:nvSpPr>
-        <p:spPr>
-          <a:xfrm>
-            <a:off x="7061210" y="2066286"/>
-            <a:ext cx="4487334" cy="1200329"/>
-          </a:xfrm>
-          <a:prstGeom prst="rect">
-            <a:avLst/>
-          </a:prstGeom>
-          <a:noFill/>
-        </p:spPr>
-        <p:txBody>
-          <a:bodyPr wrap="square" rtlCol="0">
-            <a:spAutoFit/>
-          </a:bodyPr>
-          <a:lstStyle/>
-          <a:p>
-            <a:pPr marL="285750" indent="-285750">
-              <a:buFont typeface="Arial" panose="020B0604020202020204" pitchFamily="34" charset="0"/>
-              <a:buChar char="•"/>
-            </a:pPr>
-            <a:r>
-              <a:rPr lang="en-US" dirty="0" smtClean="0">
-                <a:latin typeface="Times New Roman" panose="02020603050405020304" pitchFamily="18" charset="0"/>
-                <a:cs typeface="Times New Roman" panose="02020603050405020304" pitchFamily="18" charset="0"/>
-              </a:rPr>
-              <a:t>It was observed that Applicants having </a:t>
-            </a:r>
-            <a:r>
-              <a:rPr lang="en-US" b="1" dirty="0" smtClean="0">
-                <a:latin typeface="Times New Roman" panose="02020603050405020304" pitchFamily="18" charset="0"/>
-                <a:cs typeface="Times New Roman" panose="02020603050405020304" pitchFamily="18" charset="0"/>
-              </a:rPr>
-              <a:t>Debt Consolidation</a:t>
-            </a:r>
-            <a:r>
-              <a:rPr lang="en-US" dirty="0" smtClean="0">
-                <a:latin typeface="Times New Roman" panose="02020603050405020304" pitchFamily="18" charset="0"/>
-                <a:cs typeface="Times New Roman" panose="02020603050405020304" pitchFamily="18" charset="0"/>
-              </a:rPr>
-              <a:t> as the purpose of Loan tends to default with a higher chance over a Loan Term of </a:t>
-            </a:r>
-            <a:r>
-              <a:rPr lang="en-US" b="1" dirty="0" smtClean="0">
-                <a:latin typeface="Times New Roman" panose="02020603050405020304" pitchFamily="18" charset="0"/>
-                <a:cs typeface="Times New Roman" panose="02020603050405020304" pitchFamily="18" charset="0"/>
-              </a:rPr>
-              <a:t>60 Months</a:t>
-            </a:r>
-          </a:p>
-        </p:txBody>
-      </p:sp>
-      <p:pic>
-        <p:nvPicPr>
-          <p:cNvPr id="2050" name="Picture 2"/>
-          <p:cNvPicPr>
-            <a:picLocks noChangeAspect="1" noChangeArrowheads="1"/>
-          </p:cNvPicPr>
-          <p:nvPr/>
-        </p:nvPicPr>
-        <p:blipFill>
-          <a:blip r:embed="rId4">
-            <a:extLst>
-              <a:ext uri="{28A0092B-C50C-407E-A947-70E740481C1C}">
-                <a14:useLocalDpi xmlns:a14="http://schemas.microsoft.com/office/drawing/2010/main" val="0"/>
-              </a:ext>
-            </a:extLst>
-          </a:blip>
-          <a:srcRect/>
-          <a:stretch>
-            <a:fillRect/>
-          </a:stretch>
-        </p:blipFill>
-        <p:spPr bwMode="auto">
-          <a:xfrm>
-            <a:off x="3402713" y="1681206"/>
-            <a:ext cx="1881385" cy="228285"/>
-          </a:xfrm>
-          <a:prstGeom prst="rect">
-            <a:avLst/>
-          </a:prstGeom>
-          <a:noFill/>
-          <a:ln>
-            <a:noFill/>
-          </a:ln>
-          <a:extLst>
-            <a:ext uri="{909E8E84-426E-40DD-AFC4-6F175D3DCCD1}">
-              <a14:hiddenFill xmlns:a14="http://schemas.microsoft.com/office/drawing/2010/main">
-                <a:solidFill>
-                  <a:schemeClr val="accent1"/>
-                </a:solidFill>
-              </a14:hiddenFill>
-            </a:ext>
-            <a:ext uri="{91240B29-F687-4F45-9708-019B960494DF}">
-              <a14:hiddenLine xmlns:a14="http://schemas.microsoft.com/office/drawing/2010/main" w="9525">
-                <a:solidFill>
-                  <a:schemeClr val="tx1"/>
-                </a:solidFill>
-                <a:miter lim="800000"/>
-                <a:headEnd/>
-                <a:tailEnd/>
-              </a14:hiddenLine>
-            </a:ext>
-          </a:extLst>
-        </p:spPr>
-      </p:pic>
       <p:pic>
         <p:nvPicPr>
           <p:cNvPr id="2052" name="Picture 4"/>
@@ -17779,7 +16433,7 @@
           <p:nvPr/>
         </p:nvPicPr>
         <p:blipFill>
-          <a:blip r:embed="rId5" cstate="print">
+          <a:blip r:embed="rId2" cstate="print">
             <a:extLst>
               <a:ext uri="{28A0092B-C50C-407E-A947-70E740481C1C}">
                 <a14:useLocalDpi xmlns:a14="http://schemas.microsoft.com/office/drawing/2010/main" val="0"/>
@@ -17860,756 +16514,6 @@
           </a:fontRef>
         </p:style>
       </p:cxnSp>
-      <p:sp>
-        <p:nvSpPr>
-          <p:cNvPr id="22" name="TextBox 21"/>
-          <p:cNvSpPr txBox="1"/>
-          <p:nvPr/>
-        </p:nvSpPr>
-        <p:spPr>
-          <a:xfrm>
-            <a:off x="2257467" y="1865912"/>
-            <a:ext cx="4269671" cy="461665"/>
-          </a:xfrm>
-          <a:prstGeom prst="rect">
-            <a:avLst/>
-          </a:prstGeom>
-          <a:noFill/>
-        </p:spPr>
-        <p:txBody>
-          <a:bodyPr wrap="square" rtlCol="0">
-            <a:spAutoFit/>
-          </a:bodyPr>
-          <a:lstStyle/>
-          <a:p>
-            <a:pPr algn="ctr"/>
-            <a:r>
-              <a:rPr lang="en-US" sz="1200" b="1" dirty="0" smtClean="0">
-                <a:latin typeface="Times New Roman" panose="02020603050405020304" pitchFamily="18" charset="0"/>
-                <a:cs typeface="Times New Roman" panose="02020603050405020304" pitchFamily="18" charset="0"/>
-              </a:rPr>
-              <a:t>Distribution of Loan Term across Top 6 Purpose Categories</a:t>
-            </a:r>
-            <a:endParaRPr lang="en-US" sz="1200" b="1" dirty="0">
-              <a:latin typeface="Times New Roman" panose="02020603050405020304" pitchFamily="18" charset="0"/>
-              <a:cs typeface="Times New Roman" panose="02020603050405020304" pitchFamily="18" charset="0"/>
-            </a:endParaRPr>
-          </a:p>
-        </p:txBody>
-      </p:sp>
-      <p:graphicFrame>
-        <p:nvGraphicFramePr>
-          <p:cNvPr id="24" name="Chart 23"/>
-          <p:cNvGraphicFramePr/>
-          <p:nvPr>
-            <p:extLst>
-              <p:ext uri="{D42A27DB-BD31-4B8C-83A1-F6EECF244321}">
-                <p14:modId xmlns:p14="http://schemas.microsoft.com/office/powerpoint/2010/main" val="1800359518"/>
-              </p:ext>
-            </p:extLst>
-          </p:nvPr>
-        </p:nvGraphicFramePr>
-        <p:xfrm>
-          <a:off x="1376252" y="4715933"/>
-          <a:ext cx="5642615" cy="1049897"/>
-        </p:xfrm>
-        <a:graphic>
-          <a:graphicData uri="http://schemas.openxmlformats.org/drawingml/2006/chart">
-            <c:chart xmlns:c="http://schemas.openxmlformats.org/drawingml/2006/chart" xmlns:r="http://schemas.openxmlformats.org/officeDocument/2006/relationships" r:id="rId6"/>
-          </a:graphicData>
-        </a:graphic>
-      </p:graphicFrame>
-      <p:graphicFrame>
-        <p:nvGraphicFramePr>
-          <p:cNvPr id="27" name="Chart 26"/>
-          <p:cNvGraphicFramePr/>
-          <p:nvPr>
-            <p:extLst>
-              <p:ext uri="{D42A27DB-BD31-4B8C-83A1-F6EECF244321}">
-                <p14:modId xmlns:p14="http://schemas.microsoft.com/office/powerpoint/2010/main" val="703216518"/>
-              </p:ext>
-            </p:extLst>
-          </p:nvPr>
-        </p:nvGraphicFramePr>
-        <p:xfrm>
-          <a:off x="1376252" y="4292175"/>
-          <a:ext cx="5642615" cy="743701"/>
-        </p:xfrm>
-        <a:graphic>
-          <a:graphicData uri="http://schemas.openxmlformats.org/drawingml/2006/chart">
-            <c:chart xmlns:c="http://schemas.openxmlformats.org/drawingml/2006/chart" xmlns:r="http://schemas.openxmlformats.org/officeDocument/2006/relationships" r:id="rId7"/>
-          </a:graphicData>
-        </a:graphic>
-      </p:graphicFrame>
-      <p:sp>
-        <p:nvSpPr>
-          <p:cNvPr id="28" name="TextBox 27"/>
-          <p:cNvSpPr txBox="1"/>
-          <p:nvPr/>
-        </p:nvSpPr>
-        <p:spPr>
-          <a:xfrm>
-            <a:off x="2632209" y="4199673"/>
-            <a:ext cx="3782675" cy="461665"/>
-          </a:xfrm>
-          <a:prstGeom prst="rect">
-            <a:avLst/>
-          </a:prstGeom>
-          <a:noFill/>
-        </p:spPr>
-        <p:txBody>
-          <a:bodyPr wrap="square" rtlCol="0">
-            <a:spAutoFit/>
-          </a:bodyPr>
-          <a:lstStyle/>
-          <a:p>
-            <a:r>
-              <a:rPr lang="en-US" sz="1200" b="1" dirty="0" smtClean="0">
-                <a:latin typeface="Times New Roman" panose="02020603050405020304" pitchFamily="18" charset="0"/>
-                <a:cs typeface="Times New Roman" panose="02020603050405020304" pitchFamily="18" charset="0"/>
-              </a:rPr>
-              <a:t>Distribution of Loan Term across Verification Status</a:t>
-            </a:r>
-            <a:endParaRPr lang="en-US" sz="1200" b="1" dirty="0">
-              <a:latin typeface="Times New Roman" panose="02020603050405020304" pitchFamily="18" charset="0"/>
-              <a:cs typeface="Times New Roman" panose="02020603050405020304" pitchFamily="18" charset="0"/>
-            </a:endParaRPr>
-          </a:p>
-        </p:txBody>
-      </p:sp>
-      <p:sp>
-        <p:nvSpPr>
-          <p:cNvPr id="29" name="TextBox 28"/>
-          <p:cNvSpPr txBox="1"/>
-          <p:nvPr/>
-        </p:nvSpPr>
-        <p:spPr>
-          <a:xfrm>
-            <a:off x="1961482" y="3746986"/>
-            <a:ext cx="547626" cy="400110"/>
-          </a:xfrm>
-          <a:prstGeom prst="rect">
-            <a:avLst/>
-          </a:prstGeom>
-          <a:noFill/>
-        </p:spPr>
-        <p:txBody>
-          <a:bodyPr wrap="square" rtlCol="0">
-            <a:spAutoFit/>
-          </a:bodyPr>
-          <a:lstStyle/>
-          <a:p>
-            <a:pPr algn="ctr"/>
-            <a:r>
-              <a:rPr lang="en-US" sz="1000" dirty="0" smtClean="0">
-                <a:latin typeface="Times New Roman" panose="02020603050405020304" pitchFamily="18" charset="0"/>
-                <a:cs typeface="Times New Roman" panose="02020603050405020304" pitchFamily="18" charset="0"/>
-              </a:rPr>
-              <a:t>Credit Card</a:t>
-            </a:r>
-            <a:endParaRPr lang="en-US" sz="1000" dirty="0">
-              <a:latin typeface="Times New Roman" panose="02020603050405020304" pitchFamily="18" charset="0"/>
-              <a:cs typeface="Times New Roman" panose="02020603050405020304" pitchFamily="18" charset="0"/>
-            </a:endParaRPr>
-          </a:p>
-        </p:txBody>
-      </p:sp>
-      <p:sp>
-        <p:nvSpPr>
-          <p:cNvPr id="31" name="TextBox 30"/>
-          <p:cNvSpPr txBox="1"/>
-          <p:nvPr/>
-        </p:nvSpPr>
-        <p:spPr>
-          <a:xfrm>
-            <a:off x="2450250" y="3756603"/>
-            <a:ext cx="970154" cy="416227"/>
-          </a:xfrm>
-          <a:prstGeom prst="rect">
-            <a:avLst/>
-          </a:prstGeom>
-          <a:noFill/>
-        </p:spPr>
-        <p:txBody>
-          <a:bodyPr wrap="square" rtlCol="0">
-            <a:spAutoFit/>
-          </a:bodyPr>
-          <a:lstStyle/>
-          <a:p>
-            <a:pPr algn="ctr"/>
-            <a:r>
-              <a:rPr lang="en-US" sz="1000" dirty="0" smtClean="0">
-                <a:latin typeface="Times New Roman" panose="02020603050405020304" pitchFamily="18" charset="0"/>
-                <a:cs typeface="Times New Roman" panose="02020603050405020304" pitchFamily="18" charset="0"/>
-              </a:rPr>
-              <a:t>Debt Consolidation</a:t>
-            </a:r>
-            <a:endParaRPr lang="en-US" sz="1000" dirty="0">
-              <a:latin typeface="Times New Roman" panose="02020603050405020304" pitchFamily="18" charset="0"/>
-              <a:cs typeface="Times New Roman" panose="02020603050405020304" pitchFamily="18" charset="0"/>
-            </a:endParaRPr>
-          </a:p>
-        </p:txBody>
-      </p:sp>
-      <p:sp>
-        <p:nvSpPr>
-          <p:cNvPr id="32" name="TextBox 31"/>
-          <p:cNvSpPr txBox="1"/>
-          <p:nvPr/>
-        </p:nvSpPr>
-        <p:spPr>
-          <a:xfrm>
-            <a:off x="3223174" y="3753540"/>
-            <a:ext cx="891624" cy="400110"/>
-          </a:xfrm>
-          <a:prstGeom prst="rect">
-            <a:avLst/>
-          </a:prstGeom>
-          <a:noFill/>
-        </p:spPr>
-        <p:txBody>
-          <a:bodyPr wrap="square" rtlCol="0">
-            <a:spAutoFit/>
-          </a:bodyPr>
-          <a:lstStyle/>
-          <a:p>
-            <a:pPr algn="ctr"/>
-            <a:r>
-              <a:rPr lang="en-US" sz="1000" dirty="0" smtClean="0">
-                <a:latin typeface="Times New Roman" panose="02020603050405020304" pitchFamily="18" charset="0"/>
-                <a:cs typeface="Times New Roman" panose="02020603050405020304" pitchFamily="18" charset="0"/>
-              </a:rPr>
-              <a:t>Home Improvement</a:t>
-            </a:r>
-            <a:endParaRPr lang="en-US" sz="1000" dirty="0">
-              <a:latin typeface="Times New Roman" panose="02020603050405020304" pitchFamily="18" charset="0"/>
-              <a:cs typeface="Times New Roman" panose="02020603050405020304" pitchFamily="18" charset="0"/>
-            </a:endParaRPr>
-          </a:p>
-        </p:txBody>
-      </p:sp>
-      <p:sp>
-        <p:nvSpPr>
-          <p:cNvPr id="33" name="TextBox 32"/>
-          <p:cNvSpPr txBox="1"/>
-          <p:nvPr/>
-        </p:nvSpPr>
-        <p:spPr>
-          <a:xfrm>
-            <a:off x="4018465" y="3745326"/>
-            <a:ext cx="773667" cy="400110"/>
-          </a:xfrm>
-          <a:prstGeom prst="rect">
-            <a:avLst/>
-          </a:prstGeom>
-          <a:noFill/>
-        </p:spPr>
-        <p:txBody>
-          <a:bodyPr wrap="square" rtlCol="0">
-            <a:spAutoFit/>
-          </a:bodyPr>
-          <a:lstStyle/>
-          <a:p>
-            <a:pPr algn="ctr"/>
-            <a:r>
-              <a:rPr lang="en-US" sz="1000" dirty="0" smtClean="0">
-                <a:latin typeface="Times New Roman" panose="02020603050405020304" pitchFamily="18" charset="0"/>
-                <a:cs typeface="Times New Roman" panose="02020603050405020304" pitchFamily="18" charset="0"/>
-              </a:rPr>
-              <a:t>Major Purchase</a:t>
-            </a:r>
-            <a:endParaRPr lang="en-US" sz="1000" dirty="0">
-              <a:latin typeface="Times New Roman" panose="02020603050405020304" pitchFamily="18" charset="0"/>
-              <a:cs typeface="Times New Roman" panose="02020603050405020304" pitchFamily="18" charset="0"/>
-            </a:endParaRPr>
-          </a:p>
-        </p:txBody>
-      </p:sp>
-      <p:sp>
-        <p:nvSpPr>
-          <p:cNvPr id="34" name="TextBox 33"/>
-          <p:cNvSpPr txBox="1"/>
-          <p:nvPr/>
-        </p:nvSpPr>
-        <p:spPr>
-          <a:xfrm>
-            <a:off x="4809954" y="3762260"/>
-            <a:ext cx="528425" cy="246221"/>
-          </a:xfrm>
-          <a:prstGeom prst="rect">
-            <a:avLst/>
-          </a:prstGeom>
-          <a:noFill/>
-        </p:spPr>
-        <p:txBody>
-          <a:bodyPr wrap="square" rtlCol="0">
-            <a:spAutoFit/>
-          </a:bodyPr>
-          <a:lstStyle/>
-          <a:p>
-            <a:pPr algn="ctr"/>
-            <a:r>
-              <a:rPr lang="en-US" sz="1000" dirty="0" smtClean="0">
-                <a:latin typeface="Times New Roman" panose="02020603050405020304" pitchFamily="18" charset="0"/>
-                <a:cs typeface="Times New Roman" panose="02020603050405020304" pitchFamily="18" charset="0"/>
-              </a:rPr>
-              <a:t>Other</a:t>
-            </a:r>
-            <a:endParaRPr lang="en-US" sz="1000" dirty="0">
-              <a:latin typeface="Times New Roman" panose="02020603050405020304" pitchFamily="18" charset="0"/>
-              <a:cs typeface="Times New Roman" panose="02020603050405020304" pitchFamily="18" charset="0"/>
-            </a:endParaRPr>
-          </a:p>
-        </p:txBody>
-      </p:sp>
-      <p:sp>
-        <p:nvSpPr>
-          <p:cNvPr id="35" name="TextBox 34"/>
-          <p:cNvSpPr txBox="1"/>
-          <p:nvPr/>
-        </p:nvSpPr>
-        <p:spPr>
-          <a:xfrm>
-            <a:off x="5404535" y="3753793"/>
-            <a:ext cx="771418" cy="400110"/>
-          </a:xfrm>
-          <a:prstGeom prst="rect">
-            <a:avLst/>
-          </a:prstGeom>
-          <a:noFill/>
-        </p:spPr>
-        <p:txBody>
-          <a:bodyPr wrap="square" rtlCol="0">
-            <a:spAutoFit/>
-          </a:bodyPr>
-          <a:lstStyle/>
-          <a:p>
-            <a:pPr algn="ctr"/>
-            <a:r>
-              <a:rPr lang="en-US" sz="1000" dirty="0" smtClean="0">
-                <a:latin typeface="Times New Roman" panose="02020603050405020304" pitchFamily="18" charset="0"/>
-                <a:cs typeface="Times New Roman" panose="02020603050405020304" pitchFamily="18" charset="0"/>
-              </a:rPr>
-              <a:t>Other Categories</a:t>
-            </a:r>
-            <a:endParaRPr lang="en-US" sz="1000" dirty="0">
-              <a:latin typeface="Times New Roman" panose="02020603050405020304" pitchFamily="18" charset="0"/>
-              <a:cs typeface="Times New Roman" panose="02020603050405020304" pitchFamily="18" charset="0"/>
-            </a:endParaRPr>
-          </a:p>
-        </p:txBody>
-      </p:sp>
-      <p:sp>
-        <p:nvSpPr>
-          <p:cNvPr id="36" name="TextBox 35"/>
-          <p:cNvSpPr txBox="1"/>
-          <p:nvPr/>
-        </p:nvSpPr>
-        <p:spPr>
-          <a:xfrm>
-            <a:off x="6133303" y="3763920"/>
-            <a:ext cx="771418" cy="400110"/>
-          </a:xfrm>
-          <a:prstGeom prst="rect">
-            <a:avLst/>
-          </a:prstGeom>
-          <a:noFill/>
-        </p:spPr>
-        <p:txBody>
-          <a:bodyPr wrap="square" rtlCol="0">
-            <a:spAutoFit/>
-          </a:bodyPr>
-          <a:lstStyle/>
-          <a:p>
-            <a:pPr algn="ctr"/>
-            <a:r>
-              <a:rPr lang="en-US" sz="1000" dirty="0" smtClean="0">
-                <a:latin typeface="Times New Roman" panose="02020603050405020304" pitchFamily="18" charset="0"/>
-                <a:cs typeface="Times New Roman" panose="02020603050405020304" pitchFamily="18" charset="0"/>
-              </a:rPr>
-              <a:t>Small Business</a:t>
-            </a:r>
-            <a:endParaRPr lang="en-US" sz="1000" dirty="0">
-              <a:latin typeface="Times New Roman" panose="02020603050405020304" pitchFamily="18" charset="0"/>
-              <a:cs typeface="Times New Roman" panose="02020603050405020304" pitchFamily="18" charset="0"/>
-            </a:endParaRPr>
-          </a:p>
-        </p:txBody>
-      </p:sp>
-      <p:pic>
-        <p:nvPicPr>
-          <p:cNvPr id="3074" name="Picture 2"/>
-          <p:cNvPicPr>
-            <a:picLocks noChangeAspect="1" noChangeArrowheads="1"/>
-          </p:cNvPicPr>
-          <p:nvPr/>
-        </p:nvPicPr>
-        <p:blipFill>
-          <a:blip r:embed="rId8">
-            <a:extLst>
-              <a:ext uri="{28A0092B-C50C-407E-A947-70E740481C1C}">
-                <a14:useLocalDpi xmlns:a14="http://schemas.microsoft.com/office/drawing/2010/main" val="0"/>
-              </a:ext>
-            </a:extLst>
-          </a:blip>
-          <a:srcRect/>
-          <a:stretch>
-            <a:fillRect/>
-          </a:stretch>
-        </p:blipFill>
-        <p:spPr bwMode="auto">
-          <a:xfrm>
-            <a:off x="1136311" y="4025586"/>
-            <a:ext cx="701315" cy="393595"/>
-          </a:xfrm>
-          <a:prstGeom prst="rect">
-            <a:avLst/>
-          </a:prstGeom>
-          <a:noFill/>
-          <a:ln>
-            <a:noFill/>
-          </a:ln>
-          <a:extLst>
-            <a:ext uri="{909E8E84-426E-40DD-AFC4-6F175D3DCCD1}">
-              <a14:hiddenFill xmlns:a14="http://schemas.microsoft.com/office/drawing/2010/main">
-                <a:solidFill>
-                  <a:schemeClr val="accent1"/>
-                </a:solidFill>
-              </a14:hiddenFill>
-            </a:ext>
-            <a:ext uri="{91240B29-F687-4F45-9708-019B960494DF}">
-              <a14:hiddenLine xmlns:a14="http://schemas.microsoft.com/office/drawing/2010/main" w="9525">
-                <a:solidFill>
-                  <a:schemeClr val="tx1"/>
-                </a:solidFill>
-                <a:miter lim="800000"/>
-                <a:headEnd/>
-                <a:tailEnd/>
-              </a14:hiddenLine>
-            </a:ext>
-          </a:extLst>
-        </p:spPr>
-      </p:pic>
-      <p:pic>
-        <p:nvPicPr>
-          <p:cNvPr id="3075" name="Picture 3"/>
-          <p:cNvPicPr>
-            <a:picLocks noChangeAspect="1" noChangeArrowheads="1"/>
-          </p:cNvPicPr>
-          <p:nvPr/>
-        </p:nvPicPr>
-        <p:blipFill>
-          <a:blip r:embed="rId9">
-            <a:extLst>
-              <a:ext uri="{28A0092B-C50C-407E-A947-70E740481C1C}">
-                <a14:useLocalDpi xmlns:a14="http://schemas.microsoft.com/office/drawing/2010/main" val="0"/>
-              </a:ext>
-            </a:extLst>
-          </a:blip>
-          <a:srcRect/>
-          <a:stretch>
-            <a:fillRect/>
-          </a:stretch>
-        </p:blipFill>
-        <p:spPr bwMode="auto">
-          <a:xfrm>
-            <a:off x="1143417" y="3508338"/>
-            <a:ext cx="744252" cy="379283"/>
-          </a:xfrm>
-          <a:prstGeom prst="rect">
-            <a:avLst/>
-          </a:prstGeom>
-          <a:noFill/>
-          <a:ln>
-            <a:noFill/>
-          </a:ln>
-          <a:extLst>
-            <a:ext uri="{909E8E84-426E-40DD-AFC4-6F175D3DCCD1}">
-              <a14:hiddenFill xmlns:a14="http://schemas.microsoft.com/office/drawing/2010/main">
-                <a:solidFill>
-                  <a:schemeClr val="accent1"/>
-                </a:solidFill>
-              </a14:hiddenFill>
-            </a:ext>
-            <a:ext uri="{91240B29-F687-4F45-9708-019B960494DF}">
-              <a14:hiddenLine xmlns:a14="http://schemas.microsoft.com/office/drawing/2010/main" w="9525">
-                <a:solidFill>
-                  <a:schemeClr val="tx1"/>
-                </a:solidFill>
-                <a:miter lim="800000"/>
-                <a:headEnd/>
-                <a:tailEnd/>
-              </a14:hiddenLine>
-            </a:ext>
-          </a:extLst>
-        </p:spPr>
-      </p:pic>
-      <p:sp>
-        <p:nvSpPr>
-          <p:cNvPr id="25" name="Rounded Rectangle 24"/>
-          <p:cNvSpPr/>
-          <p:nvPr/>
-        </p:nvSpPr>
-        <p:spPr>
-          <a:xfrm>
-            <a:off x="5562600" y="4514996"/>
-            <a:ext cx="1244600" cy="1124193"/>
-          </a:xfrm>
-          <a:prstGeom prst="roundRect">
-            <a:avLst/>
-          </a:prstGeom>
-          <a:noFill/>
-          <a:ln w="19050">
-            <a:solidFill>
-              <a:srgbClr val="A73719"/>
-            </a:solidFill>
-            <a:prstDash val="sysDash"/>
-          </a:ln>
-        </p:spPr>
-        <p:style>
-          <a:lnRef idx="2">
-            <a:schemeClr val="accent6">
-              <a:shade val="50000"/>
-            </a:schemeClr>
-          </a:lnRef>
-          <a:fillRef idx="1">
-            <a:schemeClr val="accent6"/>
-          </a:fillRef>
-          <a:effectRef idx="0">
-            <a:schemeClr val="accent6"/>
-          </a:effectRef>
-          <a:fontRef idx="minor">
-            <a:schemeClr val="lt1"/>
-          </a:fontRef>
-        </p:style>
-        <p:txBody>
-          <a:bodyPr rtlCol="0" anchor="ctr"/>
-          <a:lstStyle/>
-          <a:p>
-            <a:pPr algn="ctr"/>
-            <a:endParaRPr lang="en-US" dirty="0"/>
-          </a:p>
-        </p:txBody>
-      </p:sp>
-      <p:sp>
-        <p:nvSpPr>
-          <p:cNvPr id="30" name="TextBox 29"/>
-          <p:cNvSpPr txBox="1"/>
-          <p:nvPr/>
-        </p:nvSpPr>
-        <p:spPr>
-          <a:xfrm>
-            <a:off x="3864340" y="5637935"/>
-            <a:ext cx="1132726" cy="205319"/>
-          </a:xfrm>
-          <a:prstGeom prst="rect">
-            <a:avLst/>
-          </a:prstGeom>
-          <a:noFill/>
-        </p:spPr>
-        <p:txBody>
-          <a:bodyPr wrap="square" rtlCol="0">
-            <a:spAutoFit/>
-          </a:bodyPr>
-          <a:lstStyle/>
-          <a:p>
-            <a:pPr algn="ctr"/>
-            <a:r>
-              <a:rPr lang="en-US" sz="1000" dirty="0" smtClean="0">
-                <a:latin typeface="Times New Roman" panose="02020603050405020304" pitchFamily="18" charset="0"/>
-                <a:cs typeface="Times New Roman" panose="02020603050405020304" pitchFamily="18" charset="0"/>
-              </a:rPr>
-              <a:t>Source Verified</a:t>
-            </a:r>
-            <a:endParaRPr lang="en-US" sz="1000" dirty="0">
-              <a:latin typeface="Times New Roman" panose="02020603050405020304" pitchFamily="18" charset="0"/>
-              <a:cs typeface="Times New Roman" panose="02020603050405020304" pitchFamily="18" charset="0"/>
-            </a:endParaRPr>
-          </a:p>
-        </p:txBody>
-      </p:sp>
-      <p:sp>
-        <p:nvSpPr>
-          <p:cNvPr id="37" name="TextBox 36"/>
-          <p:cNvSpPr txBox="1"/>
-          <p:nvPr/>
-        </p:nvSpPr>
-        <p:spPr>
-          <a:xfrm>
-            <a:off x="2267533" y="5639189"/>
-            <a:ext cx="936137" cy="246221"/>
-          </a:xfrm>
-          <a:prstGeom prst="rect">
-            <a:avLst/>
-          </a:prstGeom>
-          <a:noFill/>
-        </p:spPr>
-        <p:txBody>
-          <a:bodyPr wrap="square" rtlCol="0">
-            <a:spAutoFit/>
-          </a:bodyPr>
-          <a:lstStyle/>
-          <a:p>
-            <a:pPr algn="ctr"/>
-            <a:r>
-              <a:rPr lang="en-US" sz="1000" dirty="0" smtClean="0">
-                <a:latin typeface="Times New Roman" panose="02020603050405020304" pitchFamily="18" charset="0"/>
-                <a:cs typeface="Times New Roman" panose="02020603050405020304" pitchFamily="18" charset="0"/>
-              </a:rPr>
-              <a:t>Not Verified</a:t>
-            </a:r>
-            <a:endParaRPr lang="en-US" sz="1000" dirty="0">
-              <a:latin typeface="Times New Roman" panose="02020603050405020304" pitchFamily="18" charset="0"/>
-              <a:cs typeface="Times New Roman" panose="02020603050405020304" pitchFamily="18" charset="0"/>
-            </a:endParaRPr>
-          </a:p>
-        </p:txBody>
-      </p:sp>
-      <p:sp>
-        <p:nvSpPr>
-          <p:cNvPr id="38" name="TextBox 37"/>
-          <p:cNvSpPr txBox="1"/>
-          <p:nvPr/>
-        </p:nvSpPr>
-        <p:spPr>
-          <a:xfrm>
-            <a:off x="5800845" y="5637934"/>
-            <a:ext cx="703334" cy="246221"/>
-          </a:xfrm>
-          <a:prstGeom prst="rect">
-            <a:avLst/>
-          </a:prstGeom>
-          <a:noFill/>
-        </p:spPr>
-        <p:txBody>
-          <a:bodyPr wrap="square" rtlCol="0">
-            <a:spAutoFit/>
-          </a:bodyPr>
-          <a:lstStyle/>
-          <a:p>
-            <a:pPr algn="ctr"/>
-            <a:r>
-              <a:rPr lang="en-US" sz="1000" dirty="0" smtClean="0">
-                <a:latin typeface="Times New Roman" panose="02020603050405020304" pitchFamily="18" charset="0"/>
-                <a:cs typeface="Times New Roman" panose="02020603050405020304" pitchFamily="18" charset="0"/>
-              </a:rPr>
-              <a:t>Verified</a:t>
-            </a:r>
-            <a:endParaRPr lang="en-US" sz="1000" dirty="0">
-              <a:latin typeface="Times New Roman" panose="02020603050405020304" pitchFamily="18" charset="0"/>
-              <a:cs typeface="Times New Roman" panose="02020603050405020304" pitchFamily="18" charset="0"/>
-            </a:endParaRPr>
-          </a:p>
-        </p:txBody>
-      </p:sp>
-      <p:sp>
-        <p:nvSpPr>
-          <p:cNvPr id="39" name="Rounded Rectangle 38"/>
-          <p:cNvSpPr/>
-          <p:nvPr/>
-        </p:nvSpPr>
-        <p:spPr>
-          <a:xfrm>
-            <a:off x="2615989" y="2097494"/>
-            <a:ext cx="638676" cy="1645930"/>
-          </a:xfrm>
-          <a:prstGeom prst="roundRect">
-            <a:avLst/>
-          </a:prstGeom>
-          <a:noFill/>
-          <a:ln w="19050">
-            <a:solidFill>
-              <a:srgbClr val="A73719"/>
-            </a:solidFill>
-            <a:prstDash val="sysDash"/>
-          </a:ln>
-        </p:spPr>
-        <p:style>
-          <a:lnRef idx="2">
-            <a:schemeClr val="accent6">
-              <a:shade val="50000"/>
-            </a:schemeClr>
-          </a:lnRef>
-          <a:fillRef idx="1">
-            <a:schemeClr val="accent6"/>
-          </a:fillRef>
-          <a:effectRef idx="0">
-            <a:schemeClr val="accent6"/>
-          </a:effectRef>
-          <a:fontRef idx="minor">
-            <a:schemeClr val="lt1"/>
-          </a:fontRef>
-        </p:style>
-        <p:txBody>
-          <a:bodyPr rtlCol="0" anchor="ctr"/>
-          <a:lstStyle/>
-          <a:p>
-            <a:pPr algn="ctr"/>
-            <a:endParaRPr lang="en-US" dirty="0"/>
-          </a:p>
-        </p:txBody>
-      </p:sp>
-      <p:sp>
-        <p:nvSpPr>
-          <p:cNvPr id="40" name="TextBox 39"/>
-          <p:cNvSpPr txBox="1"/>
-          <p:nvPr/>
-        </p:nvSpPr>
-        <p:spPr>
-          <a:xfrm>
-            <a:off x="7027257" y="4430652"/>
-            <a:ext cx="4191078" cy="1200329"/>
-          </a:xfrm>
-          <a:prstGeom prst="rect">
-            <a:avLst/>
-          </a:prstGeom>
-          <a:noFill/>
-        </p:spPr>
-        <p:txBody>
-          <a:bodyPr wrap="square" rtlCol="0">
-            <a:spAutoFit/>
-          </a:bodyPr>
-          <a:lstStyle/>
-          <a:p>
-            <a:pPr marL="285750" indent="-285750">
-              <a:buFont typeface="Arial" panose="020B0604020202020204" pitchFamily="34" charset="0"/>
-              <a:buChar char="•"/>
-            </a:pPr>
-            <a:r>
-              <a:rPr lang="en-US" dirty="0" smtClean="0">
-                <a:latin typeface="Times New Roman" panose="02020603050405020304" pitchFamily="18" charset="0"/>
-                <a:cs typeface="Times New Roman" panose="02020603050405020304" pitchFamily="18" charset="0"/>
-              </a:rPr>
-              <a:t>Applicants whose Verification Status showed </a:t>
-            </a:r>
-            <a:r>
-              <a:rPr lang="en-US" b="1" dirty="0" smtClean="0">
-                <a:latin typeface="Times New Roman" panose="02020603050405020304" pitchFamily="18" charset="0"/>
-                <a:cs typeface="Times New Roman" panose="02020603050405020304" pitchFamily="18" charset="0"/>
-              </a:rPr>
-              <a:t>Verified </a:t>
-            </a:r>
-            <a:r>
-              <a:rPr lang="en-US" dirty="0" smtClean="0">
-                <a:latin typeface="Times New Roman" panose="02020603050405020304" pitchFamily="18" charset="0"/>
-                <a:cs typeface="Times New Roman" panose="02020603050405020304" pitchFamily="18" charset="0"/>
-              </a:rPr>
-              <a:t>were captured more in the Charged off list for the Loan Term of </a:t>
-            </a:r>
-            <a:r>
-              <a:rPr lang="en-US" b="1" dirty="0" smtClean="0">
-                <a:latin typeface="Times New Roman" panose="02020603050405020304" pitchFamily="18" charset="0"/>
-                <a:cs typeface="Times New Roman" panose="02020603050405020304" pitchFamily="18" charset="0"/>
-              </a:rPr>
-              <a:t>60 Months</a:t>
-            </a:r>
-            <a:endParaRPr lang="en-US" b="1" dirty="0" smtClean="0">
-              <a:latin typeface="Times New Roman" panose="02020603050405020304" pitchFamily="18" charset="0"/>
-              <a:cs typeface="Times New Roman" panose="02020603050405020304" pitchFamily="18" charset="0"/>
-            </a:endParaRPr>
-          </a:p>
-        </p:txBody>
-      </p:sp>
     </p:spTree>
     <p:extLst>
       <p:ext uri="{BB962C8B-B14F-4D97-AF65-F5344CB8AC3E}">

--- a/Gramener_Case_Study_Presentation_SS.pptx
+++ b/Gramener_Case_Study_Presentation_SS.pptx
@@ -295,6 +295,265 @@
     <a:p>
       <a:pPr>
         <a:defRPr sz="1200">
+          <a:latin typeface="Times New Roman" panose="02020603050405020304" pitchFamily="18" charset="0"/>
+          <a:cs typeface="Times New Roman" panose="02020603050405020304" pitchFamily="18" charset="0"/>
+        </a:defRPr>
+      </a:pPr>
+      <a:endParaRPr lang="en-US"/>
+    </a:p>
+  </c:txPr>
+  <c:externalData r:id="rId1">
+    <c:autoUpdate val="0"/>
+  </c:externalData>
+</c:chartSpace>
+</file>
+
+<file path=ppt/charts/chart10.xml><?xml version="1.0" encoding="utf-8"?>
+<c:chartSpace xmlns:c="http://schemas.openxmlformats.org/drawingml/2006/chart" xmlns:a="http://schemas.openxmlformats.org/drawingml/2006/main" xmlns:r="http://schemas.openxmlformats.org/officeDocument/2006/relationships">
+  <c:date1904 val="0"/>
+  <c:lang val="en-US"/>
+  <c:roundedCorners val="0"/>
+  <mc:AlternateContent xmlns:mc="http://schemas.openxmlformats.org/markup-compatibility/2006">
+    <mc:Choice xmlns:c14="http://schemas.microsoft.com/office/drawing/2007/8/2/chart" Requires="c14">
+      <c14:style val="102"/>
+    </mc:Choice>
+    <mc:Fallback>
+      <c:style val="2"/>
+    </mc:Fallback>
+  </mc:AlternateContent>
+  <c:chart>
+    <c:autoTitleDeleted val="0"/>
+    <c:plotArea>
+      <c:layout>
+        <c:manualLayout>
+          <c:layoutTarget val="inner"/>
+          <c:xMode val="edge"/>
+          <c:yMode val="edge"/>
+          <c:x val="0.10826486078955497"/>
+          <c:y val="6.4508896615195835E-2"/>
+          <c:w val="0.88375520609412317"/>
+          <c:h val="0.90970983740668787"/>
+        </c:manualLayout>
+      </c:layout>
+      <c:barChart>
+        <c:barDir val="bar"/>
+        <c:grouping val="clustered"/>
+        <c:varyColors val="0"/>
+        <c:ser>
+          <c:idx val="0"/>
+          <c:order val="0"/>
+          <c:tx>
+            <c:strRef>
+              <c:f>Sheet1!$B$1</c:f>
+              <c:strCache>
+                <c:ptCount val="1"/>
+                <c:pt idx="0">
+                  <c:v>Charged Off</c:v>
+                </c:pt>
+              </c:strCache>
+            </c:strRef>
+          </c:tx>
+          <c:spPr>
+            <a:solidFill>
+              <a:schemeClr val="accent4"/>
+            </a:solidFill>
+          </c:spPr>
+          <c:invertIfNegative val="0"/>
+          <c:cat>
+            <c:strRef>
+              <c:f>Sheet1!$A$2:$A$8</c:f>
+              <c:strCache>
+                <c:ptCount val="7"/>
+                <c:pt idx="0">
+                  <c:v>G</c:v>
+                </c:pt>
+                <c:pt idx="1">
+                  <c:v>F</c:v>
+                </c:pt>
+                <c:pt idx="2">
+                  <c:v>A</c:v>
+                </c:pt>
+                <c:pt idx="3">
+                  <c:v>E</c:v>
+                </c:pt>
+                <c:pt idx="4">
+                  <c:v>D</c:v>
+                </c:pt>
+                <c:pt idx="5">
+                  <c:v>C</c:v>
+                </c:pt>
+                <c:pt idx="6">
+                  <c:v>B</c:v>
+                </c:pt>
+              </c:strCache>
+            </c:strRef>
+          </c:cat>
+          <c:val>
+            <c:numRef>
+              <c:f>Sheet1!$B$2:$B$8</c:f>
+              <c:numCache>
+                <c:formatCode>General</c:formatCode>
+                <c:ptCount val="7"/>
+                <c:pt idx="0">
+                  <c:v>101</c:v>
+                </c:pt>
+                <c:pt idx="1">
+                  <c:v>319</c:v>
+                </c:pt>
+                <c:pt idx="2">
+                  <c:v>602</c:v>
+                </c:pt>
+                <c:pt idx="3">
+                  <c:v>715</c:v>
+                </c:pt>
+                <c:pt idx="4">
+                  <c:v>1118</c:v>
+                </c:pt>
+                <c:pt idx="5">
+                  <c:v>1347</c:v>
+                </c:pt>
+                <c:pt idx="6">
+                  <c:v>1425</c:v>
+                </c:pt>
+              </c:numCache>
+            </c:numRef>
+          </c:val>
+        </c:ser>
+        <c:ser>
+          <c:idx val="1"/>
+          <c:order val="1"/>
+          <c:tx>
+            <c:strRef>
+              <c:f>Sheet1!$C$1</c:f>
+              <c:strCache>
+                <c:ptCount val="1"/>
+                <c:pt idx="0">
+                  <c:v>Fully Paid</c:v>
+                </c:pt>
+              </c:strCache>
+            </c:strRef>
+          </c:tx>
+          <c:spPr>
+            <a:solidFill>
+              <a:schemeClr val="tx2"/>
+            </a:solidFill>
+          </c:spPr>
+          <c:invertIfNegative val="0"/>
+          <c:cat>
+            <c:strRef>
+              <c:f>Sheet1!$A$2:$A$8</c:f>
+              <c:strCache>
+                <c:ptCount val="7"/>
+                <c:pt idx="0">
+                  <c:v>G</c:v>
+                </c:pt>
+                <c:pt idx="1">
+                  <c:v>F</c:v>
+                </c:pt>
+                <c:pt idx="2">
+                  <c:v>A</c:v>
+                </c:pt>
+                <c:pt idx="3">
+                  <c:v>E</c:v>
+                </c:pt>
+                <c:pt idx="4">
+                  <c:v>D</c:v>
+                </c:pt>
+                <c:pt idx="5">
+                  <c:v>C</c:v>
+                </c:pt>
+                <c:pt idx="6">
+                  <c:v>B</c:v>
+                </c:pt>
+              </c:strCache>
+            </c:strRef>
+          </c:cat>
+          <c:val>
+            <c:numRef>
+              <c:f>Sheet1!$C$2:$C$8</c:f>
+              <c:numCache>
+                <c:formatCode>General</c:formatCode>
+                <c:ptCount val="7"/>
+                <c:pt idx="0">
+                  <c:v>198</c:v>
+                </c:pt>
+                <c:pt idx="1">
+                  <c:v>657</c:v>
+                </c:pt>
+                <c:pt idx="2">
+                  <c:v>9443</c:v>
+                </c:pt>
+                <c:pt idx="3">
+                  <c:v>1948</c:v>
+                </c:pt>
+                <c:pt idx="4">
+                  <c:v>3967</c:v>
+                </c:pt>
+                <c:pt idx="5">
+                  <c:v>6487</c:v>
+                </c:pt>
+                <c:pt idx="6">
+                  <c:v>10250</c:v>
+                </c:pt>
+              </c:numCache>
+            </c:numRef>
+          </c:val>
+        </c:ser>
+        <c:dLbls>
+          <c:showLegendKey val="0"/>
+          <c:showVal val="0"/>
+          <c:showCatName val="0"/>
+          <c:showSerName val="0"/>
+          <c:showPercent val="0"/>
+          <c:showBubbleSize val="0"/>
+        </c:dLbls>
+        <c:gapWidth val="150"/>
+        <c:axId val="50818432"/>
+        <c:axId val="50918912"/>
+      </c:barChart>
+      <c:catAx>
+        <c:axId val="50818432"/>
+        <c:scaling>
+          <c:orientation val="minMax"/>
+        </c:scaling>
+        <c:delete val="0"/>
+        <c:axPos val="l"/>
+        <c:majorTickMark val="out"/>
+        <c:minorTickMark val="none"/>
+        <c:tickLblPos val="nextTo"/>
+        <c:crossAx val="50918912"/>
+        <c:crosses val="autoZero"/>
+        <c:auto val="1"/>
+        <c:lblAlgn val="ctr"/>
+        <c:lblOffset val="100"/>
+        <c:noMultiLvlLbl val="0"/>
+      </c:catAx>
+      <c:valAx>
+        <c:axId val="50918912"/>
+        <c:scaling>
+          <c:orientation val="minMax"/>
+        </c:scaling>
+        <c:delete val="1"/>
+        <c:axPos val="b"/>
+        <c:numFmt formatCode="General" sourceLinked="1"/>
+        <c:majorTickMark val="out"/>
+        <c:minorTickMark val="none"/>
+        <c:tickLblPos val="nextTo"/>
+        <c:crossAx val="50818432"/>
+        <c:crosses val="autoZero"/>
+        <c:crossBetween val="between"/>
+      </c:valAx>
+    </c:plotArea>
+    <c:plotVisOnly val="1"/>
+    <c:dispBlanksAs val="gap"/>
+    <c:showDLblsOverMax val="0"/>
+  </c:chart>
+  <c:txPr>
+    <a:bodyPr/>
+    <a:lstStyle/>
+    <a:p>
+      <a:pPr>
+        <a:defRPr sz="1800">
           <a:latin typeface="Times New Roman" panose="02020603050405020304" pitchFamily="18" charset="0"/>
           <a:cs typeface="Times New Roman" panose="02020603050405020304" pitchFamily="18" charset="0"/>
         </a:defRPr>
@@ -15496,8 +15755,8 @@
         </p:nvSpPr>
         <p:spPr>
           <a:xfrm>
-            <a:off x="2257467" y="1865912"/>
-            <a:ext cx="4269671" cy="461665"/>
+            <a:off x="2257467" y="1838647"/>
+            <a:ext cx="4269671" cy="276999"/>
           </a:xfrm>
           <a:prstGeom prst="rect">
             <a:avLst/>
@@ -15512,13 +15771,13 @@
           <a:p>
             <a:pPr algn="ctr"/>
             <a:r>
-              <a:rPr lang="en-US" sz="1200" b="1" dirty="0" smtClean="0">
+              <a:rPr lang="en-US" sz="1200" dirty="0" smtClean="0">
                 <a:latin typeface="Times New Roman" panose="02020603050405020304" pitchFamily="18" charset="0"/>
                 <a:cs typeface="Times New Roman" panose="02020603050405020304" pitchFamily="18" charset="0"/>
               </a:rPr>
               <a:t>Distribution of Loan Term across Top 6 Purpose Categories</a:t>
             </a:r>
-            <a:endParaRPr lang="en-US" sz="1200" b="1" dirty="0">
+            <a:endParaRPr lang="en-US" sz="1200" dirty="0">
               <a:latin typeface="Times New Roman" panose="02020603050405020304" pitchFamily="18" charset="0"/>
               <a:cs typeface="Times New Roman" panose="02020603050405020304" pitchFamily="18" charset="0"/>
             </a:endParaRPr>
@@ -15578,7 +15837,7 @@
         <p:spPr>
           <a:xfrm>
             <a:off x="2632209" y="4199673"/>
-            <a:ext cx="3782675" cy="461665"/>
+            <a:ext cx="3782675" cy="276999"/>
           </a:xfrm>
           <a:prstGeom prst="rect">
             <a:avLst/>
@@ -15592,13 +15851,13 @@
           <a:lstStyle/>
           <a:p>
             <a:r>
-              <a:rPr lang="en-US" sz="1200" b="1" dirty="0" smtClean="0">
+              <a:rPr lang="en-US" sz="1200" dirty="0" smtClean="0">
                 <a:latin typeface="Times New Roman" panose="02020603050405020304" pitchFamily="18" charset="0"/>
                 <a:cs typeface="Times New Roman" panose="02020603050405020304" pitchFamily="18" charset="0"/>
               </a:rPr>
               <a:t>Distribution of Loan Term across Verification Status</a:t>
             </a:r>
-            <a:endParaRPr lang="en-US" sz="1200" b="1" dirty="0">
+            <a:endParaRPr lang="en-US" sz="1200" dirty="0">
               <a:latin typeface="Times New Roman" panose="02020603050405020304" pitchFamily="18" charset="0"/>
               <a:cs typeface="Times New Roman" panose="02020603050405020304" pitchFamily="18" charset="0"/>
             </a:endParaRPr>
@@ -16358,16 +16617,218 @@
           <a:lstStyle/>
           <a:p>
             <a:r>
-              <a:rPr lang="en-US" sz="1200" dirty="0" smtClean="0">
+              <a:rPr lang="en-US" sz="1200" i="1" dirty="0" smtClean="0">
                 <a:solidFill>
                   <a:schemeClr val="tx1"/>
                 </a:solidFill>
                 <a:latin typeface="Times New Roman" panose="02020603050405020304" pitchFamily="18" charset="0"/>
                 <a:cs typeface="Times New Roman" panose="02020603050405020304" pitchFamily="18" charset="0"/>
               </a:rPr>
-              <a:t>“</a:t>
-            </a:r>
-            <a:endParaRPr lang="en-US" sz="1200" dirty="0" smtClean="0">
+              <a:t>“It was observed that a very high volume of the Loan Applicants across all Loan Status’ were Grade by categories such as </a:t>
+            </a:r>
+            <a:r>
+              <a:rPr lang="en-US" sz="1200" b="1" i="1" dirty="0" smtClean="0">
+                <a:solidFill>
+                  <a:schemeClr val="tx1"/>
+                </a:solidFill>
+                <a:latin typeface="Times New Roman" panose="02020603050405020304" pitchFamily="18" charset="0"/>
+                <a:cs typeface="Times New Roman" panose="02020603050405020304" pitchFamily="18" charset="0"/>
+              </a:rPr>
+              <a:t>B</a:t>
+            </a:r>
+            <a:r>
+              <a:rPr lang="en-US" sz="1200" i="1" dirty="0" smtClean="0">
+                <a:solidFill>
+                  <a:schemeClr val="tx1"/>
+                </a:solidFill>
+                <a:latin typeface="Times New Roman" panose="02020603050405020304" pitchFamily="18" charset="0"/>
+                <a:cs typeface="Times New Roman" panose="02020603050405020304" pitchFamily="18" charset="0"/>
+              </a:rPr>
+              <a:t>, </a:t>
+            </a:r>
+            <a:r>
+              <a:rPr lang="en-US" sz="1200" b="1" i="1" dirty="0" smtClean="0">
+                <a:solidFill>
+                  <a:schemeClr val="tx1"/>
+                </a:solidFill>
+                <a:latin typeface="Times New Roman" panose="02020603050405020304" pitchFamily="18" charset="0"/>
+                <a:cs typeface="Times New Roman" panose="02020603050405020304" pitchFamily="18" charset="0"/>
+              </a:rPr>
+              <a:t>C</a:t>
+            </a:r>
+            <a:r>
+              <a:rPr lang="en-US" sz="1200" i="1" dirty="0" smtClean="0">
+                <a:solidFill>
+                  <a:schemeClr val="tx1"/>
+                </a:solidFill>
+                <a:latin typeface="Times New Roman" panose="02020603050405020304" pitchFamily="18" charset="0"/>
+                <a:cs typeface="Times New Roman" panose="02020603050405020304" pitchFamily="18" charset="0"/>
+              </a:rPr>
+              <a:t>, </a:t>
+            </a:r>
+            <a:r>
+              <a:rPr lang="en-US" sz="1200" b="1" i="1" dirty="0" smtClean="0">
+                <a:solidFill>
+                  <a:schemeClr val="tx1"/>
+                </a:solidFill>
+                <a:latin typeface="Times New Roman" panose="02020603050405020304" pitchFamily="18" charset="0"/>
+                <a:cs typeface="Times New Roman" panose="02020603050405020304" pitchFamily="18" charset="0"/>
+              </a:rPr>
+              <a:t>D</a:t>
+            </a:r>
+            <a:r>
+              <a:rPr lang="en-US" sz="1200" i="1" dirty="0" smtClean="0">
+                <a:solidFill>
+                  <a:schemeClr val="tx1"/>
+                </a:solidFill>
+                <a:latin typeface="Times New Roman" panose="02020603050405020304" pitchFamily="18" charset="0"/>
+                <a:cs typeface="Times New Roman" panose="02020603050405020304" pitchFamily="18" charset="0"/>
+              </a:rPr>
+              <a:t> &amp; </a:t>
+            </a:r>
+            <a:r>
+              <a:rPr lang="en-US" sz="1200" b="1" i="1" dirty="0" smtClean="0">
+                <a:solidFill>
+                  <a:schemeClr val="tx1"/>
+                </a:solidFill>
+                <a:latin typeface="Times New Roman" panose="02020603050405020304" pitchFamily="18" charset="0"/>
+                <a:cs typeface="Times New Roman" panose="02020603050405020304" pitchFamily="18" charset="0"/>
+              </a:rPr>
+              <a:t>E</a:t>
+            </a:r>
+            <a:r>
+              <a:rPr lang="en-US" sz="1200" i="1" dirty="0" smtClean="0">
+                <a:solidFill>
+                  <a:schemeClr val="tx1"/>
+                </a:solidFill>
+                <a:latin typeface="Times New Roman" panose="02020603050405020304" pitchFamily="18" charset="0"/>
+                <a:cs typeface="Times New Roman" panose="02020603050405020304" pitchFamily="18" charset="0"/>
+              </a:rPr>
+              <a:t>. However, whe</a:t>
+            </a:r>
+            <a:r>
+              <a:rPr lang="en-US" sz="1200" i="1" dirty="0" smtClean="0">
+                <a:solidFill>
+                  <a:schemeClr val="tx1"/>
+                </a:solidFill>
+                <a:latin typeface="Times New Roman" panose="02020603050405020304" pitchFamily="18" charset="0"/>
+                <a:cs typeface="Times New Roman" panose="02020603050405020304" pitchFamily="18" charset="0"/>
+              </a:rPr>
+              <a:t>n looked at</a:t>
+            </a:r>
+            <a:r>
+              <a:rPr lang="en-US" sz="1200" i="1" dirty="0" smtClean="0">
+                <a:solidFill>
+                  <a:schemeClr val="tx1"/>
+                </a:solidFill>
+                <a:latin typeface="Times New Roman" panose="02020603050405020304" pitchFamily="18" charset="0"/>
+                <a:cs typeface="Times New Roman" panose="02020603050405020304" pitchFamily="18" charset="0"/>
+              </a:rPr>
+              <a:t> </a:t>
+            </a:r>
+            <a:r>
+              <a:rPr lang="en-US" sz="1200" b="1" i="1" dirty="0" smtClean="0">
+                <a:solidFill>
+                  <a:schemeClr val="tx1"/>
+                </a:solidFill>
+                <a:latin typeface="Times New Roman" panose="02020603050405020304" pitchFamily="18" charset="0"/>
+                <a:cs typeface="Times New Roman" panose="02020603050405020304" pitchFamily="18" charset="0"/>
+              </a:rPr>
+              <a:t>Charge Offs</a:t>
+            </a:r>
+            <a:r>
+              <a:rPr lang="en-US" sz="1200" i="1" dirty="0" smtClean="0">
+                <a:solidFill>
+                  <a:schemeClr val="tx1"/>
+                </a:solidFill>
+                <a:latin typeface="Times New Roman" panose="02020603050405020304" pitchFamily="18" charset="0"/>
+                <a:cs typeface="Times New Roman" panose="02020603050405020304" pitchFamily="18" charset="0"/>
+              </a:rPr>
+              <a:t>, it was also found to have followed a similar pattern except for </a:t>
+            </a:r>
+            <a:r>
+              <a:rPr lang="en-US" sz="1200" b="1" i="1" dirty="0" smtClean="0">
+                <a:solidFill>
+                  <a:schemeClr val="tx1"/>
+                </a:solidFill>
+                <a:latin typeface="Times New Roman" panose="02020603050405020304" pitchFamily="18" charset="0"/>
+                <a:cs typeface="Times New Roman" panose="02020603050405020304" pitchFamily="18" charset="0"/>
+              </a:rPr>
+              <a:t>Grade A</a:t>
+            </a:r>
+            <a:r>
+              <a:rPr lang="en-US" sz="1200" i="1" dirty="0" smtClean="0">
+                <a:solidFill>
+                  <a:schemeClr val="tx1"/>
+                </a:solidFill>
+                <a:latin typeface="Times New Roman" panose="02020603050405020304" pitchFamily="18" charset="0"/>
+                <a:cs typeface="Times New Roman" panose="02020603050405020304" pitchFamily="18" charset="0"/>
+              </a:rPr>
+              <a:t> which had the most count of </a:t>
+            </a:r>
+            <a:r>
+              <a:rPr lang="en-US" sz="1200" b="1" i="1" dirty="0" smtClean="0">
+                <a:solidFill>
+                  <a:schemeClr val="tx1"/>
+                </a:solidFill>
+                <a:latin typeface="Times New Roman" panose="02020603050405020304" pitchFamily="18" charset="0"/>
+                <a:cs typeface="Times New Roman" panose="02020603050405020304" pitchFamily="18" charset="0"/>
+              </a:rPr>
+              <a:t>Fully Paid</a:t>
+            </a:r>
+            <a:r>
+              <a:rPr lang="en-US" sz="1200" i="1" dirty="0" smtClean="0">
+                <a:solidFill>
+                  <a:schemeClr val="tx1"/>
+                </a:solidFill>
+                <a:latin typeface="Times New Roman" panose="02020603050405020304" pitchFamily="18" charset="0"/>
+                <a:cs typeface="Times New Roman" panose="02020603050405020304" pitchFamily="18" charset="0"/>
+              </a:rPr>
+              <a:t> cases.</a:t>
+            </a:r>
+          </a:p>
+          <a:p>
+            <a:r>
+              <a:rPr lang="en-US" sz="1200" i="1" dirty="0" smtClean="0">
+                <a:solidFill>
+                  <a:schemeClr val="tx1"/>
+                </a:solidFill>
+                <a:latin typeface="Times New Roman" panose="02020603050405020304" pitchFamily="18" charset="0"/>
+                <a:cs typeface="Times New Roman" panose="02020603050405020304" pitchFamily="18" charset="0"/>
+              </a:rPr>
+              <a:t>It is highly recommended to the </a:t>
+            </a:r>
+            <a:r>
+              <a:rPr lang="en-US" sz="1200" b="1" i="1" dirty="0">
+                <a:solidFill>
+                  <a:schemeClr val="tx1"/>
+                </a:solidFill>
+                <a:latin typeface="Times New Roman" panose="02020603050405020304" pitchFamily="18" charset="0"/>
+                <a:cs typeface="Times New Roman" panose="02020603050405020304" pitchFamily="18" charset="0"/>
+              </a:rPr>
+              <a:t>Consumer Finance </a:t>
+            </a:r>
+            <a:r>
+              <a:rPr lang="en-US" sz="1200" b="1" i="1" dirty="0" smtClean="0">
+                <a:solidFill>
+                  <a:schemeClr val="tx1"/>
+                </a:solidFill>
+                <a:latin typeface="Times New Roman" panose="02020603050405020304" pitchFamily="18" charset="0"/>
+                <a:cs typeface="Times New Roman" panose="02020603050405020304" pitchFamily="18" charset="0"/>
+              </a:rPr>
+              <a:t>Company </a:t>
+            </a:r>
+            <a:r>
+              <a:rPr lang="en-US" sz="1200" i="1" dirty="0" smtClean="0">
+                <a:solidFill>
+                  <a:schemeClr val="tx1"/>
+                </a:solidFill>
+                <a:latin typeface="Times New Roman" panose="02020603050405020304" pitchFamily="18" charset="0"/>
+                <a:cs typeface="Times New Roman" panose="02020603050405020304" pitchFamily="18" charset="0"/>
+              </a:rPr>
+              <a:t>to look at the Grading System before the Loan Approval”</a:t>
+            </a:r>
+            <a:endParaRPr lang="en-US" sz="1200" i="1" dirty="0" smtClean="0">
               <a:solidFill>
                 <a:schemeClr val="tx1"/>
               </a:solidFill>
@@ -16486,7 +16947,7 @@
         </p:nvCxnSpPr>
         <p:spPr>
           <a:xfrm>
-            <a:off x="1015994" y="5943605"/>
+            <a:off x="1015994" y="6036742"/>
             <a:ext cx="10532533" cy="0"/>
           </a:xfrm>
           <a:prstGeom prst="line">
@@ -16514,6 +16975,645 @@
           </a:fontRef>
         </p:style>
       </p:cxnSp>
+      <p:graphicFrame>
+        <p:nvGraphicFramePr>
+          <p:cNvPr id="2" name="Chart 1"/>
+          <p:cNvGraphicFramePr/>
+          <p:nvPr>
+            <p:extLst>
+              <p:ext uri="{D42A27DB-BD31-4B8C-83A1-F6EECF244321}">
+                <p14:modId xmlns:p14="http://schemas.microsoft.com/office/powerpoint/2010/main" val="78062237"/>
+              </p:ext>
+            </p:extLst>
+          </p:nvPr>
+        </p:nvGraphicFramePr>
+        <p:xfrm>
+          <a:off x="1376253" y="2065873"/>
+          <a:ext cx="3796880" cy="3911600"/>
+        </p:xfrm>
+        <a:graphic>
+          <a:graphicData uri="http://schemas.openxmlformats.org/drawingml/2006/chart">
+            <c:chart xmlns:c="http://schemas.openxmlformats.org/drawingml/2006/chart" xmlns:r="http://schemas.openxmlformats.org/officeDocument/2006/relationships" r:id="rId3"/>
+          </a:graphicData>
+        </a:graphic>
+      </p:graphicFrame>
+      <p:pic>
+        <p:nvPicPr>
+          <p:cNvPr id="41" name="Picture 2"/>
+          <p:cNvPicPr>
+            <a:picLocks noChangeAspect="1" noChangeArrowheads="1"/>
+          </p:cNvPicPr>
+          <p:nvPr/>
+        </p:nvPicPr>
+        <p:blipFill>
+          <a:blip r:embed="rId4">
+            <a:extLst>
+              <a:ext uri="{28A0092B-C50C-407E-A947-70E740481C1C}">
+                <a14:useLocalDpi xmlns:a14="http://schemas.microsoft.com/office/drawing/2010/main" val="0"/>
+              </a:ext>
+            </a:extLst>
+          </a:blip>
+          <a:srcRect/>
+          <a:stretch>
+            <a:fillRect/>
+          </a:stretch>
+        </p:blipFill>
+        <p:spPr bwMode="auto">
+          <a:xfrm>
+            <a:off x="3402713" y="1664272"/>
+            <a:ext cx="1881385" cy="228285"/>
+          </a:xfrm>
+          <a:prstGeom prst="rect">
+            <a:avLst/>
+          </a:prstGeom>
+          <a:noFill/>
+          <a:ln>
+            <a:noFill/>
+          </a:ln>
+          <a:extLst>
+            <a:ext uri="{909E8E84-426E-40DD-AFC4-6F175D3DCCD1}">
+              <a14:hiddenFill xmlns:a14="http://schemas.microsoft.com/office/drawing/2010/main">
+                <a:solidFill>
+                  <a:schemeClr val="accent1"/>
+                </a:solidFill>
+              </a14:hiddenFill>
+            </a:ext>
+            <a:ext uri="{91240B29-F687-4F45-9708-019B960494DF}">
+              <a14:hiddenLine xmlns:a14="http://schemas.microsoft.com/office/drawing/2010/main" w="9525">
+                <a:solidFill>
+                  <a:schemeClr val="tx1"/>
+                </a:solidFill>
+                <a:miter lim="800000"/>
+                <a:headEnd/>
+                <a:tailEnd/>
+              </a14:hiddenLine>
+            </a:ext>
+          </a:extLst>
+        </p:spPr>
+      </p:pic>
+      <p:sp>
+        <p:nvSpPr>
+          <p:cNvPr id="42" name="TextBox 41"/>
+          <p:cNvSpPr txBox="1"/>
+          <p:nvPr/>
+        </p:nvSpPr>
+        <p:spPr>
+          <a:xfrm>
+            <a:off x="6824134" y="2022429"/>
+            <a:ext cx="4487334" cy="2862322"/>
+          </a:xfrm>
+          <a:prstGeom prst="rect">
+            <a:avLst/>
+          </a:prstGeom>
+          <a:noFill/>
+        </p:spPr>
+        <p:txBody>
+          <a:bodyPr wrap="square" rtlCol="0">
+            <a:spAutoFit/>
+          </a:bodyPr>
+          <a:lstStyle/>
+          <a:p>
+            <a:pPr marL="285750" indent="-285750">
+              <a:buFont typeface="Arial" panose="020B0604020202020204" pitchFamily="34" charset="0"/>
+              <a:buChar char="•"/>
+            </a:pPr>
+            <a:r>
+              <a:rPr lang="en-US" dirty="0" smtClean="0">
+                <a:latin typeface="Times New Roman" panose="02020603050405020304" pitchFamily="18" charset="0"/>
+                <a:cs typeface="Times New Roman" panose="02020603050405020304" pitchFamily="18" charset="0"/>
+              </a:rPr>
+              <a:t>Applicants who were rated by categories viz. </a:t>
+            </a:r>
+            <a:r>
+              <a:rPr lang="en-US" b="1" dirty="0" smtClean="0">
+                <a:latin typeface="Times New Roman" panose="02020603050405020304" pitchFamily="18" charset="0"/>
+                <a:cs typeface="Times New Roman" panose="02020603050405020304" pitchFamily="18" charset="0"/>
+              </a:rPr>
+              <a:t>B</a:t>
+            </a:r>
+            <a:r>
+              <a:rPr lang="en-US" dirty="0" smtClean="0">
+                <a:latin typeface="Times New Roman" panose="02020603050405020304" pitchFamily="18" charset="0"/>
+                <a:cs typeface="Times New Roman" panose="02020603050405020304" pitchFamily="18" charset="0"/>
+              </a:rPr>
+              <a:t>, </a:t>
+            </a:r>
+            <a:r>
+              <a:rPr lang="en-US" b="1" dirty="0" smtClean="0">
+                <a:latin typeface="Times New Roman" panose="02020603050405020304" pitchFamily="18" charset="0"/>
+                <a:cs typeface="Times New Roman" panose="02020603050405020304" pitchFamily="18" charset="0"/>
+              </a:rPr>
+              <a:t>C</a:t>
+            </a:r>
+            <a:r>
+              <a:rPr lang="en-US" dirty="0" smtClean="0">
+                <a:latin typeface="Times New Roman" panose="02020603050405020304" pitchFamily="18" charset="0"/>
+                <a:cs typeface="Times New Roman" panose="02020603050405020304" pitchFamily="18" charset="0"/>
+              </a:rPr>
+              <a:t>, </a:t>
+            </a:r>
+            <a:r>
+              <a:rPr lang="en-US" b="1" dirty="0" smtClean="0">
+                <a:latin typeface="Times New Roman" panose="02020603050405020304" pitchFamily="18" charset="0"/>
+                <a:cs typeface="Times New Roman" panose="02020603050405020304" pitchFamily="18" charset="0"/>
+              </a:rPr>
+              <a:t>D</a:t>
+            </a:r>
+            <a:r>
+              <a:rPr lang="en-US" dirty="0" smtClean="0">
+                <a:latin typeface="Times New Roman" panose="02020603050405020304" pitchFamily="18" charset="0"/>
+                <a:cs typeface="Times New Roman" panose="02020603050405020304" pitchFamily="18" charset="0"/>
+              </a:rPr>
+              <a:t> &amp; </a:t>
+            </a:r>
+            <a:r>
+              <a:rPr lang="en-US" b="1" dirty="0" smtClean="0">
+                <a:latin typeface="Times New Roman" panose="02020603050405020304" pitchFamily="18" charset="0"/>
+                <a:cs typeface="Times New Roman" panose="02020603050405020304" pitchFamily="18" charset="0"/>
+              </a:rPr>
+              <a:t>E</a:t>
+            </a:r>
+            <a:r>
+              <a:rPr lang="en-US" dirty="0" smtClean="0">
+                <a:latin typeface="Times New Roman" panose="02020603050405020304" pitchFamily="18" charset="0"/>
+                <a:cs typeface="Times New Roman" panose="02020603050405020304" pitchFamily="18" charset="0"/>
+              </a:rPr>
+              <a:t> grades contributes to </a:t>
+            </a:r>
+            <a:r>
+              <a:rPr lang="en-US" b="1" dirty="0" smtClean="0">
+                <a:latin typeface="Times New Roman" panose="02020603050405020304" pitchFamily="18" charset="0"/>
+                <a:cs typeface="Times New Roman" panose="02020603050405020304" pitchFamily="18" charset="0"/>
+              </a:rPr>
+              <a:t>~82% </a:t>
+            </a:r>
+            <a:r>
+              <a:rPr lang="en-US" dirty="0" smtClean="0">
+                <a:latin typeface="Times New Roman" panose="02020603050405020304" pitchFamily="18" charset="0"/>
+                <a:cs typeface="Times New Roman" panose="02020603050405020304" pitchFamily="18" charset="0"/>
+              </a:rPr>
+              <a:t>of the total Charge off cases.</a:t>
+            </a:r>
+          </a:p>
+          <a:p>
+            <a:endParaRPr lang="en-US" dirty="0" smtClean="0">
+              <a:latin typeface="Times New Roman" panose="02020603050405020304" pitchFamily="18" charset="0"/>
+              <a:cs typeface="Times New Roman" panose="02020603050405020304" pitchFamily="18" charset="0"/>
+            </a:endParaRPr>
+          </a:p>
+          <a:p>
+            <a:pPr marL="285750" indent="-285750">
+              <a:buFont typeface="Arial" panose="020B0604020202020204" pitchFamily="34" charset="0"/>
+              <a:buChar char="•"/>
+            </a:pPr>
+            <a:r>
+              <a:rPr lang="en-US" b="1" dirty="0" smtClean="0">
+                <a:latin typeface="Times New Roman" panose="02020603050405020304" pitchFamily="18" charset="0"/>
+                <a:cs typeface="Times New Roman" panose="02020603050405020304" pitchFamily="18" charset="0"/>
+              </a:rPr>
+              <a:t>Majority</a:t>
+            </a:r>
+            <a:r>
+              <a:rPr lang="en-US" dirty="0" smtClean="0">
+                <a:latin typeface="Times New Roman" panose="02020603050405020304" pitchFamily="18" charset="0"/>
+                <a:cs typeface="Times New Roman" panose="02020603050405020304" pitchFamily="18" charset="0"/>
+              </a:rPr>
+              <a:t> of the Loan Applications which were graded by these categories also had a higher volume of </a:t>
+            </a:r>
+            <a:r>
+              <a:rPr lang="en-US" b="1" dirty="0" smtClean="0">
+                <a:latin typeface="Times New Roman" panose="02020603050405020304" pitchFamily="18" charset="0"/>
+                <a:cs typeface="Times New Roman" panose="02020603050405020304" pitchFamily="18" charset="0"/>
+              </a:rPr>
+              <a:t>Fully Paid</a:t>
+            </a:r>
+            <a:r>
+              <a:rPr lang="en-US" dirty="0" smtClean="0">
+                <a:latin typeface="Times New Roman" panose="02020603050405020304" pitchFamily="18" charset="0"/>
+                <a:cs typeface="Times New Roman" panose="02020603050405020304" pitchFamily="18" charset="0"/>
+              </a:rPr>
+              <a:t> cases.</a:t>
+            </a:r>
+          </a:p>
+          <a:p>
+            <a:endParaRPr lang="en-US" dirty="0">
+              <a:latin typeface="Times New Roman" panose="02020603050405020304" pitchFamily="18" charset="0"/>
+              <a:cs typeface="Times New Roman" panose="02020603050405020304" pitchFamily="18" charset="0"/>
+            </a:endParaRPr>
+          </a:p>
+          <a:p>
+            <a:pPr marL="285750" indent="-285750">
+              <a:buFont typeface="Arial" panose="020B0604020202020204" pitchFamily="34" charset="0"/>
+              <a:buChar char="•"/>
+            </a:pPr>
+            <a:r>
+              <a:rPr lang="en-US" dirty="0" smtClean="0">
+                <a:latin typeface="Times New Roman" panose="02020603050405020304" pitchFamily="18" charset="0"/>
+                <a:cs typeface="Times New Roman" panose="02020603050405020304" pitchFamily="18" charset="0"/>
+              </a:rPr>
+              <a:t>There were certain </a:t>
+            </a:r>
+            <a:r>
+              <a:rPr lang="en-US" b="1" dirty="0" smtClean="0">
+                <a:latin typeface="Times New Roman" panose="02020603050405020304" pitchFamily="18" charset="0"/>
+                <a:cs typeface="Times New Roman" panose="02020603050405020304" pitchFamily="18" charset="0"/>
+              </a:rPr>
+              <a:t>sub categories</a:t>
+            </a:r>
+            <a:r>
+              <a:rPr lang="en-US" dirty="0" smtClean="0">
+                <a:latin typeface="Times New Roman" panose="02020603050405020304" pitchFamily="18" charset="0"/>
+                <a:cs typeface="Times New Roman" panose="02020603050405020304" pitchFamily="18" charset="0"/>
+              </a:rPr>
+              <a:t> which were significant in contributions.</a:t>
+            </a:r>
+            <a:endParaRPr lang="en-US" dirty="0" smtClean="0">
+              <a:latin typeface="Times New Roman" panose="02020603050405020304" pitchFamily="18" charset="0"/>
+              <a:cs typeface="Times New Roman" panose="02020603050405020304" pitchFamily="18" charset="0"/>
+            </a:endParaRPr>
+          </a:p>
+        </p:txBody>
+      </p:sp>
+      <p:sp>
+        <p:nvSpPr>
+          <p:cNvPr id="5" name="Rounded Rectangle 4"/>
+          <p:cNvSpPr/>
+          <p:nvPr/>
+        </p:nvSpPr>
+        <p:spPr>
+          <a:xfrm>
+            <a:off x="1244600" y="2138100"/>
+            <a:ext cx="3454400" cy="2196842"/>
+          </a:xfrm>
+          <a:prstGeom prst="roundRect">
+            <a:avLst/>
+          </a:prstGeom>
+          <a:solidFill>
+            <a:srgbClr val="A73719">
+              <a:alpha val="3000"/>
+            </a:srgbClr>
+          </a:solidFill>
+          <a:ln>
+            <a:solidFill>
+              <a:srgbClr val="A73719"/>
+            </a:solidFill>
+            <a:prstDash val="dash"/>
+          </a:ln>
+        </p:spPr>
+        <p:style>
+          <a:lnRef idx="2">
+            <a:schemeClr val="accent6">
+              <a:shade val="50000"/>
+            </a:schemeClr>
+          </a:lnRef>
+          <a:fillRef idx="1">
+            <a:schemeClr val="accent6"/>
+          </a:fillRef>
+          <a:effectRef idx="0">
+            <a:schemeClr val="accent6"/>
+          </a:effectRef>
+          <a:fontRef idx="minor">
+            <a:schemeClr val="lt1"/>
+          </a:fontRef>
+        </p:style>
+        <p:txBody>
+          <a:bodyPr rtlCol="0" anchor="ctr"/>
+          <a:lstStyle/>
+          <a:p>
+            <a:pPr algn="ctr"/>
+            <a:endParaRPr lang="en-US"/>
+          </a:p>
+        </p:txBody>
+      </p:sp>
+      <p:cxnSp>
+        <p:nvCxnSpPr>
+          <p:cNvPr id="8" name="Straight Arrow Connector 7"/>
+          <p:cNvCxnSpPr/>
+          <p:nvPr/>
+        </p:nvCxnSpPr>
+        <p:spPr>
+          <a:xfrm>
+            <a:off x="2136175" y="2650077"/>
+            <a:ext cx="2867625" cy="0"/>
+          </a:xfrm>
+          <a:prstGeom prst="straightConnector1">
+            <a:avLst/>
+          </a:prstGeom>
+          <a:ln>
+            <a:solidFill>
+              <a:schemeClr val="tx1">
+                <a:lumMod val="50000"/>
+                <a:lumOff val="50000"/>
+              </a:schemeClr>
+            </a:solidFill>
+            <a:headEnd type="oval" w="med" len="med"/>
+            <a:tailEnd type="oval" w="med" len="med"/>
+          </a:ln>
+        </p:spPr>
+        <p:style>
+          <a:lnRef idx="1">
+            <a:schemeClr val="accent1"/>
+          </a:lnRef>
+          <a:fillRef idx="0">
+            <a:schemeClr val="accent1"/>
+          </a:fillRef>
+          <a:effectRef idx="0">
+            <a:schemeClr val="accent1"/>
+          </a:effectRef>
+          <a:fontRef idx="minor">
+            <a:schemeClr val="tx1"/>
+          </a:fontRef>
+        </p:style>
+      </p:cxnSp>
+      <p:sp>
+        <p:nvSpPr>
+          <p:cNvPr id="45" name="TextBox 44"/>
+          <p:cNvSpPr txBox="1"/>
+          <p:nvPr/>
+        </p:nvSpPr>
+        <p:spPr>
+          <a:xfrm>
+            <a:off x="5131692" y="2503110"/>
+            <a:ext cx="1181656" cy="276999"/>
+          </a:xfrm>
+          <a:prstGeom prst="rect">
+            <a:avLst/>
+          </a:prstGeom>
+          <a:noFill/>
+        </p:spPr>
+        <p:txBody>
+          <a:bodyPr wrap="square" rtlCol="0">
+            <a:spAutoFit/>
+          </a:bodyPr>
+          <a:lstStyle/>
+          <a:p>
+            <a:r>
+              <a:rPr lang="en-US" sz="1200" dirty="0" smtClean="0">
+                <a:latin typeface="Times New Roman" panose="02020603050405020304" pitchFamily="18" charset="0"/>
+                <a:cs typeface="Times New Roman" panose="02020603050405020304" pitchFamily="18" charset="0"/>
+              </a:rPr>
+              <a:t>B5, B4, B3, B2</a:t>
+            </a:r>
+            <a:endParaRPr lang="en-US" sz="1200" dirty="0" smtClean="0">
+              <a:latin typeface="Times New Roman" panose="02020603050405020304" pitchFamily="18" charset="0"/>
+              <a:cs typeface="Times New Roman" panose="02020603050405020304" pitchFamily="18" charset="0"/>
+            </a:endParaRPr>
+          </a:p>
+        </p:txBody>
+      </p:sp>
+      <p:cxnSp>
+        <p:nvCxnSpPr>
+          <p:cNvPr id="46" name="Straight Arrow Connector 45"/>
+          <p:cNvCxnSpPr/>
+          <p:nvPr/>
+        </p:nvCxnSpPr>
+        <p:spPr>
+          <a:xfrm>
+            <a:off x="2119240" y="3149609"/>
+            <a:ext cx="2867625" cy="0"/>
+          </a:xfrm>
+          <a:prstGeom prst="straightConnector1">
+            <a:avLst/>
+          </a:prstGeom>
+          <a:ln>
+            <a:solidFill>
+              <a:schemeClr val="tx1">
+                <a:lumMod val="50000"/>
+                <a:lumOff val="50000"/>
+              </a:schemeClr>
+            </a:solidFill>
+            <a:headEnd type="oval" w="med" len="med"/>
+            <a:tailEnd type="oval" w="med" len="med"/>
+          </a:ln>
+        </p:spPr>
+        <p:style>
+          <a:lnRef idx="1">
+            <a:schemeClr val="accent1"/>
+          </a:lnRef>
+          <a:fillRef idx="0">
+            <a:schemeClr val="accent1"/>
+          </a:fillRef>
+          <a:effectRef idx="0">
+            <a:schemeClr val="accent1"/>
+          </a:effectRef>
+          <a:fontRef idx="minor">
+            <a:schemeClr val="tx1"/>
+          </a:fontRef>
+        </p:style>
+      </p:cxnSp>
+      <p:sp>
+        <p:nvSpPr>
+          <p:cNvPr id="47" name="TextBox 46"/>
+          <p:cNvSpPr txBox="1"/>
+          <p:nvPr/>
+        </p:nvSpPr>
+        <p:spPr>
+          <a:xfrm>
+            <a:off x="5050700" y="3020754"/>
+            <a:ext cx="1181656" cy="276999"/>
+          </a:xfrm>
+          <a:prstGeom prst="rect">
+            <a:avLst/>
+          </a:prstGeom>
+          <a:noFill/>
+        </p:spPr>
+        <p:txBody>
+          <a:bodyPr wrap="square" rtlCol="0">
+            <a:spAutoFit/>
+          </a:bodyPr>
+          <a:lstStyle/>
+          <a:p>
+            <a:r>
+              <a:rPr lang="en-US" sz="1200" dirty="0" smtClean="0">
+                <a:latin typeface="Times New Roman" panose="02020603050405020304" pitchFamily="18" charset="0"/>
+                <a:cs typeface="Times New Roman" panose="02020603050405020304" pitchFamily="18" charset="0"/>
+              </a:rPr>
+              <a:t>C1, C2, C3, C4</a:t>
+            </a:r>
+          </a:p>
+        </p:txBody>
+      </p:sp>
+      <p:cxnSp>
+        <p:nvCxnSpPr>
+          <p:cNvPr id="48" name="Straight Arrow Connector 47"/>
+          <p:cNvCxnSpPr/>
+          <p:nvPr/>
+        </p:nvCxnSpPr>
+        <p:spPr>
+          <a:xfrm>
+            <a:off x="2043040" y="3649140"/>
+            <a:ext cx="2867625" cy="0"/>
+          </a:xfrm>
+          <a:prstGeom prst="straightConnector1">
+            <a:avLst/>
+          </a:prstGeom>
+          <a:ln>
+            <a:solidFill>
+              <a:schemeClr val="tx1">
+                <a:lumMod val="50000"/>
+                <a:lumOff val="50000"/>
+              </a:schemeClr>
+            </a:solidFill>
+            <a:headEnd type="oval" w="med" len="med"/>
+            <a:tailEnd type="oval" w="med" len="med"/>
+          </a:ln>
+        </p:spPr>
+        <p:style>
+          <a:lnRef idx="1">
+            <a:schemeClr val="accent1"/>
+          </a:lnRef>
+          <a:fillRef idx="0">
+            <a:schemeClr val="accent1"/>
+          </a:fillRef>
+          <a:effectRef idx="0">
+            <a:schemeClr val="accent1"/>
+          </a:effectRef>
+          <a:fontRef idx="minor">
+            <a:schemeClr val="tx1"/>
+          </a:fontRef>
+        </p:style>
+      </p:cxnSp>
+      <p:sp>
+        <p:nvSpPr>
+          <p:cNvPr id="49" name="TextBox 48"/>
+          <p:cNvSpPr txBox="1"/>
+          <p:nvPr/>
+        </p:nvSpPr>
+        <p:spPr>
+          <a:xfrm>
+            <a:off x="4986865" y="3510640"/>
+            <a:ext cx="897468" cy="276999"/>
+          </a:xfrm>
+          <a:prstGeom prst="rect">
+            <a:avLst/>
+          </a:prstGeom>
+          <a:noFill/>
+        </p:spPr>
+        <p:txBody>
+          <a:bodyPr wrap="square" rtlCol="0">
+            <a:spAutoFit/>
+          </a:bodyPr>
+          <a:lstStyle/>
+          <a:p>
+            <a:r>
+              <a:rPr lang="en-US" sz="1200" dirty="0" smtClean="0">
+                <a:latin typeface="Times New Roman" panose="02020603050405020304" pitchFamily="18" charset="0"/>
+                <a:cs typeface="Times New Roman" panose="02020603050405020304" pitchFamily="18" charset="0"/>
+              </a:rPr>
+              <a:t>D2, D3, D4</a:t>
+            </a:r>
+          </a:p>
+        </p:txBody>
+      </p:sp>
+      <p:cxnSp>
+        <p:nvCxnSpPr>
+          <p:cNvPr id="50" name="Straight Arrow Connector 49"/>
+          <p:cNvCxnSpPr/>
+          <p:nvPr/>
+        </p:nvCxnSpPr>
+        <p:spPr>
+          <a:xfrm>
+            <a:off x="1968900" y="4174074"/>
+            <a:ext cx="2867625" cy="0"/>
+          </a:xfrm>
+          <a:prstGeom prst="straightConnector1">
+            <a:avLst/>
+          </a:prstGeom>
+          <a:ln>
+            <a:solidFill>
+              <a:schemeClr val="tx1">
+                <a:lumMod val="50000"/>
+                <a:lumOff val="50000"/>
+              </a:schemeClr>
+            </a:solidFill>
+            <a:headEnd type="oval" w="med" len="med"/>
+            <a:tailEnd type="oval" w="med" len="med"/>
+          </a:ln>
+        </p:spPr>
+        <p:style>
+          <a:lnRef idx="1">
+            <a:schemeClr val="accent1"/>
+          </a:lnRef>
+          <a:fillRef idx="0">
+            <a:schemeClr val="accent1"/>
+          </a:fillRef>
+          <a:effectRef idx="0">
+            <a:schemeClr val="accent1"/>
+          </a:effectRef>
+          <a:fontRef idx="minor">
+            <a:schemeClr val="tx1"/>
+          </a:fontRef>
+        </p:style>
+      </p:cxnSp>
+      <p:sp>
+        <p:nvSpPr>
+          <p:cNvPr id="51" name="TextBox 50"/>
+          <p:cNvSpPr txBox="1"/>
+          <p:nvPr/>
+        </p:nvSpPr>
+        <p:spPr>
+          <a:xfrm>
+            <a:off x="4924441" y="4035574"/>
+            <a:ext cx="380614" cy="276999"/>
+          </a:xfrm>
+          <a:prstGeom prst="rect">
+            <a:avLst/>
+          </a:prstGeom>
+          <a:noFill/>
+        </p:spPr>
+        <p:txBody>
+          <a:bodyPr wrap="square" rtlCol="0">
+            <a:spAutoFit/>
+          </a:bodyPr>
+          <a:lstStyle/>
+          <a:p>
+            <a:r>
+              <a:rPr lang="en-US" sz="1200" dirty="0" smtClean="0">
+                <a:latin typeface="Times New Roman" panose="02020603050405020304" pitchFamily="18" charset="0"/>
+                <a:cs typeface="Times New Roman" panose="02020603050405020304" pitchFamily="18" charset="0"/>
+              </a:rPr>
+              <a:t>E1</a:t>
+            </a:r>
+          </a:p>
+        </p:txBody>
+      </p:sp>
+      <p:sp>
+        <p:nvSpPr>
+          <p:cNvPr id="52" name="TextBox 51"/>
+          <p:cNvSpPr txBox="1"/>
+          <p:nvPr/>
+        </p:nvSpPr>
+        <p:spPr>
+          <a:xfrm>
+            <a:off x="2257467" y="1838647"/>
+            <a:ext cx="4269671" cy="276999"/>
+          </a:xfrm>
+          <a:prstGeom prst="rect">
+            <a:avLst/>
+          </a:prstGeom>
+          <a:noFill/>
+        </p:spPr>
+        <p:txBody>
+          <a:bodyPr wrap="square" rtlCol="0">
+            <a:spAutoFit/>
+          </a:bodyPr>
+          <a:lstStyle/>
+          <a:p>
+            <a:pPr algn="ctr"/>
+            <a:r>
+              <a:rPr lang="en-US" sz="1200" dirty="0" smtClean="0">
+                <a:latin typeface="Times New Roman" panose="02020603050405020304" pitchFamily="18" charset="0"/>
+                <a:cs typeface="Times New Roman" panose="02020603050405020304" pitchFamily="18" charset="0"/>
+              </a:rPr>
+              <a:t>Distribution of Grades across Loan Status</a:t>
+            </a:r>
+            <a:endParaRPr lang="en-US" sz="1200" dirty="0">
+              <a:latin typeface="Times New Roman" panose="02020603050405020304" pitchFamily="18" charset="0"/>
+              <a:cs typeface="Times New Roman" panose="02020603050405020304" pitchFamily="18" charset="0"/>
+            </a:endParaRPr>
+          </a:p>
+        </p:txBody>
+      </p:sp>
     </p:spTree>
     <p:extLst>
       <p:ext uri="{BB962C8B-B14F-4D97-AF65-F5344CB8AC3E}">

--- a/Gramener_Case_Study_Presentation_SS.pptx
+++ b/Gramener_Case_Study_Presentation_SS.pptx
@@ -5,7 +5,7 @@
     <p:sldMasterId id="2147483660" r:id="rId1"/>
   </p:sldMasterIdLst>
   <p:notesMasterIdLst>
-    <p:notesMasterId r:id="rId13"/>
+    <p:notesMasterId r:id="rId15"/>
   </p:notesMasterIdLst>
   <p:sldIdLst>
     <p:sldId id="256" r:id="rId2"/>
@@ -16,9 +16,11 @@
     <p:sldId id="271" r:id="rId7"/>
     <p:sldId id="272" r:id="rId8"/>
     <p:sldId id="273" r:id="rId9"/>
-    <p:sldId id="269" r:id="rId10"/>
-    <p:sldId id="275" r:id="rId11"/>
-    <p:sldId id="274" r:id="rId12"/>
+    <p:sldId id="277" r:id="rId10"/>
+    <p:sldId id="278" r:id="rId11"/>
+    <p:sldId id="275" r:id="rId12"/>
+    <p:sldId id="276" r:id="rId13"/>
+    <p:sldId id="274" r:id="rId14"/>
   </p:sldIdLst>
   <p:sldSz cx="12192000" cy="6858000"/>
   <p:notesSz cx="6858000" cy="9144000"/>
@@ -11732,6 +11734,430 @@
       </p:grpSpPr>
       <p:sp>
         <p:nvSpPr>
+          <p:cNvPr id="4" name="Title 1"/>
+          <p:cNvSpPr>
+            <a:spLocks noGrp="1"/>
+          </p:cNvSpPr>
+          <p:nvPr>
+            <p:ph type="title"/>
+          </p:nvPr>
+        </p:nvSpPr>
+        <p:spPr>
+          <a:xfrm>
+            <a:off x="1136469" y="640080"/>
+            <a:ext cx="9313817" cy="856138"/>
+          </a:xfrm>
+        </p:spPr>
+        <p:txBody>
+          <a:bodyPr>
+            <a:normAutofit fontScale="90000"/>
+          </a:bodyPr>
+          <a:lstStyle/>
+          <a:p>
+            <a:r>
+              <a:rPr lang="en-IN" b="1" dirty="0" smtClean="0"/>
+              <a:t>Hypothesis – </a:t>
+            </a:r>
+            <a:r>
+              <a:rPr lang="en-IN" b="1" dirty="0" smtClean="0"/>
+              <a:t>V</a:t>
+            </a:r>
+            <a:br>
+              <a:rPr lang="en-IN" b="1" dirty="0" smtClean="0"/>
+            </a:br>
+            <a:r>
+              <a:rPr lang="en-IN" sz="3100" i="1" dirty="0"/>
+              <a:t>Is there any pattern around the debt to income ratio?</a:t>
+            </a:r>
+            <a:endParaRPr lang="en-IN" sz="3100" i="1" dirty="0"/>
+          </a:p>
+        </p:txBody>
+      </p:sp>
+      <p:sp>
+        <p:nvSpPr>
+          <p:cNvPr id="6" name="Rectangle 5"/>
+          <p:cNvSpPr/>
+          <p:nvPr/>
+        </p:nvSpPr>
+        <p:spPr>
+          <a:xfrm>
+            <a:off x="1836624" y="6045208"/>
+            <a:ext cx="9381711" cy="660393"/>
+          </a:xfrm>
+          <a:prstGeom prst="rect">
+            <a:avLst/>
+          </a:prstGeom>
+          <a:noFill/>
+          <a:ln>
+            <a:noFill/>
+          </a:ln>
+        </p:spPr>
+        <p:style>
+          <a:lnRef idx="1">
+            <a:schemeClr val="accent5"/>
+          </a:lnRef>
+          <a:fillRef idx="2">
+            <a:schemeClr val="accent5"/>
+          </a:fillRef>
+          <a:effectRef idx="1">
+            <a:schemeClr val="accent5"/>
+          </a:effectRef>
+          <a:fontRef idx="minor">
+            <a:schemeClr val="dk1"/>
+          </a:fontRef>
+        </p:style>
+        <p:txBody>
+          <a:bodyPr rtlCol="0" anchor="t"/>
+          <a:lstStyle/>
+          <a:p>
+            <a:r>
+              <a:rPr lang="en-US" sz="1200" i="1" dirty="0" smtClean="0">
+                <a:solidFill>
+                  <a:schemeClr val="tx1"/>
+                </a:solidFill>
+                <a:latin typeface="Times New Roman" panose="02020603050405020304" pitchFamily="18" charset="0"/>
+                <a:cs typeface="Times New Roman" panose="02020603050405020304" pitchFamily="18" charset="0"/>
+              </a:rPr>
+              <a:t>“</a:t>
+            </a:r>
+            <a:r>
+              <a:rPr lang="en-US" sz="1200" dirty="0">
+                <a:solidFill>
+                  <a:schemeClr val="tx1"/>
+                </a:solidFill>
+                <a:latin typeface="Times New Roman" panose="02020603050405020304" pitchFamily="18" charset="0"/>
+                <a:cs typeface="Times New Roman" panose="02020603050405020304" pitchFamily="18" charset="0"/>
+              </a:rPr>
+              <a:t>With the Increase in debt to income ratio the chances of default increases is </a:t>
+            </a:r>
+            <a:r>
+              <a:rPr lang="en-US" sz="1200" dirty="0" smtClean="0">
+                <a:solidFill>
+                  <a:schemeClr val="tx1"/>
+                </a:solidFill>
+                <a:latin typeface="Times New Roman" panose="02020603050405020304" pitchFamily="18" charset="0"/>
+                <a:cs typeface="Times New Roman" panose="02020603050405020304" pitchFamily="18" charset="0"/>
+              </a:rPr>
+              <a:t>higher</a:t>
+            </a:r>
+            <a:r>
+              <a:rPr lang="en-US" sz="1200" i="1" dirty="0" smtClean="0">
+                <a:solidFill>
+                  <a:schemeClr val="tx1"/>
+                </a:solidFill>
+                <a:latin typeface="Times New Roman" panose="02020603050405020304" pitchFamily="18" charset="0"/>
+                <a:cs typeface="Times New Roman" panose="02020603050405020304" pitchFamily="18" charset="0"/>
+              </a:rPr>
+              <a:t>”</a:t>
+            </a:r>
+            <a:endParaRPr lang="en-US" sz="1200" i="1" dirty="0" smtClean="0">
+              <a:solidFill>
+                <a:schemeClr val="tx1"/>
+              </a:solidFill>
+              <a:latin typeface="Times New Roman" panose="02020603050405020304" pitchFamily="18" charset="0"/>
+              <a:cs typeface="Times New Roman" panose="02020603050405020304" pitchFamily="18" charset="0"/>
+            </a:endParaRPr>
+          </a:p>
+        </p:txBody>
+      </p:sp>
+      <p:sp>
+        <p:nvSpPr>
+          <p:cNvPr id="10" name="Rounded Rectangle 9"/>
+          <p:cNvSpPr/>
+          <p:nvPr/>
+        </p:nvSpPr>
+        <p:spPr>
+          <a:xfrm>
+            <a:off x="1015994" y="1650999"/>
+            <a:ext cx="10532533" cy="5122333"/>
+          </a:xfrm>
+          <a:prstGeom prst="roundRect">
+            <a:avLst/>
+          </a:prstGeom>
+          <a:noFill/>
+          <a:ln>
+            <a:solidFill>
+              <a:schemeClr val="tx2"/>
+            </a:solidFill>
+            <a:prstDash val="lgDash"/>
+          </a:ln>
+        </p:spPr>
+        <p:style>
+          <a:lnRef idx="2">
+            <a:schemeClr val="accent1">
+              <a:shade val="50000"/>
+            </a:schemeClr>
+          </a:lnRef>
+          <a:fillRef idx="1">
+            <a:schemeClr val="accent1"/>
+          </a:fillRef>
+          <a:effectRef idx="0">
+            <a:schemeClr val="accent1"/>
+          </a:effectRef>
+          <a:fontRef idx="minor">
+            <a:schemeClr val="lt1"/>
+          </a:fontRef>
+        </p:style>
+        <p:txBody>
+          <a:bodyPr rtlCol="0" anchor="ctr"/>
+          <a:lstStyle/>
+          <a:p>
+            <a:pPr algn="ctr"/>
+            <a:endParaRPr lang="en-US" dirty="0"/>
+          </a:p>
+        </p:txBody>
+      </p:sp>
+      <p:pic>
+        <p:nvPicPr>
+          <p:cNvPr id="2052" name="Picture 4"/>
+          <p:cNvPicPr>
+            <a:picLocks noChangeAspect="1" noChangeArrowheads="1"/>
+          </p:cNvPicPr>
+          <p:nvPr/>
+        </p:nvPicPr>
+        <p:blipFill>
+          <a:blip r:embed="rId2" cstate="print">
+            <a:extLst>
+              <a:ext uri="{28A0092B-C50C-407E-A947-70E740481C1C}">
+                <a14:useLocalDpi xmlns:a14="http://schemas.microsoft.com/office/drawing/2010/main" val="0"/>
+              </a:ext>
+            </a:extLst>
+          </a:blip>
+          <a:srcRect/>
+          <a:stretch>
+            <a:fillRect/>
+          </a:stretch>
+        </p:blipFill>
+        <p:spPr bwMode="auto">
+          <a:xfrm>
+            <a:off x="1376252" y="6075004"/>
+            <a:ext cx="477398" cy="507445"/>
+          </a:xfrm>
+          <a:prstGeom prst="rect">
+            <a:avLst/>
+          </a:prstGeom>
+          <a:noFill/>
+          <a:ln>
+            <a:noFill/>
+          </a:ln>
+          <a:extLst>
+            <a:ext uri="{909E8E84-426E-40DD-AFC4-6F175D3DCCD1}">
+              <a14:hiddenFill xmlns:a14="http://schemas.microsoft.com/office/drawing/2010/main">
+                <a:solidFill>
+                  <a:schemeClr val="accent1"/>
+                </a:solidFill>
+              </a14:hiddenFill>
+            </a:ext>
+            <a:ext uri="{91240B29-F687-4F45-9708-019B960494DF}">
+              <a14:hiddenLine xmlns:a14="http://schemas.microsoft.com/office/drawing/2010/main" w="9525">
+                <a:solidFill>
+                  <a:schemeClr val="tx1"/>
+                </a:solidFill>
+                <a:miter lim="800000"/>
+                <a:headEnd/>
+                <a:tailEnd/>
+              </a14:hiddenLine>
+            </a:ext>
+          </a:extLst>
+        </p:spPr>
+      </p:pic>
+      <p:cxnSp>
+        <p:nvCxnSpPr>
+          <p:cNvPr id="15" name="Straight Connector 14"/>
+          <p:cNvCxnSpPr/>
+          <p:nvPr/>
+        </p:nvCxnSpPr>
+        <p:spPr>
+          <a:xfrm>
+            <a:off x="1015994" y="6036742"/>
+            <a:ext cx="10532533" cy="0"/>
+          </a:xfrm>
+          <a:prstGeom prst="line">
+            <a:avLst/>
+          </a:prstGeom>
+          <a:ln w="19050">
+            <a:solidFill>
+              <a:schemeClr val="tx2"/>
+            </a:solidFill>
+            <a:prstDash val="solid"/>
+          </a:ln>
+        </p:spPr>
+        <p:style>
+          <a:lnRef idx="1">
+            <a:schemeClr val="accent1"/>
+          </a:lnRef>
+          <a:fillRef idx="0">
+            <a:schemeClr val="accent1"/>
+          </a:fillRef>
+          <a:effectRef idx="0">
+            <a:schemeClr val="accent1"/>
+          </a:effectRef>
+          <a:fontRef idx="minor">
+            <a:schemeClr val="tx1"/>
+          </a:fontRef>
+        </p:style>
+      </p:cxnSp>
+      <p:sp>
+        <p:nvSpPr>
+          <p:cNvPr id="20" name="TextBox 19"/>
+          <p:cNvSpPr txBox="1"/>
+          <p:nvPr/>
+        </p:nvSpPr>
+        <p:spPr>
+          <a:xfrm>
+            <a:off x="6510855" y="2043070"/>
+            <a:ext cx="4216400" cy="3693319"/>
+          </a:xfrm>
+          <a:prstGeom prst="rect">
+            <a:avLst/>
+          </a:prstGeom>
+          <a:noFill/>
+        </p:spPr>
+        <p:txBody>
+          <a:bodyPr wrap="square" rtlCol="0">
+            <a:spAutoFit/>
+          </a:bodyPr>
+          <a:lstStyle/>
+          <a:p>
+            <a:pPr marL="285750" indent="-285750">
+              <a:buFont typeface="Arial" panose="020B0604020202020204" pitchFamily="34" charset="0"/>
+              <a:buChar char="•"/>
+            </a:pPr>
+            <a:r>
+              <a:rPr lang="en-US" dirty="0">
+                <a:latin typeface="Times New Roman" panose="02020603050405020304" pitchFamily="18" charset="0"/>
+                <a:cs typeface="Times New Roman" panose="02020603050405020304" pitchFamily="18" charset="0"/>
+              </a:rPr>
+              <a:t>We have created the box plots with dti against charged off and fully paid loan status to study the behavior of the dti’s impacts on the  loan default</a:t>
+            </a:r>
+          </a:p>
+          <a:p>
+            <a:pPr marL="285750" indent="-285750">
+              <a:buFont typeface="Arial" panose="020B0604020202020204" pitchFamily="34" charset="0"/>
+              <a:buChar char="•"/>
+            </a:pPr>
+            <a:endParaRPr lang="en-US" dirty="0">
+              <a:latin typeface="Times New Roman" panose="02020603050405020304" pitchFamily="18" charset="0"/>
+              <a:cs typeface="Times New Roman" panose="02020603050405020304" pitchFamily="18" charset="0"/>
+            </a:endParaRPr>
+          </a:p>
+          <a:p>
+            <a:pPr marL="285750" indent="-285750">
+              <a:buFont typeface="Arial" panose="020B0604020202020204" pitchFamily="34" charset="0"/>
+              <a:buChar char="•"/>
+            </a:pPr>
+            <a:r>
+              <a:rPr lang="en-US" dirty="0">
+                <a:latin typeface="Times New Roman" panose="02020603050405020304" pitchFamily="18" charset="0"/>
+                <a:cs typeface="Times New Roman" panose="02020603050405020304" pitchFamily="18" charset="0"/>
+              </a:rPr>
+              <a:t>From the analysis it can be said that higher the value of this debt to income, greater is the chance of loan default.</a:t>
+            </a:r>
+          </a:p>
+          <a:p>
+            <a:pPr marL="285750" indent="-285750">
+              <a:buFont typeface="Arial" panose="020B0604020202020204" pitchFamily="34" charset="0"/>
+              <a:buChar char="•"/>
+            </a:pPr>
+            <a:endParaRPr lang="en-US" dirty="0">
+              <a:latin typeface="Times New Roman" panose="02020603050405020304" pitchFamily="18" charset="0"/>
+              <a:cs typeface="Times New Roman" panose="02020603050405020304" pitchFamily="18" charset="0"/>
+            </a:endParaRPr>
+          </a:p>
+          <a:p>
+            <a:pPr marL="285750" indent="-285750">
+              <a:buFont typeface="Arial" panose="020B0604020202020204" pitchFamily="34" charset="0"/>
+              <a:buChar char="•"/>
+            </a:pPr>
+            <a:r>
+              <a:rPr lang="en-US" dirty="0">
+                <a:latin typeface="Times New Roman" panose="02020603050405020304" pitchFamily="18" charset="0"/>
+                <a:cs typeface="Times New Roman" panose="02020603050405020304" pitchFamily="18" charset="0"/>
+              </a:rPr>
+              <a:t>We can see that defaulted loans have higher spread than the Fully paid loan implying higher the value there ratio, greater the risk of loan default</a:t>
+            </a:r>
+            <a:endParaRPr lang="en-US" b="1" dirty="0">
+              <a:latin typeface="Times New Roman" panose="02020603050405020304" pitchFamily="18" charset="0"/>
+              <a:cs typeface="Times New Roman" panose="02020603050405020304" pitchFamily="18" charset="0"/>
+            </a:endParaRPr>
+          </a:p>
+        </p:txBody>
+      </p:sp>
+      <p:pic>
+        <p:nvPicPr>
+          <p:cNvPr id="11" name="Picture 10">
+            <a:extLst>
+              <a:ext uri="{FF2B5EF4-FFF2-40B4-BE49-F238E27FC236}">
+                <a16:creationId xmlns:a16="http://schemas.microsoft.com/office/drawing/2014/main" xmlns="" id="{56C3DD78-85AE-4B38-B9E8-EE83A9706A58}"/>
+              </a:ext>
+            </a:extLst>
+          </p:cNvPr>
+          <p:cNvPicPr>
+            <a:picLocks noChangeAspect="1"/>
+          </p:cNvPicPr>
+          <p:nvPr/>
+        </p:nvPicPr>
+        <p:blipFill>
+          <a:blip r:embed="rId3">
+            <a:extLst>
+              <a:ext uri="{28A0092B-C50C-407E-A947-70E740481C1C}">
+                <a14:useLocalDpi xmlns:a14="http://schemas.microsoft.com/office/drawing/2010/main" val="0"/>
+              </a:ext>
+            </a:extLst>
+          </a:blip>
+          <a:stretch>
+            <a:fillRect/>
+          </a:stretch>
+        </p:blipFill>
+        <p:spPr>
+          <a:xfrm>
+            <a:off x="2676223" y="1945200"/>
+            <a:ext cx="2492743" cy="3829526"/>
+          </a:xfrm>
+          <a:prstGeom prst="rect">
+            <a:avLst/>
+          </a:prstGeom>
+        </p:spPr>
+      </p:pic>
+    </p:spTree>
+    <p:extLst>
+      <p:ext uri="{BB962C8B-B14F-4D97-AF65-F5344CB8AC3E}">
+        <p14:creationId xmlns:p14="http://schemas.microsoft.com/office/powerpoint/2010/main" val="1277934840"/>
+      </p:ext>
+    </p:extLst>
+  </p:cSld>
+  <p:clrMapOvr>
+    <a:masterClrMapping/>
+  </p:clrMapOvr>
+  <p:timing>
+    <p:tnLst>
+      <p:par>
+        <p:cTn id="1" dur="indefinite" restart="never" nodeType="tmRoot"/>
+      </p:par>
+    </p:tnLst>
+  </p:timing>
+</p:sld>
+</file>
+
+<file path=ppt/slides/slide11.xml><?xml version="1.0" encoding="utf-8"?>
+<p:sld xmlns:a="http://schemas.openxmlformats.org/drawingml/2006/main" xmlns:r="http://schemas.openxmlformats.org/officeDocument/2006/relationships" xmlns:p="http://schemas.openxmlformats.org/presentationml/2006/main">
+  <p:cSld>
+    <p:spTree>
+      <p:nvGrpSpPr>
+        <p:cNvPr id="1" name=""/>
+        <p:cNvGrpSpPr/>
+        <p:nvPr/>
+      </p:nvGrpSpPr>
+      <p:grpSpPr>
+        <a:xfrm>
+          <a:off x="0" y="0"/>
+          <a:ext cx="0" cy="0"/>
+          <a:chOff x="0" y="0"/>
+          <a:chExt cx="0" cy="0"/>
+        </a:xfrm>
+      </p:grpSpPr>
+      <p:sp>
+        <p:nvSpPr>
           <p:cNvPr id="5" name="Title 1"/>
           <p:cNvSpPr>
             <a:spLocks noGrp="1"/>
@@ -11869,7 +12295,644 @@
 </p:sld>
 </file>
 
-<file path=ppt/slides/slide11.xml><?xml version="1.0" encoding="utf-8"?>
+<file path=ppt/slides/slide12.xml><?xml version="1.0" encoding="utf-8"?>
+<p:sld xmlns:a="http://schemas.openxmlformats.org/drawingml/2006/main" xmlns:r="http://schemas.openxmlformats.org/officeDocument/2006/relationships" xmlns:p="http://schemas.openxmlformats.org/presentationml/2006/main">
+  <p:cSld>
+    <p:spTree>
+      <p:nvGrpSpPr>
+        <p:cNvPr id="1" name=""/>
+        <p:cNvGrpSpPr/>
+        <p:nvPr/>
+      </p:nvGrpSpPr>
+      <p:grpSpPr>
+        <a:xfrm>
+          <a:off x="0" y="0"/>
+          <a:ext cx="0" cy="0"/>
+          <a:chOff x="0" y="0"/>
+          <a:chExt cx="0" cy="0"/>
+        </a:xfrm>
+      </p:grpSpPr>
+      <p:sp>
+        <p:nvSpPr>
+          <p:cNvPr id="4" name="Title 1"/>
+          <p:cNvSpPr>
+            <a:spLocks noGrp="1"/>
+          </p:cNvSpPr>
+          <p:nvPr>
+            <p:ph type="title"/>
+          </p:nvPr>
+        </p:nvSpPr>
+        <p:spPr>
+          <a:xfrm>
+            <a:off x="1136469" y="640080"/>
+            <a:ext cx="9313817" cy="856138"/>
+          </a:xfrm>
+        </p:spPr>
+        <p:txBody>
+          <a:bodyPr>
+            <a:normAutofit fontScale="90000"/>
+          </a:bodyPr>
+          <a:lstStyle/>
+          <a:p>
+            <a:r>
+              <a:rPr lang="en-IN" b="1" dirty="0" smtClean="0"/>
+              <a:t>Loan Variables for Analysis</a:t>
+            </a:r>
+            <a:br>
+              <a:rPr lang="en-IN" b="1" dirty="0" smtClean="0"/>
+            </a:br>
+            <a:r>
+              <a:rPr lang="en-IN" sz="3100" i="1" dirty="0" smtClean="0"/>
+              <a:t>Correlation Matrix</a:t>
+            </a:r>
+            <a:endParaRPr lang="en-IN" sz="2200" i="1" dirty="0"/>
+          </a:p>
+        </p:txBody>
+      </p:sp>
+      <p:sp>
+        <p:nvSpPr>
+          <p:cNvPr id="6" name="Rectangle 5"/>
+          <p:cNvSpPr/>
+          <p:nvPr/>
+        </p:nvSpPr>
+        <p:spPr>
+          <a:xfrm>
+            <a:off x="1836624" y="6045208"/>
+            <a:ext cx="9381711" cy="660393"/>
+          </a:xfrm>
+          <a:prstGeom prst="rect">
+            <a:avLst/>
+          </a:prstGeom>
+          <a:noFill/>
+          <a:ln>
+            <a:noFill/>
+          </a:ln>
+        </p:spPr>
+        <p:style>
+          <a:lnRef idx="1">
+            <a:schemeClr val="accent5"/>
+          </a:lnRef>
+          <a:fillRef idx="2">
+            <a:schemeClr val="accent5"/>
+          </a:fillRef>
+          <a:effectRef idx="1">
+            <a:schemeClr val="accent5"/>
+          </a:effectRef>
+          <a:fontRef idx="minor">
+            <a:schemeClr val="dk1"/>
+          </a:fontRef>
+        </p:style>
+        <p:txBody>
+          <a:bodyPr rtlCol="0" anchor="t"/>
+          <a:lstStyle/>
+          <a:p>
+            <a:r>
+              <a:rPr lang="en-US" sz="1200" i="1" dirty="0" smtClean="0">
+                <a:solidFill>
+                  <a:schemeClr val="tx1"/>
+                </a:solidFill>
+                <a:latin typeface="Times New Roman" panose="02020603050405020304" pitchFamily="18" charset="0"/>
+                <a:cs typeface="Times New Roman" panose="02020603050405020304" pitchFamily="18" charset="0"/>
+              </a:rPr>
+              <a:t>“No specific conclusions can be drawn as the correlated clusters observed are very obvious to interact among each other. However, there were a couple of more conclusions which could be identified from this matrix about the </a:t>
+            </a:r>
+            <a:r>
+              <a:rPr lang="en-US" sz="1200" i="1" dirty="0">
+                <a:solidFill>
+                  <a:schemeClr val="tx1"/>
+                </a:solidFill>
+                <a:latin typeface="Times New Roman" panose="02020603050405020304" pitchFamily="18" charset="0"/>
+                <a:cs typeface="Times New Roman" panose="02020603050405020304" pitchFamily="18" charset="0"/>
+              </a:rPr>
+              <a:t>v</a:t>
+            </a:r>
+            <a:r>
+              <a:rPr lang="en-US" sz="1200" i="1" dirty="0" smtClean="0">
+                <a:solidFill>
+                  <a:schemeClr val="tx1"/>
+                </a:solidFill>
+                <a:latin typeface="Times New Roman" panose="02020603050405020304" pitchFamily="18" charset="0"/>
+                <a:cs typeface="Times New Roman" panose="02020603050405020304" pitchFamily="18" charset="0"/>
+              </a:rPr>
+              <a:t>ariables which are </a:t>
+            </a:r>
+            <a:r>
+              <a:rPr lang="en-US" sz="1200" i="1" dirty="0" smtClean="0">
+                <a:solidFill>
+                  <a:schemeClr val="tx1"/>
+                </a:solidFill>
+                <a:latin typeface="Times New Roman" panose="02020603050405020304" pitchFamily="18" charset="0"/>
+                <a:cs typeface="Times New Roman" panose="02020603050405020304" pitchFamily="18" charset="0"/>
+              </a:rPr>
+              <a:t>moderately Correlated –</a:t>
+            </a:r>
+          </a:p>
+          <a:p>
+            <a:r>
+              <a:rPr lang="en-US" sz="1200" b="1" i="1" dirty="0" smtClean="0">
+                <a:solidFill>
+                  <a:schemeClr val="tx1"/>
+                </a:solidFill>
+                <a:latin typeface="Times New Roman" panose="02020603050405020304" pitchFamily="18" charset="0"/>
+                <a:cs typeface="Times New Roman" panose="02020603050405020304" pitchFamily="18" charset="0"/>
+              </a:rPr>
+              <a:t>A.</a:t>
+            </a:r>
+            <a:r>
+              <a:rPr lang="en-US" sz="1200" i="1" dirty="0" smtClean="0">
+                <a:solidFill>
+                  <a:schemeClr val="tx1"/>
+                </a:solidFill>
+                <a:latin typeface="Times New Roman" panose="02020603050405020304" pitchFamily="18" charset="0"/>
+                <a:cs typeface="Times New Roman" panose="02020603050405020304" pitchFamily="18" charset="0"/>
+              </a:rPr>
+              <a:t> Installment &amp; Total Payment </a:t>
+            </a:r>
+            <a:r>
+              <a:rPr lang="en-US" sz="1200" b="1" i="1" dirty="0" smtClean="0">
+                <a:solidFill>
+                  <a:schemeClr val="tx1"/>
+                </a:solidFill>
+                <a:latin typeface="Times New Roman" panose="02020603050405020304" pitchFamily="18" charset="0"/>
+                <a:cs typeface="Times New Roman" panose="02020603050405020304" pitchFamily="18" charset="0"/>
+              </a:rPr>
+              <a:t>B. </a:t>
+            </a:r>
+            <a:r>
+              <a:rPr lang="en-US" sz="1200" i="1" dirty="0" smtClean="0">
+                <a:solidFill>
+                  <a:schemeClr val="tx1"/>
+                </a:solidFill>
+                <a:latin typeface="Times New Roman" panose="02020603050405020304" pitchFamily="18" charset="0"/>
+                <a:cs typeface="Times New Roman" panose="02020603050405020304" pitchFamily="18" charset="0"/>
+              </a:rPr>
+              <a:t>Annual Income &amp; Revolving Balance.</a:t>
+            </a:r>
+            <a:r>
+              <a:rPr lang="en-US" sz="1200" i="1" dirty="0" smtClean="0">
+                <a:solidFill>
+                  <a:schemeClr val="tx1"/>
+                </a:solidFill>
+                <a:latin typeface="Times New Roman" panose="02020603050405020304" pitchFamily="18" charset="0"/>
+                <a:cs typeface="Times New Roman" panose="02020603050405020304" pitchFamily="18" charset="0"/>
+              </a:rPr>
+              <a:t>”</a:t>
+            </a:r>
+            <a:endParaRPr lang="en-US" sz="1200" i="1" dirty="0" smtClean="0">
+              <a:solidFill>
+                <a:schemeClr val="tx1"/>
+              </a:solidFill>
+              <a:latin typeface="Times New Roman" panose="02020603050405020304" pitchFamily="18" charset="0"/>
+              <a:cs typeface="Times New Roman" panose="02020603050405020304" pitchFamily="18" charset="0"/>
+            </a:endParaRPr>
+          </a:p>
+        </p:txBody>
+      </p:sp>
+      <p:sp>
+        <p:nvSpPr>
+          <p:cNvPr id="10" name="Rounded Rectangle 9"/>
+          <p:cNvSpPr/>
+          <p:nvPr/>
+        </p:nvSpPr>
+        <p:spPr>
+          <a:xfrm>
+            <a:off x="1015994" y="1650999"/>
+            <a:ext cx="10532533" cy="5122333"/>
+          </a:xfrm>
+          <a:prstGeom prst="roundRect">
+            <a:avLst/>
+          </a:prstGeom>
+          <a:noFill/>
+          <a:ln>
+            <a:solidFill>
+              <a:schemeClr val="tx2"/>
+            </a:solidFill>
+            <a:prstDash val="lgDash"/>
+          </a:ln>
+        </p:spPr>
+        <p:style>
+          <a:lnRef idx="2">
+            <a:schemeClr val="accent1">
+              <a:shade val="50000"/>
+            </a:schemeClr>
+          </a:lnRef>
+          <a:fillRef idx="1">
+            <a:schemeClr val="accent1"/>
+          </a:fillRef>
+          <a:effectRef idx="0">
+            <a:schemeClr val="accent1"/>
+          </a:effectRef>
+          <a:fontRef idx="minor">
+            <a:schemeClr val="lt1"/>
+          </a:fontRef>
+        </p:style>
+        <p:txBody>
+          <a:bodyPr rtlCol="0" anchor="ctr"/>
+          <a:lstStyle/>
+          <a:p>
+            <a:pPr algn="ctr"/>
+            <a:endParaRPr lang="en-US" dirty="0"/>
+          </a:p>
+        </p:txBody>
+      </p:sp>
+      <p:pic>
+        <p:nvPicPr>
+          <p:cNvPr id="2052" name="Picture 4"/>
+          <p:cNvPicPr>
+            <a:picLocks noChangeAspect="1" noChangeArrowheads="1"/>
+          </p:cNvPicPr>
+          <p:nvPr/>
+        </p:nvPicPr>
+        <p:blipFill>
+          <a:blip r:embed="rId2" cstate="print">
+            <a:extLst>
+              <a:ext uri="{28A0092B-C50C-407E-A947-70E740481C1C}">
+                <a14:useLocalDpi xmlns:a14="http://schemas.microsoft.com/office/drawing/2010/main" val="0"/>
+              </a:ext>
+            </a:extLst>
+          </a:blip>
+          <a:srcRect/>
+          <a:stretch>
+            <a:fillRect/>
+          </a:stretch>
+        </p:blipFill>
+        <p:spPr bwMode="auto">
+          <a:xfrm>
+            <a:off x="1376252" y="6075004"/>
+            <a:ext cx="477398" cy="507445"/>
+          </a:xfrm>
+          <a:prstGeom prst="rect">
+            <a:avLst/>
+          </a:prstGeom>
+          <a:noFill/>
+          <a:ln>
+            <a:noFill/>
+          </a:ln>
+          <a:extLst>
+            <a:ext uri="{909E8E84-426E-40DD-AFC4-6F175D3DCCD1}">
+              <a14:hiddenFill xmlns:a14="http://schemas.microsoft.com/office/drawing/2010/main">
+                <a:solidFill>
+                  <a:schemeClr val="accent1"/>
+                </a:solidFill>
+              </a14:hiddenFill>
+            </a:ext>
+            <a:ext uri="{91240B29-F687-4F45-9708-019B960494DF}">
+              <a14:hiddenLine xmlns:a14="http://schemas.microsoft.com/office/drawing/2010/main" w="9525">
+                <a:solidFill>
+                  <a:schemeClr val="tx1"/>
+                </a:solidFill>
+                <a:miter lim="800000"/>
+                <a:headEnd/>
+                <a:tailEnd/>
+              </a14:hiddenLine>
+            </a:ext>
+          </a:extLst>
+        </p:spPr>
+      </p:pic>
+      <p:cxnSp>
+        <p:nvCxnSpPr>
+          <p:cNvPr id="15" name="Straight Connector 14"/>
+          <p:cNvCxnSpPr/>
+          <p:nvPr/>
+        </p:nvCxnSpPr>
+        <p:spPr>
+          <a:xfrm>
+            <a:off x="1015994" y="6036742"/>
+            <a:ext cx="10532533" cy="0"/>
+          </a:xfrm>
+          <a:prstGeom prst="line">
+            <a:avLst/>
+          </a:prstGeom>
+          <a:ln w="19050">
+            <a:solidFill>
+              <a:schemeClr val="tx2"/>
+            </a:solidFill>
+            <a:prstDash val="solid"/>
+          </a:ln>
+        </p:spPr>
+        <p:style>
+          <a:lnRef idx="1">
+            <a:schemeClr val="accent1"/>
+          </a:lnRef>
+          <a:fillRef idx="0">
+            <a:schemeClr val="accent1"/>
+          </a:fillRef>
+          <a:effectRef idx="0">
+            <a:schemeClr val="accent1"/>
+          </a:effectRef>
+          <a:fontRef idx="minor">
+            <a:schemeClr val="tx1"/>
+          </a:fontRef>
+        </p:style>
+      </p:cxnSp>
+      <p:pic>
+        <p:nvPicPr>
+          <p:cNvPr id="21" name="Picture 2" descr="C:\Users\ssen1005\Desktop\PGDML\107\loan\corr_matrix.png"/>
+          <p:cNvPicPr>
+            <a:picLocks noChangeAspect="1" noChangeArrowheads="1"/>
+          </p:cNvPicPr>
+          <p:nvPr/>
+        </p:nvPicPr>
+        <p:blipFill>
+          <a:blip r:embed="rId3">
+            <a:extLst>
+              <a:ext uri="{28A0092B-C50C-407E-A947-70E740481C1C}">
+                <a14:useLocalDpi xmlns:a14="http://schemas.microsoft.com/office/drawing/2010/main" val="0"/>
+              </a:ext>
+            </a:extLst>
+          </a:blip>
+          <a:srcRect/>
+          <a:stretch>
+            <a:fillRect/>
+          </a:stretch>
+        </p:blipFill>
+        <p:spPr bwMode="auto">
+          <a:xfrm>
+            <a:off x="1376252" y="1889449"/>
+            <a:ext cx="5640446" cy="4121887"/>
+          </a:xfrm>
+          <a:prstGeom prst="rect">
+            <a:avLst/>
+          </a:prstGeom>
+          <a:noFill/>
+          <a:extLst>
+            <a:ext uri="{909E8E84-426E-40DD-AFC4-6F175D3DCCD1}">
+              <a14:hiddenFill xmlns:a14="http://schemas.microsoft.com/office/drawing/2010/main">
+                <a:solidFill>
+                  <a:srgbClr val="FFFFFF"/>
+                </a:solidFill>
+              </a14:hiddenFill>
+            </a:ext>
+          </a:extLst>
+        </p:spPr>
+      </p:pic>
+      <p:sp>
+        <p:nvSpPr>
+          <p:cNvPr id="22" name="TextBox 21"/>
+          <p:cNvSpPr txBox="1"/>
+          <p:nvPr/>
+        </p:nvSpPr>
+        <p:spPr>
+          <a:xfrm>
+            <a:off x="3421655" y="1620663"/>
+            <a:ext cx="1648455" cy="307777"/>
+          </a:xfrm>
+          <a:prstGeom prst="rect">
+            <a:avLst/>
+          </a:prstGeom>
+          <a:noFill/>
+        </p:spPr>
+        <p:txBody>
+          <a:bodyPr wrap="square" rtlCol="0">
+            <a:spAutoFit/>
+          </a:bodyPr>
+          <a:lstStyle/>
+          <a:p>
+            <a:pPr algn="ctr"/>
+            <a:r>
+              <a:rPr lang="en-US" sz="1400" b="1" dirty="0" smtClean="0">
+                <a:latin typeface="Times New Roman" panose="02020603050405020304" pitchFamily="18" charset="0"/>
+                <a:cs typeface="Times New Roman" panose="02020603050405020304" pitchFamily="18" charset="0"/>
+              </a:rPr>
+              <a:t>Correlation Matrix</a:t>
+            </a:r>
+            <a:endParaRPr lang="en-US" sz="1400" b="1" dirty="0">
+              <a:latin typeface="Times New Roman" panose="02020603050405020304" pitchFamily="18" charset="0"/>
+              <a:cs typeface="Times New Roman" panose="02020603050405020304" pitchFamily="18" charset="0"/>
+            </a:endParaRPr>
+          </a:p>
+        </p:txBody>
+      </p:sp>
+      <p:sp>
+        <p:nvSpPr>
+          <p:cNvPr id="23" name="TextBox 22"/>
+          <p:cNvSpPr txBox="1"/>
+          <p:nvPr/>
+        </p:nvSpPr>
+        <p:spPr>
+          <a:xfrm>
+            <a:off x="7052107" y="2164517"/>
+            <a:ext cx="4081560" cy="3108543"/>
+          </a:xfrm>
+          <a:prstGeom prst="rect">
+            <a:avLst/>
+          </a:prstGeom>
+          <a:noFill/>
+        </p:spPr>
+        <p:txBody>
+          <a:bodyPr wrap="square" rtlCol="0">
+            <a:spAutoFit/>
+          </a:bodyPr>
+          <a:lstStyle/>
+          <a:p>
+            <a:pPr marL="285750" indent="-285750">
+              <a:buFont typeface="Arial" panose="020B0604020202020204" pitchFamily="34" charset="0"/>
+              <a:buChar char="•"/>
+            </a:pPr>
+            <a:r>
+              <a:rPr lang="en-US" b="1" dirty="0" smtClean="0">
+                <a:latin typeface="Times New Roman" panose="02020603050405020304" pitchFamily="18" charset="0"/>
+                <a:cs typeface="Times New Roman" panose="02020603050405020304" pitchFamily="18" charset="0"/>
+              </a:rPr>
+              <a:t>Two clusters</a:t>
+            </a:r>
+            <a:r>
+              <a:rPr lang="en-US" dirty="0" smtClean="0">
+                <a:latin typeface="Times New Roman" panose="02020603050405020304" pitchFamily="18" charset="0"/>
+                <a:cs typeface="Times New Roman" panose="02020603050405020304" pitchFamily="18" charset="0"/>
+              </a:rPr>
+              <a:t> which are </a:t>
+            </a:r>
+            <a:r>
+              <a:rPr lang="en-US" b="1" dirty="0" smtClean="0">
+                <a:latin typeface="Times New Roman" panose="02020603050405020304" pitchFamily="18" charset="0"/>
+                <a:cs typeface="Times New Roman" panose="02020603050405020304" pitchFamily="18" charset="0"/>
+              </a:rPr>
+              <a:t>highly correlated</a:t>
+            </a:r>
+            <a:r>
+              <a:rPr lang="en-US" dirty="0" smtClean="0">
+                <a:latin typeface="Times New Roman" panose="02020603050405020304" pitchFamily="18" charset="0"/>
+                <a:cs typeface="Times New Roman" panose="02020603050405020304" pitchFamily="18" charset="0"/>
+              </a:rPr>
+              <a:t> among each other – </a:t>
+            </a:r>
+            <a:endParaRPr lang="en-US" dirty="0" smtClean="0">
+              <a:latin typeface="Times New Roman" panose="02020603050405020304" pitchFamily="18" charset="0"/>
+              <a:cs typeface="Times New Roman" panose="02020603050405020304" pitchFamily="18" charset="0"/>
+            </a:endParaRPr>
+          </a:p>
+          <a:p>
+            <a:pPr marL="742950" lvl="1" indent="-285750">
+              <a:buFont typeface="Arial" panose="020B0604020202020204" pitchFamily="34" charset="0"/>
+              <a:buChar char="•"/>
+            </a:pPr>
+            <a:r>
+              <a:rPr lang="en-US" sz="1600" b="1" dirty="0" smtClean="0">
+                <a:latin typeface="Times New Roman" panose="02020603050405020304" pitchFamily="18" charset="0"/>
+                <a:cs typeface="Times New Roman" panose="02020603050405020304" pitchFamily="18" charset="0"/>
+              </a:rPr>
+              <a:t>Loan Amount</a:t>
+            </a:r>
+            <a:r>
+              <a:rPr lang="en-US" sz="1600" dirty="0" smtClean="0">
+                <a:latin typeface="Times New Roman" panose="02020603050405020304" pitchFamily="18" charset="0"/>
+                <a:cs typeface="Times New Roman" panose="02020603050405020304" pitchFamily="18" charset="0"/>
+              </a:rPr>
+              <a:t>, </a:t>
+            </a:r>
+            <a:r>
+              <a:rPr lang="en-US" sz="1600" b="1" dirty="0" smtClean="0">
+                <a:latin typeface="Times New Roman" panose="02020603050405020304" pitchFamily="18" charset="0"/>
+                <a:cs typeface="Times New Roman" panose="02020603050405020304" pitchFamily="18" charset="0"/>
+              </a:rPr>
+              <a:t>Funded Amount </a:t>
+            </a:r>
+            <a:r>
+              <a:rPr lang="en-US" sz="1600" dirty="0" smtClean="0">
+                <a:latin typeface="Times New Roman" panose="02020603050405020304" pitchFamily="18" charset="0"/>
+                <a:cs typeface="Times New Roman" panose="02020603050405020304" pitchFamily="18" charset="0"/>
+              </a:rPr>
+              <a:t>&amp; </a:t>
+            </a:r>
+            <a:r>
+              <a:rPr lang="en-US" sz="1600" b="1" dirty="0" smtClean="0">
+                <a:latin typeface="Times New Roman" panose="02020603050405020304" pitchFamily="18" charset="0"/>
+                <a:cs typeface="Times New Roman" panose="02020603050405020304" pitchFamily="18" charset="0"/>
+              </a:rPr>
+              <a:t>Funded Amount Investment </a:t>
+            </a:r>
+            <a:r>
+              <a:rPr lang="en-US" sz="1600" dirty="0" smtClean="0">
+                <a:latin typeface="Times New Roman" panose="02020603050405020304" pitchFamily="18" charset="0"/>
+                <a:cs typeface="Times New Roman" panose="02020603050405020304" pitchFamily="18" charset="0"/>
+              </a:rPr>
+              <a:t>are very highly correlated amongst each other</a:t>
+            </a:r>
+          </a:p>
+          <a:p>
+            <a:pPr marL="742950" lvl="1" indent="-285750">
+              <a:buFont typeface="Arial" panose="020B0604020202020204" pitchFamily="34" charset="0"/>
+              <a:buChar char="•"/>
+            </a:pPr>
+            <a:r>
+              <a:rPr lang="en-US" sz="1600" b="1" dirty="0" smtClean="0">
+                <a:latin typeface="Times New Roman" panose="02020603050405020304" pitchFamily="18" charset="0"/>
+                <a:cs typeface="Times New Roman" panose="02020603050405020304" pitchFamily="18" charset="0"/>
+              </a:rPr>
+              <a:t>Total Payment</a:t>
+            </a:r>
+            <a:r>
+              <a:rPr lang="en-US" sz="1600" dirty="0" smtClean="0">
+                <a:latin typeface="Times New Roman" panose="02020603050405020304" pitchFamily="18" charset="0"/>
+                <a:cs typeface="Times New Roman" panose="02020603050405020304" pitchFamily="18" charset="0"/>
+              </a:rPr>
+              <a:t>, </a:t>
+            </a:r>
+            <a:r>
+              <a:rPr lang="en-US" sz="1600" b="1" dirty="0" smtClean="0">
+                <a:latin typeface="Times New Roman" panose="02020603050405020304" pitchFamily="18" charset="0"/>
+                <a:cs typeface="Times New Roman" panose="02020603050405020304" pitchFamily="18" charset="0"/>
+              </a:rPr>
+              <a:t>Total Payment Investment</a:t>
+            </a:r>
+            <a:r>
+              <a:rPr lang="en-US" sz="1600" dirty="0" smtClean="0">
+                <a:latin typeface="Times New Roman" panose="02020603050405020304" pitchFamily="18" charset="0"/>
+                <a:cs typeface="Times New Roman" panose="02020603050405020304" pitchFamily="18" charset="0"/>
+              </a:rPr>
+              <a:t>, </a:t>
+            </a:r>
+            <a:r>
+              <a:rPr lang="en-US" sz="1600" b="1" dirty="0" smtClean="0">
+                <a:latin typeface="Times New Roman" panose="02020603050405020304" pitchFamily="18" charset="0"/>
+                <a:cs typeface="Times New Roman" panose="02020603050405020304" pitchFamily="18" charset="0"/>
+              </a:rPr>
+              <a:t>Total Received Principal</a:t>
+            </a:r>
+            <a:r>
+              <a:rPr lang="en-US" sz="1600" dirty="0">
+                <a:latin typeface="Times New Roman" panose="02020603050405020304" pitchFamily="18" charset="0"/>
+                <a:cs typeface="Times New Roman" panose="02020603050405020304" pitchFamily="18" charset="0"/>
+              </a:rPr>
+              <a:t> </a:t>
+            </a:r>
+            <a:r>
+              <a:rPr lang="en-US" sz="1600" dirty="0" smtClean="0">
+                <a:latin typeface="Times New Roman" panose="02020603050405020304" pitchFamily="18" charset="0"/>
+                <a:cs typeface="Times New Roman" panose="02020603050405020304" pitchFamily="18" charset="0"/>
+              </a:rPr>
+              <a:t>&amp;</a:t>
+            </a:r>
+            <a:r>
+              <a:rPr lang="en-US" sz="1600" b="1" dirty="0" smtClean="0">
+                <a:latin typeface="Times New Roman" panose="02020603050405020304" pitchFamily="18" charset="0"/>
+                <a:cs typeface="Times New Roman" panose="02020603050405020304" pitchFamily="18" charset="0"/>
+              </a:rPr>
+              <a:t> Total Received Interest </a:t>
+            </a:r>
+            <a:r>
+              <a:rPr lang="en-US" sz="1600" dirty="0" smtClean="0">
+                <a:latin typeface="Times New Roman" panose="02020603050405020304" pitchFamily="18" charset="0"/>
+                <a:cs typeface="Times New Roman" panose="02020603050405020304" pitchFamily="18" charset="0"/>
+              </a:rPr>
+              <a:t>are highly correlated amongst each other</a:t>
+            </a:r>
+          </a:p>
+          <a:p>
+            <a:pPr marL="285750" indent="-285750">
+              <a:buFont typeface="Arial" panose="020B0604020202020204" pitchFamily="34" charset="0"/>
+              <a:buChar char="•"/>
+            </a:pPr>
+            <a:r>
+              <a:rPr lang="en-US" sz="1600" dirty="0" smtClean="0">
+                <a:latin typeface="Times New Roman" panose="02020603050405020304" pitchFamily="18" charset="0"/>
+                <a:cs typeface="Times New Roman" panose="02020603050405020304" pitchFamily="18" charset="0"/>
+              </a:rPr>
+              <a:t>These variables are </a:t>
+            </a:r>
+            <a:r>
+              <a:rPr lang="en-US" sz="1600" b="1" dirty="0" smtClean="0">
+                <a:latin typeface="Times New Roman" panose="02020603050405020304" pitchFamily="18" charset="0"/>
+                <a:cs typeface="Times New Roman" panose="02020603050405020304" pitchFamily="18" charset="0"/>
+              </a:rPr>
+              <a:t>positively</a:t>
+            </a:r>
+            <a:r>
+              <a:rPr lang="en-US" sz="1600" dirty="0" smtClean="0">
+                <a:latin typeface="Times New Roman" panose="02020603050405020304" pitchFamily="18" charset="0"/>
+                <a:cs typeface="Times New Roman" panose="02020603050405020304" pitchFamily="18" charset="0"/>
+              </a:rPr>
+              <a:t> dependent on each other.</a:t>
+            </a:r>
+            <a:endParaRPr lang="en-US" sz="1600" dirty="0" smtClean="0">
+              <a:latin typeface="Times New Roman" panose="02020603050405020304" pitchFamily="18" charset="0"/>
+              <a:cs typeface="Times New Roman" panose="02020603050405020304" pitchFamily="18" charset="0"/>
+            </a:endParaRPr>
+          </a:p>
+        </p:txBody>
+      </p:sp>
+    </p:spTree>
+    <p:extLst>
+      <p:ext uri="{BB962C8B-B14F-4D97-AF65-F5344CB8AC3E}">
+        <p14:creationId xmlns:p14="http://schemas.microsoft.com/office/powerpoint/2010/main" val="1871492052"/>
+      </p:ext>
+    </p:extLst>
+  </p:cSld>
+  <p:clrMapOvr>
+    <a:masterClrMapping/>
+  </p:clrMapOvr>
+  <p:timing>
+    <p:tnLst>
+      <p:par>
+        <p:cTn id="1" dur="indefinite" restart="never" nodeType="tmRoot"/>
+      </p:par>
+    </p:tnLst>
+  </p:timing>
+</p:sld>
+</file>
+
+<file path=ppt/slides/slide13.xml><?xml version="1.0" encoding="utf-8"?>
 <p:sld xmlns:a="http://schemas.openxmlformats.org/drawingml/2006/main" xmlns:r="http://schemas.openxmlformats.org/officeDocument/2006/relationships" xmlns:p="http://schemas.openxmlformats.org/presentationml/2006/main">
   <p:cSld>
     <p:spTree>
@@ -15457,7 +16520,7 @@
                 <a:latin typeface="Times New Roman" panose="02020603050405020304" pitchFamily="18" charset="0"/>
                 <a:cs typeface="Times New Roman" panose="02020603050405020304" pitchFamily="18" charset="0"/>
               </a:rPr>
-              <a:t>default. Also, when looked at the Verification Status, majority of the Applicant were found Verified for the same term. </a:t>
+              <a:t>default. Also, when looked at the Verification Status, majority of the Applicant’s income sources were found Verified for the same term. </a:t>
             </a:r>
             <a:r>
               <a:rPr lang="en-US" sz="1200" b="1" i="1" dirty="0">
@@ -15489,13 +16552,6 @@
               </a:rPr>
               <a:t>can scrutinize the verification process to understand specific trait of Borrower’s at default.”</a:t>
             </a:r>
-            <a:endParaRPr lang="en-US" sz="1200" i="1" dirty="0" smtClean="0">
-              <a:solidFill>
-                <a:schemeClr val="tx1"/>
-              </a:solidFill>
-              <a:latin typeface="Times New Roman" panose="02020603050405020304" pitchFamily="18" charset="0"/>
-              <a:cs typeface="Times New Roman" panose="02020603050405020304" pitchFamily="18" charset="0"/>
-            </a:endParaRPr>
           </a:p>
         </p:txBody>
       </p:sp>
@@ -17218,7 +18274,7 @@
                 <a:latin typeface="Times New Roman" panose="02020603050405020304" pitchFamily="18" charset="0"/>
                 <a:cs typeface="Times New Roman" panose="02020603050405020304" pitchFamily="18" charset="0"/>
               </a:rPr>
-              <a:t>sub categories</a:t>
+              <a:t>sub grades</a:t>
             </a:r>
             <a:r>
               <a:rPr lang="en-US" dirty="0" smtClean="0">
@@ -17281,7 +18337,7 @@
           <a:lstStyle/>
           <a:p>
             <a:pPr algn="ctr"/>
-            <a:endParaRPr lang="en-US"/>
+            <a:endParaRPr lang="en-US" dirty="0"/>
           </a:p>
         </p:txBody>
       </p:sp>
@@ -17653,7 +18709,7 @@
       </p:grpSpPr>
       <p:sp>
         <p:nvSpPr>
-          <p:cNvPr id="5" name="Title 1"/>
+          <p:cNvPr id="4" name="Title 1"/>
           <p:cNvSpPr>
             <a:spLocks noGrp="1"/>
           </p:cNvSpPr>
@@ -17675,74 +18731,118 @@
           <a:p>
             <a:r>
               <a:rPr lang="en-IN" b="1" dirty="0" smtClean="0"/>
-              <a:t>Driver </a:t>
-            </a:r>
-            <a:r>
-              <a:rPr lang="en-IN" b="1" dirty="0"/>
-              <a:t>Analysis</a:t>
+              <a:t>Hypothesis – </a:t>
+            </a:r>
+            <a:r>
+              <a:rPr lang="en-IN" b="1" dirty="0" smtClean="0"/>
+              <a:t>IV</a:t>
             </a:r>
             <a:br>
-              <a:rPr lang="en-IN" b="1" dirty="0"/>
+              <a:rPr lang="en-IN" b="1" dirty="0" smtClean="0"/>
             </a:br>
             <a:r>
               <a:rPr lang="en-IN" sz="3100" i="1" dirty="0" smtClean="0"/>
-              <a:t>Continuous Variables</a:t>
-            </a:r>
-            <a:endParaRPr lang="en-IN" sz="3600" i="1" dirty="0"/>
+              <a:t>How does </a:t>
+            </a:r>
+            <a:r>
+              <a:rPr lang="en-IN" sz="3100" i="1" dirty="0"/>
+              <a:t>Revolving line utilization </a:t>
+            </a:r>
+            <a:r>
+              <a:rPr lang="en-IN" sz="3100" i="1" dirty="0" smtClean="0"/>
+              <a:t>rate impacts Loan Status?</a:t>
+            </a:r>
+            <a:endParaRPr lang="en-IN" sz="3100" i="1" dirty="0"/>
           </a:p>
         </p:txBody>
       </p:sp>
-      <p:pic>
-        <p:nvPicPr>
-          <p:cNvPr id="1026" name="Picture 2" descr="C:\Users\ssen1005\Desktop\PGDML\107\loan\corr_matrix.png"/>
-          <p:cNvPicPr>
-            <a:picLocks noChangeAspect="1" noChangeArrowheads="1"/>
-          </p:cNvPicPr>
+      <p:sp>
+        <p:nvSpPr>
+          <p:cNvPr id="6" name="Rectangle 5"/>
+          <p:cNvSpPr/>
           <p:nvPr/>
-        </p:nvPicPr>
-        <p:blipFill>
-          <a:blip r:embed="rId2">
-            <a:extLst>
-              <a:ext uri="{28A0092B-C50C-407E-A947-70E740481C1C}">
-                <a14:useLocalDpi xmlns:a14="http://schemas.microsoft.com/office/drawing/2010/main" val="0"/>
-              </a:ext>
-            </a:extLst>
-          </a:blip>
-          <a:srcRect/>
-          <a:stretch>
-            <a:fillRect/>
-          </a:stretch>
-        </p:blipFill>
-        <p:spPr bwMode="auto">
+        </p:nvSpPr>
+        <p:spPr>
           <a:xfrm>
-            <a:off x="1158036" y="1922397"/>
-            <a:ext cx="4661525" cy="3467915"/>
+            <a:off x="1836624" y="6045208"/>
+            <a:ext cx="9381711" cy="660393"/>
           </a:xfrm>
           <a:prstGeom prst="rect">
             <a:avLst/>
           </a:prstGeom>
           <a:noFill/>
-          <a:extLst>
-            <a:ext uri="{909E8E84-426E-40DD-AFC4-6F175D3DCCD1}">
-              <a14:hiddenFill xmlns:a14="http://schemas.microsoft.com/office/drawing/2010/main">
+          <a:ln>
+            <a:noFill/>
+          </a:ln>
+        </p:spPr>
+        <p:style>
+          <a:lnRef idx="1">
+            <a:schemeClr val="accent5"/>
+          </a:lnRef>
+          <a:fillRef idx="2">
+            <a:schemeClr val="accent5"/>
+          </a:fillRef>
+          <a:effectRef idx="1">
+            <a:schemeClr val="accent5"/>
+          </a:effectRef>
+          <a:fontRef idx="minor">
+            <a:schemeClr val="dk1"/>
+          </a:fontRef>
+        </p:style>
+        <p:txBody>
+          <a:bodyPr rtlCol="0" anchor="t"/>
+          <a:lstStyle/>
+          <a:p>
+            <a:r>
+              <a:rPr lang="en-US" sz="1200" i="1" dirty="0" smtClean="0">
                 <a:solidFill>
-                  <a:srgbClr val="FFFFFF"/>
+                  <a:schemeClr val="tx1"/>
                 </a:solidFill>
-              </a14:hiddenFill>
-            </a:ext>
-          </a:extLst>
-        </p:spPr>
-      </p:pic>
+                <a:latin typeface="Times New Roman" panose="02020603050405020304" pitchFamily="18" charset="0"/>
+                <a:cs typeface="Times New Roman" panose="02020603050405020304" pitchFamily="18" charset="0"/>
+              </a:rPr>
+              <a:t>“</a:t>
+            </a:r>
+            <a:r>
+              <a:rPr lang="en-US" sz="1200" dirty="0">
+                <a:solidFill>
+                  <a:schemeClr val="tx1"/>
+                </a:solidFill>
+                <a:latin typeface="Times New Roman" panose="02020603050405020304" pitchFamily="18" charset="0"/>
+                <a:cs typeface="Times New Roman" panose="02020603050405020304" pitchFamily="18" charset="0"/>
+              </a:rPr>
+              <a:t>With the Increase in revolving line of utilization rate the chances of default increases</a:t>
+            </a:r>
+            <a:r>
+              <a:rPr lang="en-US" sz="1200" i="1" dirty="0" smtClean="0">
+                <a:solidFill>
+                  <a:schemeClr val="tx1"/>
+                </a:solidFill>
+                <a:latin typeface="Times New Roman" panose="02020603050405020304" pitchFamily="18" charset="0"/>
+                <a:cs typeface="Times New Roman" panose="02020603050405020304" pitchFamily="18" charset="0"/>
+              </a:rPr>
+              <a:t>”</a:t>
+            </a:r>
+            <a:endParaRPr lang="en-US" sz="1200" i="1" dirty="0" smtClean="0">
+              <a:solidFill>
+                <a:schemeClr val="tx1"/>
+              </a:solidFill>
+              <a:latin typeface="Times New Roman" panose="02020603050405020304" pitchFamily="18" charset="0"/>
+              <a:cs typeface="Times New Roman" panose="02020603050405020304" pitchFamily="18" charset="0"/>
+            </a:endParaRPr>
+          </a:p>
+        </p:txBody>
+      </p:sp>
       <p:sp>
         <p:nvSpPr>
-          <p:cNvPr id="2" name="Rounded Rectangle 1"/>
+          <p:cNvPr id="10" name="Rounded Rectangle 9"/>
           <p:cNvSpPr/>
           <p:nvPr/>
         </p:nvSpPr>
         <p:spPr>
           <a:xfrm>
-            <a:off x="1030019" y="1566333"/>
-            <a:ext cx="10687848" cy="4847899"/>
+            <a:off x="1015994" y="1650999"/>
+            <a:ext cx="10532533" cy="5122333"/>
           </a:xfrm>
           <a:prstGeom prst="roundRect">
             <a:avLst/>
@@ -17780,16 +18880,106 @@
           </a:p>
         </p:txBody>
       </p:sp>
+      <p:pic>
+        <p:nvPicPr>
+          <p:cNvPr id="2052" name="Picture 4"/>
+          <p:cNvPicPr>
+            <a:picLocks noChangeAspect="1" noChangeArrowheads="1"/>
+          </p:cNvPicPr>
+          <p:nvPr/>
+        </p:nvPicPr>
+        <p:blipFill>
+          <a:blip r:embed="rId2" cstate="print">
+            <a:extLst>
+              <a:ext uri="{28A0092B-C50C-407E-A947-70E740481C1C}">
+                <a14:useLocalDpi xmlns:a14="http://schemas.microsoft.com/office/drawing/2010/main" val="0"/>
+              </a:ext>
+            </a:extLst>
+          </a:blip>
+          <a:srcRect/>
+          <a:stretch>
+            <a:fillRect/>
+          </a:stretch>
+        </p:blipFill>
+        <p:spPr bwMode="auto">
+          <a:xfrm>
+            <a:off x="1376252" y="6075004"/>
+            <a:ext cx="477398" cy="507445"/>
+          </a:xfrm>
+          <a:prstGeom prst="rect">
+            <a:avLst/>
+          </a:prstGeom>
+          <a:noFill/>
+          <a:ln>
+            <a:noFill/>
+          </a:ln>
+          <a:extLst>
+            <a:ext uri="{909E8E84-426E-40DD-AFC4-6F175D3DCCD1}">
+              <a14:hiddenFill xmlns:a14="http://schemas.microsoft.com/office/drawing/2010/main">
+                <a:solidFill>
+                  <a:schemeClr val="accent1"/>
+                </a:solidFill>
+              </a14:hiddenFill>
+            </a:ext>
+            <a:ext uri="{91240B29-F687-4F45-9708-019B960494DF}">
+              <a14:hiddenLine xmlns:a14="http://schemas.microsoft.com/office/drawing/2010/main" w="9525">
+                <a:solidFill>
+                  <a:schemeClr val="tx1"/>
+                </a:solidFill>
+                <a:miter lim="800000"/>
+                <a:headEnd/>
+                <a:tailEnd/>
+              </a14:hiddenLine>
+            </a:ext>
+          </a:extLst>
+        </p:spPr>
+      </p:pic>
+      <p:cxnSp>
+        <p:nvCxnSpPr>
+          <p:cNvPr id="15" name="Straight Connector 14"/>
+          <p:cNvCxnSpPr/>
+          <p:nvPr/>
+        </p:nvCxnSpPr>
+        <p:spPr>
+          <a:xfrm>
+            <a:off x="1015994" y="6036742"/>
+            <a:ext cx="10532533" cy="0"/>
+          </a:xfrm>
+          <a:prstGeom prst="line">
+            <a:avLst/>
+          </a:prstGeom>
+          <a:ln w="19050">
+            <a:solidFill>
+              <a:schemeClr val="tx2"/>
+            </a:solidFill>
+            <a:prstDash val="solid"/>
+          </a:ln>
+        </p:spPr>
+        <p:style>
+          <a:lnRef idx="1">
+            <a:schemeClr val="accent1"/>
+          </a:lnRef>
+          <a:fillRef idx="0">
+            <a:schemeClr val="accent1"/>
+          </a:fillRef>
+          <a:effectRef idx="0">
+            <a:schemeClr val="accent1"/>
+          </a:effectRef>
+          <a:fontRef idx="minor">
+            <a:schemeClr val="tx1"/>
+          </a:fontRef>
+        </p:style>
+      </p:cxnSp>
       <p:sp>
         <p:nvSpPr>
-          <p:cNvPr id="3" name="TextBox 2"/>
+          <p:cNvPr id="20" name="TextBox 19"/>
           <p:cNvSpPr txBox="1"/>
           <p:nvPr/>
         </p:nvSpPr>
         <p:spPr>
           <a:xfrm>
-            <a:off x="2591889" y="1595262"/>
-            <a:ext cx="1648455" cy="307777"/>
+            <a:off x="6798733" y="2314014"/>
+            <a:ext cx="4216400" cy="3139321"/>
           </a:xfrm>
           <a:prstGeom prst="rect">
             <a:avLst/>
@@ -17802,96 +18992,132 @@
           </a:bodyPr>
           <a:lstStyle/>
           <a:p>
-            <a:pPr algn="ctr"/>
-            <a:r>
-              <a:rPr lang="en-US" sz="1400" b="1" dirty="0" smtClean="0">
+            <a:pPr marL="285750" indent="-285750">
+              <a:buFont typeface="Arial" panose="020B0604020202020204" pitchFamily="34" charset="0"/>
+              <a:buChar char="•"/>
+            </a:pPr>
+            <a:r>
+              <a:rPr lang="en-US" dirty="0">
                 <a:latin typeface="Times New Roman" panose="02020603050405020304" pitchFamily="18" charset="0"/>
                 <a:cs typeface="Times New Roman" panose="02020603050405020304" pitchFamily="18" charset="0"/>
               </a:rPr>
-              <a:t>Correlation Matrix</a:t>
-            </a:r>
-            <a:endParaRPr lang="en-US" sz="1400" b="1" dirty="0">
+              <a:t>We have created the point plots and box plots with revolving line utilization rate and loan status to study the behavior of the revolving line utilization rate and it’s impacts on loan </a:t>
+            </a:r>
+            <a:r>
+              <a:rPr lang="en-US" dirty="0" smtClean="0">
+                <a:latin typeface="Times New Roman" panose="02020603050405020304" pitchFamily="18" charset="0"/>
+                <a:cs typeface="Times New Roman" panose="02020603050405020304" pitchFamily="18" charset="0"/>
+              </a:rPr>
+              <a:t>default</a:t>
+            </a:r>
+          </a:p>
+          <a:p>
+            <a:endParaRPr lang="en-US" dirty="0">
               <a:latin typeface="Times New Roman" panose="02020603050405020304" pitchFamily="18" charset="0"/>
               <a:cs typeface="Times New Roman" panose="02020603050405020304" pitchFamily="18" charset="0"/>
             </a:endParaRPr>
           </a:p>
+          <a:p>
+            <a:pPr marL="285750" indent="-285750">
+              <a:buFont typeface="Arial" panose="020B0604020202020204" pitchFamily="34" charset="0"/>
+              <a:buChar char="•"/>
+            </a:pPr>
+            <a:r>
+              <a:rPr lang="en-US" dirty="0">
+                <a:latin typeface="Times New Roman" panose="02020603050405020304" pitchFamily="18" charset="0"/>
+                <a:cs typeface="Times New Roman" panose="02020603050405020304" pitchFamily="18" charset="0"/>
+              </a:rPr>
+              <a:t>From the plots, it can be said that higher the value of this Revolving balance utility rate , greater is the chance of loan default as we can observe the median quite high for defaulted loans.</a:t>
+            </a:r>
+            <a:endParaRPr lang="en-US" b="1" dirty="0">
+              <a:latin typeface="Times New Roman" panose="02020603050405020304" pitchFamily="18" charset="0"/>
+              <a:cs typeface="Times New Roman" panose="02020603050405020304" pitchFamily="18" charset="0"/>
+            </a:endParaRPr>
+          </a:p>
         </p:txBody>
       </p:sp>
-      <p:sp>
-        <p:nvSpPr>
-          <p:cNvPr id="6" name="TextBox 5"/>
-          <p:cNvSpPr txBox="1"/>
+      <p:pic>
+        <p:nvPicPr>
+          <p:cNvPr id="21" name="Picture 20">
+            <a:extLst>
+              <a:ext uri="{FF2B5EF4-FFF2-40B4-BE49-F238E27FC236}">
+                <a16:creationId xmlns:a16="http://schemas.microsoft.com/office/drawing/2014/main" xmlns="" id="{2DC80B39-0422-4336-B2D5-303415DDF444}"/>
+              </a:ext>
+            </a:extLst>
+          </p:cNvPr>
+          <p:cNvPicPr>
+            <a:picLocks noChangeAspect="1"/>
+          </p:cNvPicPr>
           <p:nvPr/>
-        </p:nvSpPr>
+        </p:nvPicPr>
+        <p:blipFill>
+          <a:blip r:embed="rId3">
+            <a:extLst>
+              <a:ext uri="{28A0092B-C50C-407E-A947-70E740481C1C}">
+                <a14:useLocalDpi xmlns:a14="http://schemas.microsoft.com/office/drawing/2010/main" val="0"/>
+              </a:ext>
+            </a:extLst>
+          </a:blip>
+          <a:stretch>
+            <a:fillRect/>
+          </a:stretch>
+        </p:blipFill>
         <p:spPr>
           <a:xfrm>
-            <a:off x="1106717" y="5525784"/>
-            <a:ext cx="4978520" cy="923330"/>
+            <a:off x="1539731" y="2082356"/>
+            <a:ext cx="5054782" cy="1676401"/>
           </a:xfrm>
           <a:prstGeom prst="rect">
             <a:avLst/>
           </a:prstGeom>
-          <a:noFill/>
         </p:spPr>
-        <p:txBody>
-          <a:bodyPr wrap="square" rtlCol="0">
-            <a:spAutoFit/>
-          </a:bodyPr>
-          <a:lstStyle/>
-          <a:p>
-            <a:pPr marL="285750" indent="-285750">
-              <a:buFont typeface="Arial" panose="020B0604020202020204" pitchFamily="34" charset="0"/>
-              <a:buChar char="•"/>
-            </a:pPr>
-            <a:r>
-              <a:rPr lang="en-US" dirty="0" smtClean="0">
-                <a:latin typeface="Times New Roman" panose="02020603050405020304" pitchFamily="18" charset="0"/>
-                <a:cs typeface="Times New Roman" panose="02020603050405020304" pitchFamily="18" charset="0"/>
-              </a:rPr>
-              <a:t>Two clusters which are highly correlated among each other – </a:t>
-            </a:r>
-            <a:r>
-              <a:rPr lang="en-US" b="1" dirty="0" smtClean="0">
-                <a:latin typeface="Times New Roman" panose="02020603050405020304" pitchFamily="18" charset="0"/>
-                <a:cs typeface="Times New Roman" panose="02020603050405020304" pitchFamily="18" charset="0"/>
-              </a:rPr>
-              <a:t>Loan Fund </a:t>
-            </a:r>
-            <a:r>
-              <a:rPr lang="en-US" dirty="0" smtClean="0">
-                <a:latin typeface="Times New Roman" panose="02020603050405020304" pitchFamily="18" charset="0"/>
-                <a:cs typeface="Times New Roman" panose="02020603050405020304" pitchFamily="18" charset="0"/>
-              </a:rPr>
-              <a:t>vs</a:t>
-            </a:r>
-            <a:r>
-              <a:rPr lang="en-US" b="1" dirty="0" smtClean="0">
-                <a:latin typeface="Times New Roman" panose="02020603050405020304" pitchFamily="18" charset="0"/>
-                <a:cs typeface="Times New Roman" panose="02020603050405020304" pitchFamily="18" charset="0"/>
-              </a:rPr>
-              <a:t> Total Payment</a:t>
-            </a:r>
-          </a:p>
-        </p:txBody>
-      </p:sp>
+      </p:pic>
+      <p:pic>
+        <p:nvPicPr>
+          <p:cNvPr id="22" name="Picture 21">
+            <a:extLst>
+              <a:ext uri="{FF2B5EF4-FFF2-40B4-BE49-F238E27FC236}">
+                <a16:creationId xmlns:a16="http://schemas.microsoft.com/office/drawing/2014/main" xmlns="" id="{CB7EE283-FC18-4B4F-A228-243903BA9E0E}"/>
+              </a:ext>
+            </a:extLst>
+          </p:cNvPr>
+          <p:cNvPicPr>
+            <a:picLocks noChangeAspect="1"/>
+          </p:cNvPicPr>
+          <p:nvPr/>
+        </p:nvPicPr>
+        <p:blipFill>
+          <a:blip r:embed="rId4" cstate="print">
+            <a:extLst>
+              <a:ext uri="{28A0092B-C50C-407E-A947-70E740481C1C}">
+                <a14:useLocalDpi xmlns:a14="http://schemas.microsoft.com/office/drawing/2010/main" val="0"/>
+              </a:ext>
+            </a:extLst>
+          </a:blip>
+          <a:stretch>
+            <a:fillRect/>
+          </a:stretch>
+        </p:blipFill>
+        <p:spPr>
+          <a:xfrm>
+            <a:off x="3350598" y="3764986"/>
+            <a:ext cx="1410138" cy="2160754"/>
+          </a:xfrm>
+          <a:prstGeom prst="rect">
+            <a:avLst/>
+          </a:prstGeom>
+        </p:spPr>
+      </p:pic>
     </p:spTree>
     <p:extLst>
       <p:ext uri="{BB962C8B-B14F-4D97-AF65-F5344CB8AC3E}">
-        <p14:creationId xmlns:p14="http://schemas.microsoft.com/office/powerpoint/2010/main" val="119368667"/>
+        <p14:creationId xmlns:p14="http://schemas.microsoft.com/office/powerpoint/2010/main" val="3034019180"/>
       </p:ext>
     </p:extLst>
   </p:cSld>
   <p:clrMapOvr>
     <a:masterClrMapping/>
   </p:clrMapOvr>
-  <mc:AlternateContent xmlns:mc="http://schemas.openxmlformats.org/markup-compatibility/2006" xmlns:p14="http://schemas.microsoft.com/office/powerpoint/2010/main">
-    <mc:Choice Requires="p14">
-      <p:transition spd="slow" p14:dur="2000"/>
-    </mc:Choice>
-    <mc:Fallback xmlns="">
-      <p:transition spd="slow"/>
-    </mc:Fallback>
-  </mc:AlternateContent>
   <p:timing>
     <p:tnLst>
       <p:par>

--- a/Gramener_Case_Study_Presentation_SS.pptx
+++ b/Gramener_Case_Study_Presentation_SS.pptx
@@ -5,7 +5,7 @@
     <p:sldMasterId id="2147483660" r:id="rId1"/>
   </p:sldMasterIdLst>
   <p:notesMasterIdLst>
-    <p:notesMasterId r:id="rId15"/>
+    <p:notesMasterId r:id="rId20"/>
   </p:notesMasterIdLst>
   <p:sldIdLst>
     <p:sldId id="256" r:id="rId2"/>
@@ -18,9 +18,14 @@
     <p:sldId id="273" r:id="rId9"/>
     <p:sldId id="277" r:id="rId10"/>
     <p:sldId id="278" r:id="rId11"/>
-    <p:sldId id="275" r:id="rId12"/>
-    <p:sldId id="276" r:id="rId13"/>
-    <p:sldId id="274" r:id="rId14"/>
+    <p:sldId id="283" r:id="rId12"/>
+    <p:sldId id="275" r:id="rId13"/>
+    <p:sldId id="279" r:id="rId14"/>
+    <p:sldId id="280" r:id="rId15"/>
+    <p:sldId id="281" r:id="rId16"/>
+    <p:sldId id="282" r:id="rId17"/>
+    <p:sldId id="276" r:id="rId18"/>
+    <p:sldId id="274" r:id="rId19"/>
   </p:sldIdLst>
   <p:sldSz cx="12192000" cy="6858000"/>
   <p:notesSz cx="6858000" cy="9144000"/>
@@ -121,10 +126,10 @@
   </p:defaultTextStyle>
   <p:extLst>
     <p:ext uri="{EFAFB233-063F-42B5-8137-9DF3F51BA10A}">
-      <p15:sldGuideLst xmlns:p15="http://schemas.microsoft.com/office/powerpoint/2012/main" xmlns=""/>
+      <p15:sldGuideLst xmlns="" xmlns:p15="http://schemas.microsoft.com/office/powerpoint/2012/main"/>
     </p:ext>
     <p:ext uri="{2D200454-40CA-4A62-9FC3-DE9A4176ACB9}">
-      <p15:notesGuideLst xmlns:p15="http://schemas.microsoft.com/office/powerpoint/2012/main" xmlns=""/>
+      <p15:notesGuideLst xmlns="" xmlns:p15="http://schemas.microsoft.com/office/powerpoint/2012/main"/>
     </p:ext>
   </p:extLst>
 </p:presentation>
@@ -510,11 +515,11 @@
           <c:showBubbleSize val="0"/>
         </c:dLbls>
         <c:gapWidth val="150"/>
-        <c:axId val="50818432"/>
-        <c:axId val="50918912"/>
+        <c:axId val="39055360"/>
+        <c:axId val="39056896"/>
       </c:barChart>
       <c:catAx>
-        <c:axId val="50818432"/>
+        <c:axId val="39055360"/>
         <c:scaling>
           <c:orientation val="minMax"/>
         </c:scaling>
@@ -523,7 +528,7 @@
         <c:majorTickMark val="out"/>
         <c:minorTickMark val="none"/>
         <c:tickLblPos val="nextTo"/>
-        <c:crossAx val="50918912"/>
+        <c:crossAx val="39056896"/>
         <c:crosses val="autoZero"/>
         <c:auto val="1"/>
         <c:lblAlgn val="ctr"/>
@@ -531,7 +536,7 @@
         <c:noMultiLvlLbl val="0"/>
       </c:catAx>
       <c:valAx>
-        <c:axId val="50918912"/>
+        <c:axId val="39056896"/>
         <c:scaling>
           <c:orientation val="minMax"/>
         </c:scaling>
@@ -541,7 +546,7 @@
         <c:majorTickMark val="out"/>
         <c:minorTickMark val="none"/>
         <c:tickLblPos val="nextTo"/>
-        <c:crossAx val="50818432"/>
+        <c:crossAx val="39055360"/>
         <c:crosses val="autoZero"/>
         <c:crossBetween val="between"/>
       </c:valAx>
@@ -559,6 +564,504 @@
           <a:latin typeface="Times New Roman" panose="02020603050405020304" pitchFamily="18" charset="0"/>
           <a:cs typeface="Times New Roman" panose="02020603050405020304" pitchFamily="18" charset="0"/>
         </a:defRPr>
+      </a:pPr>
+      <a:endParaRPr lang="en-US"/>
+    </a:p>
+  </c:txPr>
+  <c:externalData r:id="rId1">
+    <c:autoUpdate val="0"/>
+  </c:externalData>
+</c:chartSpace>
+</file>
+
+<file path=ppt/charts/chart11.xml><?xml version="1.0" encoding="utf-8"?>
+<c:chartSpace xmlns:c="http://schemas.openxmlformats.org/drawingml/2006/chart" xmlns:a="http://schemas.openxmlformats.org/drawingml/2006/main" xmlns:r="http://schemas.openxmlformats.org/officeDocument/2006/relationships">
+  <c:date1904 val="0"/>
+  <c:lang val="en-US"/>
+  <c:roundedCorners val="0"/>
+  <mc:AlternateContent xmlns:mc="http://schemas.openxmlformats.org/markup-compatibility/2006">
+    <mc:Choice xmlns:c14="http://schemas.microsoft.com/office/drawing/2007/8/2/chart" Requires="c14">
+      <c14:style val="102"/>
+    </mc:Choice>
+    <mc:Fallback>
+      <c:style val="2"/>
+    </mc:Fallback>
+  </mc:AlternateContent>
+  <c:chart>
+    <c:autoTitleDeleted val="0"/>
+    <c:plotArea>
+      <c:layout>
+        <c:manualLayout>
+          <c:layoutTarget val="inner"/>
+          <c:xMode val="edge"/>
+          <c:yMode val="edge"/>
+          <c:x val="4.2969418353260185E-5"/>
+          <c:y val="0.24416354263638707"/>
+          <c:w val="0.99995703058164676"/>
+          <c:h val="0.61548155016381978"/>
+        </c:manualLayout>
+      </c:layout>
+      <c:lineChart>
+        <c:grouping val="standard"/>
+        <c:varyColors val="0"/>
+        <c:ser>
+          <c:idx val="0"/>
+          <c:order val="0"/>
+          <c:tx>
+            <c:strRef>
+              <c:f>Sheet1!$B$1</c:f>
+              <c:strCache>
+                <c:ptCount val="1"/>
+                <c:pt idx="0">
+                  <c:v>Charged Off</c:v>
+                </c:pt>
+              </c:strCache>
+            </c:strRef>
+          </c:tx>
+          <c:spPr>
+            <a:ln>
+              <a:solidFill>
+                <a:schemeClr val="accent4"/>
+              </a:solidFill>
+            </a:ln>
+          </c:spPr>
+          <c:marker>
+            <c:symbol val="circle"/>
+            <c:size val="7"/>
+            <c:spPr>
+              <a:solidFill>
+                <a:schemeClr val="accent4"/>
+              </a:solidFill>
+              <a:ln>
+                <a:noFill/>
+              </a:ln>
+            </c:spPr>
+          </c:marker>
+          <c:dLbls>
+            <c:dLbl>
+              <c:idx val="6"/>
+              <c:layout>
+                <c:manualLayout>
+                  <c:x val="-3.893781982881634E-2"/>
+                  <c:y val="0.13643216057035132"/>
+                </c:manualLayout>
+              </c:layout>
+              <c:dLblPos val="r"/>
+              <c:showLegendKey val="0"/>
+              <c:showVal val="1"/>
+              <c:showCatName val="0"/>
+              <c:showSerName val="0"/>
+              <c:showPercent val="0"/>
+              <c:showBubbleSize val="0"/>
+            </c:dLbl>
+            <c:dLbl>
+              <c:idx val="7"/>
+              <c:layout>
+                <c:manualLayout>
+                  <c:x val="-4.7521503564002934E-2"/>
+                  <c:y val="0.17777073043253444"/>
+                </c:manualLayout>
+              </c:layout>
+              <c:dLblPos val="r"/>
+              <c:showLegendKey val="0"/>
+              <c:showVal val="1"/>
+              <c:showCatName val="0"/>
+              <c:showSerName val="0"/>
+              <c:showPercent val="0"/>
+              <c:showBubbleSize val="0"/>
+            </c:dLbl>
+            <c:dLbl>
+              <c:idx val="8"/>
+              <c:layout>
+                <c:manualLayout>
+                  <c:x val="-4.3229661696409641E-2"/>
+                  <c:y val="0.22501481027502937"/>
+                </c:manualLayout>
+              </c:layout>
+              <c:dLblPos val="r"/>
+              <c:showLegendKey val="0"/>
+              <c:showVal val="1"/>
+              <c:showCatName val="0"/>
+              <c:showSerName val="0"/>
+              <c:showPercent val="0"/>
+              <c:showBubbleSize val="0"/>
+            </c:dLbl>
+            <c:dLbl>
+              <c:idx val="9"/>
+              <c:layout>
+                <c:manualLayout>
+                  <c:x val="-5.2703142253436641E-2"/>
+                  <c:y val="0.2368258302356531"/>
+                </c:manualLayout>
+              </c:layout>
+              <c:dLblPos val="r"/>
+              <c:showLegendKey val="0"/>
+              <c:showVal val="1"/>
+              <c:showCatName val="0"/>
+              <c:showSerName val="0"/>
+              <c:showPercent val="0"/>
+              <c:showBubbleSize val="0"/>
+            </c:dLbl>
+            <c:txPr>
+              <a:bodyPr/>
+              <a:lstStyle/>
+              <a:p>
+                <a:pPr>
+                  <a:defRPr sz="1000"/>
+                </a:pPr>
+                <a:endParaRPr lang="en-US"/>
+              </a:p>
+            </c:txPr>
+            <c:dLblPos val="b"/>
+            <c:showLegendKey val="0"/>
+            <c:showVal val="1"/>
+            <c:showCatName val="0"/>
+            <c:showSerName val="0"/>
+            <c:showPercent val="0"/>
+            <c:showBubbleSize val="0"/>
+            <c:showLeaderLines val="0"/>
+          </c:dLbls>
+          <c:cat>
+            <c:strRef>
+              <c:f>Sheet1!$A$2:$A$11</c:f>
+              <c:strCache>
+                <c:ptCount val="10"/>
+                <c:pt idx="0">
+                  <c:v>(0,10]</c:v>
+                </c:pt>
+                <c:pt idx="1">
+                  <c:v>(10,20]</c:v>
+                </c:pt>
+                <c:pt idx="2">
+                  <c:v>(20,30]</c:v>
+                </c:pt>
+                <c:pt idx="3">
+                  <c:v>(30,40]</c:v>
+                </c:pt>
+                <c:pt idx="4">
+                  <c:v>(40,50]</c:v>
+                </c:pt>
+                <c:pt idx="5">
+                  <c:v>(50,60]</c:v>
+                </c:pt>
+                <c:pt idx="6">
+                  <c:v>(60,70]</c:v>
+                </c:pt>
+                <c:pt idx="7">
+                  <c:v>(70,80]</c:v>
+                </c:pt>
+                <c:pt idx="8">
+                  <c:v>(80,90]</c:v>
+                </c:pt>
+                <c:pt idx="9">
+                  <c:v>(90,100]</c:v>
+                </c:pt>
+              </c:strCache>
+            </c:strRef>
+          </c:cat>
+          <c:val>
+            <c:numRef>
+              <c:f>Sheet1!$B$2:$B$11</c:f>
+              <c:numCache>
+                <c:formatCode>0%</c:formatCode>
+                <c:ptCount val="10"/>
+                <c:pt idx="0">
+                  <c:v>5.3594290000000003E-2</c:v>
+                </c:pt>
+                <c:pt idx="1">
+                  <c:v>6.091092E-2</c:v>
+                </c:pt>
+                <c:pt idx="2">
+                  <c:v>7.5727089999999997E-2</c:v>
+                </c:pt>
+                <c:pt idx="3">
+                  <c:v>9.1640750000000007E-2</c:v>
+                </c:pt>
+                <c:pt idx="4">
+                  <c:v>0.1108469</c:v>
+                </c:pt>
+                <c:pt idx="5">
+                  <c:v>0.11523688</c:v>
+                </c:pt>
+                <c:pt idx="6">
+                  <c:v>0.12054143</c:v>
+                </c:pt>
+                <c:pt idx="7">
+                  <c:v>0.12749223000000001</c:v>
+                </c:pt>
+                <c:pt idx="8">
+                  <c:v>0.12401683000000001</c:v>
+                </c:pt>
+                <c:pt idx="9">
+                  <c:v>0.11999268</c:v>
+                </c:pt>
+              </c:numCache>
+            </c:numRef>
+          </c:val>
+          <c:smooth val="0"/>
+        </c:ser>
+        <c:ser>
+          <c:idx val="1"/>
+          <c:order val="1"/>
+          <c:tx>
+            <c:strRef>
+              <c:f>Sheet1!$C$1</c:f>
+              <c:strCache>
+                <c:ptCount val="1"/>
+                <c:pt idx="0">
+                  <c:v>Fully Paid</c:v>
+                </c:pt>
+              </c:strCache>
+            </c:strRef>
+          </c:tx>
+          <c:spPr>
+            <a:ln>
+              <a:solidFill>
+                <a:schemeClr val="tx2"/>
+              </a:solidFill>
+            </a:ln>
+          </c:spPr>
+          <c:marker>
+            <c:symbol val="circle"/>
+            <c:size val="7"/>
+            <c:spPr>
+              <a:solidFill>
+                <a:schemeClr val="tx2"/>
+              </a:solidFill>
+              <a:ln>
+                <a:noFill/>
+              </a:ln>
+            </c:spPr>
+          </c:marker>
+          <c:dLbls>
+            <c:dLbl>
+              <c:idx val="6"/>
+              <c:layout>
+                <c:manualLayout>
+                  <c:x val="-3.464597796122304E-2"/>
+                  <c:y val="-0.11871563062941576"/>
+                </c:manualLayout>
+              </c:layout>
+              <c:dLblPos val="r"/>
+              <c:showLegendKey val="0"/>
+              <c:showVal val="1"/>
+              <c:showCatName val="0"/>
+              <c:showSerName val="0"/>
+              <c:showPercent val="0"/>
+              <c:showBubbleSize val="0"/>
+            </c:dLbl>
+            <c:dLbl>
+              <c:idx val="7"/>
+              <c:layout>
+                <c:manualLayout>
+                  <c:x val="-4.7521503564002934E-2"/>
+                  <c:y val="-0.17777073043253441"/>
+                </c:manualLayout>
+              </c:layout>
+              <c:dLblPos val="r"/>
+              <c:showLegendKey val="0"/>
+              <c:showVal val="1"/>
+              <c:showCatName val="0"/>
+              <c:showSerName val="0"/>
+              <c:showPercent val="0"/>
+              <c:showBubbleSize val="0"/>
+            </c:dLbl>
+            <c:dLbl>
+              <c:idx val="8"/>
+              <c:layout>
+                <c:manualLayout>
+                  <c:x val="-3.3497825776565696E-2"/>
+                  <c:y val="-0.22501481027502937"/>
+                </c:manualLayout>
+              </c:layout>
+              <c:dLblPos val="r"/>
+              <c:showLegendKey val="0"/>
+              <c:showVal val="1"/>
+              <c:showCatName val="0"/>
+              <c:showSerName val="0"/>
+              <c:showPercent val="0"/>
+              <c:showBubbleSize val="0"/>
+            </c:dLbl>
+            <c:dLbl>
+              <c:idx val="9"/>
+              <c:layout>
+                <c:manualLayout>
+                  <c:x val="-3.5643746710362349E-2"/>
+                  <c:y val="-0.25454236017658871"/>
+                </c:manualLayout>
+              </c:layout>
+              <c:dLblPos val="r"/>
+              <c:showLegendKey val="0"/>
+              <c:showVal val="1"/>
+              <c:showCatName val="0"/>
+              <c:showSerName val="0"/>
+              <c:showPercent val="0"/>
+              <c:showBubbleSize val="0"/>
+            </c:dLbl>
+            <c:txPr>
+              <a:bodyPr/>
+              <a:lstStyle/>
+              <a:p>
+                <a:pPr>
+                  <a:defRPr sz="1000"/>
+                </a:pPr>
+                <a:endParaRPr lang="en-US"/>
+              </a:p>
+            </c:txPr>
+            <c:dLblPos val="t"/>
+            <c:showLegendKey val="0"/>
+            <c:showVal val="1"/>
+            <c:showCatName val="0"/>
+            <c:showSerName val="0"/>
+            <c:showPercent val="0"/>
+            <c:showBubbleSize val="0"/>
+            <c:showLeaderLines val="0"/>
+          </c:dLbls>
+          <c:cat>
+            <c:strRef>
+              <c:f>Sheet1!$A$2:$A$11</c:f>
+              <c:strCache>
+                <c:ptCount val="10"/>
+                <c:pt idx="0">
+                  <c:v>(0,10]</c:v>
+                </c:pt>
+                <c:pt idx="1">
+                  <c:v>(10,20]</c:v>
+                </c:pt>
+                <c:pt idx="2">
+                  <c:v>(20,30]</c:v>
+                </c:pt>
+                <c:pt idx="3">
+                  <c:v>(30,40]</c:v>
+                </c:pt>
+                <c:pt idx="4">
+                  <c:v>(40,50]</c:v>
+                </c:pt>
+                <c:pt idx="5">
+                  <c:v>(50,60]</c:v>
+                </c:pt>
+                <c:pt idx="6">
+                  <c:v>(60,70]</c:v>
+                </c:pt>
+                <c:pt idx="7">
+                  <c:v>(70,80]</c:v>
+                </c:pt>
+                <c:pt idx="8">
+                  <c:v>(80,90]</c:v>
+                </c:pt>
+                <c:pt idx="9">
+                  <c:v>(90,100]</c:v>
+                </c:pt>
+              </c:strCache>
+            </c:strRef>
+          </c:cat>
+          <c:val>
+            <c:numRef>
+              <c:f>Sheet1!$C$2:$C$11</c:f>
+              <c:numCache>
+                <c:formatCode>0%</c:formatCode>
+                <c:ptCount val="10"/>
+                <c:pt idx="0">
+                  <c:v>9.9296079999999995E-2</c:v>
+                </c:pt>
+                <c:pt idx="1">
+                  <c:v>9.3191299999999991E-2</c:v>
+                </c:pt>
+                <c:pt idx="2">
+                  <c:v>0.10247307</c:v>
+                </c:pt>
+                <c:pt idx="3">
+                  <c:v>0.10901389</c:v>
+                </c:pt>
+                <c:pt idx="4">
+                  <c:v>0.11268921999999999</c:v>
+                </c:pt>
+                <c:pt idx="5">
+                  <c:v>0.11069582</c:v>
+                </c:pt>
+                <c:pt idx="6">
+                  <c:v>0.10770571999999999</c:v>
+                </c:pt>
+                <c:pt idx="7">
+                  <c:v>9.9669839999999996E-2</c:v>
+                </c:pt>
+                <c:pt idx="8">
+                  <c:v>8.9920890000000003E-2</c:v>
+                </c:pt>
+                <c:pt idx="9">
+                  <c:v>7.5344170000000002E-2</c:v>
+                </c:pt>
+              </c:numCache>
+            </c:numRef>
+          </c:val>
+          <c:smooth val="0"/>
+        </c:ser>
+        <c:dLbls>
+          <c:showLegendKey val="0"/>
+          <c:showVal val="0"/>
+          <c:showCatName val="0"/>
+          <c:showSerName val="0"/>
+          <c:showPercent val="0"/>
+          <c:showBubbleSize val="0"/>
+        </c:dLbls>
+        <c:marker val="1"/>
+        <c:smooth val="0"/>
+        <c:axId val="42829312"/>
+        <c:axId val="42830848"/>
+      </c:lineChart>
+      <c:catAx>
+        <c:axId val="42829312"/>
+        <c:scaling>
+          <c:orientation val="minMax"/>
+        </c:scaling>
+        <c:delete val="0"/>
+        <c:axPos val="b"/>
+        <c:majorTickMark val="out"/>
+        <c:minorTickMark val="none"/>
+        <c:tickLblPos val="nextTo"/>
+        <c:txPr>
+          <a:bodyPr/>
+          <a:lstStyle/>
+          <a:p>
+            <a:pPr>
+              <a:defRPr sz="1200"/>
+            </a:pPr>
+            <a:endParaRPr lang="en-US"/>
+          </a:p>
+        </c:txPr>
+        <c:crossAx val="42830848"/>
+        <c:crosses val="autoZero"/>
+        <c:auto val="1"/>
+        <c:lblAlgn val="ctr"/>
+        <c:lblOffset val="100"/>
+        <c:noMultiLvlLbl val="0"/>
+      </c:catAx>
+      <c:valAx>
+        <c:axId val="42830848"/>
+        <c:scaling>
+          <c:orientation val="minMax"/>
+        </c:scaling>
+        <c:delete val="1"/>
+        <c:axPos val="l"/>
+        <c:numFmt formatCode="0%" sourceLinked="1"/>
+        <c:majorTickMark val="out"/>
+        <c:minorTickMark val="none"/>
+        <c:tickLblPos val="nextTo"/>
+        <c:crossAx val="42829312"/>
+        <c:crosses val="autoZero"/>
+        <c:crossBetween val="between"/>
+      </c:valAx>
+    </c:plotArea>
+    <c:plotVisOnly val="1"/>
+    <c:dispBlanksAs val="gap"/>
+    <c:showDLblsOverMax val="0"/>
+  </c:chart>
+  <c:txPr>
+    <a:bodyPr/>
+    <a:lstStyle/>
+    <a:p>
+      <a:pPr>
+        <a:defRPr sz="1800"/>
       </a:pPr>
       <a:endParaRPr lang="en-US"/>
     </a:p>
@@ -843,11 +1346,11 @@
           <c:showBubbleSize val="0"/>
         </c:dLbls>
         <c:gapWidth val="150"/>
-        <c:axId val="40141568"/>
-        <c:axId val="40143104"/>
+        <c:axId val="39331328"/>
+        <c:axId val="39332864"/>
       </c:barChart>
       <c:catAx>
-        <c:axId val="40141568"/>
+        <c:axId val="39331328"/>
         <c:scaling>
           <c:orientation val="minMax"/>
         </c:scaling>
@@ -869,7 +1372,7 @@
             <a:endParaRPr lang="en-US"/>
           </a:p>
         </c:txPr>
-        <c:crossAx val="40143104"/>
+        <c:crossAx val="39332864"/>
         <c:crosses val="autoZero"/>
         <c:auto val="1"/>
         <c:lblAlgn val="ctr"/>
@@ -877,7 +1380,7 @@
         <c:noMultiLvlLbl val="0"/>
       </c:catAx>
       <c:valAx>
-        <c:axId val="40143104"/>
+        <c:axId val="39332864"/>
         <c:scaling>
           <c:orientation val="minMax"/>
         </c:scaling>
@@ -887,7 +1390,7 @@
         <c:majorTickMark val="out"/>
         <c:minorTickMark val="none"/>
         <c:tickLblPos val="nextTo"/>
-        <c:crossAx val="40141568"/>
+        <c:crossAx val="39331328"/>
         <c:crosses val="autoZero"/>
         <c:crossBetween val="between"/>
       </c:valAx>
@@ -1373,11 +1876,11 @@
         </c:dLbls>
         <c:marker val="1"/>
         <c:smooth val="0"/>
-        <c:axId val="46923776"/>
-        <c:axId val="46925312"/>
+        <c:axId val="39375616"/>
+        <c:axId val="39377152"/>
       </c:lineChart>
       <c:catAx>
-        <c:axId val="46923776"/>
+        <c:axId val="39375616"/>
         <c:scaling>
           <c:orientation val="minMax"/>
         </c:scaling>
@@ -1399,7 +1902,7 @@
             <a:endParaRPr lang="en-US"/>
           </a:p>
         </c:txPr>
-        <c:crossAx val="46925312"/>
+        <c:crossAx val="39377152"/>
         <c:crosses val="autoZero"/>
         <c:auto val="1"/>
         <c:lblAlgn val="ctr"/>
@@ -1407,7 +1910,7 @@
         <c:noMultiLvlLbl val="0"/>
       </c:catAx>
       <c:valAx>
-        <c:axId val="46925312"/>
+        <c:axId val="39377152"/>
         <c:scaling>
           <c:orientation val="minMax"/>
         </c:scaling>
@@ -1417,7 +1920,7 @@
         <c:majorTickMark val="out"/>
         <c:minorTickMark val="none"/>
         <c:tickLblPos val="nextTo"/>
-        <c:crossAx val="46923776"/>
+        <c:crossAx val="39375616"/>
         <c:crosses val="autoZero"/>
         <c:crossBetween val="between"/>
       </c:valAx>
@@ -1654,11 +2157,11 @@
           <c:showBubbleSize val="0"/>
         </c:dLbls>
         <c:gapWidth val="150"/>
-        <c:axId val="47528576"/>
-        <c:axId val="47546752"/>
+        <c:axId val="39630720"/>
+        <c:axId val="39632256"/>
       </c:barChart>
       <c:catAx>
-        <c:axId val="47528576"/>
+        <c:axId val="39630720"/>
         <c:scaling>
           <c:orientation val="minMax"/>
         </c:scaling>
@@ -1677,7 +2180,7 @@
             <a:endParaRPr lang="en-US"/>
           </a:p>
         </c:txPr>
-        <c:crossAx val="47546752"/>
+        <c:crossAx val="39632256"/>
         <c:crosses val="autoZero"/>
         <c:auto val="1"/>
         <c:lblAlgn val="ctr"/>
@@ -1685,7 +2188,7 @@
         <c:noMultiLvlLbl val="0"/>
       </c:catAx>
       <c:valAx>
-        <c:axId val="47546752"/>
+        <c:axId val="39632256"/>
         <c:scaling>
           <c:orientation val="minMax"/>
         </c:scaling>
@@ -1695,7 +2198,7 @@
         <c:majorTickMark val="out"/>
         <c:minorTickMark val="none"/>
         <c:tickLblPos val="nextTo"/>
-        <c:crossAx val="47528576"/>
+        <c:crossAx val="39630720"/>
         <c:crosses val="autoZero"/>
         <c:crossBetween val="between"/>
       </c:valAx>
@@ -1839,7 +2342,7 @@
                   <c:v>10%-12%</c:v>
                 </c:pt>
                 <c:pt idx="2">
-                  <c:v>12%-15%</c:v>
+                  <c:v>13%-15%</c:v>
                 </c:pt>
                 <c:pt idx="3">
                   <c:v>15%+</c:v>
@@ -1920,7 +2423,7 @@
                   <c:v>10%-12%</c:v>
                 </c:pt>
                 <c:pt idx="2">
-                  <c:v>12%-15%</c:v>
+                  <c:v>13%-15%</c:v>
                 </c:pt>
                 <c:pt idx="3">
                   <c:v>15%+</c:v>
@@ -1959,11 +2462,11 @@
           <c:showBubbleSize val="0"/>
         </c:dLbls>
         <c:gapWidth val="150"/>
-        <c:axId val="56979456"/>
-        <c:axId val="56980992"/>
+        <c:axId val="53372032"/>
+        <c:axId val="53373568"/>
       </c:barChart>
       <c:catAx>
-        <c:axId val="56979456"/>
+        <c:axId val="53372032"/>
         <c:scaling>
           <c:orientation val="minMax"/>
         </c:scaling>
@@ -1982,7 +2485,7 @@
             <a:endParaRPr lang="en-US"/>
           </a:p>
         </c:txPr>
-        <c:crossAx val="56980992"/>
+        <c:crossAx val="53373568"/>
         <c:crosses val="autoZero"/>
         <c:auto val="1"/>
         <c:lblAlgn val="ctr"/>
@@ -1990,7 +2493,7 @@
         <c:noMultiLvlLbl val="0"/>
       </c:catAx>
       <c:valAx>
-        <c:axId val="56980992"/>
+        <c:axId val="53373568"/>
         <c:scaling>
           <c:orientation val="minMax"/>
         </c:scaling>
@@ -2000,7 +2503,7 @@
         <c:majorTickMark val="out"/>
         <c:minorTickMark val="none"/>
         <c:tickLblPos val="nextTo"/>
-        <c:crossAx val="56979456"/>
+        <c:crossAx val="53372032"/>
         <c:crosses val="autoZero"/>
         <c:crossBetween val="between"/>
       </c:valAx>
@@ -2238,11 +2741,11 @@
         </c:dLbls>
         <c:gapWidth val="95"/>
         <c:overlap val="100"/>
-        <c:axId val="39652736"/>
-        <c:axId val="39666816"/>
+        <c:axId val="53466240"/>
+        <c:axId val="53467776"/>
       </c:barChart>
       <c:catAx>
-        <c:axId val="39652736"/>
+        <c:axId val="53466240"/>
         <c:scaling>
           <c:orientation val="minMax"/>
         </c:scaling>
@@ -2261,7 +2764,7 @@
             <a:endParaRPr lang="en-US"/>
           </a:p>
         </c:txPr>
-        <c:crossAx val="39666816"/>
+        <c:crossAx val="53467776"/>
         <c:crosses val="autoZero"/>
         <c:auto val="1"/>
         <c:lblAlgn val="ctr"/>
@@ -2269,7 +2772,7 @@
         <c:noMultiLvlLbl val="0"/>
       </c:catAx>
       <c:valAx>
-        <c:axId val="39666816"/>
+        <c:axId val="53467776"/>
         <c:scaling>
           <c:orientation val="minMax"/>
         </c:scaling>
@@ -2279,7 +2782,7 @@
         <c:majorTickMark val="out"/>
         <c:minorTickMark val="none"/>
         <c:tickLblPos val="nextTo"/>
-        <c:crossAx val="39652736"/>
+        <c:crossAx val="53466240"/>
         <c:crosses val="autoZero"/>
         <c:crossBetween val="between"/>
       </c:valAx>
@@ -2520,11 +3023,11 @@
         </c:dLbls>
         <c:gapWidth val="95"/>
         <c:overlap val="100"/>
-        <c:axId val="39716352"/>
-        <c:axId val="39717888"/>
+        <c:axId val="55289344"/>
+        <c:axId val="55290880"/>
       </c:barChart>
       <c:catAx>
-        <c:axId val="39716352"/>
+        <c:axId val="55289344"/>
         <c:scaling>
           <c:orientation val="minMax"/>
         </c:scaling>
@@ -2534,7 +3037,7 @@
         <c:majorTickMark val="none"/>
         <c:minorTickMark val="none"/>
         <c:tickLblPos val="none"/>
-        <c:crossAx val="39717888"/>
+        <c:crossAx val="55290880"/>
         <c:crosses val="autoZero"/>
         <c:auto val="1"/>
         <c:lblAlgn val="ctr"/>
@@ -2542,7 +3045,7 @@
         <c:noMultiLvlLbl val="0"/>
       </c:catAx>
       <c:valAx>
-        <c:axId val="39717888"/>
+        <c:axId val="55290880"/>
         <c:scaling>
           <c:orientation val="minMax"/>
         </c:scaling>
@@ -2552,7 +3055,7 @@
         <c:majorTickMark val="out"/>
         <c:minorTickMark val="none"/>
         <c:tickLblPos val="nextTo"/>
-        <c:crossAx val="39716352"/>
+        <c:crossAx val="55289344"/>
         <c:crosses val="autoZero"/>
         <c:crossBetween val="between"/>
       </c:valAx>
@@ -2745,11 +3248,11 @@
         </c:dLbls>
         <c:gapWidth val="95"/>
         <c:overlap val="100"/>
-        <c:axId val="39578240"/>
-        <c:axId val="39580032"/>
+        <c:axId val="38931456"/>
+        <c:axId val="38953728"/>
       </c:barChart>
       <c:catAx>
-        <c:axId val="39578240"/>
+        <c:axId val="38931456"/>
         <c:scaling>
           <c:orientation val="minMax"/>
         </c:scaling>
@@ -2768,7 +3271,7 @@
             <a:endParaRPr lang="en-US"/>
           </a:p>
         </c:txPr>
-        <c:crossAx val="39580032"/>
+        <c:crossAx val="38953728"/>
         <c:crosses val="autoZero"/>
         <c:auto val="1"/>
         <c:lblAlgn val="ctr"/>
@@ -2776,7 +3279,7 @@
         <c:noMultiLvlLbl val="0"/>
       </c:catAx>
       <c:valAx>
-        <c:axId val="39580032"/>
+        <c:axId val="38953728"/>
         <c:scaling>
           <c:orientation val="minMax"/>
         </c:scaling>
@@ -2786,7 +3289,7 @@
         <c:majorTickMark val="out"/>
         <c:minorTickMark val="none"/>
         <c:tickLblPos val="nextTo"/>
-        <c:crossAx val="39578240"/>
+        <c:crossAx val="38931456"/>
         <c:crosses val="autoZero"/>
         <c:crossBetween val="between"/>
       </c:valAx>
@@ -2979,11 +3482,11 @@
         </c:dLbls>
         <c:gapWidth val="95"/>
         <c:overlap val="100"/>
-        <c:axId val="39630720"/>
-        <c:axId val="39632256"/>
+        <c:axId val="53428224"/>
+        <c:axId val="53431680"/>
       </c:barChart>
       <c:catAx>
-        <c:axId val="39630720"/>
+        <c:axId val="53428224"/>
         <c:scaling>
           <c:orientation val="minMax"/>
         </c:scaling>
@@ -3002,7 +3505,7 @@
             <a:endParaRPr lang="en-US"/>
           </a:p>
         </c:txPr>
-        <c:crossAx val="39632256"/>
+        <c:crossAx val="53431680"/>
         <c:crosses val="autoZero"/>
         <c:auto val="1"/>
         <c:lblAlgn val="ctr"/>
@@ -3010,7 +3513,7 @@
         <c:noMultiLvlLbl val="0"/>
       </c:catAx>
       <c:valAx>
-        <c:axId val="39632256"/>
+        <c:axId val="53431680"/>
         <c:scaling>
           <c:orientation val="minMax"/>
         </c:scaling>
@@ -3020,7 +3523,7 @@
         <c:majorTickMark val="out"/>
         <c:minorTickMark val="none"/>
         <c:tickLblPos val="nextTo"/>
-        <c:crossAx val="39630720"/>
+        <c:crossAx val="53428224"/>
         <c:crosses val="autoZero"/>
         <c:crossBetween val="between"/>
       </c:valAx>
@@ -11756,11 +12259,7 @@
           <a:p>
             <a:r>
               <a:rPr lang="en-IN" b="1" dirty="0" smtClean="0"/>
-              <a:t>Hypothesis – </a:t>
-            </a:r>
-            <a:r>
-              <a:rPr lang="en-IN" b="1" dirty="0" smtClean="0"/>
-              <a:t>V</a:t>
+              <a:t>Hypothesis – V</a:t>
             </a:r>
             <a:br>
               <a:rPr lang="en-IN" b="1" dirty="0" smtClean="0"/>
@@ -11769,7 +12268,6 @@
               <a:rPr lang="en-IN" sz="3100" i="1" dirty="0"/>
               <a:t>Is there any pattern around the debt to income ratio?</a:t>
             </a:r>
-            <a:endParaRPr lang="en-IN" sz="3100" i="1" dirty="0"/>
           </a:p>
         </p:txBody>
       </p:sp>
@@ -11781,8 +12279,8 @@
         </p:nvSpPr>
         <p:spPr>
           <a:xfrm>
-            <a:off x="1836624" y="6045208"/>
-            <a:ext cx="9381711" cy="660393"/>
+            <a:off x="1836624" y="6132942"/>
+            <a:ext cx="9381711" cy="451057"/>
           </a:xfrm>
           <a:prstGeom prst="rect">
             <a:avLst/>
@@ -11821,7 +12319,7 @@
               <a:t>“</a:t>
             </a:r>
             <a:r>
-              <a:rPr lang="en-US" sz="1200" dirty="0">
+              <a:rPr lang="en-US" sz="1200" i="1" dirty="0">
                 <a:solidFill>
                   <a:schemeClr val="tx1"/>
                 </a:solidFill>
@@ -11829,16 +12327,6 @@
                 <a:cs typeface="Times New Roman" panose="02020603050405020304" pitchFamily="18" charset="0"/>
               </a:rPr>
               <a:t>With the Increase in debt to income ratio the chances of default increases is </a:t>
-            </a:r>
-            <a:r>
-              <a:rPr lang="en-US" sz="1200" dirty="0" smtClean="0">
-                <a:solidFill>
-                  <a:schemeClr val="tx1"/>
-                </a:solidFill>
-                <a:latin typeface="Times New Roman" panose="02020603050405020304" pitchFamily="18" charset="0"/>
-                <a:cs typeface="Times New Roman" panose="02020603050405020304" pitchFamily="18" charset="0"/>
-              </a:rPr>
-              <a:t>higher</a:t>
             </a:r>
             <a:r>
               <a:rPr lang="en-US" sz="1200" i="1" dirty="0" smtClean="0">
@@ -11848,15 +12336,68 @@
                 <a:latin typeface="Times New Roman" panose="02020603050405020304" pitchFamily="18" charset="0"/>
                 <a:cs typeface="Times New Roman" panose="02020603050405020304" pitchFamily="18" charset="0"/>
               </a:rPr>
-              <a:t>”</a:t>
-            </a:r>
-            <a:endParaRPr lang="en-US" sz="1200" i="1" dirty="0" smtClean="0">
-              <a:solidFill>
-                <a:schemeClr val="tx1"/>
-              </a:solidFill>
-              <a:latin typeface="Times New Roman" panose="02020603050405020304" pitchFamily="18" charset="0"/>
-              <a:cs typeface="Times New Roman" panose="02020603050405020304" pitchFamily="18" charset="0"/>
-            </a:endParaRPr>
+              <a:t>higher. As </a:t>
+            </a:r>
+            <a:r>
+              <a:rPr lang="en-US" sz="1200" i="1" dirty="0">
+                <a:solidFill>
+                  <a:schemeClr val="tx1"/>
+                </a:solidFill>
+                <a:latin typeface="Times New Roman" panose="02020603050405020304" pitchFamily="18" charset="0"/>
+                <a:cs typeface="Times New Roman" panose="02020603050405020304" pitchFamily="18" charset="0"/>
+              </a:rPr>
+              <a:t>a recommendation, the </a:t>
+            </a:r>
+            <a:r>
+              <a:rPr lang="en-US" sz="1200" b="1" i="1" dirty="0">
+                <a:solidFill>
+                  <a:schemeClr val="tx1"/>
+                </a:solidFill>
+                <a:latin typeface="Times New Roman" panose="02020603050405020304" pitchFamily="18" charset="0"/>
+                <a:cs typeface="Times New Roman" panose="02020603050405020304" pitchFamily="18" charset="0"/>
+              </a:rPr>
+              <a:t>Consumer Finance Company</a:t>
+            </a:r>
+            <a:r>
+              <a:rPr lang="en-US" sz="1200" i="1" dirty="0">
+                <a:solidFill>
+                  <a:schemeClr val="tx1"/>
+                </a:solidFill>
+                <a:latin typeface="Times New Roman" panose="02020603050405020304" pitchFamily="18" charset="0"/>
+                <a:cs typeface="Times New Roman" panose="02020603050405020304" pitchFamily="18" charset="0"/>
+              </a:rPr>
+              <a:t> while screening the Borrower’s application should look at the </a:t>
+            </a:r>
+            <a:r>
+              <a:rPr lang="en-US" sz="1200" i="1" dirty="0" smtClean="0">
+                <a:solidFill>
+                  <a:schemeClr val="tx1"/>
+                </a:solidFill>
+                <a:latin typeface="Times New Roman" panose="02020603050405020304" pitchFamily="18" charset="0"/>
+                <a:cs typeface="Times New Roman" panose="02020603050405020304" pitchFamily="18" charset="0"/>
+              </a:rPr>
+              <a:t>debt to income ratio </a:t>
+            </a:r>
+            <a:r>
+              <a:rPr lang="en-US" sz="1200" i="1" dirty="0">
+                <a:solidFill>
+                  <a:schemeClr val="tx1"/>
+                </a:solidFill>
+                <a:latin typeface="Times New Roman" panose="02020603050405020304" pitchFamily="18" charset="0"/>
+                <a:cs typeface="Times New Roman" panose="02020603050405020304" pitchFamily="18" charset="0"/>
+              </a:rPr>
+              <a:t>at the lower </a:t>
+            </a:r>
+            <a:r>
+              <a:rPr lang="en-US" sz="1200" i="1" dirty="0" smtClean="0">
+                <a:solidFill>
+                  <a:schemeClr val="tx1"/>
+                </a:solidFill>
+                <a:latin typeface="Times New Roman" panose="02020603050405020304" pitchFamily="18" charset="0"/>
+                <a:cs typeface="Times New Roman" panose="02020603050405020304" pitchFamily="18" charset="0"/>
+              </a:rPr>
+              <a:t>side”</a:t>
+            </a:r>
           </a:p>
         </p:txBody>
       </p:sp>
@@ -12006,7 +12547,7 @@
         <p:spPr>
           <a:xfrm>
             <a:off x="6510855" y="2043070"/>
-            <a:ext cx="4216400" cy="3693319"/>
+            <a:ext cx="4216400" cy="3416320"/>
           </a:xfrm>
           <a:prstGeom prst="rect">
             <a:avLst/>
@@ -12024,11 +12565,32 @@
               <a:buChar char="•"/>
             </a:pPr>
             <a:r>
+              <a:rPr lang="en-US" dirty="0" smtClean="0">
+                <a:latin typeface="Times New Roman" panose="02020603050405020304" pitchFamily="18" charset="0"/>
+                <a:cs typeface="Times New Roman" panose="02020603050405020304" pitchFamily="18" charset="0"/>
+              </a:rPr>
+              <a:t>Created Box Plots for dti </a:t>
+            </a:r>
+            <a:r>
               <a:rPr lang="en-US" dirty="0">
                 <a:latin typeface="Times New Roman" panose="02020603050405020304" pitchFamily="18" charset="0"/>
                 <a:cs typeface="Times New Roman" panose="02020603050405020304" pitchFamily="18" charset="0"/>
               </a:rPr>
-              <a:t>We have created the box plots with dti against charged off and fully paid loan status to study the behavior of the dti’s impacts on the  loan default</a:t>
+              <a:t>against </a:t>
+            </a:r>
+            <a:r>
+              <a:rPr lang="en-US" dirty="0" smtClean="0">
+                <a:latin typeface="Times New Roman" panose="02020603050405020304" pitchFamily="18" charset="0"/>
+                <a:cs typeface="Times New Roman" panose="02020603050405020304" pitchFamily="18" charset="0"/>
+              </a:rPr>
+              <a:t>loan status’ </a:t>
+            </a:r>
+            <a:r>
+              <a:rPr lang="en-US" dirty="0">
+                <a:latin typeface="Times New Roman" panose="02020603050405020304" pitchFamily="18" charset="0"/>
+                <a:cs typeface="Times New Roman" panose="02020603050405020304" pitchFamily="18" charset="0"/>
+              </a:rPr>
+              <a:t>to study the behavior of the dti’s impacts on the  loan default</a:t>
             </a:r>
           </a:p>
           <a:p>
@@ -12051,7 +12613,21 @@
                 <a:latin typeface="Times New Roman" panose="02020603050405020304" pitchFamily="18" charset="0"/>
                 <a:cs typeface="Times New Roman" panose="02020603050405020304" pitchFamily="18" charset="0"/>
               </a:rPr>
-              <a:t>From the analysis it can be said that higher the value of this debt to income, greater is the chance of loan default.</a:t>
+              <a:t>From the </a:t>
+            </a:r>
+            <a:r>
+              <a:rPr lang="en-US" dirty="0" smtClean="0">
+                <a:latin typeface="Times New Roman" panose="02020603050405020304" pitchFamily="18" charset="0"/>
+                <a:cs typeface="Times New Roman" panose="02020603050405020304" pitchFamily="18" charset="0"/>
+              </a:rPr>
+              <a:t>plot, </a:t>
+            </a:r>
+            <a:r>
+              <a:rPr lang="en-US" dirty="0">
+                <a:latin typeface="Times New Roman" panose="02020603050405020304" pitchFamily="18" charset="0"/>
+                <a:cs typeface="Times New Roman" panose="02020603050405020304" pitchFamily="18" charset="0"/>
+              </a:rPr>
+              <a:t>it can be said that higher the value of this debt to income, greater is the chance of loan default.</a:t>
             </a:r>
           </a:p>
           <a:p>
@@ -12070,11 +12646,46 @@
               <a:buChar char="•"/>
             </a:pPr>
             <a:r>
+              <a:rPr lang="en-US" dirty="0" smtClean="0">
+                <a:latin typeface="Times New Roman" panose="02020603050405020304" pitchFamily="18" charset="0"/>
+                <a:cs typeface="Times New Roman" panose="02020603050405020304" pitchFamily="18" charset="0"/>
+              </a:rPr>
+              <a:t>Also for the Charged off cases, there is a  </a:t>
+            </a:r>
+            <a:r>
               <a:rPr lang="en-US" dirty="0">
                 <a:latin typeface="Times New Roman" panose="02020603050405020304" pitchFamily="18" charset="0"/>
                 <a:cs typeface="Times New Roman" panose="02020603050405020304" pitchFamily="18" charset="0"/>
               </a:rPr>
-              <a:t>We can see that defaulted loans have higher spread than the Fully paid loan implying higher the value there ratio, greater the risk of loan default</a:t>
+              <a:t>higher spread than the Fully paid </a:t>
+            </a:r>
+            <a:r>
+              <a:rPr lang="en-US" dirty="0" smtClean="0">
+                <a:latin typeface="Times New Roman" panose="02020603050405020304" pitchFamily="18" charset="0"/>
+                <a:cs typeface="Times New Roman" panose="02020603050405020304" pitchFamily="18" charset="0"/>
+              </a:rPr>
+              <a:t>loan implying </a:t>
+            </a:r>
+            <a:r>
+              <a:rPr lang="en-US" dirty="0">
+                <a:latin typeface="Times New Roman" panose="02020603050405020304" pitchFamily="18" charset="0"/>
+                <a:cs typeface="Times New Roman" panose="02020603050405020304" pitchFamily="18" charset="0"/>
+              </a:rPr>
+              <a:t>higher the value </a:t>
+            </a:r>
+            <a:r>
+              <a:rPr lang="en-US" dirty="0" smtClean="0">
+                <a:latin typeface="Times New Roman" panose="02020603050405020304" pitchFamily="18" charset="0"/>
+                <a:cs typeface="Times New Roman" panose="02020603050405020304" pitchFamily="18" charset="0"/>
+              </a:rPr>
+              <a:t>there, greater is the </a:t>
+            </a:r>
+            <a:r>
+              <a:rPr lang="en-US" dirty="0">
+                <a:latin typeface="Times New Roman" panose="02020603050405020304" pitchFamily="18" charset="0"/>
+                <a:cs typeface="Times New Roman" panose="02020603050405020304" pitchFamily="18" charset="0"/>
+              </a:rPr>
+              <a:t>risk of loan default</a:t>
             </a:r>
             <a:endParaRPr lang="en-US" b="1" dirty="0">
               <a:latin typeface="Times New Roman" panose="02020603050405020304" pitchFamily="18" charset="0"/>
@@ -12088,7 +12699,7 @@
           <p:cNvPr id="11" name="Picture 10">
             <a:extLst>
               <a:ext uri="{FF2B5EF4-FFF2-40B4-BE49-F238E27FC236}">
-                <a16:creationId xmlns:a16="http://schemas.microsoft.com/office/drawing/2014/main" xmlns="" id="{56C3DD78-85AE-4B38-B9E8-EE83A9706A58}"/>
+                <a16:creationId xmlns="" xmlns:a16="http://schemas.microsoft.com/office/drawing/2014/main" id="{56C3DD78-85AE-4B38-B9E8-EE83A9706A58}"/>
               </a:ext>
             </a:extLst>
           </p:cNvPr>
@@ -12111,7 +12722,7 @@
         </p:blipFill>
         <p:spPr>
           <a:xfrm>
-            <a:off x="2676223" y="1945200"/>
+            <a:off x="2676223" y="1962134"/>
             <a:ext cx="2492743" cy="3829526"/>
           </a:xfrm>
           <a:prstGeom prst="rect">
@@ -12158,162 +12769,6 @@
       </p:grpSpPr>
       <p:sp>
         <p:nvSpPr>
-          <p:cNvPr id="5" name="Title 1"/>
-          <p:cNvSpPr>
-            <a:spLocks noGrp="1"/>
-          </p:cNvSpPr>
-          <p:nvPr>
-            <p:ph type="title"/>
-          </p:nvPr>
-        </p:nvSpPr>
-        <p:spPr>
-          <a:xfrm>
-            <a:off x="1111069" y="3146213"/>
-            <a:ext cx="9313817" cy="856138"/>
-          </a:xfrm>
-        </p:spPr>
-        <p:txBody>
-          <a:bodyPr>
-            <a:normAutofit fontScale="90000"/>
-          </a:bodyPr>
-          <a:lstStyle/>
-          <a:p>
-            <a:pPr lvl="0"/>
-            <a:r>
-              <a:rPr lang="en-IN" b="1" dirty="0" smtClean="0"/>
-              <a:t>Driver Analysis </a:t>
-            </a:r>
-            <a:r>
-              <a:rPr lang="en-IN" i="1" dirty="0" smtClean="0"/>
-              <a:t>by Categories</a:t>
-            </a:r>
-            <a:r>
-              <a:rPr lang="en-IN" b="1" i="1" dirty="0" smtClean="0"/>
-              <a:t/>
-            </a:r>
-            <a:br>
-              <a:rPr lang="en-IN" b="1" i="1" dirty="0" smtClean="0"/>
-            </a:br>
-            <a:r>
-              <a:rPr lang="en-IN" sz="3100" dirty="0" smtClean="0"/>
-              <a:t>[</a:t>
-            </a:r>
-            <a:r>
-              <a:rPr lang="en-US" sz="3200" dirty="0"/>
-              <a:t>through </a:t>
-            </a:r>
-            <a:r>
-              <a:rPr lang="en-US" sz="3200" dirty="0" smtClean="0"/>
-              <a:t>derived metrics]</a:t>
-            </a:r>
-            <a:endParaRPr lang="en-US" sz="3200" dirty="0"/>
-          </a:p>
-        </p:txBody>
-      </p:sp>
-      <p:sp>
-        <p:nvSpPr>
-          <p:cNvPr id="6" name="Title 1"/>
-          <p:cNvSpPr txBox="1">
-            <a:spLocks/>
-          </p:cNvSpPr>
-          <p:nvPr/>
-        </p:nvSpPr>
-        <p:spPr>
-          <a:xfrm>
-            <a:off x="1178802" y="4153746"/>
-            <a:ext cx="9313817" cy="856138"/>
-          </a:xfrm>
-          <a:prstGeom prst="rect">
-            <a:avLst/>
-          </a:prstGeom>
-        </p:spPr>
-        <p:txBody>
-          <a:bodyPr vert="horz" lIns="91440" tIns="45720" rIns="91440" bIns="45720" rtlCol="0" anchor="ctr">
-            <a:noAutofit/>
-          </a:bodyPr>
-          <a:lstStyle>
-            <a:lvl1pPr algn="l" defTabSz="914400" rtl="0" eaLnBrk="1" latinLnBrk="0" hangingPunct="1">
-              <a:lnSpc>
-                <a:spcPct val="90000"/>
-              </a:lnSpc>
-              <a:spcBef>
-                <a:spcPct val="0"/>
-              </a:spcBef>
-              <a:buNone/>
-              <a:defRPr sz="4000" kern="1200">
-                <a:solidFill>
-                  <a:schemeClr val="tx1"/>
-                </a:solidFill>
-                <a:latin typeface="Times New Roman" panose="02020603050405020304" pitchFamily="18" charset="0"/>
-                <a:ea typeface="+mj-ea"/>
-                <a:cs typeface="Times New Roman" panose="02020603050405020304" pitchFamily="18" charset="0"/>
-              </a:defRPr>
-            </a:lvl1pPr>
-          </a:lstStyle>
-          <a:p>
-            <a:r>
-              <a:rPr lang="en-US" sz="1800" dirty="0" smtClean="0"/>
-              <a:t>Objective around doing Driver Analysis is to create multiple hypotheses around the </a:t>
-            </a:r>
-            <a:r>
-              <a:rPr lang="en-US" sz="1800" dirty="0" smtClean="0"/>
-              <a:t>derived metrics created using available </a:t>
-            </a:r>
-            <a:r>
-              <a:rPr lang="en-US" sz="1800" dirty="0" smtClean="0"/>
-              <a:t>data; to see what factors having a significant impact on the Loan default</a:t>
-            </a:r>
-            <a:endParaRPr lang="en-US" sz="1600" dirty="0"/>
-          </a:p>
-        </p:txBody>
-      </p:sp>
-    </p:spTree>
-    <p:extLst>
-      <p:ext uri="{BB962C8B-B14F-4D97-AF65-F5344CB8AC3E}">
-        <p14:creationId xmlns:p14="http://schemas.microsoft.com/office/powerpoint/2010/main" val="4165915122"/>
-      </p:ext>
-    </p:extLst>
-  </p:cSld>
-  <p:clrMapOvr>
-    <a:masterClrMapping/>
-  </p:clrMapOvr>
-  <mc:AlternateContent xmlns:mc="http://schemas.openxmlformats.org/markup-compatibility/2006" xmlns:p14="http://schemas.microsoft.com/office/powerpoint/2010/main">
-    <mc:Choice Requires="p14">
-      <p:transition spd="slow" p14:dur="2000"/>
-    </mc:Choice>
-    <mc:Fallback xmlns="">
-      <p:transition spd="slow"/>
-    </mc:Fallback>
-  </mc:AlternateContent>
-  <p:timing>
-    <p:tnLst>
-      <p:par>
-        <p:cTn id="1" dur="indefinite" restart="never" nodeType="tmRoot"/>
-      </p:par>
-    </p:tnLst>
-  </p:timing>
-</p:sld>
-</file>
-
-<file path=ppt/slides/slide12.xml><?xml version="1.0" encoding="utf-8"?>
-<p:sld xmlns:a="http://schemas.openxmlformats.org/drawingml/2006/main" xmlns:r="http://schemas.openxmlformats.org/officeDocument/2006/relationships" xmlns:p="http://schemas.openxmlformats.org/presentationml/2006/main">
-  <p:cSld>
-    <p:spTree>
-      <p:nvGrpSpPr>
-        <p:cNvPr id="1" name=""/>
-        <p:cNvGrpSpPr/>
-        <p:nvPr/>
-      </p:nvGrpSpPr>
-      <p:grpSpPr>
-        <a:xfrm>
-          <a:off x="0" y="0"/>
-          <a:ext cx="0" cy="0"/>
-          <a:chOff x="0" y="0"/>
-          <a:chExt cx="0" cy="0"/>
-        </a:xfrm>
-      </p:grpSpPr>
-      <p:sp>
-        <p:nvSpPr>
           <p:cNvPr id="4" name="Title 1"/>
           <p:cNvSpPr>
             <a:spLocks noGrp="1"/>
@@ -12325,7 +12780,7 @@
         <p:spPr>
           <a:xfrm>
             <a:off x="1136469" y="640080"/>
-            <a:ext cx="9313817" cy="856138"/>
+            <a:ext cx="10962398" cy="856138"/>
           </a:xfrm>
         </p:spPr>
         <p:txBody>
@@ -12336,16 +12791,32 @@
           <a:p>
             <a:r>
               <a:rPr lang="en-IN" b="1" dirty="0" smtClean="0"/>
-              <a:t>Loan Variables for Analysis</a:t>
+              <a:t>Hypothesis – </a:t>
+            </a:r>
+            <a:r>
+              <a:rPr lang="en-IN" b="1" dirty="0" smtClean="0"/>
+              <a:t>VI</a:t>
+            </a:r>
+            <a:r>
+              <a:rPr lang="en-IN" b="1" dirty="0" smtClean="0"/>
+              <a:t/>
             </a:r>
             <a:br>
               <a:rPr lang="en-IN" b="1" dirty="0" smtClean="0"/>
             </a:br>
             <a:r>
               <a:rPr lang="en-IN" sz="3100" i="1" dirty="0" smtClean="0"/>
-              <a:t>Correlation Matrix</a:t>
-            </a:r>
-            <a:endParaRPr lang="en-IN" sz="2200" i="1" dirty="0"/>
+              <a:t>Are there </a:t>
+            </a:r>
+            <a:r>
+              <a:rPr lang="en-IN" sz="3100" i="1" dirty="0" smtClean="0"/>
+              <a:t>Borrowers from specific </a:t>
+            </a:r>
+            <a:r>
+              <a:rPr lang="en-IN" sz="3100" i="1" dirty="0" smtClean="0"/>
+              <a:t>States more likely to Charge offs?</a:t>
+            </a:r>
+            <a:endParaRPr lang="en-IN" sz="3100" i="1" dirty="0"/>
           </a:p>
         </p:txBody>
       </p:sp>
@@ -12357,8 +12828,8 @@
         </p:nvSpPr>
         <p:spPr>
           <a:xfrm>
-            <a:off x="1836624" y="6045208"/>
-            <a:ext cx="9381711" cy="660393"/>
+            <a:off x="1836624" y="6132942"/>
+            <a:ext cx="9381711" cy="451057"/>
           </a:xfrm>
           <a:prstGeom prst="rect">
             <a:avLst/>
@@ -12394,7 +12865,17 @@
                 <a:latin typeface="Times New Roman" panose="02020603050405020304" pitchFamily="18" charset="0"/>
                 <a:cs typeface="Times New Roman" panose="02020603050405020304" pitchFamily="18" charset="0"/>
               </a:rPr>
-              <a:t>“No specific conclusions can be drawn as the correlated clusters observed are very obvious to interact among each other. However, there were a couple of more conclusions which could be identified from this matrix about the </a:t>
+              <a:t>“The </a:t>
+            </a:r>
+            <a:r>
+              <a:rPr lang="en-US" sz="1200" b="1" i="1" dirty="0">
+                <a:solidFill>
+                  <a:schemeClr val="tx1"/>
+                </a:solidFill>
+                <a:latin typeface="Times New Roman" panose="02020603050405020304" pitchFamily="18" charset="0"/>
+                <a:cs typeface="Times New Roman" panose="02020603050405020304" pitchFamily="18" charset="0"/>
+              </a:rPr>
+              <a:t>Consumer Finance Company</a:t>
             </a:r>
             <a:r>
               <a:rPr lang="en-US" sz="1200" i="1" dirty="0">
@@ -12404,7 +12885,7 @@
                 <a:latin typeface="Times New Roman" panose="02020603050405020304" pitchFamily="18" charset="0"/>
                 <a:cs typeface="Times New Roman" panose="02020603050405020304" pitchFamily="18" charset="0"/>
               </a:rPr>
-              <a:t>v</a:t>
+              <a:t> while screening the Borrower’s application </a:t>
             </a:r>
             <a:r>
               <a:rPr lang="en-US" sz="1200" i="1" dirty="0" smtClean="0">
@@ -12414,69 +12895,7 @@
                 <a:latin typeface="Times New Roman" panose="02020603050405020304" pitchFamily="18" charset="0"/>
                 <a:cs typeface="Times New Roman" panose="02020603050405020304" pitchFamily="18" charset="0"/>
               </a:rPr>
-              <a:t>ariables which are </a:t>
-            </a:r>
-            <a:r>
-              <a:rPr lang="en-US" sz="1200" i="1" dirty="0" smtClean="0">
-                <a:solidFill>
-                  <a:schemeClr val="tx1"/>
-                </a:solidFill>
-                <a:latin typeface="Times New Roman" panose="02020603050405020304" pitchFamily="18" charset="0"/>
-                <a:cs typeface="Times New Roman" panose="02020603050405020304" pitchFamily="18" charset="0"/>
-              </a:rPr>
-              <a:t>moderately Correlated –</a:t>
-            </a:r>
-          </a:p>
-          <a:p>
-            <a:r>
-              <a:rPr lang="en-US" sz="1200" b="1" i="1" dirty="0" smtClean="0">
-                <a:solidFill>
-                  <a:schemeClr val="tx1"/>
-                </a:solidFill>
-                <a:latin typeface="Times New Roman" panose="02020603050405020304" pitchFamily="18" charset="0"/>
-                <a:cs typeface="Times New Roman" panose="02020603050405020304" pitchFamily="18" charset="0"/>
-              </a:rPr>
-              <a:t>A.</a:t>
-            </a:r>
-            <a:r>
-              <a:rPr lang="en-US" sz="1200" i="1" dirty="0" smtClean="0">
-                <a:solidFill>
-                  <a:schemeClr val="tx1"/>
-                </a:solidFill>
-                <a:latin typeface="Times New Roman" panose="02020603050405020304" pitchFamily="18" charset="0"/>
-                <a:cs typeface="Times New Roman" panose="02020603050405020304" pitchFamily="18" charset="0"/>
-              </a:rPr>
-              <a:t> Installment &amp; Total Payment </a:t>
-            </a:r>
-            <a:r>
-              <a:rPr lang="en-US" sz="1200" b="1" i="1" dirty="0" smtClean="0">
-                <a:solidFill>
-                  <a:schemeClr val="tx1"/>
-                </a:solidFill>
-                <a:latin typeface="Times New Roman" panose="02020603050405020304" pitchFamily="18" charset="0"/>
-                <a:cs typeface="Times New Roman" panose="02020603050405020304" pitchFamily="18" charset="0"/>
-              </a:rPr>
-              <a:t>B. </a:t>
-            </a:r>
-            <a:r>
-              <a:rPr lang="en-US" sz="1200" i="1" dirty="0" smtClean="0">
-                <a:solidFill>
-                  <a:schemeClr val="tx1"/>
-                </a:solidFill>
-                <a:latin typeface="Times New Roman" panose="02020603050405020304" pitchFamily="18" charset="0"/>
-                <a:cs typeface="Times New Roman" panose="02020603050405020304" pitchFamily="18" charset="0"/>
-              </a:rPr>
-              <a:t>Annual Income &amp; Revolving Balance.</a:t>
-            </a:r>
-            <a:r>
-              <a:rPr lang="en-US" sz="1200" i="1" dirty="0" smtClean="0">
-                <a:solidFill>
-                  <a:schemeClr val="tx1"/>
-                </a:solidFill>
-                <a:latin typeface="Times New Roman" panose="02020603050405020304" pitchFamily="18" charset="0"/>
-                <a:cs typeface="Times New Roman" panose="02020603050405020304" pitchFamily="18" charset="0"/>
-              </a:rPr>
-              <a:t>”</a:t>
+              <a:t>from specific states as highlighted, should screen the applications”</a:t>
             </a:r>
             <a:endParaRPr lang="en-US" sz="1200" i="1" dirty="0" smtClean="0">
               <a:solidFill>
@@ -12627,7 +13046,7 @@
       </p:cxnSp>
       <p:pic>
         <p:nvPicPr>
-          <p:cNvPr id="21" name="Picture 2" descr="C:\Users\ssen1005\Desktop\PGDML\107\loan\corr_matrix.png"/>
+          <p:cNvPr id="5124" name="Picture 4"/>
           <p:cNvPicPr>
             <a:picLocks noChangeAspect="1" noChangeArrowheads="1"/>
           </p:cNvPicPr>
@@ -12648,8 +13067,1927 @@
         </p:blipFill>
         <p:spPr bwMode="auto">
           <a:xfrm>
-            <a:off x="1376252" y="1889449"/>
-            <a:ext cx="5640446" cy="4121887"/>
+            <a:off x="1184093" y="2192583"/>
+            <a:ext cx="7256816" cy="3258767"/>
+          </a:xfrm>
+          <a:prstGeom prst="rect">
+            <a:avLst/>
+          </a:prstGeom>
+          <a:noFill/>
+          <a:ln>
+            <a:noFill/>
+          </a:ln>
+          <a:extLst>
+            <a:ext uri="{909E8E84-426E-40DD-AFC4-6F175D3DCCD1}">
+              <a14:hiddenFill xmlns:a14="http://schemas.microsoft.com/office/drawing/2010/main">
+                <a:solidFill>
+                  <a:schemeClr val="accent1"/>
+                </a:solidFill>
+              </a14:hiddenFill>
+            </a:ext>
+            <a:ext uri="{91240B29-F687-4F45-9708-019B960494DF}">
+              <a14:hiddenLine xmlns:a14="http://schemas.microsoft.com/office/drawing/2010/main" w="9525">
+                <a:solidFill>
+                  <a:schemeClr val="tx1"/>
+                </a:solidFill>
+                <a:miter lim="800000"/>
+                <a:headEnd/>
+                <a:tailEnd/>
+              </a14:hiddenLine>
+            </a:ext>
+          </a:extLst>
+        </p:spPr>
+      </p:pic>
+      <p:sp>
+        <p:nvSpPr>
+          <p:cNvPr id="5" name="Rectangle 4"/>
+          <p:cNvSpPr/>
+          <p:nvPr/>
+        </p:nvSpPr>
+        <p:spPr>
+          <a:xfrm>
+            <a:off x="8435047" y="2532502"/>
+            <a:ext cx="3128212" cy="2031325"/>
+          </a:xfrm>
+          <a:prstGeom prst="rect">
+            <a:avLst/>
+          </a:prstGeom>
+        </p:spPr>
+        <p:txBody>
+          <a:bodyPr>
+            <a:spAutoFit/>
+          </a:bodyPr>
+          <a:lstStyle/>
+          <a:p>
+            <a:pPr marL="285750" indent="-285750">
+              <a:buFont typeface="Arial" panose="020B0604020202020204" pitchFamily="34" charset="0"/>
+              <a:buChar char="•"/>
+            </a:pPr>
+            <a:r>
+              <a:rPr lang="en-US" dirty="0" smtClean="0">
+                <a:latin typeface="Times New Roman" panose="02020603050405020304" pitchFamily="18" charset="0"/>
+                <a:cs typeface="Times New Roman" panose="02020603050405020304" pitchFamily="18" charset="0"/>
+              </a:rPr>
+              <a:t>It was observed for certain states viz. </a:t>
+            </a:r>
+            <a:r>
+              <a:rPr lang="en-US" b="1" dirty="0">
+                <a:latin typeface="Times New Roman" panose="02020603050405020304" pitchFamily="18" charset="0"/>
+                <a:cs typeface="Times New Roman" panose="02020603050405020304" pitchFamily="18" charset="0"/>
+              </a:rPr>
+              <a:t>Utah</a:t>
+            </a:r>
+            <a:r>
+              <a:rPr lang="en-US" dirty="0" smtClean="0">
+                <a:latin typeface="Times New Roman" panose="02020603050405020304" pitchFamily="18" charset="0"/>
+                <a:cs typeface="Times New Roman" panose="02020603050405020304" pitchFamily="18" charset="0"/>
+              </a:rPr>
+              <a:t>, </a:t>
+            </a:r>
+            <a:r>
+              <a:rPr lang="en-US" b="1" dirty="0" smtClean="0">
+                <a:latin typeface="Times New Roman" panose="02020603050405020304" pitchFamily="18" charset="0"/>
+                <a:cs typeface="Times New Roman" panose="02020603050405020304" pitchFamily="18" charset="0"/>
+              </a:rPr>
+              <a:t>Ohio</a:t>
+            </a:r>
+            <a:r>
+              <a:rPr lang="en-US" dirty="0" smtClean="0">
+                <a:latin typeface="Times New Roman" panose="02020603050405020304" pitchFamily="18" charset="0"/>
+                <a:cs typeface="Times New Roman" panose="02020603050405020304" pitchFamily="18" charset="0"/>
+              </a:rPr>
+              <a:t>, </a:t>
+            </a:r>
+            <a:r>
+              <a:rPr lang="en-US" b="1" dirty="0" smtClean="0">
+                <a:latin typeface="Times New Roman" panose="02020603050405020304" pitchFamily="18" charset="0"/>
+                <a:cs typeface="Times New Roman" panose="02020603050405020304" pitchFamily="18" charset="0"/>
+              </a:rPr>
+              <a:t>Nevada</a:t>
+            </a:r>
+            <a:r>
+              <a:rPr lang="en-US" dirty="0" smtClean="0">
+                <a:latin typeface="Times New Roman" panose="02020603050405020304" pitchFamily="18" charset="0"/>
+                <a:cs typeface="Times New Roman" panose="02020603050405020304" pitchFamily="18" charset="0"/>
+              </a:rPr>
+              <a:t>, </a:t>
+            </a:r>
+            <a:r>
+              <a:rPr lang="en-US" b="1" dirty="0" smtClean="0">
+                <a:latin typeface="Times New Roman" panose="02020603050405020304" pitchFamily="18" charset="0"/>
+                <a:cs typeface="Times New Roman" panose="02020603050405020304" pitchFamily="18" charset="0"/>
+              </a:rPr>
+              <a:t>Alaska</a:t>
+            </a:r>
+            <a:r>
+              <a:rPr lang="en-US" dirty="0">
+                <a:latin typeface="Times New Roman" panose="02020603050405020304" pitchFamily="18" charset="0"/>
+                <a:cs typeface="Times New Roman" panose="02020603050405020304" pitchFamily="18" charset="0"/>
+              </a:rPr>
+              <a:t> </a:t>
+            </a:r>
+            <a:r>
+              <a:rPr lang="en-US" dirty="0" smtClean="0">
+                <a:latin typeface="Times New Roman" panose="02020603050405020304" pitchFamily="18" charset="0"/>
+                <a:cs typeface="Times New Roman" panose="02020603050405020304" pitchFamily="18" charset="0"/>
+              </a:rPr>
+              <a:t> &amp; </a:t>
+            </a:r>
+            <a:r>
+              <a:rPr lang="en-US" b="1" dirty="0" smtClean="0">
+                <a:latin typeface="Times New Roman" panose="02020603050405020304" pitchFamily="18" charset="0"/>
+                <a:cs typeface="Times New Roman" panose="02020603050405020304" pitchFamily="18" charset="0"/>
+              </a:rPr>
+              <a:t>Wisconsin</a:t>
+            </a:r>
+            <a:r>
+              <a:rPr lang="en-US" dirty="0">
+                <a:latin typeface="Times New Roman" panose="02020603050405020304" pitchFamily="18" charset="0"/>
+                <a:cs typeface="Times New Roman" panose="02020603050405020304" pitchFamily="18" charset="0"/>
+              </a:rPr>
+              <a:t> </a:t>
+            </a:r>
+            <a:r>
+              <a:rPr lang="en-US" dirty="0" smtClean="0">
+                <a:latin typeface="Times New Roman" panose="02020603050405020304" pitchFamily="18" charset="0"/>
+                <a:cs typeface="Times New Roman" panose="02020603050405020304" pitchFamily="18" charset="0"/>
+              </a:rPr>
+              <a:t> that as </a:t>
+            </a:r>
+            <a:r>
+              <a:rPr lang="en-US" dirty="0">
+                <a:latin typeface="Times New Roman" panose="02020603050405020304" pitchFamily="18" charset="0"/>
+                <a:cs typeface="Times New Roman" panose="02020603050405020304" pitchFamily="18" charset="0"/>
+              </a:rPr>
+              <a:t>the interest rates </a:t>
+            </a:r>
+            <a:r>
+              <a:rPr lang="en-US" dirty="0" smtClean="0">
+                <a:latin typeface="Times New Roman" panose="02020603050405020304" pitchFamily="18" charset="0"/>
+                <a:cs typeface="Times New Roman" panose="02020603050405020304" pitchFamily="18" charset="0"/>
+              </a:rPr>
+              <a:t>increased beyond </a:t>
+            </a:r>
+            <a:r>
+              <a:rPr lang="en-US" dirty="0">
+                <a:latin typeface="Times New Roman" panose="02020603050405020304" pitchFamily="18" charset="0"/>
+                <a:cs typeface="Times New Roman" panose="02020603050405020304" pitchFamily="18" charset="0"/>
+              </a:rPr>
+              <a:t>a threshold most borrowers </a:t>
+            </a:r>
+            <a:r>
+              <a:rPr lang="en-US" dirty="0" smtClean="0">
+                <a:latin typeface="Times New Roman" panose="02020603050405020304" pitchFamily="18" charset="0"/>
+                <a:cs typeface="Times New Roman" panose="02020603050405020304" pitchFamily="18" charset="0"/>
+              </a:rPr>
+              <a:t>default.</a:t>
+            </a:r>
+            <a:endParaRPr lang="en-US" dirty="0">
+              <a:latin typeface="Times New Roman" panose="02020603050405020304" pitchFamily="18" charset="0"/>
+              <a:cs typeface="Times New Roman" panose="02020603050405020304" pitchFamily="18" charset="0"/>
+            </a:endParaRPr>
+          </a:p>
+        </p:txBody>
+      </p:sp>
+    </p:spTree>
+    <p:extLst>
+      <p:ext uri="{BB962C8B-B14F-4D97-AF65-F5344CB8AC3E}">
+        <p14:creationId xmlns:p14="http://schemas.microsoft.com/office/powerpoint/2010/main" val="3161727103"/>
+      </p:ext>
+    </p:extLst>
+  </p:cSld>
+  <p:clrMapOvr>
+    <a:masterClrMapping/>
+  </p:clrMapOvr>
+  <p:timing>
+    <p:tnLst>
+      <p:par>
+        <p:cTn id="1" dur="indefinite" restart="never" nodeType="tmRoot"/>
+      </p:par>
+    </p:tnLst>
+  </p:timing>
+</p:sld>
+</file>
+
+<file path=ppt/slides/slide12.xml><?xml version="1.0" encoding="utf-8"?>
+<p:sld xmlns:a="http://schemas.openxmlformats.org/drawingml/2006/main" xmlns:r="http://schemas.openxmlformats.org/officeDocument/2006/relationships" xmlns:p="http://schemas.openxmlformats.org/presentationml/2006/main">
+  <p:cSld>
+    <p:spTree>
+      <p:nvGrpSpPr>
+        <p:cNvPr id="1" name=""/>
+        <p:cNvGrpSpPr/>
+        <p:nvPr/>
+      </p:nvGrpSpPr>
+      <p:grpSpPr>
+        <a:xfrm>
+          <a:off x="0" y="0"/>
+          <a:ext cx="0" cy="0"/>
+          <a:chOff x="0" y="0"/>
+          <a:chExt cx="0" cy="0"/>
+        </a:xfrm>
+      </p:grpSpPr>
+      <p:sp>
+        <p:nvSpPr>
+          <p:cNvPr id="5" name="Title 1"/>
+          <p:cNvSpPr>
+            <a:spLocks noGrp="1"/>
+          </p:cNvSpPr>
+          <p:nvPr>
+            <p:ph type="title"/>
+          </p:nvPr>
+        </p:nvSpPr>
+        <p:spPr>
+          <a:xfrm>
+            <a:off x="1111069" y="3146213"/>
+            <a:ext cx="9313817" cy="856138"/>
+          </a:xfrm>
+        </p:spPr>
+        <p:txBody>
+          <a:bodyPr>
+            <a:normAutofit fontScale="90000"/>
+          </a:bodyPr>
+          <a:lstStyle/>
+          <a:p>
+            <a:pPr lvl="0"/>
+            <a:r>
+              <a:rPr lang="en-IN" b="1" dirty="0" smtClean="0"/>
+              <a:t>Driver Analysis </a:t>
+            </a:r>
+            <a:r>
+              <a:rPr lang="en-IN" i="1" dirty="0" smtClean="0"/>
+              <a:t>by Categories</a:t>
+            </a:r>
+            <a:r>
+              <a:rPr lang="en-IN" b="1" i="1" dirty="0" smtClean="0"/>
+              <a:t/>
+            </a:r>
+            <a:br>
+              <a:rPr lang="en-IN" b="1" i="1" dirty="0" smtClean="0"/>
+            </a:br>
+            <a:r>
+              <a:rPr lang="en-IN" sz="3100" dirty="0" smtClean="0"/>
+              <a:t>[</a:t>
+            </a:r>
+            <a:r>
+              <a:rPr lang="en-US" sz="3200" dirty="0"/>
+              <a:t>through </a:t>
+            </a:r>
+            <a:r>
+              <a:rPr lang="en-US" sz="3200" dirty="0" smtClean="0"/>
+              <a:t>derived metrics]</a:t>
+            </a:r>
+            <a:endParaRPr lang="en-US" sz="3200" dirty="0"/>
+          </a:p>
+        </p:txBody>
+      </p:sp>
+      <p:sp>
+        <p:nvSpPr>
+          <p:cNvPr id="6" name="Title 1"/>
+          <p:cNvSpPr txBox="1">
+            <a:spLocks/>
+          </p:cNvSpPr>
+          <p:nvPr/>
+        </p:nvSpPr>
+        <p:spPr>
+          <a:xfrm>
+            <a:off x="1178802" y="4153746"/>
+            <a:ext cx="9313817" cy="856138"/>
+          </a:xfrm>
+          <a:prstGeom prst="rect">
+            <a:avLst/>
+          </a:prstGeom>
+        </p:spPr>
+        <p:txBody>
+          <a:bodyPr vert="horz" lIns="91440" tIns="45720" rIns="91440" bIns="45720" rtlCol="0" anchor="ctr">
+            <a:noAutofit/>
+          </a:bodyPr>
+          <a:lstStyle>
+            <a:lvl1pPr algn="l" defTabSz="914400" rtl="0" eaLnBrk="1" latinLnBrk="0" hangingPunct="1">
+              <a:lnSpc>
+                <a:spcPct val="90000"/>
+              </a:lnSpc>
+              <a:spcBef>
+                <a:spcPct val="0"/>
+              </a:spcBef>
+              <a:buNone/>
+              <a:defRPr sz="4000" kern="1200">
+                <a:solidFill>
+                  <a:schemeClr val="tx1"/>
+                </a:solidFill>
+                <a:latin typeface="Times New Roman" panose="02020603050405020304" pitchFamily="18" charset="0"/>
+                <a:ea typeface="+mj-ea"/>
+                <a:cs typeface="Times New Roman" panose="02020603050405020304" pitchFamily="18" charset="0"/>
+              </a:defRPr>
+            </a:lvl1pPr>
+          </a:lstStyle>
+          <a:p>
+            <a:r>
+              <a:rPr lang="en-US" sz="1800" dirty="0" smtClean="0"/>
+              <a:t>Objective around doing Driver Analysis is to create multiple hypotheses around the derived metrics created using available data; to see what factors having a significant impact on the Loan default</a:t>
+            </a:r>
+            <a:endParaRPr lang="en-US" sz="1600" dirty="0"/>
+          </a:p>
+        </p:txBody>
+      </p:sp>
+    </p:spTree>
+    <p:extLst>
+      <p:ext uri="{BB962C8B-B14F-4D97-AF65-F5344CB8AC3E}">
+        <p14:creationId xmlns:p14="http://schemas.microsoft.com/office/powerpoint/2010/main" val="4165915122"/>
+      </p:ext>
+    </p:extLst>
+  </p:cSld>
+  <p:clrMapOvr>
+    <a:masterClrMapping/>
+  </p:clrMapOvr>
+  <mc:AlternateContent xmlns:mc="http://schemas.openxmlformats.org/markup-compatibility/2006" xmlns:p14="http://schemas.microsoft.com/office/powerpoint/2010/main">
+    <mc:Choice Requires="p14">
+      <p:transition spd="slow" p14:dur="2000"/>
+    </mc:Choice>
+    <mc:Fallback xmlns="">
+      <p:transition spd="slow"/>
+    </mc:Fallback>
+  </mc:AlternateContent>
+  <p:timing>
+    <p:tnLst>
+      <p:par>
+        <p:cTn id="1" dur="indefinite" restart="never" nodeType="tmRoot"/>
+      </p:par>
+    </p:tnLst>
+  </p:timing>
+</p:sld>
+</file>
+
+<file path=ppt/slides/slide13.xml><?xml version="1.0" encoding="utf-8"?>
+<p:sld xmlns:a="http://schemas.openxmlformats.org/drawingml/2006/main" xmlns:r="http://schemas.openxmlformats.org/officeDocument/2006/relationships" xmlns:p="http://schemas.openxmlformats.org/presentationml/2006/main">
+  <p:cSld>
+    <p:spTree>
+      <p:nvGrpSpPr>
+        <p:cNvPr id="1" name=""/>
+        <p:cNvGrpSpPr/>
+        <p:nvPr/>
+      </p:nvGrpSpPr>
+      <p:grpSpPr>
+        <a:xfrm>
+          <a:off x="0" y="0"/>
+          <a:ext cx="0" cy="0"/>
+          <a:chOff x="0" y="0"/>
+          <a:chExt cx="0" cy="0"/>
+        </a:xfrm>
+      </p:grpSpPr>
+      <p:sp>
+        <p:nvSpPr>
+          <p:cNvPr id="8" name="Title 1"/>
+          <p:cNvSpPr>
+            <a:spLocks noGrp="1"/>
+          </p:cNvSpPr>
+          <p:nvPr>
+            <p:ph type="title"/>
+          </p:nvPr>
+        </p:nvSpPr>
+        <p:spPr>
+          <a:xfrm>
+            <a:off x="1136469" y="640080"/>
+            <a:ext cx="10962398" cy="856138"/>
+          </a:xfrm>
+        </p:spPr>
+        <p:txBody>
+          <a:bodyPr>
+            <a:normAutofit fontScale="90000"/>
+          </a:bodyPr>
+          <a:lstStyle/>
+          <a:p>
+            <a:r>
+              <a:rPr lang="en-IN" b="1" dirty="0" smtClean="0"/>
+              <a:t>Intelligent Features</a:t>
+            </a:r>
+            <a:br>
+              <a:rPr lang="en-IN" b="1" dirty="0" smtClean="0"/>
+            </a:br>
+            <a:r>
+              <a:rPr lang="en-IN" sz="3100" i="1" dirty="0" smtClean="0"/>
+              <a:t>Understanding the Definition / Purpose</a:t>
+            </a:r>
+            <a:endParaRPr lang="en-IN" sz="3100" i="1" dirty="0"/>
+          </a:p>
+        </p:txBody>
+      </p:sp>
+      <p:sp>
+        <p:nvSpPr>
+          <p:cNvPr id="10" name="Title 1"/>
+          <p:cNvSpPr txBox="1">
+            <a:spLocks/>
+          </p:cNvSpPr>
+          <p:nvPr/>
+        </p:nvSpPr>
+        <p:spPr>
+          <a:xfrm>
+            <a:off x="1170335" y="1566793"/>
+            <a:ext cx="10268131" cy="4760056"/>
+          </a:xfrm>
+          <a:prstGeom prst="rect">
+            <a:avLst/>
+          </a:prstGeom>
+        </p:spPr>
+        <p:txBody>
+          <a:bodyPr vert="horz" lIns="91440" tIns="45720" rIns="91440" bIns="45720" rtlCol="0" anchor="ctr">
+            <a:noAutofit/>
+          </a:bodyPr>
+          <a:lstStyle>
+            <a:lvl1pPr algn="l" defTabSz="914400" rtl="0" eaLnBrk="1" latinLnBrk="0" hangingPunct="1">
+              <a:lnSpc>
+                <a:spcPct val="90000"/>
+              </a:lnSpc>
+              <a:spcBef>
+                <a:spcPct val="0"/>
+              </a:spcBef>
+              <a:buNone/>
+              <a:defRPr sz="4000" kern="1200">
+                <a:solidFill>
+                  <a:schemeClr val="tx1"/>
+                </a:solidFill>
+                <a:latin typeface="Times New Roman" panose="02020603050405020304" pitchFamily="18" charset="0"/>
+                <a:ea typeface="+mj-ea"/>
+                <a:cs typeface="Times New Roman" panose="02020603050405020304" pitchFamily="18" charset="0"/>
+              </a:defRPr>
+            </a:lvl1pPr>
+          </a:lstStyle>
+          <a:p>
+            <a:pPr marL="285750" indent="-285750">
+              <a:buFont typeface="Arial" panose="020B0604020202020204" pitchFamily="34" charset="0"/>
+              <a:buChar char="•"/>
+            </a:pPr>
+            <a:r>
+              <a:rPr lang="en-US" sz="2400" b="1" dirty="0" smtClean="0"/>
+              <a:t>Loan Risk Variable – </a:t>
+            </a:r>
+            <a:r>
+              <a:rPr lang="en-US" sz="2400" dirty="0" smtClean="0"/>
+              <a:t>Categorized the Loan Status into two parts </a:t>
+            </a:r>
+            <a:r>
+              <a:rPr lang="en-US" sz="2400" b="1" dirty="0" smtClean="0"/>
+              <a:t>Low-Risk</a:t>
+            </a:r>
+            <a:r>
+              <a:rPr lang="en-US" sz="2400" dirty="0" smtClean="0"/>
+              <a:t> &amp; </a:t>
+            </a:r>
+            <a:r>
+              <a:rPr lang="en-US" sz="2400" b="1" dirty="0" smtClean="0"/>
+              <a:t>Moderate Risk </a:t>
+            </a:r>
+            <a:r>
+              <a:rPr lang="en-US" sz="2400" dirty="0" smtClean="0"/>
+              <a:t>based on Median of Current Status DTI is &gt;15%. More DTI more risk on Loan. So to segregate between Low &amp; Moderate</a:t>
+            </a:r>
+            <a:endParaRPr lang="en-US" sz="2400" b="1" dirty="0" smtClean="0"/>
+          </a:p>
+          <a:p>
+            <a:pPr marL="285750" indent="-285750">
+              <a:buFont typeface="Arial" panose="020B0604020202020204" pitchFamily="34" charset="0"/>
+              <a:buChar char="•"/>
+            </a:pPr>
+            <a:endParaRPr lang="en-US" sz="2400" dirty="0"/>
+          </a:p>
+          <a:p>
+            <a:pPr marL="285750" indent="-285750">
+              <a:buFont typeface="Arial" panose="020B0604020202020204" pitchFamily="34" charset="0"/>
+              <a:buChar char="•"/>
+            </a:pPr>
+            <a:r>
+              <a:rPr lang="en-US" sz="2400" b="1" dirty="0" smtClean="0"/>
+              <a:t>Outstanding Balance </a:t>
+            </a:r>
+            <a:r>
+              <a:rPr lang="en-US" sz="2400" dirty="0" smtClean="0"/>
+              <a:t>– (</a:t>
+            </a:r>
+            <a:r>
+              <a:rPr lang="en-US" sz="2400" b="1" dirty="0" smtClean="0"/>
+              <a:t>Funded Amount </a:t>
+            </a:r>
+            <a:r>
+              <a:rPr lang="en-US" sz="2400" dirty="0" smtClean="0"/>
+              <a:t>–</a:t>
+            </a:r>
+            <a:r>
+              <a:rPr lang="en-US" sz="2400" b="1" dirty="0" smtClean="0"/>
+              <a:t> Total Principal Received Amount</a:t>
+            </a:r>
+            <a:r>
+              <a:rPr lang="en-US" sz="2400" dirty="0" smtClean="0"/>
+              <a:t>) To identify patterns around it through drivers</a:t>
+            </a:r>
+          </a:p>
+          <a:p>
+            <a:pPr marL="285750" indent="-285750">
+              <a:buFont typeface="Arial" panose="020B0604020202020204" pitchFamily="34" charset="0"/>
+              <a:buChar char="•"/>
+            </a:pPr>
+            <a:endParaRPr lang="en-US" sz="2400" dirty="0" smtClean="0"/>
+          </a:p>
+          <a:p>
+            <a:pPr marL="285750" indent="-285750">
+              <a:buFont typeface="Arial" panose="020B0604020202020204" pitchFamily="34" charset="0"/>
+              <a:buChar char="•"/>
+            </a:pPr>
+            <a:r>
+              <a:rPr lang="en-US" sz="2400" dirty="0" smtClean="0"/>
+              <a:t>US Regions</a:t>
+            </a:r>
+          </a:p>
+          <a:p>
+            <a:pPr marL="285750" indent="-285750">
+              <a:buFont typeface="Arial" panose="020B0604020202020204" pitchFamily="34" charset="0"/>
+              <a:buChar char="•"/>
+            </a:pPr>
+            <a:endParaRPr lang="en-US" sz="2400" dirty="0"/>
+          </a:p>
+        </p:txBody>
+      </p:sp>
+    </p:spTree>
+    <p:extLst>
+      <p:ext uri="{BB962C8B-B14F-4D97-AF65-F5344CB8AC3E}">
+        <p14:creationId xmlns:p14="http://schemas.microsoft.com/office/powerpoint/2010/main" val="1173758973"/>
+      </p:ext>
+    </p:extLst>
+  </p:cSld>
+  <p:clrMapOvr>
+    <a:masterClrMapping/>
+  </p:clrMapOvr>
+  <mc:AlternateContent xmlns:mc="http://schemas.openxmlformats.org/markup-compatibility/2006" xmlns:p14="http://schemas.microsoft.com/office/powerpoint/2010/main">
+    <mc:Choice Requires="p14">
+      <p:transition spd="slow" p14:dur="2000"/>
+    </mc:Choice>
+    <mc:Fallback xmlns="">
+      <p:transition spd="slow"/>
+    </mc:Fallback>
+  </mc:AlternateContent>
+  <p:timing>
+    <p:tnLst>
+      <p:par>
+        <p:cTn id="1" dur="indefinite" restart="never" nodeType="tmRoot"/>
+      </p:par>
+    </p:tnLst>
+  </p:timing>
+</p:sld>
+</file>
+
+<file path=ppt/slides/slide14.xml><?xml version="1.0" encoding="utf-8"?>
+<p:sld xmlns:a="http://schemas.openxmlformats.org/drawingml/2006/main" xmlns:r="http://schemas.openxmlformats.org/officeDocument/2006/relationships" xmlns:p="http://schemas.openxmlformats.org/presentationml/2006/main">
+  <p:cSld>
+    <p:spTree>
+      <p:nvGrpSpPr>
+        <p:cNvPr id="1" name=""/>
+        <p:cNvGrpSpPr/>
+        <p:nvPr/>
+      </p:nvGrpSpPr>
+      <p:grpSpPr>
+        <a:xfrm>
+          <a:off x="0" y="0"/>
+          <a:ext cx="0" cy="0"/>
+          <a:chOff x="0" y="0"/>
+          <a:chExt cx="0" cy="0"/>
+        </a:xfrm>
+      </p:grpSpPr>
+      <p:sp>
+        <p:nvSpPr>
+          <p:cNvPr id="4" name="Title 1"/>
+          <p:cNvSpPr>
+            <a:spLocks noGrp="1"/>
+          </p:cNvSpPr>
+          <p:nvPr>
+            <p:ph type="title"/>
+          </p:nvPr>
+        </p:nvSpPr>
+        <p:spPr>
+          <a:xfrm>
+            <a:off x="1136469" y="640080"/>
+            <a:ext cx="9313817" cy="856138"/>
+          </a:xfrm>
+        </p:spPr>
+        <p:txBody>
+          <a:bodyPr>
+            <a:normAutofit fontScale="90000"/>
+          </a:bodyPr>
+          <a:lstStyle/>
+          <a:p>
+            <a:r>
+              <a:rPr lang="en-IN" b="1" dirty="0" smtClean="0"/>
+              <a:t>Risk Analysis for Derived Metrics</a:t>
+            </a:r>
+            <a:r>
+              <a:rPr lang="en-IN" b="1" dirty="0"/>
+              <a:t/>
+            </a:r>
+            <a:br>
+              <a:rPr lang="en-IN" b="1" dirty="0"/>
+            </a:br>
+            <a:r>
+              <a:rPr lang="en-IN" sz="3100" i="1" dirty="0" smtClean="0"/>
+              <a:t>Insights from Intelligent Features – </a:t>
+            </a:r>
+            <a:r>
+              <a:rPr lang="en-IN" sz="3100" b="1" dirty="0" smtClean="0"/>
+              <a:t>I</a:t>
+            </a:r>
+            <a:endParaRPr lang="en-IN" sz="3100" b="1" dirty="0"/>
+          </a:p>
+        </p:txBody>
+      </p:sp>
+      <p:sp>
+        <p:nvSpPr>
+          <p:cNvPr id="10" name="Rounded Rectangle 9"/>
+          <p:cNvSpPr/>
+          <p:nvPr/>
+        </p:nvSpPr>
+        <p:spPr>
+          <a:xfrm>
+            <a:off x="1015994" y="1650999"/>
+            <a:ext cx="10532533" cy="5122333"/>
+          </a:xfrm>
+          <a:prstGeom prst="roundRect">
+            <a:avLst/>
+          </a:prstGeom>
+          <a:noFill/>
+          <a:ln>
+            <a:solidFill>
+              <a:schemeClr val="tx2"/>
+            </a:solidFill>
+            <a:prstDash val="lgDash"/>
+          </a:ln>
+        </p:spPr>
+        <p:style>
+          <a:lnRef idx="2">
+            <a:schemeClr val="accent1">
+              <a:shade val="50000"/>
+            </a:schemeClr>
+          </a:lnRef>
+          <a:fillRef idx="1">
+            <a:schemeClr val="accent1"/>
+          </a:fillRef>
+          <a:effectRef idx="0">
+            <a:schemeClr val="accent1"/>
+          </a:effectRef>
+          <a:fontRef idx="minor">
+            <a:schemeClr val="lt1"/>
+          </a:fontRef>
+        </p:style>
+        <p:txBody>
+          <a:bodyPr rtlCol="0" anchor="ctr"/>
+          <a:lstStyle/>
+          <a:p>
+            <a:pPr algn="ctr"/>
+            <a:endParaRPr lang="en-US" dirty="0"/>
+          </a:p>
+        </p:txBody>
+      </p:sp>
+      <p:sp>
+        <p:nvSpPr>
+          <p:cNvPr id="2" name="Rectangle 1"/>
+          <p:cNvSpPr/>
+          <p:nvPr/>
+        </p:nvSpPr>
+        <p:spPr>
+          <a:xfrm>
+            <a:off x="1465352" y="5349985"/>
+            <a:ext cx="4816908" cy="584775"/>
+          </a:xfrm>
+          <a:prstGeom prst="rect">
+            <a:avLst/>
+          </a:prstGeom>
+        </p:spPr>
+        <p:txBody>
+          <a:bodyPr wrap="square">
+            <a:spAutoFit/>
+          </a:bodyPr>
+          <a:lstStyle/>
+          <a:p>
+            <a:pPr marL="285750" indent="-285750">
+              <a:buFont typeface="Arial" panose="020B0604020202020204" pitchFamily="34" charset="0"/>
+              <a:buChar char="•"/>
+            </a:pPr>
+            <a:r>
+              <a:rPr lang="en-US" sz="1600" b="1" dirty="0" smtClean="0">
+                <a:latin typeface="Times New Roman" panose="02020603050405020304" pitchFamily="18" charset="0"/>
+                <a:cs typeface="Times New Roman" panose="02020603050405020304" pitchFamily="18" charset="0"/>
+              </a:rPr>
+              <a:t>Western-US</a:t>
+            </a:r>
+            <a:r>
+              <a:rPr lang="en-US" sz="1600" dirty="0" smtClean="0">
+                <a:latin typeface="Times New Roman" panose="02020603050405020304" pitchFamily="18" charset="0"/>
+                <a:cs typeface="Times New Roman" panose="02020603050405020304" pitchFamily="18" charset="0"/>
+              </a:rPr>
+              <a:t> </a:t>
+            </a:r>
+            <a:r>
+              <a:rPr lang="en-US" sz="1600" dirty="0">
+                <a:latin typeface="Times New Roman" panose="02020603050405020304" pitchFamily="18" charset="0"/>
+                <a:cs typeface="Times New Roman" panose="02020603050405020304" pitchFamily="18" charset="0"/>
+              </a:rPr>
+              <a:t>region is higher on Moderate Risk as total outstanding balance is higher in this </a:t>
+            </a:r>
+            <a:r>
+              <a:rPr lang="en-US" sz="1600" dirty="0" smtClean="0">
+                <a:latin typeface="Times New Roman" panose="02020603050405020304" pitchFamily="18" charset="0"/>
+                <a:cs typeface="Times New Roman" panose="02020603050405020304" pitchFamily="18" charset="0"/>
+              </a:rPr>
+              <a:t>region</a:t>
+            </a:r>
+            <a:endParaRPr lang="en-US" sz="1600" dirty="0">
+              <a:latin typeface="Times New Roman" panose="02020603050405020304" pitchFamily="18" charset="0"/>
+              <a:cs typeface="Times New Roman" panose="02020603050405020304" pitchFamily="18" charset="0"/>
+            </a:endParaRPr>
+          </a:p>
+        </p:txBody>
+      </p:sp>
+      <p:pic>
+        <p:nvPicPr>
+          <p:cNvPr id="2050" name="Picture 2" descr="C:\Users\ssen1005\Desktop\PGDML\107\Brijesh\regin_grade_wise_loan_risk-1.png"/>
+          <p:cNvPicPr>
+            <a:picLocks noChangeAspect="1" noChangeArrowheads="1"/>
+          </p:cNvPicPr>
+          <p:nvPr/>
+        </p:nvPicPr>
+        <p:blipFill>
+          <a:blip r:embed="rId2">
+            <a:extLst>
+              <a:ext uri="{28A0092B-C50C-407E-A947-70E740481C1C}">
+                <a14:useLocalDpi xmlns:a14="http://schemas.microsoft.com/office/drawing/2010/main" val="0"/>
+              </a:ext>
+            </a:extLst>
+          </a:blip>
+          <a:srcRect/>
+          <a:stretch>
+            <a:fillRect/>
+          </a:stretch>
+        </p:blipFill>
+        <p:spPr bwMode="auto">
+          <a:xfrm>
+            <a:off x="1183158" y="2413642"/>
+            <a:ext cx="4746973" cy="2779477"/>
+          </a:xfrm>
+          <a:prstGeom prst="rect">
+            <a:avLst/>
+          </a:prstGeom>
+          <a:noFill/>
+          <a:extLst>
+            <a:ext uri="{909E8E84-426E-40DD-AFC4-6F175D3DCCD1}">
+              <a14:hiddenFill xmlns:a14="http://schemas.microsoft.com/office/drawing/2010/main">
+                <a:solidFill>
+                  <a:srgbClr val="FFFFFF"/>
+                </a:solidFill>
+              </a14:hiddenFill>
+            </a:ext>
+          </a:extLst>
+        </p:spPr>
+      </p:pic>
+      <p:pic>
+        <p:nvPicPr>
+          <p:cNvPr id="2051" name="Picture 3" descr="C:\Users\ssen1005\Desktop\PGDML\107\Brijesh\regin_grade_wise_loan_risk-2.png"/>
+          <p:cNvPicPr>
+            <a:picLocks noChangeAspect="1" noChangeArrowheads="1"/>
+          </p:cNvPicPr>
+          <p:nvPr/>
+        </p:nvPicPr>
+        <p:blipFill>
+          <a:blip r:embed="rId3">
+            <a:extLst>
+              <a:ext uri="{28A0092B-C50C-407E-A947-70E740481C1C}">
+                <a14:useLocalDpi xmlns:a14="http://schemas.microsoft.com/office/drawing/2010/main" val="0"/>
+              </a:ext>
+            </a:extLst>
+          </a:blip>
+          <a:srcRect/>
+          <a:stretch>
+            <a:fillRect/>
+          </a:stretch>
+        </p:blipFill>
+        <p:spPr bwMode="auto">
+          <a:xfrm>
+            <a:off x="6325421" y="2388241"/>
+            <a:ext cx="4700373" cy="2805043"/>
+          </a:xfrm>
+          <a:prstGeom prst="rect">
+            <a:avLst/>
+          </a:prstGeom>
+          <a:noFill/>
+          <a:extLst>
+            <a:ext uri="{909E8E84-426E-40DD-AFC4-6F175D3DCCD1}">
+              <a14:hiddenFill xmlns:a14="http://schemas.microsoft.com/office/drawing/2010/main">
+                <a:solidFill>
+                  <a:srgbClr val="FFFFFF"/>
+                </a:solidFill>
+              </a14:hiddenFill>
+            </a:ext>
+          </a:extLst>
+        </p:spPr>
+      </p:pic>
+      <p:sp>
+        <p:nvSpPr>
+          <p:cNvPr id="12" name="Rectangle 11"/>
+          <p:cNvSpPr/>
+          <p:nvPr/>
+        </p:nvSpPr>
+        <p:spPr>
+          <a:xfrm>
+            <a:off x="6303245" y="5324581"/>
+            <a:ext cx="5245282" cy="584775"/>
+          </a:xfrm>
+          <a:prstGeom prst="rect">
+            <a:avLst/>
+          </a:prstGeom>
+        </p:spPr>
+        <p:txBody>
+          <a:bodyPr wrap="square">
+            <a:spAutoFit/>
+          </a:bodyPr>
+          <a:lstStyle/>
+          <a:p>
+            <a:pPr marL="285750" indent="-285750">
+              <a:buFont typeface="Arial" panose="020B0604020202020204" pitchFamily="34" charset="0"/>
+              <a:buChar char="•"/>
+            </a:pPr>
+            <a:r>
+              <a:rPr lang="en-US" sz="1600" dirty="0">
+                <a:latin typeface="Times New Roman" panose="02020603050405020304" pitchFamily="18" charset="0"/>
+                <a:cs typeface="Times New Roman" panose="02020603050405020304" pitchFamily="18" charset="0"/>
+              </a:rPr>
+              <a:t>As we can see </a:t>
+            </a:r>
+            <a:r>
+              <a:rPr lang="en-US" sz="1600" b="1" dirty="0" smtClean="0">
+                <a:latin typeface="Times New Roman" panose="02020603050405020304" pitchFamily="18" charset="0"/>
+                <a:cs typeface="Times New Roman" panose="02020603050405020304" pitchFamily="18" charset="0"/>
+              </a:rPr>
+              <a:t>G,F </a:t>
+            </a:r>
+            <a:r>
+              <a:rPr lang="en-US" sz="1600" dirty="0" smtClean="0">
+                <a:latin typeface="Times New Roman" panose="02020603050405020304" pitchFamily="18" charset="0"/>
+                <a:cs typeface="Times New Roman" panose="02020603050405020304" pitchFamily="18" charset="0"/>
+              </a:rPr>
+              <a:t>&amp;</a:t>
+            </a:r>
+            <a:r>
+              <a:rPr lang="en-US" sz="1600" b="1" dirty="0" smtClean="0">
+                <a:latin typeface="Times New Roman" panose="02020603050405020304" pitchFamily="18" charset="0"/>
+                <a:cs typeface="Times New Roman" panose="02020603050405020304" pitchFamily="18" charset="0"/>
+              </a:rPr>
+              <a:t> E</a:t>
+            </a:r>
+            <a:r>
+              <a:rPr lang="en-US" sz="1600" dirty="0" smtClean="0">
+                <a:latin typeface="Times New Roman" panose="02020603050405020304" pitchFamily="18" charset="0"/>
+                <a:cs typeface="Times New Roman" panose="02020603050405020304" pitchFamily="18" charset="0"/>
+              </a:rPr>
+              <a:t> </a:t>
+            </a:r>
+            <a:r>
+              <a:rPr lang="en-US" sz="1600" dirty="0">
+                <a:latin typeface="Times New Roman" panose="02020603050405020304" pitchFamily="18" charset="0"/>
+                <a:cs typeface="Times New Roman" panose="02020603050405020304" pitchFamily="18" charset="0"/>
+              </a:rPr>
+              <a:t>category grade are in moderate risk (higher grade category </a:t>
+            </a:r>
+            <a:r>
+              <a:rPr lang="en-US" sz="1600" dirty="0" smtClean="0">
+                <a:latin typeface="Times New Roman" panose="02020603050405020304" pitchFamily="18" charset="0"/>
+                <a:cs typeface="Times New Roman" panose="02020603050405020304" pitchFamily="18" charset="0"/>
+              </a:rPr>
+              <a:t>higher </a:t>
+            </a:r>
+            <a:r>
+              <a:rPr lang="en-US" sz="1600" dirty="0">
+                <a:latin typeface="Times New Roman" panose="02020603050405020304" pitchFamily="18" charset="0"/>
+                <a:cs typeface="Times New Roman" panose="02020603050405020304" pitchFamily="18" charset="0"/>
+              </a:rPr>
+              <a:t>moderate </a:t>
+            </a:r>
+            <a:r>
+              <a:rPr lang="en-US" sz="1600" dirty="0" smtClean="0">
+                <a:latin typeface="Times New Roman" panose="02020603050405020304" pitchFamily="18" charset="0"/>
+                <a:cs typeface="Times New Roman" panose="02020603050405020304" pitchFamily="18" charset="0"/>
+              </a:rPr>
+              <a:t>risk</a:t>
+            </a:r>
+            <a:r>
+              <a:rPr lang="en-US" sz="1600" dirty="0">
+                <a:latin typeface="Times New Roman" panose="02020603050405020304" pitchFamily="18" charset="0"/>
+                <a:cs typeface="Times New Roman" panose="02020603050405020304" pitchFamily="18" charset="0"/>
+              </a:rPr>
+              <a:t>)</a:t>
+            </a:r>
+          </a:p>
+        </p:txBody>
+      </p:sp>
+      <p:pic>
+        <p:nvPicPr>
+          <p:cNvPr id="5" name="Picture 4"/>
+          <p:cNvPicPr>
+            <a:picLocks noChangeAspect="1" noChangeArrowheads="1"/>
+          </p:cNvPicPr>
+          <p:nvPr/>
+        </p:nvPicPr>
+        <p:blipFill>
+          <a:blip r:embed="rId4" cstate="print">
+            <a:extLst>
+              <a:ext uri="{28A0092B-C50C-407E-A947-70E740481C1C}">
+                <a14:useLocalDpi xmlns:a14="http://schemas.microsoft.com/office/drawing/2010/main" val="0"/>
+              </a:ext>
+            </a:extLst>
+          </a:blip>
+          <a:srcRect/>
+          <a:stretch>
+            <a:fillRect/>
+          </a:stretch>
+        </p:blipFill>
+        <p:spPr bwMode="auto">
+          <a:xfrm>
+            <a:off x="5367316" y="2738045"/>
+            <a:ext cx="356812" cy="144191"/>
+          </a:xfrm>
+          <a:prstGeom prst="rect">
+            <a:avLst/>
+          </a:prstGeom>
+          <a:noFill/>
+          <a:ln>
+            <a:noFill/>
+          </a:ln>
+          <a:effectLst/>
+          <a:extLst>
+            <a:ext uri="{909E8E84-426E-40DD-AFC4-6F175D3DCCD1}">
+              <a14:hiddenFill xmlns:a14="http://schemas.microsoft.com/office/drawing/2010/main">
+                <a:solidFill>
+                  <a:schemeClr val="accent1"/>
+                </a:solidFill>
+              </a14:hiddenFill>
+            </a:ext>
+            <a:ext uri="{91240B29-F687-4F45-9708-019B960494DF}">
+              <a14:hiddenLine xmlns:a14="http://schemas.microsoft.com/office/drawing/2010/main" w="9525">
+                <a:solidFill>
+                  <a:schemeClr val="tx1"/>
+                </a:solidFill>
+                <a:miter lim="800000"/>
+                <a:headEnd/>
+                <a:tailEnd/>
+              </a14:hiddenLine>
+            </a:ext>
+            <a:ext uri="{AF507438-7753-43E0-B8FC-AC1667EBCBE1}">
+              <a14:hiddenEffects xmlns:a14="http://schemas.microsoft.com/office/drawing/2010/main">
+                <a:effectLst>
+                  <a:outerShdw dist="35921" dir="2700000" algn="ctr" rotWithShape="0">
+                    <a:schemeClr val="bg2"/>
+                  </a:outerShdw>
+                </a:effectLst>
+              </a14:hiddenEffects>
+            </a:ext>
+          </a:extLst>
+        </p:spPr>
+      </p:pic>
+      <p:pic>
+        <p:nvPicPr>
+          <p:cNvPr id="16" name="Picture 15"/>
+          <p:cNvPicPr>
+            <a:picLocks noChangeAspect="1" noChangeArrowheads="1"/>
+          </p:cNvPicPr>
+          <p:nvPr/>
+        </p:nvPicPr>
+        <p:blipFill>
+          <a:blip r:embed="rId4" cstate="print">
+            <a:extLst>
+              <a:ext uri="{28A0092B-C50C-407E-A947-70E740481C1C}">
+                <a14:useLocalDpi xmlns:a14="http://schemas.microsoft.com/office/drawing/2010/main" val="0"/>
+              </a:ext>
+            </a:extLst>
+          </a:blip>
+          <a:srcRect/>
+          <a:stretch>
+            <a:fillRect/>
+          </a:stretch>
+        </p:blipFill>
+        <p:spPr bwMode="auto">
+          <a:xfrm>
+            <a:off x="10455783" y="2729577"/>
+            <a:ext cx="356812" cy="144191"/>
+          </a:xfrm>
+          <a:prstGeom prst="rect">
+            <a:avLst/>
+          </a:prstGeom>
+          <a:noFill/>
+          <a:ln>
+            <a:noFill/>
+          </a:ln>
+          <a:effectLst/>
+          <a:extLst>
+            <a:ext uri="{909E8E84-426E-40DD-AFC4-6F175D3DCCD1}">
+              <a14:hiddenFill xmlns:a14="http://schemas.microsoft.com/office/drawing/2010/main">
+                <a:solidFill>
+                  <a:schemeClr val="accent1"/>
+                </a:solidFill>
+              </a14:hiddenFill>
+            </a:ext>
+            <a:ext uri="{91240B29-F687-4F45-9708-019B960494DF}">
+              <a14:hiddenLine xmlns:a14="http://schemas.microsoft.com/office/drawing/2010/main" w="9525">
+                <a:solidFill>
+                  <a:schemeClr val="tx1"/>
+                </a:solidFill>
+                <a:miter lim="800000"/>
+                <a:headEnd/>
+                <a:tailEnd/>
+              </a14:hiddenLine>
+            </a:ext>
+            <a:ext uri="{AF507438-7753-43E0-B8FC-AC1667EBCBE1}">
+              <a14:hiddenEffects xmlns:a14="http://schemas.microsoft.com/office/drawing/2010/main">
+                <a:effectLst>
+                  <a:outerShdw dist="35921" dir="2700000" algn="ctr" rotWithShape="0">
+                    <a:schemeClr val="bg2"/>
+                  </a:outerShdw>
+                </a:effectLst>
+              </a14:hiddenEffects>
+            </a:ext>
+          </a:extLst>
+        </p:spPr>
+      </p:pic>
+    </p:spTree>
+    <p:extLst>
+      <p:ext uri="{BB962C8B-B14F-4D97-AF65-F5344CB8AC3E}">
+        <p14:creationId xmlns:p14="http://schemas.microsoft.com/office/powerpoint/2010/main" val="4250231498"/>
+      </p:ext>
+    </p:extLst>
+  </p:cSld>
+  <p:clrMapOvr>
+    <a:masterClrMapping/>
+  </p:clrMapOvr>
+  <p:timing>
+    <p:tnLst>
+      <p:par>
+        <p:cTn id="1" dur="indefinite" restart="never" nodeType="tmRoot"/>
+      </p:par>
+    </p:tnLst>
+  </p:timing>
+</p:sld>
+</file>
+
+<file path=ppt/slides/slide15.xml><?xml version="1.0" encoding="utf-8"?>
+<p:sld xmlns:a="http://schemas.openxmlformats.org/drawingml/2006/main" xmlns:r="http://schemas.openxmlformats.org/officeDocument/2006/relationships" xmlns:p="http://schemas.openxmlformats.org/presentationml/2006/main">
+  <p:cSld>
+    <p:spTree>
+      <p:nvGrpSpPr>
+        <p:cNvPr id="1" name=""/>
+        <p:cNvGrpSpPr/>
+        <p:nvPr/>
+      </p:nvGrpSpPr>
+      <p:grpSpPr>
+        <a:xfrm>
+          <a:off x="0" y="0"/>
+          <a:ext cx="0" cy="0"/>
+          <a:chOff x="0" y="0"/>
+          <a:chExt cx="0" cy="0"/>
+        </a:xfrm>
+      </p:grpSpPr>
+      <p:sp>
+        <p:nvSpPr>
+          <p:cNvPr id="4" name="Title 1"/>
+          <p:cNvSpPr>
+            <a:spLocks noGrp="1"/>
+          </p:cNvSpPr>
+          <p:nvPr>
+            <p:ph type="title"/>
+          </p:nvPr>
+        </p:nvSpPr>
+        <p:spPr>
+          <a:xfrm>
+            <a:off x="1136469" y="640080"/>
+            <a:ext cx="9313817" cy="856138"/>
+          </a:xfrm>
+        </p:spPr>
+        <p:txBody>
+          <a:bodyPr>
+            <a:normAutofit fontScale="90000"/>
+          </a:bodyPr>
+          <a:lstStyle/>
+          <a:p>
+            <a:r>
+              <a:rPr lang="en-IN" b="1" dirty="0" smtClean="0"/>
+              <a:t>Driver Analysis </a:t>
+            </a:r>
+            <a:r>
+              <a:rPr lang="en-IN" b="1" dirty="0"/>
+              <a:t>for Derived Metrics</a:t>
+            </a:r>
+            <a:br>
+              <a:rPr lang="en-IN" b="1" dirty="0"/>
+            </a:br>
+            <a:r>
+              <a:rPr lang="en-IN" sz="3100" i="1" dirty="0"/>
+              <a:t>Insights from Intelligent Features – </a:t>
+            </a:r>
+            <a:r>
+              <a:rPr lang="en-IN" sz="3100" b="1" dirty="0" smtClean="0"/>
+              <a:t>II</a:t>
+            </a:r>
+            <a:endParaRPr lang="en-IN" sz="3100" b="1" dirty="0"/>
+          </a:p>
+        </p:txBody>
+      </p:sp>
+      <p:sp>
+        <p:nvSpPr>
+          <p:cNvPr id="10" name="Rounded Rectangle 9"/>
+          <p:cNvSpPr/>
+          <p:nvPr/>
+        </p:nvSpPr>
+        <p:spPr>
+          <a:xfrm>
+            <a:off x="1015994" y="1650999"/>
+            <a:ext cx="10532533" cy="5122333"/>
+          </a:xfrm>
+          <a:prstGeom prst="roundRect">
+            <a:avLst/>
+          </a:prstGeom>
+          <a:noFill/>
+          <a:ln>
+            <a:solidFill>
+              <a:schemeClr val="tx2"/>
+            </a:solidFill>
+            <a:prstDash val="lgDash"/>
+          </a:ln>
+        </p:spPr>
+        <p:style>
+          <a:lnRef idx="2">
+            <a:schemeClr val="accent1">
+              <a:shade val="50000"/>
+            </a:schemeClr>
+          </a:lnRef>
+          <a:fillRef idx="1">
+            <a:schemeClr val="accent1"/>
+          </a:fillRef>
+          <a:effectRef idx="0">
+            <a:schemeClr val="accent1"/>
+          </a:effectRef>
+          <a:fontRef idx="minor">
+            <a:schemeClr val="lt1"/>
+          </a:fontRef>
+        </p:style>
+        <p:txBody>
+          <a:bodyPr rtlCol="0" anchor="ctr"/>
+          <a:lstStyle/>
+          <a:p>
+            <a:pPr algn="ctr"/>
+            <a:endParaRPr lang="en-US" dirty="0"/>
+          </a:p>
+        </p:txBody>
+      </p:sp>
+      <p:sp>
+        <p:nvSpPr>
+          <p:cNvPr id="2" name="Rectangle 1"/>
+          <p:cNvSpPr/>
+          <p:nvPr/>
+        </p:nvSpPr>
+        <p:spPr>
+          <a:xfrm>
+            <a:off x="1337849" y="4579502"/>
+            <a:ext cx="3581284" cy="914097"/>
+          </a:xfrm>
+          <a:prstGeom prst="rect">
+            <a:avLst/>
+          </a:prstGeom>
+        </p:spPr>
+        <p:txBody>
+          <a:bodyPr wrap="square">
+            <a:spAutoFit/>
+          </a:bodyPr>
+          <a:lstStyle/>
+          <a:p>
+            <a:pPr marL="285750" indent="-285750">
+              <a:buFont typeface="Arial" panose="020B0604020202020204" pitchFamily="34" charset="0"/>
+              <a:buChar char="•"/>
+            </a:pPr>
+            <a:r>
+              <a:rPr lang="en-US" sz="1600" dirty="0" err="1" smtClean="0">
+                <a:latin typeface="Times New Roman" panose="02020603050405020304" pitchFamily="18" charset="0"/>
+                <a:cs typeface="Times New Roman" panose="02020603050405020304" pitchFamily="18" charset="0"/>
+              </a:rPr>
+              <a:t>MidWestern</a:t>
+            </a:r>
+            <a:r>
+              <a:rPr lang="en-US" sz="1600" dirty="0" smtClean="0">
+                <a:latin typeface="Times New Roman" panose="02020603050405020304" pitchFamily="18" charset="0"/>
+                <a:cs typeface="Times New Roman" panose="02020603050405020304" pitchFamily="18" charset="0"/>
+              </a:rPr>
+              <a:t>-US, </a:t>
+            </a:r>
+            <a:r>
+              <a:rPr lang="en-US" sz="1600" dirty="0" err="1" smtClean="0">
+                <a:latin typeface="Times New Roman" panose="02020603050405020304" pitchFamily="18" charset="0"/>
+                <a:cs typeface="Times New Roman" panose="02020603050405020304" pitchFamily="18" charset="0"/>
+              </a:rPr>
+              <a:t>SouthEast</a:t>
+            </a:r>
+            <a:r>
+              <a:rPr lang="en-US" sz="1600" dirty="0" smtClean="0">
+                <a:latin typeface="Times New Roman" panose="02020603050405020304" pitchFamily="18" charset="0"/>
+                <a:cs typeface="Times New Roman" panose="02020603050405020304" pitchFamily="18" charset="0"/>
+              </a:rPr>
+              <a:t>-US &amp; </a:t>
+            </a:r>
+            <a:r>
+              <a:rPr lang="en-US" sz="1600" dirty="0" err="1" smtClean="0">
+                <a:latin typeface="Times New Roman" panose="02020603050405020304" pitchFamily="18" charset="0"/>
+                <a:cs typeface="Times New Roman" panose="02020603050405020304" pitchFamily="18" charset="0"/>
+              </a:rPr>
+              <a:t>SouthWest</a:t>
+            </a:r>
+            <a:r>
+              <a:rPr lang="en-US" sz="1600" dirty="0" smtClean="0">
+                <a:latin typeface="Times New Roman" panose="02020603050405020304" pitchFamily="18" charset="0"/>
+                <a:cs typeface="Times New Roman" panose="02020603050405020304" pitchFamily="18" charset="0"/>
+              </a:rPr>
+              <a:t>-US </a:t>
+            </a:r>
+            <a:r>
+              <a:rPr lang="en-US" sz="1600" dirty="0">
+                <a:latin typeface="Times New Roman" panose="02020603050405020304" pitchFamily="18" charset="0"/>
+                <a:cs typeface="Times New Roman" panose="02020603050405020304" pitchFamily="18" charset="0"/>
+              </a:rPr>
+              <a:t>had a rapid increase in debt-to-income starting in 2011.</a:t>
+            </a:r>
+          </a:p>
+        </p:txBody>
+      </p:sp>
+      <p:sp>
+        <p:nvSpPr>
+          <p:cNvPr id="12" name="Rectangle 11"/>
+          <p:cNvSpPr/>
+          <p:nvPr/>
+        </p:nvSpPr>
+        <p:spPr>
+          <a:xfrm>
+            <a:off x="4918260" y="4552357"/>
+            <a:ext cx="3256908" cy="1323439"/>
+          </a:xfrm>
+          <a:prstGeom prst="rect">
+            <a:avLst/>
+          </a:prstGeom>
+        </p:spPr>
+        <p:txBody>
+          <a:bodyPr wrap="square">
+            <a:spAutoFit/>
+          </a:bodyPr>
+          <a:lstStyle/>
+          <a:p>
+            <a:pPr marL="285750" indent="-285750">
+              <a:buFont typeface="Arial" panose="020B0604020202020204" pitchFamily="34" charset="0"/>
+              <a:buChar char="•"/>
+            </a:pPr>
+            <a:r>
+              <a:rPr lang="en-US" sz="1600" dirty="0" err="1">
+                <a:latin typeface="Times New Roman" panose="02020603050405020304" pitchFamily="18" charset="0"/>
+                <a:cs typeface="Times New Roman" panose="02020603050405020304" pitchFamily="18" charset="0"/>
+              </a:rPr>
+              <a:t>MidWestern</a:t>
+            </a:r>
+            <a:r>
+              <a:rPr lang="en-US" sz="1600" dirty="0">
+                <a:latin typeface="Times New Roman" panose="02020603050405020304" pitchFamily="18" charset="0"/>
+                <a:cs typeface="Times New Roman" panose="02020603050405020304" pitchFamily="18" charset="0"/>
+              </a:rPr>
+              <a:t>-US</a:t>
+            </a:r>
+            <a:r>
+              <a:rPr lang="en-US" sz="1600" dirty="0" smtClean="0">
+                <a:latin typeface="Times New Roman" panose="02020603050405020304" pitchFamily="18" charset="0"/>
+                <a:cs typeface="Times New Roman" panose="02020603050405020304" pitchFamily="18" charset="0"/>
+              </a:rPr>
+              <a:t>, </a:t>
+            </a:r>
+            <a:r>
+              <a:rPr lang="en-US" sz="1600" dirty="0" err="1" smtClean="0">
+                <a:latin typeface="Times New Roman" panose="02020603050405020304" pitchFamily="18" charset="0"/>
+                <a:cs typeface="Times New Roman" panose="02020603050405020304" pitchFamily="18" charset="0"/>
+              </a:rPr>
+              <a:t>SouthEast</a:t>
+            </a:r>
+            <a:r>
+              <a:rPr lang="en-US" sz="1600" dirty="0" smtClean="0">
+                <a:latin typeface="Times New Roman" panose="02020603050405020304" pitchFamily="18" charset="0"/>
+                <a:cs typeface="Times New Roman" panose="02020603050405020304" pitchFamily="18" charset="0"/>
+              </a:rPr>
+              <a:t>-US </a:t>
+            </a:r>
+            <a:r>
+              <a:rPr lang="en-US" sz="1600" dirty="0">
+                <a:latin typeface="Times New Roman" panose="02020603050405020304" pitchFamily="18" charset="0"/>
+                <a:cs typeface="Times New Roman" panose="02020603050405020304" pitchFamily="18" charset="0"/>
+              </a:rPr>
+              <a:t>and </a:t>
+            </a:r>
+            <a:r>
+              <a:rPr lang="en-US" sz="1600" dirty="0" err="1">
+                <a:latin typeface="Times New Roman" panose="02020603050405020304" pitchFamily="18" charset="0"/>
+                <a:cs typeface="Times New Roman" panose="02020603050405020304" pitchFamily="18" charset="0"/>
+              </a:rPr>
+              <a:t>SouthWest</a:t>
+            </a:r>
+            <a:r>
+              <a:rPr lang="en-US" sz="1600" dirty="0">
+                <a:latin typeface="Times New Roman" panose="02020603050405020304" pitchFamily="18" charset="0"/>
+                <a:cs typeface="Times New Roman" panose="02020603050405020304" pitchFamily="18" charset="0"/>
+              </a:rPr>
+              <a:t>-US had a rapid increase in interest rates (This might explain the increase in debt to income).</a:t>
+            </a:r>
+          </a:p>
+        </p:txBody>
+      </p:sp>
+      <p:pic>
+        <p:nvPicPr>
+          <p:cNvPr id="3077" name="Picture 5" descr="C:\Users\ssen1005\Desktop\PGDML\107\Brijesh\region_based_analysis-1.png"/>
+          <p:cNvPicPr>
+            <a:picLocks noChangeAspect="1" noChangeArrowheads="1"/>
+          </p:cNvPicPr>
+          <p:nvPr/>
+        </p:nvPicPr>
+        <p:blipFill>
+          <a:blip r:embed="rId2" cstate="print">
+            <a:extLst>
+              <a:ext uri="{28A0092B-C50C-407E-A947-70E740481C1C}">
+                <a14:useLocalDpi xmlns:a14="http://schemas.microsoft.com/office/drawing/2010/main" val="0"/>
+              </a:ext>
+            </a:extLst>
+          </a:blip>
+          <a:srcRect/>
+          <a:stretch>
+            <a:fillRect/>
+          </a:stretch>
+        </p:blipFill>
+        <p:spPr bwMode="auto">
+          <a:xfrm>
+            <a:off x="1410345" y="2458101"/>
+            <a:ext cx="3224487" cy="1923286"/>
+          </a:xfrm>
+          <a:prstGeom prst="rect">
+            <a:avLst/>
+          </a:prstGeom>
+          <a:noFill/>
+          <a:extLst>
+            <a:ext uri="{909E8E84-426E-40DD-AFC4-6F175D3DCCD1}">
+              <a14:hiddenFill xmlns:a14="http://schemas.microsoft.com/office/drawing/2010/main">
+                <a:solidFill>
+                  <a:srgbClr val="FFFFFF"/>
+                </a:solidFill>
+              </a14:hiddenFill>
+            </a:ext>
+          </a:extLst>
+        </p:spPr>
+      </p:pic>
+      <p:pic>
+        <p:nvPicPr>
+          <p:cNvPr id="3078" name="Picture 6" descr="C:\Users\ssen1005\Desktop\PGDML\107\Brijesh\region_based_analysis-2.png"/>
+          <p:cNvPicPr>
+            <a:picLocks noChangeAspect="1" noChangeArrowheads="1"/>
+          </p:cNvPicPr>
+          <p:nvPr/>
+        </p:nvPicPr>
+        <p:blipFill>
+          <a:blip r:embed="rId3" cstate="print">
+            <a:extLst>
+              <a:ext uri="{28A0092B-C50C-407E-A947-70E740481C1C}">
+                <a14:useLocalDpi xmlns:a14="http://schemas.microsoft.com/office/drawing/2010/main" val="0"/>
+              </a:ext>
+            </a:extLst>
+          </a:blip>
+          <a:srcRect/>
+          <a:stretch>
+            <a:fillRect/>
+          </a:stretch>
+        </p:blipFill>
+        <p:spPr bwMode="auto">
+          <a:xfrm>
+            <a:off x="4939286" y="2435339"/>
+            <a:ext cx="3295583" cy="1919585"/>
+          </a:xfrm>
+          <a:prstGeom prst="rect">
+            <a:avLst/>
+          </a:prstGeom>
+          <a:noFill/>
+          <a:extLst>
+            <a:ext uri="{909E8E84-426E-40DD-AFC4-6F175D3DCCD1}">
+              <a14:hiddenFill xmlns:a14="http://schemas.microsoft.com/office/drawing/2010/main">
+                <a:solidFill>
+                  <a:srgbClr val="FFFFFF"/>
+                </a:solidFill>
+              </a14:hiddenFill>
+            </a:ext>
+          </a:extLst>
+        </p:spPr>
+      </p:pic>
+      <p:pic>
+        <p:nvPicPr>
+          <p:cNvPr id="3079" name="Picture 7" descr="C:\Users\ssen1005\Desktop\PGDML\107\Brijesh\region_based_analysis-3.png"/>
+          <p:cNvPicPr>
+            <a:picLocks noChangeAspect="1" noChangeArrowheads="1"/>
+          </p:cNvPicPr>
+          <p:nvPr/>
+        </p:nvPicPr>
+        <p:blipFill rotWithShape="1">
+          <a:blip r:embed="rId4" cstate="print">
+            <a:extLst>
+              <a:ext uri="{28A0092B-C50C-407E-A947-70E740481C1C}">
+                <a14:useLocalDpi xmlns:a14="http://schemas.microsoft.com/office/drawing/2010/main" val="0"/>
+              </a:ext>
+            </a:extLst>
+          </a:blip>
+          <a:srcRect t="1651"/>
+          <a:stretch/>
+        </p:blipFill>
+        <p:spPr bwMode="auto">
+          <a:xfrm>
+            <a:off x="8209237" y="2460740"/>
+            <a:ext cx="3224487" cy="1916299"/>
+          </a:xfrm>
+          <a:prstGeom prst="rect">
+            <a:avLst/>
+          </a:prstGeom>
+          <a:noFill/>
+          <a:extLst>
+            <a:ext uri="{909E8E84-426E-40DD-AFC4-6F175D3DCCD1}">
+              <a14:hiddenFill xmlns:a14="http://schemas.microsoft.com/office/drawing/2010/main">
+                <a:solidFill>
+                  <a:srgbClr val="FFFFFF"/>
+                </a:solidFill>
+              </a14:hiddenFill>
+            </a:ext>
+          </a:extLst>
+        </p:spPr>
+      </p:pic>
+      <p:sp>
+        <p:nvSpPr>
+          <p:cNvPr id="3" name="Rectangle 2"/>
+          <p:cNvSpPr/>
+          <p:nvPr/>
+        </p:nvSpPr>
+        <p:spPr>
+          <a:xfrm>
+            <a:off x="8236282" y="4570250"/>
+            <a:ext cx="3441033" cy="584775"/>
+          </a:xfrm>
+          <a:prstGeom prst="rect">
+            <a:avLst/>
+          </a:prstGeom>
+        </p:spPr>
+        <p:txBody>
+          <a:bodyPr>
+            <a:spAutoFit/>
+          </a:bodyPr>
+          <a:lstStyle/>
+          <a:p>
+            <a:pPr marL="285750" indent="-285750">
+              <a:buFont typeface="Arial" panose="020B0604020202020204" pitchFamily="34" charset="0"/>
+              <a:buChar char="•"/>
+            </a:pPr>
+            <a:r>
+              <a:rPr lang="en-US" sz="1600" dirty="0">
+                <a:latin typeface="Times New Roman" panose="02020603050405020304" pitchFamily="18" charset="0"/>
+                <a:cs typeface="Times New Roman" panose="02020603050405020304" pitchFamily="18" charset="0"/>
+              </a:rPr>
+              <a:t>As we can see DTI is inversely proportional to Annual income because </a:t>
+            </a:r>
+            <a:r>
+              <a:rPr lang="en-US" sz="1600" dirty="0" err="1">
+                <a:latin typeface="Times New Roman" panose="02020603050405020304" pitchFamily="18" charset="0"/>
+                <a:cs typeface="Times New Roman" panose="02020603050405020304" pitchFamily="18" charset="0"/>
+              </a:rPr>
+              <a:t>dti</a:t>
+            </a:r>
+            <a:r>
+              <a:rPr lang="en-US" sz="1600" dirty="0">
+                <a:latin typeface="Times New Roman" panose="02020603050405020304" pitchFamily="18" charset="0"/>
+                <a:cs typeface="Times New Roman" panose="02020603050405020304" pitchFamily="18" charset="0"/>
+              </a:rPr>
+              <a:t>=(monthly expenses including loan / monthly income) </a:t>
+            </a:r>
+          </a:p>
+        </p:txBody>
+      </p:sp>
+    </p:spTree>
+    <p:extLst>
+      <p:ext uri="{BB962C8B-B14F-4D97-AF65-F5344CB8AC3E}">
+        <p14:creationId xmlns:p14="http://schemas.microsoft.com/office/powerpoint/2010/main" val="2622140071"/>
+      </p:ext>
+    </p:extLst>
+  </p:cSld>
+  <p:clrMapOvr>
+    <a:masterClrMapping/>
+  </p:clrMapOvr>
+  <p:timing>
+    <p:tnLst>
+      <p:par>
+        <p:cTn id="1" dur="indefinite" restart="never" nodeType="tmRoot"/>
+      </p:par>
+    </p:tnLst>
+  </p:timing>
+</p:sld>
+</file>
+
+<file path=ppt/slides/slide16.xml><?xml version="1.0" encoding="utf-8"?>
+<p:sld xmlns:a="http://schemas.openxmlformats.org/drawingml/2006/main" xmlns:r="http://schemas.openxmlformats.org/officeDocument/2006/relationships" xmlns:p="http://schemas.openxmlformats.org/presentationml/2006/main">
+  <p:cSld>
+    <p:spTree>
+      <p:nvGrpSpPr>
+        <p:cNvPr id="1" name=""/>
+        <p:cNvGrpSpPr/>
+        <p:nvPr/>
+      </p:nvGrpSpPr>
+      <p:grpSpPr>
+        <a:xfrm>
+          <a:off x="0" y="0"/>
+          <a:ext cx="0" cy="0"/>
+          <a:chOff x="0" y="0"/>
+          <a:chExt cx="0" cy="0"/>
+        </a:xfrm>
+      </p:grpSpPr>
+      <p:sp>
+        <p:nvSpPr>
+          <p:cNvPr id="4" name="Title 1"/>
+          <p:cNvSpPr>
+            <a:spLocks noGrp="1"/>
+          </p:cNvSpPr>
+          <p:nvPr>
+            <p:ph type="title"/>
+          </p:nvPr>
+        </p:nvSpPr>
+        <p:spPr>
+          <a:xfrm>
+            <a:off x="1136469" y="640080"/>
+            <a:ext cx="9313817" cy="856138"/>
+          </a:xfrm>
+        </p:spPr>
+        <p:txBody>
+          <a:bodyPr>
+            <a:normAutofit fontScale="90000"/>
+          </a:bodyPr>
+          <a:lstStyle/>
+          <a:p>
+            <a:r>
+              <a:rPr lang="en-IN" b="1" dirty="0" smtClean="0"/>
+              <a:t>Analysis of Loan Variables</a:t>
+            </a:r>
+            <a:br>
+              <a:rPr lang="en-IN" b="1" dirty="0" smtClean="0"/>
+            </a:br>
+            <a:r>
+              <a:rPr lang="en-IN" sz="3100" i="1" dirty="0" smtClean="0"/>
+              <a:t>Findings through Cross-Tab Analysis</a:t>
+            </a:r>
+            <a:endParaRPr lang="en-IN" sz="3100" i="1" dirty="0"/>
+          </a:p>
+        </p:txBody>
+      </p:sp>
+      <p:sp>
+        <p:nvSpPr>
+          <p:cNvPr id="10" name="Rounded Rectangle 9"/>
+          <p:cNvSpPr/>
+          <p:nvPr/>
+        </p:nvSpPr>
+        <p:spPr>
+          <a:xfrm>
+            <a:off x="1015994" y="1650999"/>
+            <a:ext cx="10532533" cy="5122333"/>
+          </a:xfrm>
+          <a:prstGeom prst="roundRect">
+            <a:avLst/>
+          </a:prstGeom>
+          <a:noFill/>
+          <a:ln>
+            <a:solidFill>
+              <a:schemeClr val="tx2"/>
+            </a:solidFill>
+            <a:prstDash val="lgDash"/>
+          </a:ln>
+        </p:spPr>
+        <p:style>
+          <a:lnRef idx="2">
+            <a:schemeClr val="accent1">
+              <a:shade val="50000"/>
+            </a:schemeClr>
+          </a:lnRef>
+          <a:fillRef idx="1">
+            <a:schemeClr val="accent1"/>
+          </a:fillRef>
+          <a:effectRef idx="0">
+            <a:schemeClr val="accent1"/>
+          </a:effectRef>
+          <a:fontRef idx="minor">
+            <a:schemeClr val="lt1"/>
+          </a:fontRef>
+        </p:style>
+        <p:txBody>
+          <a:bodyPr rtlCol="0" anchor="ctr"/>
+          <a:lstStyle/>
+          <a:p>
+            <a:pPr algn="ctr"/>
+            <a:endParaRPr lang="en-US" dirty="0"/>
+          </a:p>
+        </p:txBody>
+      </p:sp>
+      <p:pic>
+        <p:nvPicPr>
+          <p:cNvPr id="4098" name="Picture 2" descr="C:\Users\ssen1005\Desktop\PGDML\107\Brijesh\crosstab_distribution.png"/>
+          <p:cNvPicPr>
+            <a:picLocks noChangeAspect="1" noChangeArrowheads="1"/>
+          </p:cNvPicPr>
+          <p:nvPr/>
+        </p:nvPicPr>
+        <p:blipFill>
+          <a:blip r:embed="rId2">
+            <a:extLst>
+              <a:ext uri="{28A0092B-C50C-407E-A947-70E740481C1C}">
+                <a14:useLocalDpi xmlns:a14="http://schemas.microsoft.com/office/drawing/2010/main" val="0"/>
+              </a:ext>
+            </a:extLst>
+          </a:blip>
+          <a:srcRect/>
+          <a:stretch>
+            <a:fillRect/>
+          </a:stretch>
+        </p:blipFill>
+        <p:spPr bwMode="auto">
+          <a:xfrm>
+            <a:off x="1601115" y="1736723"/>
+            <a:ext cx="3046186" cy="4970032"/>
+          </a:xfrm>
+          <a:prstGeom prst="rect">
+            <a:avLst/>
+          </a:prstGeom>
+          <a:noFill/>
+          <a:extLst>
+            <a:ext uri="{909E8E84-426E-40DD-AFC4-6F175D3DCCD1}">
+              <a14:hiddenFill xmlns:a14="http://schemas.microsoft.com/office/drawing/2010/main">
+                <a:solidFill>
+                  <a:srgbClr val="FFFFFF"/>
+                </a:solidFill>
+              </a14:hiddenFill>
+            </a:ext>
+          </a:extLst>
+        </p:spPr>
+      </p:pic>
+      <p:sp>
+        <p:nvSpPr>
+          <p:cNvPr id="5" name="Rectangle 4"/>
+          <p:cNvSpPr/>
+          <p:nvPr/>
+        </p:nvSpPr>
+        <p:spPr>
+          <a:xfrm>
+            <a:off x="5481997" y="1871801"/>
+            <a:ext cx="5038017" cy="4893647"/>
+          </a:xfrm>
+          <a:prstGeom prst="rect">
+            <a:avLst/>
+          </a:prstGeom>
+        </p:spPr>
+        <p:txBody>
+          <a:bodyPr>
+            <a:spAutoFit/>
+          </a:bodyPr>
+          <a:lstStyle/>
+          <a:p>
+            <a:pPr marL="285750" indent="-285750">
+              <a:buFont typeface="Arial" panose="020B0604020202020204" pitchFamily="34" charset="0"/>
+              <a:buChar char="•"/>
+            </a:pPr>
+            <a:r>
+              <a:rPr lang="en-US" sz="2400" b="1" dirty="0" smtClean="0">
+                <a:latin typeface="Times New Roman" panose="02020603050405020304" pitchFamily="18" charset="0"/>
+                <a:cs typeface="Times New Roman" panose="02020603050405020304" pitchFamily="18" charset="0"/>
+              </a:rPr>
+              <a:t>Bad </a:t>
+            </a:r>
+            <a:r>
+              <a:rPr lang="en-US" sz="2400" b="1" dirty="0">
+                <a:latin typeface="Times New Roman" panose="02020603050405020304" pitchFamily="18" charset="0"/>
+                <a:cs typeface="Times New Roman" panose="02020603050405020304" pitchFamily="18" charset="0"/>
+              </a:rPr>
+              <a:t>Loans Count</a:t>
+            </a:r>
+            <a:r>
+              <a:rPr lang="en-US" sz="2400" dirty="0">
+                <a:latin typeface="Times New Roman" panose="02020603050405020304" pitchFamily="18" charset="0"/>
+                <a:cs typeface="Times New Roman" panose="02020603050405020304" pitchFamily="18" charset="0"/>
+              </a:rPr>
+              <a:t>: </a:t>
+            </a:r>
+            <a:r>
+              <a:rPr lang="en-US" sz="2400" dirty="0" smtClean="0">
+                <a:latin typeface="Times New Roman" panose="02020603050405020304" pitchFamily="18" charset="0"/>
+                <a:cs typeface="Times New Roman" panose="02020603050405020304" pitchFamily="18" charset="0"/>
+              </a:rPr>
+              <a:t>The category of applications seeking Loans as a purpose of small business tend </a:t>
+            </a:r>
+            <a:r>
+              <a:rPr lang="en-US" sz="2400" dirty="0">
+                <a:latin typeface="Times New Roman" panose="02020603050405020304" pitchFamily="18" charset="0"/>
+                <a:cs typeface="Times New Roman" panose="02020603050405020304" pitchFamily="18" charset="0"/>
+              </a:rPr>
+              <a:t>to have a higher risk of being a bad </a:t>
+            </a:r>
+            <a:r>
+              <a:rPr lang="en-US" sz="2400" dirty="0" smtClean="0">
+                <a:latin typeface="Times New Roman" panose="02020603050405020304" pitchFamily="18" charset="0"/>
+                <a:cs typeface="Times New Roman" panose="02020603050405020304" pitchFamily="18" charset="0"/>
+              </a:rPr>
+              <a:t>loan (% wise counts). However, severity would be </a:t>
+            </a:r>
+            <a:r>
+              <a:rPr lang="en-US" sz="2400" dirty="0" err="1" smtClean="0">
+                <a:latin typeface="Times New Roman" panose="02020603050405020304" pitchFamily="18" charset="0"/>
+                <a:cs typeface="Times New Roman" panose="02020603050405020304" pitchFamily="18" charset="0"/>
+              </a:rPr>
+              <a:t>less.</a:t>
+            </a:r>
+            <a:r>
+              <a:rPr lang="en-US" sz="2400" b="1" dirty="0" err="1" smtClean="0">
+                <a:latin typeface="Times New Roman" panose="02020603050405020304" pitchFamily="18" charset="0"/>
+                <a:cs typeface="Times New Roman" panose="02020603050405020304" pitchFamily="18" charset="0"/>
+              </a:rPr>
+              <a:t>Less</a:t>
+            </a:r>
+            <a:r>
+              <a:rPr lang="en-US" sz="2400" b="1" dirty="0" smtClean="0">
+                <a:latin typeface="Times New Roman" panose="02020603050405020304" pitchFamily="18" charset="0"/>
+                <a:cs typeface="Times New Roman" panose="02020603050405020304" pitchFamily="18" charset="0"/>
+              </a:rPr>
+              <a:t> </a:t>
+            </a:r>
+            <a:r>
+              <a:rPr lang="en-US" sz="2400" b="1" dirty="0">
+                <a:latin typeface="Times New Roman" panose="02020603050405020304" pitchFamily="18" charset="0"/>
+                <a:cs typeface="Times New Roman" panose="02020603050405020304" pitchFamily="18" charset="0"/>
+              </a:rPr>
+              <a:t>frequent purpose</a:t>
+            </a:r>
+            <a:r>
+              <a:rPr lang="en-US" sz="2400" dirty="0">
+                <a:latin typeface="Times New Roman" panose="02020603050405020304" pitchFamily="18" charset="0"/>
+                <a:cs typeface="Times New Roman" panose="02020603050405020304" pitchFamily="18" charset="0"/>
+              </a:rPr>
+              <a:t>: Clients applied less for small business purposes for all three income categories.</a:t>
+            </a:r>
+          </a:p>
+          <a:p>
+            <a:endParaRPr lang="en-US" sz="2400" dirty="0">
+              <a:latin typeface="Times New Roman" panose="02020603050405020304" pitchFamily="18" charset="0"/>
+              <a:cs typeface="Times New Roman" panose="02020603050405020304" pitchFamily="18" charset="0"/>
+            </a:endParaRPr>
+          </a:p>
+          <a:p>
+            <a:pPr marL="285750" indent="-285750">
+              <a:buFont typeface="Arial" panose="020B0604020202020204" pitchFamily="34" charset="0"/>
+              <a:buChar char="•"/>
+            </a:pPr>
+            <a:r>
+              <a:rPr lang="en-US" sz="2400" b="1" dirty="0" smtClean="0">
+                <a:latin typeface="Times New Roman" panose="02020603050405020304" pitchFamily="18" charset="0"/>
+                <a:cs typeface="Times New Roman" panose="02020603050405020304" pitchFamily="18" charset="0"/>
+              </a:rPr>
+              <a:t>Most </a:t>
+            </a:r>
+            <a:r>
+              <a:rPr lang="en-US" sz="2400" b="1" dirty="0">
+                <a:latin typeface="Times New Roman" panose="02020603050405020304" pitchFamily="18" charset="0"/>
+                <a:cs typeface="Times New Roman" panose="02020603050405020304" pitchFamily="18" charset="0"/>
+              </a:rPr>
+              <a:t>frequent Purpose</a:t>
+            </a:r>
+            <a:r>
+              <a:rPr lang="en-US" sz="2400" dirty="0">
+                <a:latin typeface="Times New Roman" panose="02020603050405020304" pitchFamily="18" charset="0"/>
+                <a:cs typeface="Times New Roman" panose="02020603050405020304" pitchFamily="18" charset="0"/>
+              </a:rPr>
+              <a:t>: The reason that clients applied the most for a loan was </a:t>
+            </a:r>
+            <a:r>
+              <a:rPr lang="en-US" sz="2400" dirty="0" smtClean="0">
+                <a:latin typeface="Times New Roman" panose="02020603050405020304" pitchFamily="18" charset="0"/>
+                <a:cs typeface="Times New Roman" panose="02020603050405020304" pitchFamily="18" charset="0"/>
+              </a:rPr>
+              <a:t>debt consolidated.</a:t>
+            </a:r>
+            <a:endParaRPr lang="en-US" sz="2400" dirty="0">
+              <a:latin typeface="Times New Roman" panose="02020603050405020304" pitchFamily="18" charset="0"/>
+              <a:cs typeface="Times New Roman" panose="02020603050405020304" pitchFamily="18" charset="0"/>
+            </a:endParaRPr>
+          </a:p>
+        </p:txBody>
+      </p:sp>
+    </p:spTree>
+    <p:extLst>
+      <p:ext uri="{BB962C8B-B14F-4D97-AF65-F5344CB8AC3E}">
+        <p14:creationId xmlns:p14="http://schemas.microsoft.com/office/powerpoint/2010/main" val="3312495814"/>
+      </p:ext>
+    </p:extLst>
+  </p:cSld>
+  <p:clrMapOvr>
+    <a:masterClrMapping/>
+  </p:clrMapOvr>
+  <p:timing>
+    <p:tnLst>
+      <p:par>
+        <p:cTn id="1" dur="indefinite" restart="never" nodeType="tmRoot"/>
+      </p:par>
+    </p:tnLst>
+  </p:timing>
+</p:sld>
+</file>
+
+<file path=ppt/slides/slide17.xml><?xml version="1.0" encoding="utf-8"?>
+<p:sld xmlns:a="http://schemas.openxmlformats.org/drawingml/2006/main" xmlns:r="http://schemas.openxmlformats.org/officeDocument/2006/relationships" xmlns:p="http://schemas.openxmlformats.org/presentationml/2006/main">
+  <p:cSld>
+    <p:spTree>
+      <p:nvGrpSpPr>
+        <p:cNvPr id="1" name=""/>
+        <p:cNvGrpSpPr/>
+        <p:nvPr/>
+      </p:nvGrpSpPr>
+      <p:grpSpPr>
+        <a:xfrm>
+          <a:off x="0" y="0"/>
+          <a:ext cx="0" cy="0"/>
+          <a:chOff x="0" y="0"/>
+          <a:chExt cx="0" cy="0"/>
+        </a:xfrm>
+      </p:grpSpPr>
+      <p:sp>
+        <p:nvSpPr>
+          <p:cNvPr id="4" name="Title 1"/>
+          <p:cNvSpPr>
+            <a:spLocks noGrp="1"/>
+          </p:cNvSpPr>
+          <p:nvPr>
+            <p:ph type="title"/>
+          </p:nvPr>
+        </p:nvSpPr>
+        <p:spPr>
+          <a:xfrm>
+            <a:off x="1136469" y="640080"/>
+            <a:ext cx="9313817" cy="856138"/>
+          </a:xfrm>
+        </p:spPr>
+        <p:txBody>
+          <a:bodyPr>
+            <a:normAutofit fontScale="90000"/>
+          </a:bodyPr>
+          <a:lstStyle/>
+          <a:p>
+            <a:r>
+              <a:rPr lang="en-IN" b="1" dirty="0" smtClean="0"/>
+              <a:t>Analysis of Loan Variables</a:t>
+            </a:r>
+            <a:r>
+              <a:rPr lang="en-IN" b="1" dirty="0" smtClean="0"/>
+              <a:t/>
+            </a:r>
+            <a:br>
+              <a:rPr lang="en-IN" b="1" dirty="0" smtClean="0"/>
+            </a:br>
+            <a:r>
+              <a:rPr lang="en-IN" sz="3100" i="1" dirty="0" smtClean="0"/>
+              <a:t>Correlation </a:t>
+            </a:r>
+            <a:r>
+              <a:rPr lang="en-IN" sz="3100" i="1" dirty="0" smtClean="0"/>
+              <a:t>Analysis</a:t>
+            </a:r>
+            <a:endParaRPr lang="en-IN" sz="2200" i="1" dirty="0"/>
+          </a:p>
+        </p:txBody>
+      </p:sp>
+      <p:pic>
+        <p:nvPicPr>
+          <p:cNvPr id="21" name="Picture 2" descr="C:\Users\ssen1005\Desktop\PGDML\107\loan\corr_matrix.png"/>
+          <p:cNvPicPr>
+            <a:picLocks noChangeAspect="1" noChangeArrowheads="1"/>
+          </p:cNvPicPr>
+          <p:nvPr/>
+        </p:nvPicPr>
+        <p:blipFill>
+          <a:blip r:embed="rId2">
+            <a:extLst>
+              <a:ext uri="{28A0092B-C50C-407E-A947-70E740481C1C}">
+                <a14:useLocalDpi xmlns:a14="http://schemas.microsoft.com/office/drawing/2010/main" val="0"/>
+              </a:ext>
+            </a:extLst>
+          </a:blip>
+          <a:srcRect/>
+          <a:stretch>
+            <a:fillRect/>
+          </a:stretch>
+        </p:blipFill>
+        <p:spPr bwMode="auto">
+          <a:xfrm>
+            <a:off x="1119631" y="2123638"/>
+            <a:ext cx="6204491" cy="4534076"/>
           </a:xfrm>
           <a:prstGeom prst="rect">
             <a:avLst/>
@@ -12711,8 +15049,8 @@
         </p:nvSpPr>
         <p:spPr>
           <a:xfrm>
-            <a:off x="7052107" y="2164517"/>
-            <a:ext cx="4081560" cy="3108543"/>
+            <a:off x="7128309" y="2181451"/>
+            <a:ext cx="4352493" cy="3785652"/>
           </a:xfrm>
           <a:prstGeom prst="rect">
             <a:avLst/>
@@ -12757,10 +15095,6 @@
               </a:rPr>
               <a:t> among each other – </a:t>
             </a:r>
-            <a:endParaRPr lang="en-US" dirty="0" smtClean="0">
-              <a:latin typeface="Times New Roman" panose="02020603050405020304" pitchFamily="18" charset="0"/>
-              <a:cs typeface="Times New Roman" panose="02020603050405020304" pitchFamily="18" charset="0"/>
-            </a:endParaRPr>
           </a:p>
           <a:p>
             <a:pPr marL="742950" lvl="1" indent="-285750">
@@ -12889,7 +15223,14 @@
                 <a:latin typeface="Times New Roman" panose="02020603050405020304" pitchFamily="18" charset="0"/>
                 <a:cs typeface="Times New Roman" panose="02020603050405020304" pitchFamily="18" charset="0"/>
               </a:rPr>
-              <a:t>These variables are </a:t>
+              <a:t>The cluster variables </a:t>
+            </a:r>
+            <a:r>
+              <a:rPr lang="en-US" sz="1600" dirty="0" smtClean="0">
+                <a:latin typeface="Times New Roman" panose="02020603050405020304" pitchFamily="18" charset="0"/>
+                <a:cs typeface="Times New Roman" panose="02020603050405020304" pitchFamily="18" charset="0"/>
+              </a:rPr>
+              <a:t>are </a:t>
             </a:r>
             <a:r>
               <a:rPr lang="en-US" sz="1600" b="1" dirty="0" smtClean="0">
@@ -12903,12 +15244,152 @@
                 <a:latin typeface="Times New Roman" panose="02020603050405020304" pitchFamily="18" charset="0"/>
                 <a:cs typeface="Times New Roman" panose="02020603050405020304" pitchFamily="18" charset="0"/>
               </a:rPr>
-              <a:t> dependent on each other.</a:t>
-            </a:r>
-            <a:endParaRPr lang="en-US" sz="1600" dirty="0" smtClean="0">
+              <a:t> dependent on each </a:t>
+            </a:r>
+            <a:r>
+              <a:rPr lang="en-US" sz="1600" dirty="0" smtClean="0">
+                <a:latin typeface="Times New Roman" panose="02020603050405020304" pitchFamily="18" charset="0"/>
+                <a:cs typeface="Times New Roman" panose="02020603050405020304" pitchFamily="18" charset="0"/>
+              </a:rPr>
+              <a:t>other.</a:t>
+            </a:r>
+          </a:p>
+          <a:p>
+            <a:pPr marL="285750" indent="-285750">
+              <a:buFont typeface="Arial" panose="020B0604020202020204" pitchFamily="34" charset="0"/>
+              <a:buChar char="•"/>
+            </a:pPr>
+            <a:r>
+              <a:rPr lang="en-US" sz="1600" dirty="0" smtClean="0">
+                <a:latin typeface="Times New Roman" panose="02020603050405020304" pitchFamily="18" charset="0"/>
+                <a:cs typeface="Times New Roman" panose="02020603050405020304" pitchFamily="18" charset="0"/>
+              </a:rPr>
+              <a:t>Other variables </a:t>
+            </a:r>
+            <a:r>
+              <a:rPr lang="en-US" sz="1600" dirty="0">
+                <a:latin typeface="Times New Roman" panose="02020603050405020304" pitchFamily="18" charset="0"/>
+                <a:cs typeface="Times New Roman" panose="02020603050405020304" pitchFamily="18" charset="0"/>
+              </a:rPr>
+              <a:t>which </a:t>
+            </a:r>
+            <a:r>
+              <a:rPr lang="en-US" sz="1600" dirty="0" smtClean="0">
+                <a:latin typeface="Times New Roman" panose="02020603050405020304" pitchFamily="18" charset="0"/>
+                <a:cs typeface="Times New Roman" panose="02020603050405020304" pitchFamily="18" charset="0"/>
+              </a:rPr>
+              <a:t>were found to be moderately </a:t>
+            </a:r>
+            <a:r>
+              <a:rPr lang="en-US" sz="1600" dirty="0">
+                <a:latin typeface="Times New Roman" panose="02020603050405020304" pitchFamily="18" charset="0"/>
+                <a:cs typeface="Times New Roman" panose="02020603050405020304" pitchFamily="18" charset="0"/>
+              </a:rPr>
+              <a:t>Correlated </a:t>
+            </a:r>
+            <a:r>
+              <a:rPr lang="en-US" sz="1600" dirty="0" smtClean="0">
+                <a:latin typeface="Times New Roman" panose="02020603050405020304" pitchFamily="18" charset="0"/>
+                <a:cs typeface="Times New Roman" panose="02020603050405020304" pitchFamily="18" charset="0"/>
+              </a:rPr>
+              <a:t>–</a:t>
+            </a:r>
+          </a:p>
+          <a:p>
+            <a:pPr marL="1257300" lvl="2" indent="-342900">
+              <a:buAutoNum type="alphaUcPeriod"/>
+            </a:pPr>
+            <a:r>
+              <a:rPr lang="en-US" sz="1400" b="1" dirty="0" smtClean="0">
+                <a:latin typeface="Times New Roman" panose="02020603050405020304" pitchFamily="18" charset="0"/>
+                <a:cs typeface="Times New Roman" panose="02020603050405020304" pitchFamily="18" charset="0"/>
+              </a:rPr>
+              <a:t>Installment </a:t>
+            </a:r>
+            <a:r>
+              <a:rPr lang="en-US" sz="1400" b="1" dirty="0">
+                <a:latin typeface="Times New Roman" panose="02020603050405020304" pitchFamily="18" charset="0"/>
+                <a:cs typeface="Times New Roman" panose="02020603050405020304" pitchFamily="18" charset="0"/>
+              </a:rPr>
+              <a:t>&amp; Total </a:t>
+            </a:r>
+            <a:r>
+              <a:rPr lang="en-US" sz="1400" b="1" dirty="0" smtClean="0">
+                <a:latin typeface="Times New Roman" panose="02020603050405020304" pitchFamily="18" charset="0"/>
+                <a:cs typeface="Times New Roman" panose="02020603050405020304" pitchFamily="18" charset="0"/>
+              </a:rPr>
+              <a:t>Payment</a:t>
+            </a:r>
+          </a:p>
+          <a:p>
+            <a:pPr marL="1257300" lvl="2" indent="-342900">
+              <a:buAutoNum type="alphaUcPeriod"/>
+            </a:pPr>
+            <a:r>
+              <a:rPr lang="en-US" sz="1400" b="1" dirty="0" smtClean="0">
+                <a:latin typeface="Times New Roman" panose="02020603050405020304" pitchFamily="18" charset="0"/>
+                <a:cs typeface="Times New Roman" panose="02020603050405020304" pitchFamily="18" charset="0"/>
+              </a:rPr>
+              <a:t>Annual </a:t>
+            </a:r>
+            <a:r>
+              <a:rPr lang="en-US" sz="1400" b="1" dirty="0">
+                <a:latin typeface="Times New Roman" panose="02020603050405020304" pitchFamily="18" charset="0"/>
+                <a:cs typeface="Times New Roman" panose="02020603050405020304" pitchFamily="18" charset="0"/>
+              </a:rPr>
+              <a:t>Income &amp; Revolving Balance.</a:t>
+            </a:r>
+            <a:endParaRPr lang="en-US" sz="1400" b="1" dirty="0" smtClean="0">
               <a:latin typeface="Times New Roman" panose="02020603050405020304" pitchFamily="18" charset="0"/>
               <a:cs typeface="Times New Roman" panose="02020603050405020304" pitchFamily="18" charset="0"/>
             </a:endParaRPr>
+          </a:p>
+        </p:txBody>
+      </p:sp>
+      <p:sp>
+        <p:nvSpPr>
+          <p:cNvPr id="10" name="Rounded Rectangle 9"/>
+          <p:cNvSpPr/>
+          <p:nvPr/>
+        </p:nvSpPr>
+        <p:spPr>
+          <a:xfrm>
+            <a:off x="1015994" y="1650999"/>
+            <a:ext cx="10532533" cy="5122333"/>
+          </a:xfrm>
+          <a:prstGeom prst="roundRect">
+            <a:avLst/>
+          </a:prstGeom>
+          <a:noFill/>
+          <a:ln>
+            <a:solidFill>
+              <a:schemeClr val="tx2"/>
+            </a:solidFill>
+            <a:prstDash val="lgDash"/>
+          </a:ln>
+        </p:spPr>
+        <p:style>
+          <a:lnRef idx="2">
+            <a:schemeClr val="accent1">
+              <a:shade val="50000"/>
+            </a:schemeClr>
+          </a:lnRef>
+          <a:fillRef idx="1">
+            <a:schemeClr val="accent1"/>
+          </a:fillRef>
+          <a:effectRef idx="0">
+            <a:schemeClr val="accent1"/>
+          </a:effectRef>
+          <a:fontRef idx="minor">
+            <a:schemeClr val="lt1"/>
+          </a:fontRef>
+        </p:style>
+        <p:txBody>
+          <a:bodyPr rtlCol="0" anchor="ctr"/>
+          <a:lstStyle/>
+          <a:p>
+            <a:pPr algn="ctr"/>
+            <a:endParaRPr lang="en-US" dirty="0"/>
           </a:p>
         </p:txBody>
       </p:sp>
@@ -12932,7 +15413,7 @@
 </p:sld>
 </file>
 
-<file path=ppt/slides/slide13.xml><?xml version="1.0" encoding="utf-8"?>
+<file path=ppt/slides/slide18.xml><?xml version="1.0" encoding="utf-8"?>
 <p:sld xmlns:a="http://schemas.openxmlformats.org/drawingml/2006/main" xmlns:r="http://schemas.openxmlformats.org/officeDocument/2006/relationships" xmlns:p="http://schemas.openxmlformats.org/presentationml/2006/main">
   <p:cSld>
     <p:spTree>
@@ -13030,6 +15511,75 @@
           <a:p>
             <a:pPr algn="ctr"/>
             <a:endParaRPr lang="en-US" dirty="0"/>
+          </a:p>
+        </p:txBody>
+      </p:sp>
+      <p:pic>
+        <p:nvPicPr>
+          <p:cNvPr id="9" name="Picture 8"/>
+          <p:cNvPicPr>
+            <a:picLocks noChangeAspect="1" noChangeArrowheads="1"/>
+          </p:cNvPicPr>
+          <p:nvPr/>
+        </p:nvPicPr>
+        <p:blipFill>
+          <a:blip r:embed="rId2"/>
+          <a:srcRect/>
+          <a:stretch>
+            <a:fillRect/>
+          </a:stretch>
+        </p:blipFill>
+        <p:spPr bwMode="auto">
+          <a:xfrm>
+            <a:off x="1328480" y="1877187"/>
+            <a:ext cx="2626240" cy="4226189"/>
+          </a:xfrm>
+          <a:prstGeom prst="rect">
+            <a:avLst/>
+          </a:prstGeom>
+          <a:noFill/>
+          <a:ln w="9525">
+            <a:noFill/>
+            <a:miter lim="800000"/>
+            <a:headEnd/>
+            <a:tailEnd/>
+          </a:ln>
+          <a:effectLst/>
+        </p:spPr>
+      </p:pic>
+      <p:sp>
+        <p:nvSpPr>
+          <p:cNvPr id="10" name="TextBox 9"/>
+          <p:cNvSpPr txBox="1"/>
+          <p:nvPr/>
+        </p:nvSpPr>
+        <p:spPr>
+          <a:xfrm>
+            <a:off x="4064001" y="1955800"/>
+            <a:ext cx="7247466" cy="646331"/>
+          </a:xfrm>
+          <a:prstGeom prst="rect">
+            <a:avLst/>
+          </a:prstGeom>
+          <a:noFill/>
+        </p:spPr>
+        <p:txBody>
+          <a:bodyPr wrap="square" rtlCol="0">
+            <a:spAutoFit/>
+          </a:bodyPr>
+          <a:lstStyle/>
+          <a:p>
+            <a:pPr marL="285750" indent="-285750">
+              <a:buFont typeface="Arial" panose="020B0604020202020204" pitchFamily="34" charset="0"/>
+              <a:buChar char="•"/>
+            </a:pPr>
+            <a:r>
+              <a:rPr lang="en-US" i="1" dirty="0" smtClean="0">
+                <a:latin typeface="Times New Roman" panose="02020603050405020304" pitchFamily="18" charset="0"/>
+                <a:cs typeface="Times New Roman" panose="02020603050405020304" pitchFamily="18" charset="0"/>
+              </a:rPr>
+              <a:t>Loan Term with longer duration tends to capture the majority of Charged  Off cases. It may be because the higher interest rates can</a:t>
+            </a:r>
           </a:p>
         </p:txBody>
       </p:sp>
@@ -14991,6 +17541,16 @@
           <a:lstStyle/>
           <a:p>
             <a:r>
+              <a:rPr lang="en-US" b="1" dirty="0" smtClean="0">
+                <a:solidFill>
+                  <a:schemeClr val="bg1"/>
+                </a:solidFill>
+                <a:latin typeface="Times New Roman" panose="02020603050405020304" pitchFamily="18" charset="0"/>
+                <a:cs typeface="Times New Roman" panose="02020603050405020304" pitchFamily="18" charset="0"/>
+              </a:rPr>
+              <a:t>**</a:t>
+            </a:r>
+            <a:r>
               <a:rPr lang="en-US" dirty="0" smtClean="0">
                 <a:solidFill>
                   <a:schemeClr val="bg1"/>
@@ -14998,7 +17558,7 @@
                 <a:latin typeface="Times New Roman" panose="02020603050405020304" pitchFamily="18" charset="0"/>
                 <a:cs typeface="Times New Roman" panose="02020603050405020304" pitchFamily="18" charset="0"/>
               </a:rPr>
-              <a:t>**Loan Data provided for the </a:t>
+              <a:t>Loan Data provided for the </a:t>
             </a:r>
             <a:r>
               <a:rPr lang="en-US" b="1" dirty="0">
@@ -15018,7 +17578,37 @@
                 <a:latin typeface="Times New Roman" panose="02020603050405020304" pitchFamily="18" charset="0"/>
                 <a:cs typeface="Times New Roman" panose="02020603050405020304" pitchFamily="18" charset="0"/>
               </a:rPr>
-              <a:t>and the Loans issued from 2007-2011</a:t>
+              <a:t>and the Loans issued from </a:t>
+            </a:r>
+            <a:r>
+              <a:rPr lang="en-US" b="1" dirty="0" smtClean="0">
+                <a:solidFill>
+                  <a:schemeClr val="bg1"/>
+                </a:solidFill>
+                <a:latin typeface="Times New Roman" panose="02020603050405020304" pitchFamily="18" charset="0"/>
+                <a:cs typeface="Times New Roman" panose="02020603050405020304" pitchFamily="18" charset="0"/>
+              </a:rPr>
+              <a:t>2007</a:t>
+            </a:r>
+            <a:r>
+              <a:rPr lang="en-US" dirty="0" smtClean="0">
+                <a:solidFill>
+                  <a:schemeClr val="bg1"/>
+                </a:solidFill>
+                <a:latin typeface="Times New Roman" panose="02020603050405020304" pitchFamily="18" charset="0"/>
+                <a:cs typeface="Times New Roman" panose="02020603050405020304" pitchFamily="18" charset="0"/>
+              </a:rPr>
+              <a:t>-</a:t>
+            </a:r>
+            <a:r>
+              <a:rPr lang="en-US" b="1" dirty="0" smtClean="0">
+                <a:solidFill>
+                  <a:schemeClr val="bg1"/>
+                </a:solidFill>
+                <a:latin typeface="Times New Roman" panose="02020603050405020304" pitchFamily="18" charset="0"/>
+                <a:cs typeface="Times New Roman" panose="02020603050405020304" pitchFamily="18" charset="0"/>
+              </a:rPr>
+              <a:t>2011</a:t>
             </a:r>
           </a:p>
         </p:txBody>
@@ -15930,7 +18520,7 @@
           <p:nvPr>
             <p:extLst>
               <p:ext uri="{D42A27DB-BD31-4B8C-83A1-F6EECF244321}">
-                <p14:modId xmlns:p14="http://schemas.microsoft.com/office/powerpoint/2010/main" val="3590600808"/>
+                <p14:modId xmlns:p14="http://schemas.microsoft.com/office/powerpoint/2010/main" val="1857806305"/>
               </p:ext>
             </p:extLst>
           </p:nvPr>
@@ -16430,7 +19020,17 @@
                 <a:latin typeface="Times New Roman" panose="02020603050405020304" pitchFamily="18" charset="0"/>
                 <a:cs typeface="Times New Roman" panose="02020603050405020304" pitchFamily="18" charset="0"/>
               </a:rPr>
-              <a:t>Debt Consolidation </a:t>
+              <a:t>Debt Consolidation captured to be a very common purpose for Loan Application. However, applicants opting for a Loan Term of </a:t>
+            </a:r>
+            <a:r>
+              <a:rPr lang="en-US" sz="1200" b="1" i="1" dirty="0" smtClean="0">
+                <a:solidFill>
+                  <a:schemeClr val="tx1"/>
+                </a:solidFill>
+                <a:latin typeface="Times New Roman" panose="02020603050405020304" pitchFamily="18" charset="0"/>
+                <a:cs typeface="Times New Roman" panose="02020603050405020304" pitchFamily="18" charset="0"/>
+              </a:rPr>
+              <a:t>60 Months </a:t>
             </a:r>
             <a:r>
               <a:rPr lang="en-US" sz="1200" i="1" dirty="0" smtClean="0">
@@ -16440,87 +19040,7 @@
                 <a:latin typeface="Times New Roman" panose="02020603050405020304" pitchFamily="18" charset="0"/>
                 <a:cs typeface="Times New Roman" panose="02020603050405020304" pitchFamily="18" charset="0"/>
               </a:rPr>
-              <a:t>captured to be a </a:t>
-            </a:r>
-            <a:r>
-              <a:rPr lang="en-US" sz="1200" i="1" dirty="0" smtClean="0">
-                <a:solidFill>
-                  <a:schemeClr val="tx1"/>
-                </a:solidFill>
-                <a:latin typeface="Times New Roman" panose="02020603050405020304" pitchFamily="18" charset="0"/>
-                <a:cs typeface="Times New Roman" panose="02020603050405020304" pitchFamily="18" charset="0"/>
-              </a:rPr>
-              <a:t>very common purpose for </a:t>
-            </a:r>
-            <a:r>
-              <a:rPr lang="en-US" sz="1200" i="1" dirty="0" smtClean="0">
-                <a:solidFill>
-                  <a:schemeClr val="tx1"/>
-                </a:solidFill>
-                <a:latin typeface="Times New Roman" panose="02020603050405020304" pitchFamily="18" charset="0"/>
-                <a:cs typeface="Times New Roman" panose="02020603050405020304" pitchFamily="18" charset="0"/>
-              </a:rPr>
-              <a:t>Loan Application</a:t>
-            </a:r>
-            <a:r>
-              <a:rPr lang="en-US" sz="1200" i="1" dirty="0" smtClean="0">
-                <a:solidFill>
-                  <a:schemeClr val="tx1"/>
-                </a:solidFill>
-                <a:latin typeface="Times New Roman" panose="02020603050405020304" pitchFamily="18" charset="0"/>
-                <a:cs typeface="Times New Roman" panose="02020603050405020304" pitchFamily="18" charset="0"/>
-              </a:rPr>
-              <a:t>. </a:t>
-            </a:r>
-            <a:r>
-              <a:rPr lang="en-US" sz="1200" i="1" dirty="0" smtClean="0">
-                <a:solidFill>
-                  <a:schemeClr val="tx1"/>
-                </a:solidFill>
-                <a:latin typeface="Times New Roman" panose="02020603050405020304" pitchFamily="18" charset="0"/>
-                <a:cs typeface="Times New Roman" panose="02020603050405020304" pitchFamily="18" charset="0"/>
-              </a:rPr>
-              <a:t>However, applicants opting for a Loan Term of </a:t>
-            </a:r>
-            <a:r>
-              <a:rPr lang="en-US" sz="1200" b="1" i="1" dirty="0" smtClean="0">
-                <a:solidFill>
-                  <a:schemeClr val="tx1"/>
-                </a:solidFill>
-                <a:latin typeface="Times New Roman" panose="02020603050405020304" pitchFamily="18" charset="0"/>
-                <a:cs typeface="Times New Roman" panose="02020603050405020304" pitchFamily="18" charset="0"/>
-              </a:rPr>
-              <a:t>60 Months </a:t>
-            </a:r>
-            <a:r>
-              <a:rPr lang="en-US" sz="1200" i="1" dirty="0" smtClean="0">
-                <a:solidFill>
-                  <a:schemeClr val="tx1"/>
-                </a:solidFill>
-                <a:latin typeface="Times New Roman" panose="02020603050405020304" pitchFamily="18" charset="0"/>
-                <a:cs typeface="Times New Roman" panose="02020603050405020304" pitchFamily="18" charset="0"/>
-              </a:rPr>
-              <a:t>have higher chances </a:t>
-            </a:r>
-            <a:r>
-              <a:rPr lang="en-US" sz="1200" i="1" dirty="0" smtClean="0">
-                <a:solidFill>
-                  <a:schemeClr val="tx1"/>
-                </a:solidFill>
-                <a:latin typeface="Times New Roman" panose="02020603050405020304" pitchFamily="18" charset="0"/>
-                <a:cs typeface="Times New Roman" panose="02020603050405020304" pitchFamily="18" charset="0"/>
-              </a:rPr>
-              <a:t>of getting at </a:t>
-            </a:r>
-            <a:r>
-              <a:rPr lang="en-US" sz="1200" i="1" dirty="0" smtClean="0">
-                <a:solidFill>
-                  <a:schemeClr val="tx1"/>
-                </a:solidFill>
-                <a:latin typeface="Times New Roman" panose="02020603050405020304" pitchFamily="18" charset="0"/>
-                <a:cs typeface="Times New Roman" panose="02020603050405020304" pitchFamily="18" charset="0"/>
-              </a:rPr>
-              <a:t>default. Also, when looked at the Verification Status, majority of the Applicant’s income sources were found Verified for the same term. </a:t>
+              <a:t>have higher chances of getting at default. Also, when looked at the Verification Status, majority of the Applicant’s income sources were found Verified for the same term. </a:t>
             </a:r>
             <a:r>
               <a:rPr lang="en-US" sz="1200" b="1" i="1" dirty="0">
@@ -17546,10 +20066,6 @@
               </a:rPr>
               <a:t>60 Months</a:t>
             </a:r>
-            <a:endParaRPr lang="en-US" b="1" dirty="0" smtClean="0">
-              <a:latin typeface="Times New Roman" panose="02020603050405020304" pitchFamily="18" charset="0"/>
-              <a:cs typeface="Times New Roman" panose="02020603050405020304" pitchFamily="18" charset="0"/>
-            </a:endParaRPr>
           </a:p>
         </p:txBody>
       </p:sp>
@@ -17614,15 +20130,7 @@
           <a:p>
             <a:r>
               <a:rPr lang="en-IN" b="1" dirty="0" smtClean="0"/>
-              <a:t>Hypothesis – </a:t>
-            </a:r>
-            <a:r>
-              <a:rPr lang="en-IN" b="1" dirty="0" smtClean="0"/>
-              <a:t>III</a:t>
-            </a:r>
-            <a:r>
-              <a:rPr lang="en-IN" b="1" dirty="0" smtClean="0"/>
-              <a:t/>
+              <a:t>Hypothesis – III</a:t>
             </a:r>
             <a:br>
               <a:rPr lang="en-IN" b="1" dirty="0" smtClean="0"/>
@@ -17760,7 +20268,17 @@
                 <a:latin typeface="Times New Roman" panose="02020603050405020304" pitchFamily="18" charset="0"/>
                 <a:cs typeface="Times New Roman" panose="02020603050405020304" pitchFamily="18" charset="0"/>
               </a:rPr>
-              <a:t>. However, whe</a:t>
+              <a:t>. However, when looked at </a:t>
+            </a:r>
+            <a:r>
+              <a:rPr lang="en-US" sz="1200" b="1" i="1" dirty="0" smtClean="0">
+                <a:solidFill>
+                  <a:schemeClr val="tx1"/>
+                </a:solidFill>
+                <a:latin typeface="Times New Roman" panose="02020603050405020304" pitchFamily="18" charset="0"/>
+                <a:cs typeface="Times New Roman" panose="02020603050405020304" pitchFamily="18" charset="0"/>
+              </a:rPr>
+              <a:t>Charge Offs</a:t>
             </a:r>
             <a:r>
               <a:rPr lang="en-US" sz="1200" i="1" dirty="0" smtClean="0">
@@ -17770,7 +20288,17 @@
                 <a:latin typeface="Times New Roman" panose="02020603050405020304" pitchFamily="18" charset="0"/>
                 <a:cs typeface="Times New Roman" panose="02020603050405020304" pitchFamily="18" charset="0"/>
               </a:rPr>
-              <a:t>n looked at</a:t>
+              <a:t>, it was also found to have followed a similar pattern except for </a:t>
+            </a:r>
+            <a:r>
+              <a:rPr lang="en-US" sz="1200" b="1" i="1" dirty="0" smtClean="0">
+                <a:solidFill>
+                  <a:schemeClr val="tx1"/>
+                </a:solidFill>
+                <a:latin typeface="Times New Roman" panose="02020603050405020304" pitchFamily="18" charset="0"/>
+                <a:cs typeface="Times New Roman" panose="02020603050405020304" pitchFamily="18" charset="0"/>
+              </a:rPr>
+              <a:t>Grade A</a:t>
             </a:r>
             <a:r>
               <a:rPr lang="en-US" sz="1200" i="1" dirty="0" smtClean="0">
@@ -17780,7 +20308,7 @@
                 <a:latin typeface="Times New Roman" panose="02020603050405020304" pitchFamily="18" charset="0"/>
                 <a:cs typeface="Times New Roman" panose="02020603050405020304" pitchFamily="18" charset="0"/>
               </a:rPr>
-              <a:t> </a:t>
+              <a:t> which had the most count of </a:t>
             </a:r>
             <a:r>
               <a:rPr lang="en-US" sz="1200" b="1" i="1" dirty="0" smtClean="0">
@@ -17790,7 +20318,7 @@
                 <a:latin typeface="Times New Roman" panose="02020603050405020304" pitchFamily="18" charset="0"/>
                 <a:cs typeface="Times New Roman" panose="02020603050405020304" pitchFamily="18" charset="0"/>
               </a:rPr>
-              <a:t>Charge Offs</a:t>
+              <a:t>Fully Paid</a:t>
             </a:r>
             <a:r>
               <a:rPr lang="en-US" sz="1200" i="1" dirty="0" smtClean="0">
@@ -17800,7 +20328,29 @@
                 <a:latin typeface="Times New Roman" panose="02020603050405020304" pitchFamily="18" charset="0"/>
                 <a:cs typeface="Times New Roman" panose="02020603050405020304" pitchFamily="18" charset="0"/>
               </a:rPr>
-              <a:t>, it was also found to have followed a similar pattern except for </a:t>
+              <a:t> cases.</a:t>
+            </a:r>
+          </a:p>
+          <a:p>
+            <a:r>
+              <a:rPr lang="en-US" sz="1200" i="1" dirty="0" smtClean="0">
+                <a:solidFill>
+                  <a:schemeClr val="tx1"/>
+                </a:solidFill>
+                <a:latin typeface="Times New Roman" panose="02020603050405020304" pitchFamily="18" charset="0"/>
+                <a:cs typeface="Times New Roman" panose="02020603050405020304" pitchFamily="18" charset="0"/>
+              </a:rPr>
+              <a:t>It is highly recommended to the </a:t>
+            </a:r>
+            <a:r>
+              <a:rPr lang="en-US" sz="1200" b="1" i="1" dirty="0">
+                <a:solidFill>
+                  <a:schemeClr val="tx1"/>
+                </a:solidFill>
+                <a:latin typeface="Times New Roman" panose="02020603050405020304" pitchFamily="18" charset="0"/>
+                <a:cs typeface="Times New Roman" panose="02020603050405020304" pitchFamily="18" charset="0"/>
+              </a:rPr>
+              <a:t>Consumer Finance </a:t>
             </a:r>
             <a:r>
               <a:rPr lang="en-US" sz="1200" b="1" i="1" dirty="0" smtClean="0">
@@ -17810,7 +20360,7 @@
                 <a:latin typeface="Times New Roman" panose="02020603050405020304" pitchFamily="18" charset="0"/>
                 <a:cs typeface="Times New Roman" panose="02020603050405020304" pitchFamily="18" charset="0"/>
               </a:rPr>
-              <a:t>Grade A</a:t>
+              <a:t>Company </a:t>
             </a:r>
             <a:r>
               <a:rPr lang="en-US" sz="1200" i="1" dirty="0" smtClean="0">
@@ -17820,77 +20370,8 @@
                 <a:latin typeface="Times New Roman" panose="02020603050405020304" pitchFamily="18" charset="0"/>
                 <a:cs typeface="Times New Roman" panose="02020603050405020304" pitchFamily="18" charset="0"/>
               </a:rPr>
-              <a:t> which had the most count of </a:t>
-            </a:r>
-            <a:r>
-              <a:rPr lang="en-US" sz="1200" b="1" i="1" dirty="0" smtClean="0">
-                <a:solidFill>
-                  <a:schemeClr val="tx1"/>
-                </a:solidFill>
-                <a:latin typeface="Times New Roman" panose="02020603050405020304" pitchFamily="18" charset="0"/>
-                <a:cs typeface="Times New Roman" panose="02020603050405020304" pitchFamily="18" charset="0"/>
-              </a:rPr>
-              <a:t>Fully Paid</a:t>
-            </a:r>
-            <a:r>
-              <a:rPr lang="en-US" sz="1200" i="1" dirty="0" smtClean="0">
-                <a:solidFill>
-                  <a:schemeClr val="tx1"/>
-                </a:solidFill>
-                <a:latin typeface="Times New Roman" panose="02020603050405020304" pitchFamily="18" charset="0"/>
-                <a:cs typeface="Times New Roman" panose="02020603050405020304" pitchFamily="18" charset="0"/>
-              </a:rPr>
-              <a:t> cases.</a:t>
-            </a:r>
-          </a:p>
-          <a:p>
-            <a:r>
-              <a:rPr lang="en-US" sz="1200" i="1" dirty="0" smtClean="0">
-                <a:solidFill>
-                  <a:schemeClr val="tx1"/>
-                </a:solidFill>
-                <a:latin typeface="Times New Roman" panose="02020603050405020304" pitchFamily="18" charset="0"/>
-                <a:cs typeface="Times New Roman" panose="02020603050405020304" pitchFamily="18" charset="0"/>
-              </a:rPr>
-              <a:t>It is highly recommended to the </a:t>
-            </a:r>
-            <a:r>
-              <a:rPr lang="en-US" sz="1200" b="1" i="1" dirty="0">
-                <a:solidFill>
-                  <a:schemeClr val="tx1"/>
-                </a:solidFill>
-                <a:latin typeface="Times New Roman" panose="02020603050405020304" pitchFamily="18" charset="0"/>
-                <a:cs typeface="Times New Roman" panose="02020603050405020304" pitchFamily="18" charset="0"/>
-              </a:rPr>
-              <a:t>Consumer Finance </a:t>
-            </a:r>
-            <a:r>
-              <a:rPr lang="en-US" sz="1200" b="1" i="1" dirty="0" smtClean="0">
-                <a:solidFill>
-                  <a:schemeClr val="tx1"/>
-                </a:solidFill>
-                <a:latin typeface="Times New Roman" panose="02020603050405020304" pitchFamily="18" charset="0"/>
-                <a:cs typeface="Times New Roman" panose="02020603050405020304" pitchFamily="18" charset="0"/>
-              </a:rPr>
-              <a:t>Company </a:t>
-            </a:r>
-            <a:r>
-              <a:rPr lang="en-US" sz="1200" i="1" dirty="0" smtClean="0">
-                <a:solidFill>
-                  <a:schemeClr val="tx1"/>
-                </a:solidFill>
-                <a:latin typeface="Times New Roman" panose="02020603050405020304" pitchFamily="18" charset="0"/>
-                <a:cs typeface="Times New Roman" panose="02020603050405020304" pitchFamily="18" charset="0"/>
-              </a:rPr>
               <a:t>to look at the Grading System before the Loan Approval”</a:t>
             </a:r>
-            <a:endParaRPr lang="en-US" sz="1200" i="1" dirty="0" smtClean="0">
-              <a:solidFill>
-                <a:schemeClr val="tx1"/>
-              </a:solidFill>
-              <a:latin typeface="Times New Roman" panose="02020603050405020304" pitchFamily="18" charset="0"/>
-              <a:cs typeface="Times New Roman" panose="02020603050405020304" pitchFamily="18" charset="0"/>
-            </a:endParaRPr>
           </a:p>
         </p:txBody>
       </p:sp>
@@ -18283,10 +20764,6 @@
               </a:rPr>
               <a:t> which were significant in contributions.</a:t>
             </a:r>
-            <a:endParaRPr lang="en-US" dirty="0" smtClean="0">
-              <a:latin typeface="Times New Roman" panose="02020603050405020304" pitchFamily="18" charset="0"/>
-              <a:cs typeface="Times New Roman" panose="02020603050405020304" pitchFamily="18" charset="0"/>
-            </a:endParaRPr>
           </a:p>
         </p:txBody>
       </p:sp>
@@ -18410,10 +20887,6 @@
               </a:rPr>
               <a:t>B5, B4, B3, B2</a:t>
             </a:r>
-            <a:endParaRPr lang="en-US" sz="1200" dirty="0" smtClean="0">
-              <a:latin typeface="Times New Roman" panose="02020603050405020304" pitchFamily="18" charset="0"/>
-              <a:cs typeface="Times New Roman" panose="02020603050405020304" pitchFamily="18" charset="0"/>
-            </a:endParaRPr>
           </a:p>
         </p:txBody>
       </p:sp>
@@ -18731,11 +21204,7 @@
           <a:p>
             <a:r>
               <a:rPr lang="en-IN" b="1" dirty="0" smtClean="0"/>
-              <a:t>Hypothesis – </a:t>
-            </a:r>
-            <a:r>
-              <a:rPr lang="en-IN" b="1" dirty="0" smtClean="0"/>
-              <a:t>IV</a:t>
+              <a:t>Hypothesis – IV</a:t>
             </a:r>
             <a:br>
               <a:rPr lang="en-IN" b="1" dirty="0" smtClean="0"/>
@@ -18764,8 +21233,8 @@
         </p:nvSpPr>
         <p:spPr>
           <a:xfrm>
-            <a:off x="1836624" y="6045208"/>
-            <a:ext cx="9381711" cy="660393"/>
+            <a:off x="1836624" y="6141409"/>
+            <a:ext cx="9381711" cy="451057"/>
           </a:xfrm>
           <a:prstGeom prst="rect">
             <a:avLst/>
@@ -18804,14 +21273,14 @@
               <a:t>“</a:t>
             </a:r>
             <a:r>
-              <a:rPr lang="en-US" sz="1200" dirty="0">
+              <a:rPr lang="en-US" sz="1200" i="1" dirty="0">
                 <a:solidFill>
                   <a:schemeClr val="tx1"/>
                 </a:solidFill>
                 <a:latin typeface="Times New Roman" panose="02020603050405020304" pitchFamily="18" charset="0"/>
                 <a:cs typeface="Times New Roman" panose="02020603050405020304" pitchFamily="18" charset="0"/>
               </a:rPr>
-              <a:t>With the Increase in revolving line of utilization rate the chances of default increases</a:t>
+              <a:t>With the Increase in revolving line of utilization </a:t>
             </a:r>
             <a:r>
               <a:rPr lang="en-US" sz="1200" i="1" dirty="0" smtClean="0">
@@ -18821,15 +21290,88 @@
                 <a:latin typeface="Times New Roman" panose="02020603050405020304" pitchFamily="18" charset="0"/>
                 <a:cs typeface="Times New Roman" panose="02020603050405020304" pitchFamily="18" charset="0"/>
               </a:rPr>
+              <a:t>rate, the </a:t>
+            </a:r>
+            <a:r>
+              <a:rPr lang="en-US" sz="1200" i="1" dirty="0">
+                <a:solidFill>
+                  <a:schemeClr val="tx1"/>
+                </a:solidFill>
+                <a:latin typeface="Times New Roman" panose="02020603050405020304" pitchFamily="18" charset="0"/>
+                <a:cs typeface="Times New Roman" panose="02020603050405020304" pitchFamily="18" charset="0"/>
+              </a:rPr>
+              <a:t>chances of default </a:t>
+            </a:r>
+            <a:r>
+              <a:rPr lang="en-US" sz="1200" i="1" dirty="0" smtClean="0">
+                <a:solidFill>
+                  <a:schemeClr val="tx1"/>
+                </a:solidFill>
+                <a:latin typeface="Times New Roman" panose="02020603050405020304" pitchFamily="18" charset="0"/>
+                <a:cs typeface="Times New Roman" panose="02020603050405020304" pitchFamily="18" charset="0"/>
+              </a:rPr>
+              <a:t>increases. As a recommendation, the </a:t>
+            </a:r>
+            <a:r>
+              <a:rPr lang="en-US" sz="1200" b="1" i="1" dirty="0" smtClean="0">
+                <a:solidFill>
+                  <a:schemeClr val="tx1"/>
+                </a:solidFill>
+                <a:latin typeface="Times New Roman" panose="02020603050405020304" pitchFamily="18" charset="0"/>
+                <a:cs typeface="Times New Roman" panose="02020603050405020304" pitchFamily="18" charset="0"/>
+              </a:rPr>
+              <a:t>Consumer Finance Company</a:t>
+            </a:r>
+            <a:r>
+              <a:rPr lang="en-US" sz="1200" i="1" dirty="0" smtClean="0">
+                <a:solidFill>
+                  <a:schemeClr val="tx1"/>
+                </a:solidFill>
+                <a:latin typeface="Times New Roman" panose="02020603050405020304" pitchFamily="18" charset="0"/>
+                <a:cs typeface="Times New Roman" panose="02020603050405020304" pitchFamily="18" charset="0"/>
+              </a:rPr>
+              <a:t> while screening the Borrower’s application should look at the </a:t>
+            </a:r>
+            <a:r>
+              <a:rPr lang="en-US" sz="1200" i="1" dirty="0">
+                <a:solidFill>
+                  <a:schemeClr val="tx1"/>
+                </a:solidFill>
+                <a:latin typeface="Times New Roman" panose="02020603050405020304" pitchFamily="18" charset="0"/>
+                <a:cs typeface="Times New Roman" panose="02020603050405020304" pitchFamily="18" charset="0"/>
+              </a:rPr>
+              <a:t>Revolve </a:t>
+            </a:r>
+            <a:r>
+              <a:rPr lang="en-US" sz="1200" i="1" dirty="0" smtClean="0">
+                <a:solidFill>
+                  <a:schemeClr val="tx1"/>
+                </a:solidFill>
+                <a:latin typeface="Times New Roman" panose="02020603050405020304" pitchFamily="18" charset="0"/>
+                <a:cs typeface="Times New Roman" panose="02020603050405020304" pitchFamily="18" charset="0"/>
+              </a:rPr>
+              <a:t>line utilization rate at the </a:t>
+            </a:r>
+            <a:r>
+              <a:rPr lang="en-US" sz="1200" i="1" dirty="0">
+                <a:solidFill>
+                  <a:schemeClr val="tx1"/>
+                </a:solidFill>
+                <a:latin typeface="Times New Roman" panose="02020603050405020304" pitchFamily="18" charset="0"/>
+                <a:cs typeface="Times New Roman" panose="02020603050405020304" pitchFamily="18" charset="0"/>
+              </a:rPr>
+              <a:t>lower side</a:t>
+            </a:r>
+            <a:r>
+              <a:rPr lang="en-US" sz="1200" i="1" dirty="0" smtClean="0">
+                <a:solidFill>
+                  <a:schemeClr val="tx1"/>
+                </a:solidFill>
+                <a:latin typeface="Times New Roman" panose="02020603050405020304" pitchFamily="18" charset="0"/>
+                <a:cs typeface="Times New Roman" panose="02020603050405020304" pitchFamily="18" charset="0"/>
+              </a:rPr>
               <a:t>”</a:t>
             </a:r>
-            <a:endParaRPr lang="en-US" sz="1200" i="1" dirty="0" smtClean="0">
-              <a:solidFill>
-                <a:schemeClr val="tx1"/>
-              </a:solidFill>
-              <a:latin typeface="Times New Roman" panose="02020603050405020304" pitchFamily="18" charset="0"/>
-              <a:cs typeface="Times New Roman" panose="02020603050405020304" pitchFamily="18" charset="0"/>
-            </a:endParaRPr>
           </a:p>
         </p:txBody>
       </p:sp>
@@ -18978,8 +21520,8 @@
         </p:nvSpPr>
         <p:spPr>
           <a:xfrm>
-            <a:off x="6798733" y="2314014"/>
-            <a:ext cx="4216400" cy="3139321"/>
+            <a:off x="7086598" y="1916598"/>
+            <a:ext cx="4131737" cy="3970318"/>
           </a:xfrm>
           <a:prstGeom prst="rect">
             <a:avLst/>
@@ -18996,22 +21538,87 @@
               <a:buFont typeface="Arial" panose="020B0604020202020204" pitchFamily="34" charset="0"/>
               <a:buChar char="•"/>
             </a:pPr>
-            <a:r>
-              <a:rPr lang="en-US" dirty="0">
-                <a:latin typeface="Times New Roman" panose="02020603050405020304" pitchFamily="18" charset="0"/>
-                <a:cs typeface="Times New Roman" panose="02020603050405020304" pitchFamily="18" charset="0"/>
-              </a:rPr>
-              <a:t>We have created the point plots and box plots with revolving line utilization rate and loan status to study the behavior of the revolving line utilization rate and it’s impacts on loan </a:t>
-            </a:r>
+            <a:endParaRPr lang="en-US" dirty="0" smtClean="0">
+              <a:latin typeface="Times New Roman" panose="02020603050405020304" pitchFamily="18" charset="0"/>
+              <a:cs typeface="Times New Roman" panose="02020603050405020304" pitchFamily="18" charset="0"/>
+            </a:endParaRPr>
+          </a:p>
+          <a:p>
+            <a:pPr marL="285750" indent="-285750">
+              <a:buFont typeface="Arial" panose="020B0604020202020204" pitchFamily="34" charset="0"/>
+              <a:buChar char="•"/>
+            </a:pPr>
             <a:r>
               <a:rPr lang="en-US" dirty="0" smtClean="0">
                 <a:latin typeface="Times New Roman" panose="02020603050405020304" pitchFamily="18" charset="0"/>
                 <a:cs typeface="Times New Roman" panose="02020603050405020304" pitchFamily="18" charset="0"/>
               </a:rPr>
-              <a:t>default</a:t>
-            </a:r>
-          </a:p>
-          <a:p>
+              <a:t>Created </a:t>
+            </a:r>
+            <a:r>
+              <a:rPr lang="en-US" b="1" dirty="0" smtClean="0">
+                <a:latin typeface="Times New Roman" panose="02020603050405020304" pitchFamily="18" charset="0"/>
+                <a:cs typeface="Times New Roman" panose="02020603050405020304" pitchFamily="18" charset="0"/>
+              </a:rPr>
+              <a:t>10 </a:t>
+            </a:r>
+            <a:r>
+              <a:rPr lang="en-US" dirty="0" smtClean="0">
+                <a:latin typeface="Times New Roman" panose="02020603050405020304" pitchFamily="18" charset="0"/>
+                <a:cs typeface="Times New Roman" panose="02020603050405020304" pitchFamily="18" charset="0"/>
+              </a:rPr>
+              <a:t>bins of Revolving Line Utilization rates to observe the capture of </a:t>
+            </a:r>
+            <a:r>
+              <a:rPr lang="en-US" b="1" dirty="0" smtClean="0">
+                <a:latin typeface="Times New Roman" panose="02020603050405020304" pitchFamily="18" charset="0"/>
+                <a:cs typeface="Times New Roman" panose="02020603050405020304" pitchFamily="18" charset="0"/>
+              </a:rPr>
+              <a:t>Charged Off </a:t>
+            </a:r>
+            <a:r>
+              <a:rPr lang="en-US" dirty="0" smtClean="0">
+                <a:latin typeface="Times New Roman" panose="02020603050405020304" pitchFamily="18" charset="0"/>
+                <a:cs typeface="Times New Roman" panose="02020603050405020304" pitchFamily="18" charset="0"/>
+              </a:rPr>
+              <a:t>&amp; </a:t>
+            </a:r>
+            <a:r>
+              <a:rPr lang="en-US" b="1" dirty="0" smtClean="0">
+                <a:latin typeface="Times New Roman" panose="02020603050405020304" pitchFamily="18" charset="0"/>
+                <a:cs typeface="Times New Roman" panose="02020603050405020304" pitchFamily="18" charset="0"/>
+              </a:rPr>
+              <a:t>Fully Paid </a:t>
+            </a:r>
+            <a:r>
+              <a:rPr lang="en-US" dirty="0" smtClean="0">
+                <a:latin typeface="Times New Roman" panose="02020603050405020304" pitchFamily="18" charset="0"/>
+                <a:cs typeface="Times New Roman" panose="02020603050405020304" pitchFamily="18" charset="0"/>
+              </a:rPr>
+              <a:t>cases across the buckets.</a:t>
+            </a:r>
+          </a:p>
+          <a:p>
+            <a:pPr marL="285750" indent="-285750">
+              <a:buFont typeface="Arial" panose="020B0604020202020204" pitchFamily="34" charset="0"/>
+              <a:buChar char="•"/>
+            </a:pPr>
+            <a:endParaRPr lang="en-US" dirty="0" smtClean="0">
+              <a:latin typeface="Times New Roman" panose="02020603050405020304" pitchFamily="18" charset="0"/>
+              <a:cs typeface="Times New Roman" panose="02020603050405020304" pitchFamily="18" charset="0"/>
+            </a:endParaRPr>
+          </a:p>
+          <a:p>
+            <a:endParaRPr lang="en-US" dirty="0" smtClean="0">
+              <a:latin typeface="Times New Roman" panose="02020603050405020304" pitchFamily="18" charset="0"/>
+              <a:cs typeface="Times New Roman" panose="02020603050405020304" pitchFamily="18" charset="0"/>
+            </a:endParaRPr>
+          </a:p>
+          <a:p>
+            <a:pPr marL="285750" indent="-285750">
+              <a:buFont typeface="Arial" panose="020B0604020202020204" pitchFamily="34" charset="0"/>
+              <a:buChar char="•"/>
+            </a:pPr>
             <a:endParaRPr lang="en-US" dirty="0">
               <a:latin typeface="Times New Roman" panose="02020603050405020304" pitchFamily="18" charset="0"/>
               <a:cs typeface="Times New Roman" panose="02020603050405020304" pitchFamily="18" charset="0"/>
@@ -19023,11 +21630,25 @@
               <a:buChar char="•"/>
             </a:pPr>
             <a:r>
+              <a:rPr lang="en-US" dirty="0" smtClean="0">
+                <a:latin typeface="Times New Roman" panose="02020603050405020304" pitchFamily="18" charset="0"/>
+                <a:cs typeface="Times New Roman" panose="02020603050405020304" pitchFamily="18" charset="0"/>
+              </a:rPr>
+              <a:t>From </a:t>
+            </a:r>
+            <a:r>
               <a:rPr lang="en-US" dirty="0">
                 <a:latin typeface="Times New Roman" panose="02020603050405020304" pitchFamily="18" charset="0"/>
                 <a:cs typeface="Times New Roman" panose="02020603050405020304" pitchFamily="18" charset="0"/>
               </a:rPr>
-              <a:t>From the plots, it can be said that higher the value of this Revolving balance utility rate , greater is the chance of loan default as we can observe the median quite high for defaulted loans.</a:t>
+              <a:t>the plots, it can be said that higher the value of this Revolving balance utility rate , greater is the chance of loan default as we can observe the median quite high for defaulted </a:t>
+            </a:r>
+            <a:r>
+              <a:rPr lang="en-US" dirty="0" smtClean="0">
+                <a:latin typeface="Times New Roman" panose="02020603050405020304" pitchFamily="18" charset="0"/>
+                <a:cs typeface="Times New Roman" panose="02020603050405020304" pitchFamily="18" charset="0"/>
+              </a:rPr>
+              <a:t>loans.</a:t>
             </a:r>
             <a:endParaRPr lang="en-US" b="1" dirty="0">
               <a:latin typeface="Times New Roman" panose="02020603050405020304" pitchFamily="18" charset="0"/>
@@ -19038,10 +21659,10 @@
       </p:sp>
       <p:pic>
         <p:nvPicPr>
-          <p:cNvPr id="21" name="Picture 20">
+          <p:cNvPr id="22" name="Picture 21">
             <a:extLst>
               <a:ext uri="{FF2B5EF4-FFF2-40B4-BE49-F238E27FC236}">
-                <a16:creationId xmlns:a16="http://schemas.microsoft.com/office/drawing/2014/main" xmlns="" id="{2DC80B39-0422-4336-B2D5-303415DDF444}"/>
+                <a16:creationId xmlns="" xmlns:a16="http://schemas.microsoft.com/office/drawing/2014/main" id="{CB7EE283-FC18-4B4F-A228-243903BA9E0E}"/>
               </a:ext>
             </a:extLst>
           </p:cNvPr>
@@ -19051,7 +21672,7 @@
           <p:nvPr/>
         </p:nvPicPr>
         <p:blipFill>
-          <a:blip r:embed="rId3">
+          <a:blip r:embed="rId3" cstate="print">
             <a:extLst>
               <a:ext uri="{28A0092B-C50C-407E-A947-70E740481C1C}">
                 <a14:useLocalDpi xmlns:a14="http://schemas.microsoft.com/office/drawing/2010/main" val="0"/>
@@ -19064,43 +21685,7 @@
         </p:blipFill>
         <p:spPr>
           <a:xfrm>
-            <a:off x="1539731" y="2082356"/>
-            <a:ext cx="5054782" cy="1676401"/>
-          </a:xfrm>
-          <a:prstGeom prst="rect">
-            <a:avLst/>
-          </a:prstGeom>
-        </p:spPr>
-      </p:pic>
-      <p:pic>
-        <p:nvPicPr>
-          <p:cNvPr id="22" name="Picture 21">
-            <a:extLst>
-              <a:ext uri="{FF2B5EF4-FFF2-40B4-BE49-F238E27FC236}">
-                <a16:creationId xmlns:a16="http://schemas.microsoft.com/office/drawing/2014/main" xmlns="" id="{CB7EE283-FC18-4B4F-A228-243903BA9E0E}"/>
-              </a:ext>
-            </a:extLst>
-          </p:cNvPr>
-          <p:cNvPicPr>
-            <a:picLocks noChangeAspect="1"/>
-          </p:cNvPicPr>
-          <p:nvPr/>
-        </p:nvPicPr>
-        <p:blipFill>
-          <a:blip r:embed="rId4" cstate="print">
-            <a:extLst>
-              <a:ext uri="{28A0092B-C50C-407E-A947-70E740481C1C}">
-                <a14:useLocalDpi xmlns:a14="http://schemas.microsoft.com/office/drawing/2010/main" val="0"/>
-              </a:ext>
-            </a:extLst>
-          </a:blip>
-          <a:stretch>
-            <a:fillRect/>
-          </a:stretch>
-        </p:blipFill>
-        <p:spPr>
-          <a:xfrm>
-            <a:off x="3350598" y="3764986"/>
+            <a:off x="3402713" y="3841189"/>
             <a:ext cx="1410138" cy="2160754"/>
           </a:xfrm>
           <a:prstGeom prst="rect">
@@ -19108,6 +21693,119 @@
           </a:prstGeom>
         </p:spPr>
       </p:pic>
+      <p:graphicFrame>
+        <p:nvGraphicFramePr>
+          <p:cNvPr id="7" name="Chart 6"/>
+          <p:cNvGraphicFramePr/>
+          <p:nvPr>
+            <p:extLst>
+              <p:ext uri="{D42A27DB-BD31-4B8C-83A1-F6EECF244321}">
+                <p14:modId xmlns:p14="http://schemas.microsoft.com/office/powerpoint/2010/main" val="1548734102"/>
+              </p:ext>
+            </p:extLst>
+          </p:nvPr>
+        </p:nvGraphicFramePr>
+        <p:xfrm>
+          <a:off x="1168393" y="1728031"/>
+          <a:ext cx="5918205" cy="2150534"/>
+        </p:xfrm>
+        <a:graphic>
+          <a:graphicData uri="http://schemas.openxmlformats.org/drawingml/2006/chart">
+            <c:chart xmlns:c="http://schemas.openxmlformats.org/drawingml/2006/chart" xmlns:r="http://schemas.openxmlformats.org/officeDocument/2006/relationships" r:id="rId4"/>
+          </a:graphicData>
+        </a:graphic>
+      </p:graphicFrame>
+      <p:pic>
+        <p:nvPicPr>
+          <p:cNvPr id="25" name="Picture 2"/>
+          <p:cNvPicPr>
+            <a:picLocks noChangeAspect="1" noChangeArrowheads="1"/>
+          </p:cNvPicPr>
+          <p:nvPr/>
+        </p:nvPicPr>
+        <p:blipFill>
+          <a:blip r:embed="rId5">
+            <a:extLst>
+              <a:ext uri="{28A0092B-C50C-407E-A947-70E740481C1C}">
+                <a14:useLocalDpi xmlns:a14="http://schemas.microsoft.com/office/drawing/2010/main" val="0"/>
+              </a:ext>
+            </a:extLst>
+          </a:blip>
+          <a:srcRect/>
+          <a:stretch>
+            <a:fillRect/>
+          </a:stretch>
+        </p:blipFill>
+        <p:spPr bwMode="auto">
+          <a:xfrm>
+            <a:off x="3402712" y="1702632"/>
+            <a:ext cx="1881385" cy="228285"/>
+          </a:xfrm>
+          <a:prstGeom prst="rect">
+            <a:avLst/>
+          </a:prstGeom>
+          <a:noFill/>
+          <a:ln>
+            <a:noFill/>
+          </a:ln>
+          <a:extLst>
+            <a:ext uri="{909E8E84-426E-40DD-AFC4-6F175D3DCCD1}">
+              <a14:hiddenFill xmlns:a14="http://schemas.microsoft.com/office/drawing/2010/main">
+                <a:solidFill>
+                  <a:schemeClr val="accent1"/>
+                </a:solidFill>
+              </a14:hiddenFill>
+            </a:ext>
+            <a:ext uri="{91240B29-F687-4F45-9708-019B960494DF}">
+              <a14:hiddenLine xmlns:a14="http://schemas.microsoft.com/office/drawing/2010/main" w="9525">
+                <a:solidFill>
+                  <a:schemeClr val="tx1"/>
+                </a:solidFill>
+                <a:miter lim="800000"/>
+                <a:headEnd/>
+                <a:tailEnd/>
+              </a14:hiddenLine>
+            </a:ext>
+          </a:extLst>
+        </p:spPr>
+      </p:pic>
+      <p:sp>
+        <p:nvSpPr>
+          <p:cNvPr id="26" name="TextBox 25"/>
+          <p:cNvSpPr txBox="1"/>
+          <p:nvPr/>
+        </p:nvSpPr>
+        <p:spPr>
+          <a:xfrm>
+            <a:off x="1732948" y="1939181"/>
+            <a:ext cx="5166302" cy="260597"/>
+          </a:xfrm>
+          <a:prstGeom prst="rect">
+            <a:avLst/>
+          </a:prstGeom>
+          <a:noFill/>
+        </p:spPr>
+        <p:txBody>
+          <a:bodyPr wrap="square" rtlCol="0">
+            <a:spAutoFit/>
+          </a:bodyPr>
+          <a:lstStyle/>
+          <a:p>
+            <a:pPr algn="ctr"/>
+            <a:r>
+              <a:rPr lang="en-US" sz="1200" dirty="0" smtClean="0">
+                <a:latin typeface="Times New Roman" panose="02020603050405020304" pitchFamily="18" charset="0"/>
+                <a:cs typeface="Times New Roman" panose="02020603050405020304" pitchFamily="18" charset="0"/>
+              </a:rPr>
+              <a:t>Distribution of Loan Status across Revolving Line Utilization Rate buckets</a:t>
+            </a:r>
+            <a:endParaRPr lang="en-US" sz="1200" dirty="0">
+              <a:latin typeface="Times New Roman" panose="02020603050405020304" pitchFamily="18" charset="0"/>
+              <a:cs typeface="Times New Roman" panose="02020603050405020304" pitchFamily="18" charset="0"/>
+            </a:endParaRPr>
+          </a:p>
+        </p:txBody>
+      </p:sp>
     </p:spTree>
     <p:extLst>
       <p:ext uri="{BB962C8B-B14F-4D97-AF65-F5344CB8AC3E}">
@@ -19383,7 +22081,7 @@
   <a:extraClrSchemeLst/>
   <a:extLst>
     <a:ext uri="{05A4C25C-085E-4340-85A3-A5531E510DB2}">
-      <thm15:themeFamily xmlns:thm15="http://schemas.microsoft.com/office/thememl/2012/main" xmlns="" name="Office Theme" id="{62F939B6-93AF-4DB8-9C6B-D6C7DFDC589F}" vid="{4A3C46E8-61CC-4603-A589-7422A47A8E4A}"/>
+      <thm15:themeFamily xmlns="" xmlns:thm15="http://schemas.microsoft.com/office/thememl/2012/main" name="Office Theme" id="{62F939B6-93AF-4DB8-9C6B-D6C7DFDC589F}" vid="{4A3C46E8-61CC-4603-A589-7422A47A8E4A}"/>
     </a:ext>
   </a:extLst>
 </a:theme>
@@ -19678,7 +22376,7 @@
   <a:extraClrSchemeLst/>
   <a:extLst>
     <a:ext uri="{05A4C25C-085E-4340-85A3-A5531E510DB2}">
-      <thm15:themeFamily xmlns:thm15="http://schemas.microsoft.com/office/thememl/2012/main" xmlns="" name="Office Theme" id="{62F939B6-93AF-4DB8-9C6B-D6C7DFDC589F}" vid="{4A3C46E8-61CC-4603-A589-7422A47A8E4A}"/>
+      <thm15:themeFamily xmlns="" xmlns:thm15="http://schemas.microsoft.com/office/thememl/2012/main" name="Office Theme" id="{62F939B6-93AF-4DB8-9C6B-D6C7DFDC589F}" vid="{4A3C46E8-61CC-4603-A589-7422A47A8E4A}"/>
     </a:ext>
   </a:extLst>
 </a:theme>

--- a/Gramener_Case_Study_Presentation_SS.pptx
+++ b/Gramener_Case_Study_Presentation_SS.pptx
@@ -4460,7 +4460,14 @@
     </dgm:pt>
     <dgm:pt modelId="{AEE7D2E5-9016-462D-9B6C-58E43CD5BDB2}">
       <dgm:prSet phldrT="[Text]" custT="1"/>
-      <dgm:spPr/>
+      <dgm:spPr>
+        <a:solidFill>
+          <a:schemeClr val="bg1">
+            <a:lumMod val="95000"/>
+            <a:alpha val="90000"/>
+          </a:schemeClr>
+        </a:solidFill>
+      </dgm:spPr>
       <dgm:t>
         <a:bodyPr/>
         <a:lstStyle/>
@@ -4955,12 +4962,9 @@
           <a:avLst/>
         </a:prstGeom>
         <a:solidFill>
-          <a:schemeClr val="lt2">
+          <a:schemeClr val="bg1">
+            <a:lumMod val="95000"/>
             <a:alpha val="90000"/>
-            <a:hueOff val="0"/>
-            <a:satOff val="0"/>
-            <a:lumOff val="0"/>
-            <a:alphaOff val="0"/>
           </a:schemeClr>
         </a:solidFill>
         <a:ln w="12700" cap="flat" cmpd="sng" algn="ctr">
@@ -12885,7 +12889,7 @@
                 <a:latin typeface="Times New Roman" panose="02020603050405020304" pitchFamily="18" charset="0"/>
                 <a:cs typeface="Times New Roman" panose="02020603050405020304" pitchFamily="18" charset="0"/>
               </a:rPr>
-              <a:t> while screening the Borrower’s application </a:t>
+              <a:t> while </a:t>
             </a:r>
             <a:r>
               <a:rPr lang="en-US" sz="1200" i="1" dirty="0" smtClean="0">
@@ -12895,7 +12899,27 @@
                 <a:latin typeface="Times New Roman" panose="02020603050405020304" pitchFamily="18" charset="0"/>
                 <a:cs typeface="Times New Roman" panose="02020603050405020304" pitchFamily="18" charset="0"/>
               </a:rPr>
-              <a:t>from specific states as highlighted, should screen the applications”</a:t>
+              <a:t>screening the </a:t>
+            </a:r>
+            <a:r>
+              <a:rPr lang="en-US" sz="1200" i="1" dirty="0">
+                <a:solidFill>
+                  <a:schemeClr val="tx1"/>
+                </a:solidFill>
+                <a:latin typeface="Times New Roman" panose="02020603050405020304" pitchFamily="18" charset="0"/>
+                <a:cs typeface="Times New Roman" panose="02020603050405020304" pitchFamily="18" charset="0"/>
+              </a:rPr>
+              <a:t>Borrower’s application </a:t>
+            </a:r>
+            <a:r>
+              <a:rPr lang="en-US" sz="1200" i="1" dirty="0" smtClean="0">
+                <a:solidFill>
+                  <a:schemeClr val="tx1"/>
+                </a:solidFill>
+                <a:latin typeface="Times New Roman" panose="02020603050405020304" pitchFamily="18" charset="0"/>
+                <a:cs typeface="Times New Roman" panose="02020603050405020304" pitchFamily="18" charset="0"/>
+              </a:rPr>
+              <a:t>from specific states (as highlighted) should implement a more robust model to capture their traits in order to minimize the charge offs”</a:t>
             </a:r>
             <a:endParaRPr lang="en-US" sz="1200" i="1" dirty="0" smtClean="0">
               <a:solidFill>
@@ -13107,7 +13131,7 @@
         <p:spPr>
           <a:xfrm>
             <a:off x="8435047" y="2532502"/>
-            <a:ext cx="3128212" cy="2031325"/>
+            <a:ext cx="3128212" cy="2585323"/>
           </a:xfrm>
           <a:prstGeom prst="rect">
             <a:avLst/>
@@ -13201,46 +13225,39 @@
               <a:t>Wisconsin</a:t>
             </a:r>
             <a:r>
-              <a:rPr lang="en-US" dirty="0">
-                <a:latin typeface="Times New Roman" panose="02020603050405020304" pitchFamily="18" charset="0"/>
-                <a:cs typeface="Times New Roman" panose="02020603050405020304" pitchFamily="18" charset="0"/>
-              </a:rPr>
-              <a:t> </a:t>
-            </a:r>
-            <a:r>
               <a:rPr lang="en-US" dirty="0" smtClean="0">
                 <a:latin typeface="Times New Roman" panose="02020603050405020304" pitchFamily="18" charset="0"/>
                 <a:cs typeface="Times New Roman" panose="02020603050405020304" pitchFamily="18" charset="0"/>
               </a:rPr>
-              <a:t> that as </a:t>
-            </a:r>
-            <a:r>
-              <a:rPr lang="en-US" dirty="0">
-                <a:latin typeface="Times New Roman" panose="02020603050405020304" pitchFamily="18" charset="0"/>
-                <a:cs typeface="Times New Roman" panose="02020603050405020304" pitchFamily="18" charset="0"/>
-              </a:rPr>
-              <a:t>the interest rates </a:t>
+              <a:t> that with the increase in interest rates (</a:t>
+            </a:r>
+            <a:r>
+              <a:rPr lang="en-US" i="1" dirty="0" smtClean="0">
+                <a:latin typeface="Times New Roman" panose="02020603050405020304" pitchFamily="18" charset="0"/>
+                <a:cs typeface="Times New Roman" panose="02020603050405020304" pitchFamily="18" charset="0"/>
+              </a:rPr>
+              <a:t>beyond </a:t>
+            </a:r>
+            <a:r>
+              <a:rPr lang="en-US" i="1" dirty="0">
+                <a:latin typeface="Times New Roman" panose="02020603050405020304" pitchFamily="18" charset="0"/>
+                <a:cs typeface="Times New Roman" panose="02020603050405020304" pitchFamily="18" charset="0"/>
+              </a:rPr>
+              <a:t>a </a:t>
+            </a:r>
+            <a:r>
+              <a:rPr lang="en-US" i="1" dirty="0" smtClean="0">
+                <a:latin typeface="Times New Roman" panose="02020603050405020304" pitchFamily="18" charset="0"/>
+                <a:cs typeface="Times New Roman" panose="02020603050405020304" pitchFamily="18" charset="0"/>
+              </a:rPr>
+              <a:t>threshold</a:t>
             </a:r>
             <a:r>
               <a:rPr lang="en-US" dirty="0" smtClean="0">
                 <a:latin typeface="Times New Roman" panose="02020603050405020304" pitchFamily="18" charset="0"/>
                 <a:cs typeface="Times New Roman" panose="02020603050405020304" pitchFamily="18" charset="0"/>
               </a:rPr>
-              <a:t>increased beyond </a:t>
-            </a:r>
-            <a:r>
-              <a:rPr lang="en-US" dirty="0">
-                <a:latin typeface="Times New Roman" panose="02020603050405020304" pitchFamily="18" charset="0"/>
-                <a:cs typeface="Times New Roman" panose="02020603050405020304" pitchFamily="18" charset="0"/>
-              </a:rPr>
-              <a:t>a threshold most borrowers </a:t>
-            </a:r>
-            <a:r>
-              <a:rPr lang="en-US" dirty="0" smtClean="0">
-                <a:latin typeface="Times New Roman" panose="02020603050405020304" pitchFamily="18" charset="0"/>
-                <a:cs typeface="Times New Roman" panose="02020603050405020304" pitchFamily="18" charset="0"/>
-              </a:rPr>
-              <a:t>default.</a:t>
+              <a:t>), the propensity of Borrowers encountering from Charge offs also increases.</a:t>
             </a:r>
             <a:endParaRPr lang="en-US" dirty="0">
               <a:latin typeface="Times New Roman" panose="02020603050405020304" pitchFamily="18" charset="0"/>
@@ -13471,140 +13488,755 @@
           </a:p>
         </p:txBody>
       </p:sp>
-      <p:sp>
-        <p:nvSpPr>
-          <p:cNvPr id="10" name="Title 1"/>
-          <p:cNvSpPr txBox="1">
-            <a:spLocks/>
-          </p:cNvSpPr>
-          <p:nvPr/>
-        </p:nvSpPr>
-        <p:spPr>
-          <a:xfrm>
-            <a:off x="1170335" y="1566793"/>
-            <a:ext cx="10268131" cy="4760056"/>
-          </a:xfrm>
-          <a:prstGeom prst="rect">
-            <a:avLst/>
-          </a:prstGeom>
-        </p:spPr>
-        <p:txBody>
-          <a:bodyPr vert="horz" lIns="91440" tIns="45720" rIns="91440" bIns="45720" rtlCol="0" anchor="ctr">
-            <a:noAutofit/>
-          </a:bodyPr>
-          <a:lstStyle>
-            <a:lvl1pPr algn="l" defTabSz="914400" rtl="0" eaLnBrk="1" latinLnBrk="0" hangingPunct="1">
-              <a:lnSpc>
-                <a:spcPct val="90000"/>
-              </a:lnSpc>
-              <a:spcBef>
-                <a:spcPct val="0"/>
-              </a:spcBef>
-              <a:buNone/>
-              <a:defRPr sz="4000" kern="1200">
-                <a:solidFill>
-                  <a:schemeClr val="tx1"/>
-                </a:solidFill>
-                <a:latin typeface="Times New Roman" panose="02020603050405020304" pitchFamily="18" charset="0"/>
-                <a:ea typeface="+mj-ea"/>
-                <a:cs typeface="Times New Roman" panose="02020603050405020304" pitchFamily="18" charset="0"/>
-              </a:defRPr>
-            </a:lvl1pPr>
-          </a:lstStyle>
-          <a:p>
-            <a:pPr marL="285750" indent="-285750">
-              <a:buFont typeface="Arial" panose="020B0604020202020204" pitchFamily="34" charset="0"/>
-              <a:buChar char="•"/>
-            </a:pPr>
-            <a:r>
-              <a:rPr lang="en-US" sz="2400" b="1" dirty="0" smtClean="0"/>
-              <a:t>Loan Risk Variable – </a:t>
-            </a:r>
-            <a:r>
-              <a:rPr lang="en-US" sz="2400" dirty="0" smtClean="0"/>
-              <a:t>Categorized the Loan Status into two parts </a:t>
-            </a:r>
-            <a:r>
-              <a:rPr lang="en-US" sz="2400" b="1" dirty="0" smtClean="0"/>
-              <a:t>Low-Risk</a:t>
-            </a:r>
-            <a:r>
-              <a:rPr lang="en-US" sz="2400" dirty="0" smtClean="0"/>
-              <a:t> &amp; </a:t>
-            </a:r>
-            <a:r>
-              <a:rPr lang="en-US" sz="2400" b="1" dirty="0" smtClean="0"/>
-              <a:t>Moderate Risk </a:t>
-            </a:r>
-            <a:r>
-              <a:rPr lang="en-US" sz="2400" dirty="0" smtClean="0"/>
-              <a:t>based on Median of Current Status DTI is &gt;15%. More DTI more risk on Loan. So to segregate between Low &amp; Moderate</a:t>
-            </a:r>
-            <a:endParaRPr lang="en-US" sz="2400" b="1" dirty="0" smtClean="0"/>
-          </a:p>
-          <a:p>
-            <a:pPr marL="285750" indent="-285750">
-              <a:buFont typeface="Arial" panose="020B0604020202020204" pitchFamily="34" charset="0"/>
-              <a:buChar char="•"/>
-            </a:pPr>
-            <a:endParaRPr lang="en-US" sz="2400" dirty="0"/>
-          </a:p>
-          <a:p>
-            <a:pPr marL="285750" indent="-285750">
-              <a:buFont typeface="Arial" panose="020B0604020202020204" pitchFamily="34" charset="0"/>
-              <a:buChar char="•"/>
-            </a:pPr>
-            <a:r>
-              <a:rPr lang="en-US" sz="2400" b="1" dirty="0" smtClean="0"/>
-              <a:t>Outstanding Balance </a:t>
-            </a:r>
-            <a:r>
-              <a:rPr lang="en-US" sz="2400" dirty="0" smtClean="0"/>
-              <a:t>– (</a:t>
-            </a:r>
-            <a:r>
-              <a:rPr lang="en-US" sz="2400" b="1" dirty="0" smtClean="0"/>
-              <a:t>Funded Amount </a:t>
-            </a:r>
-            <a:r>
-              <a:rPr lang="en-US" sz="2400" dirty="0" smtClean="0"/>
-              <a:t>–</a:t>
-            </a:r>
-            <a:r>
-              <a:rPr lang="en-US" sz="2400" b="1" dirty="0" smtClean="0"/>
-              <a:t> Total Principal Received Amount</a:t>
-            </a:r>
-            <a:r>
-              <a:rPr lang="en-US" sz="2400" dirty="0" smtClean="0"/>
-              <a:t>) To identify patterns around it through drivers</a:t>
-            </a:r>
-          </a:p>
-          <a:p>
-            <a:pPr marL="285750" indent="-285750">
-              <a:buFont typeface="Arial" panose="020B0604020202020204" pitchFamily="34" charset="0"/>
-              <a:buChar char="•"/>
-            </a:pPr>
-            <a:endParaRPr lang="en-US" sz="2400" dirty="0" smtClean="0"/>
-          </a:p>
-          <a:p>
-            <a:pPr marL="285750" indent="-285750">
-              <a:buFont typeface="Arial" panose="020B0604020202020204" pitchFamily="34" charset="0"/>
-              <a:buChar char="•"/>
-            </a:pPr>
-            <a:r>
-              <a:rPr lang="en-US" sz="2400" dirty="0" smtClean="0"/>
-              <a:t>US Regions</a:t>
-            </a:r>
-          </a:p>
-          <a:p>
-            <a:pPr marL="285750" indent="-285750">
-              <a:buFont typeface="Arial" panose="020B0604020202020204" pitchFamily="34" charset="0"/>
-              <a:buChar char="•"/>
-            </a:pPr>
-            <a:endParaRPr lang="en-US" sz="2400" dirty="0"/>
-          </a:p>
-        </p:txBody>
-      </p:sp>
+      <p:graphicFrame>
+        <p:nvGraphicFramePr>
+          <p:cNvPr id="12" name="Table 11"/>
+          <p:cNvGraphicFramePr>
+            <a:graphicFrameLocks noGrp="1"/>
+          </p:cNvGraphicFramePr>
+          <p:nvPr>
+            <p:extLst>
+              <p:ext uri="{D42A27DB-BD31-4B8C-83A1-F6EECF244321}">
+                <p14:modId xmlns:p14="http://schemas.microsoft.com/office/powerpoint/2010/main" val="924117774"/>
+              </p:ext>
+            </p:extLst>
+          </p:nvPr>
+        </p:nvGraphicFramePr>
+        <p:xfrm>
+          <a:off x="1303866" y="1786466"/>
+          <a:ext cx="10202334" cy="4079612"/>
+        </p:xfrm>
+        <a:graphic>
+          <a:graphicData uri="http://schemas.openxmlformats.org/drawingml/2006/table">
+            <a:tbl>
+              <a:tblPr firstRow="1" bandRow="1">
+                <a:tableStyleId>{5C22544A-7EE6-4342-B048-85BDC9FD1C3A}</a:tableStyleId>
+              </a:tblPr>
+              <a:tblGrid>
+                <a:gridCol w="2184401"/>
+                <a:gridCol w="8017933"/>
+              </a:tblGrid>
+              <a:tr h="339988">
+                <a:tc>
+                  <a:txBody>
+                    <a:bodyPr/>
+                    <a:lstStyle/>
+                    <a:p>
+                      <a:pPr algn="ctr"/>
+                      <a:r>
+                        <a:rPr lang="en-US" dirty="0" smtClean="0">
+                          <a:latin typeface="Times New Roman" panose="02020603050405020304" pitchFamily="18" charset="0"/>
+                          <a:cs typeface="Times New Roman" panose="02020603050405020304" pitchFamily="18" charset="0"/>
+                        </a:rPr>
+                        <a:t>Feature</a:t>
+                      </a:r>
+                      <a:r>
+                        <a:rPr lang="en-US" baseline="0" dirty="0" smtClean="0">
+                          <a:latin typeface="Times New Roman" panose="02020603050405020304" pitchFamily="18" charset="0"/>
+                          <a:cs typeface="Times New Roman" panose="02020603050405020304" pitchFamily="18" charset="0"/>
+                        </a:rPr>
+                        <a:t> Name</a:t>
+                      </a:r>
+                      <a:endParaRPr lang="en-US" dirty="0">
+                        <a:latin typeface="Times New Roman" panose="02020603050405020304" pitchFamily="18" charset="0"/>
+                        <a:cs typeface="Times New Roman" panose="02020603050405020304" pitchFamily="18" charset="0"/>
+                      </a:endParaRPr>
+                    </a:p>
+                  </a:txBody>
+                  <a:tcPr>
+                    <a:solidFill>
+                      <a:schemeClr val="tx2"/>
+                    </a:solidFill>
+                  </a:tcPr>
+                </a:tc>
+                <a:tc>
+                  <a:txBody>
+                    <a:bodyPr/>
+                    <a:lstStyle/>
+                    <a:p>
+                      <a:pPr algn="ctr"/>
+                      <a:r>
+                        <a:rPr lang="en-US" dirty="0" smtClean="0">
+                          <a:latin typeface="Times New Roman" panose="02020603050405020304" pitchFamily="18" charset="0"/>
+                          <a:cs typeface="Times New Roman" panose="02020603050405020304" pitchFamily="18" charset="0"/>
+                        </a:rPr>
+                        <a:t>Definition/Purpose</a:t>
+                      </a:r>
+                      <a:endParaRPr lang="en-US" dirty="0">
+                        <a:latin typeface="Times New Roman" panose="02020603050405020304" pitchFamily="18" charset="0"/>
+                        <a:cs typeface="Times New Roman" panose="02020603050405020304" pitchFamily="18" charset="0"/>
+                      </a:endParaRPr>
+                    </a:p>
+                  </a:txBody>
+                  <a:tcPr>
+                    <a:solidFill>
+                      <a:schemeClr val="tx2"/>
+                    </a:solidFill>
+                  </a:tcPr>
+                </a:tc>
+              </a:tr>
+              <a:tr h="1175174">
+                <a:tc>
+                  <a:txBody>
+                    <a:bodyPr/>
+                    <a:lstStyle/>
+                    <a:p>
+                      <a:pPr marL="0" indent="0" algn="ctr">
+                        <a:buFont typeface="Arial" panose="020B0604020202020204" pitchFamily="34" charset="0"/>
+                        <a:buNone/>
+                      </a:pPr>
+                      <a:r>
+                        <a:rPr lang="en-US" sz="1800" b="0" dirty="0" smtClean="0">
+                          <a:latin typeface="Times New Roman" panose="02020603050405020304" pitchFamily="18" charset="0"/>
+                          <a:cs typeface="Times New Roman" panose="02020603050405020304" pitchFamily="18" charset="0"/>
+                        </a:rPr>
+                        <a:t>Loan Risk Variable</a:t>
+                      </a:r>
+                      <a:endParaRPr lang="en-US" b="0" dirty="0">
+                        <a:latin typeface="Times New Roman" panose="02020603050405020304" pitchFamily="18" charset="0"/>
+                        <a:cs typeface="Times New Roman" panose="02020603050405020304" pitchFamily="18" charset="0"/>
+                      </a:endParaRPr>
+                    </a:p>
+                  </a:txBody>
+                  <a:tcPr anchor="ctr">
+                    <a:solidFill>
+                      <a:schemeClr val="bg1">
+                        <a:lumMod val="95000"/>
+                      </a:schemeClr>
+                    </a:solidFill>
+                  </a:tcPr>
+                </a:tc>
+                <a:tc>
+                  <a:txBody>
+                    <a:bodyPr/>
+                    <a:lstStyle/>
+                    <a:p>
+                      <a:r>
+                        <a:rPr lang="en-US" sz="1800" dirty="0" smtClean="0">
+                          <a:latin typeface="Times New Roman" panose="02020603050405020304" pitchFamily="18" charset="0"/>
+                          <a:cs typeface="Times New Roman" panose="02020603050405020304" pitchFamily="18" charset="0"/>
+                        </a:rPr>
+                        <a:t>Categorized the Loan Status into two parts </a:t>
+                      </a:r>
+                      <a:r>
+                        <a:rPr lang="en-US" sz="1800" b="1" dirty="0" smtClean="0">
+                          <a:latin typeface="Times New Roman" panose="02020603050405020304" pitchFamily="18" charset="0"/>
+                          <a:cs typeface="Times New Roman" panose="02020603050405020304" pitchFamily="18" charset="0"/>
+                        </a:rPr>
+                        <a:t>Low-Risk (Fully</a:t>
+                      </a:r>
+                      <a:r>
+                        <a:rPr lang="en-US" sz="1800" b="1" baseline="0" dirty="0" smtClean="0">
+                          <a:latin typeface="Times New Roman" panose="02020603050405020304" pitchFamily="18" charset="0"/>
+                          <a:cs typeface="Times New Roman" panose="02020603050405020304" pitchFamily="18" charset="0"/>
+                        </a:rPr>
+                        <a:t> Paid)</a:t>
+                      </a:r>
+                      <a:r>
+                        <a:rPr lang="en-US" sz="1800" dirty="0" smtClean="0">
+                          <a:latin typeface="Times New Roman" panose="02020603050405020304" pitchFamily="18" charset="0"/>
+                          <a:cs typeface="Times New Roman" panose="02020603050405020304" pitchFamily="18" charset="0"/>
+                        </a:rPr>
+                        <a:t> &amp; </a:t>
+                      </a:r>
+                      <a:r>
+                        <a:rPr lang="en-US" sz="1800" b="1" dirty="0" smtClean="0">
+                          <a:latin typeface="Times New Roman" panose="02020603050405020304" pitchFamily="18" charset="0"/>
+                          <a:cs typeface="Times New Roman" panose="02020603050405020304" pitchFamily="18" charset="0"/>
+                        </a:rPr>
+                        <a:t>Moderate Risk (Charged Offs + Current)</a:t>
+                      </a:r>
+                    </a:p>
+                    <a:p>
+                      <a:r>
+                        <a:rPr lang="en-US" sz="1600" i="1" dirty="0" smtClean="0">
+                          <a:latin typeface="Times New Roman" panose="02020603050405020304" pitchFamily="18" charset="0"/>
+                          <a:cs typeface="Times New Roman" panose="02020603050405020304" pitchFamily="18" charset="0"/>
+                        </a:rPr>
+                        <a:t>It was observed</a:t>
+                      </a:r>
+                      <a:r>
+                        <a:rPr lang="en-US" sz="1600" i="1" baseline="0" dirty="0" smtClean="0">
+                          <a:latin typeface="Times New Roman" panose="02020603050405020304" pitchFamily="18" charset="0"/>
+                          <a:cs typeface="Times New Roman" panose="02020603050405020304" pitchFamily="18" charset="0"/>
+                        </a:rPr>
+                        <a:t> </a:t>
+                      </a:r>
+                      <a:r>
+                        <a:rPr lang="en-US" sz="1600" i="1" dirty="0" smtClean="0">
+                          <a:latin typeface="Times New Roman" panose="02020603050405020304" pitchFamily="18" charset="0"/>
+                          <a:cs typeface="Times New Roman" panose="02020603050405020304" pitchFamily="18" charset="0"/>
+                        </a:rPr>
+                        <a:t>that </a:t>
+                      </a:r>
+                      <a:r>
+                        <a:rPr lang="en-US" sz="1600" i="1" baseline="0" dirty="0" smtClean="0">
+                          <a:latin typeface="Times New Roman" panose="02020603050405020304" pitchFamily="18" charset="0"/>
+                          <a:cs typeface="Times New Roman" panose="02020603050405020304" pitchFamily="18" charset="0"/>
+                        </a:rPr>
+                        <a:t>the</a:t>
+                      </a:r>
+                      <a:r>
+                        <a:rPr lang="en-US" sz="1600" i="1" dirty="0" smtClean="0">
+                          <a:latin typeface="Times New Roman" panose="02020603050405020304" pitchFamily="18" charset="0"/>
+                          <a:cs typeface="Times New Roman" panose="02020603050405020304" pitchFamily="18" charset="0"/>
+                        </a:rPr>
+                        <a:t> Median distribution of Current Status for </a:t>
+                      </a:r>
+                      <a:r>
+                        <a:rPr lang="en-US" sz="1600" b="1" i="1" dirty="0" smtClean="0">
+                          <a:latin typeface="Times New Roman" panose="02020603050405020304" pitchFamily="18" charset="0"/>
+                          <a:cs typeface="Times New Roman" panose="02020603050405020304" pitchFamily="18" charset="0"/>
+                        </a:rPr>
+                        <a:t>DTI (Debt</a:t>
+                      </a:r>
+                      <a:r>
+                        <a:rPr lang="en-US" sz="1600" b="1" i="1" baseline="0" dirty="0" smtClean="0">
+                          <a:latin typeface="Times New Roman" panose="02020603050405020304" pitchFamily="18" charset="0"/>
+                          <a:cs typeface="Times New Roman" panose="02020603050405020304" pitchFamily="18" charset="0"/>
+                        </a:rPr>
+                        <a:t> to Income)</a:t>
+                      </a:r>
+                      <a:r>
+                        <a:rPr lang="en-US" sz="1600" i="1" dirty="0" smtClean="0">
+                          <a:latin typeface="Times New Roman" panose="02020603050405020304" pitchFamily="18" charset="0"/>
+                          <a:cs typeface="Times New Roman" panose="02020603050405020304" pitchFamily="18" charset="0"/>
+                        </a:rPr>
+                        <a:t> was more than </a:t>
+                      </a:r>
+                      <a:r>
+                        <a:rPr lang="en-US" sz="1600" b="1" i="1" dirty="0" smtClean="0">
+                          <a:latin typeface="Times New Roman" panose="02020603050405020304" pitchFamily="18" charset="0"/>
+                          <a:cs typeface="Times New Roman" panose="02020603050405020304" pitchFamily="18" charset="0"/>
+                        </a:rPr>
+                        <a:t>15%</a:t>
+                      </a:r>
+                      <a:r>
+                        <a:rPr lang="en-US" sz="1600" i="1" dirty="0" smtClean="0">
+                          <a:latin typeface="Times New Roman" panose="02020603050405020304" pitchFamily="18" charset="0"/>
+                          <a:cs typeface="Times New Roman" panose="02020603050405020304" pitchFamily="18" charset="0"/>
+                        </a:rPr>
+                        <a:t>.</a:t>
+                      </a:r>
+                      <a:r>
+                        <a:rPr lang="en-US" sz="1600" i="1" baseline="0" dirty="0" smtClean="0">
+                          <a:latin typeface="Times New Roman" panose="02020603050405020304" pitchFamily="18" charset="0"/>
+                          <a:cs typeface="Times New Roman" panose="02020603050405020304" pitchFamily="18" charset="0"/>
+                        </a:rPr>
+                        <a:t> In terms of business, m</a:t>
+                      </a:r>
+                      <a:r>
+                        <a:rPr lang="en-US" sz="1600" i="1" dirty="0" smtClean="0">
+                          <a:latin typeface="Times New Roman" panose="02020603050405020304" pitchFamily="18" charset="0"/>
+                          <a:cs typeface="Times New Roman" panose="02020603050405020304" pitchFamily="18" charset="0"/>
+                        </a:rPr>
+                        <a:t>ore the </a:t>
+                      </a:r>
+                      <a:r>
+                        <a:rPr lang="en-US" sz="1600" b="1" i="1" dirty="0" smtClean="0">
+                          <a:latin typeface="Times New Roman" panose="02020603050405020304" pitchFamily="18" charset="0"/>
+                          <a:cs typeface="Times New Roman" panose="02020603050405020304" pitchFamily="18" charset="0"/>
+                        </a:rPr>
+                        <a:t>DTI</a:t>
+                      </a:r>
+                      <a:r>
+                        <a:rPr lang="en-US" sz="1600" i="1" dirty="0" smtClean="0">
+                          <a:latin typeface="Times New Roman" panose="02020603050405020304" pitchFamily="18" charset="0"/>
+                          <a:cs typeface="Times New Roman" panose="02020603050405020304" pitchFamily="18" charset="0"/>
+                        </a:rPr>
+                        <a:t> more goes the</a:t>
+                      </a:r>
+                      <a:r>
+                        <a:rPr lang="en-US" sz="1600" i="1" baseline="0" dirty="0" smtClean="0">
+                          <a:latin typeface="Times New Roman" panose="02020603050405020304" pitchFamily="18" charset="0"/>
+                          <a:cs typeface="Times New Roman" panose="02020603050405020304" pitchFamily="18" charset="0"/>
+                        </a:rPr>
+                        <a:t> </a:t>
+                      </a:r>
+                      <a:r>
+                        <a:rPr lang="en-US" sz="1600" i="1" dirty="0" smtClean="0">
+                          <a:latin typeface="Times New Roman" panose="02020603050405020304" pitchFamily="18" charset="0"/>
+                          <a:cs typeface="Times New Roman" panose="02020603050405020304" pitchFamily="18" charset="0"/>
+                        </a:rPr>
+                        <a:t>risk on Loan. Hence, to study</a:t>
+                      </a:r>
+                      <a:r>
+                        <a:rPr lang="en-US" sz="1600" i="1" baseline="0" dirty="0" smtClean="0">
+                          <a:latin typeface="Times New Roman" panose="02020603050405020304" pitchFamily="18" charset="0"/>
+                          <a:cs typeface="Times New Roman" panose="02020603050405020304" pitchFamily="18" charset="0"/>
+                        </a:rPr>
+                        <a:t> a </a:t>
+                      </a:r>
+                      <a:r>
+                        <a:rPr lang="en-US" sz="1600" i="1" dirty="0" smtClean="0">
+                          <a:latin typeface="Times New Roman" panose="02020603050405020304" pitchFamily="18" charset="0"/>
+                          <a:cs typeface="Times New Roman" panose="02020603050405020304" pitchFamily="18" charset="0"/>
+                        </a:rPr>
+                        <a:t>stronger impact across the variables, these two Loan Status’ were combined</a:t>
+                      </a:r>
+                      <a:r>
+                        <a:rPr lang="en-US" sz="1600" i="1" baseline="0" dirty="0" smtClean="0">
+                          <a:latin typeface="Times New Roman" panose="02020603050405020304" pitchFamily="18" charset="0"/>
+                          <a:cs typeface="Times New Roman" panose="02020603050405020304" pitchFamily="18" charset="0"/>
+                        </a:rPr>
+                        <a:t> into one</a:t>
+                      </a:r>
+                      <a:endParaRPr lang="en-US" b="1" i="0" dirty="0">
+                        <a:latin typeface="Times New Roman" panose="02020603050405020304" pitchFamily="18" charset="0"/>
+                        <a:cs typeface="Times New Roman" panose="02020603050405020304" pitchFamily="18" charset="0"/>
+                      </a:endParaRPr>
+                    </a:p>
+                  </a:txBody>
+                  <a:tcPr anchor="ctr">
+                    <a:solidFill>
+                      <a:schemeClr val="bg1">
+                        <a:lumMod val="95000"/>
+                      </a:schemeClr>
+                    </a:solidFill>
+                  </a:tcPr>
+                </a:tc>
+              </a:tr>
+              <a:tr h="491066">
+                <a:tc>
+                  <a:txBody>
+                    <a:bodyPr/>
+                    <a:lstStyle/>
+                    <a:p>
+                      <a:pPr marL="0" marR="0" indent="0" algn="ctr" defTabSz="914400" rtl="0" eaLnBrk="1" fontAlgn="auto" latinLnBrk="0" hangingPunct="1">
+                        <a:lnSpc>
+                          <a:spcPct val="100000"/>
+                        </a:lnSpc>
+                        <a:spcBef>
+                          <a:spcPts val="0"/>
+                        </a:spcBef>
+                        <a:spcAft>
+                          <a:spcPts val="0"/>
+                        </a:spcAft>
+                        <a:buClrTx/>
+                        <a:buSzTx/>
+                        <a:buFontTx/>
+                        <a:buNone/>
+                        <a:tabLst/>
+                        <a:defRPr/>
+                      </a:pPr>
+                      <a:r>
+                        <a:rPr lang="en-US" sz="1800" b="0" dirty="0" smtClean="0">
+                          <a:latin typeface="Times New Roman" panose="02020603050405020304" pitchFamily="18" charset="0"/>
+                          <a:cs typeface="Times New Roman" panose="02020603050405020304" pitchFamily="18" charset="0"/>
+                        </a:rPr>
+                        <a:t>Outstanding Balance</a:t>
+                      </a:r>
+                      <a:endParaRPr lang="en-US" b="0" dirty="0">
+                        <a:latin typeface="Times New Roman" panose="02020603050405020304" pitchFamily="18" charset="0"/>
+                        <a:cs typeface="Times New Roman" panose="02020603050405020304" pitchFamily="18" charset="0"/>
+                      </a:endParaRPr>
+                    </a:p>
+                  </a:txBody>
+                  <a:tcPr anchor="ctr"/>
+                </a:tc>
+                <a:tc>
+                  <a:txBody>
+                    <a:bodyPr/>
+                    <a:lstStyle/>
+                    <a:p>
+                      <a:pPr marL="0" marR="0" indent="0" algn="l" defTabSz="914400" rtl="0" eaLnBrk="1" fontAlgn="auto" latinLnBrk="0" hangingPunct="1">
+                        <a:lnSpc>
+                          <a:spcPct val="100000"/>
+                        </a:lnSpc>
+                        <a:spcBef>
+                          <a:spcPts val="0"/>
+                        </a:spcBef>
+                        <a:spcAft>
+                          <a:spcPts val="0"/>
+                        </a:spcAft>
+                        <a:buClrTx/>
+                        <a:buSzTx/>
+                        <a:buFontTx/>
+                        <a:buNone/>
+                        <a:tabLst/>
+                        <a:defRPr/>
+                      </a:pPr>
+                      <a:r>
+                        <a:rPr lang="en-US" sz="1800" b="1" dirty="0" smtClean="0">
+                          <a:latin typeface="Times New Roman" panose="02020603050405020304" pitchFamily="18" charset="0"/>
+                          <a:cs typeface="Times New Roman" panose="02020603050405020304" pitchFamily="18" charset="0"/>
+                        </a:rPr>
+                        <a:t>[Outstanding Balance = Funded Amount – Total Principal Received Amount]</a:t>
+                      </a:r>
+                    </a:p>
+                    <a:p>
+                      <a:pPr marL="0" marR="0" indent="0" algn="l" defTabSz="914400" rtl="0" eaLnBrk="1" fontAlgn="auto" latinLnBrk="0" hangingPunct="1">
+                        <a:lnSpc>
+                          <a:spcPct val="100000"/>
+                        </a:lnSpc>
+                        <a:spcBef>
+                          <a:spcPts val="0"/>
+                        </a:spcBef>
+                        <a:spcAft>
+                          <a:spcPts val="0"/>
+                        </a:spcAft>
+                        <a:buClrTx/>
+                        <a:buSzTx/>
+                        <a:buFontTx/>
+                        <a:buNone/>
+                        <a:tabLst/>
+                        <a:defRPr/>
+                      </a:pPr>
+                      <a:r>
+                        <a:rPr lang="en-US" sz="1600" i="1" dirty="0" smtClean="0">
+                          <a:latin typeface="Times New Roman" panose="02020603050405020304" pitchFamily="18" charset="0"/>
+                          <a:cs typeface="Times New Roman" panose="02020603050405020304" pitchFamily="18" charset="0"/>
+                        </a:rPr>
+                        <a:t>To study the impact of Outstanding Balance on different variables</a:t>
+                      </a:r>
+                      <a:endParaRPr lang="en-US" dirty="0">
+                        <a:latin typeface="Times New Roman" panose="02020603050405020304" pitchFamily="18" charset="0"/>
+                        <a:cs typeface="Times New Roman" panose="02020603050405020304" pitchFamily="18" charset="0"/>
+                      </a:endParaRPr>
+                    </a:p>
+                  </a:txBody>
+                  <a:tcPr anchor="ctr"/>
+                </a:tc>
+              </a:tr>
+              <a:tr h="848732">
+                <a:tc>
+                  <a:txBody>
+                    <a:bodyPr/>
+                    <a:lstStyle/>
+                    <a:p>
+                      <a:pPr marL="0" marR="0" indent="0" algn="ctr" defTabSz="914400" rtl="0" eaLnBrk="1" fontAlgn="auto" latinLnBrk="0" hangingPunct="1">
+                        <a:lnSpc>
+                          <a:spcPct val="100000"/>
+                        </a:lnSpc>
+                        <a:spcBef>
+                          <a:spcPts val="0"/>
+                        </a:spcBef>
+                        <a:spcAft>
+                          <a:spcPts val="0"/>
+                        </a:spcAft>
+                        <a:buClrTx/>
+                        <a:buSzTx/>
+                        <a:buFontTx/>
+                        <a:buNone/>
+                        <a:tabLst/>
+                        <a:defRPr/>
+                      </a:pPr>
+                      <a:r>
+                        <a:rPr lang="en-US" sz="1800" b="0" dirty="0" smtClean="0">
+                          <a:latin typeface="Times New Roman" panose="02020603050405020304" pitchFamily="18" charset="0"/>
+                          <a:cs typeface="Times New Roman" panose="02020603050405020304" pitchFamily="18" charset="0"/>
+                        </a:rPr>
+                        <a:t>US Regions</a:t>
+                      </a:r>
+                      <a:endParaRPr lang="en-US" b="0" dirty="0">
+                        <a:latin typeface="Times New Roman" panose="02020603050405020304" pitchFamily="18" charset="0"/>
+                        <a:cs typeface="Times New Roman" panose="02020603050405020304" pitchFamily="18" charset="0"/>
+                      </a:endParaRPr>
+                    </a:p>
+                  </a:txBody>
+                  <a:tcPr anchor="ctr">
+                    <a:solidFill>
+                      <a:schemeClr val="tx2">
+                        <a:lumMod val="20000"/>
+                        <a:lumOff val="80000"/>
+                      </a:schemeClr>
+                    </a:solidFill>
+                  </a:tcPr>
+                </a:tc>
+                <a:tc>
+                  <a:txBody>
+                    <a:bodyPr/>
+                    <a:lstStyle/>
+                    <a:p>
+                      <a:r>
+                        <a:rPr lang="en-US" dirty="0" smtClean="0">
+                          <a:latin typeface="Times New Roman" panose="02020603050405020304" pitchFamily="18" charset="0"/>
+                          <a:cs typeface="Times New Roman" panose="02020603050405020304" pitchFamily="18" charset="0"/>
+                        </a:rPr>
+                        <a:t>Divided</a:t>
+                      </a:r>
+                      <a:r>
+                        <a:rPr lang="en-US" baseline="0" dirty="0" smtClean="0">
+                          <a:latin typeface="Times New Roman" panose="02020603050405020304" pitchFamily="18" charset="0"/>
+                          <a:cs typeface="Times New Roman" panose="02020603050405020304" pitchFamily="18" charset="0"/>
+                        </a:rPr>
+                        <a:t> </a:t>
+                      </a:r>
+                      <a:r>
+                        <a:rPr lang="en-US" b="1" baseline="0" dirty="0" smtClean="0">
+                          <a:latin typeface="Times New Roman" panose="02020603050405020304" pitchFamily="18" charset="0"/>
+                          <a:cs typeface="Times New Roman" panose="02020603050405020304" pitchFamily="18" charset="0"/>
+                        </a:rPr>
+                        <a:t>51</a:t>
+                      </a:r>
+                      <a:r>
+                        <a:rPr lang="en-US" baseline="0" dirty="0" smtClean="0">
+                          <a:latin typeface="Times New Roman" panose="02020603050405020304" pitchFamily="18" charset="0"/>
+                          <a:cs typeface="Times New Roman" panose="02020603050405020304" pitchFamily="18" charset="0"/>
+                        </a:rPr>
+                        <a:t> US states into </a:t>
+                      </a:r>
+                      <a:r>
+                        <a:rPr lang="en-US" b="1" baseline="0" dirty="0" smtClean="0">
+                          <a:latin typeface="Times New Roman" panose="02020603050405020304" pitchFamily="18" charset="0"/>
+                          <a:cs typeface="Times New Roman" panose="02020603050405020304" pitchFamily="18" charset="0"/>
+                        </a:rPr>
+                        <a:t>5</a:t>
+                      </a:r>
+                      <a:r>
+                        <a:rPr lang="en-US" baseline="0" dirty="0" smtClean="0">
+                          <a:latin typeface="Times New Roman" panose="02020603050405020304" pitchFamily="18" charset="0"/>
+                          <a:cs typeface="Times New Roman" panose="02020603050405020304" pitchFamily="18" charset="0"/>
+                        </a:rPr>
+                        <a:t> Regions viz. </a:t>
+                      </a:r>
+                      <a:r>
+                        <a:rPr lang="en-US" b="1" baseline="0" dirty="0" smtClean="0">
+                          <a:latin typeface="Times New Roman" panose="02020603050405020304" pitchFamily="18" charset="0"/>
+                          <a:cs typeface="Times New Roman" panose="02020603050405020304" pitchFamily="18" charset="0"/>
+                        </a:rPr>
+                        <a:t>Western, South West, South East, Mid West </a:t>
+                      </a:r>
+                      <a:r>
+                        <a:rPr lang="en-US" b="0" baseline="0" dirty="0" smtClean="0">
+                          <a:latin typeface="Times New Roman" panose="02020603050405020304" pitchFamily="18" charset="0"/>
+                          <a:cs typeface="Times New Roman" panose="02020603050405020304" pitchFamily="18" charset="0"/>
+                        </a:rPr>
+                        <a:t>&amp;</a:t>
+                      </a:r>
+                      <a:r>
+                        <a:rPr lang="en-US" b="1" baseline="0" dirty="0" smtClean="0">
+                          <a:latin typeface="Times New Roman" panose="02020603050405020304" pitchFamily="18" charset="0"/>
+                          <a:cs typeface="Times New Roman" panose="02020603050405020304" pitchFamily="18" charset="0"/>
+                        </a:rPr>
+                        <a:t> North East</a:t>
+                      </a:r>
+                    </a:p>
+                    <a:p>
+                      <a:r>
+                        <a:rPr lang="en-US" sz="1600" i="1" dirty="0" smtClean="0">
+                          <a:latin typeface="Times New Roman" panose="02020603050405020304" pitchFamily="18" charset="0"/>
+                          <a:cs typeface="Times New Roman" panose="02020603050405020304" pitchFamily="18" charset="0"/>
+                        </a:rPr>
+                        <a:t>To study the impact</a:t>
+                      </a:r>
+                      <a:r>
+                        <a:rPr lang="en-US" sz="1600" i="1" baseline="0" dirty="0" smtClean="0">
+                          <a:latin typeface="Times New Roman" panose="02020603050405020304" pitchFamily="18" charset="0"/>
+                          <a:cs typeface="Times New Roman" panose="02020603050405020304" pitchFamily="18" charset="0"/>
+                        </a:rPr>
+                        <a:t> of US Regions across different variables</a:t>
+                      </a:r>
+                      <a:endParaRPr lang="en-US" sz="1600" i="1" dirty="0">
+                        <a:latin typeface="Times New Roman" panose="02020603050405020304" pitchFamily="18" charset="0"/>
+                        <a:cs typeface="Times New Roman" panose="02020603050405020304" pitchFamily="18" charset="0"/>
+                      </a:endParaRPr>
+                    </a:p>
+                  </a:txBody>
+                  <a:tcPr anchor="ctr">
+                    <a:solidFill>
+                      <a:schemeClr val="tx2">
+                        <a:lumMod val="20000"/>
+                        <a:lumOff val="80000"/>
+                      </a:schemeClr>
+                    </a:solidFill>
+                  </a:tcPr>
+                </a:tc>
+              </a:tr>
+              <a:tr h="848732">
+                <a:tc>
+                  <a:txBody>
+                    <a:bodyPr/>
+                    <a:lstStyle/>
+                    <a:p>
+                      <a:pPr marL="0" marR="0" indent="0" algn="ctr" defTabSz="914400" rtl="0" eaLnBrk="1" fontAlgn="auto" latinLnBrk="0" hangingPunct="1">
+                        <a:lnSpc>
+                          <a:spcPct val="100000"/>
+                        </a:lnSpc>
+                        <a:spcBef>
+                          <a:spcPts val="0"/>
+                        </a:spcBef>
+                        <a:spcAft>
+                          <a:spcPts val="0"/>
+                        </a:spcAft>
+                        <a:buClrTx/>
+                        <a:buSzTx/>
+                        <a:buFontTx/>
+                        <a:buNone/>
+                        <a:tabLst/>
+                        <a:defRPr/>
+                      </a:pPr>
+                      <a:r>
+                        <a:rPr lang="en-US" b="0" dirty="0" smtClean="0">
+                          <a:latin typeface="Times New Roman" panose="02020603050405020304" pitchFamily="18" charset="0"/>
+                          <a:cs typeface="Times New Roman" panose="02020603050405020304" pitchFamily="18" charset="0"/>
+                        </a:rPr>
+                        <a:t>Income Category</a:t>
+                      </a:r>
+                      <a:endParaRPr lang="en-US" b="0" dirty="0">
+                        <a:latin typeface="Times New Roman" panose="02020603050405020304" pitchFamily="18" charset="0"/>
+                        <a:cs typeface="Times New Roman" panose="02020603050405020304" pitchFamily="18" charset="0"/>
+                      </a:endParaRPr>
+                    </a:p>
+                  </a:txBody>
+                  <a:tcPr anchor="ctr">
+                    <a:solidFill>
+                      <a:schemeClr val="tx2">
+                        <a:lumMod val="40000"/>
+                        <a:lumOff val="60000"/>
+                      </a:schemeClr>
+                    </a:solidFill>
+                  </a:tcPr>
+                </a:tc>
+                <a:tc>
+                  <a:txBody>
+                    <a:bodyPr/>
+                    <a:lstStyle/>
+                    <a:p>
+                      <a:r>
+                        <a:rPr lang="en-US" sz="1600" i="0" dirty="0" smtClean="0">
+                          <a:latin typeface="Times New Roman" panose="02020603050405020304" pitchFamily="18" charset="0"/>
+                          <a:cs typeface="Times New Roman" panose="02020603050405020304" pitchFamily="18" charset="0"/>
+                        </a:rPr>
+                        <a:t>Categorized </a:t>
+                      </a:r>
+                      <a:r>
+                        <a:rPr lang="en-US" sz="1600" i="0" baseline="0" dirty="0" smtClean="0">
+                          <a:latin typeface="Times New Roman" panose="02020603050405020304" pitchFamily="18" charset="0"/>
+                          <a:cs typeface="Times New Roman" panose="02020603050405020304" pitchFamily="18" charset="0"/>
+                        </a:rPr>
+                        <a:t>Borrower’s Annual Incomes into 4 segments – </a:t>
+                      </a:r>
+                      <a:r>
+                        <a:rPr lang="en-US" sz="1600" b="1" i="0" baseline="0" dirty="0" smtClean="0">
+                          <a:latin typeface="Times New Roman" panose="02020603050405020304" pitchFamily="18" charset="0"/>
+                          <a:cs typeface="Times New Roman" panose="02020603050405020304" pitchFamily="18" charset="0"/>
+                        </a:rPr>
+                        <a:t>High (&gt;90K)</a:t>
+                      </a:r>
+                      <a:r>
+                        <a:rPr lang="en-US" sz="1600" i="0" baseline="0" dirty="0" smtClean="0">
+                          <a:latin typeface="Times New Roman" panose="02020603050405020304" pitchFamily="18" charset="0"/>
+                          <a:cs typeface="Times New Roman" panose="02020603050405020304" pitchFamily="18" charset="0"/>
+                        </a:rPr>
+                        <a:t>, </a:t>
+                      </a:r>
+                      <a:r>
+                        <a:rPr lang="en-US" sz="1600" b="1" i="0" baseline="0" dirty="0" smtClean="0">
+                          <a:latin typeface="Times New Roman" panose="02020603050405020304" pitchFamily="18" charset="0"/>
+                          <a:cs typeface="Times New Roman" panose="02020603050405020304" pitchFamily="18" charset="0"/>
+                        </a:rPr>
+                        <a:t>High – Medium (Between 60K-90K)</a:t>
+                      </a:r>
+                      <a:r>
+                        <a:rPr lang="en-US" sz="1600" i="0" baseline="0" dirty="0" smtClean="0">
+                          <a:latin typeface="Times New Roman" panose="02020603050405020304" pitchFamily="18" charset="0"/>
+                          <a:cs typeface="Times New Roman" panose="02020603050405020304" pitchFamily="18" charset="0"/>
+                        </a:rPr>
+                        <a:t>, </a:t>
+                      </a:r>
+                      <a:r>
+                        <a:rPr lang="en-US" sz="1600" b="1" i="0" baseline="0" dirty="0" smtClean="0">
+                          <a:latin typeface="Times New Roman" panose="02020603050405020304" pitchFamily="18" charset="0"/>
+                          <a:cs typeface="Times New Roman" panose="02020603050405020304" pitchFamily="18" charset="0"/>
+                        </a:rPr>
+                        <a:t>Low-Medium (30K-60K)</a:t>
+                      </a:r>
+                      <a:r>
+                        <a:rPr lang="en-US" sz="1600" b="0" i="0" baseline="0" dirty="0" smtClean="0">
+                          <a:latin typeface="Times New Roman" panose="02020603050405020304" pitchFamily="18" charset="0"/>
+                          <a:cs typeface="Times New Roman" panose="02020603050405020304" pitchFamily="18" charset="0"/>
+                        </a:rPr>
+                        <a:t> &amp;</a:t>
+                      </a:r>
+                      <a:r>
+                        <a:rPr lang="en-US" sz="1600" i="0" baseline="0" dirty="0" smtClean="0">
+                          <a:latin typeface="Times New Roman" panose="02020603050405020304" pitchFamily="18" charset="0"/>
+                          <a:cs typeface="Times New Roman" panose="02020603050405020304" pitchFamily="18" charset="0"/>
+                        </a:rPr>
+                        <a:t> </a:t>
+                      </a:r>
+                      <a:r>
+                        <a:rPr lang="en-US" sz="1600" b="1" i="0" baseline="0" dirty="0" smtClean="0">
+                          <a:latin typeface="Times New Roman" panose="02020603050405020304" pitchFamily="18" charset="0"/>
+                          <a:cs typeface="Times New Roman" panose="02020603050405020304" pitchFamily="18" charset="0"/>
+                        </a:rPr>
+                        <a:t>Low(&lt;30K) [</a:t>
+                      </a:r>
+                      <a:r>
+                        <a:rPr lang="en-US" sz="1600" b="0" i="1" baseline="0" dirty="0" smtClean="0">
+                          <a:latin typeface="Times New Roman" panose="02020603050405020304" pitchFamily="18" charset="0"/>
+                          <a:cs typeface="Times New Roman" panose="02020603050405020304" pitchFamily="18" charset="0"/>
+                        </a:rPr>
+                        <a:t>All Income in USD</a:t>
+                      </a:r>
+                      <a:r>
+                        <a:rPr lang="en-US" sz="1600" b="1" i="0" baseline="0" dirty="0" smtClean="0">
+                          <a:latin typeface="Times New Roman" panose="02020603050405020304" pitchFamily="18" charset="0"/>
+                          <a:cs typeface="Times New Roman" panose="02020603050405020304" pitchFamily="18" charset="0"/>
+                        </a:rPr>
+                        <a:t>]</a:t>
+                      </a:r>
+                    </a:p>
+                    <a:p>
+                      <a:pPr marL="0" marR="0" indent="0" algn="l" defTabSz="914400" rtl="0" eaLnBrk="1" fontAlgn="auto" latinLnBrk="0" hangingPunct="1">
+                        <a:lnSpc>
+                          <a:spcPct val="100000"/>
+                        </a:lnSpc>
+                        <a:spcBef>
+                          <a:spcPts val="0"/>
+                        </a:spcBef>
+                        <a:spcAft>
+                          <a:spcPts val="0"/>
+                        </a:spcAft>
+                        <a:buClrTx/>
+                        <a:buSzTx/>
+                        <a:buFontTx/>
+                        <a:buNone/>
+                        <a:tabLst/>
+                        <a:defRPr/>
+                      </a:pPr>
+                      <a:r>
+                        <a:rPr lang="en-US" sz="1600" i="1" dirty="0" smtClean="0">
+                          <a:latin typeface="Times New Roman" panose="02020603050405020304" pitchFamily="18" charset="0"/>
+                          <a:cs typeface="Times New Roman" panose="02020603050405020304" pitchFamily="18" charset="0"/>
+                        </a:rPr>
+                        <a:t>To study the impact</a:t>
+                      </a:r>
+                      <a:r>
+                        <a:rPr lang="en-US" sz="1600" i="1" baseline="0" dirty="0" smtClean="0">
+                          <a:latin typeface="Times New Roman" panose="02020603050405020304" pitchFamily="18" charset="0"/>
+                          <a:cs typeface="Times New Roman" panose="02020603050405020304" pitchFamily="18" charset="0"/>
+                        </a:rPr>
+                        <a:t> of Categories across </a:t>
+                      </a:r>
+                      <a:r>
+                        <a:rPr lang="en-US" sz="1600" b="1" i="1" baseline="0" dirty="0" smtClean="0">
+                          <a:latin typeface="Times New Roman" panose="02020603050405020304" pitchFamily="18" charset="0"/>
+                          <a:cs typeface="Times New Roman" panose="02020603050405020304" pitchFamily="18" charset="0"/>
+                        </a:rPr>
+                        <a:t>DTI</a:t>
+                      </a:r>
+                      <a:endParaRPr lang="en-US" sz="1600" b="1" i="1" dirty="0" smtClean="0">
+                        <a:latin typeface="Times New Roman" panose="02020603050405020304" pitchFamily="18" charset="0"/>
+                        <a:cs typeface="Times New Roman" panose="02020603050405020304" pitchFamily="18" charset="0"/>
+                      </a:endParaRPr>
+                    </a:p>
+                  </a:txBody>
+                  <a:tcPr anchor="ctr">
+                    <a:solidFill>
+                      <a:schemeClr val="tx2">
+                        <a:lumMod val="40000"/>
+                        <a:lumOff val="60000"/>
+                      </a:schemeClr>
+                    </a:solidFill>
+                  </a:tcPr>
+                </a:tc>
+              </a:tr>
+            </a:tbl>
+          </a:graphicData>
+        </a:graphic>
+      </p:graphicFrame>
     </p:spTree>
     <p:extLst>
       <p:ext uri="{BB962C8B-B14F-4D97-AF65-F5344CB8AC3E}">
@@ -14714,7 +15346,7 @@
         </p:blipFill>
         <p:spPr bwMode="auto">
           <a:xfrm>
-            <a:off x="1601115" y="1736723"/>
+            <a:off x="1601115" y="1745190"/>
             <a:ext cx="3046186" cy="4970032"/>
           </a:xfrm>
           <a:prstGeom prst="rect">
@@ -14797,28 +15429,14 @@
                 <a:latin typeface="Times New Roman" panose="02020603050405020304" pitchFamily="18" charset="0"/>
                 <a:cs typeface="Times New Roman" panose="02020603050405020304" pitchFamily="18" charset="0"/>
               </a:rPr>
-              <a:t>loan (% wise counts). However, severity would be </a:t>
-            </a:r>
-            <a:r>
-              <a:rPr lang="en-US" sz="2400" dirty="0" err="1" smtClean="0">
-                <a:latin typeface="Times New Roman" panose="02020603050405020304" pitchFamily="18" charset="0"/>
-                <a:cs typeface="Times New Roman" panose="02020603050405020304" pitchFamily="18" charset="0"/>
-              </a:rPr>
-              <a:t>less.</a:t>
-            </a:r>
-            <a:r>
-              <a:rPr lang="en-US" sz="2400" b="1" dirty="0" err="1" smtClean="0">
-                <a:latin typeface="Times New Roman" panose="02020603050405020304" pitchFamily="18" charset="0"/>
-                <a:cs typeface="Times New Roman" panose="02020603050405020304" pitchFamily="18" charset="0"/>
-              </a:rPr>
-              <a:t>Less</a:t>
+              <a:t>loan (% wise counts). However, severity would be less. </a:t>
             </a:r>
             <a:r>
               <a:rPr lang="en-US" sz="2400" b="1" dirty="0" smtClean="0">
                 <a:latin typeface="Times New Roman" panose="02020603050405020304" pitchFamily="18" charset="0"/>
                 <a:cs typeface="Times New Roman" panose="02020603050405020304" pitchFamily="18" charset="0"/>
               </a:rPr>
-              <a:t> </a:t>
+              <a:t>Less </a:t>
             </a:r>
             <a:r>
               <a:rPr lang="en-US" sz="2400" b="1" dirty="0">
@@ -15012,7 +15630,7 @@
         </p:nvSpPr>
         <p:spPr>
           <a:xfrm>
-            <a:off x="3421655" y="1620663"/>
+            <a:off x="3421655" y="1705333"/>
             <a:ext cx="1648455" cy="307777"/>
           </a:xfrm>
           <a:prstGeom prst="rect">
@@ -17415,7 +18033,7 @@
           <p:nvPr>
             <p:extLst>
               <p:ext uri="{D42A27DB-BD31-4B8C-83A1-F6EECF244321}">
-                <p14:modId xmlns:p14="http://schemas.microsoft.com/office/powerpoint/2010/main" val="3365267958"/>
+                <p14:modId xmlns:p14="http://schemas.microsoft.com/office/powerpoint/2010/main" val="3965203890"/>
               </p:ext>
             </p:extLst>
           </p:nvPr>

--- a/Gramener_Case_Study_Presentation_SS.pptx
+++ b/Gramener_Case_Study_Presentation_SS.pptx
@@ -12239,6 +12239,47 @@
           <a:chExt cx="0" cy="0"/>
         </a:xfrm>
       </p:grpSpPr>
+      <p:pic>
+        <p:nvPicPr>
+          <p:cNvPr id="6147" name="Picture 3" descr="C:\Users\ssen1005\Desktop\PGDML\107\Brijesh\dti.png"/>
+          <p:cNvPicPr>
+            <a:picLocks noChangeAspect="1" noChangeArrowheads="1"/>
+          </p:cNvPicPr>
+          <p:nvPr/>
+        </p:nvPicPr>
+        <p:blipFill>
+          <a:blip r:embed="rId2">
+            <a:extLst>
+              <a:ext uri="{28A0092B-C50C-407E-A947-70E740481C1C}">
+                <a14:useLocalDpi xmlns:a14="http://schemas.microsoft.com/office/drawing/2010/main" val="0"/>
+              </a:ext>
+            </a:extLst>
+          </a:blip>
+          <a:srcRect/>
+          <a:stretch>
+            <a:fillRect/>
+          </a:stretch>
+        </p:blipFill>
+        <p:spPr bwMode="auto">
+          <a:xfrm>
+            <a:off x="1523022" y="1742280"/>
+            <a:ext cx="7079463" cy="3011003"/>
+          </a:xfrm>
+          <a:prstGeom prst="rect">
+            <a:avLst/>
+          </a:prstGeom>
+          <a:noFill/>
+          <a:extLst>
+            <a:ext uri="{909E8E84-426E-40DD-AFC4-6F175D3DCCD1}">
+              <a14:hiddenFill xmlns:a14="http://schemas.microsoft.com/office/drawing/2010/main">
+                <a:solidFill>
+                  <a:srgbClr val="FFFFFF"/>
+                </a:solidFill>
+              </a14:hiddenFill>
+            </a:ext>
+          </a:extLst>
+        </p:spPr>
+      </p:pic>
       <p:sp>
         <p:nvSpPr>
           <p:cNvPr id="4" name="Title 1"/>
@@ -12461,7 +12502,7 @@
           <p:nvPr/>
         </p:nvPicPr>
         <p:blipFill>
-          <a:blip r:embed="rId2" cstate="print">
+          <a:blip r:embed="rId3" cstate="print">
             <a:extLst>
               <a:ext uri="{28A0092B-C50C-407E-A947-70E740481C1C}">
                 <a14:useLocalDpi xmlns:a14="http://schemas.microsoft.com/office/drawing/2010/main" val="0"/>
@@ -12544,14 +12585,14 @@
       </p:cxnSp>
       <p:sp>
         <p:nvSpPr>
-          <p:cNvPr id="20" name="TextBox 19"/>
+          <p:cNvPr id="12" name="TextBox 11"/>
           <p:cNvSpPr txBox="1"/>
           <p:nvPr/>
         </p:nvSpPr>
         <p:spPr>
           <a:xfrm>
-            <a:off x="6510855" y="2043070"/>
-            <a:ext cx="4216400" cy="3416320"/>
+            <a:off x="1221369" y="4669744"/>
+            <a:ext cx="10394898" cy="2000548"/>
           </a:xfrm>
           <a:prstGeom prst="rect">
             <a:avLst/>
@@ -12569,43 +12610,112 @@
               <a:buChar char="•"/>
             </a:pPr>
             <a:r>
-              <a:rPr lang="en-US" dirty="0" smtClean="0">
-                <a:latin typeface="Times New Roman" panose="02020603050405020304" pitchFamily="18" charset="0"/>
-                <a:cs typeface="Times New Roman" panose="02020603050405020304" pitchFamily="18" charset="0"/>
-              </a:rPr>
-              <a:t>Created Box Plots for dti </a:t>
-            </a:r>
-            <a:r>
-              <a:rPr lang="en-US" dirty="0">
-                <a:latin typeface="Times New Roman" panose="02020603050405020304" pitchFamily="18" charset="0"/>
-                <a:cs typeface="Times New Roman" panose="02020603050405020304" pitchFamily="18" charset="0"/>
-              </a:rPr>
-              <a:t>against </a:t>
-            </a:r>
-            <a:r>
-              <a:rPr lang="en-US" dirty="0" smtClean="0">
-                <a:latin typeface="Times New Roman" panose="02020603050405020304" pitchFamily="18" charset="0"/>
-                <a:cs typeface="Times New Roman" panose="02020603050405020304" pitchFamily="18" charset="0"/>
-              </a:rPr>
-              <a:t>loan status’ </a:t>
-            </a:r>
-            <a:r>
-              <a:rPr lang="en-US" dirty="0">
-                <a:latin typeface="Times New Roman" panose="02020603050405020304" pitchFamily="18" charset="0"/>
-                <a:cs typeface="Times New Roman" panose="02020603050405020304" pitchFamily="18" charset="0"/>
-              </a:rPr>
-              <a:t>to study the behavior of the dti’s impacts on the  loan default</a:t>
-            </a:r>
+              <a:rPr lang="en-US" sz="1400" dirty="0">
+                <a:latin typeface="Times New Roman" panose="02020603050405020304" pitchFamily="18" charset="0"/>
+                <a:cs typeface="Times New Roman" panose="02020603050405020304" pitchFamily="18" charset="0"/>
+              </a:rPr>
+              <a:t>It shows that there is an increase in DTI (median and mean) from </a:t>
+            </a:r>
+            <a:r>
+              <a:rPr lang="en-US" sz="1400" b="1" dirty="0" smtClean="0">
+                <a:latin typeface="Times New Roman" panose="02020603050405020304" pitchFamily="18" charset="0"/>
+                <a:cs typeface="Times New Roman" panose="02020603050405020304" pitchFamily="18" charset="0"/>
+              </a:rPr>
+              <a:t>Fully Paid – Charged Off – Current</a:t>
+            </a:r>
+            <a:endParaRPr lang="en-US" sz="1400" dirty="0" smtClean="0">
+              <a:latin typeface="Times New Roman" panose="02020603050405020304" pitchFamily="18" charset="0"/>
+              <a:cs typeface="Times New Roman" panose="02020603050405020304" pitchFamily="18" charset="0"/>
+            </a:endParaRPr>
+          </a:p>
+          <a:p>
+            <a:r>
+              <a:rPr lang="en-US" sz="1400" dirty="0" smtClean="0">
+                <a:latin typeface="Times New Roman" panose="02020603050405020304" pitchFamily="18" charset="0"/>
+                <a:cs typeface="Times New Roman" panose="02020603050405020304" pitchFamily="18" charset="0"/>
+              </a:rPr>
+              <a:t>[</a:t>
+            </a:r>
+            <a:r>
+              <a:rPr lang="en-US" sz="1200" b="1" i="1" dirty="0" smtClean="0">
+                <a:latin typeface="Times New Roman" panose="02020603050405020304" pitchFamily="18" charset="0"/>
+                <a:cs typeface="Times New Roman" panose="02020603050405020304" pitchFamily="18" charset="0"/>
+              </a:rPr>
+              <a:t>This </a:t>
+            </a:r>
+            <a:r>
+              <a:rPr lang="en-US" sz="1200" b="1" i="1" dirty="0">
+                <a:latin typeface="Times New Roman" panose="02020603050405020304" pitchFamily="18" charset="0"/>
+                <a:cs typeface="Times New Roman" panose="02020603050405020304" pitchFamily="18" charset="0"/>
+              </a:rPr>
+              <a:t>is concerning for </a:t>
+            </a:r>
+            <a:r>
+              <a:rPr lang="en-US" sz="1200" b="1" i="1" dirty="0" smtClean="0">
+                <a:latin typeface="Times New Roman" panose="02020603050405020304" pitchFamily="18" charset="0"/>
+                <a:cs typeface="Times New Roman" panose="02020603050405020304" pitchFamily="18" charset="0"/>
+              </a:rPr>
+              <a:t>Consumer Finance Company because </a:t>
+            </a:r>
+            <a:r>
+              <a:rPr lang="en-US" sz="1200" b="1" i="1" dirty="0">
+                <a:latin typeface="Times New Roman" panose="02020603050405020304" pitchFamily="18" charset="0"/>
+                <a:cs typeface="Times New Roman" panose="02020603050405020304" pitchFamily="18" charset="0"/>
+              </a:rPr>
+              <a:t>this indicates that despite having a few loans in the Current loan status, the DTI average is more than the Fully Paid which is nearly 30 times of Current. In other words, if we assume that the DTI rate stays the same as Consumer Finance Company </a:t>
+            </a:r>
+            <a:r>
+              <a:rPr lang="en-US" sz="1200" b="1" i="1" dirty="0" smtClean="0">
+                <a:latin typeface="Times New Roman" panose="02020603050405020304" pitchFamily="18" charset="0"/>
+                <a:cs typeface="Times New Roman" panose="02020603050405020304" pitchFamily="18" charset="0"/>
+              </a:rPr>
+              <a:t>accepts </a:t>
+            </a:r>
+            <a:r>
+              <a:rPr lang="en-US" sz="1200" b="1" i="1" dirty="0">
+                <a:latin typeface="Times New Roman" panose="02020603050405020304" pitchFamily="18" charset="0"/>
+                <a:cs typeface="Times New Roman" panose="02020603050405020304" pitchFamily="18" charset="0"/>
+              </a:rPr>
+              <a:t>more loans then in the future the number of defaulters could increase </a:t>
+            </a:r>
+            <a:r>
+              <a:rPr lang="en-US" sz="1200" b="1" i="1" dirty="0" smtClean="0">
+                <a:latin typeface="Times New Roman" panose="02020603050405020304" pitchFamily="18" charset="0"/>
+                <a:cs typeface="Times New Roman" panose="02020603050405020304" pitchFamily="18" charset="0"/>
+              </a:rPr>
+              <a:t>significantly</a:t>
+            </a:r>
+            <a:r>
+              <a:rPr lang="en-US" sz="1400" dirty="0" smtClean="0">
+                <a:latin typeface="Times New Roman" panose="02020603050405020304" pitchFamily="18" charset="0"/>
+                <a:cs typeface="Times New Roman" panose="02020603050405020304" pitchFamily="18" charset="0"/>
+              </a:rPr>
+              <a:t>]</a:t>
+            </a:r>
+            <a:endParaRPr lang="en-US" sz="1400" dirty="0">
+              <a:latin typeface="Times New Roman" panose="02020603050405020304" pitchFamily="18" charset="0"/>
+              <a:cs typeface="Times New Roman" panose="02020603050405020304" pitchFamily="18" charset="0"/>
+            </a:endParaRPr>
           </a:p>
           <a:p>
             <a:pPr marL="285750" indent="-285750">
               <a:buFont typeface="Arial" panose="020B0604020202020204" pitchFamily="34" charset="0"/>
               <a:buChar char="•"/>
             </a:pPr>
-            <a:endParaRPr lang="en-US" dirty="0">
-              <a:latin typeface="Times New Roman" panose="02020603050405020304" pitchFamily="18" charset="0"/>
-              <a:cs typeface="Times New Roman" panose="02020603050405020304" pitchFamily="18" charset="0"/>
-            </a:endParaRPr>
+            <a:r>
+              <a:rPr lang="en-US" sz="1400" dirty="0" smtClean="0">
+                <a:latin typeface="Times New Roman" panose="02020603050405020304" pitchFamily="18" charset="0"/>
+                <a:cs typeface="Times New Roman" panose="02020603050405020304" pitchFamily="18" charset="0"/>
+              </a:rPr>
+              <a:t>Higher </a:t>
+            </a:r>
+            <a:r>
+              <a:rPr lang="en-US" sz="1400" dirty="0">
+                <a:latin typeface="Times New Roman" panose="02020603050405020304" pitchFamily="18" charset="0"/>
+                <a:cs typeface="Times New Roman" panose="02020603050405020304" pitchFamily="18" charset="0"/>
+              </a:rPr>
+              <a:t>the value of this debt to income, greater is the chance of loan default.</a:t>
+            </a:r>
           </a:p>
           <a:p>
             <a:pPr marL="285750" indent="-285750">
@@ -12613,25 +12723,33 @@
               <a:buChar char="•"/>
             </a:pPr>
             <a:r>
-              <a:rPr lang="en-US" dirty="0">
-                <a:latin typeface="Times New Roman" panose="02020603050405020304" pitchFamily="18" charset="0"/>
-                <a:cs typeface="Times New Roman" panose="02020603050405020304" pitchFamily="18" charset="0"/>
-              </a:rPr>
-              <a:t>From the </a:t>
-            </a:r>
-            <a:r>
-              <a:rPr lang="en-US" dirty="0" smtClean="0">
-                <a:latin typeface="Times New Roman" panose="02020603050405020304" pitchFamily="18" charset="0"/>
-                <a:cs typeface="Times New Roman" panose="02020603050405020304" pitchFamily="18" charset="0"/>
-              </a:rPr>
-              <a:t>plot, </a:t>
-            </a:r>
-            <a:r>
-              <a:rPr lang="en-US" dirty="0">
-                <a:latin typeface="Times New Roman" panose="02020603050405020304" pitchFamily="18" charset="0"/>
-                <a:cs typeface="Times New Roman" panose="02020603050405020304" pitchFamily="18" charset="0"/>
-              </a:rPr>
-              <a:t>it can be said that higher the value of this debt to income, greater is the chance of loan default.</a:t>
+              <a:rPr lang="en-US" sz="1400" dirty="0" smtClean="0">
+                <a:latin typeface="Times New Roman" panose="02020603050405020304" pitchFamily="18" charset="0"/>
+                <a:cs typeface="Times New Roman" panose="02020603050405020304" pitchFamily="18" charset="0"/>
+              </a:rPr>
+              <a:t>For Charged </a:t>
+            </a:r>
+            <a:r>
+              <a:rPr lang="en-US" sz="1400" dirty="0">
+                <a:latin typeface="Times New Roman" panose="02020603050405020304" pitchFamily="18" charset="0"/>
+                <a:cs typeface="Times New Roman" panose="02020603050405020304" pitchFamily="18" charset="0"/>
+              </a:rPr>
+              <a:t>off cases, there is a  higher spread than the Fully paid loan implying higher the value there, greater is the risk of loan default</a:t>
+            </a:r>
+          </a:p>
+          <a:p>
+            <a:endParaRPr lang="en-US" sz="1400" dirty="0" smtClean="0">
+              <a:latin typeface="Times New Roman" panose="02020603050405020304" pitchFamily="18" charset="0"/>
+              <a:cs typeface="Times New Roman" panose="02020603050405020304" pitchFamily="18" charset="0"/>
+            </a:endParaRPr>
+          </a:p>
+          <a:p>
+            <a:r>
+              <a:rPr lang="en-US" sz="1400" dirty="0">
+                <a:latin typeface="Times New Roman" panose="02020603050405020304" pitchFamily="18" charset="0"/>
+                <a:cs typeface="Times New Roman" panose="02020603050405020304" pitchFamily="18" charset="0"/>
+              </a:rPr>
+              <a:t> </a:t>
             </a:r>
           </a:p>
           <a:p>
@@ -12639,59 +12757,7 @@
               <a:buFont typeface="Arial" panose="020B0604020202020204" pitchFamily="34" charset="0"/>
               <a:buChar char="•"/>
             </a:pPr>
-            <a:endParaRPr lang="en-US" dirty="0">
-              <a:latin typeface="Times New Roman" panose="02020603050405020304" pitchFamily="18" charset="0"/>
-              <a:cs typeface="Times New Roman" panose="02020603050405020304" pitchFamily="18" charset="0"/>
-            </a:endParaRPr>
-          </a:p>
-          <a:p>
-            <a:pPr marL="285750" indent="-285750">
-              <a:buFont typeface="Arial" panose="020B0604020202020204" pitchFamily="34" charset="0"/>
-              <a:buChar char="•"/>
-            </a:pPr>
-            <a:r>
-              <a:rPr lang="en-US" dirty="0" smtClean="0">
-                <a:latin typeface="Times New Roman" panose="02020603050405020304" pitchFamily="18" charset="0"/>
-                <a:cs typeface="Times New Roman" panose="02020603050405020304" pitchFamily="18" charset="0"/>
-              </a:rPr>
-              <a:t>Also for the Charged off cases, there is a  </a:t>
-            </a:r>
-            <a:r>
-              <a:rPr lang="en-US" dirty="0">
-                <a:latin typeface="Times New Roman" panose="02020603050405020304" pitchFamily="18" charset="0"/>
-                <a:cs typeface="Times New Roman" panose="02020603050405020304" pitchFamily="18" charset="0"/>
-              </a:rPr>
-              <a:t>higher spread than the Fully paid </a:t>
-            </a:r>
-            <a:r>
-              <a:rPr lang="en-US" dirty="0" smtClean="0">
-                <a:latin typeface="Times New Roman" panose="02020603050405020304" pitchFamily="18" charset="0"/>
-                <a:cs typeface="Times New Roman" panose="02020603050405020304" pitchFamily="18" charset="0"/>
-              </a:rPr>
-              <a:t>loan implying </a:t>
-            </a:r>
-            <a:r>
-              <a:rPr lang="en-US" dirty="0">
-                <a:latin typeface="Times New Roman" panose="02020603050405020304" pitchFamily="18" charset="0"/>
-                <a:cs typeface="Times New Roman" panose="02020603050405020304" pitchFamily="18" charset="0"/>
-              </a:rPr>
-              <a:t>higher the value </a:t>
-            </a:r>
-            <a:r>
-              <a:rPr lang="en-US" dirty="0" smtClean="0">
-                <a:latin typeface="Times New Roman" panose="02020603050405020304" pitchFamily="18" charset="0"/>
-                <a:cs typeface="Times New Roman" panose="02020603050405020304" pitchFamily="18" charset="0"/>
-              </a:rPr>
-              <a:t>there, greater is the </a:t>
-            </a:r>
-            <a:r>
-              <a:rPr lang="en-US" dirty="0">
-                <a:latin typeface="Times New Roman" panose="02020603050405020304" pitchFamily="18" charset="0"/>
-                <a:cs typeface="Times New Roman" panose="02020603050405020304" pitchFamily="18" charset="0"/>
-              </a:rPr>
-              <a:t>risk of loan default</a:t>
-            </a:r>
-            <a:endParaRPr lang="en-US" b="1" dirty="0">
+            <a:endParaRPr lang="en-US" sz="1400" b="1" dirty="0">
               <a:latin typeface="Times New Roman" panose="02020603050405020304" pitchFamily="18" charset="0"/>
               <a:cs typeface="Times New Roman" panose="02020603050405020304" pitchFamily="18" charset="0"/>
             </a:endParaRPr>
@@ -12700,10 +12766,10 @@
       </p:sp>
       <p:pic>
         <p:nvPicPr>
-          <p:cNvPr id="11" name="Picture 10">
+          <p:cNvPr id="13" name="Picture 12">
             <a:extLst>
               <a:ext uri="{FF2B5EF4-FFF2-40B4-BE49-F238E27FC236}">
-                <a16:creationId xmlns="" xmlns:a16="http://schemas.microsoft.com/office/drawing/2014/main" id="{56C3DD78-85AE-4B38-B9E8-EE83A9706A58}"/>
+                <a16:creationId xmlns="" xmlns:a16="http://schemas.microsoft.com/office/drawing/2014/main" xmlns:lc="http://schemas.openxmlformats.org/drawingml/2006/lockedCanvas" id="{56C3DD78-85AE-4B38-B9E8-EE83A9706A58}"/>
               </a:ext>
             </a:extLst>
           </p:cNvPr>
@@ -12713,7 +12779,7 @@
           <p:nvPr/>
         </p:nvPicPr>
         <p:blipFill>
-          <a:blip r:embed="rId3">
+          <a:blip r:embed="rId4">
             <a:extLst>
               <a:ext uri="{28A0092B-C50C-407E-A947-70E740481C1C}">
                 <a14:useLocalDpi xmlns:a14="http://schemas.microsoft.com/office/drawing/2010/main" val="0"/>
@@ -12726,8 +12792,8 @@
         </p:blipFill>
         <p:spPr>
           <a:xfrm>
-            <a:off x="2676223" y="1962134"/>
-            <a:ext cx="2492743" cy="3829526"/>
+            <a:off x="8900737" y="1809164"/>
+            <a:ext cx="1872835" cy="2767443"/>
           </a:xfrm>
           <a:prstGeom prst="rect">
             <a:avLst/>
@@ -14382,7 +14448,7 @@
         </p:nvSpPr>
         <p:spPr>
           <a:xfrm>
-            <a:off x="1465352" y="5349985"/>
+            <a:off x="6452219" y="5273785"/>
             <a:ext cx="4816908" cy="584775"/>
           </a:xfrm>
           <a:prstGeom prst="rect">
@@ -14524,7 +14590,7 @@
         </p:nvSpPr>
         <p:spPr>
           <a:xfrm>
-            <a:off x="6303245" y="5324581"/>
+            <a:off x="1206937" y="5273785"/>
             <a:ext cx="5245282" cy="584775"/>
           </a:xfrm>
           <a:prstGeom prst="rect">
@@ -14742,6 +14808,118 @@
           </a:extLst>
         </p:spPr>
       </p:pic>
+      <p:sp>
+        <p:nvSpPr>
+          <p:cNvPr id="7" name="Rectangle 6"/>
+          <p:cNvSpPr/>
+          <p:nvPr/>
+        </p:nvSpPr>
+        <p:spPr>
+          <a:xfrm>
+            <a:off x="2409975" y="1960433"/>
+            <a:ext cx="2611612" cy="276999"/>
+          </a:xfrm>
+          <a:prstGeom prst="rect">
+            <a:avLst/>
+          </a:prstGeom>
+        </p:spPr>
+        <p:txBody>
+          <a:bodyPr wrap="none">
+            <a:spAutoFit/>
+          </a:bodyPr>
+          <a:lstStyle/>
+          <a:p>
+            <a:r>
+              <a:rPr lang="en-US" sz="1200" dirty="0">
+                <a:latin typeface="Times New Roman" panose="02020603050405020304" pitchFamily="18" charset="0"/>
+                <a:cs typeface="Times New Roman" panose="02020603050405020304" pitchFamily="18" charset="0"/>
+              </a:rPr>
+              <a:t>Distribution of </a:t>
+            </a:r>
+            <a:r>
+              <a:rPr lang="en-US" sz="1200" dirty="0" smtClean="0">
+                <a:latin typeface="Times New Roman" panose="02020603050405020304" pitchFamily="18" charset="0"/>
+                <a:cs typeface="Times New Roman" panose="02020603050405020304" pitchFamily="18" charset="0"/>
+              </a:rPr>
+              <a:t>Grade across </a:t>
+            </a:r>
+            <a:r>
+              <a:rPr lang="en-US" sz="1200" dirty="0">
+                <a:latin typeface="Times New Roman" panose="02020603050405020304" pitchFamily="18" charset="0"/>
+                <a:cs typeface="Times New Roman" panose="02020603050405020304" pitchFamily="18" charset="0"/>
+              </a:rPr>
+              <a:t>Loan </a:t>
+            </a:r>
+            <a:r>
+              <a:rPr lang="en-US" sz="1200" dirty="0" smtClean="0">
+                <a:latin typeface="Times New Roman" panose="02020603050405020304" pitchFamily="18" charset="0"/>
+                <a:cs typeface="Times New Roman" panose="02020603050405020304" pitchFamily="18" charset="0"/>
+              </a:rPr>
+              <a:t>Risk</a:t>
+            </a:r>
+            <a:endParaRPr lang="en-US" sz="1200" dirty="0">
+              <a:latin typeface="Times New Roman" panose="02020603050405020304" pitchFamily="18" charset="0"/>
+              <a:cs typeface="Times New Roman" panose="02020603050405020304" pitchFamily="18" charset="0"/>
+            </a:endParaRPr>
+          </a:p>
+        </p:txBody>
+      </p:sp>
+      <p:sp>
+        <p:nvSpPr>
+          <p:cNvPr id="17" name="Rectangle 16"/>
+          <p:cNvSpPr/>
+          <p:nvPr/>
+        </p:nvSpPr>
+        <p:spPr>
+          <a:xfrm>
+            <a:off x="7369801" y="1954198"/>
+            <a:ext cx="2973891" cy="276999"/>
+          </a:xfrm>
+          <a:prstGeom prst="rect">
+            <a:avLst/>
+          </a:prstGeom>
+        </p:spPr>
+        <p:txBody>
+          <a:bodyPr wrap="none">
+            <a:spAutoFit/>
+          </a:bodyPr>
+          <a:lstStyle/>
+          <a:p>
+            <a:r>
+              <a:rPr lang="en-US" sz="1200" dirty="0">
+                <a:latin typeface="Times New Roman" panose="02020603050405020304" pitchFamily="18" charset="0"/>
+                <a:cs typeface="Times New Roman" panose="02020603050405020304" pitchFamily="18" charset="0"/>
+              </a:rPr>
+              <a:t>Distribution of </a:t>
+            </a:r>
+            <a:r>
+              <a:rPr lang="en-US" sz="1200" dirty="0" smtClean="0">
+                <a:latin typeface="Times New Roman" panose="02020603050405020304" pitchFamily="18" charset="0"/>
+                <a:cs typeface="Times New Roman" panose="02020603050405020304" pitchFamily="18" charset="0"/>
+              </a:rPr>
+              <a:t>US Regions across </a:t>
+            </a:r>
+            <a:r>
+              <a:rPr lang="en-US" sz="1200" dirty="0">
+                <a:latin typeface="Times New Roman" panose="02020603050405020304" pitchFamily="18" charset="0"/>
+                <a:cs typeface="Times New Roman" panose="02020603050405020304" pitchFamily="18" charset="0"/>
+              </a:rPr>
+              <a:t>Loan </a:t>
+            </a:r>
+            <a:r>
+              <a:rPr lang="en-US" sz="1200" dirty="0" smtClean="0">
+                <a:latin typeface="Times New Roman" panose="02020603050405020304" pitchFamily="18" charset="0"/>
+                <a:cs typeface="Times New Roman" panose="02020603050405020304" pitchFamily="18" charset="0"/>
+              </a:rPr>
+              <a:t>Risk</a:t>
+            </a:r>
+            <a:endParaRPr lang="en-US" sz="1200" dirty="0">
+              <a:latin typeface="Times New Roman" panose="02020603050405020304" pitchFamily="18" charset="0"/>
+              <a:cs typeface="Times New Roman" panose="02020603050405020304" pitchFamily="18" charset="0"/>
+            </a:endParaRPr>
+          </a:p>
+        </p:txBody>
+      </p:sp>
     </p:spTree>
     <p:extLst>
       <p:ext uri="{BB962C8B-B14F-4D97-AF65-F5344CB8AC3E}">
@@ -14879,8 +15057,8 @@
         </p:nvSpPr>
         <p:spPr>
           <a:xfrm>
-            <a:off x="1337849" y="4579502"/>
-            <a:ext cx="3581284" cy="914097"/>
+            <a:off x="1337848" y="4974934"/>
+            <a:ext cx="10095875" cy="1815882"/>
           </a:xfrm>
           <a:prstGeom prst="rect">
             <a:avLst/>
@@ -14897,138 +15075,92 @@
               <a:buChar char="•"/>
             </a:pPr>
             <a:r>
-              <a:rPr lang="en-US" sz="1600" dirty="0" err="1" smtClean="0">
-                <a:latin typeface="Times New Roman" panose="02020603050405020304" pitchFamily="18" charset="0"/>
-                <a:cs typeface="Times New Roman" panose="02020603050405020304" pitchFamily="18" charset="0"/>
-              </a:rPr>
-              <a:t>MidWestern</a:t>
-            </a:r>
-            <a:r>
               <a:rPr lang="en-US" sz="1600" dirty="0" smtClean="0">
                 <a:latin typeface="Times New Roman" panose="02020603050405020304" pitchFamily="18" charset="0"/>
                 <a:cs typeface="Times New Roman" panose="02020603050405020304" pitchFamily="18" charset="0"/>
               </a:rPr>
-              <a:t>-US, </a:t>
-            </a:r>
-            <a:r>
-              <a:rPr lang="en-US" sz="1600" dirty="0" err="1" smtClean="0">
-                <a:latin typeface="Times New Roman" panose="02020603050405020304" pitchFamily="18" charset="0"/>
-                <a:cs typeface="Times New Roman" panose="02020603050405020304" pitchFamily="18" charset="0"/>
-              </a:rPr>
-              <a:t>SouthEast</a:t>
+              <a:t>MidWestern-US, SouthEast-US &amp; SouthWest-US </a:t>
+            </a:r>
+            <a:r>
+              <a:rPr lang="en-US" sz="1600" dirty="0">
+                <a:latin typeface="Times New Roman" panose="02020603050405020304" pitchFamily="18" charset="0"/>
+                <a:cs typeface="Times New Roman" panose="02020603050405020304" pitchFamily="18" charset="0"/>
+              </a:rPr>
+              <a:t>had a rapid increase in debt-to-income starting in </a:t>
             </a:r>
             <a:r>
               <a:rPr lang="en-US" sz="1600" dirty="0" smtClean="0">
                 <a:latin typeface="Times New Roman" panose="02020603050405020304" pitchFamily="18" charset="0"/>
                 <a:cs typeface="Times New Roman" panose="02020603050405020304" pitchFamily="18" charset="0"/>
               </a:rPr>
-              <a:t>-US &amp; </a:t>
-            </a:r>
-            <a:r>
-              <a:rPr lang="en-US" sz="1600" dirty="0" err="1" smtClean="0">
-                <a:latin typeface="Times New Roman" panose="02020603050405020304" pitchFamily="18" charset="0"/>
-                <a:cs typeface="Times New Roman" panose="02020603050405020304" pitchFamily="18" charset="0"/>
-              </a:rPr>
-              <a:t>SouthWest</a:t>
-            </a:r>
-            <a:r>
-              <a:rPr lang="en-US" sz="1600" dirty="0" smtClean="0">
-                <a:latin typeface="Times New Roman" panose="02020603050405020304" pitchFamily="18" charset="0"/>
-                <a:cs typeface="Times New Roman" panose="02020603050405020304" pitchFamily="18" charset="0"/>
-              </a:rPr>
-              <a:t>-US </a:t>
-            </a:r>
-            <a:r>
-              <a:rPr lang="en-US" sz="1600" dirty="0">
-                <a:latin typeface="Times New Roman" panose="02020603050405020304" pitchFamily="18" charset="0"/>
-                <a:cs typeface="Times New Roman" panose="02020603050405020304" pitchFamily="18" charset="0"/>
-              </a:rPr>
-              <a:t>had a rapid increase in debt-to-income starting in 2011.</a:t>
-            </a:r>
-          </a:p>
-        </p:txBody>
-      </p:sp>
-      <p:sp>
-        <p:nvSpPr>
-          <p:cNvPr id="12" name="Rectangle 11"/>
-          <p:cNvSpPr/>
-          <p:nvPr/>
-        </p:nvSpPr>
-        <p:spPr>
-          <a:xfrm>
-            <a:off x="4918260" y="4552357"/>
-            <a:ext cx="3256908" cy="1323439"/>
-          </a:xfrm>
-          <a:prstGeom prst="rect">
-            <a:avLst/>
-          </a:prstGeom>
-        </p:spPr>
-        <p:txBody>
-          <a:bodyPr wrap="square">
-            <a:spAutoFit/>
-          </a:bodyPr>
-          <a:lstStyle/>
+              <a:t>2011</a:t>
+            </a:r>
+          </a:p>
           <a:p>
             <a:pPr marL="285750" indent="-285750">
               <a:buFont typeface="Arial" panose="020B0604020202020204" pitchFamily="34" charset="0"/>
               <a:buChar char="•"/>
             </a:pPr>
             <a:r>
-              <a:rPr lang="en-US" sz="1600" dirty="0" err="1">
-                <a:latin typeface="Times New Roman" panose="02020603050405020304" pitchFamily="18" charset="0"/>
-                <a:cs typeface="Times New Roman" panose="02020603050405020304" pitchFamily="18" charset="0"/>
-              </a:rPr>
-              <a:t>MidWestern</a:t>
+              <a:rPr lang="en-US" sz="1600" dirty="0" smtClean="0">
+                <a:latin typeface="Times New Roman" panose="02020603050405020304" pitchFamily="18" charset="0"/>
+                <a:cs typeface="Times New Roman" panose="02020603050405020304" pitchFamily="18" charset="0"/>
+              </a:rPr>
+              <a:t>MidWestern-US</a:t>
             </a:r>
             <a:r>
               <a:rPr lang="en-US" sz="1600" dirty="0">
                 <a:latin typeface="Times New Roman" panose="02020603050405020304" pitchFamily="18" charset="0"/>
                 <a:cs typeface="Times New Roman" panose="02020603050405020304" pitchFamily="18" charset="0"/>
               </a:rPr>
-              <a:t>-US</a:t>
+              <a:t>, SouthEast-US and SouthWest-US had a rapid increase in interest rates (This might explain the increase in debt to income</a:t>
             </a:r>
             <a:r>
               <a:rPr lang="en-US" sz="1600" dirty="0" smtClean="0">
                 <a:latin typeface="Times New Roman" panose="02020603050405020304" pitchFamily="18" charset="0"/>
                 <a:cs typeface="Times New Roman" panose="02020603050405020304" pitchFamily="18" charset="0"/>
               </a:rPr>
-              <a:t>, </a:t>
-            </a:r>
-            <a:r>
-              <a:rPr lang="en-US" sz="1600" dirty="0" err="1" smtClean="0">
-                <a:latin typeface="Times New Roman" panose="02020603050405020304" pitchFamily="18" charset="0"/>
-                <a:cs typeface="Times New Roman" panose="02020603050405020304" pitchFamily="18" charset="0"/>
-              </a:rPr>
-              <a:t>SouthEast</a:t>
-            </a:r>
-            <a:r>
-              <a:rPr lang="en-US" sz="1600" dirty="0" smtClean="0">
-                <a:latin typeface="Times New Roman" panose="02020603050405020304" pitchFamily="18" charset="0"/>
-                <a:cs typeface="Times New Roman" panose="02020603050405020304" pitchFamily="18" charset="0"/>
-              </a:rPr>
-              <a:t>-US </a:t>
-            </a:r>
+              <a:t>)</a:t>
+            </a:r>
+          </a:p>
+          <a:p>
+            <a:pPr marL="285750" indent="-285750">
+              <a:buFont typeface="Arial" panose="020B0604020202020204" pitchFamily="34" charset="0"/>
+              <a:buChar char="•"/>
+            </a:pPr>
             <a:r>
               <a:rPr lang="en-US" sz="1600" dirty="0">
                 <a:latin typeface="Times New Roman" panose="02020603050405020304" pitchFamily="18" charset="0"/>
                 <a:cs typeface="Times New Roman" panose="02020603050405020304" pitchFamily="18" charset="0"/>
               </a:rPr>
-              <a:t>and </a:t>
-            </a:r>
-            <a:r>
-              <a:rPr lang="en-US" sz="1600" dirty="0" err="1">
-                <a:latin typeface="Times New Roman" panose="02020603050405020304" pitchFamily="18" charset="0"/>
-                <a:cs typeface="Times New Roman" panose="02020603050405020304" pitchFamily="18" charset="0"/>
-              </a:rPr>
-              <a:t>SouthWest</a:t>
-            </a:r>
-            <a:r>
-              <a:rPr lang="en-US" sz="1600" dirty="0">
-                <a:latin typeface="Times New Roman" panose="02020603050405020304" pitchFamily="18" charset="0"/>
-                <a:cs typeface="Times New Roman" panose="02020603050405020304" pitchFamily="18" charset="0"/>
-              </a:rPr>
-              <a:t>-US had a rapid increase in interest rates (This might explain the increase in debt to income).</a:t>
-            </a:r>
+              <a:t>DTI is inversely proportional to Annual income because dti=(monthly expenses including loan / monthly income) </a:t>
+            </a:r>
+          </a:p>
+          <a:p>
+            <a:pPr marL="285750" indent="-285750">
+              <a:buFont typeface="Arial" panose="020B0604020202020204" pitchFamily="34" charset="0"/>
+              <a:buChar char="•"/>
+            </a:pPr>
+            <a:endParaRPr lang="en-US" sz="1600" dirty="0">
+              <a:latin typeface="Times New Roman" panose="02020603050405020304" pitchFamily="18" charset="0"/>
+              <a:cs typeface="Times New Roman" panose="02020603050405020304" pitchFamily="18" charset="0"/>
+            </a:endParaRPr>
+          </a:p>
+          <a:p>
+            <a:endParaRPr lang="en-US" sz="1600" dirty="0">
+              <a:latin typeface="Times New Roman" panose="02020603050405020304" pitchFamily="18" charset="0"/>
+              <a:cs typeface="Times New Roman" panose="02020603050405020304" pitchFamily="18" charset="0"/>
+            </a:endParaRPr>
+          </a:p>
+          <a:p>
+            <a:pPr marL="285750" indent="-285750">
+              <a:buFont typeface="Arial" panose="020B0604020202020204" pitchFamily="34" charset="0"/>
+              <a:buChar char="•"/>
+            </a:pPr>
+            <a:endParaRPr lang="en-US" sz="1600" dirty="0">
+              <a:latin typeface="Times New Roman" panose="02020603050405020304" pitchFamily="18" charset="0"/>
+              <a:cs typeface="Times New Roman" panose="02020603050405020304" pitchFamily="18" charset="0"/>
+            </a:endParaRPr>
           </a:p>
         </p:txBody>
       </p:sp>
@@ -15155,50 +15287,152 @@
       </p:pic>
       <p:sp>
         <p:nvSpPr>
-          <p:cNvPr id="3" name="Rectangle 2"/>
+          <p:cNvPr id="7" name="Rectangle 6"/>
           <p:cNvSpPr/>
           <p:nvPr/>
         </p:nvSpPr>
         <p:spPr>
           <a:xfrm>
-            <a:off x="8236282" y="4570250"/>
-            <a:ext cx="3441033" cy="584775"/>
+            <a:off x="2726318" y="1686465"/>
+            <a:ext cx="7128818" cy="369332"/>
           </a:xfrm>
           <a:prstGeom prst="rect">
             <a:avLst/>
           </a:prstGeom>
         </p:spPr>
         <p:txBody>
-          <a:bodyPr>
+          <a:bodyPr wrap="square">
             <a:spAutoFit/>
           </a:bodyPr>
           <a:lstStyle/>
           <a:p>
-            <a:pPr marL="285750" indent="-285750">
-              <a:buFont typeface="Arial" panose="020B0604020202020204" pitchFamily="34" charset="0"/>
-              <a:buChar char="•"/>
-            </a:pPr>
-            <a:r>
-              <a:rPr lang="en-US" sz="1600" dirty="0">
-                <a:latin typeface="Times New Roman" panose="02020603050405020304" pitchFamily="18" charset="0"/>
-                <a:cs typeface="Times New Roman" panose="02020603050405020304" pitchFamily="18" charset="0"/>
-              </a:rPr>
-              <a:t>As we can see DTI is inversely proportional to Annual income because </a:t>
-            </a:r>
-            <a:r>
-              <a:rPr lang="en-US" sz="1600" dirty="0" err="1">
-                <a:latin typeface="Times New Roman" panose="02020603050405020304" pitchFamily="18" charset="0"/>
-                <a:cs typeface="Times New Roman" panose="02020603050405020304" pitchFamily="18" charset="0"/>
-              </a:rPr>
-              <a:t>dti</a:t>
-            </a:r>
-            <a:r>
-              <a:rPr lang="en-US" sz="1600" dirty="0">
-                <a:latin typeface="Times New Roman" panose="02020603050405020304" pitchFamily="18" charset="0"/>
-                <a:cs typeface="Times New Roman" panose="02020603050405020304" pitchFamily="18" charset="0"/>
-              </a:rPr>
-              <a:t>=(monthly expenses including loan / monthly income) </a:t>
-            </a:r>
+            <a:pPr algn="ctr"/>
+            <a:r>
+              <a:rPr lang="en-US" b="1" dirty="0">
+                <a:latin typeface="Times New Roman" panose="02020603050405020304" pitchFamily="18" charset="0"/>
+                <a:cs typeface="Times New Roman" panose="02020603050405020304" pitchFamily="18" charset="0"/>
+              </a:rPr>
+              <a:t>Distribution of </a:t>
+            </a:r>
+            <a:r>
+              <a:rPr lang="en-US" b="1" dirty="0" smtClean="0">
+                <a:latin typeface="Times New Roman" panose="02020603050405020304" pitchFamily="18" charset="0"/>
+                <a:cs typeface="Times New Roman" panose="02020603050405020304" pitchFamily="18" charset="0"/>
+              </a:rPr>
+              <a:t>US Regions</a:t>
+            </a:r>
+            <a:endParaRPr lang="en-US" b="1" dirty="0">
+              <a:latin typeface="Times New Roman" panose="02020603050405020304" pitchFamily="18" charset="0"/>
+              <a:cs typeface="Times New Roman" panose="02020603050405020304" pitchFamily="18" charset="0"/>
+            </a:endParaRPr>
+          </a:p>
+        </p:txBody>
+      </p:sp>
+      <p:sp>
+        <p:nvSpPr>
+          <p:cNvPr id="20" name="Rectangle 19"/>
+          <p:cNvSpPr/>
+          <p:nvPr/>
+        </p:nvSpPr>
+        <p:spPr>
+          <a:xfrm>
+            <a:off x="2004890" y="2055797"/>
+            <a:ext cx="2748468" cy="276999"/>
+          </a:xfrm>
+          <a:prstGeom prst="rect">
+            <a:avLst/>
+          </a:prstGeom>
+        </p:spPr>
+        <p:txBody>
+          <a:bodyPr wrap="square">
+            <a:spAutoFit/>
+          </a:bodyPr>
+          <a:lstStyle/>
+          <a:p>
+            <a:pPr algn="ctr"/>
+            <a:r>
+              <a:rPr lang="en-US" sz="1200" dirty="0" smtClean="0">
+                <a:latin typeface="Times New Roman" panose="02020603050405020304" pitchFamily="18" charset="0"/>
+                <a:cs typeface="Times New Roman" panose="02020603050405020304" pitchFamily="18" charset="0"/>
+              </a:rPr>
+              <a:t>by Average Interest Rate</a:t>
+            </a:r>
+            <a:endParaRPr lang="en-US" sz="1200" dirty="0">
+              <a:latin typeface="Times New Roman" panose="02020603050405020304" pitchFamily="18" charset="0"/>
+              <a:cs typeface="Times New Roman" panose="02020603050405020304" pitchFamily="18" charset="0"/>
+            </a:endParaRPr>
+          </a:p>
+        </p:txBody>
+      </p:sp>
+      <p:sp>
+        <p:nvSpPr>
+          <p:cNvPr id="21" name="Rectangle 20"/>
+          <p:cNvSpPr/>
+          <p:nvPr/>
+        </p:nvSpPr>
+        <p:spPr>
+          <a:xfrm>
+            <a:off x="5212843" y="2055797"/>
+            <a:ext cx="2748468" cy="276999"/>
+          </a:xfrm>
+          <a:prstGeom prst="rect">
+            <a:avLst/>
+          </a:prstGeom>
+        </p:spPr>
+        <p:txBody>
+          <a:bodyPr wrap="square">
+            <a:spAutoFit/>
+          </a:bodyPr>
+          <a:lstStyle/>
+          <a:p>
+            <a:pPr algn="ctr"/>
+            <a:r>
+              <a:rPr lang="en-US" sz="1200" dirty="0" smtClean="0">
+                <a:latin typeface="Times New Roman" panose="02020603050405020304" pitchFamily="18" charset="0"/>
+                <a:cs typeface="Times New Roman" panose="02020603050405020304" pitchFamily="18" charset="0"/>
+              </a:rPr>
+              <a:t>by Annual Income</a:t>
+            </a:r>
+            <a:endParaRPr lang="en-US" sz="1200" dirty="0">
+              <a:latin typeface="Times New Roman" panose="02020603050405020304" pitchFamily="18" charset="0"/>
+              <a:cs typeface="Times New Roman" panose="02020603050405020304" pitchFamily="18" charset="0"/>
+            </a:endParaRPr>
+          </a:p>
+        </p:txBody>
+      </p:sp>
+      <p:sp>
+        <p:nvSpPr>
+          <p:cNvPr id="22" name="Rectangle 21"/>
+          <p:cNvSpPr/>
+          <p:nvPr/>
+        </p:nvSpPr>
+        <p:spPr>
+          <a:xfrm>
+            <a:off x="8447246" y="2055796"/>
+            <a:ext cx="2748468" cy="276999"/>
+          </a:xfrm>
+          <a:prstGeom prst="rect">
+            <a:avLst/>
+          </a:prstGeom>
+        </p:spPr>
+        <p:txBody>
+          <a:bodyPr wrap="square">
+            <a:spAutoFit/>
+          </a:bodyPr>
+          <a:lstStyle/>
+          <a:p>
+            <a:pPr algn="ctr"/>
+            <a:r>
+              <a:rPr lang="en-US" sz="1200" dirty="0" smtClean="0">
+                <a:latin typeface="Times New Roman" panose="02020603050405020304" pitchFamily="18" charset="0"/>
+                <a:cs typeface="Times New Roman" panose="02020603050405020304" pitchFamily="18" charset="0"/>
+              </a:rPr>
+              <a:t>by DTI</a:t>
+            </a:r>
+            <a:endParaRPr lang="en-US" sz="1200" dirty="0">
+              <a:latin typeface="Times New Roman" panose="02020603050405020304" pitchFamily="18" charset="0"/>
+              <a:cs typeface="Times New Roman" panose="02020603050405020304" pitchFamily="18" charset="0"/>
+            </a:endParaRPr>
           </a:p>
         </p:txBody>
       </p:sp>
@@ -15372,89 +15606,47 @@
         </p:nvSpPr>
         <p:spPr>
           <a:xfrm>
-            <a:off x="5481997" y="1871801"/>
-            <a:ext cx="5038017" cy="4893647"/>
+            <a:off x="5481997" y="2185080"/>
+            <a:ext cx="5397670" cy="3477875"/>
           </a:xfrm>
           <a:prstGeom prst="rect">
             <a:avLst/>
           </a:prstGeom>
         </p:spPr>
         <p:txBody>
-          <a:bodyPr>
+          <a:bodyPr wrap="square">
             <a:spAutoFit/>
           </a:bodyPr>
           <a:lstStyle/>
+          <a:p>
+            <a:r>
+              <a:rPr lang="en-US" sz="2000" b="1" dirty="0" smtClean="0">
+                <a:latin typeface="Times New Roman" panose="02020603050405020304" pitchFamily="18" charset="0"/>
+                <a:cs typeface="Times New Roman" panose="02020603050405020304" pitchFamily="18" charset="0"/>
+              </a:rPr>
+              <a:t>Mostly </a:t>
+            </a:r>
+            <a:r>
+              <a:rPr lang="en-US" sz="2000" b="1" dirty="0">
+                <a:latin typeface="Times New Roman" panose="02020603050405020304" pitchFamily="18" charset="0"/>
+                <a:cs typeface="Times New Roman" panose="02020603050405020304" pitchFamily="18" charset="0"/>
+              </a:rPr>
+              <a:t>done to identify distribution with easy. A couple of examples listed </a:t>
+            </a:r>
+            <a:r>
+              <a:rPr lang="en-US" sz="2000" b="1" dirty="0" smtClean="0">
+                <a:latin typeface="Times New Roman" panose="02020603050405020304" pitchFamily="18" charset="0"/>
+                <a:cs typeface="Times New Roman" panose="02020603050405020304" pitchFamily="18" charset="0"/>
+              </a:rPr>
+              <a:t>below –</a:t>
+            </a:r>
+          </a:p>
           <a:p>
             <a:pPr marL="285750" indent="-285750">
               <a:buFont typeface="Arial" panose="020B0604020202020204" pitchFamily="34" charset="0"/>
               <a:buChar char="•"/>
             </a:pPr>
-            <a:r>
-              <a:rPr lang="en-US" sz="2400" b="1" dirty="0" smtClean="0">
-                <a:latin typeface="Times New Roman" panose="02020603050405020304" pitchFamily="18" charset="0"/>
-                <a:cs typeface="Times New Roman" panose="02020603050405020304" pitchFamily="18" charset="0"/>
-              </a:rPr>
-              <a:t>Bad </a:t>
-            </a:r>
-            <a:r>
-              <a:rPr lang="en-US" sz="2400" b="1" dirty="0">
-                <a:latin typeface="Times New Roman" panose="02020603050405020304" pitchFamily="18" charset="0"/>
-                <a:cs typeface="Times New Roman" panose="02020603050405020304" pitchFamily="18" charset="0"/>
-              </a:rPr>
-              <a:t>Loans Count</a:t>
-            </a:r>
-            <a:r>
-              <a:rPr lang="en-US" sz="2400" dirty="0">
-                <a:latin typeface="Times New Roman" panose="02020603050405020304" pitchFamily="18" charset="0"/>
-                <a:cs typeface="Times New Roman" panose="02020603050405020304" pitchFamily="18" charset="0"/>
-              </a:rPr>
-              <a:t>: </a:t>
-            </a:r>
-            <a:r>
-              <a:rPr lang="en-US" sz="2400" dirty="0" smtClean="0">
-                <a:latin typeface="Times New Roman" panose="02020603050405020304" pitchFamily="18" charset="0"/>
-                <a:cs typeface="Times New Roman" panose="02020603050405020304" pitchFamily="18" charset="0"/>
-              </a:rPr>
-              <a:t>The category of applications seeking Loans as a purpose of small business tend </a:t>
-            </a:r>
-            <a:r>
-              <a:rPr lang="en-US" sz="2400" dirty="0">
-                <a:latin typeface="Times New Roman" panose="02020603050405020304" pitchFamily="18" charset="0"/>
-                <a:cs typeface="Times New Roman" panose="02020603050405020304" pitchFamily="18" charset="0"/>
-              </a:rPr>
-              <a:t>to have a higher risk of being a bad </a:t>
-            </a:r>
-            <a:r>
-              <a:rPr lang="en-US" sz="2400" dirty="0" smtClean="0">
-                <a:latin typeface="Times New Roman" panose="02020603050405020304" pitchFamily="18" charset="0"/>
-                <a:cs typeface="Times New Roman" panose="02020603050405020304" pitchFamily="18" charset="0"/>
-              </a:rPr>
-              <a:t>loan (% wise counts). However, severity would be less. </a:t>
-            </a:r>
-            <a:r>
-              <a:rPr lang="en-US" sz="2400" b="1" dirty="0" smtClean="0">
-                <a:latin typeface="Times New Roman" panose="02020603050405020304" pitchFamily="18" charset="0"/>
-                <a:cs typeface="Times New Roman" panose="02020603050405020304" pitchFamily="18" charset="0"/>
-              </a:rPr>
-              <a:t>Less </a:t>
-            </a:r>
-            <a:r>
-              <a:rPr lang="en-US" sz="2400" b="1" dirty="0">
-                <a:latin typeface="Times New Roman" panose="02020603050405020304" pitchFamily="18" charset="0"/>
-                <a:cs typeface="Times New Roman" panose="02020603050405020304" pitchFamily="18" charset="0"/>
-              </a:rPr>
-              <a:t>frequent purpose</a:t>
-            </a:r>
-            <a:r>
-              <a:rPr lang="en-US" sz="2400" dirty="0">
-                <a:latin typeface="Times New Roman" panose="02020603050405020304" pitchFamily="18" charset="0"/>
-                <a:cs typeface="Times New Roman" panose="02020603050405020304" pitchFamily="18" charset="0"/>
-              </a:rPr>
-              <a:t>: Clients applied less for small business purposes for all three income categories.</a:t>
-            </a:r>
-          </a:p>
-          <a:p>
-            <a:endParaRPr lang="en-US" sz="2400" dirty="0">
+            <a:endParaRPr lang="en-US" b="1" dirty="0" smtClean="0">
               <a:latin typeface="Times New Roman" panose="02020603050405020304" pitchFamily="18" charset="0"/>
               <a:cs typeface="Times New Roman" panose="02020603050405020304" pitchFamily="18" charset="0"/>
             </a:endParaRPr>
@@ -15465,34 +15657,67 @@
               <a:buChar char="•"/>
             </a:pPr>
             <a:r>
-              <a:rPr lang="en-US" sz="2400" b="1" dirty="0" smtClean="0">
-                <a:latin typeface="Times New Roman" panose="02020603050405020304" pitchFamily="18" charset="0"/>
-                <a:cs typeface="Times New Roman" panose="02020603050405020304" pitchFamily="18" charset="0"/>
-              </a:rPr>
-              <a:t>Most </a:t>
-            </a:r>
-            <a:r>
-              <a:rPr lang="en-US" sz="2400" b="1" dirty="0">
-                <a:latin typeface="Times New Roman" panose="02020603050405020304" pitchFamily="18" charset="0"/>
-                <a:cs typeface="Times New Roman" panose="02020603050405020304" pitchFamily="18" charset="0"/>
-              </a:rPr>
-              <a:t>frequent Purpose</a:t>
-            </a:r>
-            <a:r>
-              <a:rPr lang="en-US" sz="2400" dirty="0">
-                <a:latin typeface="Times New Roman" panose="02020603050405020304" pitchFamily="18" charset="0"/>
-                <a:cs typeface="Times New Roman" panose="02020603050405020304" pitchFamily="18" charset="0"/>
-              </a:rPr>
-              <a:t>: The reason that clients applied the most for a loan was </a:t>
-            </a:r>
-            <a:r>
-              <a:rPr lang="en-US" sz="2400" dirty="0" smtClean="0">
-                <a:latin typeface="Times New Roman" panose="02020603050405020304" pitchFamily="18" charset="0"/>
-                <a:cs typeface="Times New Roman" panose="02020603050405020304" pitchFamily="18" charset="0"/>
-              </a:rPr>
-              <a:t>debt consolidated.</a:t>
-            </a:r>
-            <a:endParaRPr lang="en-US" sz="2400" dirty="0">
+              <a:rPr lang="en-US" b="1" dirty="0" smtClean="0">
+                <a:latin typeface="Times New Roman" panose="02020603050405020304" pitchFamily="18" charset="0"/>
+                <a:cs typeface="Times New Roman" panose="02020603050405020304" pitchFamily="18" charset="0"/>
+              </a:rPr>
+              <a:t>Capturing the High Risk Loans</a:t>
+            </a:r>
+            <a:r>
+              <a:rPr lang="en-US" dirty="0" smtClean="0">
+                <a:latin typeface="Times New Roman" panose="02020603050405020304" pitchFamily="18" charset="0"/>
+                <a:cs typeface="Times New Roman" panose="02020603050405020304" pitchFamily="18" charset="0"/>
+              </a:rPr>
+              <a:t>– The category of applicants seeking Loans as a purpose of small business tends to </a:t>
+            </a:r>
+            <a:r>
+              <a:rPr lang="en-US" dirty="0">
+                <a:latin typeface="Times New Roman" panose="02020603050405020304" pitchFamily="18" charset="0"/>
+                <a:cs typeface="Times New Roman" panose="02020603050405020304" pitchFamily="18" charset="0"/>
+              </a:rPr>
+              <a:t>have a higher risk of being a </a:t>
+            </a:r>
+            <a:r>
+              <a:rPr lang="en-US" dirty="0" smtClean="0">
+                <a:latin typeface="Times New Roman" panose="02020603050405020304" pitchFamily="18" charset="0"/>
+                <a:cs typeface="Times New Roman" panose="02020603050405020304" pitchFamily="18" charset="0"/>
+              </a:rPr>
+              <a:t>default loan. However, the severity would be less as it has a relatively l</a:t>
+            </a:r>
+            <a:r>
+              <a:rPr lang="en-US" b="1" dirty="0" smtClean="0">
+                <a:latin typeface="Times New Roman" panose="02020603050405020304" pitchFamily="18" charset="0"/>
+                <a:cs typeface="Times New Roman" panose="02020603050405020304" pitchFamily="18" charset="0"/>
+              </a:rPr>
+              <a:t>ow frequency.</a:t>
+            </a:r>
+          </a:p>
+          <a:p>
+            <a:endParaRPr lang="en-US" dirty="0">
+              <a:latin typeface="Times New Roman" panose="02020603050405020304" pitchFamily="18" charset="0"/>
+              <a:cs typeface="Times New Roman" panose="02020603050405020304" pitchFamily="18" charset="0"/>
+            </a:endParaRPr>
+          </a:p>
+          <a:p>
+            <a:pPr marL="285750" indent="-285750">
+              <a:buFont typeface="Arial" panose="020B0604020202020204" pitchFamily="34" charset="0"/>
+              <a:buChar char="•"/>
+            </a:pPr>
+            <a:r>
+              <a:rPr lang="en-US" b="1" dirty="0" smtClean="0">
+                <a:latin typeface="Times New Roman" panose="02020603050405020304" pitchFamily="18" charset="0"/>
+                <a:cs typeface="Times New Roman" panose="02020603050405020304" pitchFamily="18" charset="0"/>
+              </a:rPr>
+              <a:t>Capturing Frequent Purpose Categories </a:t>
+            </a:r>
+            <a:r>
+              <a:rPr lang="en-US" dirty="0" smtClean="0">
+                <a:latin typeface="Times New Roman" panose="02020603050405020304" pitchFamily="18" charset="0"/>
+                <a:cs typeface="Times New Roman" panose="02020603050405020304" pitchFamily="18" charset="0"/>
+              </a:rPr>
+              <a:t>– It was observed that the purpose contributed by debt consolidated had the highest count.</a:t>
+            </a:r>
+            <a:endParaRPr lang="en-US" dirty="0">
               <a:latin typeface="Times New Roman" panose="02020603050405020304" pitchFamily="18" charset="0"/>
               <a:cs typeface="Times New Roman" panose="02020603050405020304" pitchFamily="18" charset="0"/>
             </a:endParaRPr>
@@ -16174,7 +16399,7 @@
         <p:spPr>
           <a:xfrm>
             <a:off x="4064001" y="1955800"/>
-            <a:ext cx="7247466" cy="646331"/>
+            <a:ext cx="7247466" cy="2308324"/>
           </a:xfrm>
           <a:prstGeom prst="rect">
             <a:avLst/>
@@ -16192,12 +16417,125 @@
               <a:buChar char="•"/>
             </a:pPr>
             <a:r>
-              <a:rPr lang="en-US" i="1" dirty="0" smtClean="0">
-                <a:latin typeface="Times New Roman" panose="02020603050405020304" pitchFamily="18" charset="0"/>
-                <a:cs typeface="Times New Roman" panose="02020603050405020304" pitchFamily="18" charset="0"/>
-              </a:rPr>
-              <a:t>Loan Term with longer duration tends to capture the majority of Charged  Off cases. It may be because the higher interest rates can</a:t>
-            </a:r>
+              <a:rPr lang="en-US" dirty="0" smtClean="0">
+                <a:latin typeface="Times New Roman" panose="02020603050405020304" pitchFamily="18" charset="0"/>
+                <a:cs typeface="Times New Roman" panose="02020603050405020304" pitchFamily="18" charset="0"/>
+              </a:rPr>
+              <a:t>Loan Term with longer duration tends to capture the majority of Charged  Off cases. It may be because the higher </a:t>
+            </a:r>
+            <a:r>
+              <a:rPr lang="en-US" b="1" dirty="0" smtClean="0">
+                <a:latin typeface="Times New Roman" panose="02020603050405020304" pitchFamily="18" charset="0"/>
+                <a:cs typeface="Times New Roman" panose="02020603050405020304" pitchFamily="18" charset="0"/>
+              </a:rPr>
+              <a:t>interest rates </a:t>
+            </a:r>
+            <a:r>
+              <a:rPr lang="en-US" dirty="0" smtClean="0">
+                <a:latin typeface="Times New Roman" panose="02020603050405020304" pitchFamily="18" charset="0"/>
+                <a:cs typeface="Times New Roman" panose="02020603050405020304" pitchFamily="18" charset="0"/>
+              </a:rPr>
+              <a:t>which can be </a:t>
+            </a:r>
+            <a:r>
+              <a:rPr lang="en-US" b="1" dirty="0" smtClean="0">
+                <a:latin typeface="Times New Roman" panose="02020603050405020304" pitchFamily="18" charset="0"/>
+                <a:cs typeface="Times New Roman" panose="02020603050405020304" pitchFamily="18" charset="0"/>
+              </a:rPr>
+              <a:t>optimized</a:t>
+            </a:r>
+            <a:r>
+              <a:rPr lang="en-US" dirty="0" smtClean="0">
+                <a:latin typeface="Times New Roman" panose="02020603050405020304" pitchFamily="18" charset="0"/>
+                <a:cs typeface="Times New Roman" panose="02020603050405020304" pitchFamily="18" charset="0"/>
+              </a:rPr>
+              <a:t>.</a:t>
+            </a:r>
+          </a:p>
+          <a:p>
+            <a:pPr marL="285750" indent="-285750">
+              <a:buFont typeface="Arial" panose="020B0604020202020204" pitchFamily="34" charset="0"/>
+              <a:buChar char="•"/>
+            </a:pPr>
+            <a:r>
+              <a:rPr lang="en-US" b="1" dirty="0" smtClean="0">
+                <a:latin typeface="Times New Roman" panose="02020603050405020304" pitchFamily="18" charset="0"/>
+                <a:cs typeface="Times New Roman" panose="02020603050405020304" pitchFamily="18" charset="0"/>
+              </a:rPr>
+              <a:t>Loan Applicants’ Verification System </a:t>
+            </a:r>
+            <a:r>
+              <a:rPr lang="en-US" dirty="0" smtClean="0">
+                <a:latin typeface="Times New Roman" panose="02020603050405020304" pitchFamily="18" charset="0"/>
+                <a:cs typeface="Times New Roman" panose="02020603050405020304" pitchFamily="18" charset="0"/>
+              </a:rPr>
+              <a:t>doesn’t have a good impact on the Loan Status. It needs to be </a:t>
+            </a:r>
+            <a:r>
+              <a:rPr lang="en-US" b="1" dirty="0" smtClean="0">
+                <a:latin typeface="Times New Roman" panose="02020603050405020304" pitchFamily="18" charset="0"/>
+                <a:cs typeface="Times New Roman" panose="02020603050405020304" pitchFamily="18" charset="0"/>
+              </a:rPr>
+              <a:t>revamped</a:t>
+            </a:r>
+            <a:r>
+              <a:rPr lang="en-US" dirty="0" smtClean="0">
+                <a:latin typeface="Times New Roman" panose="02020603050405020304" pitchFamily="18" charset="0"/>
+                <a:cs typeface="Times New Roman" panose="02020603050405020304" pitchFamily="18" charset="0"/>
+              </a:rPr>
+              <a:t>.</a:t>
+            </a:r>
+          </a:p>
+          <a:p>
+            <a:pPr marL="285750" indent="-285750">
+              <a:buFont typeface="Arial" panose="020B0604020202020204" pitchFamily="34" charset="0"/>
+              <a:buChar char="•"/>
+            </a:pPr>
+            <a:r>
+              <a:rPr lang="en-US" dirty="0" smtClean="0">
+                <a:latin typeface="Times New Roman" panose="02020603050405020304" pitchFamily="18" charset="0"/>
+                <a:cs typeface="Times New Roman" panose="02020603050405020304" pitchFamily="18" charset="0"/>
+              </a:rPr>
+              <a:t>Borrowers with </a:t>
+            </a:r>
+            <a:r>
+              <a:rPr lang="en-US" b="1" dirty="0" smtClean="0">
+                <a:latin typeface="Times New Roman" panose="02020603050405020304" pitchFamily="18" charset="0"/>
+                <a:cs typeface="Times New Roman" panose="02020603050405020304" pitchFamily="18" charset="0"/>
+              </a:rPr>
+              <a:t>higher DTI tends to default more</a:t>
+            </a:r>
+            <a:r>
+              <a:rPr lang="en-US" dirty="0" smtClean="0">
+                <a:latin typeface="Times New Roman" panose="02020603050405020304" pitchFamily="18" charset="0"/>
+                <a:cs typeface="Times New Roman" panose="02020603050405020304" pitchFamily="18" charset="0"/>
+              </a:rPr>
+              <a:t>. It needs to be screened in a </a:t>
+            </a:r>
+            <a:r>
+              <a:rPr lang="en-US" b="1" dirty="0" smtClean="0">
+                <a:latin typeface="Times New Roman" panose="02020603050405020304" pitchFamily="18" charset="0"/>
+                <a:cs typeface="Times New Roman" panose="02020603050405020304" pitchFamily="18" charset="0"/>
+              </a:rPr>
+              <a:t>more robust way</a:t>
+            </a:r>
+            <a:r>
+              <a:rPr lang="en-US" dirty="0" smtClean="0">
+                <a:latin typeface="Times New Roman" panose="02020603050405020304" pitchFamily="18" charset="0"/>
+                <a:cs typeface="Times New Roman" panose="02020603050405020304" pitchFamily="18" charset="0"/>
+              </a:rPr>
+              <a:t> while processing the loan approval.</a:t>
+            </a:r>
+          </a:p>
+          <a:p>
+            <a:pPr marL="285750" indent="-285750">
+              <a:buFont typeface="Arial" panose="020B0604020202020204" pitchFamily="34" charset="0"/>
+              <a:buChar char="•"/>
+            </a:pPr>
+            <a:endParaRPr lang="en-US" dirty="0" smtClean="0">
+              <a:latin typeface="Times New Roman" panose="02020603050405020304" pitchFamily="18" charset="0"/>
+              <a:cs typeface="Times New Roman" panose="02020603050405020304" pitchFamily="18" charset="0"/>
+            </a:endParaRPr>
           </a:p>
         </p:txBody>
       </p:sp>

--- a/Gramener_Case_Study_Presentation_SS.pptx
+++ b/Gramener_Case_Study_Presentation_SS.pptx
@@ -15058,7 +15058,7 @@
         <p:spPr>
           <a:xfrm>
             <a:off x="1337848" y="4974934"/>
-            <a:ext cx="10095875" cy="1815882"/>
+            <a:ext cx="10095875" cy="1323439"/>
           </a:xfrm>
           <a:prstGeom prst="rect">
             <a:avLst/>
@@ -15135,22 +15135,6 @@
               </a:rPr>
               <a:t>DTI is inversely proportional to Annual income because dti=(monthly expenses including loan / monthly income) </a:t>
             </a:r>
-          </a:p>
-          <a:p>
-            <a:pPr marL="285750" indent="-285750">
-              <a:buFont typeface="Arial" panose="020B0604020202020204" pitchFamily="34" charset="0"/>
-              <a:buChar char="•"/>
-            </a:pPr>
-            <a:endParaRPr lang="en-US" sz="1600" dirty="0">
-              <a:latin typeface="Times New Roman" panose="02020603050405020304" pitchFamily="18" charset="0"/>
-              <a:cs typeface="Times New Roman" panose="02020603050405020304" pitchFamily="18" charset="0"/>
-            </a:endParaRPr>
-          </a:p>
-          <a:p>
-            <a:endParaRPr lang="en-US" sz="1600" dirty="0">
-              <a:latin typeface="Times New Roman" panose="02020603050405020304" pitchFamily="18" charset="0"/>
-              <a:cs typeface="Times New Roman" panose="02020603050405020304" pitchFamily="18" charset="0"/>
-            </a:endParaRPr>
           </a:p>
           <a:p>
             <a:pPr marL="285750" indent="-285750">
@@ -16304,7 +16288,7 @@
             </a:br>
             <a:r>
               <a:rPr lang="en-IN" sz="3100" i="1" dirty="0" smtClean="0"/>
-              <a:t>Recommendations</a:t>
+              <a:t>Recommendations for the Consumer Finance Company</a:t>
             </a:r>
             <a:endParaRPr lang="en-IN" sz="3600" i="1" dirty="0"/>
           </a:p>
@@ -16398,8 +16382,8 @@
         </p:nvSpPr>
         <p:spPr>
           <a:xfrm>
-            <a:off x="4064001" y="1955800"/>
-            <a:ext cx="7247466" cy="2308324"/>
+            <a:off x="4393432" y="1955800"/>
+            <a:ext cx="6588605" cy="3693319"/>
           </a:xfrm>
           <a:prstGeom prst="rect">
             <a:avLst/>
@@ -16532,10 +16516,61 @@
               <a:buFont typeface="Arial" panose="020B0604020202020204" pitchFamily="34" charset="0"/>
               <a:buChar char="•"/>
             </a:pPr>
-            <a:endParaRPr lang="en-US" dirty="0" smtClean="0">
-              <a:latin typeface="Times New Roman" panose="02020603050405020304" pitchFamily="18" charset="0"/>
-              <a:cs typeface="Times New Roman" panose="02020603050405020304" pitchFamily="18" charset="0"/>
-            </a:endParaRPr>
+            <a:r>
+              <a:rPr lang="en-US" dirty="0" smtClean="0">
+                <a:latin typeface="Times New Roman" panose="02020603050405020304" pitchFamily="18" charset="0"/>
+                <a:cs typeface="Times New Roman" panose="02020603050405020304" pitchFamily="18" charset="0"/>
+              </a:rPr>
+              <a:t>While screening the Borrower’s application, the </a:t>
+            </a:r>
+            <a:r>
+              <a:rPr lang="en-US" b="1" dirty="0">
+                <a:latin typeface="Times New Roman" panose="02020603050405020304" pitchFamily="18" charset="0"/>
+                <a:cs typeface="Times New Roman" panose="02020603050405020304" pitchFamily="18" charset="0"/>
+              </a:rPr>
+              <a:t>Revolve line utilization rate</a:t>
+            </a:r>
+            <a:r>
+              <a:rPr lang="en-US" dirty="0">
+                <a:latin typeface="Times New Roman" panose="02020603050405020304" pitchFamily="18" charset="0"/>
+                <a:cs typeface="Times New Roman" panose="02020603050405020304" pitchFamily="18" charset="0"/>
+              </a:rPr>
+              <a:t> </a:t>
+            </a:r>
+            <a:r>
+              <a:rPr lang="en-US" dirty="0" smtClean="0">
+                <a:latin typeface="Times New Roman" panose="02020603050405020304" pitchFamily="18" charset="0"/>
+                <a:cs typeface="Times New Roman" panose="02020603050405020304" pitchFamily="18" charset="0"/>
+              </a:rPr>
+              <a:t>should be at </a:t>
+            </a:r>
+            <a:r>
+              <a:rPr lang="en-US" dirty="0">
+                <a:latin typeface="Times New Roman" panose="02020603050405020304" pitchFamily="18" charset="0"/>
+                <a:cs typeface="Times New Roman" panose="02020603050405020304" pitchFamily="18" charset="0"/>
+              </a:rPr>
+              <a:t>the lower </a:t>
+            </a:r>
+            <a:r>
+              <a:rPr lang="en-US" dirty="0" smtClean="0">
+                <a:latin typeface="Times New Roman" panose="02020603050405020304" pitchFamily="18" charset="0"/>
+                <a:cs typeface="Times New Roman" panose="02020603050405020304" pitchFamily="18" charset="0"/>
+              </a:rPr>
+              <a:t>side to minimize the impact of default.</a:t>
+            </a:r>
+          </a:p>
+          <a:p>
+            <a:pPr marL="285750" indent="-285750">
+              <a:buFont typeface="Arial" panose="020B0604020202020204" pitchFamily="34" charset="0"/>
+              <a:buChar char="•"/>
+            </a:pPr>
+            <a:r>
+              <a:rPr lang="en-US" dirty="0" smtClean="0">
+                <a:latin typeface="Times New Roman" panose="02020603050405020304" pitchFamily="18" charset="0"/>
+                <a:cs typeface="Times New Roman" panose="02020603050405020304" pitchFamily="18" charset="0"/>
+              </a:rPr>
+              <a:t>Insights from the Derived metrics can be utilized to address the maximum impact and minimize the proportion of default.</a:t>
+            </a:r>
           </a:p>
         </p:txBody>
       </p:sp>

--- a/Gramener_Case_Study_Presentation_SS.pptx
+++ b/Gramener_Case_Study_Presentation_SS.pptx
@@ -16358,7 +16358,7 @@
         </p:blipFill>
         <p:spPr bwMode="auto">
           <a:xfrm>
-            <a:off x="1328480" y="1877187"/>
+            <a:off x="1455479" y="1740166"/>
             <a:ext cx="2626240" cy="4226189"/>
           </a:xfrm>
           <a:prstGeom prst="rect">
@@ -16382,8 +16382,8 @@
         </p:nvSpPr>
         <p:spPr>
           <a:xfrm>
-            <a:off x="4393432" y="1955800"/>
-            <a:ext cx="6588605" cy="3693319"/>
+            <a:off x="3564489" y="1904998"/>
+            <a:ext cx="8177951" cy="4647426"/>
           </a:xfrm>
           <a:prstGeom prst="rect">
             <a:avLst/>
@@ -16405,35 +16405,171 @@
                 <a:latin typeface="Times New Roman" panose="02020603050405020304" pitchFamily="18" charset="0"/>
                 <a:cs typeface="Times New Roman" panose="02020603050405020304" pitchFamily="18" charset="0"/>
               </a:rPr>
-              <a:t>Loan Term with longer duration tends to capture the majority of Charged  Off cases. It may be because the higher </a:t>
-            </a:r>
-            <a:r>
-              <a:rPr lang="en-US" b="1" dirty="0" smtClean="0">
+              <a:t>Summarizing the analysis done on 6 Hypotheses , below are the key highlights –</a:t>
+            </a:r>
+          </a:p>
+          <a:p>
+            <a:pPr marL="1200150" lvl="2" indent="-285750">
+              <a:buFont typeface="Arial" panose="020B0604020202020204" pitchFamily="34" charset="0"/>
+              <a:buChar char="•"/>
+            </a:pPr>
+            <a:r>
+              <a:rPr lang="en-US" sz="1600" dirty="0" smtClean="0">
+                <a:latin typeface="Times New Roman" panose="02020603050405020304" pitchFamily="18" charset="0"/>
+                <a:cs typeface="Times New Roman" panose="02020603050405020304" pitchFamily="18" charset="0"/>
+              </a:rPr>
+              <a:t>Loan Term with longer duration tends to capture the majority of Charged  Off cases.  Hence, to address the cause for </a:t>
+            </a:r>
+            <a:r>
+              <a:rPr lang="en-US" sz="1600" b="1" dirty="0" smtClean="0">
+                <a:latin typeface="Times New Roman" panose="02020603050405020304" pitchFamily="18" charset="0"/>
+                <a:cs typeface="Times New Roman" panose="02020603050405020304" pitchFamily="18" charset="0"/>
+              </a:rPr>
+              <a:t>higher</a:t>
+            </a:r>
+            <a:r>
+              <a:rPr lang="en-US" sz="1600" dirty="0" smtClean="0">
+                <a:latin typeface="Times New Roman" panose="02020603050405020304" pitchFamily="18" charset="0"/>
+                <a:cs typeface="Times New Roman" panose="02020603050405020304" pitchFamily="18" charset="0"/>
+              </a:rPr>
+              <a:t> </a:t>
+            </a:r>
+            <a:r>
+              <a:rPr lang="en-US" sz="1600" b="1" dirty="0" smtClean="0">
                 <a:latin typeface="Times New Roman" panose="02020603050405020304" pitchFamily="18" charset="0"/>
                 <a:cs typeface="Times New Roman" panose="02020603050405020304" pitchFamily="18" charset="0"/>
               </a:rPr>
               <a:t>interest rates </a:t>
             </a:r>
             <a:r>
-              <a:rPr lang="en-US" dirty="0" smtClean="0">
-                <a:latin typeface="Times New Roman" panose="02020603050405020304" pitchFamily="18" charset="0"/>
-                <a:cs typeface="Times New Roman" panose="02020603050405020304" pitchFamily="18" charset="0"/>
-              </a:rPr>
-              <a:t>which can be </a:t>
-            </a:r>
-            <a:r>
-              <a:rPr lang="en-US" b="1" dirty="0" smtClean="0">
-                <a:latin typeface="Times New Roman" panose="02020603050405020304" pitchFamily="18" charset="0"/>
-                <a:cs typeface="Times New Roman" panose="02020603050405020304" pitchFamily="18" charset="0"/>
-              </a:rPr>
-              <a:t>optimized</a:t>
-            </a:r>
-            <a:r>
-              <a:rPr lang="en-US" dirty="0" smtClean="0">
+              <a:rPr lang="en-US" sz="1600" dirty="0" smtClean="0">
+                <a:latin typeface="Times New Roman" panose="02020603050405020304" pitchFamily="18" charset="0"/>
+                <a:cs typeface="Times New Roman" panose="02020603050405020304" pitchFamily="18" charset="0"/>
+              </a:rPr>
+              <a:t>the company can look for an optimization.</a:t>
+            </a:r>
+          </a:p>
+          <a:p>
+            <a:pPr marL="1200150" lvl="2" indent="-285750">
+              <a:buFont typeface="Arial" panose="020B0604020202020204" pitchFamily="34" charset="0"/>
+              <a:buChar char="•"/>
+            </a:pPr>
+            <a:r>
+              <a:rPr lang="en-US" sz="1600" b="1" dirty="0" smtClean="0">
+                <a:latin typeface="Times New Roman" panose="02020603050405020304" pitchFamily="18" charset="0"/>
+                <a:cs typeface="Times New Roman" panose="02020603050405020304" pitchFamily="18" charset="0"/>
+              </a:rPr>
+              <a:t>Loan Applicants’ Verification System </a:t>
+            </a:r>
+            <a:r>
+              <a:rPr lang="en-US" sz="1600" dirty="0" smtClean="0">
+                <a:latin typeface="Times New Roman" panose="02020603050405020304" pitchFamily="18" charset="0"/>
+                <a:cs typeface="Times New Roman" panose="02020603050405020304" pitchFamily="18" charset="0"/>
+              </a:rPr>
+              <a:t>doesn’t have a good impact on the Loan Status. It needs to be </a:t>
+            </a:r>
+            <a:r>
+              <a:rPr lang="en-US" sz="1600" b="1" dirty="0" smtClean="0">
+                <a:latin typeface="Times New Roman" panose="02020603050405020304" pitchFamily="18" charset="0"/>
+                <a:cs typeface="Times New Roman" panose="02020603050405020304" pitchFamily="18" charset="0"/>
+              </a:rPr>
+              <a:t>revamped</a:t>
+            </a:r>
+            <a:r>
+              <a:rPr lang="en-US" sz="1600" dirty="0" smtClean="0">
                 <a:latin typeface="Times New Roman" panose="02020603050405020304" pitchFamily="18" charset="0"/>
                 <a:cs typeface="Times New Roman" panose="02020603050405020304" pitchFamily="18" charset="0"/>
               </a:rPr>
               <a:t>.</a:t>
+            </a:r>
+          </a:p>
+          <a:p>
+            <a:pPr marL="1200150" lvl="2" indent="-285750">
+              <a:buFont typeface="Arial" panose="020B0604020202020204" pitchFamily="34" charset="0"/>
+              <a:buChar char="•"/>
+            </a:pPr>
+            <a:r>
+              <a:rPr lang="en-US" sz="1600" dirty="0" smtClean="0">
+                <a:latin typeface="Times New Roman" panose="02020603050405020304" pitchFamily="18" charset="0"/>
+                <a:cs typeface="Times New Roman" panose="02020603050405020304" pitchFamily="18" charset="0"/>
+              </a:rPr>
+              <a:t>Borrowers with </a:t>
+            </a:r>
+            <a:r>
+              <a:rPr lang="en-US" sz="1600" b="1" dirty="0" smtClean="0">
+                <a:latin typeface="Times New Roman" panose="02020603050405020304" pitchFamily="18" charset="0"/>
+                <a:cs typeface="Times New Roman" panose="02020603050405020304" pitchFamily="18" charset="0"/>
+              </a:rPr>
+              <a:t>higher DTI tends to default more</a:t>
+            </a:r>
+            <a:r>
+              <a:rPr lang="en-US" sz="1600" dirty="0" smtClean="0">
+                <a:latin typeface="Times New Roman" panose="02020603050405020304" pitchFamily="18" charset="0"/>
+                <a:cs typeface="Times New Roman" panose="02020603050405020304" pitchFamily="18" charset="0"/>
+              </a:rPr>
+              <a:t>. It needs to be screened in a </a:t>
+            </a:r>
+            <a:r>
+              <a:rPr lang="en-US" sz="1600" b="1" dirty="0" smtClean="0">
+                <a:latin typeface="Times New Roman" panose="02020603050405020304" pitchFamily="18" charset="0"/>
+                <a:cs typeface="Times New Roman" panose="02020603050405020304" pitchFamily="18" charset="0"/>
+              </a:rPr>
+              <a:t>more robust way</a:t>
+            </a:r>
+            <a:r>
+              <a:rPr lang="en-US" sz="1600" dirty="0" smtClean="0">
+                <a:latin typeface="Times New Roman" panose="02020603050405020304" pitchFamily="18" charset="0"/>
+                <a:cs typeface="Times New Roman" panose="02020603050405020304" pitchFamily="18" charset="0"/>
+              </a:rPr>
+              <a:t> while processing the loan approval.</a:t>
+            </a:r>
+          </a:p>
+          <a:p>
+            <a:pPr marL="1200150" lvl="2" indent="-285750">
+              <a:buFont typeface="Arial" panose="020B0604020202020204" pitchFamily="34" charset="0"/>
+              <a:buChar char="•"/>
+            </a:pPr>
+            <a:r>
+              <a:rPr lang="en-US" sz="1600" dirty="0" smtClean="0">
+                <a:latin typeface="Times New Roman" panose="02020603050405020304" pitchFamily="18" charset="0"/>
+                <a:cs typeface="Times New Roman" panose="02020603050405020304" pitchFamily="18" charset="0"/>
+              </a:rPr>
+              <a:t>While screening the Borrower’s application, the </a:t>
+            </a:r>
+            <a:r>
+              <a:rPr lang="en-US" sz="1600" b="1" dirty="0">
+                <a:latin typeface="Times New Roman" panose="02020603050405020304" pitchFamily="18" charset="0"/>
+                <a:cs typeface="Times New Roman" panose="02020603050405020304" pitchFamily="18" charset="0"/>
+              </a:rPr>
+              <a:t>Revolve line utilization rate</a:t>
+            </a:r>
+            <a:r>
+              <a:rPr lang="en-US" sz="1600" dirty="0">
+                <a:latin typeface="Times New Roman" panose="02020603050405020304" pitchFamily="18" charset="0"/>
+                <a:cs typeface="Times New Roman" panose="02020603050405020304" pitchFamily="18" charset="0"/>
+              </a:rPr>
+              <a:t> </a:t>
+            </a:r>
+            <a:r>
+              <a:rPr lang="en-US" sz="1600" dirty="0" smtClean="0">
+                <a:latin typeface="Times New Roman" panose="02020603050405020304" pitchFamily="18" charset="0"/>
+                <a:cs typeface="Times New Roman" panose="02020603050405020304" pitchFamily="18" charset="0"/>
+              </a:rPr>
+              <a:t>should be considered at </a:t>
+            </a:r>
+            <a:r>
+              <a:rPr lang="en-US" sz="1600" dirty="0">
+                <a:latin typeface="Times New Roman" panose="02020603050405020304" pitchFamily="18" charset="0"/>
+                <a:cs typeface="Times New Roman" panose="02020603050405020304" pitchFamily="18" charset="0"/>
+              </a:rPr>
+              <a:t>the lower </a:t>
+            </a:r>
+            <a:r>
+              <a:rPr lang="en-US" sz="1600" dirty="0" smtClean="0">
+                <a:latin typeface="Times New Roman" panose="02020603050405020304" pitchFamily="18" charset="0"/>
+                <a:cs typeface="Times New Roman" panose="02020603050405020304" pitchFamily="18" charset="0"/>
+              </a:rPr>
+              <a:t>side to minimize the impact of default.</a:t>
             </a:r>
           </a:p>
           <a:p>
@@ -16442,135 +16578,115 @@
               <a:buChar char="•"/>
             </a:pPr>
             <a:r>
-              <a:rPr lang="en-US" b="1" dirty="0" smtClean="0">
-                <a:latin typeface="Times New Roman" panose="02020603050405020304" pitchFamily="18" charset="0"/>
-                <a:cs typeface="Times New Roman" panose="02020603050405020304" pitchFamily="18" charset="0"/>
-              </a:rPr>
-              <a:t>Loan Applicants’ Verification System </a:t>
-            </a:r>
-            <a:r>
               <a:rPr lang="en-US" dirty="0" smtClean="0">
                 <a:latin typeface="Times New Roman" panose="02020603050405020304" pitchFamily="18" charset="0"/>
                 <a:cs typeface="Times New Roman" panose="02020603050405020304" pitchFamily="18" charset="0"/>
               </a:rPr>
-              <a:t>doesn’t have a good impact on the Loan Status. It needs to be </a:t>
-            </a:r>
-            <a:r>
-              <a:rPr lang="en-US" b="1" dirty="0" smtClean="0">
-                <a:latin typeface="Times New Roman" panose="02020603050405020304" pitchFamily="18" charset="0"/>
-                <a:cs typeface="Times New Roman" panose="02020603050405020304" pitchFamily="18" charset="0"/>
-              </a:rPr>
-              <a:t>revamped</a:t>
-            </a:r>
-            <a:r>
-              <a:rPr lang="en-US" dirty="0" smtClean="0">
-                <a:latin typeface="Times New Roman" panose="02020603050405020304" pitchFamily="18" charset="0"/>
-                <a:cs typeface="Times New Roman" panose="02020603050405020304" pitchFamily="18" charset="0"/>
-              </a:rPr>
-              <a:t>.</a:t>
-            </a:r>
-          </a:p>
-          <a:p>
-            <a:pPr marL="285750" indent="-285750">
+              <a:t>Few Insights from the Derived metrics can be utilized to address the maximum impact and minimize the proportion of default –</a:t>
+            </a:r>
+          </a:p>
+          <a:p>
+            <a:pPr marL="1200150" lvl="2" indent="-285750">
               <a:buFont typeface="Arial" panose="020B0604020202020204" pitchFamily="34" charset="0"/>
               <a:buChar char="•"/>
             </a:pPr>
             <a:r>
-              <a:rPr lang="en-US" dirty="0" smtClean="0">
-                <a:latin typeface="Times New Roman" panose="02020603050405020304" pitchFamily="18" charset="0"/>
-                <a:cs typeface="Times New Roman" panose="02020603050405020304" pitchFamily="18" charset="0"/>
-              </a:rPr>
-              <a:t>Borrowers with </a:t>
-            </a:r>
-            <a:r>
-              <a:rPr lang="en-US" b="1" dirty="0" smtClean="0">
-                <a:latin typeface="Times New Roman" panose="02020603050405020304" pitchFamily="18" charset="0"/>
-                <a:cs typeface="Times New Roman" panose="02020603050405020304" pitchFamily="18" charset="0"/>
-              </a:rPr>
-              <a:t>higher DTI tends to default more</a:t>
-            </a:r>
-            <a:r>
-              <a:rPr lang="en-US" dirty="0" smtClean="0">
-                <a:latin typeface="Times New Roman" panose="02020603050405020304" pitchFamily="18" charset="0"/>
-                <a:cs typeface="Times New Roman" panose="02020603050405020304" pitchFamily="18" charset="0"/>
-              </a:rPr>
-              <a:t>. It needs to be screened in a </a:t>
-            </a:r>
-            <a:r>
-              <a:rPr lang="en-US" b="1" dirty="0" smtClean="0">
-                <a:latin typeface="Times New Roman" panose="02020603050405020304" pitchFamily="18" charset="0"/>
-                <a:cs typeface="Times New Roman" panose="02020603050405020304" pitchFamily="18" charset="0"/>
-              </a:rPr>
-              <a:t>more robust way</a:t>
-            </a:r>
-            <a:r>
-              <a:rPr lang="en-US" dirty="0" smtClean="0">
-                <a:latin typeface="Times New Roman" panose="02020603050405020304" pitchFamily="18" charset="0"/>
-                <a:cs typeface="Times New Roman" panose="02020603050405020304" pitchFamily="18" charset="0"/>
-              </a:rPr>
-              <a:t> while processing the loan approval.</a:t>
-            </a:r>
-          </a:p>
-          <a:p>
-            <a:pPr marL="285750" indent="-285750">
+              <a:rPr lang="en-US" sz="1600" dirty="0" smtClean="0">
+                <a:latin typeface="Times New Roman" panose="02020603050405020304" pitchFamily="18" charset="0"/>
+                <a:cs typeface="Times New Roman" panose="02020603050405020304" pitchFamily="18" charset="0"/>
+              </a:rPr>
+              <a:t>Grades such as </a:t>
+            </a:r>
+            <a:r>
+              <a:rPr lang="en-US" sz="1600" b="1" dirty="0" smtClean="0">
+                <a:latin typeface="Times New Roman" panose="02020603050405020304" pitchFamily="18" charset="0"/>
+                <a:cs typeface="Times New Roman" panose="02020603050405020304" pitchFamily="18" charset="0"/>
+              </a:rPr>
+              <a:t>G,F </a:t>
+            </a:r>
+            <a:r>
+              <a:rPr lang="en-US" sz="1600" dirty="0">
+                <a:latin typeface="Times New Roman" panose="02020603050405020304" pitchFamily="18" charset="0"/>
+                <a:cs typeface="Times New Roman" panose="02020603050405020304" pitchFamily="18" charset="0"/>
+              </a:rPr>
+              <a:t>&amp;</a:t>
+            </a:r>
+            <a:r>
+              <a:rPr lang="en-US" sz="1600" b="1" dirty="0">
+                <a:latin typeface="Times New Roman" panose="02020603050405020304" pitchFamily="18" charset="0"/>
+                <a:cs typeface="Times New Roman" panose="02020603050405020304" pitchFamily="18" charset="0"/>
+              </a:rPr>
+              <a:t> E</a:t>
+            </a:r>
+            <a:r>
+              <a:rPr lang="en-US" sz="1600" dirty="0">
+                <a:latin typeface="Times New Roman" panose="02020603050405020304" pitchFamily="18" charset="0"/>
+                <a:cs typeface="Times New Roman" panose="02020603050405020304" pitchFamily="18" charset="0"/>
+              </a:rPr>
+              <a:t> </a:t>
+            </a:r>
+            <a:r>
+              <a:rPr lang="en-US" sz="1600" dirty="0" smtClean="0">
+                <a:latin typeface="Times New Roman" panose="02020603050405020304" pitchFamily="18" charset="0"/>
+                <a:cs typeface="Times New Roman" panose="02020603050405020304" pitchFamily="18" charset="0"/>
+              </a:rPr>
+              <a:t>are observed under </a:t>
+            </a:r>
+            <a:r>
+              <a:rPr lang="en-US" sz="1600" dirty="0">
+                <a:latin typeface="Times New Roman" panose="02020603050405020304" pitchFamily="18" charset="0"/>
+                <a:cs typeface="Times New Roman" panose="02020603050405020304" pitchFamily="18" charset="0"/>
+              </a:rPr>
+              <a:t>moderate </a:t>
+            </a:r>
+            <a:r>
+              <a:rPr lang="en-US" sz="1600" dirty="0" smtClean="0">
+                <a:latin typeface="Times New Roman" panose="02020603050405020304" pitchFamily="18" charset="0"/>
+                <a:cs typeface="Times New Roman" panose="02020603050405020304" pitchFamily="18" charset="0"/>
+              </a:rPr>
+              <a:t>risk category. During the applicant’s screening process, it needs to be carefully monitored.</a:t>
+            </a:r>
+          </a:p>
+          <a:p>
+            <a:pPr marL="1200150" lvl="2" indent="-285750">
               <a:buFont typeface="Arial" panose="020B0604020202020204" pitchFamily="34" charset="0"/>
               <a:buChar char="•"/>
             </a:pPr>
             <a:r>
-              <a:rPr lang="en-US" dirty="0" smtClean="0">
-                <a:latin typeface="Times New Roman" panose="02020603050405020304" pitchFamily="18" charset="0"/>
-                <a:cs typeface="Times New Roman" panose="02020603050405020304" pitchFamily="18" charset="0"/>
-              </a:rPr>
-              <a:t>While screening the Borrower’s application, the </a:t>
-            </a:r>
-            <a:r>
-              <a:rPr lang="en-US" b="1" dirty="0">
-                <a:latin typeface="Times New Roman" panose="02020603050405020304" pitchFamily="18" charset="0"/>
-                <a:cs typeface="Times New Roman" panose="02020603050405020304" pitchFamily="18" charset="0"/>
-              </a:rPr>
-              <a:t>Revolve line utilization rate</a:t>
-            </a:r>
-            <a:r>
-              <a:rPr lang="en-US" dirty="0">
-                <a:latin typeface="Times New Roman" panose="02020603050405020304" pitchFamily="18" charset="0"/>
-                <a:cs typeface="Times New Roman" panose="02020603050405020304" pitchFamily="18" charset="0"/>
-              </a:rPr>
-              <a:t> </a:t>
-            </a:r>
-            <a:r>
-              <a:rPr lang="en-US" dirty="0" smtClean="0">
-                <a:latin typeface="Times New Roman" panose="02020603050405020304" pitchFamily="18" charset="0"/>
-                <a:cs typeface="Times New Roman" panose="02020603050405020304" pitchFamily="18" charset="0"/>
-              </a:rPr>
-              <a:t>should be at </a:t>
-            </a:r>
-            <a:r>
-              <a:rPr lang="en-US" dirty="0">
-                <a:latin typeface="Times New Roman" panose="02020603050405020304" pitchFamily="18" charset="0"/>
-                <a:cs typeface="Times New Roman" panose="02020603050405020304" pitchFamily="18" charset="0"/>
-              </a:rPr>
-              <a:t>the lower </a:t>
-            </a:r>
-            <a:r>
-              <a:rPr lang="en-US" dirty="0" smtClean="0">
-                <a:latin typeface="Times New Roman" panose="02020603050405020304" pitchFamily="18" charset="0"/>
-                <a:cs typeface="Times New Roman" panose="02020603050405020304" pitchFamily="18" charset="0"/>
-              </a:rPr>
-              <a:t>side to minimize the impact of default.</a:t>
-            </a:r>
-          </a:p>
-          <a:p>
-            <a:pPr marL="285750" indent="-285750">
+              <a:rPr lang="en-US" sz="1600" b="1" dirty="0">
+                <a:latin typeface="Times New Roman" panose="02020603050405020304" pitchFamily="18" charset="0"/>
+                <a:cs typeface="Times New Roman" panose="02020603050405020304" pitchFamily="18" charset="0"/>
+              </a:rPr>
+              <a:t>Western-US</a:t>
+            </a:r>
+            <a:r>
+              <a:rPr lang="en-US" sz="1600" dirty="0">
+                <a:latin typeface="Times New Roman" panose="02020603050405020304" pitchFamily="18" charset="0"/>
+                <a:cs typeface="Times New Roman" panose="02020603050405020304" pitchFamily="18" charset="0"/>
+              </a:rPr>
+              <a:t> region is higher on Moderate Risk as total outstanding balance is higher in this </a:t>
+            </a:r>
+            <a:r>
+              <a:rPr lang="en-US" sz="1600" dirty="0" smtClean="0">
+                <a:latin typeface="Times New Roman" panose="02020603050405020304" pitchFamily="18" charset="0"/>
+                <a:cs typeface="Times New Roman" panose="02020603050405020304" pitchFamily="18" charset="0"/>
+              </a:rPr>
+              <a:t>region. Applicants’ belonging to these regions should be carefully monitored.</a:t>
+            </a:r>
+            <a:endParaRPr lang="en-US" sz="1600" dirty="0">
+              <a:latin typeface="Times New Roman" panose="02020603050405020304" pitchFamily="18" charset="0"/>
+              <a:cs typeface="Times New Roman" panose="02020603050405020304" pitchFamily="18" charset="0"/>
+            </a:endParaRPr>
+          </a:p>
+          <a:p>
+            <a:pPr marL="1200150" lvl="2" indent="-285750">
               <a:buFont typeface="Arial" panose="020B0604020202020204" pitchFamily="34" charset="0"/>
               <a:buChar char="•"/>
             </a:pPr>
-            <a:r>
-              <a:rPr lang="en-US" dirty="0" smtClean="0">
-                <a:latin typeface="Times New Roman" panose="02020603050405020304" pitchFamily="18" charset="0"/>
-                <a:cs typeface="Times New Roman" panose="02020603050405020304" pitchFamily="18" charset="0"/>
-              </a:rPr>
-              <a:t>Insights from the Derived metrics can be utilized to address the maximum impact and minimize the proportion of default.</a:t>
-            </a:r>
+            <a:endParaRPr lang="en-US" dirty="0" smtClean="0">
+              <a:latin typeface="Times New Roman" panose="02020603050405020304" pitchFamily="18" charset="0"/>
+              <a:cs typeface="Times New Roman" panose="02020603050405020304" pitchFamily="18" charset="0"/>
+            </a:endParaRPr>
           </a:p>
         </p:txBody>
       </p:sp>
